--- a/git.pptx
+++ b/git.pptx
@@ -224,7 +224,7 @@
           <a:p>
             <a:fld id="{89E744D0-4B69-4805-8E5B-2ED33711F7F9}" type="datetimeFigureOut">
               <a:rPr lang="pt-BR" smtClean="0"/>
-              <a:t>28/10/2019</a:t>
+              <a:t>29/10/2019</a:t>
             </a:fld>
             <a:endParaRPr lang="pt-BR"/>
           </a:p>
@@ -7631,366 +7631,36 @@
           <a:chExt cx="0" cy="0"/>
         </a:xfrm>
       </p:grpSpPr>
-      <p:sp>
-        <p:nvSpPr>
-          <p:cNvPr id="158" name="CustomShape 1"/>
-          <p:cNvSpPr/>
+      <p:pic>
+        <p:nvPicPr>
+          <p:cNvPr id="2" name="Imagem 1"/>
+          <p:cNvPicPr preferRelativeResize="0">
+            <a:picLocks/>
+          </p:cNvPicPr>
           <p:nvPr/>
-        </p:nvSpPr>
+        </p:nvPicPr>
+        <p:blipFill>
+          <a:blip r:embed="rId3" cstate="print">
+            <a:extLst>
+              <a:ext uri="{28A0092B-C50C-407E-A947-70E740481C1C}">
+                <a14:useLocalDpi xmlns:a14="http://schemas.microsoft.com/office/drawing/2010/main" val="0"/>
+              </a:ext>
+            </a:extLst>
+          </a:blip>
+          <a:stretch>
+            <a:fillRect/>
+          </a:stretch>
+        </p:blipFill>
         <p:spPr>
           <a:xfrm>
-            <a:off x="217800" y="-18720"/>
-            <a:ext cx="10513440" cy="1323360"/>
+            <a:off x="0" y="0"/>
+            <a:ext cx="12192000" cy="6858000"/>
           </a:xfrm>
           <a:prstGeom prst="rect">
             <a:avLst/>
           </a:prstGeom>
-          <a:noFill/>
-          <a:ln>
-            <a:noFill/>
-          </a:ln>
         </p:spPr>
-        <p:style>
-          <a:lnRef idx="0">
-            <a:scrgbClr r="0" g="0" b="0"/>
-          </a:lnRef>
-          <a:fillRef idx="0">
-            <a:scrgbClr r="0" g="0" b="0"/>
-          </a:fillRef>
-          <a:effectRef idx="0">
-            <a:scrgbClr r="0" g="0" b="0"/>
-          </a:effectRef>
-          <a:fontRef idx="minor"/>
-        </p:style>
-        <p:txBody>
-          <a:bodyPr lIns="90000" tIns="45000" rIns="90000" bIns="45000" anchor="ctr"/>
-          <a:lstStyle/>
-          <a:p>
-            <a:pPr>
-              <a:lnSpc>
-                <a:spcPct val="100000"/>
-              </a:lnSpc>
-            </a:pPr>
-            <a:r>
-              <a:rPr lang="pt-BR" sz="3200" b="0" strike="noStrike" spc="-1" dirty="0" smtClean="0">
-                <a:solidFill>
-                  <a:srgbClr val="A6A6A6"/>
-                </a:solidFill>
-                <a:uFill>
-                  <a:solidFill>
-                    <a:srgbClr val="FFFFFF"/>
-                  </a:solidFill>
-                </a:uFill>
-                <a:latin typeface="EDP Preon"/>
-                <a:ea typeface="DejaVu Sans"/>
-              </a:rPr>
-              <a:t>História</a:t>
-            </a:r>
-            <a:endParaRPr lang="pt-BR" sz="1800" b="0" strike="noStrike" spc="-1" dirty="0">
-              <a:solidFill>
-                <a:srgbClr val="000000"/>
-              </a:solidFill>
-              <a:uFill>
-                <a:solidFill>
-                  <a:srgbClr val="FFFFFF"/>
-                </a:solidFill>
-              </a:uFill>
-              <a:latin typeface="Arial"/>
-            </a:endParaRPr>
-          </a:p>
-        </p:txBody>
-      </p:sp>
-      <p:sp>
-        <p:nvSpPr>
-          <p:cNvPr id="18" name="CustomShape 2"/>
-          <p:cNvSpPr/>
-          <p:nvPr/>
-        </p:nvSpPr>
-        <p:spPr>
-          <a:xfrm>
-            <a:off x="334800" y="2146320"/>
-            <a:ext cx="11543400" cy="2067840"/>
-          </a:xfrm>
-          <a:prstGeom prst="rect">
-            <a:avLst/>
-          </a:prstGeom>
-          <a:noFill/>
-          <a:ln>
-            <a:noFill/>
-          </a:ln>
-        </p:spPr>
-        <p:style>
-          <a:lnRef idx="0">
-            <a:scrgbClr r="0" g="0" b="0"/>
-          </a:lnRef>
-          <a:fillRef idx="0">
-            <a:scrgbClr r="0" g="0" b="0"/>
-          </a:fillRef>
-          <a:effectRef idx="0">
-            <a:scrgbClr r="0" g="0" b="0"/>
-          </a:effectRef>
-          <a:fontRef idx="minor"/>
-        </p:style>
-        <p:txBody>
-          <a:bodyPr lIns="90000" tIns="45000" rIns="90000" bIns="45000"/>
-          <a:lstStyle/>
-          <a:p>
-            <a:pPr>
-              <a:lnSpc>
-                <a:spcPct val="90000"/>
-              </a:lnSpc>
-            </a:pPr>
-            <a:endParaRPr lang="pt-BR" sz="1800" b="0" strike="noStrike" spc="-1" dirty="0">
-              <a:solidFill>
-                <a:srgbClr val="000000"/>
-              </a:solidFill>
-              <a:uFill>
-                <a:solidFill>
-                  <a:srgbClr val="FFFFFF"/>
-                </a:solidFill>
-              </a:uFill>
-              <a:latin typeface="Arial"/>
-            </a:endParaRPr>
-          </a:p>
-          <a:p>
-            <a:pPr marL="343080" indent="-340920">
-              <a:lnSpc>
-                <a:spcPct val="90000"/>
-              </a:lnSpc>
-              <a:buClr>
-                <a:srgbClr val="808080"/>
-              </a:buClr>
-              <a:buFont typeface="Arial"/>
-              <a:buChar char="•"/>
-            </a:pPr>
-            <a:r>
-              <a:rPr lang="pt-BR" sz="2000" b="0" strike="noStrike" spc="-1" dirty="0" smtClean="0">
-                <a:solidFill>
-                  <a:srgbClr val="808080"/>
-                </a:solidFill>
-                <a:uFill>
-                  <a:solidFill>
-                    <a:srgbClr val="FFFFFF"/>
-                  </a:solidFill>
-                </a:uFill>
-                <a:latin typeface="EDP Preon"/>
-                <a:ea typeface="DejaVu Sans"/>
-              </a:rPr>
-              <a:t>Baixo nível</a:t>
-            </a:r>
-            <a:endParaRPr lang="pt-BR" sz="1800" b="0" strike="noStrike" spc="-1" dirty="0">
-              <a:solidFill>
-                <a:srgbClr val="000000"/>
-              </a:solidFill>
-              <a:uFill>
-                <a:solidFill>
-                  <a:srgbClr val="FFFFFF"/>
-                </a:solidFill>
-              </a:uFill>
-              <a:latin typeface="Arial"/>
-            </a:endParaRPr>
-          </a:p>
-          <a:p>
-            <a:pPr marL="343080" indent="-340920">
-              <a:lnSpc>
-                <a:spcPct val="90000"/>
-              </a:lnSpc>
-              <a:buClr>
-                <a:srgbClr val="808080"/>
-              </a:buClr>
-              <a:buFont typeface="Arial"/>
-              <a:buChar char="•"/>
-            </a:pPr>
-            <a:r>
-              <a:rPr lang="pt-BR" sz="2000" b="0" strike="noStrike" spc="-1" dirty="0" smtClean="0">
-                <a:solidFill>
-                  <a:srgbClr val="808080"/>
-                </a:solidFill>
-                <a:uFill>
-                  <a:solidFill>
-                    <a:srgbClr val="FFFFFF"/>
-                  </a:solidFill>
-                </a:uFill>
-                <a:latin typeface="EDP Preon"/>
-                <a:ea typeface="DejaVu Sans"/>
-              </a:rPr>
-              <a:t>Problemas específicos</a:t>
-            </a:r>
-            <a:endParaRPr lang="pt-BR" sz="1800" b="0" strike="noStrike" spc="-1" dirty="0">
-              <a:solidFill>
-                <a:srgbClr val="000000"/>
-              </a:solidFill>
-              <a:uFill>
-                <a:solidFill>
-                  <a:srgbClr val="FFFFFF"/>
-                </a:solidFill>
-              </a:uFill>
-              <a:latin typeface="Arial"/>
-            </a:endParaRPr>
-          </a:p>
-          <a:p>
-            <a:pPr marL="343080" indent="-340920">
-              <a:lnSpc>
-                <a:spcPct val="90000"/>
-              </a:lnSpc>
-              <a:buClr>
-                <a:srgbClr val="808080"/>
-              </a:buClr>
-              <a:buFont typeface="Arial"/>
-              <a:buChar char="•"/>
-            </a:pPr>
-            <a:r>
-              <a:rPr lang="pt-BR" sz="2000" b="0" strike="noStrike" spc="-1" dirty="0" smtClean="0">
-                <a:solidFill>
-                  <a:srgbClr val="808080"/>
-                </a:solidFill>
-                <a:uFill>
-                  <a:solidFill>
-                    <a:srgbClr val="FFFFFF"/>
-                  </a:solidFill>
-                </a:uFill>
-                <a:latin typeface="EDP Preon"/>
-                <a:ea typeface="DejaVu Sans"/>
-              </a:rPr>
-              <a:t>Sem margem para erros</a:t>
-            </a:r>
-          </a:p>
-          <a:p>
-            <a:pPr marL="343080" indent="-340920">
-              <a:lnSpc>
-                <a:spcPct val="90000"/>
-              </a:lnSpc>
-              <a:buClr>
-                <a:srgbClr val="808080"/>
-              </a:buClr>
-              <a:buFont typeface="Arial"/>
-              <a:buChar char="•"/>
-            </a:pPr>
-            <a:r>
-              <a:rPr lang="pt-BR" sz="2000" spc="-1" dirty="0" smtClean="0">
-                <a:solidFill>
-                  <a:srgbClr val="808080"/>
-                </a:solidFill>
-                <a:uFill>
-                  <a:solidFill>
-                    <a:srgbClr val="FFFFFF"/>
-                  </a:solidFill>
-                </a:uFill>
-                <a:latin typeface="EDP Preon"/>
-              </a:rPr>
-              <a:t>Sem evolução de código</a:t>
-            </a:r>
-            <a:endParaRPr lang="pt-BR" sz="1800" b="0" strike="noStrike" spc="-1" dirty="0">
-              <a:solidFill>
-                <a:srgbClr val="000000"/>
-              </a:solidFill>
-              <a:uFill>
-                <a:solidFill>
-                  <a:srgbClr val="FFFFFF"/>
-                </a:solidFill>
-              </a:uFill>
-              <a:latin typeface="Arial"/>
-            </a:endParaRPr>
-          </a:p>
-          <a:p>
-            <a:pPr marL="343080" indent="-340920">
-              <a:lnSpc>
-                <a:spcPct val="90000"/>
-              </a:lnSpc>
-              <a:buClr>
-                <a:srgbClr val="808080"/>
-              </a:buClr>
-              <a:buFont typeface="Arial"/>
-              <a:buChar char="•"/>
-            </a:pPr>
-            <a:r>
-              <a:rPr lang="pt-BR" sz="2000" b="0" strike="noStrike" spc="-1" dirty="0" smtClean="0">
-                <a:solidFill>
-                  <a:srgbClr val="808080"/>
-                </a:solidFill>
-                <a:uFill>
-                  <a:solidFill>
-                    <a:srgbClr val="FFFFFF"/>
-                  </a:solidFill>
-                </a:uFill>
-                <a:latin typeface="EDP Preon"/>
-                <a:ea typeface="DejaVu Sans"/>
-              </a:rPr>
-              <a:t>Perfil espec</a:t>
-            </a:r>
-            <a:r>
-              <a:rPr lang="pt-BR" sz="2000" spc="-1" dirty="0" smtClean="0">
-                <a:solidFill>
-                  <a:srgbClr val="808080"/>
-                </a:solidFill>
-                <a:uFill>
-                  <a:solidFill>
-                    <a:srgbClr val="FFFFFF"/>
-                  </a:solidFill>
-                </a:uFill>
-                <a:latin typeface="EDP Preon"/>
-                <a:ea typeface="DejaVu Sans"/>
-              </a:rPr>
-              <a:t>ífico</a:t>
-            </a:r>
-          </a:p>
-          <a:p>
-            <a:pPr marL="343080" indent="-340920">
-              <a:lnSpc>
-                <a:spcPct val="90000"/>
-              </a:lnSpc>
-              <a:buClr>
-                <a:srgbClr val="808080"/>
-              </a:buClr>
-              <a:buFont typeface="Arial"/>
-              <a:buChar char="•"/>
-            </a:pPr>
-            <a:r>
-              <a:rPr lang="pt-BR" sz="2000" b="0" strike="noStrike" spc="-1" dirty="0" smtClean="0">
-                <a:solidFill>
-                  <a:srgbClr val="808080"/>
-                </a:solidFill>
-                <a:uFill>
-                  <a:solidFill>
-                    <a:srgbClr val="FFFFFF"/>
-                  </a:solidFill>
-                </a:uFill>
-                <a:latin typeface="EDP Preon"/>
-              </a:rPr>
-              <a:t>Fins acadêmicos e militares</a:t>
-            </a:r>
-            <a:endParaRPr lang="pt-BR" sz="1800" b="0" strike="noStrike" spc="-1" dirty="0">
-              <a:solidFill>
-                <a:srgbClr val="000000"/>
-              </a:solidFill>
-              <a:uFill>
-                <a:solidFill>
-                  <a:srgbClr val="FFFFFF"/>
-                </a:solidFill>
-              </a:uFill>
-              <a:latin typeface="Arial"/>
-            </a:endParaRPr>
-          </a:p>
-          <a:p>
-            <a:pPr>
-              <a:lnSpc>
-                <a:spcPct val="90000"/>
-              </a:lnSpc>
-            </a:pPr>
-            <a:endParaRPr lang="pt-BR" sz="1800" b="0" strike="noStrike" spc="-1" dirty="0">
-              <a:solidFill>
-                <a:srgbClr val="000000"/>
-              </a:solidFill>
-              <a:uFill>
-                <a:solidFill>
-                  <a:srgbClr val="FFFFFF"/>
-                </a:solidFill>
-              </a:uFill>
-              <a:latin typeface="Arial"/>
-            </a:endParaRPr>
-          </a:p>
-        </p:txBody>
-      </p:sp>
+      </p:pic>
     </p:spTree>
   </p:cSld>
   <p:clrMapOvr>
@@ -8023,78 +7693,9 @@
           <a:chExt cx="0" cy="0"/>
         </a:xfrm>
       </p:grpSpPr>
-      <p:sp>
-        <p:nvSpPr>
-          <p:cNvPr id="161" name="CustomShape 1"/>
-          <p:cNvSpPr/>
-          <p:nvPr/>
-        </p:nvSpPr>
-        <p:spPr>
-          <a:xfrm>
-            <a:off x="217800" y="-18720"/>
-            <a:ext cx="10513440" cy="1323360"/>
-          </a:xfrm>
-          <a:prstGeom prst="rect">
-            <a:avLst/>
-          </a:prstGeom>
-          <a:noFill/>
-          <a:ln>
-            <a:noFill/>
-          </a:ln>
-        </p:spPr>
-        <p:style>
-          <a:lnRef idx="0">
-            <a:scrgbClr r="0" g="0" b="0"/>
-          </a:lnRef>
-          <a:fillRef idx="0">
-            <a:scrgbClr r="0" g="0" b="0"/>
-          </a:fillRef>
-          <a:effectRef idx="0">
-            <a:scrgbClr r="0" g="0" b="0"/>
-          </a:effectRef>
-          <a:fontRef idx="minor"/>
-        </p:style>
-        <p:txBody>
-          <a:bodyPr lIns="90000" tIns="45000" rIns="90000" bIns="45000" anchor="ctr"/>
-          <a:lstStyle/>
-          <a:p>
-            <a:pPr>
-              <a:lnSpc>
-                <a:spcPct val="100000"/>
-              </a:lnSpc>
-            </a:pPr>
-            <a:r>
-              <a:rPr lang="pt-BR" sz="3200" b="0" strike="noStrike" spc="-1" dirty="0" smtClean="0">
-                <a:solidFill>
-                  <a:srgbClr val="A6A6A6"/>
-                </a:solidFill>
-                <a:uFill>
-                  <a:solidFill>
-                    <a:srgbClr val="FFFFFF"/>
-                  </a:solidFill>
-                </a:uFill>
-                <a:latin typeface="EDP Preon"/>
-                <a:ea typeface="DejaVu Sans"/>
-              </a:rPr>
-              <a:t>Primórdios do software</a:t>
-            </a:r>
-            <a:endParaRPr lang="pt-BR" sz="1800" b="0" strike="noStrike" spc="-1" dirty="0">
-              <a:solidFill>
-                <a:srgbClr val="000000"/>
-              </a:solidFill>
-              <a:uFill>
-                <a:solidFill>
-                  <a:srgbClr val="FFFFFF"/>
-                </a:solidFill>
-              </a:uFill>
-              <a:latin typeface="Arial"/>
-            </a:endParaRPr>
-          </a:p>
-        </p:txBody>
-      </p:sp>
       <p:pic>
         <p:nvPicPr>
-          <p:cNvPr id="4" name="Imagem 3"/>
+          <p:cNvPr id="3" name="Imagem 2"/>
           <p:cNvPicPr>
             <a:picLocks noChangeAspect="1"/>
           </p:cNvPicPr>
@@ -8114,305 +7715,14 @@
         </p:blipFill>
         <p:spPr>
           <a:xfrm>
-            <a:off x="6312024" y="2276872"/>
-            <a:ext cx="5600700" cy="2476500"/>
+            <a:off x="-24680" y="-27384"/>
+            <a:ext cx="12216680" cy="6885384"/>
           </a:xfrm>
           <a:prstGeom prst="rect">
             <a:avLst/>
           </a:prstGeom>
         </p:spPr>
       </p:pic>
-      <p:sp>
-        <p:nvSpPr>
-          <p:cNvPr id="12" name="CustomShape 2"/>
-          <p:cNvSpPr/>
-          <p:nvPr/>
-        </p:nvSpPr>
-        <p:spPr>
-          <a:xfrm>
-            <a:off x="334800" y="2146320"/>
-            <a:ext cx="11543400" cy="2067840"/>
-          </a:xfrm>
-          <a:prstGeom prst="rect">
-            <a:avLst/>
-          </a:prstGeom>
-          <a:noFill/>
-          <a:ln>
-            <a:noFill/>
-          </a:ln>
-        </p:spPr>
-        <p:style>
-          <a:lnRef idx="0">
-            <a:scrgbClr r="0" g="0" b="0"/>
-          </a:lnRef>
-          <a:fillRef idx="0">
-            <a:scrgbClr r="0" g="0" b="0"/>
-          </a:fillRef>
-          <a:effectRef idx="0">
-            <a:scrgbClr r="0" g="0" b="0"/>
-          </a:effectRef>
-          <a:fontRef idx="minor"/>
-        </p:style>
-        <p:txBody>
-          <a:bodyPr lIns="90000" tIns="45000" rIns="90000" bIns="45000"/>
-          <a:lstStyle/>
-          <a:p>
-            <a:pPr>
-              <a:lnSpc>
-                <a:spcPct val="90000"/>
-              </a:lnSpc>
-            </a:pPr>
-            <a:endParaRPr lang="pt-BR" sz="1800" b="0" strike="noStrike" spc="-1" dirty="0">
-              <a:solidFill>
-                <a:srgbClr val="000000"/>
-              </a:solidFill>
-              <a:uFill>
-                <a:solidFill>
-                  <a:srgbClr val="FFFFFF"/>
-                </a:solidFill>
-              </a:uFill>
-              <a:latin typeface="Arial"/>
-            </a:endParaRPr>
-          </a:p>
-          <a:p>
-            <a:pPr marL="343080" indent="-340920">
-              <a:lnSpc>
-                <a:spcPct val="90000"/>
-              </a:lnSpc>
-              <a:buClr>
-                <a:srgbClr val="808080"/>
-              </a:buClr>
-              <a:buFont typeface="Arial"/>
-              <a:buChar char="•"/>
-            </a:pPr>
-            <a:r>
-              <a:rPr lang="pt-BR" sz="2000" b="0" strike="noStrike" spc="-1" dirty="0" smtClean="0">
-                <a:solidFill>
-                  <a:srgbClr val="808080"/>
-                </a:solidFill>
-                <a:uFill>
-                  <a:solidFill>
-                    <a:srgbClr val="FFFFFF"/>
-                  </a:solidFill>
-                </a:uFill>
-                <a:latin typeface="EDP Preon"/>
-                <a:ea typeface="DejaVu Sans"/>
-              </a:rPr>
-              <a:t>Baixo nível</a:t>
-            </a:r>
-            <a:endParaRPr lang="pt-BR" sz="1800" b="0" strike="noStrike" spc="-1" dirty="0">
-              <a:solidFill>
-                <a:srgbClr val="000000"/>
-              </a:solidFill>
-              <a:uFill>
-                <a:solidFill>
-                  <a:srgbClr val="FFFFFF"/>
-                </a:solidFill>
-              </a:uFill>
-              <a:latin typeface="Arial"/>
-            </a:endParaRPr>
-          </a:p>
-          <a:p>
-            <a:pPr marL="343080" indent="-340920">
-              <a:lnSpc>
-                <a:spcPct val="90000"/>
-              </a:lnSpc>
-              <a:buClr>
-                <a:srgbClr val="808080"/>
-              </a:buClr>
-              <a:buFont typeface="Arial"/>
-              <a:buChar char="•"/>
-            </a:pPr>
-            <a:r>
-              <a:rPr lang="pt-BR" sz="2000" b="0" strike="noStrike" spc="-1" dirty="0" smtClean="0">
-                <a:solidFill>
-                  <a:srgbClr val="808080"/>
-                </a:solidFill>
-                <a:uFill>
-                  <a:solidFill>
-                    <a:srgbClr val="FFFFFF"/>
-                  </a:solidFill>
-                </a:uFill>
-                <a:latin typeface="EDP Preon"/>
-                <a:ea typeface="DejaVu Sans"/>
-              </a:rPr>
-              <a:t>Problemas específicos</a:t>
-            </a:r>
-            <a:endParaRPr lang="pt-BR" sz="1800" b="0" strike="noStrike" spc="-1" dirty="0">
-              <a:solidFill>
-                <a:srgbClr val="000000"/>
-              </a:solidFill>
-              <a:uFill>
-                <a:solidFill>
-                  <a:srgbClr val="FFFFFF"/>
-                </a:solidFill>
-              </a:uFill>
-              <a:latin typeface="Arial"/>
-            </a:endParaRPr>
-          </a:p>
-          <a:p>
-            <a:pPr marL="343080" indent="-340920">
-              <a:lnSpc>
-                <a:spcPct val="90000"/>
-              </a:lnSpc>
-              <a:buClr>
-                <a:srgbClr val="808080"/>
-              </a:buClr>
-              <a:buFont typeface="Arial"/>
-              <a:buChar char="•"/>
-            </a:pPr>
-            <a:r>
-              <a:rPr lang="pt-BR" sz="2000" b="0" strike="noStrike" spc="-1" dirty="0" smtClean="0">
-                <a:solidFill>
-                  <a:srgbClr val="808080"/>
-                </a:solidFill>
-                <a:uFill>
-                  <a:solidFill>
-                    <a:srgbClr val="FFFFFF"/>
-                  </a:solidFill>
-                </a:uFill>
-                <a:latin typeface="EDP Preon"/>
-                <a:ea typeface="DejaVu Sans"/>
-              </a:rPr>
-              <a:t>Sem margem para erros</a:t>
-            </a:r>
-          </a:p>
-          <a:p>
-            <a:pPr marL="343080" indent="-340920">
-              <a:lnSpc>
-                <a:spcPct val="90000"/>
-              </a:lnSpc>
-              <a:buClr>
-                <a:srgbClr val="808080"/>
-              </a:buClr>
-              <a:buFont typeface="Arial"/>
-              <a:buChar char="•"/>
-            </a:pPr>
-            <a:r>
-              <a:rPr lang="pt-BR" sz="2000" spc="-1" dirty="0" smtClean="0">
-                <a:solidFill>
-                  <a:srgbClr val="808080"/>
-                </a:solidFill>
-                <a:uFill>
-                  <a:solidFill>
-                    <a:srgbClr val="FFFFFF"/>
-                  </a:solidFill>
-                </a:uFill>
-                <a:latin typeface="EDP Preon"/>
-              </a:rPr>
-              <a:t>Sem evolução de código</a:t>
-            </a:r>
-            <a:endParaRPr lang="pt-BR" sz="1800" b="0" strike="noStrike" spc="-1" dirty="0">
-              <a:solidFill>
-                <a:srgbClr val="000000"/>
-              </a:solidFill>
-              <a:uFill>
-                <a:solidFill>
-                  <a:srgbClr val="FFFFFF"/>
-                </a:solidFill>
-              </a:uFill>
-              <a:latin typeface="Arial"/>
-            </a:endParaRPr>
-          </a:p>
-          <a:p>
-            <a:pPr marL="343080" indent="-340920">
-              <a:lnSpc>
-                <a:spcPct val="90000"/>
-              </a:lnSpc>
-              <a:buClr>
-                <a:srgbClr val="808080"/>
-              </a:buClr>
-              <a:buFont typeface="Arial"/>
-              <a:buChar char="•"/>
-            </a:pPr>
-            <a:r>
-              <a:rPr lang="pt-BR" sz="2000" b="0" strike="noStrike" spc="-1" dirty="0" smtClean="0">
-                <a:solidFill>
-                  <a:srgbClr val="808080"/>
-                </a:solidFill>
-                <a:uFill>
-                  <a:solidFill>
-                    <a:srgbClr val="FFFFFF"/>
-                  </a:solidFill>
-                </a:uFill>
-                <a:latin typeface="EDP Preon"/>
-                <a:ea typeface="DejaVu Sans"/>
-              </a:rPr>
-              <a:t>Perfil espec</a:t>
-            </a:r>
-            <a:r>
-              <a:rPr lang="pt-BR" sz="2000" spc="-1" dirty="0" smtClean="0">
-                <a:solidFill>
-                  <a:srgbClr val="808080"/>
-                </a:solidFill>
-                <a:uFill>
-                  <a:solidFill>
-                    <a:srgbClr val="FFFFFF"/>
-                  </a:solidFill>
-                </a:uFill>
-                <a:latin typeface="EDP Preon"/>
-                <a:ea typeface="DejaVu Sans"/>
-              </a:rPr>
-              <a:t>ífico</a:t>
-            </a:r>
-          </a:p>
-          <a:p>
-            <a:pPr marL="343080" indent="-340920">
-              <a:lnSpc>
-                <a:spcPct val="90000"/>
-              </a:lnSpc>
-              <a:buClr>
-                <a:srgbClr val="808080"/>
-              </a:buClr>
-              <a:buFont typeface="Arial"/>
-              <a:buChar char="•"/>
-            </a:pPr>
-            <a:r>
-              <a:rPr lang="pt-BR" sz="2000" b="0" strike="noStrike" spc="-1" dirty="0" smtClean="0">
-                <a:solidFill>
-                  <a:srgbClr val="808080"/>
-                </a:solidFill>
-                <a:uFill>
-                  <a:solidFill>
-                    <a:srgbClr val="FFFFFF"/>
-                  </a:solidFill>
-                </a:uFill>
-                <a:latin typeface="EDP Preon"/>
-              </a:rPr>
-              <a:t>Fins acadêmicos e militares</a:t>
-            </a:r>
-            <a:endParaRPr lang="pt-BR" sz="1800" b="0" strike="noStrike" spc="-1" dirty="0">
-              <a:solidFill>
-                <a:srgbClr val="000000"/>
-              </a:solidFill>
-              <a:uFill>
-                <a:solidFill>
-                  <a:srgbClr val="FFFFFF"/>
-                </a:solidFill>
-              </a:uFill>
-              <a:latin typeface="Arial"/>
-            </a:endParaRPr>
-          </a:p>
-          <a:p>
-            <a:pPr>
-              <a:lnSpc>
-                <a:spcPct val="90000"/>
-              </a:lnSpc>
-            </a:pPr>
-            <a:endParaRPr lang="pt-BR" sz="1800" b="0" strike="noStrike" spc="-1" dirty="0">
-              <a:solidFill>
-                <a:srgbClr val="000000"/>
-              </a:solidFill>
-              <a:uFill>
-                <a:solidFill>
-                  <a:srgbClr val="FFFFFF"/>
-                </a:solidFill>
-              </a:uFill>
-              <a:latin typeface="Arial"/>
-            </a:endParaRPr>
-          </a:p>
-        </p:txBody>
-      </p:sp>
     </p:spTree>
   </p:cSld>
   <p:clrMapOvr>

--- a/git.pptx
+++ b/git.pptx
@@ -5,26 +5,28 @@
     <p:sldMasterId id="2147483648" r:id="rId1"/>
   </p:sldMasterIdLst>
   <p:notesMasterIdLst>
-    <p:notesMasterId r:id="rId19"/>
+    <p:notesMasterId r:id="rId21"/>
   </p:notesMasterIdLst>
   <p:sldIdLst>
     <p:sldId id="256" r:id="rId2"/>
     <p:sldId id="258" r:id="rId3"/>
     <p:sldId id="259" r:id="rId4"/>
     <p:sldId id="269" r:id="rId5"/>
-    <p:sldId id="261" r:id="rId6"/>
-    <p:sldId id="262" r:id="rId7"/>
-    <p:sldId id="263" r:id="rId8"/>
-    <p:sldId id="264" r:id="rId9"/>
-    <p:sldId id="265" r:id="rId10"/>
-    <p:sldId id="270" r:id="rId11"/>
-    <p:sldId id="266" r:id="rId12"/>
-    <p:sldId id="271" r:id="rId13"/>
-    <p:sldId id="272" r:id="rId14"/>
-    <p:sldId id="273" r:id="rId15"/>
-    <p:sldId id="274" r:id="rId16"/>
-    <p:sldId id="275" r:id="rId17"/>
-    <p:sldId id="267" r:id="rId18"/>
+    <p:sldId id="276" r:id="rId6"/>
+    <p:sldId id="277" r:id="rId7"/>
+    <p:sldId id="261" r:id="rId8"/>
+    <p:sldId id="262" r:id="rId9"/>
+    <p:sldId id="263" r:id="rId10"/>
+    <p:sldId id="264" r:id="rId11"/>
+    <p:sldId id="265" r:id="rId12"/>
+    <p:sldId id="270" r:id="rId13"/>
+    <p:sldId id="266" r:id="rId14"/>
+    <p:sldId id="271" r:id="rId15"/>
+    <p:sldId id="272" r:id="rId16"/>
+    <p:sldId id="273" r:id="rId17"/>
+    <p:sldId id="274" r:id="rId18"/>
+    <p:sldId id="275" r:id="rId19"/>
+    <p:sldId id="267" r:id="rId20"/>
   </p:sldIdLst>
   <p:sldSz cx="12192000" cy="6858000"/>
   <p:notesSz cx="7559675" cy="10691813"/>
@@ -224,7 +226,7 @@
           <a:p>
             <a:fld id="{89E744D0-4B69-4805-8E5B-2ED33711F7F9}" type="datetimeFigureOut">
               <a:rPr lang="pt-BR" smtClean="0"/>
-              <a:t>29/10/2019</a:t>
+              <a:t>30/10/2019</a:t>
             </a:fld>
             <a:endParaRPr lang="pt-BR"/>
           </a:p>
@@ -641,7 +643,7 @@
           <a:p>
             <a:fld id="{D986AB5F-DE36-496E-8AB9-DFE6C126C4FD}" type="slidenum">
               <a:rPr lang="pt-BR" smtClean="0"/>
-              <a:t>12</a:t>
+              <a:t>14</a:t>
             </a:fld>
             <a:endParaRPr lang="pt-BR"/>
           </a:p>
@@ -725,7 +727,7 @@
           <a:p>
             <a:fld id="{D986AB5F-DE36-496E-8AB9-DFE6C126C4FD}" type="slidenum">
               <a:rPr lang="pt-BR" smtClean="0"/>
-              <a:t>13</a:t>
+              <a:t>15</a:t>
             </a:fld>
             <a:endParaRPr lang="pt-BR"/>
           </a:p>
@@ -809,7 +811,7 @@
           <a:p>
             <a:fld id="{D986AB5F-DE36-496E-8AB9-DFE6C126C4FD}" type="slidenum">
               <a:rPr lang="pt-BR" smtClean="0"/>
-              <a:t>14</a:t>
+              <a:t>16</a:t>
             </a:fld>
             <a:endParaRPr lang="pt-BR"/>
           </a:p>
@@ -893,7 +895,7 @@
           <a:p>
             <a:fld id="{D986AB5F-DE36-496E-8AB9-DFE6C126C4FD}" type="slidenum">
               <a:rPr lang="pt-BR" smtClean="0"/>
-              <a:t>15</a:t>
+              <a:t>17</a:t>
             </a:fld>
             <a:endParaRPr lang="pt-BR"/>
           </a:p>
@@ -977,7 +979,7 @@
           <a:p>
             <a:fld id="{D986AB5F-DE36-496E-8AB9-DFE6C126C4FD}" type="slidenum">
               <a:rPr lang="pt-BR" smtClean="0"/>
-              <a:t>16</a:t>
+              <a:t>18</a:t>
             </a:fld>
             <a:endParaRPr lang="pt-BR"/>
           </a:p>
@@ -3082,7 +3084,7 @@
       </p:grpSpPr>
       <p:sp>
         <p:nvSpPr>
-          <p:cNvPr id="186" name="CustomShape 1"/>
+          <p:cNvPr id="180" name="CustomShape 1"/>
           <p:cNvSpPr/>
           <p:nvPr/>
         </p:nvSpPr>
@@ -3121,7 +3123,7 @@
               </a:lnSpc>
             </a:pPr>
             <a:r>
-              <a:rPr lang="pt-BR" sz="3200" b="0" strike="noStrike" spc="-1" dirty="0" err="1" smtClean="0">
+              <a:rPr lang="pt-BR" sz="3200" b="0" strike="noStrike" spc="-1" dirty="0" smtClean="0">
                 <a:solidFill>
                   <a:srgbClr val="A6A6A6"/>
                 </a:solidFill>
@@ -3133,10 +3135,10 @@
                 <a:latin typeface="EDP Preon"/>
                 <a:ea typeface="DejaVu Sans"/>
               </a:rPr>
-              <a:t>Fast</a:t>
-            </a:r>
-            <a:r>
-              <a:rPr lang="pt-BR" sz="3200" b="0" strike="noStrike" spc="-1" dirty="0" smtClean="0">
+              <a:t>Snapshot e </a:t>
+            </a:r>
+            <a:r>
+              <a:rPr lang="pt-BR" sz="3200" b="0" strike="noStrike" spc="-1" dirty="0" err="1" smtClean="0">
                 <a:solidFill>
                   <a:srgbClr val="A6A6A6"/>
                 </a:solidFill>
@@ -3148,22 +3150,7 @@
                 <a:latin typeface="EDP Preon"/>
                 <a:ea typeface="DejaVu Sans"/>
               </a:rPr>
-              <a:t> </a:t>
-            </a:r>
-            <a:r>
-              <a:rPr lang="pt-BR" sz="3200" b="0" strike="noStrike" spc="-1" dirty="0" err="1" smtClean="0">
-                <a:solidFill>
-                  <a:srgbClr val="A6A6A6"/>
-                </a:solidFill>
-                <a:uFill>
-                  <a:solidFill>
-                    <a:srgbClr val="FFFFFF"/>
-                  </a:solidFill>
-                </a:uFill>
-                <a:latin typeface="EDP Preon"/>
-                <a:ea typeface="DejaVu Sans"/>
-              </a:rPr>
-              <a:t>forward</a:t>
+              <a:t>Branch</a:t>
             </a:r>
             <a:endParaRPr lang="pt-BR" sz="1800" b="0" strike="noStrike" spc="-1" dirty="0">
               <a:solidFill>
@@ -3181,7 +3168,7 @@
       </p:sp>
       <p:pic>
         <p:nvPicPr>
-          <p:cNvPr id="5" name="Imagem 4"/>
+          <p:cNvPr id="2" name="Imagem 1"/>
           <p:cNvPicPr>
             <a:picLocks noChangeAspect="1"/>
           </p:cNvPicPr>
@@ -3201,8 +3188,8 @@
         </p:blipFill>
         <p:spPr>
           <a:xfrm>
-            <a:off x="3093357" y="0"/>
-            <a:ext cx="6005286" cy="6858000"/>
+            <a:off x="1196652" y="2068785"/>
+            <a:ext cx="9867900" cy="4600575"/>
           </a:xfrm>
           <a:prstGeom prst="rect">
             <a:avLst/>
@@ -3210,11 +3197,6 @@
         </p:spPr>
       </p:pic>
     </p:spTree>
-    <p:extLst>
-      <p:ext uri="{BB962C8B-B14F-4D97-AF65-F5344CB8AC3E}">
-        <p14:creationId xmlns:p14="http://schemas.microsoft.com/office/powerpoint/2010/main" val="745732237"/>
-      </p:ext>
-    </p:extLst>
   </p:cSld>
   <p:clrMapOvr>
     <a:masterClrMapping/>
@@ -3268,7 +3250,7 @@
       </p:grpSpPr>
       <p:sp>
         <p:nvSpPr>
-          <p:cNvPr id="186" name="CustomShape 1"/>
+          <p:cNvPr id="183" name="CustomShape 1"/>
           <p:cNvSpPr/>
           <p:nvPr/>
         </p:nvSpPr>
@@ -3319,28 +3301,7 @@
                 <a:latin typeface="EDP Preon"/>
                 <a:ea typeface="DejaVu Sans"/>
               </a:rPr>
-              <a:t>Merge com ou</a:t>
-            </a:r>
-          </a:p>
-          <a:p>
-            <a:pPr>
-              <a:lnSpc>
-                <a:spcPct val="100000"/>
-              </a:lnSpc>
-            </a:pPr>
-            <a:r>
-              <a:rPr lang="pt-BR" sz="3200" spc="-1" dirty="0" smtClean="0">
-                <a:solidFill>
-                  <a:srgbClr val="A6A6A6"/>
-                </a:solidFill>
-                <a:uFill>
-                  <a:solidFill>
-                    <a:srgbClr val="FFFFFF"/>
-                  </a:solidFill>
-                </a:uFill>
-                <a:latin typeface="EDP Preon"/>
-              </a:rPr>
-              <a:t>sem conflito</a:t>
+              <a:t>Merge</a:t>
             </a:r>
             <a:endParaRPr lang="pt-BR" sz="1800" b="0" strike="noStrike" spc="-1" dirty="0">
               <a:solidFill>
@@ -3378,8 +3339,8 @@
         </p:blipFill>
         <p:spPr>
           <a:xfrm>
-            <a:off x="3258359" y="0"/>
-            <a:ext cx="5675282" cy="6858000"/>
+            <a:off x="2286000" y="1700808"/>
+            <a:ext cx="7620000" cy="4362450"/>
           </a:xfrm>
           <a:prstGeom prst="rect">
             <a:avLst/>
@@ -3479,7 +3440,7 @@
               </a:lnSpc>
             </a:pPr>
             <a:r>
-              <a:rPr lang="pt-BR" sz="3200" b="0" strike="noStrike" spc="-1" dirty="0" smtClean="0">
+              <a:rPr lang="pt-BR" sz="3200" b="0" strike="noStrike" spc="-1" dirty="0" err="1" smtClean="0">
                 <a:solidFill>
                   <a:srgbClr val="A6A6A6"/>
                 </a:solidFill>
@@ -3491,10 +3452,10 @@
                 <a:latin typeface="EDP Preon"/>
                 <a:ea typeface="DejaVu Sans"/>
               </a:rPr>
-              <a:t>Merge </a:t>
-            </a:r>
-            <a:r>
-              <a:rPr lang="pt-BR" sz="3200" spc="-1" dirty="0" smtClean="0">
+              <a:t>Fast</a:t>
+            </a:r>
+            <a:r>
+              <a:rPr lang="pt-BR" sz="3200" b="0" strike="noStrike" spc="-1" dirty="0" smtClean="0">
                 <a:solidFill>
                   <a:srgbClr val="A6A6A6"/>
                 </a:solidFill>
@@ -3504,8 +3465,24 @@
                   </a:solidFill>
                 </a:uFill>
                 <a:latin typeface="EDP Preon"/>
-              </a:rPr>
-              <a:t>sem conflito</a:t>
+                <a:ea typeface="DejaVu Sans"/>
+              </a:rPr>
+              <a:t> </a:t>
+            </a:r>
+            <a:r>
+              <a:rPr lang="pt-BR" sz="3200" b="0" strike="noStrike" spc="-1" dirty="0" err="1" smtClean="0">
+                <a:solidFill>
+                  <a:srgbClr val="A6A6A6"/>
+                </a:solidFill>
+                <a:uFill>
+                  <a:solidFill>
+                    <a:srgbClr val="FFFFFF"/>
+                  </a:solidFill>
+                </a:uFill>
+                <a:latin typeface="EDP Preon"/>
+                <a:ea typeface="DejaVu Sans"/>
+              </a:rPr>
+              <a:t>forward</a:t>
             </a:r>
             <a:endParaRPr lang="pt-BR" sz="1800" b="0" strike="noStrike" spc="-1" dirty="0">
               <a:solidFill>
@@ -3521,1168 +3498,40 @@
           </a:p>
         </p:txBody>
       </p:sp>
-      <p:sp>
-        <p:nvSpPr>
-          <p:cNvPr id="5" name="CustomShape 2"/>
-          <p:cNvSpPr/>
+      <p:pic>
+        <p:nvPicPr>
+          <p:cNvPr id="5" name="Imagem 4"/>
+          <p:cNvPicPr>
+            <a:picLocks noChangeAspect="1"/>
+          </p:cNvPicPr>
           <p:nvPr/>
-        </p:nvSpPr>
+        </p:nvPicPr>
+        <p:blipFill>
+          <a:blip r:embed="rId2">
+            <a:extLst>
+              <a:ext uri="{28A0092B-C50C-407E-A947-70E740481C1C}">
+                <a14:useLocalDpi xmlns:a14="http://schemas.microsoft.com/office/drawing/2010/main" val="0"/>
+              </a:ext>
+            </a:extLst>
+          </a:blip>
+          <a:stretch>
+            <a:fillRect/>
+          </a:stretch>
+        </p:blipFill>
         <p:spPr>
           <a:xfrm>
-            <a:off x="334800" y="2146320"/>
-            <a:ext cx="2016784" cy="2578824"/>
+            <a:off x="3093357" y="0"/>
+            <a:ext cx="6005286" cy="6858000"/>
           </a:xfrm>
           <a:prstGeom prst="rect">
             <a:avLst/>
           </a:prstGeom>
-          <a:gradFill>
-            <a:gsLst>
-              <a:gs pos="0">
-                <a:schemeClr val="accent1">
-                  <a:lumMod val="5000"/>
-                  <a:lumOff val="95000"/>
-                </a:schemeClr>
-              </a:gs>
-              <a:gs pos="74000">
-                <a:schemeClr val="accent1">
-                  <a:lumMod val="45000"/>
-                  <a:lumOff val="55000"/>
-                </a:schemeClr>
-              </a:gs>
-              <a:gs pos="83000">
-                <a:schemeClr val="accent1">
-                  <a:lumMod val="45000"/>
-                  <a:lumOff val="55000"/>
-                </a:schemeClr>
-              </a:gs>
-              <a:gs pos="100000">
-                <a:schemeClr val="accent1">
-                  <a:lumMod val="30000"/>
-                  <a:lumOff val="70000"/>
-                </a:schemeClr>
-              </a:gs>
-            </a:gsLst>
-            <a:lin ang="5400000" scaled="1"/>
-          </a:gradFill>
-          <a:ln>
-            <a:solidFill>
-              <a:schemeClr val="accent1"/>
-            </a:solidFill>
-          </a:ln>
         </p:spPr>
-        <p:style>
-          <a:lnRef idx="0">
-            <a:scrgbClr r="0" g="0" b="0"/>
-          </a:lnRef>
-          <a:fillRef idx="0">
-            <a:scrgbClr r="0" g="0" b="0"/>
-          </a:fillRef>
-          <a:effectRef idx="0">
-            <a:scrgbClr r="0" g="0" b="0"/>
-          </a:effectRef>
-          <a:fontRef idx="minor"/>
-        </p:style>
-        <p:txBody>
-          <a:bodyPr lIns="90000" tIns="45000" rIns="90000" bIns="45000"/>
-          <a:lstStyle/>
-          <a:p>
-            <a:pPr>
-              <a:lnSpc>
-                <a:spcPct val="90000"/>
-              </a:lnSpc>
-            </a:pPr>
-            <a:endParaRPr lang="pt-BR" sz="1800" b="0" strike="noStrike" spc="-1" dirty="0">
-              <a:solidFill>
-                <a:srgbClr val="000000"/>
-              </a:solidFill>
-              <a:uFill>
-                <a:solidFill>
-                  <a:srgbClr val="FFFFFF"/>
-                </a:solidFill>
-              </a:uFill>
-              <a:latin typeface="Arial"/>
-            </a:endParaRPr>
-          </a:p>
-          <a:p>
-            <a:pPr marL="2160">
-              <a:lnSpc>
-                <a:spcPct val="90000"/>
-              </a:lnSpc>
-              <a:buClr>
-                <a:srgbClr val="808080"/>
-              </a:buClr>
-            </a:pPr>
-            <a:r>
-              <a:rPr lang="pt-BR" sz="2000" spc="-1" dirty="0" smtClean="0">
-                <a:solidFill>
-                  <a:srgbClr val="808080"/>
-                </a:solidFill>
-                <a:uFill>
-                  <a:solidFill>
-                    <a:srgbClr val="FFFFFF"/>
-                  </a:solidFill>
-                </a:uFill>
-                <a:latin typeface="EDP Preon"/>
-                <a:ea typeface="DejaVu Sans"/>
-              </a:rPr>
-              <a:t>...</a:t>
-            </a:r>
-          </a:p>
-          <a:p>
-            <a:pPr marL="2160">
-              <a:lnSpc>
-                <a:spcPct val="90000"/>
-              </a:lnSpc>
-              <a:buClr>
-                <a:srgbClr val="808080"/>
-              </a:buClr>
-            </a:pPr>
-            <a:r>
-              <a:rPr lang="pt-BR" sz="2000" b="0" strike="noStrike" spc="-1" dirty="0" smtClean="0">
-                <a:solidFill>
-                  <a:srgbClr val="808080"/>
-                </a:solidFill>
-                <a:uFill>
-                  <a:solidFill>
-                    <a:srgbClr val="FFFFFF"/>
-                  </a:solidFill>
-                </a:uFill>
-                <a:latin typeface="EDP Preon"/>
-                <a:ea typeface="DejaVu Sans"/>
-              </a:rPr>
-              <a:t>Comando A</a:t>
-            </a:r>
-          </a:p>
-          <a:p>
-            <a:pPr marL="2160">
-              <a:lnSpc>
-                <a:spcPct val="90000"/>
-              </a:lnSpc>
-              <a:buClr>
-                <a:srgbClr val="808080"/>
-              </a:buClr>
-            </a:pPr>
-            <a:r>
-              <a:rPr lang="pt-BR" sz="2000" spc="-1" dirty="0" smtClean="0">
-                <a:solidFill>
-                  <a:srgbClr val="808080"/>
-                </a:solidFill>
-                <a:uFill>
-                  <a:solidFill>
-                    <a:srgbClr val="FFFFFF"/>
-                  </a:solidFill>
-                </a:uFill>
-                <a:latin typeface="EDP Preon"/>
-              </a:rPr>
-              <a:t>Comando B</a:t>
-            </a:r>
-          </a:p>
-          <a:p>
-            <a:pPr marL="2160">
-              <a:lnSpc>
-                <a:spcPct val="90000"/>
-              </a:lnSpc>
-              <a:buClr>
-                <a:srgbClr val="808080"/>
-              </a:buClr>
-            </a:pPr>
-            <a:r>
-              <a:rPr lang="pt-BR" sz="2000" spc="-1" dirty="0" smtClean="0">
-                <a:solidFill>
-                  <a:srgbClr val="808080"/>
-                </a:solidFill>
-                <a:uFill>
-                  <a:solidFill>
-                    <a:srgbClr val="FFFFFF"/>
-                  </a:solidFill>
-                </a:uFill>
-                <a:latin typeface="EDP Preon"/>
-              </a:rPr>
-              <a:t>...</a:t>
-            </a:r>
-          </a:p>
-          <a:p>
-            <a:pPr marL="2160">
-              <a:lnSpc>
-                <a:spcPct val="90000"/>
-              </a:lnSpc>
-              <a:buClr>
-                <a:srgbClr val="808080"/>
-              </a:buClr>
-            </a:pPr>
-            <a:endParaRPr lang="pt-BR" sz="2000" b="0" strike="noStrike" spc="-1" dirty="0" smtClean="0">
-              <a:solidFill>
-                <a:srgbClr val="808080"/>
-              </a:solidFill>
-              <a:uFill>
-                <a:solidFill>
-                  <a:srgbClr val="FFFFFF"/>
-                </a:solidFill>
-              </a:uFill>
-              <a:latin typeface="EDP Preon"/>
-            </a:endParaRPr>
-          </a:p>
-          <a:p>
-            <a:pPr marL="2160" algn="ctr">
-              <a:lnSpc>
-                <a:spcPct val="90000"/>
-              </a:lnSpc>
-              <a:buClr>
-                <a:srgbClr val="808080"/>
-              </a:buClr>
-            </a:pPr>
-            <a:endParaRPr lang="pt-BR" sz="2000" b="0" strike="noStrike" spc="-1" dirty="0" smtClean="0">
-              <a:solidFill>
-                <a:srgbClr val="808080"/>
-              </a:solidFill>
-              <a:uFill>
-                <a:solidFill>
-                  <a:srgbClr val="FFFFFF"/>
-                </a:solidFill>
-              </a:uFill>
-              <a:latin typeface="EDP Preon"/>
-            </a:endParaRPr>
-          </a:p>
-          <a:p>
-            <a:pPr marL="2160" algn="ctr">
-              <a:lnSpc>
-                <a:spcPct val="90000"/>
-              </a:lnSpc>
-              <a:buClr>
-                <a:srgbClr val="808080"/>
-              </a:buClr>
-            </a:pPr>
-            <a:endParaRPr lang="pt-BR" sz="2000" spc="-1" dirty="0">
-              <a:solidFill>
-                <a:srgbClr val="808080"/>
-              </a:solidFill>
-              <a:uFill>
-                <a:solidFill>
-                  <a:srgbClr val="FFFFFF"/>
-                </a:solidFill>
-              </a:uFill>
-              <a:latin typeface="EDP Preon"/>
-            </a:endParaRPr>
-          </a:p>
-          <a:p>
-            <a:pPr marL="2160" algn="ctr">
-              <a:lnSpc>
-                <a:spcPct val="90000"/>
-              </a:lnSpc>
-              <a:buClr>
-                <a:srgbClr val="808080"/>
-              </a:buClr>
-            </a:pPr>
-            <a:r>
-              <a:rPr lang="pt-BR" sz="2000" b="0" strike="noStrike" spc="-1" dirty="0" smtClean="0">
-                <a:solidFill>
-                  <a:srgbClr val="808080"/>
-                </a:solidFill>
-                <a:uFill>
-                  <a:solidFill>
-                    <a:srgbClr val="FFFFFF"/>
-                  </a:solidFill>
-                </a:uFill>
-                <a:latin typeface="EDP Preon"/>
-              </a:rPr>
-              <a:t>(B)</a:t>
-            </a:r>
-            <a:endParaRPr lang="pt-BR" sz="1800" b="0" strike="noStrike" spc="-1" dirty="0">
-              <a:solidFill>
-                <a:srgbClr val="000000"/>
-              </a:solidFill>
-              <a:uFill>
-                <a:solidFill>
-                  <a:srgbClr val="FFFFFF"/>
-                </a:solidFill>
-              </a:uFill>
-              <a:latin typeface="Arial"/>
-            </a:endParaRPr>
-          </a:p>
-        </p:txBody>
-      </p:sp>
-      <p:sp>
-        <p:nvSpPr>
-          <p:cNvPr id="6" name="CustomShape 2"/>
-          <p:cNvSpPr/>
-          <p:nvPr/>
-        </p:nvSpPr>
-        <p:spPr>
-          <a:xfrm>
-            <a:off x="2639056" y="2132856"/>
-            <a:ext cx="2016784" cy="2578824"/>
-          </a:xfrm>
-          <a:prstGeom prst="rect">
-            <a:avLst/>
-          </a:prstGeom>
-          <a:gradFill>
-            <a:gsLst>
-              <a:gs pos="0">
-                <a:schemeClr val="accent1">
-                  <a:lumMod val="5000"/>
-                  <a:lumOff val="95000"/>
-                </a:schemeClr>
-              </a:gs>
-              <a:gs pos="74000">
-                <a:schemeClr val="accent1">
-                  <a:lumMod val="45000"/>
-                  <a:lumOff val="55000"/>
-                </a:schemeClr>
-              </a:gs>
-              <a:gs pos="83000">
-                <a:schemeClr val="accent1">
-                  <a:lumMod val="45000"/>
-                  <a:lumOff val="55000"/>
-                </a:schemeClr>
-              </a:gs>
-              <a:gs pos="100000">
-                <a:schemeClr val="accent1">
-                  <a:lumMod val="30000"/>
-                  <a:lumOff val="70000"/>
-                </a:schemeClr>
-              </a:gs>
-            </a:gsLst>
-            <a:lin ang="5400000" scaled="1"/>
-          </a:gradFill>
-          <a:ln>
-            <a:solidFill>
-              <a:schemeClr val="accent1"/>
-            </a:solidFill>
-          </a:ln>
-        </p:spPr>
-        <p:style>
-          <a:lnRef idx="0">
-            <a:scrgbClr r="0" g="0" b="0"/>
-          </a:lnRef>
-          <a:fillRef idx="0">
-            <a:scrgbClr r="0" g="0" b="0"/>
-          </a:fillRef>
-          <a:effectRef idx="0">
-            <a:scrgbClr r="0" g="0" b="0"/>
-          </a:effectRef>
-          <a:fontRef idx="minor"/>
-        </p:style>
-        <p:txBody>
-          <a:bodyPr lIns="90000" tIns="45000" rIns="90000" bIns="45000"/>
-          <a:lstStyle/>
-          <a:p>
-            <a:pPr>
-              <a:lnSpc>
-                <a:spcPct val="90000"/>
-              </a:lnSpc>
-            </a:pPr>
-            <a:endParaRPr lang="pt-BR" sz="1800" b="0" strike="noStrike" spc="-1" dirty="0">
-              <a:solidFill>
-                <a:srgbClr val="000000"/>
-              </a:solidFill>
-              <a:uFill>
-                <a:solidFill>
-                  <a:srgbClr val="FFFFFF"/>
-                </a:solidFill>
-              </a:uFill>
-              <a:latin typeface="Arial"/>
-            </a:endParaRPr>
-          </a:p>
-          <a:p>
-            <a:pPr marL="2160">
-              <a:lnSpc>
-                <a:spcPct val="90000"/>
-              </a:lnSpc>
-              <a:buClr>
-                <a:srgbClr val="808080"/>
-              </a:buClr>
-            </a:pPr>
-            <a:r>
-              <a:rPr lang="pt-BR" sz="2000" spc="-1" dirty="0" smtClean="0">
-                <a:solidFill>
-                  <a:srgbClr val="808080"/>
-                </a:solidFill>
-                <a:uFill>
-                  <a:solidFill>
-                    <a:srgbClr val="FFFFFF"/>
-                  </a:solidFill>
-                </a:uFill>
-                <a:latin typeface="EDP Preon"/>
-                <a:ea typeface="DejaVu Sans"/>
-              </a:rPr>
-              <a:t>...</a:t>
-            </a:r>
-          </a:p>
-          <a:p>
-            <a:pPr marL="2160">
-              <a:lnSpc>
-                <a:spcPct val="90000"/>
-              </a:lnSpc>
-              <a:buClr>
-                <a:srgbClr val="808080"/>
-              </a:buClr>
-            </a:pPr>
-            <a:r>
-              <a:rPr lang="pt-BR" sz="2000" b="0" strike="noStrike" spc="-1" dirty="0" smtClean="0">
-                <a:solidFill>
-                  <a:srgbClr val="808080"/>
-                </a:solidFill>
-                <a:uFill>
-                  <a:solidFill>
-                    <a:srgbClr val="FFFFFF"/>
-                  </a:solidFill>
-                </a:uFill>
-                <a:latin typeface="EDP Preon"/>
-                <a:ea typeface="DejaVu Sans"/>
-              </a:rPr>
-              <a:t>Comando A</a:t>
-            </a:r>
-          </a:p>
-          <a:p>
-            <a:pPr marL="2160">
-              <a:lnSpc>
-                <a:spcPct val="90000"/>
-              </a:lnSpc>
-              <a:buClr>
-                <a:srgbClr val="808080"/>
-              </a:buClr>
-            </a:pPr>
-            <a:r>
-              <a:rPr lang="pt-BR" sz="2000" b="1" spc="-1" dirty="0" smtClean="0">
-                <a:solidFill>
-                  <a:srgbClr val="FF0000"/>
-                </a:solidFill>
-                <a:uFill>
-                  <a:solidFill>
-                    <a:srgbClr val="FFFFFF"/>
-                  </a:solidFill>
-                </a:uFill>
-                <a:latin typeface="EDP Preon"/>
-                <a:ea typeface="DejaVu Sans"/>
-              </a:rPr>
-              <a:t>Comando A2</a:t>
-            </a:r>
-            <a:endParaRPr lang="pt-BR" sz="2000" b="1" strike="noStrike" spc="-1" dirty="0" smtClean="0">
-              <a:solidFill>
-                <a:srgbClr val="FF0000"/>
-              </a:solidFill>
-              <a:uFill>
-                <a:solidFill>
-                  <a:srgbClr val="FFFFFF"/>
-                </a:solidFill>
-              </a:uFill>
-              <a:latin typeface="EDP Preon"/>
-              <a:ea typeface="DejaVu Sans"/>
-            </a:endParaRPr>
-          </a:p>
-          <a:p>
-            <a:pPr marL="2160">
-              <a:lnSpc>
-                <a:spcPct val="90000"/>
-              </a:lnSpc>
-              <a:buClr>
-                <a:srgbClr val="808080"/>
-              </a:buClr>
-            </a:pPr>
-            <a:r>
-              <a:rPr lang="pt-BR" sz="2000" spc="-1" dirty="0" smtClean="0">
-                <a:solidFill>
-                  <a:srgbClr val="808080"/>
-                </a:solidFill>
-                <a:uFill>
-                  <a:solidFill>
-                    <a:srgbClr val="FFFFFF"/>
-                  </a:solidFill>
-                </a:uFill>
-                <a:latin typeface="EDP Preon"/>
-              </a:rPr>
-              <a:t>Comando B</a:t>
-            </a:r>
-          </a:p>
-          <a:p>
-            <a:pPr marL="2160">
-              <a:lnSpc>
-                <a:spcPct val="90000"/>
-              </a:lnSpc>
-              <a:buClr>
-                <a:srgbClr val="808080"/>
-              </a:buClr>
-            </a:pPr>
-            <a:r>
-              <a:rPr lang="pt-BR" sz="2000" spc="-1" dirty="0" smtClean="0">
-                <a:solidFill>
-                  <a:srgbClr val="808080"/>
-                </a:solidFill>
-                <a:uFill>
-                  <a:solidFill>
-                    <a:srgbClr val="FFFFFF"/>
-                  </a:solidFill>
-                </a:uFill>
-                <a:latin typeface="EDP Preon"/>
-              </a:rPr>
-              <a:t>...</a:t>
-            </a:r>
-          </a:p>
-          <a:p>
-            <a:pPr marL="2160">
-              <a:lnSpc>
-                <a:spcPct val="90000"/>
-              </a:lnSpc>
-              <a:buClr>
-                <a:srgbClr val="808080"/>
-              </a:buClr>
-            </a:pPr>
-            <a:endParaRPr lang="pt-BR" sz="2000" b="0" strike="noStrike" spc="-1" dirty="0" smtClean="0">
-              <a:solidFill>
-                <a:srgbClr val="808080"/>
-              </a:solidFill>
-              <a:uFill>
-                <a:solidFill>
-                  <a:srgbClr val="FFFFFF"/>
-                </a:solidFill>
-              </a:uFill>
-              <a:latin typeface="EDP Preon"/>
-            </a:endParaRPr>
-          </a:p>
-          <a:p>
-            <a:pPr marL="2160" algn="ctr">
-              <a:lnSpc>
-                <a:spcPct val="90000"/>
-              </a:lnSpc>
-              <a:buClr>
-                <a:srgbClr val="808080"/>
-              </a:buClr>
-            </a:pPr>
-            <a:endParaRPr lang="pt-BR" sz="2000" b="0" strike="noStrike" spc="-1" dirty="0" smtClean="0">
-              <a:solidFill>
-                <a:srgbClr val="808080"/>
-              </a:solidFill>
-              <a:uFill>
-                <a:solidFill>
-                  <a:srgbClr val="FFFFFF"/>
-                </a:solidFill>
-              </a:uFill>
-              <a:latin typeface="EDP Preon"/>
-            </a:endParaRPr>
-          </a:p>
-          <a:p>
-            <a:pPr marL="2160" algn="ctr">
-              <a:lnSpc>
-                <a:spcPct val="90000"/>
-              </a:lnSpc>
-              <a:buClr>
-                <a:srgbClr val="808080"/>
-              </a:buClr>
-            </a:pPr>
-            <a:r>
-              <a:rPr lang="pt-BR" sz="2000" b="0" strike="noStrike" spc="-1" dirty="0" smtClean="0">
-                <a:solidFill>
-                  <a:srgbClr val="808080"/>
-                </a:solidFill>
-                <a:uFill>
-                  <a:solidFill>
-                    <a:srgbClr val="FFFFFF"/>
-                  </a:solidFill>
-                </a:uFill>
-                <a:latin typeface="EDP Preon"/>
-              </a:rPr>
-              <a:t>(E)</a:t>
-            </a:r>
-            <a:endParaRPr lang="pt-BR" sz="1800" b="0" strike="noStrike" spc="-1" dirty="0">
-              <a:solidFill>
-                <a:srgbClr val="000000"/>
-              </a:solidFill>
-              <a:uFill>
-                <a:solidFill>
-                  <a:srgbClr val="FFFFFF"/>
-                </a:solidFill>
-              </a:uFill>
-              <a:latin typeface="Arial"/>
-            </a:endParaRPr>
-          </a:p>
-        </p:txBody>
-      </p:sp>
-      <p:sp>
-        <p:nvSpPr>
-          <p:cNvPr id="7" name="CustomShape 2"/>
-          <p:cNvSpPr/>
-          <p:nvPr/>
-        </p:nvSpPr>
-        <p:spPr>
-          <a:xfrm>
-            <a:off x="4943312" y="2132856"/>
-            <a:ext cx="2016784" cy="2578824"/>
-          </a:xfrm>
-          <a:prstGeom prst="rect">
-            <a:avLst/>
-          </a:prstGeom>
-          <a:gradFill>
-            <a:gsLst>
-              <a:gs pos="0">
-                <a:schemeClr val="accent1">
-                  <a:lumMod val="5000"/>
-                  <a:lumOff val="95000"/>
-                </a:schemeClr>
-              </a:gs>
-              <a:gs pos="74000">
-                <a:schemeClr val="accent1">
-                  <a:lumMod val="45000"/>
-                  <a:lumOff val="55000"/>
-                </a:schemeClr>
-              </a:gs>
-              <a:gs pos="83000">
-                <a:schemeClr val="accent1">
-                  <a:lumMod val="45000"/>
-                  <a:lumOff val="55000"/>
-                </a:schemeClr>
-              </a:gs>
-              <a:gs pos="100000">
-                <a:schemeClr val="accent1">
-                  <a:lumMod val="30000"/>
-                  <a:lumOff val="70000"/>
-                </a:schemeClr>
-              </a:gs>
-            </a:gsLst>
-            <a:lin ang="5400000" scaled="1"/>
-          </a:gradFill>
-          <a:ln>
-            <a:solidFill>
-              <a:schemeClr val="accent1"/>
-            </a:solidFill>
-          </a:ln>
-        </p:spPr>
-        <p:style>
-          <a:lnRef idx="0">
-            <a:scrgbClr r="0" g="0" b="0"/>
-          </a:lnRef>
-          <a:fillRef idx="0">
-            <a:scrgbClr r="0" g="0" b="0"/>
-          </a:fillRef>
-          <a:effectRef idx="0">
-            <a:scrgbClr r="0" g="0" b="0"/>
-          </a:effectRef>
-          <a:fontRef idx="minor"/>
-        </p:style>
-        <p:txBody>
-          <a:bodyPr lIns="90000" tIns="45000" rIns="90000" bIns="45000"/>
-          <a:lstStyle/>
-          <a:p>
-            <a:pPr>
-              <a:lnSpc>
-                <a:spcPct val="90000"/>
-              </a:lnSpc>
-            </a:pPr>
-            <a:endParaRPr lang="pt-BR" sz="1800" b="0" strike="noStrike" spc="-1" dirty="0">
-              <a:solidFill>
-                <a:srgbClr val="000000"/>
-              </a:solidFill>
-              <a:uFill>
-                <a:solidFill>
-                  <a:srgbClr val="FFFFFF"/>
-                </a:solidFill>
-              </a:uFill>
-              <a:latin typeface="Arial"/>
-            </a:endParaRPr>
-          </a:p>
-          <a:p>
-            <a:pPr marL="2160">
-              <a:lnSpc>
-                <a:spcPct val="90000"/>
-              </a:lnSpc>
-              <a:buClr>
-                <a:srgbClr val="808080"/>
-              </a:buClr>
-            </a:pPr>
-            <a:r>
-              <a:rPr lang="pt-BR" sz="2000" spc="-1" dirty="0" smtClean="0">
-                <a:solidFill>
-                  <a:srgbClr val="808080"/>
-                </a:solidFill>
-                <a:uFill>
-                  <a:solidFill>
-                    <a:srgbClr val="FFFFFF"/>
-                  </a:solidFill>
-                </a:uFill>
-                <a:latin typeface="EDP Preon"/>
-                <a:ea typeface="DejaVu Sans"/>
-              </a:rPr>
-              <a:t>...</a:t>
-            </a:r>
-          </a:p>
-          <a:p>
-            <a:pPr marL="2160">
-              <a:lnSpc>
-                <a:spcPct val="90000"/>
-              </a:lnSpc>
-              <a:buClr>
-                <a:srgbClr val="808080"/>
-              </a:buClr>
-            </a:pPr>
-            <a:r>
-              <a:rPr lang="pt-BR" sz="2000" b="0" strike="noStrike" spc="-1" dirty="0" smtClean="0">
-                <a:solidFill>
-                  <a:srgbClr val="808080"/>
-                </a:solidFill>
-                <a:uFill>
-                  <a:solidFill>
-                    <a:srgbClr val="FFFFFF"/>
-                  </a:solidFill>
-                </a:uFill>
-                <a:latin typeface="EDP Preon"/>
-                <a:ea typeface="DejaVu Sans"/>
-              </a:rPr>
-              <a:t>Comando A</a:t>
-            </a:r>
-          </a:p>
-          <a:p>
-            <a:pPr marL="2160">
-              <a:lnSpc>
-                <a:spcPct val="90000"/>
-              </a:lnSpc>
-              <a:buClr>
-                <a:srgbClr val="808080"/>
-              </a:buClr>
-            </a:pPr>
-            <a:r>
-              <a:rPr lang="pt-BR" sz="2000" spc="-1" dirty="0" smtClean="0">
-                <a:solidFill>
-                  <a:srgbClr val="808080"/>
-                </a:solidFill>
-                <a:uFill>
-                  <a:solidFill>
-                    <a:srgbClr val="FFFFFF"/>
-                  </a:solidFill>
-                </a:uFill>
-                <a:latin typeface="EDP Preon"/>
-              </a:rPr>
-              <a:t>Comando B</a:t>
-            </a:r>
-          </a:p>
-          <a:p>
-            <a:pPr marL="2160">
-              <a:lnSpc>
-                <a:spcPct val="90000"/>
-              </a:lnSpc>
-              <a:buClr>
-                <a:srgbClr val="808080"/>
-              </a:buClr>
-            </a:pPr>
-            <a:r>
-              <a:rPr lang="pt-BR" sz="2000" b="1" spc="-1" dirty="0" smtClean="0">
-                <a:solidFill>
-                  <a:srgbClr val="FF0000"/>
-                </a:solidFill>
-                <a:uFill>
-                  <a:solidFill>
-                    <a:srgbClr val="FFFFFF"/>
-                  </a:solidFill>
-                </a:uFill>
-                <a:latin typeface="EDP Preon"/>
-              </a:rPr>
-              <a:t>Comando C</a:t>
-            </a:r>
-          </a:p>
-          <a:p>
-            <a:pPr marL="2160">
-              <a:lnSpc>
-                <a:spcPct val="90000"/>
-              </a:lnSpc>
-              <a:buClr>
-                <a:srgbClr val="808080"/>
-              </a:buClr>
-            </a:pPr>
-            <a:r>
-              <a:rPr lang="pt-BR" sz="2000" spc="-1" dirty="0" smtClean="0">
-                <a:solidFill>
-                  <a:srgbClr val="808080"/>
-                </a:solidFill>
-                <a:uFill>
-                  <a:solidFill>
-                    <a:srgbClr val="FFFFFF"/>
-                  </a:solidFill>
-                </a:uFill>
-                <a:latin typeface="EDP Preon"/>
-              </a:rPr>
-              <a:t>...</a:t>
-            </a:r>
-          </a:p>
-          <a:p>
-            <a:pPr marL="2160">
-              <a:lnSpc>
-                <a:spcPct val="90000"/>
-              </a:lnSpc>
-              <a:buClr>
-                <a:srgbClr val="808080"/>
-              </a:buClr>
-            </a:pPr>
-            <a:endParaRPr lang="pt-BR" sz="2000" b="0" strike="noStrike" spc="-1" dirty="0" smtClean="0">
-              <a:solidFill>
-                <a:srgbClr val="808080"/>
-              </a:solidFill>
-              <a:uFill>
-                <a:solidFill>
-                  <a:srgbClr val="FFFFFF"/>
-                </a:solidFill>
-              </a:uFill>
-              <a:latin typeface="EDP Preon"/>
-            </a:endParaRPr>
-          </a:p>
-          <a:p>
-            <a:pPr marL="2160" algn="ctr">
-              <a:lnSpc>
-                <a:spcPct val="90000"/>
-              </a:lnSpc>
-              <a:buClr>
-                <a:srgbClr val="808080"/>
-              </a:buClr>
-            </a:pPr>
-            <a:endParaRPr lang="pt-BR" sz="2000" b="0" strike="noStrike" spc="-1" dirty="0" smtClean="0">
-              <a:solidFill>
-                <a:srgbClr val="808080"/>
-              </a:solidFill>
-              <a:uFill>
-                <a:solidFill>
-                  <a:srgbClr val="FFFFFF"/>
-                </a:solidFill>
-              </a:uFill>
-              <a:latin typeface="EDP Preon"/>
-            </a:endParaRPr>
-          </a:p>
-          <a:p>
-            <a:pPr marL="2160" algn="ctr">
-              <a:lnSpc>
-                <a:spcPct val="90000"/>
-              </a:lnSpc>
-              <a:buClr>
-                <a:srgbClr val="808080"/>
-              </a:buClr>
-            </a:pPr>
-            <a:r>
-              <a:rPr lang="pt-BR" sz="2000" b="0" strike="noStrike" spc="-1" dirty="0" smtClean="0">
-                <a:solidFill>
-                  <a:srgbClr val="808080"/>
-                </a:solidFill>
-                <a:uFill>
-                  <a:solidFill>
-                    <a:srgbClr val="FFFFFF"/>
-                  </a:solidFill>
-                </a:uFill>
-                <a:latin typeface="EDP Preon"/>
-              </a:rPr>
-              <a:t>(G)</a:t>
-            </a:r>
-            <a:endParaRPr lang="pt-BR" sz="1800" b="0" strike="noStrike" spc="-1" dirty="0">
-              <a:solidFill>
-                <a:srgbClr val="000000"/>
-              </a:solidFill>
-              <a:uFill>
-                <a:solidFill>
-                  <a:srgbClr val="FFFFFF"/>
-                </a:solidFill>
-              </a:uFill>
-              <a:latin typeface="Arial"/>
-            </a:endParaRPr>
-          </a:p>
-        </p:txBody>
-      </p:sp>
-      <p:sp>
-        <p:nvSpPr>
-          <p:cNvPr id="8" name="CustomShape 2"/>
-          <p:cNvSpPr/>
-          <p:nvPr/>
-        </p:nvSpPr>
-        <p:spPr>
-          <a:xfrm>
-            <a:off x="7320136" y="2153248"/>
-            <a:ext cx="2016784" cy="2578824"/>
-          </a:xfrm>
-          <a:prstGeom prst="rect">
-            <a:avLst/>
-          </a:prstGeom>
-          <a:gradFill>
-            <a:gsLst>
-              <a:gs pos="0">
-                <a:schemeClr val="accent1">
-                  <a:lumMod val="5000"/>
-                  <a:lumOff val="95000"/>
-                </a:schemeClr>
-              </a:gs>
-              <a:gs pos="74000">
-                <a:schemeClr val="accent1">
-                  <a:lumMod val="45000"/>
-                  <a:lumOff val="55000"/>
-                </a:schemeClr>
-              </a:gs>
-              <a:gs pos="83000">
-                <a:schemeClr val="accent1">
-                  <a:lumMod val="45000"/>
-                  <a:lumOff val="55000"/>
-                </a:schemeClr>
-              </a:gs>
-              <a:gs pos="100000">
-                <a:schemeClr val="accent1">
-                  <a:lumMod val="30000"/>
-                  <a:lumOff val="70000"/>
-                </a:schemeClr>
-              </a:gs>
-            </a:gsLst>
-            <a:lin ang="5400000" scaled="1"/>
-          </a:gradFill>
-          <a:ln>
-            <a:solidFill>
-              <a:schemeClr val="accent1"/>
-            </a:solidFill>
-          </a:ln>
-        </p:spPr>
-        <p:style>
-          <a:lnRef idx="0">
-            <a:scrgbClr r="0" g="0" b="0"/>
-          </a:lnRef>
-          <a:fillRef idx="0">
-            <a:scrgbClr r="0" g="0" b="0"/>
-          </a:fillRef>
-          <a:effectRef idx="0">
-            <a:scrgbClr r="0" g="0" b="0"/>
-          </a:effectRef>
-          <a:fontRef idx="minor"/>
-        </p:style>
-        <p:txBody>
-          <a:bodyPr lIns="90000" tIns="45000" rIns="90000" bIns="45000"/>
-          <a:lstStyle/>
-          <a:p>
-            <a:pPr>
-              <a:lnSpc>
-                <a:spcPct val="90000"/>
-              </a:lnSpc>
-            </a:pPr>
-            <a:endParaRPr lang="pt-BR" sz="1800" b="0" strike="noStrike" spc="-1" dirty="0">
-              <a:solidFill>
-                <a:srgbClr val="000000"/>
-              </a:solidFill>
-              <a:uFill>
-                <a:solidFill>
-                  <a:srgbClr val="FFFFFF"/>
-                </a:solidFill>
-              </a:uFill>
-              <a:latin typeface="Arial"/>
-            </a:endParaRPr>
-          </a:p>
-          <a:p>
-            <a:pPr marL="2160">
-              <a:lnSpc>
-                <a:spcPct val="90000"/>
-              </a:lnSpc>
-              <a:buClr>
-                <a:srgbClr val="808080"/>
-              </a:buClr>
-            </a:pPr>
-            <a:r>
-              <a:rPr lang="pt-BR" sz="2000" spc="-1" dirty="0" smtClean="0">
-                <a:solidFill>
-                  <a:srgbClr val="808080"/>
-                </a:solidFill>
-                <a:uFill>
-                  <a:solidFill>
-                    <a:srgbClr val="FFFFFF"/>
-                  </a:solidFill>
-                </a:uFill>
-                <a:latin typeface="EDP Preon"/>
-                <a:ea typeface="DejaVu Sans"/>
-              </a:rPr>
-              <a:t>...</a:t>
-            </a:r>
-          </a:p>
-          <a:p>
-            <a:pPr marL="2160">
-              <a:lnSpc>
-                <a:spcPct val="90000"/>
-              </a:lnSpc>
-              <a:buClr>
-                <a:srgbClr val="808080"/>
-              </a:buClr>
-            </a:pPr>
-            <a:r>
-              <a:rPr lang="pt-BR" sz="2000" b="0" strike="noStrike" spc="-1" dirty="0" smtClean="0">
-                <a:solidFill>
-                  <a:srgbClr val="808080"/>
-                </a:solidFill>
-                <a:uFill>
-                  <a:solidFill>
-                    <a:srgbClr val="FFFFFF"/>
-                  </a:solidFill>
-                </a:uFill>
-                <a:latin typeface="EDP Preon"/>
-                <a:ea typeface="DejaVu Sans"/>
-              </a:rPr>
-              <a:t>Comando A</a:t>
-            </a:r>
-          </a:p>
-          <a:p>
-            <a:pPr marL="2160">
-              <a:lnSpc>
-                <a:spcPct val="90000"/>
-              </a:lnSpc>
-              <a:buClr>
-                <a:srgbClr val="808080"/>
-              </a:buClr>
-            </a:pPr>
-            <a:r>
-              <a:rPr lang="pt-BR" sz="2000" b="1" spc="-1" dirty="0" smtClean="0">
-                <a:solidFill>
-                  <a:srgbClr val="FF0000"/>
-                </a:solidFill>
-                <a:uFill>
-                  <a:solidFill>
-                    <a:srgbClr val="FFFFFF"/>
-                  </a:solidFill>
-                </a:uFill>
-                <a:latin typeface="EDP Preon"/>
-                <a:ea typeface="DejaVu Sans"/>
-              </a:rPr>
-              <a:t>Comando A1</a:t>
-            </a:r>
-            <a:endParaRPr lang="pt-BR" sz="2000" b="1" strike="noStrike" spc="-1" dirty="0" smtClean="0">
-              <a:solidFill>
-                <a:srgbClr val="FF0000"/>
-              </a:solidFill>
-              <a:uFill>
-                <a:solidFill>
-                  <a:srgbClr val="FFFFFF"/>
-                </a:solidFill>
-              </a:uFill>
-              <a:latin typeface="EDP Preon"/>
-              <a:ea typeface="DejaVu Sans"/>
-            </a:endParaRPr>
-          </a:p>
-          <a:p>
-            <a:pPr marL="2160">
-              <a:lnSpc>
-                <a:spcPct val="90000"/>
-              </a:lnSpc>
-              <a:buClr>
-                <a:srgbClr val="808080"/>
-              </a:buClr>
-            </a:pPr>
-            <a:r>
-              <a:rPr lang="pt-BR" sz="2000" spc="-1" dirty="0" smtClean="0">
-                <a:solidFill>
-                  <a:srgbClr val="808080"/>
-                </a:solidFill>
-                <a:uFill>
-                  <a:solidFill>
-                    <a:srgbClr val="FFFFFF"/>
-                  </a:solidFill>
-                </a:uFill>
-                <a:latin typeface="EDP Preon"/>
-              </a:rPr>
-              <a:t>Comando B</a:t>
-            </a:r>
-          </a:p>
-          <a:p>
-            <a:pPr marL="2160">
-              <a:lnSpc>
-                <a:spcPct val="90000"/>
-              </a:lnSpc>
-              <a:buClr>
-                <a:srgbClr val="808080"/>
-              </a:buClr>
-            </a:pPr>
-            <a:r>
-              <a:rPr lang="pt-BR" sz="2000" b="1" spc="-1" dirty="0" smtClean="0">
-                <a:solidFill>
-                  <a:srgbClr val="FF0000"/>
-                </a:solidFill>
-                <a:uFill>
-                  <a:solidFill>
-                    <a:srgbClr val="FFFFFF"/>
-                  </a:solidFill>
-                </a:uFill>
-                <a:latin typeface="EDP Preon"/>
-              </a:rPr>
-              <a:t>Comando C</a:t>
-            </a:r>
-          </a:p>
-          <a:p>
-            <a:pPr marL="2160">
-              <a:lnSpc>
-                <a:spcPct val="90000"/>
-              </a:lnSpc>
-              <a:buClr>
-                <a:srgbClr val="808080"/>
-              </a:buClr>
-            </a:pPr>
-            <a:r>
-              <a:rPr lang="pt-BR" sz="2000" spc="-1" dirty="0" smtClean="0">
-                <a:solidFill>
-                  <a:srgbClr val="808080"/>
-                </a:solidFill>
-                <a:uFill>
-                  <a:solidFill>
-                    <a:srgbClr val="FFFFFF"/>
-                  </a:solidFill>
-                </a:uFill>
-                <a:latin typeface="EDP Preon"/>
-              </a:rPr>
-              <a:t>...</a:t>
-            </a:r>
-          </a:p>
-          <a:p>
-            <a:pPr marL="2160">
-              <a:lnSpc>
-                <a:spcPct val="90000"/>
-              </a:lnSpc>
-              <a:buClr>
-                <a:srgbClr val="808080"/>
-              </a:buClr>
-            </a:pPr>
-            <a:endParaRPr lang="pt-BR" sz="2000" b="0" strike="noStrike" spc="-1" dirty="0" smtClean="0">
-              <a:solidFill>
-                <a:srgbClr val="808080"/>
-              </a:solidFill>
-              <a:uFill>
-                <a:solidFill>
-                  <a:srgbClr val="FFFFFF"/>
-                </a:solidFill>
-              </a:uFill>
-              <a:latin typeface="EDP Preon"/>
-            </a:endParaRPr>
-          </a:p>
-          <a:p>
-            <a:pPr marL="2160" algn="ctr">
-              <a:lnSpc>
-                <a:spcPct val="90000"/>
-              </a:lnSpc>
-              <a:buClr>
-                <a:srgbClr val="808080"/>
-              </a:buClr>
-            </a:pPr>
-            <a:r>
-              <a:rPr lang="pt-BR" sz="2000" b="0" strike="noStrike" spc="-1" dirty="0" smtClean="0">
-                <a:solidFill>
-                  <a:srgbClr val="808080"/>
-                </a:solidFill>
-                <a:uFill>
-                  <a:solidFill>
-                    <a:srgbClr val="FFFFFF"/>
-                  </a:solidFill>
-                </a:uFill>
-                <a:latin typeface="EDP Preon"/>
-              </a:rPr>
-              <a:t>(H)</a:t>
-            </a:r>
-            <a:endParaRPr lang="pt-BR" sz="1800" b="0" strike="noStrike" spc="-1" dirty="0">
-              <a:solidFill>
-                <a:srgbClr val="000000"/>
-              </a:solidFill>
-              <a:uFill>
-                <a:solidFill>
-                  <a:srgbClr val="FFFFFF"/>
-                </a:solidFill>
-              </a:uFill>
-              <a:latin typeface="Arial"/>
-            </a:endParaRPr>
-          </a:p>
-        </p:txBody>
-      </p:sp>
+      </p:pic>
     </p:spTree>
     <p:extLst>
       <p:ext uri="{BB962C8B-B14F-4D97-AF65-F5344CB8AC3E}">
-        <p14:creationId xmlns:p14="http://schemas.microsoft.com/office/powerpoint/2010/main" val="2923027412"/>
+        <p14:creationId xmlns:p14="http://schemas.microsoft.com/office/powerpoint/2010/main" val="745732237"/>
       </p:ext>
     </p:extLst>
   </p:cSld>
@@ -4789,8 +3638,15 @@
                 <a:latin typeface="EDP Preon"/>
                 <a:ea typeface="DejaVu Sans"/>
               </a:rPr>
-              <a:t>Merge com</a:t>
-            </a:r>
+              <a:t>Merge com ou</a:t>
+            </a:r>
+          </a:p>
+          <a:p>
+            <a:pPr>
+              <a:lnSpc>
+                <a:spcPct val="100000"/>
+              </a:lnSpc>
+            </a:pPr>
             <a:r>
               <a:rPr lang="pt-BR" sz="3200" spc="-1" dirty="0" smtClean="0">
                 <a:solidFill>
@@ -4803,7 +3659,7 @@
                 </a:uFill>
                 <a:latin typeface="EDP Preon"/>
               </a:rPr>
-              <a:t> conflito</a:t>
+              <a:t>sem conflito</a:t>
             </a:r>
             <a:endParaRPr lang="pt-BR" sz="1800" b="0" strike="noStrike" spc="-1" dirty="0">
               <a:solidFill>
@@ -4819,1138 +3675,37 @@
           </a:p>
         </p:txBody>
       </p:sp>
-      <p:sp>
-        <p:nvSpPr>
-          <p:cNvPr id="5" name="CustomShape 2"/>
-          <p:cNvSpPr/>
+      <p:pic>
+        <p:nvPicPr>
+          <p:cNvPr id="2" name="Imagem 1"/>
+          <p:cNvPicPr>
+            <a:picLocks noChangeAspect="1"/>
+          </p:cNvPicPr>
           <p:nvPr/>
-        </p:nvSpPr>
+        </p:nvPicPr>
+        <p:blipFill>
+          <a:blip r:embed="rId2">
+            <a:extLst>
+              <a:ext uri="{28A0092B-C50C-407E-A947-70E740481C1C}">
+                <a14:useLocalDpi xmlns:a14="http://schemas.microsoft.com/office/drawing/2010/main" val="0"/>
+              </a:ext>
+            </a:extLst>
+          </a:blip>
+          <a:stretch>
+            <a:fillRect/>
+          </a:stretch>
+        </p:blipFill>
         <p:spPr>
           <a:xfrm>
-            <a:off x="334800" y="2146320"/>
-            <a:ext cx="2016784" cy="2578824"/>
+            <a:off x="3258359" y="0"/>
+            <a:ext cx="5675282" cy="6858000"/>
           </a:xfrm>
           <a:prstGeom prst="rect">
             <a:avLst/>
           </a:prstGeom>
-          <a:gradFill>
-            <a:gsLst>
-              <a:gs pos="0">
-                <a:schemeClr val="accent1">
-                  <a:lumMod val="5000"/>
-                  <a:lumOff val="95000"/>
-                </a:schemeClr>
-              </a:gs>
-              <a:gs pos="74000">
-                <a:schemeClr val="accent1">
-                  <a:lumMod val="45000"/>
-                  <a:lumOff val="55000"/>
-                </a:schemeClr>
-              </a:gs>
-              <a:gs pos="83000">
-                <a:schemeClr val="accent1">
-                  <a:lumMod val="45000"/>
-                  <a:lumOff val="55000"/>
-                </a:schemeClr>
-              </a:gs>
-              <a:gs pos="100000">
-                <a:schemeClr val="accent1">
-                  <a:lumMod val="30000"/>
-                  <a:lumOff val="70000"/>
-                </a:schemeClr>
-              </a:gs>
-            </a:gsLst>
-            <a:lin ang="5400000" scaled="1"/>
-          </a:gradFill>
-          <a:ln>
-            <a:solidFill>
-              <a:schemeClr val="accent1"/>
-            </a:solidFill>
-          </a:ln>
         </p:spPr>
-        <p:style>
-          <a:lnRef idx="0">
-            <a:scrgbClr r="0" g="0" b="0"/>
-          </a:lnRef>
-          <a:fillRef idx="0">
-            <a:scrgbClr r="0" g="0" b="0"/>
-          </a:fillRef>
-          <a:effectRef idx="0">
-            <a:scrgbClr r="0" g="0" b="0"/>
-          </a:effectRef>
-          <a:fontRef idx="minor"/>
-        </p:style>
-        <p:txBody>
-          <a:bodyPr lIns="90000" tIns="45000" rIns="90000" bIns="45000"/>
-          <a:lstStyle/>
-          <a:p>
-            <a:pPr>
-              <a:lnSpc>
-                <a:spcPct val="90000"/>
-              </a:lnSpc>
-            </a:pPr>
-            <a:endParaRPr lang="pt-BR" sz="1800" b="0" strike="noStrike" spc="-1" dirty="0">
-              <a:solidFill>
-                <a:srgbClr val="000000"/>
-              </a:solidFill>
-              <a:uFill>
-                <a:solidFill>
-                  <a:srgbClr val="FFFFFF"/>
-                </a:solidFill>
-              </a:uFill>
-              <a:latin typeface="Arial"/>
-            </a:endParaRPr>
-          </a:p>
-          <a:p>
-            <a:pPr marL="2160">
-              <a:lnSpc>
-                <a:spcPct val="90000"/>
-              </a:lnSpc>
-              <a:buClr>
-                <a:srgbClr val="808080"/>
-              </a:buClr>
-            </a:pPr>
-            <a:r>
-              <a:rPr lang="pt-BR" sz="2000" spc="-1" dirty="0" smtClean="0">
-                <a:solidFill>
-                  <a:srgbClr val="808080"/>
-                </a:solidFill>
-                <a:uFill>
-                  <a:solidFill>
-                    <a:srgbClr val="FFFFFF"/>
-                  </a:solidFill>
-                </a:uFill>
-                <a:latin typeface="EDP Preon"/>
-                <a:ea typeface="DejaVu Sans"/>
-              </a:rPr>
-              <a:t>...</a:t>
-            </a:r>
-          </a:p>
-          <a:p>
-            <a:pPr marL="2160">
-              <a:lnSpc>
-                <a:spcPct val="90000"/>
-              </a:lnSpc>
-              <a:buClr>
-                <a:srgbClr val="808080"/>
-              </a:buClr>
-            </a:pPr>
-            <a:r>
-              <a:rPr lang="pt-BR" sz="2000" b="0" strike="noStrike" spc="-1" dirty="0" smtClean="0">
-                <a:solidFill>
-                  <a:srgbClr val="808080"/>
-                </a:solidFill>
-                <a:uFill>
-                  <a:solidFill>
-                    <a:srgbClr val="FFFFFF"/>
-                  </a:solidFill>
-                </a:uFill>
-                <a:latin typeface="EDP Preon"/>
-                <a:ea typeface="DejaVu Sans"/>
-              </a:rPr>
-              <a:t>Comando A</a:t>
-            </a:r>
-          </a:p>
-          <a:p>
-            <a:pPr marL="2160">
-              <a:lnSpc>
-                <a:spcPct val="90000"/>
-              </a:lnSpc>
-              <a:buClr>
-                <a:srgbClr val="808080"/>
-              </a:buClr>
-            </a:pPr>
-            <a:r>
-              <a:rPr lang="pt-BR" sz="2000" spc="-1" dirty="0" smtClean="0">
-                <a:solidFill>
-                  <a:srgbClr val="808080"/>
-                </a:solidFill>
-                <a:uFill>
-                  <a:solidFill>
-                    <a:srgbClr val="FFFFFF"/>
-                  </a:solidFill>
-                </a:uFill>
-                <a:latin typeface="EDP Preon"/>
-              </a:rPr>
-              <a:t>Comando B</a:t>
-            </a:r>
-          </a:p>
-          <a:p>
-            <a:pPr marL="2160">
-              <a:lnSpc>
-                <a:spcPct val="90000"/>
-              </a:lnSpc>
-              <a:buClr>
-                <a:srgbClr val="808080"/>
-              </a:buClr>
-            </a:pPr>
-            <a:r>
-              <a:rPr lang="pt-BR" sz="2000" spc="-1" dirty="0" smtClean="0">
-                <a:solidFill>
-                  <a:srgbClr val="808080"/>
-                </a:solidFill>
-                <a:uFill>
-                  <a:solidFill>
-                    <a:srgbClr val="FFFFFF"/>
-                  </a:solidFill>
-                </a:uFill>
-                <a:latin typeface="EDP Preon"/>
-              </a:rPr>
-              <a:t>...</a:t>
-            </a:r>
-          </a:p>
-          <a:p>
-            <a:pPr marL="2160">
-              <a:lnSpc>
-                <a:spcPct val="90000"/>
-              </a:lnSpc>
-              <a:buClr>
-                <a:srgbClr val="808080"/>
-              </a:buClr>
-            </a:pPr>
-            <a:endParaRPr lang="pt-BR" sz="2000" b="0" strike="noStrike" spc="-1" dirty="0" smtClean="0">
-              <a:solidFill>
-                <a:srgbClr val="808080"/>
-              </a:solidFill>
-              <a:uFill>
-                <a:solidFill>
-                  <a:srgbClr val="FFFFFF"/>
-                </a:solidFill>
-              </a:uFill>
-              <a:latin typeface="EDP Preon"/>
-            </a:endParaRPr>
-          </a:p>
-          <a:p>
-            <a:pPr marL="2160" algn="ctr">
-              <a:lnSpc>
-                <a:spcPct val="90000"/>
-              </a:lnSpc>
-              <a:buClr>
-                <a:srgbClr val="808080"/>
-              </a:buClr>
-            </a:pPr>
-            <a:endParaRPr lang="pt-BR" sz="2000" b="0" strike="noStrike" spc="-1" dirty="0" smtClean="0">
-              <a:solidFill>
-                <a:srgbClr val="808080"/>
-              </a:solidFill>
-              <a:uFill>
-                <a:solidFill>
-                  <a:srgbClr val="FFFFFF"/>
-                </a:solidFill>
-              </a:uFill>
-              <a:latin typeface="EDP Preon"/>
-            </a:endParaRPr>
-          </a:p>
-          <a:p>
-            <a:pPr marL="2160" algn="ctr">
-              <a:lnSpc>
-                <a:spcPct val="90000"/>
-              </a:lnSpc>
-              <a:buClr>
-                <a:srgbClr val="808080"/>
-              </a:buClr>
-            </a:pPr>
-            <a:endParaRPr lang="pt-BR" sz="2000" spc="-1" dirty="0">
-              <a:solidFill>
-                <a:srgbClr val="808080"/>
-              </a:solidFill>
-              <a:uFill>
-                <a:solidFill>
-                  <a:srgbClr val="FFFFFF"/>
-                </a:solidFill>
-              </a:uFill>
-              <a:latin typeface="EDP Preon"/>
-            </a:endParaRPr>
-          </a:p>
-          <a:p>
-            <a:pPr marL="2160" algn="ctr">
-              <a:lnSpc>
-                <a:spcPct val="90000"/>
-              </a:lnSpc>
-              <a:buClr>
-                <a:srgbClr val="808080"/>
-              </a:buClr>
-            </a:pPr>
-            <a:r>
-              <a:rPr lang="pt-BR" sz="2000" b="0" strike="noStrike" spc="-1" dirty="0" smtClean="0">
-                <a:solidFill>
-                  <a:srgbClr val="808080"/>
-                </a:solidFill>
-                <a:uFill>
-                  <a:solidFill>
-                    <a:srgbClr val="FFFFFF"/>
-                  </a:solidFill>
-                </a:uFill>
-                <a:latin typeface="EDP Preon"/>
-              </a:rPr>
-              <a:t>(B)</a:t>
-            </a:r>
-            <a:endParaRPr lang="pt-BR" sz="1800" b="0" strike="noStrike" spc="-1" dirty="0">
-              <a:solidFill>
-                <a:srgbClr val="000000"/>
-              </a:solidFill>
-              <a:uFill>
-                <a:solidFill>
-                  <a:srgbClr val="FFFFFF"/>
-                </a:solidFill>
-              </a:uFill>
-              <a:latin typeface="Arial"/>
-            </a:endParaRPr>
-          </a:p>
-        </p:txBody>
-      </p:sp>
-      <p:sp>
-        <p:nvSpPr>
-          <p:cNvPr id="6" name="CustomShape 2"/>
-          <p:cNvSpPr/>
-          <p:nvPr/>
-        </p:nvSpPr>
-        <p:spPr>
-          <a:xfrm>
-            <a:off x="2639056" y="2132856"/>
-            <a:ext cx="2016784" cy="2578824"/>
-          </a:xfrm>
-          <a:prstGeom prst="rect">
-            <a:avLst/>
-          </a:prstGeom>
-          <a:gradFill>
-            <a:gsLst>
-              <a:gs pos="0">
-                <a:schemeClr val="accent1">
-                  <a:lumMod val="5000"/>
-                  <a:lumOff val="95000"/>
-                </a:schemeClr>
-              </a:gs>
-              <a:gs pos="74000">
-                <a:schemeClr val="accent1">
-                  <a:lumMod val="45000"/>
-                  <a:lumOff val="55000"/>
-                </a:schemeClr>
-              </a:gs>
-              <a:gs pos="83000">
-                <a:schemeClr val="accent1">
-                  <a:lumMod val="45000"/>
-                  <a:lumOff val="55000"/>
-                </a:schemeClr>
-              </a:gs>
-              <a:gs pos="100000">
-                <a:schemeClr val="accent1">
-                  <a:lumMod val="30000"/>
-                  <a:lumOff val="70000"/>
-                </a:schemeClr>
-              </a:gs>
-            </a:gsLst>
-            <a:lin ang="5400000" scaled="1"/>
-          </a:gradFill>
-          <a:ln>
-            <a:solidFill>
-              <a:schemeClr val="accent1"/>
-            </a:solidFill>
-          </a:ln>
-        </p:spPr>
-        <p:style>
-          <a:lnRef idx="0">
-            <a:scrgbClr r="0" g="0" b="0"/>
-          </a:lnRef>
-          <a:fillRef idx="0">
-            <a:scrgbClr r="0" g="0" b="0"/>
-          </a:fillRef>
-          <a:effectRef idx="0">
-            <a:scrgbClr r="0" g="0" b="0"/>
-          </a:effectRef>
-          <a:fontRef idx="minor"/>
-        </p:style>
-        <p:txBody>
-          <a:bodyPr lIns="90000" tIns="45000" rIns="90000" bIns="45000"/>
-          <a:lstStyle/>
-          <a:p>
-            <a:pPr>
-              <a:lnSpc>
-                <a:spcPct val="90000"/>
-              </a:lnSpc>
-            </a:pPr>
-            <a:endParaRPr lang="pt-BR" sz="1800" b="0" strike="noStrike" spc="-1" dirty="0">
-              <a:solidFill>
-                <a:srgbClr val="000000"/>
-              </a:solidFill>
-              <a:uFill>
-                <a:solidFill>
-                  <a:srgbClr val="FFFFFF"/>
-                </a:solidFill>
-              </a:uFill>
-              <a:latin typeface="Arial"/>
-            </a:endParaRPr>
-          </a:p>
-          <a:p>
-            <a:pPr marL="2160">
-              <a:lnSpc>
-                <a:spcPct val="90000"/>
-              </a:lnSpc>
-              <a:buClr>
-                <a:srgbClr val="808080"/>
-              </a:buClr>
-            </a:pPr>
-            <a:r>
-              <a:rPr lang="pt-BR" sz="2000" spc="-1" dirty="0" smtClean="0">
-                <a:solidFill>
-                  <a:srgbClr val="808080"/>
-                </a:solidFill>
-                <a:uFill>
-                  <a:solidFill>
-                    <a:srgbClr val="FFFFFF"/>
-                  </a:solidFill>
-                </a:uFill>
-                <a:latin typeface="EDP Preon"/>
-                <a:ea typeface="DejaVu Sans"/>
-              </a:rPr>
-              <a:t>...</a:t>
-            </a:r>
-          </a:p>
-          <a:p>
-            <a:pPr marL="2160">
-              <a:lnSpc>
-                <a:spcPct val="90000"/>
-              </a:lnSpc>
-              <a:buClr>
-                <a:srgbClr val="808080"/>
-              </a:buClr>
-            </a:pPr>
-            <a:r>
-              <a:rPr lang="pt-BR" sz="2000" b="0" strike="noStrike" spc="-1" dirty="0" smtClean="0">
-                <a:solidFill>
-                  <a:srgbClr val="808080"/>
-                </a:solidFill>
-                <a:uFill>
-                  <a:solidFill>
-                    <a:srgbClr val="FFFFFF"/>
-                  </a:solidFill>
-                </a:uFill>
-                <a:latin typeface="EDP Preon"/>
-                <a:ea typeface="DejaVu Sans"/>
-              </a:rPr>
-              <a:t>Comando A</a:t>
-            </a:r>
-          </a:p>
-          <a:p>
-            <a:pPr marL="2160">
-              <a:lnSpc>
-                <a:spcPct val="90000"/>
-              </a:lnSpc>
-              <a:buClr>
-                <a:srgbClr val="808080"/>
-              </a:buClr>
-            </a:pPr>
-            <a:r>
-              <a:rPr lang="pt-BR" sz="2000" b="1" spc="-1" dirty="0" smtClean="0">
-                <a:solidFill>
-                  <a:srgbClr val="FF0000"/>
-                </a:solidFill>
-                <a:uFill>
-                  <a:solidFill>
-                    <a:srgbClr val="FFFFFF"/>
-                  </a:solidFill>
-                </a:uFill>
-                <a:latin typeface="EDP Preon"/>
-              </a:rPr>
-              <a:t>Comando B</a:t>
-            </a:r>
-          </a:p>
-          <a:p>
-            <a:pPr marL="2160">
-              <a:lnSpc>
-                <a:spcPct val="90000"/>
-              </a:lnSpc>
-              <a:buClr>
-                <a:srgbClr val="808080"/>
-              </a:buClr>
-            </a:pPr>
-            <a:r>
-              <a:rPr lang="pt-BR" sz="2000" spc="-1" dirty="0" smtClean="0">
-                <a:solidFill>
-                  <a:srgbClr val="808080"/>
-                </a:solidFill>
-                <a:uFill>
-                  <a:solidFill>
-                    <a:srgbClr val="FFFFFF"/>
-                  </a:solidFill>
-                </a:uFill>
-                <a:latin typeface="EDP Preon"/>
-              </a:rPr>
-              <a:t>...</a:t>
-            </a:r>
-          </a:p>
-          <a:p>
-            <a:pPr marL="2160">
-              <a:lnSpc>
-                <a:spcPct val="90000"/>
-              </a:lnSpc>
-              <a:buClr>
-                <a:srgbClr val="808080"/>
-              </a:buClr>
-            </a:pPr>
-            <a:endParaRPr lang="pt-BR" sz="2000" b="0" strike="noStrike" spc="-1" dirty="0" smtClean="0">
-              <a:solidFill>
-                <a:srgbClr val="808080"/>
-              </a:solidFill>
-              <a:uFill>
-                <a:solidFill>
-                  <a:srgbClr val="FFFFFF"/>
-                </a:solidFill>
-              </a:uFill>
-              <a:latin typeface="EDP Preon"/>
-            </a:endParaRPr>
-          </a:p>
-          <a:p>
-            <a:pPr marL="2160" algn="ctr">
-              <a:lnSpc>
-                <a:spcPct val="90000"/>
-              </a:lnSpc>
-              <a:buClr>
-                <a:srgbClr val="808080"/>
-              </a:buClr>
-            </a:pPr>
-            <a:endParaRPr lang="pt-BR" sz="2000" b="0" strike="noStrike" spc="-1" dirty="0" smtClean="0">
-              <a:solidFill>
-                <a:srgbClr val="808080"/>
-              </a:solidFill>
-              <a:uFill>
-                <a:solidFill>
-                  <a:srgbClr val="FFFFFF"/>
-                </a:solidFill>
-              </a:uFill>
-              <a:latin typeface="EDP Preon"/>
-            </a:endParaRPr>
-          </a:p>
-          <a:p>
-            <a:pPr marL="2160" algn="ctr">
-              <a:lnSpc>
-                <a:spcPct val="90000"/>
-              </a:lnSpc>
-              <a:buClr>
-                <a:srgbClr val="808080"/>
-              </a:buClr>
-            </a:pPr>
-            <a:endParaRPr lang="pt-BR" sz="2000" b="0" strike="noStrike" spc="-1" dirty="0" smtClean="0">
-              <a:solidFill>
-                <a:srgbClr val="808080"/>
-              </a:solidFill>
-              <a:uFill>
-                <a:solidFill>
-                  <a:srgbClr val="FFFFFF"/>
-                </a:solidFill>
-              </a:uFill>
-              <a:latin typeface="EDP Preon"/>
-            </a:endParaRPr>
-          </a:p>
-          <a:p>
-            <a:pPr marL="2160" algn="ctr">
-              <a:lnSpc>
-                <a:spcPct val="90000"/>
-              </a:lnSpc>
-              <a:buClr>
-                <a:srgbClr val="808080"/>
-              </a:buClr>
-            </a:pPr>
-            <a:r>
-              <a:rPr lang="pt-BR" sz="2000" b="0" strike="noStrike" spc="-1" dirty="0" smtClean="0">
-                <a:solidFill>
-                  <a:srgbClr val="808080"/>
-                </a:solidFill>
-                <a:uFill>
-                  <a:solidFill>
-                    <a:srgbClr val="FFFFFF"/>
-                  </a:solidFill>
-                </a:uFill>
-                <a:latin typeface="EDP Preon"/>
-              </a:rPr>
-              <a:t>(E)</a:t>
-            </a:r>
-            <a:endParaRPr lang="pt-BR" sz="1800" b="0" strike="noStrike" spc="-1" dirty="0">
-              <a:solidFill>
-                <a:srgbClr val="000000"/>
-              </a:solidFill>
-              <a:uFill>
-                <a:solidFill>
-                  <a:srgbClr val="FFFFFF"/>
-                </a:solidFill>
-              </a:uFill>
-              <a:latin typeface="Arial"/>
-            </a:endParaRPr>
-          </a:p>
-        </p:txBody>
-      </p:sp>
-      <p:sp>
-        <p:nvSpPr>
-          <p:cNvPr id="7" name="CustomShape 2"/>
-          <p:cNvSpPr/>
-          <p:nvPr/>
-        </p:nvSpPr>
-        <p:spPr>
-          <a:xfrm>
-            <a:off x="4943312" y="2132856"/>
-            <a:ext cx="2016784" cy="2578824"/>
-          </a:xfrm>
-          <a:prstGeom prst="rect">
-            <a:avLst/>
-          </a:prstGeom>
-          <a:gradFill>
-            <a:gsLst>
-              <a:gs pos="0">
-                <a:schemeClr val="accent1">
-                  <a:lumMod val="5000"/>
-                  <a:lumOff val="95000"/>
-                </a:schemeClr>
-              </a:gs>
-              <a:gs pos="74000">
-                <a:schemeClr val="accent1">
-                  <a:lumMod val="45000"/>
-                  <a:lumOff val="55000"/>
-                </a:schemeClr>
-              </a:gs>
-              <a:gs pos="83000">
-                <a:schemeClr val="accent1">
-                  <a:lumMod val="45000"/>
-                  <a:lumOff val="55000"/>
-                </a:schemeClr>
-              </a:gs>
-              <a:gs pos="100000">
-                <a:schemeClr val="accent1">
-                  <a:lumMod val="30000"/>
-                  <a:lumOff val="70000"/>
-                </a:schemeClr>
-              </a:gs>
-            </a:gsLst>
-            <a:lin ang="5400000" scaled="1"/>
-          </a:gradFill>
-          <a:ln>
-            <a:solidFill>
-              <a:schemeClr val="accent1"/>
-            </a:solidFill>
-          </a:ln>
-        </p:spPr>
-        <p:style>
-          <a:lnRef idx="0">
-            <a:scrgbClr r="0" g="0" b="0"/>
-          </a:lnRef>
-          <a:fillRef idx="0">
-            <a:scrgbClr r="0" g="0" b="0"/>
-          </a:fillRef>
-          <a:effectRef idx="0">
-            <a:scrgbClr r="0" g="0" b="0"/>
-          </a:effectRef>
-          <a:fontRef idx="minor"/>
-        </p:style>
-        <p:txBody>
-          <a:bodyPr lIns="90000" tIns="45000" rIns="90000" bIns="45000"/>
-          <a:lstStyle/>
-          <a:p>
-            <a:pPr>
-              <a:lnSpc>
-                <a:spcPct val="90000"/>
-              </a:lnSpc>
-            </a:pPr>
-            <a:endParaRPr lang="pt-BR" sz="1800" b="0" strike="noStrike" spc="-1" dirty="0">
-              <a:solidFill>
-                <a:srgbClr val="000000"/>
-              </a:solidFill>
-              <a:uFill>
-                <a:solidFill>
-                  <a:srgbClr val="FFFFFF"/>
-                </a:solidFill>
-              </a:uFill>
-              <a:latin typeface="Arial"/>
-            </a:endParaRPr>
-          </a:p>
-          <a:p>
-            <a:pPr marL="2160">
-              <a:lnSpc>
-                <a:spcPct val="90000"/>
-              </a:lnSpc>
-              <a:buClr>
-                <a:srgbClr val="808080"/>
-              </a:buClr>
-            </a:pPr>
-            <a:r>
-              <a:rPr lang="pt-BR" sz="2000" spc="-1" dirty="0" smtClean="0">
-                <a:solidFill>
-                  <a:srgbClr val="808080"/>
-                </a:solidFill>
-                <a:uFill>
-                  <a:solidFill>
-                    <a:srgbClr val="FFFFFF"/>
-                  </a:solidFill>
-                </a:uFill>
-                <a:latin typeface="EDP Preon"/>
-                <a:ea typeface="DejaVu Sans"/>
-              </a:rPr>
-              <a:t>...</a:t>
-            </a:r>
-          </a:p>
-          <a:p>
-            <a:pPr marL="2160">
-              <a:lnSpc>
-                <a:spcPct val="90000"/>
-              </a:lnSpc>
-              <a:buClr>
-                <a:srgbClr val="808080"/>
-              </a:buClr>
-            </a:pPr>
-            <a:r>
-              <a:rPr lang="pt-BR" sz="2000" b="0" strike="noStrike" spc="-1" dirty="0" smtClean="0">
-                <a:solidFill>
-                  <a:srgbClr val="808080"/>
-                </a:solidFill>
-                <a:uFill>
-                  <a:solidFill>
-                    <a:srgbClr val="FFFFFF"/>
-                  </a:solidFill>
-                </a:uFill>
-                <a:latin typeface="EDP Preon"/>
-                <a:ea typeface="DejaVu Sans"/>
-              </a:rPr>
-              <a:t>Comando A</a:t>
-            </a:r>
-          </a:p>
-          <a:p>
-            <a:pPr marL="2160">
-              <a:lnSpc>
-                <a:spcPct val="90000"/>
-              </a:lnSpc>
-              <a:buClr>
-                <a:srgbClr val="808080"/>
-              </a:buClr>
-            </a:pPr>
-            <a:r>
-              <a:rPr lang="pt-BR" sz="2000" spc="-1" dirty="0" smtClean="0">
-                <a:solidFill>
-                  <a:srgbClr val="808080"/>
-                </a:solidFill>
-                <a:uFill>
-                  <a:solidFill>
-                    <a:srgbClr val="FFFFFF"/>
-                  </a:solidFill>
-                </a:uFill>
-                <a:latin typeface="EDP Preon"/>
-              </a:rPr>
-              <a:t>Comando B</a:t>
-            </a:r>
-          </a:p>
-          <a:p>
-            <a:pPr marL="2160">
-              <a:lnSpc>
-                <a:spcPct val="90000"/>
-              </a:lnSpc>
-              <a:buClr>
-                <a:srgbClr val="808080"/>
-              </a:buClr>
-            </a:pPr>
-            <a:r>
-              <a:rPr lang="pt-BR" sz="2000" b="1" spc="-1" dirty="0" smtClean="0">
-                <a:solidFill>
-                  <a:srgbClr val="00B050"/>
-                </a:solidFill>
-                <a:uFill>
-                  <a:solidFill>
-                    <a:srgbClr val="FFFFFF"/>
-                  </a:solidFill>
-                </a:uFill>
-                <a:latin typeface="EDP Preon"/>
-              </a:rPr>
-              <a:t>Comando C</a:t>
-            </a:r>
-          </a:p>
-          <a:p>
-            <a:pPr marL="2160">
-              <a:lnSpc>
-                <a:spcPct val="90000"/>
-              </a:lnSpc>
-              <a:buClr>
-                <a:srgbClr val="808080"/>
-              </a:buClr>
-            </a:pPr>
-            <a:r>
-              <a:rPr lang="pt-BR" sz="2000" spc="-1" dirty="0" smtClean="0">
-                <a:solidFill>
-                  <a:srgbClr val="808080"/>
-                </a:solidFill>
-                <a:uFill>
-                  <a:solidFill>
-                    <a:srgbClr val="FFFFFF"/>
-                  </a:solidFill>
-                </a:uFill>
-                <a:latin typeface="EDP Preon"/>
-              </a:rPr>
-              <a:t>...</a:t>
-            </a:r>
-          </a:p>
-          <a:p>
-            <a:pPr marL="2160">
-              <a:lnSpc>
-                <a:spcPct val="90000"/>
-              </a:lnSpc>
-              <a:buClr>
-                <a:srgbClr val="808080"/>
-              </a:buClr>
-            </a:pPr>
-            <a:endParaRPr lang="pt-BR" sz="2000" b="0" strike="noStrike" spc="-1" dirty="0" smtClean="0">
-              <a:solidFill>
-                <a:srgbClr val="808080"/>
-              </a:solidFill>
-              <a:uFill>
-                <a:solidFill>
-                  <a:srgbClr val="FFFFFF"/>
-                </a:solidFill>
-              </a:uFill>
-              <a:latin typeface="EDP Preon"/>
-            </a:endParaRPr>
-          </a:p>
-          <a:p>
-            <a:pPr marL="2160" algn="ctr">
-              <a:lnSpc>
-                <a:spcPct val="90000"/>
-              </a:lnSpc>
-              <a:buClr>
-                <a:srgbClr val="808080"/>
-              </a:buClr>
-            </a:pPr>
-            <a:endParaRPr lang="pt-BR" sz="2000" b="0" strike="noStrike" spc="-1" dirty="0" smtClean="0">
-              <a:solidFill>
-                <a:srgbClr val="808080"/>
-              </a:solidFill>
-              <a:uFill>
-                <a:solidFill>
-                  <a:srgbClr val="FFFFFF"/>
-                </a:solidFill>
-              </a:uFill>
-              <a:latin typeface="EDP Preon"/>
-            </a:endParaRPr>
-          </a:p>
-          <a:p>
-            <a:pPr marL="2160" algn="ctr">
-              <a:lnSpc>
-                <a:spcPct val="90000"/>
-              </a:lnSpc>
-              <a:buClr>
-                <a:srgbClr val="808080"/>
-              </a:buClr>
-            </a:pPr>
-            <a:r>
-              <a:rPr lang="pt-BR" sz="2000" b="0" strike="noStrike" spc="-1" dirty="0" smtClean="0">
-                <a:solidFill>
-                  <a:srgbClr val="808080"/>
-                </a:solidFill>
-                <a:uFill>
-                  <a:solidFill>
-                    <a:srgbClr val="FFFFFF"/>
-                  </a:solidFill>
-                </a:uFill>
-                <a:latin typeface="EDP Preon"/>
-              </a:rPr>
-              <a:t>(G)</a:t>
-            </a:r>
-            <a:endParaRPr lang="pt-BR" sz="1800" b="0" strike="noStrike" spc="-1" dirty="0">
-              <a:solidFill>
-                <a:srgbClr val="000000"/>
-              </a:solidFill>
-              <a:uFill>
-                <a:solidFill>
-                  <a:srgbClr val="FFFFFF"/>
-                </a:solidFill>
-              </a:uFill>
-              <a:latin typeface="Arial"/>
-            </a:endParaRPr>
-          </a:p>
-        </p:txBody>
-      </p:sp>
-      <p:sp>
-        <p:nvSpPr>
-          <p:cNvPr id="8" name="CustomShape 2"/>
-          <p:cNvSpPr/>
-          <p:nvPr/>
-        </p:nvSpPr>
-        <p:spPr>
-          <a:xfrm>
-            <a:off x="7320136" y="2153248"/>
-            <a:ext cx="2016784" cy="2578824"/>
-          </a:xfrm>
-          <a:prstGeom prst="rect">
-            <a:avLst/>
-          </a:prstGeom>
-          <a:gradFill>
-            <a:gsLst>
-              <a:gs pos="0">
-                <a:schemeClr val="accent1">
-                  <a:lumMod val="5000"/>
-                  <a:lumOff val="95000"/>
-                </a:schemeClr>
-              </a:gs>
-              <a:gs pos="74000">
-                <a:schemeClr val="accent1">
-                  <a:lumMod val="45000"/>
-                  <a:lumOff val="55000"/>
-                </a:schemeClr>
-              </a:gs>
-              <a:gs pos="83000">
-                <a:schemeClr val="accent1">
-                  <a:lumMod val="45000"/>
-                  <a:lumOff val="55000"/>
-                </a:schemeClr>
-              </a:gs>
-              <a:gs pos="100000">
-                <a:schemeClr val="accent1">
-                  <a:lumMod val="30000"/>
-                  <a:lumOff val="70000"/>
-                </a:schemeClr>
-              </a:gs>
-            </a:gsLst>
-            <a:lin ang="5400000" scaled="1"/>
-          </a:gradFill>
-          <a:ln>
-            <a:solidFill>
-              <a:schemeClr val="accent1"/>
-            </a:solidFill>
-          </a:ln>
-        </p:spPr>
-        <p:style>
-          <a:lnRef idx="0">
-            <a:scrgbClr r="0" g="0" b="0"/>
-          </a:lnRef>
-          <a:fillRef idx="0">
-            <a:scrgbClr r="0" g="0" b="0"/>
-          </a:fillRef>
-          <a:effectRef idx="0">
-            <a:scrgbClr r="0" g="0" b="0"/>
-          </a:effectRef>
-          <a:fontRef idx="minor"/>
-        </p:style>
-        <p:txBody>
-          <a:bodyPr lIns="90000" tIns="45000" rIns="90000" bIns="45000"/>
-          <a:lstStyle/>
-          <a:p>
-            <a:pPr>
-              <a:lnSpc>
-                <a:spcPct val="90000"/>
-              </a:lnSpc>
-            </a:pPr>
-            <a:endParaRPr lang="pt-BR" sz="1800" b="0" strike="noStrike" spc="-1" dirty="0">
-              <a:solidFill>
-                <a:srgbClr val="000000"/>
-              </a:solidFill>
-              <a:uFill>
-                <a:solidFill>
-                  <a:srgbClr val="FFFFFF"/>
-                </a:solidFill>
-              </a:uFill>
-              <a:latin typeface="Arial"/>
-            </a:endParaRPr>
-          </a:p>
-          <a:p>
-            <a:pPr marL="2160">
-              <a:lnSpc>
-                <a:spcPct val="90000"/>
-              </a:lnSpc>
-              <a:buClr>
-                <a:srgbClr val="808080"/>
-              </a:buClr>
-            </a:pPr>
-            <a:r>
-              <a:rPr lang="pt-BR" sz="2000" spc="-1" dirty="0" smtClean="0">
-                <a:solidFill>
-                  <a:srgbClr val="808080"/>
-                </a:solidFill>
-                <a:uFill>
-                  <a:solidFill>
-                    <a:srgbClr val="FFFFFF"/>
-                  </a:solidFill>
-                </a:uFill>
-                <a:latin typeface="EDP Preon"/>
-                <a:ea typeface="DejaVu Sans"/>
-              </a:rPr>
-              <a:t>...</a:t>
-            </a:r>
-          </a:p>
-          <a:p>
-            <a:pPr marL="2160">
-              <a:lnSpc>
-                <a:spcPct val="90000"/>
-              </a:lnSpc>
-              <a:buClr>
-                <a:srgbClr val="808080"/>
-              </a:buClr>
-            </a:pPr>
-            <a:r>
-              <a:rPr lang="pt-BR" sz="2000" b="0" strike="noStrike" spc="-1" dirty="0" smtClean="0">
-                <a:solidFill>
-                  <a:srgbClr val="808080"/>
-                </a:solidFill>
-                <a:uFill>
-                  <a:solidFill>
-                    <a:srgbClr val="FFFFFF"/>
-                  </a:solidFill>
-                </a:uFill>
-                <a:latin typeface="EDP Preon"/>
-                <a:ea typeface="DejaVu Sans"/>
-              </a:rPr>
-              <a:t>Comando A</a:t>
-            </a:r>
-          </a:p>
-          <a:p>
-            <a:pPr marL="2160">
-              <a:lnSpc>
-                <a:spcPct val="90000"/>
-              </a:lnSpc>
-              <a:buClr>
-                <a:srgbClr val="808080"/>
-              </a:buClr>
-            </a:pPr>
-            <a:r>
-              <a:rPr lang="pt-BR" sz="2000" b="1" spc="-1" dirty="0" smtClean="0">
-                <a:solidFill>
-                  <a:schemeClr val="accent6"/>
-                </a:solidFill>
-                <a:uFill>
-                  <a:solidFill>
-                    <a:srgbClr val="FFFFFF"/>
-                  </a:solidFill>
-                </a:uFill>
-                <a:latin typeface="EDP Preon"/>
-              </a:rPr>
-              <a:t>Comando B (?)</a:t>
-            </a:r>
-          </a:p>
-          <a:p>
-            <a:pPr marL="2160">
-              <a:lnSpc>
-                <a:spcPct val="90000"/>
-              </a:lnSpc>
-              <a:buClr>
-                <a:srgbClr val="808080"/>
-              </a:buClr>
-            </a:pPr>
-            <a:r>
-              <a:rPr lang="pt-BR" sz="2000" b="1" spc="-1" dirty="0" smtClean="0">
-                <a:solidFill>
-                  <a:srgbClr val="00B050"/>
-                </a:solidFill>
-                <a:uFill>
-                  <a:solidFill>
-                    <a:srgbClr val="FFFFFF"/>
-                  </a:solidFill>
-                </a:uFill>
-                <a:latin typeface="EDP Preon"/>
-              </a:rPr>
-              <a:t>Comando C</a:t>
-            </a:r>
-          </a:p>
-          <a:p>
-            <a:pPr marL="2160">
-              <a:lnSpc>
-                <a:spcPct val="90000"/>
-              </a:lnSpc>
-              <a:buClr>
-                <a:srgbClr val="808080"/>
-              </a:buClr>
-            </a:pPr>
-            <a:r>
-              <a:rPr lang="pt-BR" sz="2000" spc="-1" dirty="0" smtClean="0">
-                <a:solidFill>
-                  <a:srgbClr val="808080"/>
-                </a:solidFill>
-                <a:uFill>
-                  <a:solidFill>
-                    <a:srgbClr val="FFFFFF"/>
-                  </a:solidFill>
-                </a:uFill>
-                <a:latin typeface="EDP Preon"/>
-              </a:rPr>
-              <a:t>...</a:t>
-            </a:r>
-          </a:p>
-          <a:p>
-            <a:pPr marL="2160">
-              <a:lnSpc>
-                <a:spcPct val="90000"/>
-              </a:lnSpc>
-              <a:buClr>
-                <a:srgbClr val="808080"/>
-              </a:buClr>
-            </a:pPr>
-            <a:endParaRPr lang="pt-BR" sz="2000" b="0" strike="noStrike" spc="-1" dirty="0" smtClean="0">
-              <a:solidFill>
-                <a:srgbClr val="808080"/>
-              </a:solidFill>
-              <a:uFill>
-                <a:solidFill>
-                  <a:srgbClr val="FFFFFF"/>
-                </a:solidFill>
-              </a:uFill>
-              <a:latin typeface="EDP Preon"/>
-            </a:endParaRPr>
-          </a:p>
-          <a:p>
-            <a:pPr marL="2160">
-              <a:lnSpc>
-                <a:spcPct val="90000"/>
-              </a:lnSpc>
-              <a:buClr>
-                <a:srgbClr val="808080"/>
-              </a:buClr>
-            </a:pPr>
-            <a:endParaRPr lang="pt-BR" sz="2000" b="0" strike="noStrike" spc="-1" dirty="0" smtClean="0">
-              <a:solidFill>
-                <a:srgbClr val="808080"/>
-              </a:solidFill>
-              <a:uFill>
-                <a:solidFill>
-                  <a:srgbClr val="FFFFFF"/>
-                </a:solidFill>
-              </a:uFill>
-              <a:latin typeface="EDP Preon"/>
-            </a:endParaRPr>
-          </a:p>
-          <a:p>
-            <a:pPr marL="2160" algn="ctr">
-              <a:lnSpc>
-                <a:spcPct val="90000"/>
-              </a:lnSpc>
-              <a:buClr>
-                <a:srgbClr val="808080"/>
-              </a:buClr>
-            </a:pPr>
-            <a:r>
-              <a:rPr lang="pt-BR" sz="2000" b="0" strike="noStrike" spc="-1" dirty="0" smtClean="0">
-                <a:solidFill>
-                  <a:srgbClr val="808080"/>
-                </a:solidFill>
-                <a:uFill>
-                  <a:solidFill>
-                    <a:srgbClr val="FFFFFF"/>
-                  </a:solidFill>
-                </a:uFill>
-                <a:latin typeface="EDP Preon"/>
-              </a:rPr>
-              <a:t>(H)</a:t>
-            </a:r>
-            <a:endParaRPr lang="pt-BR" sz="1800" b="0" strike="noStrike" spc="-1" dirty="0">
-              <a:solidFill>
-                <a:srgbClr val="000000"/>
-              </a:solidFill>
-              <a:uFill>
-                <a:solidFill>
-                  <a:srgbClr val="FFFFFF"/>
-                </a:solidFill>
-              </a:uFill>
-              <a:latin typeface="Arial"/>
-            </a:endParaRPr>
-          </a:p>
-        </p:txBody>
-      </p:sp>
+      </p:pic>
     </p:spTree>
-    <p:extLst>
-      <p:ext uri="{BB962C8B-B14F-4D97-AF65-F5344CB8AC3E}">
-        <p14:creationId xmlns:p14="http://schemas.microsoft.com/office/powerpoint/2010/main" val="3829828891"/>
-      </p:ext>
-    </p:extLst>
   </p:cSld>
   <p:clrMapOvr>
     <a:masterClrMapping/>
@@ -6043,6 +3798,2570 @@
               </a:lnSpc>
             </a:pPr>
             <a:r>
+              <a:rPr lang="pt-BR" sz="3200" b="0" strike="noStrike" spc="-1" dirty="0" smtClean="0">
+                <a:solidFill>
+                  <a:srgbClr val="A6A6A6"/>
+                </a:solidFill>
+                <a:uFill>
+                  <a:solidFill>
+                    <a:srgbClr val="FFFFFF"/>
+                  </a:solidFill>
+                </a:uFill>
+                <a:latin typeface="EDP Preon"/>
+                <a:ea typeface="DejaVu Sans"/>
+              </a:rPr>
+              <a:t>Merge </a:t>
+            </a:r>
+            <a:r>
+              <a:rPr lang="pt-BR" sz="3200" spc="-1" dirty="0" smtClean="0">
+                <a:solidFill>
+                  <a:srgbClr val="A6A6A6"/>
+                </a:solidFill>
+                <a:uFill>
+                  <a:solidFill>
+                    <a:srgbClr val="FFFFFF"/>
+                  </a:solidFill>
+                </a:uFill>
+                <a:latin typeface="EDP Preon"/>
+              </a:rPr>
+              <a:t>sem conflito</a:t>
+            </a:r>
+            <a:endParaRPr lang="pt-BR" sz="1800" b="0" strike="noStrike" spc="-1" dirty="0">
+              <a:solidFill>
+                <a:srgbClr val="000000"/>
+              </a:solidFill>
+              <a:uFill>
+                <a:solidFill>
+                  <a:srgbClr val="FFFFFF"/>
+                </a:solidFill>
+              </a:uFill>
+              <a:latin typeface="Arial"/>
+            </a:endParaRPr>
+          </a:p>
+        </p:txBody>
+      </p:sp>
+      <p:sp>
+        <p:nvSpPr>
+          <p:cNvPr id="5" name="CustomShape 2"/>
+          <p:cNvSpPr/>
+          <p:nvPr/>
+        </p:nvSpPr>
+        <p:spPr>
+          <a:xfrm>
+            <a:off x="334800" y="2146320"/>
+            <a:ext cx="2016784" cy="2578824"/>
+          </a:xfrm>
+          <a:prstGeom prst="rect">
+            <a:avLst/>
+          </a:prstGeom>
+          <a:gradFill>
+            <a:gsLst>
+              <a:gs pos="0">
+                <a:schemeClr val="accent1">
+                  <a:lumMod val="5000"/>
+                  <a:lumOff val="95000"/>
+                </a:schemeClr>
+              </a:gs>
+              <a:gs pos="74000">
+                <a:schemeClr val="accent1">
+                  <a:lumMod val="45000"/>
+                  <a:lumOff val="55000"/>
+                </a:schemeClr>
+              </a:gs>
+              <a:gs pos="83000">
+                <a:schemeClr val="accent1">
+                  <a:lumMod val="45000"/>
+                  <a:lumOff val="55000"/>
+                </a:schemeClr>
+              </a:gs>
+              <a:gs pos="100000">
+                <a:schemeClr val="accent1">
+                  <a:lumMod val="30000"/>
+                  <a:lumOff val="70000"/>
+                </a:schemeClr>
+              </a:gs>
+            </a:gsLst>
+            <a:lin ang="5400000" scaled="1"/>
+          </a:gradFill>
+          <a:ln>
+            <a:solidFill>
+              <a:schemeClr val="accent1"/>
+            </a:solidFill>
+          </a:ln>
+        </p:spPr>
+        <p:style>
+          <a:lnRef idx="0">
+            <a:scrgbClr r="0" g="0" b="0"/>
+          </a:lnRef>
+          <a:fillRef idx="0">
+            <a:scrgbClr r="0" g="0" b="0"/>
+          </a:fillRef>
+          <a:effectRef idx="0">
+            <a:scrgbClr r="0" g="0" b="0"/>
+          </a:effectRef>
+          <a:fontRef idx="minor"/>
+        </p:style>
+        <p:txBody>
+          <a:bodyPr lIns="90000" tIns="45000" rIns="90000" bIns="45000"/>
+          <a:lstStyle/>
+          <a:p>
+            <a:pPr>
+              <a:lnSpc>
+                <a:spcPct val="90000"/>
+              </a:lnSpc>
+            </a:pPr>
+            <a:endParaRPr lang="pt-BR" sz="1800" b="0" strike="noStrike" spc="-1" dirty="0">
+              <a:solidFill>
+                <a:srgbClr val="000000"/>
+              </a:solidFill>
+              <a:uFill>
+                <a:solidFill>
+                  <a:srgbClr val="FFFFFF"/>
+                </a:solidFill>
+              </a:uFill>
+              <a:latin typeface="Arial"/>
+            </a:endParaRPr>
+          </a:p>
+          <a:p>
+            <a:pPr marL="2160">
+              <a:lnSpc>
+                <a:spcPct val="90000"/>
+              </a:lnSpc>
+              <a:buClr>
+                <a:srgbClr val="808080"/>
+              </a:buClr>
+            </a:pPr>
+            <a:r>
+              <a:rPr lang="pt-BR" sz="2000" spc="-1" dirty="0" smtClean="0">
+                <a:solidFill>
+                  <a:srgbClr val="808080"/>
+                </a:solidFill>
+                <a:uFill>
+                  <a:solidFill>
+                    <a:srgbClr val="FFFFFF"/>
+                  </a:solidFill>
+                </a:uFill>
+                <a:latin typeface="EDP Preon"/>
+                <a:ea typeface="DejaVu Sans"/>
+              </a:rPr>
+              <a:t>...</a:t>
+            </a:r>
+          </a:p>
+          <a:p>
+            <a:pPr marL="2160">
+              <a:lnSpc>
+                <a:spcPct val="90000"/>
+              </a:lnSpc>
+              <a:buClr>
+                <a:srgbClr val="808080"/>
+              </a:buClr>
+            </a:pPr>
+            <a:r>
+              <a:rPr lang="pt-BR" sz="2000" b="0" strike="noStrike" spc="-1" dirty="0" smtClean="0">
+                <a:solidFill>
+                  <a:srgbClr val="808080"/>
+                </a:solidFill>
+                <a:uFill>
+                  <a:solidFill>
+                    <a:srgbClr val="FFFFFF"/>
+                  </a:solidFill>
+                </a:uFill>
+                <a:latin typeface="EDP Preon"/>
+                <a:ea typeface="DejaVu Sans"/>
+              </a:rPr>
+              <a:t>Comando A</a:t>
+            </a:r>
+          </a:p>
+          <a:p>
+            <a:pPr marL="2160">
+              <a:lnSpc>
+                <a:spcPct val="90000"/>
+              </a:lnSpc>
+              <a:buClr>
+                <a:srgbClr val="808080"/>
+              </a:buClr>
+            </a:pPr>
+            <a:r>
+              <a:rPr lang="pt-BR" sz="2000" spc="-1" dirty="0" smtClean="0">
+                <a:solidFill>
+                  <a:srgbClr val="808080"/>
+                </a:solidFill>
+                <a:uFill>
+                  <a:solidFill>
+                    <a:srgbClr val="FFFFFF"/>
+                  </a:solidFill>
+                </a:uFill>
+                <a:latin typeface="EDP Preon"/>
+              </a:rPr>
+              <a:t>Comando B</a:t>
+            </a:r>
+          </a:p>
+          <a:p>
+            <a:pPr marL="2160">
+              <a:lnSpc>
+                <a:spcPct val="90000"/>
+              </a:lnSpc>
+              <a:buClr>
+                <a:srgbClr val="808080"/>
+              </a:buClr>
+            </a:pPr>
+            <a:r>
+              <a:rPr lang="pt-BR" sz="2000" spc="-1" dirty="0" smtClean="0">
+                <a:solidFill>
+                  <a:srgbClr val="808080"/>
+                </a:solidFill>
+                <a:uFill>
+                  <a:solidFill>
+                    <a:srgbClr val="FFFFFF"/>
+                  </a:solidFill>
+                </a:uFill>
+                <a:latin typeface="EDP Preon"/>
+              </a:rPr>
+              <a:t>...</a:t>
+            </a:r>
+          </a:p>
+          <a:p>
+            <a:pPr marL="2160">
+              <a:lnSpc>
+                <a:spcPct val="90000"/>
+              </a:lnSpc>
+              <a:buClr>
+                <a:srgbClr val="808080"/>
+              </a:buClr>
+            </a:pPr>
+            <a:endParaRPr lang="pt-BR" sz="2000" b="0" strike="noStrike" spc="-1" dirty="0" smtClean="0">
+              <a:solidFill>
+                <a:srgbClr val="808080"/>
+              </a:solidFill>
+              <a:uFill>
+                <a:solidFill>
+                  <a:srgbClr val="FFFFFF"/>
+                </a:solidFill>
+              </a:uFill>
+              <a:latin typeface="EDP Preon"/>
+            </a:endParaRPr>
+          </a:p>
+          <a:p>
+            <a:pPr marL="2160" algn="ctr">
+              <a:lnSpc>
+                <a:spcPct val="90000"/>
+              </a:lnSpc>
+              <a:buClr>
+                <a:srgbClr val="808080"/>
+              </a:buClr>
+            </a:pPr>
+            <a:endParaRPr lang="pt-BR" sz="2000" b="0" strike="noStrike" spc="-1" dirty="0" smtClean="0">
+              <a:solidFill>
+                <a:srgbClr val="808080"/>
+              </a:solidFill>
+              <a:uFill>
+                <a:solidFill>
+                  <a:srgbClr val="FFFFFF"/>
+                </a:solidFill>
+              </a:uFill>
+              <a:latin typeface="EDP Preon"/>
+            </a:endParaRPr>
+          </a:p>
+          <a:p>
+            <a:pPr marL="2160" algn="ctr">
+              <a:lnSpc>
+                <a:spcPct val="90000"/>
+              </a:lnSpc>
+              <a:buClr>
+                <a:srgbClr val="808080"/>
+              </a:buClr>
+            </a:pPr>
+            <a:endParaRPr lang="pt-BR" sz="2000" spc="-1" dirty="0">
+              <a:solidFill>
+                <a:srgbClr val="808080"/>
+              </a:solidFill>
+              <a:uFill>
+                <a:solidFill>
+                  <a:srgbClr val="FFFFFF"/>
+                </a:solidFill>
+              </a:uFill>
+              <a:latin typeface="EDP Preon"/>
+            </a:endParaRPr>
+          </a:p>
+          <a:p>
+            <a:pPr marL="2160" algn="ctr">
+              <a:lnSpc>
+                <a:spcPct val="90000"/>
+              </a:lnSpc>
+              <a:buClr>
+                <a:srgbClr val="808080"/>
+              </a:buClr>
+            </a:pPr>
+            <a:r>
+              <a:rPr lang="pt-BR" sz="2000" b="0" strike="noStrike" spc="-1" dirty="0" smtClean="0">
+                <a:solidFill>
+                  <a:srgbClr val="808080"/>
+                </a:solidFill>
+                <a:uFill>
+                  <a:solidFill>
+                    <a:srgbClr val="FFFFFF"/>
+                  </a:solidFill>
+                </a:uFill>
+                <a:latin typeface="EDP Preon"/>
+              </a:rPr>
+              <a:t>(B)</a:t>
+            </a:r>
+            <a:endParaRPr lang="pt-BR" sz="1800" b="0" strike="noStrike" spc="-1" dirty="0">
+              <a:solidFill>
+                <a:srgbClr val="000000"/>
+              </a:solidFill>
+              <a:uFill>
+                <a:solidFill>
+                  <a:srgbClr val="FFFFFF"/>
+                </a:solidFill>
+              </a:uFill>
+              <a:latin typeface="Arial"/>
+            </a:endParaRPr>
+          </a:p>
+        </p:txBody>
+      </p:sp>
+      <p:sp>
+        <p:nvSpPr>
+          <p:cNvPr id="6" name="CustomShape 2"/>
+          <p:cNvSpPr/>
+          <p:nvPr/>
+        </p:nvSpPr>
+        <p:spPr>
+          <a:xfrm>
+            <a:off x="2639056" y="2132856"/>
+            <a:ext cx="2016784" cy="2578824"/>
+          </a:xfrm>
+          <a:prstGeom prst="rect">
+            <a:avLst/>
+          </a:prstGeom>
+          <a:gradFill>
+            <a:gsLst>
+              <a:gs pos="0">
+                <a:schemeClr val="accent1">
+                  <a:lumMod val="5000"/>
+                  <a:lumOff val="95000"/>
+                </a:schemeClr>
+              </a:gs>
+              <a:gs pos="74000">
+                <a:schemeClr val="accent1">
+                  <a:lumMod val="45000"/>
+                  <a:lumOff val="55000"/>
+                </a:schemeClr>
+              </a:gs>
+              <a:gs pos="83000">
+                <a:schemeClr val="accent1">
+                  <a:lumMod val="45000"/>
+                  <a:lumOff val="55000"/>
+                </a:schemeClr>
+              </a:gs>
+              <a:gs pos="100000">
+                <a:schemeClr val="accent1">
+                  <a:lumMod val="30000"/>
+                  <a:lumOff val="70000"/>
+                </a:schemeClr>
+              </a:gs>
+            </a:gsLst>
+            <a:lin ang="5400000" scaled="1"/>
+          </a:gradFill>
+          <a:ln>
+            <a:solidFill>
+              <a:schemeClr val="accent1"/>
+            </a:solidFill>
+          </a:ln>
+        </p:spPr>
+        <p:style>
+          <a:lnRef idx="0">
+            <a:scrgbClr r="0" g="0" b="0"/>
+          </a:lnRef>
+          <a:fillRef idx="0">
+            <a:scrgbClr r="0" g="0" b="0"/>
+          </a:fillRef>
+          <a:effectRef idx="0">
+            <a:scrgbClr r="0" g="0" b="0"/>
+          </a:effectRef>
+          <a:fontRef idx="minor"/>
+        </p:style>
+        <p:txBody>
+          <a:bodyPr lIns="90000" tIns="45000" rIns="90000" bIns="45000"/>
+          <a:lstStyle/>
+          <a:p>
+            <a:pPr>
+              <a:lnSpc>
+                <a:spcPct val="90000"/>
+              </a:lnSpc>
+            </a:pPr>
+            <a:endParaRPr lang="pt-BR" sz="1800" b="0" strike="noStrike" spc="-1" dirty="0">
+              <a:solidFill>
+                <a:srgbClr val="000000"/>
+              </a:solidFill>
+              <a:uFill>
+                <a:solidFill>
+                  <a:srgbClr val="FFFFFF"/>
+                </a:solidFill>
+              </a:uFill>
+              <a:latin typeface="Arial"/>
+            </a:endParaRPr>
+          </a:p>
+          <a:p>
+            <a:pPr marL="2160">
+              <a:lnSpc>
+                <a:spcPct val="90000"/>
+              </a:lnSpc>
+              <a:buClr>
+                <a:srgbClr val="808080"/>
+              </a:buClr>
+            </a:pPr>
+            <a:r>
+              <a:rPr lang="pt-BR" sz="2000" spc="-1" dirty="0" smtClean="0">
+                <a:solidFill>
+                  <a:srgbClr val="808080"/>
+                </a:solidFill>
+                <a:uFill>
+                  <a:solidFill>
+                    <a:srgbClr val="FFFFFF"/>
+                  </a:solidFill>
+                </a:uFill>
+                <a:latin typeface="EDP Preon"/>
+                <a:ea typeface="DejaVu Sans"/>
+              </a:rPr>
+              <a:t>...</a:t>
+            </a:r>
+          </a:p>
+          <a:p>
+            <a:pPr marL="2160">
+              <a:lnSpc>
+                <a:spcPct val="90000"/>
+              </a:lnSpc>
+              <a:buClr>
+                <a:srgbClr val="808080"/>
+              </a:buClr>
+            </a:pPr>
+            <a:r>
+              <a:rPr lang="pt-BR" sz="2000" b="0" strike="noStrike" spc="-1" dirty="0" smtClean="0">
+                <a:solidFill>
+                  <a:srgbClr val="808080"/>
+                </a:solidFill>
+                <a:uFill>
+                  <a:solidFill>
+                    <a:srgbClr val="FFFFFF"/>
+                  </a:solidFill>
+                </a:uFill>
+                <a:latin typeface="EDP Preon"/>
+                <a:ea typeface="DejaVu Sans"/>
+              </a:rPr>
+              <a:t>Comando A</a:t>
+            </a:r>
+          </a:p>
+          <a:p>
+            <a:pPr marL="2160">
+              <a:lnSpc>
+                <a:spcPct val="90000"/>
+              </a:lnSpc>
+              <a:buClr>
+                <a:srgbClr val="808080"/>
+              </a:buClr>
+            </a:pPr>
+            <a:r>
+              <a:rPr lang="pt-BR" sz="2000" b="1" spc="-1" dirty="0" smtClean="0">
+                <a:solidFill>
+                  <a:srgbClr val="FF0000"/>
+                </a:solidFill>
+                <a:uFill>
+                  <a:solidFill>
+                    <a:srgbClr val="FFFFFF"/>
+                  </a:solidFill>
+                </a:uFill>
+                <a:latin typeface="EDP Preon"/>
+                <a:ea typeface="DejaVu Sans"/>
+              </a:rPr>
+              <a:t>Comando A2</a:t>
+            </a:r>
+            <a:endParaRPr lang="pt-BR" sz="2000" b="1" strike="noStrike" spc="-1" dirty="0" smtClean="0">
+              <a:solidFill>
+                <a:srgbClr val="FF0000"/>
+              </a:solidFill>
+              <a:uFill>
+                <a:solidFill>
+                  <a:srgbClr val="FFFFFF"/>
+                </a:solidFill>
+              </a:uFill>
+              <a:latin typeface="EDP Preon"/>
+              <a:ea typeface="DejaVu Sans"/>
+            </a:endParaRPr>
+          </a:p>
+          <a:p>
+            <a:pPr marL="2160">
+              <a:lnSpc>
+                <a:spcPct val="90000"/>
+              </a:lnSpc>
+              <a:buClr>
+                <a:srgbClr val="808080"/>
+              </a:buClr>
+            </a:pPr>
+            <a:r>
+              <a:rPr lang="pt-BR" sz="2000" spc="-1" dirty="0" smtClean="0">
+                <a:solidFill>
+                  <a:srgbClr val="808080"/>
+                </a:solidFill>
+                <a:uFill>
+                  <a:solidFill>
+                    <a:srgbClr val="FFFFFF"/>
+                  </a:solidFill>
+                </a:uFill>
+                <a:latin typeface="EDP Preon"/>
+              </a:rPr>
+              <a:t>Comando B</a:t>
+            </a:r>
+          </a:p>
+          <a:p>
+            <a:pPr marL="2160">
+              <a:lnSpc>
+                <a:spcPct val="90000"/>
+              </a:lnSpc>
+              <a:buClr>
+                <a:srgbClr val="808080"/>
+              </a:buClr>
+            </a:pPr>
+            <a:r>
+              <a:rPr lang="pt-BR" sz="2000" spc="-1" dirty="0" smtClean="0">
+                <a:solidFill>
+                  <a:srgbClr val="808080"/>
+                </a:solidFill>
+                <a:uFill>
+                  <a:solidFill>
+                    <a:srgbClr val="FFFFFF"/>
+                  </a:solidFill>
+                </a:uFill>
+                <a:latin typeface="EDP Preon"/>
+              </a:rPr>
+              <a:t>...</a:t>
+            </a:r>
+          </a:p>
+          <a:p>
+            <a:pPr marL="2160">
+              <a:lnSpc>
+                <a:spcPct val="90000"/>
+              </a:lnSpc>
+              <a:buClr>
+                <a:srgbClr val="808080"/>
+              </a:buClr>
+            </a:pPr>
+            <a:endParaRPr lang="pt-BR" sz="2000" b="0" strike="noStrike" spc="-1" dirty="0" smtClean="0">
+              <a:solidFill>
+                <a:srgbClr val="808080"/>
+              </a:solidFill>
+              <a:uFill>
+                <a:solidFill>
+                  <a:srgbClr val="FFFFFF"/>
+                </a:solidFill>
+              </a:uFill>
+              <a:latin typeface="EDP Preon"/>
+            </a:endParaRPr>
+          </a:p>
+          <a:p>
+            <a:pPr marL="2160" algn="ctr">
+              <a:lnSpc>
+                <a:spcPct val="90000"/>
+              </a:lnSpc>
+              <a:buClr>
+                <a:srgbClr val="808080"/>
+              </a:buClr>
+            </a:pPr>
+            <a:endParaRPr lang="pt-BR" sz="2000" b="0" strike="noStrike" spc="-1" dirty="0" smtClean="0">
+              <a:solidFill>
+                <a:srgbClr val="808080"/>
+              </a:solidFill>
+              <a:uFill>
+                <a:solidFill>
+                  <a:srgbClr val="FFFFFF"/>
+                </a:solidFill>
+              </a:uFill>
+              <a:latin typeface="EDP Preon"/>
+            </a:endParaRPr>
+          </a:p>
+          <a:p>
+            <a:pPr marL="2160" algn="ctr">
+              <a:lnSpc>
+                <a:spcPct val="90000"/>
+              </a:lnSpc>
+              <a:buClr>
+                <a:srgbClr val="808080"/>
+              </a:buClr>
+            </a:pPr>
+            <a:r>
+              <a:rPr lang="pt-BR" sz="2000" b="0" strike="noStrike" spc="-1" dirty="0" smtClean="0">
+                <a:solidFill>
+                  <a:srgbClr val="808080"/>
+                </a:solidFill>
+                <a:uFill>
+                  <a:solidFill>
+                    <a:srgbClr val="FFFFFF"/>
+                  </a:solidFill>
+                </a:uFill>
+                <a:latin typeface="EDP Preon"/>
+              </a:rPr>
+              <a:t>(E)</a:t>
+            </a:r>
+            <a:endParaRPr lang="pt-BR" sz="1800" b="0" strike="noStrike" spc="-1" dirty="0">
+              <a:solidFill>
+                <a:srgbClr val="000000"/>
+              </a:solidFill>
+              <a:uFill>
+                <a:solidFill>
+                  <a:srgbClr val="FFFFFF"/>
+                </a:solidFill>
+              </a:uFill>
+              <a:latin typeface="Arial"/>
+            </a:endParaRPr>
+          </a:p>
+        </p:txBody>
+      </p:sp>
+      <p:sp>
+        <p:nvSpPr>
+          <p:cNvPr id="7" name="CustomShape 2"/>
+          <p:cNvSpPr/>
+          <p:nvPr/>
+        </p:nvSpPr>
+        <p:spPr>
+          <a:xfrm>
+            <a:off x="4943312" y="2132856"/>
+            <a:ext cx="2016784" cy="2578824"/>
+          </a:xfrm>
+          <a:prstGeom prst="rect">
+            <a:avLst/>
+          </a:prstGeom>
+          <a:gradFill>
+            <a:gsLst>
+              <a:gs pos="0">
+                <a:schemeClr val="accent1">
+                  <a:lumMod val="5000"/>
+                  <a:lumOff val="95000"/>
+                </a:schemeClr>
+              </a:gs>
+              <a:gs pos="74000">
+                <a:schemeClr val="accent1">
+                  <a:lumMod val="45000"/>
+                  <a:lumOff val="55000"/>
+                </a:schemeClr>
+              </a:gs>
+              <a:gs pos="83000">
+                <a:schemeClr val="accent1">
+                  <a:lumMod val="45000"/>
+                  <a:lumOff val="55000"/>
+                </a:schemeClr>
+              </a:gs>
+              <a:gs pos="100000">
+                <a:schemeClr val="accent1">
+                  <a:lumMod val="30000"/>
+                  <a:lumOff val="70000"/>
+                </a:schemeClr>
+              </a:gs>
+            </a:gsLst>
+            <a:lin ang="5400000" scaled="1"/>
+          </a:gradFill>
+          <a:ln>
+            <a:solidFill>
+              <a:schemeClr val="accent1"/>
+            </a:solidFill>
+          </a:ln>
+        </p:spPr>
+        <p:style>
+          <a:lnRef idx="0">
+            <a:scrgbClr r="0" g="0" b="0"/>
+          </a:lnRef>
+          <a:fillRef idx="0">
+            <a:scrgbClr r="0" g="0" b="0"/>
+          </a:fillRef>
+          <a:effectRef idx="0">
+            <a:scrgbClr r="0" g="0" b="0"/>
+          </a:effectRef>
+          <a:fontRef idx="minor"/>
+        </p:style>
+        <p:txBody>
+          <a:bodyPr lIns="90000" tIns="45000" rIns="90000" bIns="45000"/>
+          <a:lstStyle/>
+          <a:p>
+            <a:pPr>
+              <a:lnSpc>
+                <a:spcPct val="90000"/>
+              </a:lnSpc>
+            </a:pPr>
+            <a:endParaRPr lang="pt-BR" sz="1800" b="0" strike="noStrike" spc="-1" dirty="0">
+              <a:solidFill>
+                <a:srgbClr val="000000"/>
+              </a:solidFill>
+              <a:uFill>
+                <a:solidFill>
+                  <a:srgbClr val="FFFFFF"/>
+                </a:solidFill>
+              </a:uFill>
+              <a:latin typeface="Arial"/>
+            </a:endParaRPr>
+          </a:p>
+          <a:p>
+            <a:pPr marL="2160">
+              <a:lnSpc>
+                <a:spcPct val="90000"/>
+              </a:lnSpc>
+              <a:buClr>
+                <a:srgbClr val="808080"/>
+              </a:buClr>
+            </a:pPr>
+            <a:r>
+              <a:rPr lang="pt-BR" sz="2000" spc="-1" dirty="0" smtClean="0">
+                <a:solidFill>
+                  <a:srgbClr val="808080"/>
+                </a:solidFill>
+                <a:uFill>
+                  <a:solidFill>
+                    <a:srgbClr val="FFFFFF"/>
+                  </a:solidFill>
+                </a:uFill>
+                <a:latin typeface="EDP Preon"/>
+                <a:ea typeface="DejaVu Sans"/>
+              </a:rPr>
+              <a:t>...</a:t>
+            </a:r>
+          </a:p>
+          <a:p>
+            <a:pPr marL="2160">
+              <a:lnSpc>
+                <a:spcPct val="90000"/>
+              </a:lnSpc>
+              <a:buClr>
+                <a:srgbClr val="808080"/>
+              </a:buClr>
+            </a:pPr>
+            <a:r>
+              <a:rPr lang="pt-BR" sz="2000" b="0" strike="noStrike" spc="-1" dirty="0" smtClean="0">
+                <a:solidFill>
+                  <a:srgbClr val="808080"/>
+                </a:solidFill>
+                <a:uFill>
+                  <a:solidFill>
+                    <a:srgbClr val="FFFFFF"/>
+                  </a:solidFill>
+                </a:uFill>
+                <a:latin typeface="EDP Preon"/>
+                <a:ea typeface="DejaVu Sans"/>
+              </a:rPr>
+              <a:t>Comando A</a:t>
+            </a:r>
+          </a:p>
+          <a:p>
+            <a:pPr marL="2160">
+              <a:lnSpc>
+                <a:spcPct val="90000"/>
+              </a:lnSpc>
+              <a:buClr>
+                <a:srgbClr val="808080"/>
+              </a:buClr>
+            </a:pPr>
+            <a:r>
+              <a:rPr lang="pt-BR" sz="2000" spc="-1" dirty="0" smtClean="0">
+                <a:solidFill>
+                  <a:srgbClr val="808080"/>
+                </a:solidFill>
+                <a:uFill>
+                  <a:solidFill>
+                    <a:srgbClr val="FFFFFF"/>
+                  </a:solidFill>
+                </a:uFill>
+                <a:latin typeface="EDP Preon"/>
+              </a:rPr>
+              <a:t>Comando B</a:t>
+            </a:r>
+          </a:p>
+          <a:p>
+            <a:pPr marL="2160">
+              <a:lnSpc>
+                <a:spcPct val="90000"/>
+              </a:lnSpc>
+              <a:buClr>
+                <a:srgbClr val="808080"/>
+              </a:buClr>
+            </a:pPr>
+            <a:r>
+              <a:rPr lang="pt-BR" sz="2000" b="1" spc="-1" dirty="0" smtClean="0">
+                <a:solidFill>
+                  <a:srgbClr val="FF0000"/>
+                </a:solidFill>
+                <a:uFill>
+                  <a:solidFill>
+                    <a:srgbClr val="FFFFFF"/>
+                  </a:solidFill>
+                </a:uFill>
+                <a:latin typeface="EDP Preon"/>
+              </a:rPr>
+              <a:t>Comando C</a:t>
+            </a:r>
+          </a:p>
+          <a:p>
+            <a:pPr marL="2160">
+              <a:lnSpc>
+                <a:spcPct val="90000"/>
+              </a:lnSpc>
+              <a:buClr>
+                <a:srgbClr val="808080"/>
+              </a:buClr>
+            </a:pPr>
+            <a:r>
+              <a:rPr lang="pt-BR" sz="2000" spc="-1" dirty="0" smtClean="0">
+                <a:solidFill>
+                  <a:srgbClr val="808080"/>
+                </a:solidFill>
+                <a:uFill>
+                  <a:solidFill>
+                    <a:srgbClr val="FFFFFF"/>
+                  </a:solidFill>
+                </a:uFill>
+                <a:latin typeface="EDP Preon"/>
+              </a:rPr>
+              <a:t>...</a:t>
+            </a:r>
+          </a:p>
+          <a:p>
+            <a:pPr marL="2160">
+              <a:lnSpc>
+                <a:spcPct val="90000"/>
+              </a:lnSpc>
+              <a:buClr>
+                <a:srgbClr val="808080"/>
+              </a:buClr>
+            </a:pPr>
+            <a:endParaRPr lang="pt-BR" sz="2000" b="0" strike="noStrike" spc="-1" dirty="0" smtClean="0">
+              <a:solidFill>
+                <a:srgbClr val="808080"/>
+              </a:solidFill>
+              <a:uFill>
+                <a:solidFill>
+                  <a:srgbClr val="FFFFFF"/>
+                </a:solidFill>
+              </a:uFill>
+              <a:latin typeface="EDP Preon"/>
+            </a:endParaRPr>
+          </a:p>
+          <a:p>
+            <a:pPr marL="2160" algn="ctr">
+              <a:lnSpc>
+                <a:spcPct val="90000"/>
+              </a:lnSpc>
+              <a:buClr>
+                <a:srgbClr val="808080"/>
+              </a:buClr>
+            </a:pPr>
+            <a:endParaRPr lang="pt-BR" sz="2000" b="0" strike="noStrike" spc="-1" dirty="0" smtClean="0">
+              <a:solidFill>
+                <a:srgbClr val="808080"/>
+              </a:solidFill>
+              <a:uFill>
+                <a:solidFill>
+                  <a:srgbClr val="FFFFFF"/>
+                </a:solidFill>
+              </a:uFill>
+              <a:latin typeface="EDP Preon"/>
+            </a:endParaRPr>
+          </a:p>
+          <a:p>
+            <a:pPr marL="2160" algn="ctr">
+              <a:lnSpc>
+                <a:spcPct val="90000"/>
+              </a:lnSpc>
+              <a:buClr>
+                <a:srgbClr val="808080"/>
+              </a:buClr>
+            </a:pPr>
+            <a:r>
+              <a:rPr lang="pt-BR" sz="2000" b="0" strike="noStrike" spc="-1" dirty="0" smtClean="0">
+                <a:solidFill>
+                  <a:srgbClr val="808080"/>
+                </a:solidFill>
+                <a:uFill>
+                  <a:solidFill>
+                    <a:srgbClr val="FFFFFF"/>
+                  </a:solidFill>
+                </a:uFill>
+                <a:latin typeface="EDP Preon"/>
+              </a:rPr>
+              <a:t>(G)</a:t>
+            </a:r>
+            <a:endParaRPr lang="pt-BR" sz="1800" b="0" strike="noStrike" spc="-1" dirty="0">
+              <a:solidFill>
+                <a:srgbClr val="000000"/>
+              </a:solidFill>
+              <a:uFill>
+                <a:solidFill>
+                  <a:srgbClr val="FFFFFF"/>
+                </a:solidFill>
+              </a:uFill>
+              <a:latin typeface="Arial"/>
+            </a:endParaRPr>
+          </a:p>
+        </p:txBody>
+      </p:sp>
+      <p:sp>
+        <p:nvSpPr>
+          <p:cNvPr id="8" name="CustomShape 2"/>
+          <p:cNvSpPr/>
+          <p:nvPr/>
+        </p:nvSpPr>
+        <p:spPr>
+          <a:xfrm>
+            <a:off x="7320136" y="2153248"/>
+            <a:ext cx="2016784" cy="2578824"/>
+          </a:xfrm>
+          <a:prstGeom prst="rect">
+            <a:avLst/>
+          </a:prstGeom>
+          <a:gradFill>
+            <a:gsLst>
+              <a:gs pos="0">
+                <a:schemeClr val="accent1">
+                  <a:lumMod val="5000"/>
+                  <a:lumOff val="95000"/>
+                </a:schemeClr>
+              </a:gs>
+              <a:gs pos="74000">
+                <a:schemeClr val="accent1">
+                  <a:lumMod val="45000"/>
+                  <a:lumOff val="55000"/>
+                </a:schemeClr>
+              </a:gs>
+              <a:gs pos="83000">
+                <a:schemeClr val="accent1">
+                  <a:lumMod val="45000"/>
+                  <a:lumOff val="55000"/>
+                </a:schemeClr>
+              </a:gs>
+              <a:gs pos="100000">
+                <a:schemeClr val="accent1">
+                  <a:lumMod val="30000"/>
+                  <a:lumOff val="70000"/>
+                </a:schemeClr>
+              </a:gs>
+            </a:gsLst>
+            <a:lin ang="5400000" scaled="1"/>
+          </a:gradFill>
+          <a:ln>
+            <a:solidFill>
+              <a:schemeClr val="accent1"/>
+            </a:solidFill>
+          </a:ln>
+        </p:spPr>
+        <p:style>
+          <a:lnRef idx="0">
+            <a:scrgbClr r="0" g="0" b="0"/>
+          </a:lnRef>
+          <a:fillRef idx="0">
+            <a:scrgbClr r="0" g="0" b="0"/>
+          </a:fillRef>
+          <a:effectRef idx="0">
+            <a:scrgbClr r="0" g="0" b="0"/>
+          </a:effectRef>
+          <a:fontRef idx="minor"/>
+        </p:style>
+        <p:txBody>
+          <a:bodyPr lIns="90000" tIns="45000" rIns="90000" bIns="45000"/>
+          <a:lstStyle/>
+          <a:p>
+            <a:pPr>
+              <a:lnSpc>
+                <a:spcPct val="90000"/>
+              </a:lnSpc>
+            </a:pPr>
+            <a:endParaRPr lang="pt-BR" sz="1800" b="0" strike="noStrike" spc="-1" dirty="0">
+              <a:solidFill>
+                <a:srgbClr val="000000"/>
+              </a:solidFill>
+              <a:uFill>
+                <a:solidFill>
+                  <a:srgbClr val="FFFFFF"/>
+                </a:solidFill>
+              </a:uFill>
+              <a:latin typeface="Arial"/>
+            </a:endParaRPr>
+          </a:p>
+          <a:p>
+            <a:pPr marL="2160">
+              <a:lnSpc>
+                <a:spcPct val="90000"/>
+              </a:lnSpc>
+              <a:buClr>
+                <a:srgbClr val="808080"/>
+              </a:buClr>
+            </a:pPr>
+            <a:r>
+              <a:rPr lang="pt-BR" sz="2000" spc="-1" dirty="0" smtClean="0">
+                <a:solidFill>
+                  <a:srgbClr val="808080"/>
+                </a:solidFill>
+                <a:uFill>
+                  <a:solidFill>
+                    <a:srgbClr val="FFFFFF"/>
+                  </a:solidFill>
+                </a:uFill>
+                <a:latin typeface="EDP Preon"/>
+                <a:ea typeface="DejaVu Sans"/>
+              </a:rPr>
+              <a:t>...</a:t>
+            </a:r>
+          </a:p>
+          <a:p>
+            <a:pPr marL="2160">
+              <a:lnSpc>
+                <a:spcPct val="90000"/>
+              </a:lnSpc>
+              <a:buClr>
+                <a:srgbClr val="808080"/>
+              </a:buClr>
+            </a:pPr>
+            <a:r>
+              <a:rPr lang="pt-BR" sz="2000" b="0" strike="noStrike" spc="-1" dirty="0" smtClean="0">
+                <a:solidFill>
+                  <a:srgbClr val="808080"/>
+                </a:solidFill>
+                <a:uFill>
+                  <a:solidFill>
+                    <a:srgbClr val="FFFFFF"/>
+                  </a:solidFill>
+                </a:uFill>
+                <a:latin typeface="EDP Preon"/>
+                <a:ea typeface="DejaVu Sans"/>
+              </a:rPr>
+              <a:t>Comando A</a:t>
+            </a:r>
+          </a:p>
+          <a:p>
+            <a:pPr marL="2160">
+              <a:lnSpc>
+                <a:spcPct val="90000"/>
+              </a:lnSpc>
+              <a:buClr>
+                <a:srgbClr val="808080"/>
+              </a:buClr>
+            </a:pPr>
+            <a:r>
+              <a:rPr lang="pt-BR" sz="2000" b="1" spc="-1" dirty="0" smtClean="0">
+                <a:solidFill>
+                  <a:srgbClr val="FF0000"/>
+                </a:solidFill>
+                <a:uFill>
+                  <a:solidFill>
+                    <a:srgbClr val="FFFFFF"/>
+                  </a:solidFill>
+                </a:uFill>
+                <a:latin typeface="EDP Preon"/>
+                <a:ea typeface="DejaVu Sans"/>
+              </a:rPr>
+              <a:t>Comando A1</a:t>
+            </a:r>
+            <a:endParaRPr lang="pt-BR" sz="2000" b="1" strike="noStrike" spc="-1" dirty="0" smtClean="0">
+              <a:solidFill>
+                <a:srgbClr val="FF0000"/>
+              </a:solidFill>
+              <a:uFill>
+                <a:solidFill>
+                  <a:srgbClr val="FFFFFF"/>
+                </a:solidFill>
+              </a:uFill>
+              <a:latin typeface="EDP Preon"/>
+              <a:ea typeface="DejaVu Sans"/>
+            </a:endParaRPr>
+          </a:p>
+          <a:p>
+            <a:pPr marL="2160">
+              <a:lnSpc>
+                <a:spcPct val="90000"/>
+              </a:lnSpc>
+              <a:buClr>
+                <a:srgbClr val="808080"/>
+              </a:buClr>
+            </a:pPr>
+            <a:r>
+              <a:rPr lang="pt-BR" sz="2000" spc="-1" dirty="0" smtClean="0">
+                <a:solidFill>
+                  <a:srgbClr val="808080"/>
+                </a:solidFill>
+                <a:uFill>
+                  <a:solidFill>
+                    <a:srgbClr val="FFFFFF"/>
+                  </a:solidFill>
+                </a:uFill>
+                <a:latin typeface="EDP Preon"/>
+              </a:rPr>
+              <a:t>Comando B</a:t>
+            </a:r>
+          </a:p>
+          <a:p>
+            <a:pPr marL="2160">
+              <a:lnSpc>
+                <a:spcPct val="90000"/>
+              </a:lnSpc>
+              <a:buClr>
+                <a:srgbClr val="808080"/>
+              </a:buClr>
+            </a:pPr>
+            <a:r>
+              <a:rPr lang="pt-BR" sz="2000" b="1" spc="-1" dirty="0" smtClean="0">
+                <a:solidFill>
+                  <a:srgbClr val="FF0000"/>
+                </a:solidFill>
+                <a:uFill>
+                  <a:solidFill>
+                    <a:srgbClr val="FFFFFF"/>
+                  </a:solidFill>
+                </a:uFill>
+                <a:latin typeface="EDP Preon"/>
+              </a:rPr>
+              <a:t>Comando C</a:t>
+            </a:r>
+          </a:p>
+          <a:p>
+            <a:pPr marL="2160">
+              <a:lnSpc>
+                <a:spcPct val="90000"/>
+              </a:lnSpc>
+              <a:buClr>
+                <a:srgbClr val="808080"/>
+              </a:buClr>
+            </a:pPr>
+            <a:r>
+              <a:rPr lang="pt-BR" sz="2000" spc="-1" dirty="0" smtClean="0">
+                <a:solidFill>
+                  <a:srgbClr val="808080"/>
+                </a:solidFill>
+                <a:uFill>
+                  <a:solidFill>
+                    <a:srgbClr val="FFFFFF"/>
+                  </a:solidFill>
+                </a:uFill>
+                <a:latin typeface="EDP Preon"/>
+              </a:rPr>
+              <a:t>...</a:t>
+            </a:r>
+          </a:p>
+          <a:p>
+            <a:pPr marL="2160">
+              <a:lnSpc>
+                <a:spcPct val="90000"/>
+              </a:lnSpc>
+              <a:buClr>
+                <a:srgbClr val="808080"/>
+              </a:buClr>
+            </a:pPr>
+            <a:endParaRPr lang="pt-BR" sz="2000" b="0" strike="noStrike" spc="-1" dirty="0" smtClean="0">
+              <a:solidFill>
+                <a:srgbClr val="808080"/>
+              </a:solidFill>
+              <a:uFill>
+                <a:solidFill>
+                  <a:srgbClr val="FFFFFF"/>
+                </a:solidFill>
+              </a:uFill>
+              <a:latin typeface="EDP Preon"/>
+            </a:endParaRPr>
+          </a:p>
+          <a:p>
+            <a:pPr marL="2160" algn="ctr">
+              <a:lnSpc>
+                <a:spcPct val="90000"/>
+              </a:lnSpc>
+              <a:buClr>
+                <a:srgbClr val="808080"/>
+              </a:buClr>
+            </a:pPr>
+            <a:r>
+              <a:rPr lang="pt-BR" sz="2000" b="0" strike="noStrike" spc="-1" dirty="0" smtClean="0">
+                <a:solidFill>
+                  <a:srgbClr val="808080"/>
+                </a:solidFill>
+                <a:uFill>
+                  <a:solidFill>
+                    <a:srgbClr val="FFFFFF"/>
+                  </a:solidFill>
+                </a:uFill>
+                <a:latin typeface="EDP Preon"/>
+              </a:rPr>
+              <a:t>(H)</a:t>
+            </a:r>
+            <a:endParaRPr lang="pt-BR" sz="1800" b="0" strike="noStrike" spc="-1" dirty="0">
+              <a:solidFill>
+                <a:srgbClr val="000000"/>
+              </a:solidFill>
+              <a:uFill>
+                <a:solidFill>
+                  <a:srgbClr val="FFFFFF"/>
+                </a:solidFill>
+              </a:uFill>
+              <a:latin typeface="Arial"/>
+            </a:endParaRPr>
+          </a:p>
+        </p:txBody>
+      </p:sp>
+    </p:spTree>
+    <p:extLst>
+      <p:ext uri="{BB962C8B-B14F-4D97-AF65-F5344CB8AC3E}">
+        <p14:creationId xmlns:p14="http://schemas.microsoft.com/office/powerpoint/2010/main" val="2923027412"/>
+      </p:ext>
+    </p:extLst>
+  </p:cSld>
+  <p:clrMapOvr>
+    <a:masterClrMapping/>
+  </p:clrMapOvr>
+  <p:timing>
+    <p:tnLst>
+      <p:par>
+        <p:cTn id="1" dur="indefinite" restart="never" nodeType="tmRoot">
+          <p:childTnLst>
+            <p:seq>
+              <p:cTn id="2" nodeType="mainSeq"/>
+              <p:prevCondLst>
+                <p:cond evt="onPrev" delay="0">
+                  <p:tgtEl>
+                    <p:sldTgt/>
+                  </p:tgtEl>
+                </p:cond>
+              </p:prevCondLst>
+              <p:nextCondLst>
+                <p:cond evt="onNext" delay="0">
+                  <p:tgtEl>
+                    <p:sldTgt/>
+                  </p:tgtEl>
+                </p:cond>
+              </p:nextCondLst>
+            </p:seq>
+          </p:childTnLst>
+        </p:cTn>
+      </p:par>
+    </p:tnLst>
+  </p:timing>
+</p:sld>
+</file>
+
+<file path=ppt/slides/slide15.xml><?xml version="1.0" encoding="utf-8"?>
+<p:sld xmlns:a="http://schemas.openxmlformats.org/drawingml/2006/main" xmlns:r="http://schemas.openxmlformats.org/officeDocument/2006/relationships" xmlns:p="http://schemas.openxmlformats.org/presentationml/2006/main">
+  <p:cSld>
+    <p:spTree>
+      <p:nvGrpSpPr>
+        <p:cNvPr id="1" name=""/>
+        <p:cNvGrpSpPr/>
+        <p:nvPr/>
+      </p:nvGrpSpPr>
+      <p:grpSpPr>
+        <a:xfrm>
+          <a:off x="0" y="0"/>
+          <a:ext cx="0" cy="0"/>
+          <a:chOff x="0" y="0"/>
+          <a:chExt cx="0" cy="0"/>
+        </a:xfrm>
+      </p:grpSpPr>
+      <p:sp>
+        <p:nvSpPr>
+          <p:cNvPr id="186" name="CustomShape 1"/>
+          <p:cNvSpPr/>
+          <p:nvPr/>
+        </p:nvSpPr>
+        <p:spPr>
+          <a:xfrm>
+            <a:off x="217800" y="-18720"/>
+            <a:ext cx="10513440" cy="1323360"/>
+          </a:xfrm>
+          <a:prstGeom prst="rect">
+            <a:avLst/>
+          </a:prstGeom>
+          <a:noFill/>
+          <a:ln>
+            <a:noFill/>
+          </a:ln>
+        </p:spPr>
+        <p:style>
+          <a:lnRef idx="0">
+            <a:scrgbClr r="0" g="0" b="0"/>
+          </a:lnRef>
+          <a:fillRef idx="0">
+            <a:scrgbClr r="0" g="0" b="0"/>
+          </a:fillRef>
+          <a:effectRef idx="0">
+            <a:scrgbClr r="0" g="0" b="0"/>
+          </a:effectRef>
+          <a:fontRef idx="minor"/>
+        </p:style>
+        <p:txBody>
+          <a:bodyPr lIns="90000" tIns="45000" rIns="90000" bIns="45000" anchor="ctr"/>
+          <a:lstStyle/>
+          <a:p>
+            <a:pPr>
+              <a:lnSpc>
+                <a:spcPct val="100000"/>
+              </a:lnSpc>
+            </a:pPr>
+            <a:r>
+              <a:rPr lang="pt-BR" sz="3200" b="0" strike="noStrike" spc="-1" dirty="0" smtClean="0">
+                <a:solidFill>
+                  <a:srgbClr val="A6A6A6"/>
+                </a:solidFill>
+                <a:uFill>
+                  <a:solidFill>
+                    <a:srgbClr val="FFFFFF"/>
+                  </a:solidFill>
+                </a:uFill>
+                <a:latin typeface="EDP Preon"/>
+                <a:ea typeface="DejaVu Sans"/>
+              </a:rPr>
+              <a:t>Merge com</a:t>
+            </a:r>
+            <a:r>
+              <a:rPr lang="pt-BR" sz="3200" spc="-1" dirty="0" smtClean="0">
+                <a:solidFill>
+                  <a:srgbClr val="A6A6A6"/>
+                </a:solidFill>
+                <a:uFill>
+                  <a:solidFill>
+                    <a:srgbClr val="FFFFFF"/>
+                  </a:solidFill>
+                </a:uFill>
+                <a:latin typeface="EDP Preon"/>
+              </a:rPr>
+              <a:t> conflito</a:t>
+            </a:r>
+            <a:endParaRPr lang="pt-BR" sz="1800" b="0" strike="noStrike" spc="-1" dirty="0">
+              <a:solidFill>
+                <a:srgbClr val="000000"/>
+              </a:solidFill>
+              <a:uFill>
+                <a:solidFill>
+                  <a:srgbClr val="FFFFFF"/>
+                </a:solidFill>
+              </a:uFill>
+              <a:latin typeface="Arial"/>
+            </a:endParaRPr>
+          </a:p>
+        </p:txBody>
+      </p:sp>
+      <p:sp>
+        <p:nvSpPr>
+          <p:cNvPr id="5" name="CustomShape 2"/>
+          <p:cNvSpPr/>
+          <p:nvPr/>
+        </p:nvSpPr>
+        <p:spPr>
+          <a:xfrm>
+            <a:off x="334800" y="2146320"/>
+            <a:ext cx="2016784" cy="2578824"/>
+          </a:xfrm>
+          <a:prstGeom prst="rect">
+            <a:avLst/>
+          </a:prstGeom>
+          <a:gradFill>
+            <a:gsLst>
+              <a:gs pos="0">
+                <a:schemeClr val="accent1">
+                  <a:lumMod val="5000"/>
+                  <a:lumOff val="95000"/>
+                </a:schemeClr>
+              </a:gs>
+              <a:gs pos="74000">
+                <a:schemeClr val="accent1">
+                  <a:lumMod val="45000"/>
+                  <a:lumOff val="55000"/>
+                </a:schemeClr>
+              </a:gs>
+              <a:gs pos="83000">
+                <a:schemeClr val="accent1">
+                  <a:lumMod val="45000"/>
+                  <a:lumOff val="55000"/>
+                </a:schemeClr>
+              </a:gs>
+              <a:gs pos="100000">
+                <a:schemeClr val="accent1">
+                  <a:lumMod val="30000"/>
+                  <a:lumOff val="70000"/>
+                </a:schemeClr>
+              </a:gs>
+            </a:gsLst>
+            <a:lin ang="5400000" scaled="1"/>
+          </a:gradFill>
+          <a:ln>
+            <a:solidFill>
+              <a:schemeClr val="accent1"/>
+            </a:solidFill>
+          </a:ln>
+        </p:spPr>
+        <p:style>
+          <a:lnRef idx="0">
+            <a:scrgbClr r="0" g="0" b="0"/>
+          </a:lnRef>
+          <a:fillRef idx="0">
+            <a:scrgbClr r="0" g="0" b="0"/>
+          </a:fillRef>
+          <a:effectRef idx="0">
+            <a:scrgbClr r="0" g="0" b="0"/>
+          </a:effectRef>
+          <a:fontRef idx="minor"/>
+        </p:style>
+        <p:txBody>
+          <a:bodyPr lIns="90000" tIns="45000" rIns="90000" bIns="45000"/>
+          <a:lstStyle/>
+          <a:p>
+            <a:pPr>
+              <a:lnSpc>
+                <a:spcPct val="90000"/>
+              </a:lnSpc>
+            </a:pPr>
+            <a:endParaRPr lang="pt-BR" sz="1800" b="0" strike="noStrike" spc="-1" dirty="0">
+              <a:solidFill>
+                <a:srgbClr val="000000"/>
+              </a:solidFill>
+              <a:uFill>
+                <a:solidFill>
+                  <a:srgbClr val="FFFFFF"/>
+                </a:solidFill>
+              </a:uFill>
+              <a:latin typeface="Arial"/>
+            </a:endParaRPr>
+          </a:p>
+          <a:p>
+            <a:pPr marL="2160">
+              <a:lnSpc>
+                <a:spcPct val="90000"/>
+              </a:lnSpc>
+              <a:buClr>
+                <a:srgbClr val="808080"/>
+              </a:buClr>
+            </a:pPr>
+            <a:r>
+              <a:rPr lang="pt-BR" sz="2000" spc="-1" dirty="0" smtClean="0">
+                <a:solidFill>
+                  <a:srgbClr val="808080"/>
+                </a:solidFill>
+                <a:uFill>
+                  <a:solidFill>
+                    <a:srgbClr val="FFFFFF"/>
+                  </a:solidFill>
+                </a:uFill>
+                <a:latin typeface="EDP Preon"/>
+                <a:ea typeface="DejaVu Sans"/>
+              </a:rPr>
+              <a:t>...</a:t>
+            </a:r>
+          </a:p>
+          <a:p>
+            <a:pPr marL="2160">
+              <a:lnSpc>
+                <a:spcPct val="90000"/>
+              </a:lnSpc>
+              <a:buClr>
+                <a:srgbClr val="808080"/>
+              </a:buClr>
+            </a:pPr>
+            <a:r>
+              <a:rPr lang="pt-BR" sz="2000" b="0" strike="noStrike" spc="-1" dirty="0" smtClean="0">
+                <a:solidFill>
+                  <a:srgbClr val="808080"/>
+                </a:solidFill>
+                <a:uFill>
+                  <a:solidFill>
+                    <a:srgbClr val="FFFFFF"/>
+                  </a:solidFill>
+                </a:uFill>
+                <a:latin typeface="EDP Preon"/>
+                <a:ea typeface="DejaVu Sans"/>
+              </a:rPr>
+              <a:t>Comando A</a:t>
+            </a:r>
+          </a:p>
+          <a:p>
+            <a:pPr marL="2160">
+              <a:lnSpc>
+                <a:spcPct val="90000"/>
+              </a:lnSpc>
+              <a:buClr>
+                <a:srgbClr val="808080"/>
+              </a:buClr>
+            </a:pPr>
+            <a:r>
+              <a:rPr lang="pt-BR" sz="2000" spc="-1" dirty="0" smtClean="0">
+                <a:solidFill>
+                  <a:srgbClr val="808080"/>
+                </a:solidFill>
+                <a:uFill>
+                  <a:solidFill>
+                    <a:srgbClr val="FFFFFF"/>
+                  </a:solidFill>
+                </a:uFill>
+                <a:latin typeface="EDP Preon"/>
+              </a:rPr>
+              <a:t>Comando B</a:t>
+            </a:r>
+          </a:p>
+          <a:p>
+            <a:pPr marL="2160">
+              <a:lnSpc>
+                <a:spcPct val="90000"/>
+              </a:lnSpc>
+              <a:buClr>
+                <a:srgbClr val="808080"/>
+              </a:buClr>
+            </a:pPr>
+            <a:r>
+              <a:rPr lang="pt-BR" sz="2000" spc="-1" dirty="0" smtClean="0">
+                <a:solidFill>
+                  <a:srgbClr val="808080"/>
+                </a:solidFill>
+                <a:uFill>
+                  <a:solidFill>
+                    <a:srgbClr val="FFFFFF"/>
+                  </a:solidFill>
+                </a:uFill>
+                <a:latin typeface="EDP Preon"/>
+              </a:rPr>
+              <a:t>...</a:t>
+            </a:r>
+          </a:p>
+          <a:p>
+            <a:pPr marL="2160">
+              <a:lnSpc>
+                <a:spcPct val="90000"/>
+              </a:lnSpc>
+              <a:buClr>
+                <a:srgbClr val="808080"/>
+              </a:buClr>
+            </a:pPr>
+            <a:endParaRPr lang="pt-BR" sz="2000" b="0" strike="noStrike" spc="-1" dirty="0" smtClean="0">
+              <a:solidFill>
+                <a:srgbClr val="808080"/>
+              </a:solidFill>
+              <a:uFill>
+                <a:solidFill>
+                  <a:srgbClr val="FFFFFF"/>
+                </a:solidFill>
+              </a:uFill>
+              <a:latin typeface="EDP Preon"/>
+            </a:endParaRPr>
+          </a:p>
+          <a:p>
+            <a:pPr marL="2160" algn="ctr">
+              <a:lnSpc>
+                <a:spcPct val="90000"/>
+              </a:lnSpc>
+              <a:buClr>
+                <a:srgbClr val="808080"/>
+              </a:buClr>
+            </a:pPr>
+            <a:endParaRPr lang="pt-BR" sz="2000" b="0" strike="noStrike" spc="-1" dirty="0" smtClean="0">
+              <a:solidFill>
+                <a:srgbClr val="808080"/>
+              </a:solidFill>
+              <a:uFill>
+                <a:solidFill>
+                  <a:srgbClr val="FFFFFF"/>
+                </a:solidFill>
+              </a:uFill>
+              <a:latin typeface="EDP Preon"/>
+            </a:endParaRPr>
+          </a:p>
+          <a:p>
+            <a:pPr marL="2160" algn="ctr">
+              <a:lnSpc>
+                <a:spcPct val="90000"/>
+              </a:lnSpc>
+              <a:buClr>
+                <a:srgbClr val="808080"/>
+              </a:buClr>
+            </a:pPr>
+            <a:endParaRPr lang="pt-BR" sz="2000" spc="-1" dirty="0">
+              <a:solidFill>
+                <a:srgbClr val="808080"/>
+              </a:solidFill>
+              <a:uFill>
+                <a:solidFill>
+                  <a:srgbClr val="FFFFFF"/>
+                </a:solidFill>
+              </a:uFill>
+              <a:latin typeface="EDP Preon"/>
+            </a:endParaRPr>
+          </a:p>
+          <a:p>
+            <a:pPr marL="2160" algn="ctr">
+              <a:lnSpc>
+                <a:spcPct val="90000"/>
+              </a:lnSpc>
+              <a:buClr>
+                <a:srgbClr val="808080"/>
+              </a:buClr>
+            </a:pPr>
+            <a:r>
+              <a:rPr lang="pt-BR" sz="2000" b="0" strike="noStrike" spc="-1" dirty="0" smtClean="0">
+                <a:solidFill>
+                  <a:srgbClr val="808080"/>
+                </a:solidFill>
+                <a:uFill>
+                  <a:solidFill>
+                    <a:srgbClr val="FFFFFF"/>
+                  </a:solidFill>
+                </a:uFill>
+                <a:latin typeface="EDP Preon"/>
+              </a:rPr>
+              <a:t>(B)</a:t>
+            </a:r>
+            <a:endParaRPr lang="pt-BR" sz="1800" b="0" strike="noStrike" spc="-1" dirty="0">
+              <a:solidFill>
+                <a:srgbClr val="000000"/>
+              </a:solidFill>
+              <a:uFill>
+                <a:solidFill>
+                  <a:srgbClr val="FFFFFF"/>
+                </a:solidFill>
+              </a:uFill>
+              <a:latin typeface="Arial"/>
+            </a:endParaRPr>
+          </a:p>
+        </p:txBody>
+      </p:sp>
+      <p:sp>
+        <p:nvSpPr>
+          <p:cNvPr id="6" name="CustomShape 2"/>
+          <p:cNvSpPr/>
+          <p:nvPr/>
+        </p:nvSpPr>
+        <p:spPr>
+          <a:xfrm>
+            <a:off x="2639056" y="2132856"/>
+            <a:ext cx="2016784" cy="2578824"/>
+          </a:xfrm>
+          <a:prstGeom prst="rect">
+            <a:avLst/>
+          </a:prstGeom>
+          <a:gradFill>
+            <a:gsLst>
+              <a:gs pos="0">
+                <a:schemeClr val="accent1">
+                  <a:lumMod val="5000"/>
+                  <a:lumOff val="95000"/>
+                </a:schemeClr>
+              </a:gs>
+              <a:gs pos="74000">
+                <a:schemeClr val="accent1">
+                  <a:lumMod val="45000"/>
+                  <a:lumOff val="55000"/>
+                </a:schemeClr>
+              </a:gs>
+              <a:gs pos="83000">
+                <a:schemeClr val="accent1">
+                  <a:lumMod val="45000"/>
+                  <a:lumOff val="55000"/>
+                </a:schemeClr>
+              </a:gs>
+              <a:gs pos="100000">
+                <a:schemeClr val="accent1">
+                  <a:lumMod val="30000"/>
+                  <a:lumOff val="70000"/>
+                </a:schemeClr>
+              </a:gs>
+            </a:gsLst>
+            <a:lin ang="5400000" scaled="1"/>
+          </a:gradFill>
+          <a:ln>
+            <a:solidFill>
+              <a:schemeClr val="accent1"/>
+            </a:solidFill>
+          </a:ln>
+        </p:spPr>
+        <p:style>
+          <a:lnRef idx="0">
+            <a:scrgbClr r="0" g="0" b="0"/>
+          </a:lnRef>
+          <a:fillRef idx="0">
+            <a:scrgbClr r="0" g="0" b="0"/>
+          </a:fillRef>
+          <a:effectRef idx="0">
+            <a:scrgbClr r="0" g="0" b="0"/>
+          </a:effectRef>
+          <a:fontRef idx="minor"/>
+        </p:style>
+        <p:txBody>
+          <a:bodyPr lIns="90000" tIns="45000" rIns="90000" bIns="45000"/>
+          <a:lstStyle/>
+          <a:p>
+            <a:pPr>
+              <a:lnSpc>
+                <a:spcPct val="90000"/>
+              </a:lnSpc>
+            </a:pPr>
+            <a:endParaRPr lang="pt-BR" sz="1800" b="0" strike="noStrike" spc="-1" dirty="0">
+              <a:solidFill>
+                <a:srgbClr val="000000"/>
+              </a:solidFill>
+              <a:uFill>
+                <a:solidFill>
+                  <a:srgbClr val="FFFFFF"/>
+                </a:solidFill>
+              </a:uFill>
+              <a:latin typeface="Arial"/>
+            </a:endParaRPr>
+          </a:p>
+          <a:p>
+            <a:pPr marL="2160">
+              <a:lnSpc>
+                <a:spcPct val="90000"/>
+              </a:lnSpc>
+              <a:buClr>
+                <a:srgbClr val="808080"/>
+              </a:buClr>
+            </a:pPr>
+            <a:r>
+              <a:rPr lang="pt-BR" sz="2000" spc="-1" dirty="0" smtClean="0">
+                <a:solidFill>
+                  <a:srgbClr val="808080"/>
+                </a:solidFill>
+                <a:uFill>
+                  <a:solidFill>
+                    <a:srgbClr val="FFFFFF"/>
+                  </a:solidFill>
+                </a:uFill>
+                <a:latin typeface="EDP Preon"/>
+                <a:ea typeface="DejaVu Sans"/>
+              </a:rPr>
+              <a:t>...</a:t>
+            </a:r>
+          </a:p>
+          <a:p>
+            <a:pPr marL="2160">
+              <a:lnSpc>
+                <a:spcPct val="90000"/>
+              </a:lnSpc>
+              <a:buClr>
+                <a:srgbClr val="808080"/>
+              </a:buClr>
+            </a:pPr>
+            <a:r>
+              <a:rPr lang="pt-BR" sz="2000" b="0" strike="noStrike" spc="-1" dirty="0" smtClean="0">
+                <a:solidFill>
+                  <a:srgbClr val="808080"/>
+                </a:solidFill>
+                <a:uFill>
+                  <a:solidFill>
+                    <a:srgbClr val="FFFFFF"/>
+                  </a:solidFill>
+                </a:uFill>
+                <a:latin typeface="EDP Preon"/>
+                <a:ea typeface="DejaVu Sans"/>
+              </a:rPr>
+              <a:t>Comando A</a:t>
+            </a:r>
+          </a:p>
+          <a:p>
+            <a:pPr marL="2160">
+              <a:lnSpc>
+                <a:spcPct val="90000"/>
+              </a:lnSpc>
+              <a:buClr>
+                <a:srgbClr val="808080"/>
+              </a:buClr>
+            </a:pPr>
+            <a:r>
+              <a:rPr lang="pt-BR" sz="2000" b="1" spc="-1" dirty="0" smtClean="0">
+                <a:solidFill>
+                  <a:srgbClr val="FF0000"/>
+                </a:solidFill>
+                <a:uFill>
+                  <a:solidFill>
+                    <a:srgbClr val="FFFFFF"/>
+                  </a:solidFill>
+                </a:uFill>
+                <a:latin typeface="EDP Preon"/>
+              </a:rPr>
+              <a:t>Comando B</a:t>
+            </a:r>
+          </a:p>
+          <a:p>
+            <a:pPr marL="2160">
+              <a:lnSpc>
+                <a:spcPct val="90000"/>
+              </a:lnSpc>
+              <a:buClr>
+                <a:srgbClr val="808080"/>
+              </a:buClr>
+            </a:pPr>
+            <a:r>
+              <a:rPr lang="pt-BR" sz="2000" spc="-1" dirty="0" smtClean="0">
+                <a:solidFill>
+                  <a:srgbClr val="808080"/>
+                </a:solidFill>
+                <a:uFill>
+                  <a:solidFill>
+                    <a:srgbClr val="FFFFFF"/>
+                  </a:solidFill>
+                </a:uFill>
+                <a:latin typeface="EDP Preon"/>
+              </a:rPr>
+              <a:t>...</a:t>
+            </a:r>
+          </a:p>
+          <a:p>
+            <a:pPr marL="2160">
+              <a:lnSpc>
+                <a:spcPct val="90000"/>
+              </a:lnSpc>
+              <a:buClr>
+                <a:srgbClr val="808080"/>
+              </a:buClr>
+            </a:pPr>
+            <a:endParaRPr lang="pt-BR" sz="2000" b="0" strike="noStrike" spc="-1" dirty="0" smtClean="0">
+              <a:solidFill>
+                <a:srgbClr val="808080"/>
+              </a:solidFill>
+              <a:uFill>
+                <a:solidFill>
+                  <a:srgbClr val="FFFFFF"/>
+                </a:solidFill>
+              </a:uFill>
+              <a:latin typeface="EDP Preon"/>
+            </a:endParaRPr>
+          </a:p>
+          <a:p>
+            <a:pPr marL="2160" algn="ctr">
+              <a:lnSpc>
+                <a:spcPct val="90000"/>
+              </a:lnSpc>
+              <a:buClr>
+                <a:srgbClr val="808080"/>
+              </a:buClr>
+            </a:pPr>
+            <a:endParaRPr lang="pt-BR" sz="2000" b="0" strike="noStrike" spc="-1" dirty="0" smtClean="0">
+              <a:solidFill>
+                <a:srgbClr val="808080"/>
+              </a:solidFill>
+              <a:uFill>
+                <a:solidFill>
+                  <a:srgbClr val="FFFFFF"/>
+                </a:solidFill>
+              </a:uFill>
+              <a:latin typeface="EDP Preon"/>
+            </a:endParaRPr>
+          </a:p>
+          <a:p>
+            <a:pPr marL="2160" algn="ctr">
+              <a:lnSpc>
+                <a:spcPct val="90000"/>
+              </a:lnSpc>
+              <a:buClr>
+                <a:srgbClr val="808080"/>
+              </a:buClr>
+            </a:pPr>
+            <a:endParaRPr lang="pt-BR" sz="2000" b="0" strike="noStrike" spc="-1" dirty="0" smtClean="0">
+              <a:solidFill>
+                <a:srgbClr val="808080"/>
+              </a:solidFill>
+              <a:uFill>
+                <a:solidFill>
+                  <a:srgbClr val="FFFFFF"/>
+                </a:solidFill>
+              </a:uFill>
+              <a:latin typeface="EDP Preon"/>
+            </a:endParaRPr>
+          </a:p>
+          <a:p>
+            <a:pPr marL="2160" algn="ctr">
+              <a:lnSpc>
+                <a:spcPct val="90000"/>
+              </a:lnSpc>
+              <a:buClr>
+                <a:srgbClr val="808080"/>
+              </a:buClr>
+            </a:pPr>
+            <a:r>
+              <a:rPr lang="pt-BR" sz="2000" b="0" strike="noStrike" spc="-1" dirty="0" smtClean="0">
+                <a:solidFill>
+                  <a:srgbClr val="808080"/>
+                </a:solidFill>
+                <a:uFill>
+                  <a:solidFill>
+                    <a:srgbClr val="FFFFFF"/>
+                  </a:solidFill>
+                </a:uFill>
+                <a:latin typeface="EDP Preon"/>
+              </a:rPr>
+              <a:t>(E)</a:t>
+            </a:r>
+            <a:endParaRPr lang="pt-BR" sz="1800" b="0" strike="noStrike" spc="-1" dirty="0">
+              <a:solidFill>
+                <a:srgbClr val="000000"/>
+              </a:solidFill>
+              <a:uFill>
+                <a:solidFill>
+                  <a:srgbClr val="FFFFFF"/>
+                </a:solidFill>
+              </a:uFill>
+              <a:latin typeface="Arial"/>
+            </a:endParaRPr>
+          </a:p>
+        </p:txBody>
+      </p:sp>
+      <p:sp>
+        <p:nvSpPr>
+          <p:cNvPr id="7" name="CustomShape 2"/>
+          <p:cNvSpPr/>
+          <p:nvPr/>
+        </p:nvSpPr>
+        <p:spPr>
+          <a:xfrm>
+            <a:off x="4943312" y="2132856"/>
+            <a:ext cx="2016784" cy="2578824"/>
+          </a:xfrm>
+          <a:prstGeom prst="rect">
+            <a:avLst/>
+          </a:prstGeom>
+          <a:gradFill>
+            <a:gsLst>
+              <a:gs pos="0">
+                <a:schemeClr val="accent1">
+                  <a:lumMod val="5000"/>
+                  <a:lumOff val="95000"/>
+                </a:schemeClr>
+              </a:gs>
+              <a:gs pos="74000">
+                <a:schemeClr val="accent1">
+                  <a:lumMod val="45000"/>
+                  <a:lumOff val="55000"/>
+                </a:schemeClr>
+              </a:gs>
+              <a:gs pos="83000">
+                <a:schemeClr val="accent1">
+                  <a:lumMod val="45000"/>
+                  <a:lumOff val="55000"/>
+                </a:schemeClr>
+              </a:gs>
+              <a:gs pos="100000">
+                <a:schemeClr val="accent1">
+                  <a:lumMod val="30000"/>
+                  <a:lumOff val="70000"/>
+                </a:schemeClr>
+              </a:gs>
+            </a:gsLst>
+            <a:lin ang="5400000" scaled="1"/>
+          </a:gradFill>
+          <a:ln>
+            <a:solidFill>
+              <a:schemeClr val="accent1"/>
+            </a:solidFill>
+          </a:ln>
+        </p:spPr>
+        <p:style>
+          <a:lnRef idx="0">
+            <a:scrgbClr r="0" g="0" b="0"/>
+          </a:lnRef>
+          <a:fillRef idx="0">
+            <a:scrgbClr r="0" g="0" b="0"/>
+          </a:fillRef>
+          <a:effectRef idx="0">
+            <a:scrgbClr r="0" g="0" b="0"/>
+          </a:effectRef>
+          <a:fontRef idx="minor"/>
+        </p:style>
+        <p:txBody>
+          <a:bodyPr lIns="90000" tIns="45000" rIns="90000" bIns="45000"/>
+          <a:lstStyle/>
+          <a:p>
+            <a:pPr>
+              <a:lnSpc>
+                <a:spcPct val="90000"/>
+              </a:lnSpc>
+            </a:pPr>
+            <a:endParaRPr lang="pt-BR" sz="1800" b="0" strike="noStrike" spc="-1" dirty="0">
+              <a:solidFill>
+                <a:srgbClr val="000000"/>
+              </a:solidFill>
+              <a:uFill>
+                <a:solidFill>
+                  <a:srgbClr val="FFFFFF"/>
+                </a:solidFill>
+              </a:uFill>
+              <a:latin typeface="Arial"/>
+            </a:endParaRPr>
+          </a:p>
+          <a:p>
+            <a:pPr marL="2160">
+              <a:lnSpc>
+                <a:spcPct val="90000"/>
+              </a:lnSpc>
+              <a:buClr>
+                <a:srgbClr val="808080"/>
+              </a:buClr>
+            </a:pPr>
+            <a:r>
+              <a:rPr lang="pt-BR" sz="2000" spc="-1" dirty="0" smtClean="0">
+                <a:solidFill>
+                  <a:srgbClr val="808080"/>
+                </a:solidFill>
+                <a:uFill>
+                  <a:solidFill>
+                    <a:srgbClr val="FFFFFF"/>
+                  </a:solidFill>
+                </a:uFill>
+                <a:latin typeface="EDP Preon"/>
+                <a:ea typeface="DejaVu Sans"/>
+              </a:rPr>
+              <a:t>...</a:t>
+            </a:r>
+          </a:p>
+          <a:p>
+            <a:pPr marL="2160">
+              <a:lnSpc>
+                <a:spcPct val="90000"/>
+              </a:lnSpc>
+              <a:buClr>
+                <a:srgbClr val="808080"/>
+              </a:buClr>
+            </a:pPr>
+            <a:r>
+              <a:rPr lang="pt-BR" sz="2000" b="0" strike="noStrike" spc="-1" dirty="0" smtClean="0">
+                <a:solidFill>
+                  <a:srgbClr val="808080"/>
+                </a:solidFill>
+                <a:uFill>
+                  <a:solidFill>
+                    <a:srgbClr val="FFFFFF"/>
+                  </a:solidFill>
+                </a:uFill>
+                <a:latin typeface="EDP Preon"/>
+                <a:ea typeface="DejaVu Sans"/>
+              </a:rPr>
+              <a:t>Comando A</a:t>
+            </a:r>
+          </a:p>
+          <a:p>
+            <a:pPr marL="2160">
+              <a:lnSpc>
+                <a:spcPct val="90000"/>
+              </a:lnSpc>
+              <a:buClr>
+                <a:srgbClr val="808080"/>
+              </a:buClr>
+            </a:pPr>
+            <a:r>
+              <a:rPr lang="pt-BR" sz="2000" spc="-1" dirty="0" smtClean="0">
+                <a:solidFill>
+                  <a:srgbClr val="808080"/>
+                </a:solidFill>
+                <a:uFill>
+                  <a:solidFill>
+                    <a:srgbClr val="FFFFFF"/>
+                  </a:solidFill>
+                </a:uFill>
+                <a:latin typeface="EDP Preon"/>
+              </a:rPr>
+              <a:t>Comando B</a:t>
+            </a:r>
+          </a:p>
+          <a:p>
+            <a:pPr marL="2160">
+              <a:lnSpc>
+                <a:spcPct val="90000"/>
+              </a:lnSpc>
+              <a:buClr>
+                <a:srgbClr val="808080"/>
+              </a:buClr>
+            </a:pPr>
+            <a:r>
+              <a:rPr lang="pt-BR" sz="2000" b="1" spc="-1" dirty="0" smtClean="0">
+                <a:solidFill>
+                  <a:srgbClr val="00B050"/>
+                </a:solidFill>
+                <a:uFill>
+                  <a:solidFill>
+                    <a:srgbClr val="FFFFFF"/>
+                  </a:solidFill>
+                </a:uFill>
+                <a:latin typeface="EDP Preon"/>
+              </a:rPr>
+              <a:t>Comando C</a:t>
+            </a:r>
+          </a:p>
+          <a:p>
+            <a:pPr marL="2160">
+              <a:lnSpc>
+                <a:spcPct val="90000"/>
+              </a:lnSpc>
+              <a:buClr>
+                <a:srgbClr val="808080"/>
+              </a:buClr>
+            </a:pPr>
+            <a:r>
+              <a:rPr lang="pt-BR" sz="2000" spc="-1" dirty="0" smtClean="0">
+                <a:solidFill>
+                  <a:srgbClr val="808080"/>
+                </a:solidFill>
+                <a:uFill>
+                  <a:solidFill>
+                    <a:srgbClr val="FFFFFF"/>
+                  </a:solidFill>
+                </a:uFill>
+                <a:latin typeface="EDP Preon"/>
+              </a:rPr>
+              <a:t>...</a:t>
+            </a:r>
+          </a:p>
+          <a:p>
+            <a:pPr marL="2160">
+              <a:lnSpc>
+                <a:spcPct val="90000"/>
+              </a:lnSpc>
+              <a:buClr>
+                <a:srgbClr val="808080"/>
+              </a:buClr>
+            </a:pPr>
+            <a:endParaRPr lang="pt-BR" sz="2000" b="0" strike="noStrike" spc="-1" dirty="0" smtClean="0">
+              <a:solidFill>
+                <a:srgbClr val="808080"/>
+              </a:solidFill>
+              <a:uFill>
+                <a:solidFill>
+                  <a:srgbClr val="FFFFFF"/>
+                </a:solidFill>
+              </a:uFill>
+              <a:latin typeface="EDP Preon"/>
+            </a:endParaRPr>
+          </a:p>
+          <a:p>
+            <a:pPr marL="2160" algn="ctr">
+              <a:lnSpc>
+                <a:spcPct val="90000"/>
+              </a:lnSpc>
+              <a:buClr>
+                <a:srgbClr val="808080"/>
+              </a:buClr>
+            </a:pPr>
+            <a:endParaRPr lang="pt-BR" sz="2000" b="0" strike="noStrike" spc="-1" dirty="0" smtClean="0">
+              <a:solidFill>
+                <a:srgbClr val="808080"/>
+              </a:solidFill>
+              <a:uFill>
+                <a:solidFill>
+                  <a:srgbClr val="FFFFFF"/>
+                </a:solidFill>
+              </a:uFill>
+              <a:latin typeface="EDP Preon"/>
+            </a:endParaRPr>
+          </a:p>
+          <a:p>
+            <a:pPr marL="2160" algn="ctr">
+              <a:lnSpc>
+                <a:spcPct val="90000"/>
+              </a:lnSpc>
+              <a:buClr>
+                <a:srgbClr val="808080"/>
+              </a:buClr>
+            </a:pPr>
+            <a:r>
+              <a:rPr lang="pt-BR" sz="2000" b="0" strike="noStrike" spc="-1" dirty="0" smtClean="0">
+                <a:solidFill>
+                  <a:srgbClr val="808080"/>
+                </a:solidFill>
+                <a:uFill>
+                  <a:solidFill>
+                    <a:srgbClr val="FFFFFF"/>
+                  </a:solidFill>
+                </a:uFill>
+                <a:latin typeface="EDP Preon"/>
+              </a:rPr>
+              <a:t>(G)</a:t>
+            </a:r>
+            <a:endParaRPr lang="pt-BR" sz="1800" b="0" strike="noStrike" spc="-1" dirty="0">
+              <a:solidFill>
+                <a:srgbClr val="000000"/>
+              </a:solidFill>
+              <a:uFill>
+                <a:solidFill>
+                  <a:srgbClr val="FFFFFF"/>
+                </a:solidFill>
+              </a:uFill>
+              <a:latin typeface="Arial"/>
+            </a:endParaRPr>
+          </a:p>
+        </p:txBody>
+      </p:sp>
+      <p:sp>
+        <p:nvSpPr>
+          <p:cNvPr id="8" name="CustomShape 2"/>
+          <p:cNvSpPr/>
+          <p:nvPr/>
+        </p:nvSpPr>
+        <p:spPr>
+          <a:xfrm>
+            <a:off x="7320136" y="2153248"/>
+            <a:ext cx="2016784" cy="2578824"/>
+          </a:xfrm>
+          <a:prstGeom prst="rect">
+            <a:avLst/>
+          </a:prstGeom>
+          <a:gradFill>
+            <a:gsLst>
+              <a:gs pos="0">
+                <a:schemeClr val="accent1">
+                  <a:lumMod val="5000"/>
+                  <a:lumOff val="95000"/>
+                </a:schemeClr>
+              </a:gs>
+              <a:gs pos="74000">
+                <a:schemeClr val="accent1">
+                  <a:lumMod val="45000"/>
+                  <a:lumOff val="55000"/>
+                </a:schemeClr>
+              </a:gs>
+              <a:gs pos="83000">
+                <a:schemeClr val="accent1">
+                  <a:lumMod val="45000"/>
+                  <a:lumOff val="55000"/>
+                </a:schemeClr>
+              </a:gs>
+              <a:gs pos="100000">
+                <a:schemeClr val="accent1">
+                  <a:lumMod val="30000"/>
+                  <a:lumOff val="70000"/>
+                </a:schemeClr>
+              </a:gs>
+            </a:gsLst>
+            <a:lin ang="5400000" scaled="1"/>
+          </a:gradFill>
+          <a:ln>
+            <a:solidFill>
+              <a:schemeClr val="accent1"/>
+            </a:solidFill>
+          </a:ln>
+        </p:spPr>
+        <p:style>
+          <a:lnRef idx="0">
+            <a:scrgbClr r="0" g="0" b="0"/>
+          </a:lnRef>
+          <a:fillRef idx="0">
+            <a:scrgbClr r="0" g="0" b="0"/>
+          </a:fillRef>
+          <a:effectRef idx="0">
+            <a:scrgbClr r="0" g="0" b="0"/>
+          </a:effectRef>
+          <a:fontRef idx="minor"/>
+        </p:style>
+        <p:txBody>
+          <a:bodyPr lIns="90000" tIns="45000" rIns="90000" bIns="45000"/>
+          <a:lstStyle/>
+          <a:p>
+            <a:pPr>
+              <a:lnSpc>
+                <a:spcPct val="90000"/>
+              </a:lnSpc>
+            </a:pPr>
+            <a:endParaRPr lang="pt-BR" sz="1800" b="0" strike="noStrike" spc="-1" dirty="0">
+              <a:solidFill>
+                <a:srgbClr val="000000"/>
+              </a:solidFill>
+              <a:uFill>
+                <a:solidFill>
+                  <a:srgbClr val="FFFFFF"/>
+                </a:solidFill>
+              </a:uFill>
+              <a:latin typeface="Arial"/>
+            </a:endParaRPr>
+          </a:p>
+          <a:p>
+            <a:pPr marL="2160">
+              <a:lnSpc>
+                <a:spcPct val="90000"/>
+              </a:lnSpc>
+              <a:buClr>
+                <a:srgbClr val="808080"/>
+              </a:buClr>
+            </a:pPr>
+            <a:r>
+              <a:rPr lang="pt-BR" sz="2000" spc="-1" dirty="0" smtClean="0">
+                <a:solidFill>
+                  <a:srgbClr val="808080"/>
+                </a:solidFill>
+                <a:uFill>
+                  <a:solidFill>
+                    <a:srgbClr val="FFFFFF"/>
+                  </a:solidFill>
+                </a:uFill>
+                <a:latin typeface="EDP Preon"/>
+                <a:ea typeface="DejaVu Sans"/>
+              </a:rPr>
+              <a:t>...</a:t>
+            </a:r>
+          </a:p>
+          <a:p>
+            <a:pPr marL="2160">
+              <a:lnSpc>
+                <a:spcPct val="90000"/>
+              </a:lnSpc>
+              <a:buClr>
+                <a:srgbClr val="808080"/>
+              </a:buClr>
+            </a:pPr>
+            <a:r>
+              <a:rPr lang="pt-BR" sz="2000" b="0" strike="noStrike" spc="-1" dirty="0" smtClean="0">
+                <a:solidFill>
+                  <a:srgbClr val="808080"/>
+                </a:solidFill>
+                <a:uFill>
+                  <a:solidFill>
+                    <a:srgbClr val="FFFFFF"/>
+                  </a:solidFill>
+                </a:uFill>
+                <a:latin typeface="EDP Preon"/>
+                <a:ea typeface="DejaVu Sans"/>
+              </a:rPr>
+              <a:t>Comando A</a:t>
+            </a:r>
+          </a:p>
+          <a:p>
+            <a:pPr marL="2160">
+              <a:lnSpc>
+                <a:spcPct val="90000"/>
+              </a:lnSpc>
+              <a:buClr>
+                <a:srgbClr val="808080"/>
+              </a:buClr>
+            </a:pPr>
+            <a:r>
+              <a:rPr lang="pt-BR" sz="2000" b="1" spc="-1" dirty="0" smtClean="0">
+                <a:solidFill>
+                  <a:schemeClr val="accent6"/>
+                </a:solidFill>
+                <a:uFill>
+                  <a:solidFill>
+                    <a:srgbClr val="FFFFFF"/>
+                  </a:solidFill>
+                </a:uFill>
+                <a:latin typeface="EDP Preon"/>
+              </a:rPr>
+              <a:t>Comando B (?)</a:t>
+            </a:r>
+          </a:p>
+          <a:p>
+            <a:pPr marL="2160">
+              <a:lnSpc>
+                <a:spcPct val="90000"/>
+              </a:lnSpc>
+              <a:buClr>
+                <a:srgbClr val="808080"/>
+              </a:buClr>
+            </a:pPr>
+            <a:r>
+              <a:rPr lang="pt-BR" sz="2000" b="1" spc="-1" dirty="0" smtClean="0">
+                <a:solidFill>
+                  <a:srgbClr val="00B050"/>
+                </a:solidFill>
+                <a:uFill>
+                  <a:solidFill>
+                    <a:srgbClr val="FFFFFF"/>
+                  </a:solidFill>
+                </a:uFill>
+                <a:latin typeface="EDP Preon"/>
+              </a:rPr>
+              <a:t>Comando C</a:t>
+            </a:r>
+          </a:p>
+          <a:p>
+            <a:pPr marL="2160">
+              <a:lnSpc>
+                <a:spcPct val="90000"/>
+              </a:lnSpc>
+              <a:buClr>
+                <a:srgbClr val="808080"/>
+              </a:buClr>
+            </a:pPr>
+            <a:r>
+              <a:rPr lang="pt-BR" sz="2000" spc="-1" dirty="0" smtClean="0">
+                <a:solidFill>
+                  <a:srgbClr val="808080"/>
+                </a:solidFill>
+                <a:uFill>
+                  <a:solidFill>
+                    <a:srgbClr val="FFFFFF"/>
+                  </a:solidFill>
+                </a:uFill>
+                <a:latin typeface="EDP Preon"/>
+              </a:rPr>
+              <a:t>...</a:t>
+            </a:r>
+          </a:p>
+          <a:p>
+            <a:pPr marL="2160">
+              <a:lnSpc>
+                <a:spcPct val="90000"/>
+              </a:lnSpc>
+              <a:buClr>
+                <a:srgbClr val="808080"/>
+              </a:buClr>
+            </a:pPr>
+            <a:endParaRPr lang="pt-BR" sz="2000" b="0" strike="noStrike" spc="-1" dirty="0" smtClean="0">
+              <a:solidFill>
+                <a:srgbClr val="808080"/>
+              </a:solidFill>
+              <a:uFill>
+                <a:solidFill>
+                  <a:srgbClr val="FFFFFF"/>
+                </a:solidFill>
+              </a:uFill>
+              <a:latin typeface="EDP Preon"/>
+            </a:endParaRPr>
+          </a:p>
+          <a:p>
+            <a:pPr marL="2160">
+              <a:lnSpc>
+                <a:spcPct val="90000"/>
+              </a:lnSpc>
+              <a:buClr>
+                <a:srgbClr val="808080"/>
+              </a:buClr>
+            </a:pPr>
+            <a:endParaRPr lang="pt-BR" sz="2000" b="0" strike="noStrike" spc="-1" dirty="0" smtClean="0">
+              <a:solidFill>
+                <a:srgbClr val="808080"/>
+              </a:solidFill>
+              <a:uFill>
+                <a:solidFill>
+                  <a:srgbClr val="FFFFFF"/>
+                </a:solidFill>
+              </a:uFill>
+              <a:latin typeface="EDP Preon"/>
+            </a:endParaRPr>
+          </a:p>
+          <a:p>
+            <a:pPr marL="2160" algn="ctr">
+              <a:lnSpc>
+                <a:spcPct val="90000"/>
+              </a:lnSpc>
+              <a:buClr>
+                <a:srgbClr val="808080"/>
+              </a:buClr>
+            </a:pPr>
+            <a:r>
+              <a:rPr lang="pt-BR" sz="2000" b="0" strike="noStrike" spc="-1" dirty="0" smtClean="0">
+                <a:solidFill>
+                  <a:srgbClr val="808080"/>
+                </a:solidFill>
+                <a:uFill>
+                  <a:solidFill>
+                    <a:srgbClr val="FFFFFF"/>
+                  </a:solidFill>
+                </a:uFill>
+                <a:latin typeface="EDP Preon"/>
+              </a:rPr>
+              <a:t>(H)</a:t>
+            </a:r>
+            <a:endParaRPr lang="pt-BR" sz="1800" b="0" strike="noStrike" spc="-1" dirty="0">
+              <a:solidFill>
+                <a:srgbClr val="000000"/>
+              </a:solidFill>
+              <a:uFill>
+                <a:solidFill>
+                  <a:srgbClr val="FFFFFF"/>
+                </a:solidFill>
+              </a:uFill>
+              <a:latin typeface="Arial"/>
+            </a:endParaRPr>
+          </a:p>
+        </p:txBody>
+      </p:sp>
+    </p:spTree>
+    <p:extLst>
+      <p:ext uri="{BB962C8B-B14F-4D97-AF65-F5344CB8AC3E}">
+        <p14:creationId xmlns:p14="http://schemas.microsoft.com/office/powerpoint/2010/main" val="3829828891"/>
+      </p:ext>
+    </p:extLst>
+  </p:cSld>
+  <p:clrMapOvr>
+    <a:masterClrMapping/>
+  </p:clrMapOvr>
+  <p:timing>
+    <p:tnLst>
+      <p:par>
+        <p:cTn id="1" dur="indefinite" restart="never" nodeType="tmRoot">
+          <p:childTnLst>
+            <p:seq>
+              <p:cTn id="2" nodeType="mainSeq"/>
+              <p:prevCondLst>
+                <p:cond evt="onPrev" delay="0">
+                  <p:tgtEl>
+                    <p:sldTgt/>
+                  </p:tgtEl>
+                </p:cond>
+              </p:prevCondLst>
+              <p:nextCondLst>
+                <p:cond evt="onNext" delay="0">
+                  <p:tgtEl>
+                    <p:sldTgt/>
+                  </p:tgtEl>
+                </p:cond>
+              </p:nextCondLst>
+            </p:seq>
+          </p:childTnLst>
+        </p:cTn>
+      </p:par>
+    </p:tnLst>
+  </p:timing>
+</p:sld>
+</file>
+
+<file path=ppt/slides/slide16.xml><?xml version="1.0" encoding="utf-8"?>
+<p:sld xmlns:a="http://schemas.openxmlformats.org/drawingml/2006/main" xmlns:r="http://schemas.openxmlformats.org/officeDocument/2006/relationships" xmlns:p="http://schemas.openxmlformats.org/presentationml/2006/main">
+  <p:cSld>
+    <p:spTree>
+      <p:nvGrpSpPr>
+        <p:cNvPr id="1" name=""/>
+        <p:cNvGrpSpPr/>
+        <p:nvPr/>
+      </p:nvGrpSpPr>
+      <p:grpSpPr>
+        <a:xfrm>
+          <a:off x="0" y="0"/>
+          <a:ext cx="0" cy="0"/>
+          <a:chOff x="0" y="0"/>
+          <a:chExt cx="0" cy="0"/>
+        </a:xfrm>
+      </p:grpSpPr>
+      <p:sp>
+        <p:nvSpPr>
+          <p:cNvPr id="186" name="CustomShape 1"/>
+          <p:cNvSpPr/>
+          <p:nvPr/>
+        </p:nvSpPr>
+        <p:spPr>
+          <a:xfrm>
+            <a:off x="217800" y="-18720"/>
+            <a:ext cx="10513440" cy="1323360"/>
+          </a:xfrm>
+          <a:prstGeom prst="rect">
+            <a:avLst/>
+          </a:prstGeom>
+          <a:noFill/>
+          <a:ln>
+            <a:noFill/>
+          </a:ln>
+        </p:spPr>
+        <p:style>
+          <a:lnRef idx="0">
+            <a:scrgbClr r="0" g="0" b="0"/>
+          </a:lnRef>
+          <a:fillRef idx="0">
+            <a:scrgbClr r="0" g="0" b="0"/>
+          </a:fillRef>
+          <a:effectRef idx="0">
+            <a:scrgbClr r="0" g="0" b="0"/>
+          </a:effectRef>
+          <a:fontRef idx="minor"/>
+        </p:style>
+        <p:txBody>
+          <a:bodyPr lIns="90000" tIns="45000" rIns="90000" bIns="45000" anchor="ctr"/>
+          <a:lstStyle/>
+          <a:p>
+            <a:pPr>
+              <a:lnSpc>
+                <a:spcPct val="100000"/>
+              </a:lnSpc>
+            </a:pPr>
+            <a:r>
               <a:rPr lang="pt-BR" sz="3200" b="0" strike="noStrike" spc="-1" dirty="0" err="1" smtClean="0">
                 <a:solidFill>
                   <a:srgbClr val="A6A6A6"/>
@@ -6141,7 +6460,7 @@
 </p:sld>
 </file>
 
-<file path=ppt/slides/slide15.xml><?xml version="1.0" encoding="utf-8"?>
+<file path=ppt/slides/slide17.xml><?xml version="1.0" encoding="utf-8"?>
 <p:sld xmlns:a="http://schemas.openxmlformats.org/drawingml/2006/main" xmlns:r="http://schemas.openxmlformats.org/officeDocument/2006/relationships" xmlns:p="http://schemas.openxmlformats.org/presentationml/2006/main">
   <p:cSld>
     <p:spTree>
@@ -6999,7 +7318,7 @@
 </p:sld>
 </file>
 
-<file path=ppt/slides/slide16.xml><?xml version="1.0" encoding="utf-8"?>
+<file path=ppt/slides/slide18.xml><?xml version="1.0" encoding="utf-8"?>
 <p:sld xmlns:a="http://schemas.openxmlformats.org/drawingml/2006/main" xmlns:r="http://schemas.openxmlformats.org/officeDocument/2006/relationships" xmlns:p="http://schemas.openxmlformats.org/presentationml/2006/main">
   <p:cSld>
     <p:spTree>
@@ -7513,7 +7832,7 @@
 </p:sld>
 </file>
 
-<file path=ppt/slides/slide17.xml><?xml version="1.0" encoding="utf-8"?>
+<file path=ppt/slides/slide19.xml><?xml version="1.0" encoding="utf-8"?>
 <p:sld xmlns:a="http://schemas.openxmlformats.org/drawingml/2006/main" xmlns:r="http://schemas.openxmlformats.org/officeDocument/2006/relationships" xmlns:p="http://schemas.openxmlformats.org/presentationml/2006/main">
   <p:cSld>
     <p:spTree>
@@ -7796,30 +8115,180 @@
               </a:lnSpc>
             </a:pPr>
             <a:r>
-              <a:rPr lang="pt-BR" sz="3200" b="0" strike="noStrike" spc="-1" dirty="0" smtClean="0">
-                <a:solidFill>
-                  <a:srgbClr val="A6A6A6"/>
-                </a:solidFill>
-                <a:uFill>
-                  <a:solidFill>
-                    <a:srgbClr val="FFFFFF"/>
-                  </a:solidFill>
-                </a:uFill>
-                <a:latin typeface="EDP Preon"/>
-                <a:ea typeface="DejaVu Sans"/>
-              </a:rPr>
-              <a:t>Evolução do software</a:t>
+              <a:rPr lang="pt-BR" sz="3200" spc="-1" dirty="0" smtClean="0">
+                <a:uFill>
+                  <a:solidFill>
+                    <a:srgbClr val="FFFFFF"/>
+                  </a:solidFill>
+                </a:uFill>
+                <a:latin typeface="Arial" panose="020B0604020202020204" pitchFamily="34" charset="0"/>
+                <a:cs typeface="Arial" panose="020B0604020202020204" pitchFamily="34" charset="0"/>
+              </a:rPr>
+              <a:t>O que é o </a:t>
+            </a:r>
+            <a:r>
+              <a:rPr lang="pt-BR" sz="3200" spc="-1" dirty="0" err="1" smtClean="0">
+                <a:uFill>
+                  <a:solidFill>
+                    <a:srgbClr val="FFFFFF"/>
+                  </a:solidFill>
+                </a:uFill>
+                <a:latin typeface="Arial" panose="020B0604020202020204" pitchFamily="34" charset="0"/>
+                <a:cs typeface="Arial" panose="020B0604020202020204" pitchFamily="34" charset="0"/>
+              </a:rPr>
+              <a:t>git</a:t>
+            </a:r>
+            <a:r>
+              <a:rPr lang="pt-BR" sz="3200" spc="-1" dirty="0" smtClean="0">
+                <a:uFill>
+                  <a:solidFill>
+                    <a:srgbClr val="FFFFFF"/>
+                  </a:solidFill>
+                </a:uFill>
+                <a:latin typeface="Arial" panose="020B0604020202020204" pitchFamily="34" charset="0"/>
+                <a:cs typeface="Arial" panose="020B0604020202020204" pitchFamily="34" charset="0"/>
+              </a:rPr>
+              <a:t>?</a:t>
             </a:r>
             <a:endParaRPr lang="pt-BR" sz="1800" b="0" strike="noStrike" spc="-1" dirty="0">
-              <a:solidFill>
-                <a:srgbClr val="000000"/>
-              </a:solidFill>
               <a:uFill>
                 <a:solidFill>
                   <a:srgbClr val="FFFFFF"/>
                 </a:solidFill>
               </a:uFill>
-              <a:latin typeface="Arial"/>
+              <a:latin typeface="Arial" panose="020B0604020202020204" pitchFamily="34" charset="0"/>
+              <a:cs typeface="Arial" panose="020B0604020202020204" pitchFamily="34" charset="0"/>
+            </a:endParaRPr>
+          </a:p>
+        </p:txBody>
+      </p:sp>
+      <p:pic>
+        <p:nvPicPr>
+          <p:cNvPr id="3" name="Imagem 2"/>
+          <p:cNvPicPr>
+            <a:picLocks noChangeAspect="1"/>
+          </p:cNvPicPr>
+          <p:nvPr/>
+        </p:nvPicPr>
+        <p:blipFill>
+          <a:blip r:embed="rId2">
+            <a:extLst>
+              <a:ext uri="{28A0092B-C50C-407E-A947-70E740481C1C}">
+                <a14:useLocalDpi xmlns:a14="http://schemas.microsoft.com/office/drawing/2010/main" val="0"/>
+              </a:ext>
+            </a:extLst>
+          </a:blip>
+          <a:stretch>
+            <a:fillRect/>
+          </a:stretch>
+        </p:blipFill>
+        <p:spPr>
+          <a:xfrm>
+            <a:off x="1559496" y="1639389"/>
+            <a:ext cx="8568952" cy="5173987"/>
+          </a:xfrm>
+          <a:prstGeom prst="rect">
+            <a:avLst/>
+          </a:prstGeom>
+        </p:spPr>
+      </p:pic>
+    </p:spTree>
+    <p:extLst>
+      <p:ext uri="{BB962C8B-B14F-4D97-AF65-F5344CB8AC3E}">
+        <p14:creationId xmlns:p14="http://schemas.microsoft.com/office/powerpoint/2010/main" val="1954077925"/>
+      </p:ext>
+    </p:extLst>
+  </p:cSld>
+  <p:clrMapOvr>
+    <a:masterClrMapping/>
+  </p:clrMapOvr>
+  <p:timing>
+    <p:tnLst>
+      <p:par>
+        <p:cTn id="1" dur="indefinite" restart="never" nodeType="tmRoot"/>
+      </p:par>
+    </p:tnLst>
+  </p:timing>
+</p:sld>
+</file>
+
+<file path=ppt/slides/slide5.xml><?xml version="1.0" encoding="utf-8"?>
+<p:sld xmlns:a="http://schemas.openxmlformats.org/drawingml/2006/main" xmlns:r="http://schemas.openxmlformats.org/officeDocument/2006/relationships" xmlns:p="http://schemas.openxmlformats.org/presentationml/2006/main">
+  <p:cSld>
+    <p:spTree>
+      <p:nvGrpSpPr>
+        <p:cNvPr id="1" name=""/>
+        <p:cNvGrpSpPr/>
+        <p:nvPr/>
+      </p:nvGrpSpPr>
+      <p:grpSpPr>
+        <a:xfrm>
+          <a:off x="0" y="0"/>
+          <a:ext cx="0" cy="0"/>
+          <a:chOff x="0" y="0"/>
+          <a:chExt cx="0" cy="0"/>
+        </a:xfrm>
+      </p:grpSpPr>
+      <p:sp>
+        <p:nvSpPr>
+          <p:cNvPr id="168" name="CustomShape 1"/>
+          <p:cNvSpPr/>
+          <p:nvPr/>
+        </p:nvSpPr>
+        <p:spPr>
+          <a:xfrm>
+            <a:off x="217800" y="-18720"/>
+            <a:ext cx="10513440" cy="1323360"/>
+          </a:xfrm>
+          <a:prstGeom prst="rect">
+            <a:avLst/>
+          </a:prstGeom>
+          <a:noFill/>
+          <a:ln>
+            <a:noFill/>
+          </a:ln>
+        </p:spPr>
+        <p:style>
+          <a:lnRef idx="0">
+            <a:scrgbClr r="0" g="0" b="0"/>
+          </a:lnRef>
+          <a:fillRef idx="0">
+            <a:scrgbClr r="0" g="0" b="0"/>
+          </a:fillRef>
+          <a:effectRef idx="0">
+            <a:scrgbClr r="0" g="0" b="0"/>
+          </a:effectRef>
+          <a:fontRef idx="minor"/>
+        </p:style>
+        <p:txBody>
+          <a:bodyPr lIns="90000" tIns="45000" rIns="90000" bIns="45000" anchor="ctr"/>
+          <a:lstStyle/>
+          <a:p>
+            <a:pPr>
+              <a:lnSpc>
+                <a:spcPct val="100000"/>
+              </a:lnSpc>
+            </a:pPr>
+            <a:r>
+              <a:rPr lang="pt-BR" sz="3200" spc="-1" dirty="0" smtClean="0">
+                <a:uFill>
+                  <a:solidFill>
+                    <a:srgbClr val="FFFFFF"/>
+                  </a:solidFill>
+                </a:uFill>
+                <a:latin typeface="Arial" panose="020B0604020202020204" pitchFamily="34" charset="0"/>
+                <a:cs typeface="Arial" panose="020B0604020202020204" pitchFamily="34" charset="0"/>
+              </a:rPr>
+              <a:t>Por que usar?</a:t>
+            </a:r>
+            <a:endParaRPr lang="pt-BR" sz="1800" b="0" strike="noStrike" spc="-1" dirty="0">
+              <a:uFill>
+                <a:solidFill>
+                  <a:srgbClr val="FFFFFF"/>
+                </a:solidFill>
+              </a:uFill>
+              <a:latin typeface="Arial" panose="020B0604020202020204" pitchFamily="34" charset="0"/>
+              <a:cs typeface="Arial" panose="020B0604020202020204" pitchFamily="34" charset="0"/>
             </a:endParaRPr>
           </a:p>
         </p:txBody>
@@ -7859,12 +8328,15 @@
           <a:bodyPr lIns="90000" tIns="45000" rIns="90000" bIns="45000"/>
           <a:lstStyle/>
           <a:p>
-            <a:pPr>
+            <a:pPr marL="2160">
               <a:lnSpc>
                 <a:spcPct val="90000"/>
               </a:lnSpc>
-            </a:pPr>
-            <a:endParaRPr lang="pt-BR" sz="1800" b="0" strike="noStrike" spc="-1" dirty="0">
+              <a:buClr>
+                <a:srgbClr val="808080"/>
+              </a:buClr>
+            </a:pPr>
+            <a:endParaRPr lang="pt-BR" sz="1800" b="0" strike="noStrike" spc="-1" dirty="0" smtClean="0">
               <a:solidFill>
                 <a:srgbClr val="000000"/>
               </a:solidFill>
@@ -7877,230 +8349,65 @@
             </a:endParaRPr>
           </a:p>
           <a:p>
-            <a:pPr marL="343080" indent="-340920">
+            <a:pPr marL="285750" indent="-285750">
               <a:lnSpc>
                 <a:spcPct val="90000"/>
               </a:lnSpc>
-              <a:buClr>
-                <a:srgbClr val="808080"/>
-              </a:buClr>
-              <a:buFont typeface="Arial"/>
+              <a:buFont typeface="Arial" panose="020B0604020202020204" pitchFamily="34" charset="0"/>
               <a:buChar char="•"/>
             </a:pPr>
             <a:r>
-              <a:rPr lang="pt-BR" sz="2000" b="0" strike="noStrike" spc="-1" dirty="0" smtClean="0">
-                <a:solidFill>
-                  <a:srgbClr val="808080"/>
-                </a:solidFill>
-                <a:uFill>
-                  <a:solidFill>
-                    <a:srgbClr val="FFFFFF"/>
-                  </a:solidFill>
-                </a:uFill>
-                <a:latin typeface="EDP Preon"/>
-                <a:ea typeface="DejaVu Sans"/>
-              </a:rPr>
-              <a:t>Alto nível</a:t>
+              <a:rPr lang="pt-BR" sz="1800" b="0" strike="noStrike" spc="-1" dirty="0" smtClean="0">
+                <a:uFill>
+                  <a:solidFill>
+                    <a:srgbClr val="FFFFFF"/>
+                  </a:solidFill>
+                </a:uFill>
+                <a:latin typeface="Arial"/>
+              </a:rPr>
+              <a:t>Versionamento</a:t>
+            </a:r>
+          </a:p>
+          <a:p>
+            <a:pPr marL="285750" indent="-285750">
+              <a:lnSpc>
+                <a:spcPct val="90000"/>
+              </a:lnSpc>
+              <a:buFont typeface="Arial" panose="020B0604020202020204" pitchFamily="34" charset="0"/>
+              <a:buChar char="•"/>
+            </a:pPr>
+            <a:r>
+              <a:rPr lang="pt-BR" spc="-1" dirty="0" smtClean="0">
+                <a:uFill>
+                  <a:solidFill>
+                    <a:srgbClr val="FFFFFF"/>
+                  </a:solidFill>
+                </a:uFill>
+                <a:latin typeface="Arial"/>
+              </a:rPr>
+              <a:t>Backup</a:t>
+            </a:r>
+          </a:p>
+          <a:p>
+            <a:pPr marL="285750" indent="-285750">
+              <a:lnSpc>
+                <a:spcPct val="90000"/>
+              </a:lnSpc>
+              <a:buFont typeface="Arial" panose="020B0604020202020204" pitchFamily="34" charset="0"/>
+              <a:buChar char="•"/>
+            </a:pPr>
+            <a:r>
+              <a:rPr lang="pt-BR" sz="1800" b="0" strike="noStrike" spc="-1" dirty="0" smtClean="0">
+                <a:uFill>
+                  <a:solidFill>
+                    <a:srgbClr val="FFFFFF"/>
+                  </a:solidFill>
+                </a:uFill>
+                <a:latin typeface="Arial"/>
+              </a:rPr>
+              <a:t>Segurança</a:t>
             </a:r>
             <a:endParaRPr lang="pt-BR" sz="1800" b="0" strike="noStrike" spc="-1" dirty="0">
-              <a:solidFill>
-                <a:srgbClr val="000000"/>
-              </a:solidFill>
-              <a:uFill>
-                <a:solidFill>
-                  <a:srgbClr val="FFFFFF"/>
-                </a:solidFill>
-              </a:uFill>
-              <a:latin typeface="Arial"/>
-            </a:endParaRPr>
-          </a:p>
-          <a:p>
-            <a:pPr marL="343080" indent="-340920">
-              <a:lnSpc>
-                <a:spcPct val="90000"/>
-              </a:lnSpc>
-              <a:buClr>
-                <a:srgbClr val="808080"/>
-              </a:buClr>
-              <a:buFont typeface="Arial"/>
-              <a:buChar char="•"/>
-            </a:pPr>
-            <a:r>
-              <a:rPr lang="pt-BR" sz="2000" spc="-1" dirty="0" smtClean="0">
-                <a:solidFill>
-                  <a:srgbClr val="808080"/>
-                </a:solidFill>
-                <a:uFill>
-                  <a:solidFill>
-                    <a:srgbClr val="FFFFFF"/>
-                  </a:solidFill>
-                </a:uFill>
-                <a:latin typeface="EDP Preon"/>
-              </a:rPr>
-              <a:t>Complexidade</a:t>
-            </a:r>
-            <a:endParaRPr lang="pt-BR" sz="1800" b="0" strike="noStrike" spc="-1" dirty="0">
-              <a:solidFill>
-                <a:srgbClr val="000000"/>
-              </a:solidFill>
-              <a:uFill>
-                <a:solidFill>
-                  <a:srgbClr val="FFFFFF"/>
-                </a:solidFill>
-              </a:uFill>
-              <a:latin typeface="Arial"/>
-            </a:endParaRPr>
-          </a:p>
-          <a:p>
-            <a:pPr marL="343080" indent="-340920">
-              <a:lnSpc>
-                <a:spcPct val="90000"/>
-              </a:lnSpc>
-              <a:buClr>
-                <a:srgbClr val="808080"/>
-              </a:buClr>
-              <a:buFont typeface="Arial"/>
-              <a:buChar char="•"/>
-            </a:pPr>
-            <a:r>
-              <a:rPr lang="pt-BR" sz="2000" b="0" strike="noStrike" spc="-1" dirty="0" smtClean="0">
-                <a:solidFill>
-                  <a:srgbClr val="808080"/>
-                </a:solidFill>
-                <a:uFill>
-                  <a:solidFill>
-                    <a:srgbClr val="FFFFFF"/>
-                  </a:solidFill>
-                </a:uFill>
-                <a:latin typeface="EDP Preon"/>
-                <a:ea typeface="DejaVu Sans"/>
-              </a:rPr>
-              <a:t>Erros são parte do processo</a:t>
-            </a:r>
-          </a:p>
-          <a:p>
-            <a:pPr marL="343080" indent="-340920">
-              <a:lnSpc>
-                <a:spcPct val="90000"/>
-              </a:lnSpc>
-              <a:buClr>
-                <a:srgbClr val="808080"/>
-              </a:buClr>
-              <a:buFont typeface="Arial"/>
-              <a:buChar char="•"/>
-            </a:pPr>
-            <a:r>
-              <a:rPr lang="pt-BR" sz="2000" spc="-1" dirty="0" smtClean="0">
-                <a:solidFill>
-                  <a:srgbClr val="808080"/>
-                </a:solidFill>
-                <a:uFill>
-                  <a:solidFill>
-                    <a:srgbClr val="FFFFFF"/>
-                  </a:solidFill>
-                </a:uFill>
-                <a:latin typeface="EDP Preon"/>
-              </a:rPr>
-              <a:t>Ciclo evolutivo de software</a:t>
-            </a:r>
-            <a:endParaRPr lang="pt-BR" sz="1800" b="0" strike="noStrike" spc="-1" dirty="0">
-              <a:solidFill>
-                <a:srgbClr val="000000"/>
-              </a:solidFill>
-              <a:uFill>
-                <a:solidFill>
-                  <a:srgbClr val="FFFFFF"/>
-                </a:solidFill>
-              </a:uFill>
-              <a:latin typeface="Arial"/>
-            </a:endParaRPr>
-          </a:p>
-          <a:p>
-            <a:pPr marL="343080" indent="-340920">
-              <a:lnSpc>
-                <a:spcPct val="90000"/>
-              </a:lnSpc>
-              <a:buClr>
-                <a:srgbClr val="808080"/>
-              </a:buClr>
-              <a:buFont typeface="Arial"/>
-              <a:buChar char="•"/>
-            </a:pPr>
-            <a:r>
-              <a:rPr lang="pt-BR" sz="2000" b="0" strike="noStrike" spc="-1" dirty="0" smtClean="0">
-                <a:solidFill>
-                  <a:srgbClr val="808080"/>
-                </a:solidFill>
-                <a:uFill>
-                  <a:solidFill>
-                    <a:srgbClr val="FFFFFF"/>
-                  </a:solidFill>
-                </a:uFill>
-                <a:latin typeface="EDP Preon"/>
-                <a:ea typeface="DejaVu Sans"/>
-              </a:rPr>
-              <a:t>Diversos perfis</a:t>
-            </a:r>
-            <a:endParaRPr lang="pt-BR" sz="2000" spc="-1" dirty="0" smtClean="0">
-              <a:solidFill>
-                <a:srgbClr val="808080"/>
-              </a:solidFill>
-              <a:uFill>
-                <a:solidFill>
-                  <a:srgbClr val="FFFFFF"/>
-                </a:solidFill>
-              </a:uFill>
-              <a:latin typeface="EDP Preon"/>
-              <a:ea typeface="DejaVu Sans"/>
-            </a:endParaRPr>
-          </a:p>
-          <a:p>
-            <a:pPr marL="343080" indent="-340920">
-              <a:lnSpc>
-                <a:spcPct val="90000"/>
-              </a:lnSpc>
-              <a:buClr>
-                <a:srgbClr val="808080"/>
-              </a:buClr>
-              <a:buFont typeface="Arial"/>
-              <a:buChar char="•"/>
-            </a:pPr>
-            <a:r>
-              <a:rPr lang="pt-BR" sz="2000" b="0" strike="noStrike" spc="-1" dirty="0" smtClean="0">
-                <a:solidFill>
-                  <a:srgbClr val="808080"/>
-                </a:solidFill>
-                <a:uFill>
-                  <a:solidFill>
-                    <a:srgbClr val="FFFFFF"/>
-                  </a:solidFill>
-                </a:uFill>
-                <a:latin typeface="EDP Preon"/>
-              </a:rPr>
-              <a:t>Indústria de software difundida em toda sociedade</a:t>
-            </a:r>
-            <a:endParaRPr lang="pt-BR" sz="1800" b="0" strike="noStrike" spc="-1" dirty="0">
-              <a:solidFill>
-                <a:srgbClr val="000000"/>
-              </a:solidFill>
-              <a:uFill>
-                <a:solidFill>
-                  <a:srgbClr val="FFFFFF"/>
-                </a:solidFill>
-              </a:uFill>
-              <a:latin typeface="Arial"/>
-            </a:endParaRPr>
-          </a:p>
-          <a:p>
-            <a:pPr>
-              <a:lnSpc>
-                <a:spcPct val="90000"/>
-              </a:lnSpc>
-            </a:pPr>
-            <a:endParaRPr lang="pt-BR" sz="1800" b="0" strike="noStrike" spc="-1" dirty="0">
-              <a:solidFill>
-                <a:srgbClr val="000000"/>
-              </a:solidFill>
               <a:uFill>
                 <a:solidFill>
                   <a:srgbClr val="FFFFFF"/>
@@ -8120,7 +8427,7 @@
           <p:nvPr/>
         </p:nvPicPr>
         <p:blipFill>
-          <a:blip r:embed="rId2">
+          <a:blip r:embed="rId2" cstate="print">
             <a:extLst>
               <a:ext uri="{28A0092B-C50C-407E-A947-70E740481C1C}">
                 <a14:useLocalDpi xmlns:a14="http://schemas.microsoft.com/office/drawing/2010/main" val="0"/>
@@ -8133,8 +8440,8 @@
         </p:blipFill>
         <p:spPr>
           <a:xfrm>
-            <a:off x="6960096" y="2492896"/>
-            <a:ext cx="4960774" cy="3781212"/>
+            <a:off x="5159896" y="2131819"/>
+            <a:ext cx="6840760" cy="4564155"/>
           </a:xfrm>
           <a:prstGeom prst="rect">
             <a:avLst/>
@@ -8144,7 +8451,7 @@
     </p:spTree>
     <p:extLst>
       <p:ext uri="{BB962C8B-B14F-4D97-AF65-F5344CB8AC3E}">
-        <p14:creationId xmlns:p14="http://schemas.microsoft.com/office/powerpoint/2010/main" val="1954077925"/>
+        <p14:creationId xmlns:p14="http://schemas.microsoft.com/office/powerpoint/2010/main" val="453704100"/>
       </p:ext>
     </p:extLst>
   </p:cSld>
@@ -8161,7 +8468,263 @@
 </p:sld>
 </file>
 
-<file path=ppt/slides/slide5.xml><?xml version="1.0" encoding="utf-8"?>
+<file path=ppt/slides/slide6.xml><?xml version="1.0" encoding="utf-8"?>
+<p:sld xmlns:a="http://schemas.openxmlformats.org/drawingml/2006/main" xmlns:r="http://schemas.openxmlformats.org/officeDocument/2006/relationships" xmlns:p="http://schemas.openxmlformats.org/presentationml/2006/main">
+  <p:cSld>
+    <p:spTree>
+      <p:nvGrpSpPr>
+        <p:cNvPr id="1" name=""/>
+        <p:cNvGrpSpPr/>
+        <p:nvPr/>
+      </p:nvGrpSpPr>
+      <p:grpSpPr>
+        <a:xfrm>
+          <a:off x="0" y="0"/>
+          <a:ext cx="0" cy="0"/>
+          <a:chOff x="0" y="0"/>
+          <a:chExt cx="0" cy="0"/>
+        </a:xfrm>
+      </p:grpSpPr>
+      <p:sp>
+        <p:nvSpPr>
+          <p:cNvPr id="168" name="CustomShape 1"/>
+          <p:cNvSpPr/>
+          <p:nvPr/>
+        </p:nvSpPr>
+        <p:spPr>
+          <a:xfrm>
+            <a:off x="217800" y="-18720"/>
+            <a:ext cx="10513440" cy="1323360"/>
+          </a:xfrm>
+          <a:prstGeom prst="rect">
+            <a:avLst/>
+          </a:prstGeom>
+          <a:noFill/>
+          <a:ln>
+            <a:noFill/>
+          </a:ln>
+        </p:spPr>
+        <p:style>
+          <a:lnRef idx="0">
+            <a:scrgbClr r="0" g="0" b="0"/>
+          </a:lnRef>
+          <a:fillRef idx="0">
+            <a:scrgbClr r="0" g="0" b="0"/>
+          </a:fillRef>
+          <a:effectRef idx="0">
+            <a:scrgbClr r="0" g="0" b="0"/>
+          </a:effectRef>
+          <a:fontRef idx="minor"/>
+        </p:style>
+        <p:txBody>
+          <a:bodyPr lIns="90000" tIns="45000" rIns="90000" bIns="45000" anchor="ctr"/>
+          <a:lstStyle/>
+          <a:p>
+            <a:pPr>
+              <a:lnSpc>
+                <a:spcPct val="100000"/>
+              </a:lnSpc>
+            </a:pPr>
+            <a:r>
+              <a:rPr lang="pt-BR" sz="3200" spc="-1" dirty="0" smtClean="0">
+                <a:uFill>
+                  <a:solidFill>
+                    <a:srgbClr val="FFFFFF"/>
+                  </a:solidFill>
+                </a:uFill>
+                <a:latin typeface="Arial" panose="020B0604020202020204" pitchFamily="34" charset="0"/>
+                <a:cs typeface="Arial" panose="020B0604020202020204" pitchFamily="34" charset="0"/>
+              </a:rPr>
+              <a:t>História</a:t>
+            </a:r>
+            <a:endParaRPr lang="pt-BR" sz="1800" b="0" strike="noStrike" spc="-1" dirty="0">
+              <a:uFill>
+                <a:solidFill>
+                  <a:srgbClr val="FFFFFF"/>
+                </a:solidFill>
+              </a:uFill>
+              <a:latin typeface="Arial" panose="020B0604020202020204" pitchFamily="34" charset="0"/>
+              <a:cs typeface="Arial" panose="020B0604020202020204" pitchFamily="34" charset="0"/>
+            </a:endParaRPr>
+          </a:p>
+        </p:txBody>
+      </p:sp>
+      <p:sp>
+        <p:nvSpPr>
+          <p:cNvPr id="4" name="CustomShape 2"/>
+          <p:cNvSpPr/>
+          <p:nvPr/>
+        </p:nvSpPr>
+        <p:spPr>
+          <a:xfrm>
+            <a:off x="334800" y="2146320"/>
+            <a:ext cx="11543400" cy="2067840"/>
+          </a:xfrm>
+          <a:prstGeom prst="rect">
+            <a:avLst/>
+          </a:prstGeom>
+          <a:noFill/>
+          <a:ln>
+            <a:noFill/>
+          </a:ln>
+        </p:spPr>
+        <p:style>
+          <a:lnRef idx="0">
+            <a:scrgbClr r="0" g="0" b="0"/>
+          </a:lnRef>
+          <a:fillRef idx="0">
+            <a:scrgbClr r="0" g="0" b="0"/>
+          </a:fillRef>
+          <a:effectRef idx="0">
+            <a:scrgbClr r="0" g="0" b="0"/>
+          </a:effectRef>
+          <a:fontRef idx="minor"/>
+        </p:style>
+        <p:txBody>
+          <a:bodyPr lIns="90000" tIns="45000" rIns="90000" bIns="45000"/>
+          <a:lstStyle/>
+          <a:p>
+            <a:pPr marL="2160">
+              <a:lnSpc>
+                <a:spcPct val="90000"/>
+              </a:lnSpc>
+              <a:buClr>
+                <a:srgbClr val="808080"/>
+              </a:buClr>
+            </a:pPr>
+            <a:endParaRPr lang="pt-BR" sz="1800" b="0" strike="noStrike" spc="-1" dirty="0" smtClean="0">
+              <a:solidFill>
+                <a:srgbClr val="000000"/>
+              </a:solidFill>
+              <a:uFill>
+                <a:solidFill>
+                  <a:srgbClr val="FFFFFF"/>
+                </a:solidFill>
+              </a:uFill>
+              <a:latin typeface="Arial"/>
+            </a:endParaRPr>
+          </a:p>
+          <a:p>
+            <a:pPr marL="285750" indent="-285750">
+              <a:lnSpc>
+                <a:spcPct val="90000"/>
+              </a:lnSpc>
+              <a:buFont typeface="Arial" panose="020B0604020202020204" pitchFamily="34" charset="0"/>
+              <a:buChar char="•"/>
+            </a:pPr>
+            <a:r>
+              <a:rPr lang="pt-BR" sz="1800" b="0" strike="noStrike" spc="-1" dirty="0" smtClean="0">
+                <a:uFill>
+                  <a:solidFill>
+                    <a:srgbClr val="FFFFFF"/>
+                  </a:solidFill>
+                </a:uFill>
+                <a:latin typeface="Arial"/>
+              </a:rPr>
+              <a:t>Versionamento</a:t>
+            </a:r>
+          </a:p>
+          <a:p>
+            <a:pPr marL="285750" indent="-285750">
+              <a:lnSpc>
+                <a:spcPct val="90000"/>
+              </a:lnSpc>
+              <a:buFont typeface="Arial" panose="020B0604020202020204" pitchFamily="34" charset="0"/>
+              <a:buChar char="•"/>
+            </a:pPr>
+            <a:r>
+              <a:rPr lang="pt-BR" spc="-1" dirty="0" smtClean="0">
+                <a:uFill>
+                  <a:solidFill>
+                    <a:srgbClr val="FFFFFF"/>
+                  </a:solidFill>
+                </a:uFill>
+                <a:latin typeface="Arial"/>
+              </a:rPr>
+              <a:t>Backup</a:t>
+            </a:r>
+          </a:p>
+          <a:p>
+            <a:pPr marL="285750" indent="-285750">
+              <a:lnSpc>
+                <a:spcPct val="90000"/>
+              </a:lnSpc>
+              <a:buFont typeface="Arial" panose="020B0604020202020204" pitchFamily="34" charset="0"/>
+              <a:buChar char="•"/>
+            </a:pPr>
+            <a:r>
+              <a:rPr lang="pt-BR" sz="1800" b="0" strike="noStrike" spc="-1" dirty="0" smtClean="0">
+                <a:uFill>
+                  <a:solidFill>
+                    <a:srgbClr val="FFFFFF"/>
+                  </a:solidFill>
+                </a:uFill>
+                <a:latin typeface="Arial"/>
+              </a:rPr>
+              <a:t>Segurança</a:t>
+            </a:r>
+            <a:endParaRPr lang="pt-BR" sz="1800" b="0" strike="noStrike" spc="-1" dirty="0">
+              <a:uFill>
+                <a:solidFill>
+                  <a:srgbClr val="FFFFFF"/>
+                </a:solidFill>
+              </a:uFill>
+              <a:latin typeface="Arial"/>
+            </a:endParaRPr>
+          </a:p>
+        </p:txBody>
+      </p:sp>
+      <p:pic>
+        <p:nvPicPr>
+          <p:cNvPr id="2" name="Imagem 1"/>
+          <p:cNvPicPr>
+            <a:picLocks noChangeAspect="1"/>
+          </p:cNvPicPr>
+          <p:nvPr/>
+        </p:nvPicPr>
+        <p:blipFill>
+          <a:blip r:embed="rId2" cstate="print">
+            <a:extLst>
+              <a:ext uri="{28A0092B-C50C-407E-A947-70E740481C1C}">
+                <a14:useLocalDpi xmlns:a14="http://schemas.microsoft.com/office/drawing/2010/main" val="0"/>
+              </a:ext>
+            </a:extLst>
+          </a:blip>
+          <a:stretch>
+            <a:fillRect/>
+          </a:stretch>
+        </p:blipFill>
+        <p:spPr>
+          <a:xfrm>
+            <a:off x="5159896" y="2131819"/>
+            <a:ext cx="6840760" cy="4564155"/>
+          </a:xfrm>
+          <a:prstGeom prst="rect">
+            <a:avLst/>
+          </a:prstGeom>
+        </p:spPr>
+      </p:pic>
+    </p:spTree>
+    <p:extLst>
+      <p:ext uri="{BB962C8B-B14F-4D97-AF65-F5344CB8AC3E}">
+        <p14:creationId xmlns:p14="http://schemas.microsoft.com/office/powerpoint/2010/main" val="2797844456"/>
+      </p:ext>
+    </p:extLst>
+  </p:cSld>
+  <p:clrMapOvr>
+    <a:masterClrMapping/>
+  </p:clrMapOvr>
+  <p:timing>
+    <p:tnLst>
+      <p:par>
+        <p:cTn id="1" dur="indefinite" restart="never" nodeType="tmRoot"/>
+      </p:par>
+    </p:tnLst>
+  </p:timing>
+</p:sld>
+</file>
+
+<file path=ppt/slides/slide7.xml><?xml version="1.0" encoding="utf-8"?>
 <p:sld xmlns:a="http://schemas.openxmlformats.org/drawingml/2006/main" xmlns:r="http://schemas.openxmlformats.org/officeDocument/2006/relationships" xmlns:p="http://schemas.openxmlformats.org/presentationml/2006/main">
   <p:cSld>
     <p:spTree>
@@ -8589,7 +9152,7 @@
 </p:sld>
 </file>
 
-<file path=ppt/slides/slide6.xml><?xml version="1.0" encoding="utf-8"?>
+<file path=ppt/slides/slide8.xml><?xml version="1.0" encoding="utf-8"?>
 <p:sld xmlns:a="http://schemas.openxmlformats.org/drawingml/2006/main" xmlns:r="http://schemas.openxmlformats.org/officeDocument/2006/relationships" xmlns:p="http://schemas.openxmlformats.org/presentationml/2006/main">
   <p:cSld>
     <p:spTree>
@@ -8918,323 +9481,6 @@
           </a:p>
         </p:txBody>
       </p:sp>
-    </p:spTree>
-  </p:cSld>
-  <p:clrMapOvr>
-    <a:masterClrMapping/>
-  </p:clrMapOvr>
-  <p:timing>
-    <p:tnLst>
-      <p:par>
-        <p:cTn id="1" dur="indefinite" restart="never" nodeType="tmRoot">
-          <p:childTnLst>
-            <p:seq>
-              <p:cTn id="2" nodeType="mainSeq"/>
-              <p:prevCondLst>
-                <p:cond evt="onPrev" delay="0">
-                  <p:tgtEl>
-                    <p:sldTgt/>
-                  </p:tgtEl>
-                </p:cond>
-              </p:prevCondLst>
-              <p:nextCondLst>
-                <p:cond evt="onNext" delay="0">
-                  <p:tgtEl>
-                    <p:sldTgt/>
-                  </p:tgtEl>
-                </p:cond>
-              </p:nextCondLst>
-            </p:seq>
-          </p:childTnLst>
-        </p:cTn>
-      </p:par>
-    </p:tnLst>
-  </p:timing>
-</p:sld>
-</file>
-
-<file path=ppt/slides/slide7.xml><?xml version="1.0" encoding="utf-8"?>
-<p:sld xmlns:a="http://schemas.openxmlformats.org/drawingml/2006/main" xmlns:r="http://schemas.openxmlformats.org/officeDocument/2006/relationships" xmlns:p="http://schemas.openxmlformats.org/presentationml/2006/main">
-  <p:cSld>
-    <p:spTree>
-      <p:nvGrpSpPr>
-        <p:cNvPr id="1" name=""/>
-        <p:cNvGrpSpPr/>
-        <p:nvPr/>
-      </p:nvGrpSpPr>
-      <p:grpSpPr>
-        <a:xfrm>
-          <a:off x="0" y="0"/>
-          <a:ext cx="0" cy="0"/>
-          <a:chOff x="0" y="0"/>
-          <a:chExt cx="0" cy="0"/>
-        </a:xfrm>
-      </p:grpSpPr>
-      <p:sp>
-        <p:nvSpPr>
-          <p:cNvPr id="177" name="CustomShape 1"/>
-          <p:cNvSpPr/>
-          <p:nvPr/>
-        </p:nvSpPr>
-        <p:spPr>
-          <a:xfrm>
-            <a:off x="217800" y="-18720"/>
-            <a:ext cx="10513440" cy="1323360"/>
-          </a:xfrm>
-          <a:prstGeom prst="rect">
-            <a:avLst/>
-          </a:prstGeom>
-          <a:noFill/>
-          <a:ln>
-            <a:noFill/>
-          </a:ln>
-        </p:spPr>
-        <p:style>
-          <a:lnRef idx="0">
-            <a:scrgbClr r="0" g="0" b="0"/>
-          </a:lnRef>
-          <a:fillRef idx="0">
-            <a:scrgbClr r="0" g="0" b="0"/>
-          </a:fillRef>
-          <a:effectRef idx="0">
-            <a:scrgbClr r="0" g="0" b="0"/>
-          </a:effectRef>
-          <a:fontRef idx="minor"/>
-        </p:style>
-        <p:txBody>
-          <a:bodyPr lIns="90000" tIns="45000" rIns="90000" bIns="45000" anchor="ctr"/>
-          <a:lstStyle/>
-          <a:p>
-            <a:pPr>
-              <a:lnSpc>
-                <a:spcPct val="100000"/>
-              </a:lnSpc>
-            </a:pPr>
-            <a:r>
-              <a:rPr lang="pt-BR" sz="3200" b="0" strike="noStrike" spc="-1" dirty="0" smtClean="0">
-                <a:solidFill>
-                  <a:srgbClr val="A6A6A6"/>
-                </a:solidFill>
-                <a:uFill>
-                  <a:solidFill>
-                    <a:srgbClr val="FFFFFF"/>
-                  </a:solidFill>
-                </a:uFill>
-                <a:latin typeface="EDP Preon"/>
-                <a:ea typeface="DejaVu Sans"/>
-              </a:rPr>
-              <a:t>Arquitetura</a:t>
-            </a:r>
-            <a:endParaRPr lang="pt-BR" sz="1800" b="0" strike="noStrike" spc="-1" dirty="0">
-              <a:solidFill>
-                <a:srgbClr val="000000"/>
-              </a:solidFill>
-              <a:uFill>
-                <a:solidFill>
-                  <a:srgbClr val="FFFFFF"/>
-                </a:solidFill>
-              </a:uFill>
-              <a:latin typeface="Arial"/>
-            </a:endParaRPr>
-          </a:p>
-        </p:txBody>
-      </p:sp>
-      <p:pic>
-        <p:nvPicPr>
-          <p:cNvPr id="5" name="Imagem 4"/>
-          <p:cNvPicPr>
-            <a:picLocks noChangeAspect="1"/>
-          </p:cNvPicPr>
-          <p:nvPr/>
-        </p:nvPicPr>
-        <p:blipFill>
-          <a:blip r:embed="rId2">
-            <a:extLst>
-              <a:ext uri="{28A0092B-C50C-407E-A947-70E740481C1C}">
-                <a14:useLocalDpi xmlns:a14="http://schemas.microsoft.com/office/drawing/2010/main" val="0"/>
-              </a:ext>
-            </a:extLst>
-          </a:blip>
-          <a:stretch>
-            <a:fillRect/>
-          </a:stretch>
-        </p:blipFill>
-        <p:spPr>
-          <a:xfrm>
-            <a:off x="1271587" y="2045543"/>
-            <a:ext cx="9648825" cy="4695825"/>
-          </a:xfrm>
-          <a:prstGeom prst="rect">
-            <a:avLst/>
-          </a:prstGeom>
-        </p:spPr>
-      </p:pic>
-    </p:spTree>
-  </p:cSld>
-  <p:clrMapOvr>
-    <a:masterClrMapping/>
-  </p:clrMapOvr>
-  <p:timing>
-    <p:tnLst>
-      <p:par>
-        <p:cTn id="1" dur="indefinite" restart="never" nodeType="tmRoot">
-          <p:childTnLst>
-            <p:seq>
-              <p:cTn id="2" nodeType="mainSeq"/>
-              <p:prevCondLst>
-                <p:cond evt="onPrev" delay="0">
-                  <p:tgtEl>
-                    <p:sldTgt/>
-                  </p:tgtEl>
-                </p:cond>
-              </p:prevCondLst>
-              <p:nextCondLst>
-                <p:cond evt="onNext" delay="0">
-                  <p:tgtEl>
-                    <p:sldTgt/>
-                  </p:tgtEl>
-                </p:cond>
-              </p:nextCondLst>
-            </p:seq>
-          </p:childTnLst>
-        </p:cTn>
-      </p:par>
-    </p:tnLst>
-  </p:timing>
-</p:sld>
-</file>
-
-<file path=ppt/slides/slide8.xml><?xml version="1.0" encoding="utf-8"?>
-<p:sld xmlns:a="http://schemas.openxmlformats.org/drawingml/2006/main" xmlns:r="http://schemas.openxmlformats.org/officeDocument/2006/relationships" xmlns:p="http://schemas.openxmlformats.org/presentationml/2006/main">
-  <p:cSld>
-    <p:spTree>
-      <p:nvGrpSpPr>
-        <p:cNvPr id="1" name=""/>
-        <p:cNvGrpSpPr/>
-        <p:nvPr/>
-      </p:nvGrpSpPr>
-      <p:grpSpPr>
-        <a:xfrm>
-          <a:off x="0" y="0"/>
-          <a:ext cx="0" cy="0"/>
-          <a:chOff x="0" y="0"/>
-          <a:chExt cx="0" cy="0"/>
-        </a:xfrm>
-      </p:grpSpPr>
-      <p:sp>
-        <p:nvSpPr>
-          <p:cNvPr id="180" name="CustomShape 1"/>
-          <p:cNvSpPr/>
-          <p:nvPr/>
-        </p:nvSpPr>
-        <p:spPr>
-          <a:xfrm>
-            <a:off x="217800" y="-18720"/>
-            <a:ext cx="10513440" cy="1323360"/>
-          </a:xfrm>
-          <a:prstGeom prst="rect">
-            <a:avLst/>
-          </a:prstGeom>
-          <a:noFill/>
-          <a:ln>
-            <a:noFill/>
-          </a:ln>
-        </p:spPr>
-        <p:style>
-          <a:lnRef idx="0">
-            <a:scrgbClr r="0" g="0" b="0"/>
-          </a:lnRef>
-          <a:fillRef idx="0">
-            <a:scrgbClr r="0" g="0" b="0"/>
-          </a:fillRef>
-          <a:effectRef idx="0">
-            <a:scrgbClr r="0" g="0" b="0"/>
-          </a:effectRef>
-          <a:fontRef idx="minor"/>
-        </p:style>
-        <p:txBody>
-          <a:bodyPr lIns="90000" tIns="45000" rIns="90000" bIns="45000" anchor="ctr"/>
-          <a:lstStyle/>
-          <a:p>
-            <a:pPr>
-              <a:lnSpc>
-                <a:spcPct val="100000"/>
-              </a:lnSpc>
-            </a:pPr>
-            <a:r>
-              <a:rPr lang="pt-BR" sz="3200" b="0" strike="noStrike" spc="-1" dirty="0" smtClean="0">
-                <a:solidFill>
-                  <a:srgbClr val="A6A6A6"/>
-                </a:solidFill>
-                <a:uFill>
-                  <a:solidFill>
-                    <a:srgbClr val="FFFFFF"/>
-                  </a:solidFill>
-                </a:uFill>
-                <a:latin typeface="EDP Preon"/>
-                <a:ea typeface="DejaVu Sans"/>
-              </a:rPr>
-              <a:t>Snapshot e </a:t>
-            </a:r>
-            <a:r>
-              <a:rPr lang="pt-BR" sz="3200" b="0" strike="noStrike" spc="-1" dirty="0" err="1" smtClean="0">
-                <a:solidFill>
-                  <a:srgbClr val="A6A6A6"/>
-                </a:solidFill>
-                <a:uFill>
-                  <a:solidFill>
-                    <a:srgbClr val="FFFFFF"/>
-                  </a:solidFill>
-                </a:uFill>
-                <a:latin typeface="EDP Preon"/>
-                <a:ea typeface="DejaVu Sans"/>
-              </a:rPr>
-              <a:t>Branch</a:t>
-            </a:r>
-            <a:endParaRPr lang="pt-BR" sz="1800" b="0" strike="noStrike" spc="-1" dirty="0">
-              <a:solidFill>
-                <a:srgbClr val="000000"/>
-              </a:solidFill>
-              <a:uFill>
-                <a:solidFill>
-                  <a:srgbClr val="FFFFFF"/>
-                </a:solidFill>
-              </a:uFill>
-              <a:latin typeface="Arial"/>
-            </a:endParaRPr>
-          </a:p>
-        </p:txBody>
-      </p:sp>
-      <p:pic>
-        <p:nvPicPr>
-          <p:cNvPr id="2" name="Imagem 1"/>
-          <p:cNvPicPr>
-            <a:picLocks noChangeAspect="1"/>
-          </p:cNvPicPr>
-          <p:nvPr/>
-        </p:nvPicPr>
-        <p:blipFill>
-          <a:blip r:embed="rId2">
-            <a:extLst>
-              <a:ext uri="{28A0092B-C50C-407E-A947-70E740481C1C}">
-                <a14:useLocalDpi xmlns:a14="http://schemas.microsoft.com/office/drawing/2010/main" val="0"/>
-              </a:ext>
-            </a:extLst>
-          </a:blip>
-          <a:stretch>
-            <a:fillRect/>
-          </a:stretch>
-        </p:blipFill>
-        <p:spPr>
-          <a:xfrm>
-            <a:off x="1196652" y="2068785"/>
-            <a:ext cx="9867900" cy="4600575"/>
-          </a:xfrm>
-          <a:prstGeom prst="rect">
-            <a:avLst/>
-          </a:prstGeom>
-        </p:spPr>
-      </p:pic>
     </p:spTree>
   </p:cSld>
   <p:clrMapOvr>
@@ -9289,7 +9535,7 @@
       </p:grpSpPr>
       <p:sp>
         <p:nvSpPr>
-          <p:cNvPr id="183" name="CustomShape 1"/>
+          <p:cNvPr id="177" name="CustomShape 1"/>
           <p:cNvSpPr/>
           <p:nvPr/>
         </p:nvSpPr>
@@ -9340,7 +9586,7 @@
                 <a:latin typeface="EDP Preon"/>
                 <a:ea typeface="DejaVu Sans"/>
               </a:rPr>
-              <a:t>Merge</a:t>
+              <a:t>Arquitetura</a:t>
             </a:r>
             <a:endParaRPr lang="pt-BR" sz="1800" b="0" strike="noStrike" spc="-1" dirty="0">
               <a:solidFill>
@@ -9358,7 +9604,7 @@
       </p:sp>
       <p:pic>
         <p:nvPicPr>
-          <p:cNvPr id="2" name="Imagem 1"/>
+          <p:cNvPr id="5" name="Imagem 4"/>
           <p:cNvPicPr>
             <a:picLocks noChangeAspect="1"/>
           </p:cNvPicPr>
@@ -9378,8 +9624,8 @@
         </p:blipFill>
         <p:spPr>
           <a:xfrm>
-            <a:off x="2286000" y="1700808"/>
-            <a:ext cx="7620000" cy="4362450"/>
+            <a:off x="1271587" y="2045543"/>
+            <a:ext cx="9648825" cy="4695825"/>
           </a:xfrm>
           <a:prstGeom prst="rect">
             <a:avLst/>

--- a/git.pptx
+++ b/git.pptx
@@ -5,7 +5,7 @@
     <p:sldMasterId id="2147483648" r:id="rId1"/>
   </p:sldMasterIdLst>
   <p:notesMasterIdLst>
-    <p:notesMasterId r:id="rId21"/>
+    <p:notesMasterId r:id="rId22"/>
   </p:notesMasterIdLst>
   <p:sldIdLst>
     <p:sldId id="256" r:id="rId2"/>
@@ -14,19 +14,20 @@
     <p:sldId id="269" r:id="rId5"/>
     <p:sldId id="276" r:id="rId6"/>
     <p:sldId id="277" r:id="rId7"/>
-    <p:sldId id="261" r:id="rId8"/>
-    <p:sldId id="262" r:id="rId9"/>
-    <p:sldId id="263" r:id="rId10"/>
-    <p:sldId id="264" r:id="rId11"/>
-    <p:sldId id="265" r:id="rId12"/>
-    <p:sldId id="270" r:id="rId13"/>
-    <p:sldId id="266" r:id="rId14"/>
-    <p:sldId id="271" r:id="rId15"/>
-    <p:sldId id="272" r:id="rId16"/>
-    <p:sldId id="273" r:id="rId17"/>
-    <p:sldId id="274" r:id="rId18"/>
-    <p:sldId id="275" r:id="rId19"/>
-    <p:sldId id="267" r:id="rId20"/>
+    <p:sldId id="278" r:id="rId8"/>
+    <p:sldId id="261" r:id="rId9"/>
+    <p:sldId id="262" r:id="rId10"/>
+    <p:sldId id="263" r:id="rId11"/>
+    <p:sldId id="264" r:id="rId12"/>
+    <p:sldId id="265" r:id="rId13"/>
+    <p:sldId id="270" r:id="rId14"/>
+    <p:sldId id="266" r:id="rId15"/>
+    <p:sldId id="271" r:id="rId16"/>
+    <p:sldId id="272" r:id="rId17"/>
+    <p:sldId id="273" r:id="rId18"/>
+    <p:sldId id="274" r:id="rId19"/>
+    <p:sldId id="275" r:id="rId20"/>
+    <p:sldId id="267" r:id="rId21"/>
   </p:sldIdLst>
   <p:sldSz cx="12192000" cy="6858000"/>
   <p:notesSz cx="7559675" cy="10691813"/>
@@ -226,7 +227,7 @@
           <a:p>
             <a:fld id="{89E744D0-4B69-4805-8E5B-2ED33711F7F9}" type="datetimeFigureOut">
               <a:rPr lang="pt-BR" smtClean="0"/>
-              <a:t>30/10/2019</a:t>
+              <a:t>04/11/2019</a:t>
             </a:fld>
             <a:endParaRPr lang="pt-BR"/>
           </a:p>
@@ -643,7 +644,7 @@
           <a:p>
             <a:fld id="{D986AB5F-DE36-496E-8AB9-DFE6C126C4FD}" type="slidenum">
               <a:rPr lang="pt-BR" smtClean="0"/>
-              <a:t>14</a:t>
+              <a:t>15</a:t>
             </a:fld>
             <a:endParaRPr lang="pt-BR"/>
           </a:p>
@@ -727,7 +728,7 @@
           <a:p>
             <a:fld id="{D986AB5F-DE36-496E-8AB9-DFE6C126C4FD}" type="slidenum">
               <a:rPr lang="pt-BR" smtClean="0"/>
-              <a:t>15</a:t>
+              <a:t>16</a:t>
             </a:fld>
             <a:endParaRPr lang="pt-BR"/>
           </a:p>
@@ -811,7 +812,7 @@
           <a:p>
             <a:fld id="{D986AB5F-DE36-496E-8AB9-DFE6C126C4FD}" type="slidenum">
               <a:rPr lang="pt-BR" smtClean="0"/>
-              <a:t>16</a:t>
+              <a:t>17</a:t>
             </a:fld>
             <a:endParaRPr lang="pt-BR"/>
           </a:p>
@@ -895,7 +896,7 @@
           <a:p>
             <a:fld id="{D986AB5F-DE36-496E-8AB9-DFE6C126C4FD}" type="slidenum">
               <a:rPr lang="pt-BR" smtClean="0"/>
-              <a:t>17</a:t>
+              <a:t>18</a:t>
             </a:fld>
             <a:endParaRPr lang="pt-BR"/>
           </a:p>
@@ -979,7 +980,7 @@
           <a:p>
             <a:fld id="{D986AB5F-DE36-496E-8AB9-DFE6C126C4FD}" type="slidenum">
               <a:rPr lang="pt-BR" smtClean="0"/>
-              <a:t>18</a:t>
+              <a:t>19</a:t>
             </a:fld>
             <a:endParaRPr lang="pt-BR"/>
           </a:p>
@@ -3084,6 +3085,157 @@
       </p:grpSpPr>
       <p:sp>
         <p:nvSpPr>
+          <p:cNvPr id="177" name="CustomShape 1"/>
+          <p:cNvSpPr/>
+          <p:nvPr/>
+        </p:nvSpPr>
+        <p:spPr>
+          <a:xfrm>
+            <a:off x="217800" y="-18720"/>
+            <a:ext cx="10513440" cy="1323360"/>
+          </a:xfrm>
+          <a:prstGeom prst="rect">
+            <a:avLst/>
+          </a:prstGeom>
+          <a:noFill/>
+          <a:ln>
+            <a:noFill/>
+          </a:ln>
+        </p:spPr>
+        <p:style>
+          <a:lnRef idx="0">
+            <a:scrgbClr r="0" g="0" b="0"/>
+          </a:lnRef>
+          <a:fillRef idx="0">
+            <a:scrgbClr r="0" g="0" b="0"/>
+          </a:fillRef>
+          <a:effectRef idx="0">
+            <a:scrgbClr r="0" g="0" b="0"/>
+          </a:effectRef>
+          <a:fontRef idx="minor"/>
+        </p:style>
+        <p:txBody>
+          <a:bodyPr lIns="90000" tIns="45000" rIns="90000" bIns="45000" anchor="ctr"/>
+          <a:lstStyle/>
+          <a:p>
+            <a:pPr>
+              <a:lnSpc>
+                <a:spcPct val="100000"/>
+              </a:lnSpc>
+            </a:pPr>
+            <a:r>
+              <a:rPr lang="pt-BR" sz="3200" b="0" strike="noStrike" spc="-1" dirty="0" smtClean="0">
+                <a:solidFill>
+                  <a:srgbClr val="A6A6A6"/>
+                </a:solidFill>
+                <a:uFill>
+                  <a:solidFill>
+                    <a:srgbClr val="FFFFFF"/>
+                  </a:solidFill>
+                </a:uFill>
+                <a:latin typeface="EDP Preon"/>
+                <a:ea typeface="DejaVu Sans"/>
+              </a:rPr>
+              <a:t>Arquitetura</a:t>
+            </a:r>
+            <a:endParaRPr lang="pt-BR" sz="1800" b="0" strike="noStrike" spc="-1" dirty="0">
+              <a:solidFill>
+                <a:srgbClr val="000000"/>
+              </a:solidFill>
+              <a:uFill>
+                <a:solidFill>
+                  <a:srgbClr val="FFFFFF"/>
+                </a:solidFill>
+              </a:uFill>
+              <a:latin typeface="Arial"/>
+            </a:endParaRPr>
+          </a:p>
+        </p:txBody>
+      </p:sp>
+      <p:pic>
+        <p:nvPicPr>
+          <p:cNvPr id="5" name="Imagem 4"/>
+          <p:cNvPicPr>
+            <a:picLocks noChangeAspect="1"/>
+          </p:cNvPicPr>
+          <p:nvPr/>
+        </p:nvPicPr>
+        <p:blipFill>
+          <a:blip r:embed="rId2">
+            <a:extLst>
+              <a:ext uri="{28A0092B-C50C-407E-A947-70E740481C1C}">
+                <a14:useLocalDpi xmlns:a14="http://schemas.microsoft.com/office/drawing/2010/main" val="0"/>
+              </a:ext>
+            </a:extLst>
+          </a:blip>
+          <a:stretch>
+            <a:fillRect/>
+          </a:stretch>
+        </p:blipFill>
+        <p:spPr>
+          <a:xfrm>
+            <a:off x="1271587" y="2045543"/>
+            <a:ext cx="9648825" cy="4695825"/>
+          </a:xfrm>
+          <a:prstGeom prst="rect">
+            <a:avLst/>
+          </a:prstGeom>
+        </p:spPr>
+      </p:pic>
+    </p:spTree>
+  </p:cSld>
+  <p:clrMapOvr>
+    <a:masterClrMapping/>
+  </p:clrMapOvr>
+  <p:timing>
+    <p:tnLst>
+      <p:par>
+        <p:cTn id="1" dur="indefinite" restart="never" nodeType="tmRoot">
+          <p:childTnLst>
+            <p:seq>
+              <p:cTn id="2" nodeType="mainSeq"/>
+              <p:prevCondLst>
+                <p:cond evt="onPrev" delay="0">
+                  <p:tgtEl>
+                    <p:sldTgt/>
+                  </p:tgtEl>
+                </p:cond>
+              </p:prevCondLst>
+              <p:nextCondLst>
+                <p:cond evt="onNext" delay="0">
+                  <p:tgtEl>
+                    <p:sldTgt/>
+                  </p:tgtEl>
+                </p:cond>
+              </p:nextCondLst>
+            </p:seq>
+          </p:childTnLst>
+        </p:cTn>
+      </p:par>
+    </p:tnLst>
+  </p:timing>
+</p:sld>
+</file>
+
+<file path=ppt/slides/slide11.xml><?xml version="1.0" encoding="utf-8"?>
+<p:sld xmlns:a="http://schemas.openxmlformats.org/drawingml/2006/main" xmlns:r="http://schemas.openxmlformats.org/officeDocument/2006/relationships" xmlns:p="http://schemas.openxmlformats.org/presentationml/2006/main">
+  <p:cSld>
+    <p:spTree>
+      <p:nvGrpSpPr>
+        <p:cNvPr id="1" name=""/>
+        <p:cNvGrpSpPr/>
+        <p:nvPr/>
+      </p:nvGrpSpPr>
+      <p:grpSpPr>
+        <a:xfrm>
+          <a:off x="0" y="0"/>
+          <a:ext cx="0" cy="0"/>
+          <a:chOff x="0" y="0"/>
+          <a:chExt cx="0" cy="0"/>
+        </a:xfrm>
+      </p:grpSpPr>
+      <p:sp>
+        <p:nvSpPr>
           <p:cNvPr id="180" name="CustomShape 1"/>
           <p:cNvSpPr/>
           <p:nvPr/>
@@ -3231,7 +3383,7 @@
 </p:sld>
 </file>
 
-<file path=ppt/slides/slide11.xml><?xml version="1.0" encoding="utf-8"?>
+<file path=ppt/slides/slide12.xml><?xml version="1.0" encoding="utf-8"?>
 <p:sld xmlns:a="http://schemas.openxmlformats.org/drawingml/2006/main" xmlns:r="http://schemas.openxmlformats.org/officeDocument/2006/relationships" xmlns:p="http://schemas.openxmlformats.org/presentationml/2006/main">
   <p:cSld>
     <p:spTree>
@@ -3348,192 +3500,6 @@
         </p:spPr>
       </p:pic>
     </p:spTree>
-  </p:cSld>
-  <p:clrMapOvr>
-    <a:masterClrMapping/>
-  </p:clrMapOvr>
-  <p:timing>
-    <p:tnLst>
-      <p:par>
-        <p:cTn id="1" dur="indefinite" restart="never" nodeType="tmRoot">
-          <p:childTnLst>
-            <p:seq>
-              <p:cTn id="2" nodeType="mainSeq"/>
-              <p:prevCondLst>
-                <p:cond evt="onPrev" delay="0">
-                  <p:tgtEl>
-                    <p:sldTgt/>
-                  </p:tgtEl>
-                </p:cond>
-              </p:prevCondLst>
-              <p:nextCondLst>
-                <p:cond evt="onNext" delay="0">
-                  <p:tgtEl>
-                    <p:sldTgt/>
-                  </p:tgtEl>
-                </p:cond>
-              </p:nextCondLst>
-            </p:seq>
-          </p:childTnLst>
-        </p:cTn>
-      </p:par>
-    </p:tnLst>
-  </p:timing>
-</p:sld>
-</file>
-
-<file path=ppt/slides/slide12.xml><?xml version="1.0" encoding="utf-8"?>
-<p:sld xmlns:a="http://schemas.openxmlformats.org/drawingml/2006/main" xmlns:r="http://schemas.openxmlformats.org/officeDocument/2006/relationships" xmlns:p="http://schemas.openxmlformats.org/presentationml/2006/main">
-  <p:cSld>
-    <p:spTree>
-      <p:nvGrpSpPr>
-        <p:cNvPr id="1" name=""/>
-        <p:cNvGrpSpPr/>
-        <p:nvPr/>
-      </p:nvGrpSpPr>
-      <p:grpSpPr>
-        <a:xfrm>
-          <a:off x="0" y="0"/>
-          <a:ext cx="0" cy="0"/>
-          <a:chOff x="0" y="0"/>
-          <a:chExt cx="0" cy="0"/>
-        </a:xfrm>
-      </p:grpSpPr>
-      <p:sp>
-        <p:nvSpPr>
-          <p:cNvPr id="186" name="CustomShape 1"/>
-          <p:cNvSpPr/>
-          <p:nvPr/>
-        </p:nvSpPr>
-        <p:spPr>
-          <a:xfrm>
-            <a:off x="217800" y="-18720"/>
-            <a:ext cx="10513440" cy="1323360"/>
-          </a:xfrm>
-          <a:prstGeom prst="rect">
-            <a:avLst/>
-          </a:prstGeom>
-          <a:noFill/>
-          <a:ln>
-            <a:noFill/>
-          </a:ln>
-        </p:spPr>
-        <p:style>
-          <a:lnRef idx="0">
-            <a:scrgbClr r="0" g="0" b="0"/>
-          </a:lnRef>
-          <a:fillRef idx="0">
-            <a:scrgbClr r="0" g="0" b="0"/>
-          </a:fillRef>
-          <a:effectRef idx="0">
-            <a:scrgbClr r="0" g="0" b="0"/>
-          </a:effectRef>
-          <a:fontRef idx="minor"/>
-        </p:style>
-        <p:txBody>
-          <a:bodyPr lIns="90000" tIns="45000" rIns="90000" bIns="45000" anchor="ctr"/>
-          <a:lstStyle/>
-          <a:p>
-            <a:pPr>
-              <a:lnSpc>
-                <a:spcPct val="100000"/>
-              </a:lnSpc>
-            </a:pPr>
-            <a:r>
-              <a:rPr lang="pt-BR" sz="3200" b="0" strike="noStrike" spc="-1" dirty="0" err="1" smtClean="0">
-                <a:solidFill>
-                  <a:srgbClr val="A6A6A6"/>
-                </a:solidFill>
-                <a:uFill>
-                  <a:solidFill>
-                    <a:srgbClr val="FFFFFF"/>
-                  </a:solidFill>
-                </a:uFill>
-                <a:latin typeface="EDP Preon"/>
-                <a:ea typeface="DejaVu Sans"/>
-              </a:rPr>
-              <a:t>Fast</a:t>
-            </a:r>
-            <a:r>
-              <a:rPr lang="pt-BR" sz="3200" b="0" strike="noStrike" spc="-1" dirty="0" smtClean="0">
-                <a:solidFill>
-                  <a:srgbClr val="A6A6A6"/>
-                </a:solidFill>
-                <a:uFill>
-                  <a:solidFill>
-                    <a:srgbClr val="FFFFFF"/>
-                  </a:solidFill>
-                </a:uFill>
-                <a:latin typeface="EDP Preon"/>
-                <a:ea typeface="DejaVu Sans"/>
-              </a:rPr>
-              <a:t> </a:t>
-            </a:r>
-            <a:r>
-              <a:rPr lang="pt-BR" sz="3200" b="0" strike="noStrike" spc="-1" dirty="0" err="1" smtClean="0">
-                <a:solidFill>
-                  <a:srgbClr val="A6A6A6"/>
-                </a:solidFill>
-                <a:uFill>
-                  <a:solidFill>
-                    <a:srgbClr val="FFFFFF"/>
-                  </a:solidFill>
-                </a:uFill>
-                <a:latin typeface="EDP Preon"/>
-                <a:ea typeface="DejaVu Sans"/>
-              </a:rPr>
-              <a:t>forward</a:t>
-            </a:r>
-            <a:endParaRPr lang="pt-BR" sz="1800" b="0" strike="noStrike" spc="-1" dirty="0">
-              <a:solidFill>
-                <a:srgbClr val="000000"/>
-              </a:solidFill>
-              <a:uFill>
-                <a:solidFill>
-                  <a:srgbClr val="FFFFFF"/>
-                </a:solidFill>
-              </a:uFill>
-              <a:latin typeface="Arial"/>
-            </a:endParaRPr>
-          </a:p>
-        </p:txBody>
-      </p:sp>
-      <p:pic>
-        <p:nvPicPr>
-          <p:cNvPr id="5" name="Imagem 4"/>
-          <p:cNvPicPr>
-            <a:picLocks noChangeAspect="1"/>
-          </p:cNvPicPr>
-          <p:nvPr/>
-        </p:nvPicPr>
-        <p:blipFill>
-          <a:blip r:embed="rId2">
-            <a:extLst>
-              <a:ext uri="{28A0092B-C50C-407E-A947-70E740481C1C}">
-                <a14:useLocalDpi xmlns:a14="http://schemas.microsoft.com/office/drawing/2010/main" val="0"/>
-              </a:ext>
-            </a:extLst>
-          </a:blip>
-          <a:stretch>
-            <a:fillRect/>
-          </a:stretch>
-        </p:blipFill>
-        <p:spPr>
-          <a:xfrm>
-            <a:off x="3093357" y="0"/>
-            <a:ext cx="6005286" cy="6858000"/>
-          </a:xfrm>
-          <a:prstGeom prst="rect">
-            <a:avLst/>
-          </a:prstGeom>
-        </p:spPr>
-      </p:pic>
-    </p:spTree>
-    <p:extLst>
-      <p:ext uri="{BB962C8B-B14F-4D97-AF65-F5344CB8AC3E}">
-        <p14:creationId xmlns:p14="http://schemas.microsoft.com/office/powerpoint/2010/main" val="745732237"/>
-      </p:ext>
-    </p:extLst>
   </p:cSld>
   <p:clrMapOvr>
     <a:masterClrMapping/>
@@ -3626,7 +3592,7 @@
               </a:lnSpc>
             </a:pPr>
             <a:r>
-              <a:rPr lang="pt-BR" sz="3200" b="0" strike="noStrike" spc="-1" dirty="0" smtClean="0">
+              <a:rPr lang="pt-BR" sz="3200" b="0" strike="noStrike" spc="-1" dirty="0" err="1" smtClean="0">
                 <a:solidFill>
                   <a:srgbClr val="A6A6A6"/>
                 </a:solidFill>
@@ -3638,17 +3604,10 @@
                 <a:latin typeface="EDP Preon"/>
                 <a:ea typeface="DejaVu Sans"/>
               </a:rPr>
-              <a:t>Merge com ou</a:t>
-            </a:r>
-          </a:p>
-          <a:p>
-            <a:pPr>
-              <a:lnSpc>
-                <a:spcPct val="100000"/>
-              </a:lnSpc>
-            </a:pPr>
-            <a:r>
-              <a:rPr lang="pt-BR" sz="3200" spc="-1" dirty="0" smtClean="0">
+              <a:t>Fast</a:t>
+            </a:r>
+            <a:r>
+              <a:rPr lang="pt-BR" sz="3200" b="0" strike="noStrike" spc="-1" dirty="0" smtClean="0">
                 <a:solidFill>
                   <a:srgbClr val="A6A6A6"/>
                 </a:solidFill>
@@ -3658,8 +3617,24 @@
                   </a:solidFill>
                 </a:uFill>
                 <a:latin typeface="EDP Preon"/>
-              </a:rPr>
-              <a:t>sem conflito</a:t>
+                <a:ea typeface="DejaVu Sans"/>
+              </a:rPr>
+              <a:t> </a:t>
+            </a:r>
+            <a:r>
+              <a:rPr lang="pt-BR" sz="3200" b="0" strike="noStrike" spc="-1" dirty="0" err="1" smtClean="0">
+                <a:solidFill>
+                  <a:srgbClr val="A6A6A6"/>
+                </a:solidFill>
+                <a:uFill>
+                  <a:solidFill>
+                    <a:srgbClr val="FFFFFF"/>
+                  </a:solidFill>
+                </a:uFill>
+                <a:latin typeface="EDP Preon"/>
+                <a:ea typeface="DejaVu Sans"/>
+              </a:rPr>
+              <a:t>forward</a:t>
             </a:r>
             <a:endParaRPr lang="pt-BR" sz="1800" b="0" strike="noStrike" spc="-1" dirty="0">
               <a:solidFill>
@@ -3677,7 +3652,7 @@
       </p:sp>
       <p:pic>
         <p:nvPicPr>
-          <p:cNvPr id="2" name="Imagem 1"/>
+          <p:cNvPr id="5" name="Imagem 4"/>
           <p:cNvPicPr>
             <a:picLocks noChangeAspect="1"/>
           </p:cNvPicPr>
@@ -3697,8 +3672,8 @@
         </p:blipFill>
         <p:spPr>
           <a:xfrm>
-            <a:off x="3258359" y="0"/>
-            <a:ext cx="5675282" cy="6858000"/>
+            <a:off x="3093357" y="0"/>
+            <a:ext cx="6005286" cy="6858000"/>
           </a:xfrm>
           <a:prstGeom prst="rect">
             <a:avLst/>
@@ -3706,6 +3681,11 @@
         </p:spPr>
       </p:pic>
     </p:spTree>
+    <p:extLst>
+      <p:ext uri="{BB962C8B-B14F-4D97-AF65-F5344CB8AC3E}">
+        <p14:creationId xmlns:p14="http://schemas.microsoft.com/office/powerpoint/2010/main" val="745732237"/>
+      </p:ext>
+    </p:extLst>
   </p:cSld>
   <p:clrMapOvr>
     <a:masterClrMapping/>
@@ -3810,8 +3790,15 @@
                 <a:latin typeface="EDP Preon"/>
                 <a:ea typeface="DejaVu Sans"/>
               </a:rPr>
-              <a:t>Merge </a:t>
-            </a:r>
+              <a:t>Merge com ou</a:t>
+            </a:r>
+          </a:p>
+          <a:p>
+            <a:pPr>
+              <a:lnSpc>
+                <a:spcPct val="100000"/>
+              </a:lnSpc>
+            </a:pPr>
             <a:r>
               <a:rPr lang="pt-BR" sz="3200" spc="-1" dirty="0" smtClean="0">
                 <a:solidFill>
@@ -3840,1170 +3827,37 @@
           </a:p>
         </p:txBody>
       </p:sp>
-      <p:sp>
-        <p:nvSpPr>
-          <p:cNvPr id="5" name="CustomShape 2"/>
-          <p:cNvSpPr/>
+      <p:pic>
+        <p:nvPicPr>
+          <p:cNvPr id="2" name="Imagem 1"/>
+          <p:cNvPicPr>
+            <a:picLocks noChangeAspect="1"/>
+          </p:cNvPicPr>
           <p:nvPr/>
-        </p:nvSpPr>
+        </p:nvPicPr>
+        <p:blipFill>
+          <a:blip r:embed="rId2">
+            <a:extLst>
+              <a:ext uri="{28A0092B-C50C-407E-A947-70E740481C1C}">
+                <a14:useLocalDpi xmlns:a14="http://schemas.microsoft.com/office/drawing/2010/main" val="0"/>
+              </a:ext>
+            </a:extLst>
+          </a:blip>
+          <a:stretch>
+            <a:fillRect/>
+          </a:stretch>
+        </p:blipFill>
         <p:spPr>
           <a:xfrm>
-            <a:off x="334800" y="2146320"/>
-            <a:ext cx="2016784" cy="2578824"/>
+            <a:off x="3258359" y="0"/>
+            <a:ext cx="5675282" cy="6858000"/>
           </a:xfrm>
           <a:prstGeom prst="rect">
             <a:avLst/>
           </a:prstGeom>
-          <a:gradFill>
-            <a:gsLst>
-              <a:gs pos="0">
-                <a:schemeClr val="accent1">
-                  <a:lumMod val="5000"/>
-                  <a:lumOff val="95000"/>
-                </a:schemeClr>
-              </a:gs>
-              <a:gs pos="74000">
-                <a:schemeClr val="accent1">
-                  <a:lumMod val="45000"/>
-                  <a:lumOff val="55000"/>
-                </a:schemeClr>
-              </a:gs>
-              <a:gs pos="83000">
-                <a:schemeClr val="accent1">
-                  <a:lumMod val="45000"/>
-                  <a:lumOff val="55000"/>
-                </a:schemeClr>
-              </a:gs>
-              <a:gs pos="100000">
-                <a:schemeClr val="accent1">
-                  <a:lumMod val="30000"/>
-                  <a:lumOff val="70000"/>
-                </a:schemeClr>
-              </a:gs>
-            </a:gsLst>
-            <a:lin ang="5400000" scaled="1"/>
-          </a:gradFill>
-          <a:ln>
-            <a:solidFill>
-              <a:schemeClr val="accent1"/>
-            </a:solidFill>
-          </a:ln>
         </p:spPr>
-        <p:style>
-          <a:lnRef idx="0">
-            <a:scrgbClr r="0" g="0" b="0"/>
-          </a:lnRef>
-          <a:fillRef idx="0">
-            <a:scrgbClr r="0" g="0" b="0"/>
-          </a:fillRef>
-          <a:effectRef idx="0">
-            <a:scrgbClr r="0" g="0" b="0"/>
-          </a:effectRef>
-          <a:fontRef idx="minor"/>
-        </p:style>
-        <p:txBody>
-          <a:bodyPr lIns="90000" tIns="45000" rIns="90000" bIns="45000"/>
-          <a:lstStyle/>
-          <a:p>
-            <a:pPr>
-              <a:lnSpc>
-                <a:spcPct val="90000"/>
-              </a:lnSpc>
-            </a:pPr>
-            <a:endParaRPr lang="pt-BR" sz="1800" b="0" strike="noStrike" spc="-1" dirty="0">
-              <a:solidFill>
-                <a:srgbClr val="000000"/>
-              </a:solidFill>
-              <a:uFill>
-                <a:solidFill>
-                  <a:srgbClr val="FFFFFF"/>
-                </a:solidFill>
-              </a:uFill>
-              <a:latin typeface="Arial"/>
-            </a:endParaRPr>
-          </a:p>
-          <a:p>
-            <a:pPr marL="2160">
-              <a:lnSpc>
-                <a:spcPct val="90000"/>
-              </a:lnSpc>
-              <a:buClr>
-                <a:srgbClr val="808080"/>
-              </a:buClr>
-            </a:pPr>
-            <a:r>
-              <a:rPr lang="pt-BR" sz="2000" spc="-1" dirty="0" smtClean="0">
-                <a:solidFill>
-                  <a:srgbClr val="808080"/>
-                </a:solidFill>
-                <a:uFill>
-                  <a:solidFill>
-                    <a:srgbClr val="FFFFFF"/>
-                  </a:solidFill>
-                </a:uFill>
-                <a:latin typeface="EDP Preon"/>
-                <a:ea typeface="DejaVu Sans"/>
-              </a:rPr>
-              <a:t>...</a:t>
-            </a:r>
-          </a:p>
-          <a:p>
-            <a:pPr marL="2160">
-              <a:lnSpc>
-                <a:spcPct val="90000"/>
-              </a:lnSpc>
-              <a:buClr>
-                <a:srgbClr val="808080"/>
-              </a:buClr>
-            </a:pPr>
-            <a:r>
-              <a:rPr lang="pt-BR" sz="2000" b="0" strike="noStrike" spc="-1" dirty="0" smtClean="0">
-                <a:solidFill>
-                  <a:srgbClr val="808080"/>
-                </a:solidFill>
-                <a:uFill>
-                  <a:solidFill>
-                    <a:srgbClr val="FFFFFF"/>
-                  </a:solidFill>
-                </a:uFill>
-                <a:latin typeface="EDP Preon"/>
-                <a:ea typeface="DejaVu Sans"/>
-              </a:rPr>
-              <a:t>Comando A</a:t>
-            </a:r>
-          </a:p>
-          <a:p>
-            <a:pPr marL="2160">
-              <a:lnSpc>
-                <a:spcPct val="90000"/>
-              </a:lnSpc>
-              <a:buClr>
-                <a:srgbClr val="808080"/>
-              </a:buClr>
-            </a:pPr>
-            <a:r>
-              <a:rPr lang="pt-BR" sz="2000" spc="-1" dirty="0" smtClean="0">
-                <a:solidFill>
-                  <a:srgbClr val="808080"/>
-                </a:solidFill>
-                <a:uFill>
-                  <a:solidFill>
-                    <a:srgbClr val="FFFFFF"/>
-                  </a:solidFill>
-                </a:uFill>
-                <a:latin typeface="EDP Preon"/>
-              </a:rPr>
-              <a:t>Comando B</a:t>
-            </a:r>
-          </a:p>
-          <a:p>
-            <a:pPr marL="2160">
-              <a:lnSpc>
-                <a:spcPct val="90000"/>
-              </a:lnSpc>
-              <a:buClr>
-                <a:srgbClr val="808080"/>
-              </a:buClr>
-            </a:pPr>
-            <a:r>
-              <a:rPr lang="pt-BR" sz="2000" spc="-1" dirty="0" smtClean="0">
-                <a:solidFill>
-                  <a:srgbClr val="808080"/>
-                </a:solidFill>
-                <a:uFill>
-                  <a:solidFill>
-                    <a:srgbClr val="FFFFFF"/>
-                  </a:solidFill>
-                </a:uFill>
-                <a:latin typeface="EDP Preon"/>
-              </a:rPr>
-              <a:t>...</a:t>
-            </a:r>
-          </a:p>
-          <a:p>
-            <a:pPr marL="2160">
-              <a:lnSpc>
-                <a:spcPct val="90000"/>
-              </a:lnSpc>
-              <a:buClr>
-                <a:srgbClr val="808080"/>
-              </a:buClr>
-            </a:pPr>
-            <a:endParaRPr lang="pt-BR" sz="2000" b="0" strike="noStrike" spc="-1" dirty="0" smtClean="0">
-              <a:solidFill>
-                <a:srgbClr val="808080"/>
-              </a:solidFill>
-              <a:uFill>
-                <a:solidFill>
-                  <a:srgbClr val="FFFFFF"/>
-                </a:solidFill>
-              </a:uFill>
-              <a:latin typeface="EDP Preon"/>
-            </a:endParaRPr>
-          </a:p>
-          <a:p>
-            <a:pPr marL="2160" algn="ctr">
-              <a:lnSpc>
-                <a:spcPct val="90000"/>
-              </a:lnSpc>
-              <a:buClr>
-                <a:srgbClr val="808080"/>
-              </a:buClr>
-            </a:pPr>
-            <a:endParaRPr lang="pt-BR" sz="2000" b="0" strike="noStrike" spc="-1" dirty="0" smtClean="0">
-              <a:solidFill>
-                <a:srgbClr val="808080"/>
-              </a:solidFill>
-              <a:uFill>
-                <a:solidFill>
-                  <a:srgbClr val="FFFFFF"/>
-                </a:solidFill>
-              </a:uFill>
-              <a:latin typeface="EDP Preon"/>
-            </a:endParaRPr>
-          </a:p>
-          <a:p>
-            <a:pPr marL="2160" algn="ctr">
-              <a:lnSpc>
-                <a:spcPct val="90000"/>
-              </a:lnSpc>
-              <a:buClr>
-                <a:srgbClr val="808080"/>
-              </a:buClr>
-            </a:pPr>
-            <a:endParaRPr lang="pt-BR" sz="2000" spc="-1" dirty="0">
-              <a:solidFill>
-                <a:srgbClr val="808080"/>
-              </a:solidFill>
-              <a:uFill>
-                <a:solidFill>
-                  <a:srgbClr val="FFFFFF"/>
-                </a:solidFill>
-              </a:uFill>
-              <a:latin typeface="EDP Preon"/>
-            </a:endParaRPr>
-          </a:p>
-          <a:p>
-            <a:pPr marL="2160" algn="ctr">
-              <a:lnSpc>
-                <a:spcPct val="90000"/>
-              </a:lnSpc>
-              <a:buClr>
-                <a:srgbClr val="808080"/>
-              </a:buClr>
-            </a:pPr>
-            <a:r>
-              <a:rPr lang="pt-BR" sz="2000" b="0" strike="noStrike" spc="-1" dirty="0" smtClean="0">
-                <a:solidFill>
-                  <a:srgbClr val="808080"/>
-                </a:solidFill>
-                <a:uFill>
-                  <a:solidFill>
-                    <a:srgbClr val="FFFFFF"/>
-                  </a:solidFill>
-                </a:uFill>
-                <a:latin typeface="EDP Preon"/>
-              </a:rPr>
-              <a:t>(B)</a:t>
-            </a:r>
-            <a:endParaRPr lang="pt-BR" sz="1800" b="0" strike="noStrike" spc="-1" dirty="0">
-              <a:solidFill>
-                <a:srgbClr val="000000"/>
-              </a:solidFill>
-              <a:uFill>
-                <a:solidFill>
-                  <a:srgbClr val="FFFFFF"/>
-                </a:solidFill>
-              </a:uFill>
-              <a:latin typeface="Arial"/>
-            </a:endParaRPr>
-          </a:p>
-        </p:txBody>
-      </p:sp>
-      <p:sp>
-        <p:nvSpPr>
-          <p:cNvPr id="6" name="CustomShape 2"/>
-          <p:cNvSpPr/>
-          <p:nvPr/>
-        </p:nvSpPr>
-        <p:spPr>
-          <a:xfrm>
-            <a:off x="2639056" y="2132856"/>
-            <a:ext cx="2016784" cy="2578824"/>
-          </a:xfrm>
-          <a:prstGeom prst="rect">
-            <a:avLst/>
-          </a:prstGeom>
-          <a:gradFill>
-            <a:gsLst>
-              <a:gs pos="0">
-                <a:schemeClr val="accent1">
-                  <a:lumMod val="5000"/>
-                  <a:lumOff val="95000"/>
-                </a:schemeClr>
-              </a:gs>
-              <a:gs pos="74000">
-                <a:schemeClr val="accent1">
-                  <a:lumMod val="45000"/>
-                  <a:lumOff val="55000"/>
-                </a:schemeClr>
-              </a:gs>
-              <a:gs pos="83000">
-                <a:schemeClr val="accent1">
-                  <a:lumMod val="45000"/>
-                  <a:lumOff val="55000"/>
-                </a:schemeClr>
-              </a:gs>
-              <a:gs pos="100000">
-                <a:schemeClr val="accent1">
-                  <a:lumMod val="30000"/>
-                  <a:lumOff val="70000"/>
-                </a:schemeClr>
-              </a:gs>
-            </a:gsLst>
-            <a:lin ang="5400000" scaled="1"/>
-          </a:gradFill>
-          <a:ln>
-            <a:solidFill>
-              <a:schemeClr val="accent1"/>
-            </a:solidFill>
-          </a:ln>
-        </p:spPr>
-        <p:style>
-          <a:lnRef idx="0">
-            <a:scrgbClr r="0" g="0" b="0"/>
-          </a:lnRef>
-          <a:fillRef idx="0">
-            <a:scrgbClr r="0" g="0" b="0"/>
-          </a:fillRef>
-          <a:effectRef idx="0">
-            <a:scrgbClr r="0" g="0" b="0"/>
-          </a:effectRef>
-          <a:fontRef idx="minor"/>
-        </p:style>
-        <p:txBody>
-          <a:bodyPr lIns="90000" tIns="45000" rIns="90000" bIns="45000"/>
-          <a:lstStyle/>
-          <a:p>
-            <a:pPr>
-              <a:lnSpc>
-                <a:spcPct val="90000"/>
-              </a:lnSpc>
-            </a:pPr>
-            <a:endParaRPr lang="pt-BR" sz="1800" b="0" strike="noStrike" spc="-1" dirty="0">
-              <a:solidFill>
-                <a:srgbClr val="000000"/>
-              </a:solidFill>
-              <a:uFill>
-                <a:solidFill>
-                  <a:srgbClr val="FFFFFF"/>
-                </a:solidFill>
-              </a:uFill>
-              <a:latin typeface="Arial"/>
-            </a:endParaRPr>
-          </a:p>
-          <a:p>
-            <a:pPr marL="2160">
-              <a:lnSpc>
-                <a:spcPct val="90000"/>
-              </a:lnSpc>
-              <a:buClr>
-                <a:srgbClr val="808080"/>
-              </a:buClr>
-            </a:pPr>
-            <a:r>
-              <a:rPr lang="pt-BR" sz="2000" spc="-1" dirty="0" smtClean="0">
-                <a:solidFill>
-                  <a:srgbClr val="808080"/>
-                </a:solidFill>
-                <a:uFill>
-                  <a:solidFill>
-                    <a:srgbClr val="FFFFFF"/>
-                  </a:solidFill>
-                </a:uFill>
-                <a:latin typeface="EDP Preon"/>
-                <a:ea typeface="DejaVu Sans"/>
-              </a:rPr>
-              <a:t>...</a:t>
-            </a:r>
-          </a:p>
-          <a:p>
-            <a:pPr marL="2160">
-              <a:lnSpc>
-                <a:spcPct val="90000"/>
-              </a:lnSpc>
-              <a:buClr>
-                <a:srgbClr val="808080"/>
-              </a:buClr>
-            </a:pPr>
-            <a:r>
-              <a:rPr lang="pt-BR" sz="2000" b="0" strike="noStrike" spc="-1" dirty="0" smtClean="0">
-                <a:solidFill>
-                  <a:srgbClr val="808080"/>
-                </a:solidFill>
-                <a:uFill>
-                  <a:solidFill>
-                    <a:srgbClr val="FFFFFF"/>
-                  </a:solidFill>
-                </a:uFill>
-                <a:latin typeface="EDP Preon"/>
-                <a:ea typeface="DejaVu Sans"/>
-              </a:rPr>
-              <a:t>Comando A</a:t>
-            </a:r>
-          </a:p>
-          <a:p>
-            <a:pPr marL="2160">
-              <a:lnSpc>
-                <a:spcPct val="90000"/>
-              </a:lnSpc>
-              <a:buClr>
-                <a:srgbClr val="808080"/>
-              </a:buClr>
-            </a:pPr>
-            <a:r>
-              <a:rPr lang="pt-BR" sz="2000" b="1" spc="-1" dirty="0" smtClean="0">
-                <a:solidFill>
-                  <a:srgbClr val="FF0000"/>
-                </a:solidFill>
-                <a:uFill>
-                  <a:solidFill>
-                    <a:srgbClr val="FFFFFF"/>
-                  </a:solidFill>
-                </a:uFill>
-                <a:latin typeface="EDP Preon"/>
-                <a:ea typeface="DejaVu Sans"/>
-              </a:rPr>
-              <a:t>Comando A2</a:t>
-            </a:r>
-            <a:endParaRPr lang="pt-BR" sz="2000" b="1" strike="noStrike" spc="-1" dirty="0" smtClean="0">
-              <a:solidFill>
-                <a:srgbClr val="FF0000"/>
-              </a:solidFill>
-              <a:uFill>
-                <a:solidFill>
-                  <a:srgbClr val="FFFFFF"/>
-                </a:solidFill>
-              </a:uFill>
-              <a:latin typeface="EDP Preon"/>
-              <a:ea typeface="DejaVu Sans"/>
-            </a:endParaRPr>
-          </a:p>
-          <a:p>
-            <a:pPr marL="2160">
-              <a:lnSpc>
-                <a:spcPct val="90000"/>
-              </a:lnSpc>
-              <a:buClr>
-                <a:srgbClr val="808080"/>
-              </a:buClr>
-            </a:pPr>
-            <a:r>
-              <a:rPr lang="pt-BR" sz="2000" spc="-1" dirty="0" smtClean="0">
-                <a:solidFill>
-                  <a:srgbClr val="808080"/>
-                </a:solidFill>
-                <a:uFill>
-                  <a:solidFill>
-                    <a:srgbClr val="FFFFFF"/>
-                  </a:solidFill>
-                </a:uFill>
-                <a:latin typeface="EDP Preon"/>
-              </a:rPr>
-              <a:t>Comando B</a:t>
-            </a:r>
-          </a:p>
-          <a:p>
-            <a:pPr marL="2160">
-              <a:lnSpc>
-                <a:spcPct val="90000"/>
-              </a:lnSpc>
-              <a:buClr>
-                <a:srgbClr val="808080"/>
-              </a:buClr>
-            </a:pPr>
-            <a:r>
-              <a:rPr lang="pt-BR" sz="2000" spc="-1" dirty="0" smtClean="0">
-                <a:solidFill>
-                  <a:srgbClr val="808080"/>
-                </a:solidFill>
-                <a:uFill>
-                  <a:solidFill>
-                    <a:srgbClr val="FFFFFF"/>
-                  </a:solidFill>
-                </a:uFill>
-                <a:latin typeface="EDP Preon"/>
-              </a:rPr>
-              <a:t>...</a:t>
-            </a:r>
-          </a:p>
-          <a:p>
-            <a:pPr marL="2160">
-              <a:lnSpc>
-                <a:spcPct val="90000"/>
-              </a:lnSpc>
-              <a:buClr>
-                <a:srgbClr val="808080"/>
-              </a:buClr>
-            </a:pPr>
-            <a:endParaRPr lang="pt-BR" sz="2000" b="0" strike="noStrike" spc="-1" dirty="0" smtClean="0">
-              <a:solidFill>
-                <a:srgbClr val="808080"/>
-              </a:solidFill>
-              <a:uFill>
-                <a:solidFill>
-                  <a:srgbClr val="FFFFFF"/>
-                </a:solidFill>
-              </a:uFill>
-              <a:latin typeface="EDP Preon"/>
-            </a:endParaRPr>
-          </a:p>
-          <a:p>
-            <a:pPr marL="2160" algn="ctr">
-              <a:lnSpc>
-                <a:spcPct val="90000"/>
-              </a:lnSpc>
-              <a:buClr>
-                <a:srgbClr val="808080"/>
-              </a:buClr>
-            </a:pPr>
-            <a:endParaRPr lang="pt-BR" sz="2000" b="0" strike="noStrike" spc="-1" dirty="0" smtClean="0">
-              <a:solidFill>
-                <a:srgbClr val="808080"/>
-              </a:solidFill>
-              <a:uFill>
-                <a:solidFill>
-                  <a:srgbClr val="FFFFFF"/>
-                </a:solidFill>
-              </a:uFill>
-              <a:latin typeface="EDP Preon"/>
-            </a:endParaRPr>
-          </a:p>
-          <a:p>
-            <a:pPr marL="2160" algn="ctr">
-              <a:lnSpc>
-                <a:spcPct val="90000"/>
-              </a:lnSpc>
-              <a:buClr>
-                <a:srgbClr val="808080"/>
-              </a:buClr>
-            </a:pPr>
-            <a:r>
-              <a:rPr lang="pt-BR" sz="2000" b="0" strike="noStrike" spc="-1" dirty="0" smtClean="0">
-                <a:solidFill>
-                  <a:srgbClr val="808080"/>
-                </a:solidFill>
-                <a:uFill>
-                  <a:solidFill>
-                    <a:srgbClr val="FFFFFF"/>
-                  </a:solidFill>
-                </a:uFill>
-                <a:latin typeface="EDP Preon"/>
-              </a:rPr>
-              <a:t>(E)</a:t>
-            </a:r>
-            <a:endParaRPr lang="pt-BR" sz="1800" b="0" strike="noStrike" spc="-1" dirty="0">
-              <a:solidFill>
-                <a:srgbClr val="000000"/>
-              </a:solidFill>
-              <a:uFill>
-                <a:solidFill>
-                  <a:srgbClr val="FFFFFF"/>
-                </a:solidFill>
-              </a:uFill>
-              <a:latin typeface="Arial"/>
-            </a:endParaRPr>
-          </a:p>
-        </p:txBody>
-      </p:sp>
-      <p:sp>
-        <p:nvSpPr>
-          <p:cNvPr id="7" name="CustomShape 2"/>
-          <p:cNvSpPr/>
-          <p:nvPr/>
-        </p:nvSpPr>
-        <p:spPr>
-          <a:xfrm>
-            <a:off x="4943312" y="2132856"/>
-            <a:ext cx="2016784" cy="2578824"/>
-          </a:xfrm>
-          <a:prstGeom prst="rect">
-            <a:avLst/>
-          </a:prstGeom>
-          <a:gradFill>
-            <a:gsLst>
-              <a:gs pos="0">
-                <a:schemeClr val="accent1">
-                  <a:lumMod val="5000"/>
-                  <a:lumOff val="95000"/>
-                </a:schemeClr>
-              </a:gs>
-              <a:gs pos="74000">
-                <a:schemeClr val="accent1">
-                  <a:lumMod val="45000"/>
-                  <a:lumOff val="55000"/>
-                </a:schemeClr>
-              </a:gs>
-              <a:gs pos="83000">
-                <a:schemeClr val="accent1">
-                  <a:lumMod val="45000"/>
-                  <a:lumOff val="55000"/>
-                </a:schemeClr>
-              </a:gs>
-              <a:gs pos="100000">
-                <a:schemeClr val="accent1">
-                  <a:lumMod val="30000"/>
-                  <a:lumOff val="70000"/>
-                </a:schemeClr>
-              </a:gs>
-            </a:gsLst>
-            <a:lin ang="5400000" scaled="1"/>
-          </a:gradFill>
-          <a:ln>
-            <a:solidFill>
-              <a:schemeClr val="accent1"/>
-            </a:solidFill>
-          </a:ln>
-        </p:spPr>
-        <p:style>
-          <a:lnRef idx="0">
-            <a:scrgbClr r="0" g="0" b="0"/>
-          </a:lnRef>
-          <a:fillRef idx="0">
-            <a:scrgbClr r="0" g="0" b="0"/>
-          </a:fillRef>
-          <a:effectRef idx="0">
-            <a:scrgbClr r="0" g="0" b="0"/>
-          </a:effectRef>
-          <a:fontRef idx="minor"/>
-        </p:style>
-        <p:txBody>
-          <a:bodyPr lIns="90000" tIns="45000" rIns="90000" bIns="45000"/>
-          <a:lstStyle/>
-          <a:p>
-            <a:pPr>
-              <a:lnSpc>
-                <a:spcPct val="90000"/>
-              </a:lnSpc>
-            </a:pPr>
-            <a:endParaRPr lang="pt-BR" sz="1800" b="0" strike="noStrike" spc="-1" dirty="0">
-              <a:solidFill>
-                <a:srgbClr val="000000"/>
-              </a:solidFill>
-              <a:uFill>
-                <a:solidFill>
-                  <a:srgbClr val="FFFFFF"/>
-                </a:solidFill>
-              </a:uFill>
-              <a:latin typeface="Arial"/>
-            </a:endParaRPr>
-          </a:p>
-          <a:p>
-            <a:pPr marL="2160">
-              <a:lnSpc>
-                <a:spcPct val="90000"/>
-              </a:lnSpc>
-              <a:buClr>
-                <a:srgbClr val="808080"/>
-              </a:buClr>
-            </a:pPr>
-            <a:r>
-              <a:rPr lang="pt-BR" sz="2000" spc="-1" dirty="0" smtClean="0">
-                <a:solidFill>
-                  <a:srgbClr val="808080"/>
-                </a:solidFill>
-                <a:uFill>
-                  <a:solidFill>
-                    <a:srgbClr val="FFFFFF"/>
-                  </a:solidFill>
-                </a:uFill>
-                <a:latin typeface="EDP Preon"/>
-                <a:ea typeface="DejaVu Sans"/>
-              </a:rPr>
-              <a:t>...</a:t>
-            </a:r>
-          </a:p>
-          <a:p>
-            <a:pPr marL="2160">
-              <a:lnSpc>
-                <a:spcPct val="90000"/>
-              </a:lnSpc>
-              <a:buClr>
-                <a:srgbClr val="808080"/>
-              </a:buClr>
-            </a:pPr>
-            <a:r>
-              <a:rPr lang="pt-BR" sz="2000" b="0" strike="noStrike" spc="-1" dirty="0" smtClean="0">
-                <a:solidFill>
-                  <a:srgbClr val="808080"/>
-                </a:solidFill>
-                <a:uFill>
-                  <a:solidFill>
-                    <a:srgbClr val="FFFFFF"/>
-                  </a:solidFill>
-                </a:uFill>
-                <a:latin typeface="EDP Preon"/>
-                <a:ea typeface="DejaVu Sans"/>
-              </a:rPr>
-              <a:t>Comando A</a:t>
-            </a:r>
-          </a:p>
-          <a:p>
-            <a:pPr marL="2160">
-              <a:lnSpc>
-                <a:spcPct val="90000"/>
-              </a:lnSpc>
-              <a:buClr>
-                <a:srgbClr val="808080"/>
-              </a:buClr>
-            </a:pPr>
-            <a:r>
-              <a:rPr lang="pt-BR" sz="2000" spc="-1" dirty="0" smtClean="0">
-                <a:solidFill>
-                  <a:srgbClr val="808080"/>
-                </a:solidFill>
-                <a:uFill>
-                  <a:solidFill>
-                    <a:srgbClr val="FFFFFF"/>
-                  </a:solidFill>
-                </a:uFill>
-                <a:latin typeface="EDP Preon"/>
-              </a:rPr>
-              <a:t>Comando B</a:t>
-            </a:r>
-          </a:p>
-          <a:p>
-            <a:pPr marL="2160">
-              <a:lnSpc>
-                <a:spcPct val="90000"/>
-              </a:lnSpc>
-              <a:buClr>
-                <a:srgbClr val="808080"/>
-              </a:buClr>
-            </a:pPr>
-            <a:r>
-              <a:rPr lang="pt-BR" sz="2000" b="1" spc="-1" dirty="0" smtClean="0">
-                <a:solidFill>
-                  <a:srgbClr val="FF0000"/>
-                </a:solidFill>
-                <a:uFill>
-                  <a:solidFill>
-                    <a:srgbClr val="FFFFFF"/>
-                  </a:solidFill>
-                </a:uFill>
-                <a:latin typeface="EDP Preon"/>
-              </a:rPr>
-              <a:t>Comando C</a:t>
-            </a:r>
-          </a:p>
-          <a:p>
-            <a:pPr marL="2160">
-              <a:lnSpc>
-                <a:spcPct val="90000"/>
-              </a:lnSpc>
-              <a:buClr>
-                <a:srgbClr val="808080"/>
-              </a:buClr>
-            </a:pPr>
-            <a:r>
-              <a:rPr lang="pt-BR" sz="2000" spc="-1" dirty="0" smtClean="0">
-                <a:solidFill>
-                  <a:srgbClr val="808080"/>
-                </a:solidFill>
-                <a:uFill>
-                  <a:solidFill>
-                    <a:srgbClr val="FFFFFF"/>
-                  </a:solidFill>
-                </a:uFill>
-                <a:latin typeface="EDP Preon"/>
-              </a:rPr>
-              <a:t>...</a:t>
-            </a:r>
-          </a:p>
-          <a:p>
-            <a:pPr marL="2160">
-              <a:lnSpc>
-                <a:spcPct val="90000"/>
-              </a:lnSpc>
-              <a:buClr>
-                <a:srgbClr val="808080"/>
-              </a:buClr>
-            </a:pPr>
-            <a:endParaRPr lang="pt-BR" sz="2000" b="0" strike="noStrike" spc="-1" dirty="0" smtClean="0">
-              <a:solidFill>
-                <a:srgbClr val="808080"/>
-              </a:solidFill>
-              <a:uFill>
-                <a:solidFill>
-                  <a:srgbClr val="FFFFFF"/>
-                </a:solidFill>
-              </a:uFill>
-              <a:latin typeface="EDP Preon"/>
-            </a:endParaRPr>
-          </a:p>
-          <a:p>
-            <a:pPr marL="2160" algn="ctr">
-              <a:lnSpc>
-                <a:spcPct val="90000"/>
-              </a:lnSpc>
-              <a:buClr>
-                <a:srgbClr val="808080"/>
-              </a:buClr>
-            </a:pPr>
-            <a:endParaRPr lang="pt-BR" sz="2000" b="0" strike="noStrike" spc="-1" dirty="0" smtClean="0">
-              <a:solidFill>
-                <a:srgbClr val="808080"/>
-              </a:solidFill>
-              <a:uFill>
-                <a:solidFill>
-                  <a:srgbClr val="FFFFFF"/>
-                </a:solidFill>
-              </a:uFill>
-              <a:latin typeface="EDP Preon"/>
-            </a:endParaRPr>
-          </a:p>
-          <a:p>
-            <a:pPr marL="2160" algn="ctr">
-              <a:lnSpc>
-                <a:spcPct val="90000"/>
-              </a:lnSpc>
-              <a:buClr>
-                <a:srgbClr val="808080"/>
-              </a:buClr>
-            </a:pPr>
-            <a:r>
-              <a:rPr lang="pt-BR" sz="2000" b="0" strike="noStrike" spc="-1" dirty="0" smtClean="0">
-                <a:solidFill>
-                  <a:srgbClr val="808080"/>
-                </a:solidFill>
-                <a:uFill>
-                  <a:solidFill>
-                    <a:srgbClr val="FFFFFF"/>
-                  </a:solidFill>
-                </a:uFill>
-                <a:latin typeface="EDP Preon"/>
-              </a:rPr>
-              <a:t>(G)</a:t>
-            </a:r>
-            <a:endParaRPr lang="pt-BR" sz="1800" b="0" strike="noStrike" spc="-1" dirty="0">
-              <a:solidFill>
-                <a:srgbClr val="000000"/>
-              </a:solidFill>
-              <a:uFill>
-                <a:solidFill>
-                  <a:srgbClr val="FFFFFF"/>
-                </a:solidFill>
-              </a:uFill>
-              <a:latin typeface="Arial"/>
-            </a:endParaRPr>
-          </a:p>
-        </p:txBody>
-      </p:sp>
-      <p:sp>
-        <p:nvSpPr>
-          <p:cNvPr id="8" name="CustomShape 2"/>
-          <p:cNvSpPr/>
-          <p:nvPr/>
-        </p:nvSpPr>
-        <p:spPr>
-          <a:xfrm>
-            <a:off x="7320136" y="2153248"/>
-            <a:ext cx="2016784" cy="2578824"/>
-          </a:xfrm>
-          <a:prstGeom prst="rect">
-            <a:avLst/>
-          </a:prstGeom>
-          <a:gradFill>
-            <a:gsLst>
-              <a:gs pos="0">
-                <a:schemeClr val="accent1">
-                  <a:lumMod val="5000"/>
-                  <a:lumOff val="95000"/>
-                </a:schemeClr>
-              </a:gs>
-              <a:gs pos="74000">
-                <a:schemeClr val="accent1">
-                  <a:lumMod val="45000"/>
-                  <a:lumOff val="55000"/>
-                </a:schemeClr>
-              </a:gs>
-              <a:gs pos="83000">
-                <a:schemeClr val="accent1">
-                  <a:lumMod val="45000"/>
-                  <a:lumOff val="55000"/>
-                </a:schemeClr>
-              </a:gs>
-              <a:gs pos="100000">
-                <a:schemeClr val="accent1">
-                  <a:lumMod val="30000"/>
-                  <a:lumOff val="70000"/>
-                </a:schemeClr>
-              </a:gs>
-            </a:gsLst>
-            <a:lin ang="5400000" scaled="1"/>
-          </a:gradFill>
-          <a:ln>
-            <a:solidFill>
-              <a:schemeClr val="accent1"/>
-            </a:solidFill>
-          </a:ln>
-        </p:spPr>
-        <p:style>
-          <a:lnRef idx="0">
-            <a:scrgbClr r="0" g="0" b="0"/>
-          </a:lnRef>
-          <a:fillRef idx="0">
-            <a:scrgbClr r="0" g="0" b="0"/>
-          </a:fillRef>
-          <a:effectRef idx="0">
-            <a:scrgbClr r="0" g="0" b="0"/>
-          </a:effectRef>
-          <a:fontRef idx="minor"/>
-        </p:style>
-        <p:txBody>
-          <a:bodyPr lIns="90000" tIns="45000" rIns="90000" bIns="45000"/>
-          <a:lstStyle/>
-          <a:p>
-            <a:pPr>
-              <a:lnSpc>
-                <a:spcPct val="90000"/>
-              </a:lnSpc>
-            </a:pPr>
-            <a:endParaRPr lang="pt-BR" sz="1800" b="0" strike="noStrike" spc="-1" dirty="0">
-              <a:solidFill>
-                <a:srgbClr val="000000"/>
-              </a:solidFill>
-              <a:uFill>
-                <a:solidFill>
-                  <a:srgbClr val="FFFFFF"/>
-                </a:solidFill>
-              </a:uFill>
-              <a:latin typeface="Arial"/>
-            </a:endParaRPr>
-          </a:p>
-          <a:p>
-            <a:pPr marL="2160">
-              <a:lnSpc>
-                <a:spcPct val="90000"/>
-              </a:lnSpc>
-              <a:buClr>
-                <a:srgbClr val="808080"/>
-              </a:buClr>
-            </a:pPr>
-            <a:r>
-              <a:rPr lang="pt-BR" sz="2000" spc="-1" dirty="0" smtClean="0">
-                <a:solidFill>
-                  <a:srgbClr val="808080"/>
-                </a:solidFill>
-                <a:uFill>
-                  <a:solidFill>
-                    <a:srgbClr val="FFFFFF"/>
-                  </a:solidFill>
-                </a:uFill>
-                <a:latin typeface="EDP Preon"/>
-                <a:ea typeface="DejaVu Sans"/>
-              </a:rPr>
-              <a:t>...</a:t>
-            </a:r>
-          </a:p>
-          <a:p>
-            <a:pPr marL="2160">
-              <a:lnSpc>
-                <a:spcPct val="90000"/>
-              </a:lnSpc>
-              <a:buClr>
-                <a:srgbClr val="808080"/>
-              </a:buClr>
-            </a:pPr>
-            <a:r>
-              <a:rPr lang="pt-BR" sz="2000" b="0" strike="noStrike" spc="-1" dirty="0" smtClean="0">
-                <a:solidFill>
-                  <a:srgbClr val="808080"/>
-                </a:solidFill>
-                <a:uFill>
-                  <a:solidFill>
-                    <a:srgbClr val="FFFFFF"/>
-                  </a:solidFill>
-                </a:uFill>
-                <a:latin typeface="EDP Preon"/>
-                <a:ea typeface="DejaVu Sans"/>
-              </a:rPr>
-              <a:t>Comando A</a:t>
-            </a:r>
-          </a:p>
-          <a:p>
-            <a:pPr marL="2160">
-              <a:lnSpc>
-                <a:spcPct val="90000"/>
-              </a:lnSpc>
-              <a:buClr>
-                <a:srgbClr val="808080"/>
-              </a:buClr>
-            </a:pPr>
-            <a:r>
-              <a:rPr lang="pt-BR" sz="2000" b="1" spc="-1" dirty="0" smtClean="0">
-                <a:solidFill>
-                  <a:srgbClr val="FF0000"/>
-                </a:solidFill>
-                <a:uFill>
-                  <a:solidFill>
-                    <a:srgbClr val="FFFFFF"/>
-                  </a:solidFill>
-                </a:uFill>
-                <a:latin typeface="EDP Preon"/>
-                <a:ea typeface="DejaVu Sans"/>
-              </a:rPr>
-              <a:t>Comando A1</a:t>
-            </a:r>
-            <a:endParaRPr lang="pt-BR" sz="2000" b="1" strike="noStrike" spc="-1" dirty="0" smtClean="0">
-              <a:solidFill>
-                <a:srgbClr val="FF0000"/>
-              </a:solidFill>
-              <a:uFill>
-                <a:solidFill>
-                  <a:srgbClr val="FFFFFF"/>
-                </a:solidFill>
-              </a:uFill>
-              <a:latin typeface="EDP Preon"/>
-              <a:ea typeface="DejaVu Sans"/>
-            </a:endParaRPr>
-          </a:p>
-          <a:p>
-            <a:pPr marL="2160">
-              <a:lnSpc>
-                <a:spcPct val="90000"/>
-              </a:lnSpc>
-              <a:buClr>
-                <a:srgbClr val="808080"/>
-              </a:buClr>
-            </a:pPr>
-            <a:r>
-              <a:rPr lang="pt-BR" sz="2000" spc="-1" dirty="0" smtClean="0">
-                <a:solidFill>
-                  <a:srgbClr val="808080"/>
-                </a:solidFill>
-                <a:uFill>
-                  <a:solidFill>
-                    <a:srgbClr val="FFFFFF"/>
-                  </a:solidFill>
-                </a:uFill>
-                <a:latin typeface="EDP Preon"/>
-              </a:rPr>
-              <a:t>Comando B</a:t>
-            </a:r>
-          </a:p>
-          <a:p>
-            <a:pPr marL="2160">
-              <a:lnSpc>
-                <a:spcPct val="90000"/>
-              </a:lnSpc>
-              <a:buClr>
-                <a:srgbClr val="808080"/>
-              </a:buClr>
-            </a:pPr>
-            <a:r>
-              <a:rPr lang="pt-BR" sz="2000" b="1" spc="-1" dirty="0" smtClean="0">
-                <a:solidFill>
-                  <a:srgbClr val="FF0000"/>
-                </a:solidFill>
-                <a:uFill>
-                  <a:solidFill>
-                    <a:srgbClr val="FFFFFF"/>
-                  </a:solidFill>
-                </a:uFill>
-                <a:latin typeface="EDP Preon"/>
-              </a:rPr>
-              <a:t>Comando C</a:t>
-            </a:r>
-          </a:p>
-          <a:p>
-            <a:pPr marL="2160">
-              <a:lnSpc>
-                <a:spcPct val="90000"/>
-              </a:lnSpc>
-              <a:buClr>
-                <a:srgbClr val="808080"/>
-              </a:buClr>
-            </a:pPr>
-            <a:r>
-              <a:rPr lang="pt-BR" sz="2000" spc="-1" dirty="0" smtClean="0">
-                <a:solidFill>
-                  <a:srgbClr val="808080"/>
-                </a:solidFill>
-                <a:uFill>
-                  <a:solidFill>
-                    <a:srgbClr val="FFFFFF"/>
-                  </a:solidFill>
-                </a:uFill>
-                <a:latin typeface="EDP Preon"/>
-              </a:rPr>
-              <a:t>...</a:t>
-            </a:r>
-          </a:p>
-          <a:p>
-            <a:pPr marL="2160">
-              <a:lnSpc>
-                <a:spcPct val="90000"/>
-              </a:lnSpc>
-              <a:buClr>
-                <a:srgbClr val="808080"/>
-              </a:buClr>
-            </a:pPr>
-            <a:endParaRPr lang="pt-BR" sz="2000" b="0" strike="noStrike" spc="-1" dirty="0" smtClean="0">
-              <a:solidFill>
-                <a:srgbClr val="808080"/>
-              </a:solidFill>
-              <a:uFill>
-                <a:solidFill>
-                  <a:srgbClr val="FFFFFF"/>
-                </a:solidFill>
-              </a:uFill>
-              <a:latin typeface="EDP Preon"/>
-            </a:endParaRPr>
-          </a:p>
-          <a:p>
-            <a:pPr marL="2160" algn="ctr">
-              <a:lnSpc>
-                <a:spcPct val="90000"/>
-              </a:lnSpc>
-              <a:buClr>
-                <a:srgbClr val="808080"/>
-              </a:buClr>
-            </a:pPr>
-            <a:r>
-              <a:rPr lang="pt-BR" sz="2000" b="0" strike="noStrike" spc="-1" dirty="0" smtClean="0">
-                <a:solidFill>
-                  <a:srgbClr val="808080"/>
-                </a:solidFill>
-                <a:uFill>
-                  <a:solidFill>
-                    <a:srgbClr val="FFFFFF"/>
-                  </a:solidFill>
-                </a:uFill>
-                <a:latin typeface="EDP Preon"/>
-              </a:rPr>
-              <a:t>(H)</a:t>
-            </a:r>
-            <a:endParaRPr lang="pt-BR" sz="1800" b="0" strike="noStrike" spc="-1" dirty="0">
-              <a:solidFill>
-                <a:srgbClr val="000000"/>
-              </a:solidFill>
-              <a:uFill>
-                <a:solidFill>
-                  <a:srgbClr val="FFFFFF"/>
-                </a:solidFill>
-              </a:uFill>
-              <a:latin typeface="Arial"/>
-            </a:endParaRPr>
-          </a:p>
-        </p:txBody>
-      </p:sp>
+      </p:pic>
     </p:spTree>
-    <p:extLst>
-      <p:ext uri="{BB962C8B-B14F-4D97-AF65-F5344CB8AC3E}">
-        <p14:creationId xmlns:p14="http://schemas.microsoft.com/office/powerpoint/2010/main" val="2923027412"/>
-      </p:ext>
-    </p:extLst>
   </p:cSld>
   <p:clrMapOvr>
     <a:masterClrMapping/>
@@ -5108,7 +3962,7 @@
                 <a:latin typeface="EDP Preon"/>
                 <a:ea typeface="DejaVu Sans"/>
               </a:rPr>
-              <a:t>Merge com</a:t>
+              <a:t>Merge </a:t>
             </a:r>
             <a:r>
               <a:rPr lang="pt-BR" sz="3200" spc="-1" dirty="0" smtClean="0">
@@ -5122,7 +3976,7 @@
                 </a:uFill>
                 <a:latin typeface="EDP Preon"/>
               </a:rPr>
-              <a:t> conflito</a:t>
+              <a:t>sem conflito</a:t>
             </a:r>
             <a:endParaRPr lang="pt-BR" sz="1800" b="0" strike="noStrike" spc="-1" dirty="0">
               <a:solidFill>
@@ -5570,9 +4424,22 @@
                   </a:solidFill>
                 </a:uFill>
                 <a:latin typeface="EDP Preon"/>
-              </a:rPr>
-              <a:t>Comando B</a:t>
-            </a:r>
+                <a:ea typeface="DejaVu Sans"/>
+              </a:rPr>
+              <a:t>Comando A2</a:t>
+            </a:r>
+            <a:endParaRPr lang="pt-BR" sz="2000" b="1" strike="noStrike" spc="-1" dirty="0" smtClean="0">
+              <a:solidFill>
+                <a:srgbClr val="FF0000"/>
+              </a:solidFill>
+              <a:uFill>
+                <a:solidFill>
+                  <a:srgbClr val="FFFFFF"/>
+                </a:solidFill>
+              </a:uFill>
+              <a:latin typeface="EDP Preon"/>
+              <a:ea typeface="DejaVu Sans"/>
+            </a:endParaRPr>
           </a:p>
           <a:p>
             <a:pPr marL="2160">
@@ -5595,7 +4462,7 @@
                 </a:uFill>
                 <a:latin typeface="EDP Preon"/>
               </a:rPr>
-              <a:t>...</a:t>
+              <a:t>Comando B</a:t>
             </a:r>
           </a:p>
           <a:p>
@@ -5607,20 +4474,23 @@
                 <a:srgbClr val="808080"/>
               </a:buClr>
             </a:pPr>
-            <a:endParaRPr lang="pt-BR" sz="2000" b="0" strike="noStrike" spc="-1" dirty="0" smtClean="0">
-              <a:solidFill>
-                <a:srgbClr val="808080"/>
-              </a:solidFill>
-              <a:uFill>
-                <a:solidFill>
-                  <a:srgbClr val="FFFFFF"/>
-                </a:solidFill>
-              </a:uFill>
-              <a:latin typeface="EDP Preon"/>
-            </a:endParaRPr>
-          </a:p>
-          <a:p>
-            <a:pPr marL="2160" algn="ctr">
+            <a:r>
+              <a:rPr lang="pt-BR" sz="2000" spc="-1" dirty="0" smtClean="0">
+                <a:solidFill>
+                  <a:srgbClr val="808080"/>
+                </a:solidFill>
+                <a:uFill>
+                  <a:solidFill>
+                    <a:srgbClr val="FFFFFF"/>
+                  </a:solidFill>
+                </a:uFill>
+                <a:latin typeface="EDP Preon"/>
+              </a:rPr>
+              <a:t>...</a:t>
+            </a:r>
+          </a:p>
+          <a:p>
+            <a:pPr marL="2160">
               <a:lnSpc>
                 <a:spcPct val="90000"/>
               </a:lnSpc>
@@ -5866,7 +4736,7 @@
             <a:r>
               <a:rPr lang="pt-BR" sz="2000" b="1" spc="-1" dirty="0" smtClean="0">
                 <a:solidFill>
-                  <a:srgbClr val="00B050"/>
+                  <a:srgbClr val="FF0000"/>
                 </a:solidFill>
                 <a:uFill>
                   <a:solidFill>
@@ -6125,7 +4995,7 @@
             <a:r>
               <a:rPr lang="pt-BR" sz="2000" b="1" spc="-1" dirty="0" smtClean="0">
                 <a:solidFill>
-                  <a:schemeClr val="accent6"/>
+                  <a:srgbClr val="FF0000"/>
                 </a:solidFill>
                 <a:uFill>
                   <a:solidFill>
@@ -6133,9 +5003,22 @@
                   </a:solidFill>
                 </a:uFill>
                 <a:latin typeface="EDP Preon"/>
-              </a:rPr>
-              <a:t>Comando B (?)</a:t>
-            </a:r>
+                <a:ea typeface="DejaVu Sans"/>
+              </a:rPr>
+              <a:t>Comando A1</a:t>
+            </a:r>
+            <a:endParaRPr lang="pt-BR" sz="2000" b="1" strike="noStrike" spc="-1" dirty="0" smtClean="0">
+              <a:solidFill>
+                <a:srgbClr val="FF0000"/>
+              </a:solidFill>
+              <a:uFill>
+                <a:solidFill>
+                  <a:srgbClr val="FFFFFF"/>
+                </a:solidFill>
+              </a:uFill>
+              <a:latin typeface="EDP Preon"/>
+              <a:ea typeface="DejaVu Sans"/>
+            </a:endParaRPr>
           </a:p>
           <a:p>
             <a:pPr marL="2160">
@@ -6147,9 +5030,33 @@
               </a:buClr>
             </a:pPr>
             <a:r>
+              <a:rPr lang="pt-BR" sz="2000" spc="-1" dirty="0" smtClean="0">
+                <a:solidFill>
+                  <a:srgbClr val="808080"/>
+                </a:solidFill>
+                <a:uFill>
+                  <a:solidFill>
+                    <a:srgbClr val="FFFFFF"/>
+                  </a:solidFill>
+                </a:uFill>
+                <a:latin typeface="EDP Preon"/>
+              </a:rPr>
+              <a:t>Comando B</a:t>
+            </a:r>
+          </a:p>
+          <a:p>
+            <a:pPr marL="2160">
+              <a:lnSpc>
+                <a:spcPct val="90000"/>
+              </a:lnSpc>
+              <a:buClr>
+                <a:srgbClr val="808080"/>
+              </a:buClr>
+            </a:pPr>
+            <a:r>
               <a:rPr lang="pt-BR" sz="2000" b="1" spc="-1" dirty="0" smtClean="0">
                 <a:solidFill>
-                  <a:srgbClr val="00B050"/>
+                  <a:srgbClr val="FF0000"/>
                 </a:solidFill>
                 <a:uFill>
                   <a:solidFill>
@@ -6207,27 +5114,6 @@
             </a:endParaRPr>
           </a:p>
           <a:p>
-            <a:pPr marL="2160">
-              <a:lnSpc>
-                <a:spcPct val="90000"/>
-              </a:lnSpc>
-              <a:buClr>
-                <a:srgbClr val="808080"/>
-              </a:buClr>
-            </a:pPr>
-            <a:endParaRPr lang="pt-BR" sz="2000" b="0" strike="noStrike" spc="-1" dirty="0" smtClean="0">
-              <a:solidFill>
-                <a:srgbClr val="808080"/>
-              </a:solidFill>
-              <a:uFill>
-                <a:solidFill>
-                  <a:srgbClr val="FFFFFF"/>
-                </a:solidFill>
-              </a:uFill>
-              <a:latin typeface="EDP Preon"/>
-            </a:endParaRPr>
-          </a:p>
-          <a:p>
             <a:pPr marL="2160" algn="ctr">
               <a:lnSpc>
                 <a:spcPct val="90000"/>
@@ -6267,7 +5153,7 @@
     </p:spTree>
     <p:extLst>
       <p:ext uri="{BB962C8B-B14F-4D97-AF65-F5344CB8AC3E}">
-        <p14:creationId xmlns:p14="http://schemas.microsoft.com/office/powerpoint/2010/main" val="3829828891"/>
+        <p14:creationId xmlns:p14="http://schemas.microsoft.com/office/powerpoint/2010/main" val="2923027412"/>
       </p:ext>
     </p:extLst>
   </p:cSld>
@@ -6362,6 +5248,1272 @@
               </a:lnSpc>
             </a:pPr>
             <a:r>
+              <a:rPr lang="pt-BR" sz="3200" b="0" strike="noStrike" spc="-1" dirty="0" smtClean="0">
+                <a:solidFill>
+                  <a:srgbClr val="A6A6A6"/>
+                </a:solidFill>
+                <a:uFill>
+                  <a:solidFill>
+                    <a:srgbClr val="FFFFFF"/>
+                  </a:solidFill>
+                </a:uFill>
+                <a:latin typeface="EDP Preon"/>
+                <a:ea typeface="DejaVu Sans"/>
+              </a:rPr>
+              <a:t>Merge com</a:t>
+            </a:r>
+            <a:r>
+              <a:rPr lang="pt-BR" sz="3200" spc="-1" dirty="0" smtClean="0">
+                <a:solidFill>
+                  <a:srgbClr val="A6A6A6"/>
+                </a:solidFill>
+                <a:uFill>
+                  <a:solidFill>
+                    <a:srgbClr val="FFFFFF"/>
+                  </a:solidFill>
+                </a:uFill>
+                <a:latin typeface="EDP Preon"/>
+              </a:rPr>
+              <a:t> conflito</a:t>
+            </a:r>
+            <a:endParaRPr lang="pt-BR" sz="1800" b="0" strike="noStrike" spc="-1" dirty="0">
+              <a:solidFill>
+                <a:srgbClr val="000000"/>
+              </a:solidFill>
+              <a:uFill>
+                <a:solidFill>
+                  <a:srgbClr val="FFFFFF"/>
+                </a:solidFill>
+              </a:uFill>
+              <a:latin typeface="Arial"/>
+            </a:endParaRPr>
+          </a:p>
+        </p:txBody>
+      </p:sp>
+      <p:sp>
+        <p:nvSpPr>
+          <p:cNvPr id="5" name="CustomShape 2"/>
+          <p:cNvSpPr/>
+          <p:nvPr/>
+        </p:nvSpPr>
+        <p:spPr>
+          <a:xfrm>
+            <a:off x="334800" y="2146320"/>
+            <a:ext cx="2016784" cy="2578824"/>
+          </a:xfrm>
+          <a:prstGeom prst="rect">
+            <a:avLst/>
+          </a:prstGeom>
+          <a:gradFill>
+            <a:gsLst>
+              <a:gs pos="0">
+                <a:schemeClr val="accent1">
+                  <a:lumMod val="5000"/>
+                  <a:lumOff val="95000"/>
+                </a:schemeClr>
+              </a:gs>
+              <a:gs pos="74000">
+                <a:schemeClr val="accent1">
+                  <a:lumMod val="45000"/>
+                  <a:lumOff val="55000"/>
+                </a:schemeClr>
+              </a:gs>
+              <a:gs pos="83000">
+                <a:schemeClr val="accent1">
+                  <a:lumMod val="45000"/>
+                  <a:lumOff val="55000"/>
+                </a:schemeClr>
+              </a:gs>
+              <a:gs pos="100000">
+                <a:schemeClr val="accent1">
+                  <a:lumMod val="30000"/>
+                  <a:lumOff val="70000"/>
+                </a:schemeClr>
+              </a:gs>
+            </a:gsLst>
+            <a:lin ang="5400000" scaled="1"/>
+          </a:gradFill>
+          <a:ln>
+            <a:solidFill>
+              <a:schemeClr val="accent1"/>
+            </a:solidFill>
+          </a:ln>
+        </p:spPr>
+        <p:style>
+          <a:lnRef idx="0">
+            <a:scrgbClr r="0" g="0" b="0"/>
+          </a:lnRef>
+          <a:fillRef idx="0">
+            <a:scrgbClr r="0" g="0" b="0"/>
+          </a:fillRef>
+          <a:effectRef idx="0">
+            <a:scrgbClr r="0" g="0" b="0"/>
+          </a:effectRef>
+          <a:fontRef idx="minor"/>
+        </p:style>
+        <p:txBody>
+          <a:bodyPr lIns="90000" tIns="45000" rIns="90000" bIns="45000"/>
+          <a:lstStyle/>
+          <a:p>
+            <a:pPr>
+              <a:lnSpc>
+                <a:spcPct val="90000"/>
+              </a:lnSpc>
+            </a:pPr>
+            <a:endParaRPr lang="pt-BR" sz="1800" b="0" strike="noStrike" spc="-1" dirty="0">
+              <a:solidFill>
+                <a:srgbClr val="000000"/>
+              </a:solidFill>
+              <a:uFill>
+                <a:solidFill>
+                  <a:srgbClr val="FFFFFF"/>
+                </a:solidFill>
+              </a:uFill>
+              <a:latin typeface="Arial"/>
+            </a:endParaRPr>
+          </a:p>
+          <a:p>
+            <a:pPr marL="2160">
+              <a:lnSpc>
+                <a:spcPct val="90000"/>
+              </a:lnSpc>
+              <a:buClr>
+                <a:srgbClr val="808080"/>
+              </a:buClr>
+            </a:pPr>
+            <a:r>
+              <a:rPr lang="pt-BR" sz="2000" spc="-1" dirty="0" smtClean="0">
+                <a:solidFill>
+                  <a:srgbClr val="808080"/>
+                </a:solidFill>
+                <a:uFill>
+                  <a:solidFill>
+                    <a:srgbClr val="FFFFFF"/>
+                  </a:solidFill>
+                </a:uFill>
+                <a:latin typeface="EDP Preon"/>
+                <a:ea typeface="DejaVu Sans"/>
+              </a:rPr>
+              <a:t>...</a:t>
+            </a:r>
+          </a:p>
+          <a:p>
+            <a:pPr marL="2160">
+              <a:lnSpc>
+                <a:spcPct val="90000"/>
+              </a:lnSpc>
+              <a:buClr>
+                <a:srgbClr val="808080"/>
+              </a:buClr>
+            </a:pPr>
+            <a:r>
+              <a:rPr lang="pt-BR" sz="2000" b="0" strike="noStrike" spc="-1" dirty="0" smtClean="0">
+                <a:solidFill>
+                  <a:srgbClr val="808080"/>
+                </a:solidFill>
+                <a:uFill>
+                  <a:solidFill>
+                    <a:srgbClr val="FFFFFF"/>
+                  </a:solidFill>
+                </a:uFill>
+                <a:latin typeface="EDP Preon"/>
+                <a:ea typeface="DejaVu Sans"/>
+              </a:rPr>
+              <a:t>Comando A</a:t>
+            </a:r>
+          </a:p>
+          <a:p>
+            <a:pPr marL="2160">
+              <a:lnSpc>
+                <a:spcPct val="90000"/>
+              </a:lnSpc>
+              <a:buClr>
+                <a:srgbClr val="808080"/>
+              </a:buClr>
+            </a:pPr>
+            <a:r>
+              <a:rPr lang="pt-BR" sz="2000" spc="-1" dirty="0" smtClean="0">
+                <a:solidFill>
+                  <a:srgbClr val="808080"/>
+                </a:solidFill>
+                <a:uFill>
+                  <a:solidFill>
+                    <a:srgbClr val="FFFFFF"/>
+                  </a:solidFill>
+                </a:uFill>
+                <a:latin typeface="EDP Preon"/>
+              </a:rPr>
+              <a:t>Comando B</a:t>
+            </a:r>
+          </a:p>
+          <a:p>
+            <a:pPr marL="2160">
+              <a:lnSpc>
+                <a:spcPct val="90000"/>
+              </a:lnSpc>
+              <a:buClr>
+                <a:srgbClr val="808080"/>
+              </a:buClr>
+            </a:pPr>
+            <a:r>
+              <a:rPr lang="pt-BR" sz="2000" spc="-1" dirty="0" smtClean="0">
+                <a:solidFill>
+                  <a:srgbClr val="808080"/>
+                </a:solidFill>
+                <a:uFill>
+                  <a:solidFill>
+                    <a:srgbClr val="FFFFFF"/>
+                  </a:solidFill>
+                </a:uFill>
+                <a:latin typeface="EDP Preon"/>
+              </a:rPr>
+              <a:t>...</a:t>
+            </a:r>
+          </a:p>
+          <a:p>
+            <a:pPr marL="2160">
+              <a:lnSpc>
+                <a:spcPct val="90000"/>
+              </a:lnSpc>
+              <a:buClr>
+                <a:srgbClr val="808080"/>
+              </a:buClr>
+            </a:pPr>
+            <a:endParaRPr lang="pt-BR" sz="2000" b="0" strike="noStrike" spc="-1" dirty="0" smtClean="0">
+              <a:solidFill>
+                <a:srgbClr val="808080"/>
+              </a:solidFill>
+              <a:uFill>
+                <a:solidFill>
+                  <a:srgbClr val="FFFFFF"/>
+                </a:solidFill>
+              </a:uFill>
+              <a:latin typeface="EDP Preon"/>
+            </a:endParaRPr>
+          </a:p>
+          <a:p>
+            <a:pPr marL="2160" algn="ctr">
+              <a:lnSpc>
+                <a:spcPct val="90000"/>
+              </a:lnSpc>
+              <a:buClr>
+                <a:srgbClr val="808080"/>
+              </a:buClr>
+            </a:pPr>
+            <a:endParaRPr lang="pt-BR" sz="2000" b="0" strike="noStrike" spc="-1" dirty="0" smtClean="0">
+              <a:solidFill>
+                <a:srgbClr val="808080"/>
+              </a:solidFill>
+              <a:uFill>
+                <a:solidFill>
+                  <a:srgbClr val="FFFFFF"/>
+                </a:solidFill>
+              </a:uFill>
+              <a:latin typeface="EDP Preon"/>
+            </a:endParaRPr>
+          </a:p>
+          <a:p>
+            <a:pPr marL="2160" algn="ctr">
+              <a:lnSpc>
+                <a:spcPct val="90000"/>
+              </a:lnSpc>
+              <a:buClr>
+                <a:srgbClr val="808080"/>
+              </a:buClr>
+            </a:pPr>
+            <a:endParaRPr lang="pt-BR" sz="2000" spc="-1" dirty="0">
+              <a:solidFill>
+                <a:srgbClr val="808080"/>
+              </a:solidFill>
+              <a:uFill>
+                <a:solidFill>
+                  <a:srgbClr val="FFFFFF"/>
+                </a:solidFill>
+              </a:uFill>
+              <a:latin typeface="EDP Preon"/>
+            </a:endParaRPr>
+          </a:p>
+          <a:p>
+            <a:pPr marL="2160" algn="ctr">
+              <a:lnSpc>
+                <a:spcPct val="90000"/>
+              </a:lnSpc>
+              <a:buClr>
+                <a:srgbClr val="808080"/>
+              </a:buClr>
+            </a:pPr>
+            <a:r>
+              <a:rPr lang="pt-BR" sz="2000" b="0" strike="noStrike" spc="-1" dirty="0" smtClean="0">
+                <a:solidFill>
+                  <a:srgbClr val="808080"/>
+                </a:solidFill>
+                <a:uFill>
+                  <a:solidFill>
+                    <a:srgbClr val="FFFFFF"/>
+                  </a:solidFill>
+                </a:uFill>
+                <a:latin typeface="EDP Preon"/>
+              </a:rPr>
+              <a:t>(B)</a:t>
+            </a:r>
+            <a:endParaRPr lang="pt-BR" sz="1800" b="0" strike="noStrike" spc="-1" dirty="0">
+              <a:solidFill>
+                <a:srgbClr val="000000"/>
+              </a:solidFill>
+              <a:uFill>
+                <a:solidFill>
+                  <a:srgbClr val="FFFFFF"/>
+                </a:solidFill>
+              </a:uFill>
+              <a:latin typeface="Arial"/>
+            </a:endParaRPr>
+          </a:p>
+        </p:txBody>
+      </p:sp>
+      <p:sp>
+        <p:nvSpPr>
+          <p:cNvPr id="6" name="CustomShape 2"/>
+          <p:cNvSpPr/>
+          <p:nvPr/>
+        </p:nvSpPr>
+        <p:spPr>
+          <a:xfrm>
+            <a:off x="2639056" y="2132856"/>
+            <a:ext cx="2016784" cy="2578824"/>
+          </a:xfrm>
+          <a:prstGeom prst="rect">
+            <a:avLst/>
+          </a:prstGeom>
+          <a:gradFill>
+            <a:gsLst>
+              <a:gs pos="0">
+                <a:schemeClr val="accent1">
+                  <a:lumMod val="5000"/>
+                  <a:lumOff val="95000"/>
+                </a:schemeClr>
+              </a:gs>
+              <a:gs pos="74000">
+                <a:schemeClr val="accent1">
+                  <a:lumMod val="45000"/>
+                  <a:lumOff val="55000"/>
+                </a:schemeClr>
+              </a:gs>
+              <a:gs pos="83000">
+                <a:schemeClr val="accent1">
+                  <a:lumMod val="45000"/>
+                  <a:lumOff val="55000"/>
+                </a:schemeClr>
+              </a:gs>
+              <a:gs pos="100000">
+                <a:schemeClr val="accent1">
+                  <a:lumMod val="30000"/>
+                  <a:lumOff val="70000"/>
+                </a:schemeClr>
+              </a:gs>
+            </a:gsLst>
+            <a:lin ang="5400000" scaled="1"/>
+          </a:gradFill>
+          <a:ln>
+            <a:solidFill>
+              <a:schemeClr val="accent1"/>
+            </a:solidFill>
+          </a:ln>
+        </p:spPr>
+        <p:style>
+          <a:lnRef idx="0">
+            <a:scrgbClr r="0" g="0" b="0"/>
+          </a:lnRef>
+          <a:fillRef idx="0">
+            <a:scrgbClr r="0" g="0" b="0"/>
+          </a:fillRef>
+          <a:effectRef idx="0">
+            <a:scrgbClr r="0" g="0" b="0"/>
+          </a:effectRef>
+          <a:fontRef idx="minor"/>
+        </p:style>
+        <p:txBody>
+          <a:bodyPr lIns="90000" tIns="45000" rIns="90000" bIns="45000"/>
+          <a:lstStyle/>
+          <a:p>
+            <a:pPr>
+              <a:lnSpc>
+                <a:spcPct val="90000"/>
+              </a:lnSpc>
+            </a:pPr>
+            <a:endParaRPr lang="pt-BR" sz="1800" b="0" strike="noStrike" spc="-1" dirty="0">
+              <a:solidFill>
+                <a:srgbClr val="000000"/>
+              </a:solidFill>
+              <a:uFill>
+                <a:solidFill>
+                  <a:srgbClr val="FFFFFF"/>
+                </a:solidFill>
+              </a:uFill>
+              <a:latin typeface="Arial"/>
+            </a:endParaRPr>
+          </a:p>
+          <a:p>
+            <a:pPr marL="2160">
+              <a:lnSpc>
+                <a:spcPct val="90000"/>
+              </a:lnSpc>
+              <a:buClr>
+                <a:srgbClr val="808080"/>
+              </a:buClr>
+            </a:pPr>
+            <a:r>
+              <a:rPr lang="pt-BR" sz="2000" spc="-1" dirty="0" smtClean="0">
+                <a:solidFill>
+                  <a:srgbClr val="808080"/>
+                </a:solidFill>
+                <a:uFill>
+                  <a:solidFill>
+                    <a:srgbClr val="FFFFFF"/>
+                  </a:solidFill>
+                </a:uFill>
+                <a:latin typeface="EDP Preon"/>
+                <a:ea typeface="DejaVu Sans"/>
+              </a:rPr>
+              <a:t>...</a:t>
+            </a:r>
+          </a:p>
+          <a:p>
+            <a:pPr marL="2160">
+              <a:lnSpc>
+                <a:spcPct val="90000"/>
+              </a:lnSpc>
+              <a:buClr>
+                <a:srgbClr val="808080"/>
+              </a:buClr>
+            </a:pPr>
+            <a:r>
+              <a:rPr lang="pt-BR" sz="2000" b="0" strike="noStrike" spc="-1" dirty="0" smtClean="0">
+                <a:solidFill>
+                  <a:srgbClr val="808080"/>
+                </a:solidFill>
+                <a:uFill>
+                  <a:solidFill>
+                    <a:srgbClr val="FFFFFF"/>
+                  </a:solidFill>
+                </a:uFill>
+                <a:latin typeface="EDP Preon"/>
+                <a:ea typeface="DejaVu Sans"/>
+              </a:rPr>
+              <a:t>Comando A</a:t>
+            </a:r>
+          </a:p>
+          <a:p>
+            <a:pPr marL="2160">
+              <a:lnSpc>
+                <a:spcPct val="90000"/>
+              </a:lnSpc>
+              <a:buClr>
+                <a:srgbClr val="808080"/>
+              </a:buClr>
+            </a:pPr>
+            <a:r>
+              <a:rPr lang="pt-BR" sz="2000" b="1" spc="-1" dirty="0" smtClean="0">
+                <a:solidFill>
+                  <a:srgbClr val="FF0000"/>
+                </a:solidFill>
+                <a:uFill>
+                  <a:solidFill>
+                    <a:srgbClr val="FFFFFF"/>
+                  </a:solidFill>
+                </a:uFill>
+                <a:latin typeface="EDP Preon"/>
+              </a:rPr>
+              <a:t>Comando B</a:t>
+            </a:r>
+          </a:p>
+          <a:p>
+            <a:pPr marL="2160">
+              <a:lnSpc>
+                <a:spcPct val="90000"/>
+              </a:lnSpc>
+              <a:buClr>
+                <a:srgbClr val="808080"/>
+              </a:buClr>
+            </a:pPr>
+            <a:r>
+              <a:rPr lang="pt-BR" sz="2000" spc="-1" dirty="0" smtClean="0">
+                <a:solidFill>
+                  <a:srgbClr val="808080"/>
+                </a:solidFill>
+                <a:uFill>
+                  <a:solidFill>
+                    <a:srgbClr val="FFFFFF"/>
+                  </a:solidFill>
+                </a:uFill>
+                <a:latin typeface="EDP Preon"/>
+              </a:rPr>
+              <a:t>...</a:t>
+            </a:r>
+          </a:p>
+          <a:p>
+            <a:pPr marL="2160">
+              <a:lnSpc>
+                <a:spcPct val="90000"/>
+              </a:lnSpc>
+              <a:buClr>
+                <a:srgbClr val="808080"/>
+              </a:buClr>
+            </a:pPr>
+            <a:endParaRPr lang="pt-BR" sz="2000" b="0" strike="noStrike" spc="-1" dirty="0" smtClean="0">
+              <a:solidFill>
+                <a:srgbClr val="808080"/>
+              </a:solidFill>
+              <a:uFill>
+                <a:solidFill>
+                  <a:srgbClr val="FFFFFF"/>
+                </a:solidFill>
+              </a:uFill>
+              <a:latin typeface="EDP Preon"/>
+            </a:endParaRPr>
+          </a:p>
+          <a:p>
+            <a:pPr marL="2160" algn="ctr">
+              <a:lnSpc>
+                <a:spcPct val="90000"/>
+              </a:lnSpc>
+              <a:buClr>
+                <a:srgbClr val="808080"/>
+              </a:buClr>
+            </a:pPr>
+            <a:endParaRPr lang="pt-BR" sz="2000" b="0" strike="noStrike" spc="-1" dirty="0" smtClean="0">
+              <a:solidFill>
+                <a:srgbClr val="808080"/>
+              </a:solidFill>
+              <a:uFill>
+                <a:solidFill>
+                  <a:srgbClr val="FFFFFF"/>
+                </a:solidFill>
+              </a:uFill>
+              <a:latin typeface="EDP Preon"/>
+            </a:endParaRPr>
+          </a:p>
+          <a:p>
+            <a:pPr marL="2160" algn="ctr">
+              <a:lnSpc>
+                <a:spcPct val="90000"/>
+              </a:lnSpc>
+              <a:buClr>
+                <a:srgbClr val="808080"/>
+              </a:buClr>
+            </a:pPr>
+            <a:endParaRPr lang="pt-BR" sz="2000" b="0" strike="noStrike" spc="-1" dirty="0" smtClean="0">
+              <a:solidFill>
+                <a:srgbClr val="808080"/>
+              </a:solidFill>
+              <a:uFill>
+                <a:solidFill>
+                  <a:srgbClr val="FFFFFF"/>
+                </a:solidFill>
+              </a:uFill>
+              <a:latin typeface="EDP Preon"/>
+            </a:endParaRPr>
+          </a:p>
+          <a:p>
+            <a:pPr marL="2160" algn="ctr">
+              <a:lnSpc>
+                <a:spcPct val="90000"/>
+              </a:lnSpc>
+              <a:buClr>
+                <a:srgbClr val="808080"/>
+              </a:buClr>
+            </a:pPr>
+            <a:r>
+              <a:rPr lang="pt-BR" sz="2000" b="0" strike="noStrike" spc="-1" dirty="0" smtClean="0">
+                <a:solidFill>
+                  <a:srgbClr val="808080"/>
+                </a:solidFill>
+                <a:uFill>
+                  <a:solidFill>
+                    <a:srgbClr val="FFFFFF"/>
+                  </a:solidFill>
+                </a:uFill>
+                <a:latin typeface="EDP Preon"/>
+              </a:rPr>
+              <a:t>(E)</a:t>
+            </a:r>
+            <a:endParaRPr lang="pt-BR" sz="1800" b="0" strike="noStrike" spc="-1" dirty="0">
+              <a:solidFill>
+                <a:srgbClr val="000000"/>
+              </a:solidFill>
+              <a:uFill>
+                <a:solidFill>
+                  <a:srgbClr val="FFFFFF"/>
+                </a:solidFill>
+              </a:uFill>
+              <a:latin typeface="Arial"/>
+            </a:endParaRPr>
+          </a:p>
+        </p:txBody>
+      </p:sp>
+      <p:sp>
+        <p:nvSpPr>
+          <p:cNvPr id="7" name="CustomShape 2"/>
+          <p:cNvSpPr/>
+          <p:nvPr/>
+        </p:nvSpPr>
+        <p:spPr>
+          <a:xfrm>
+            <a:off x="4943312" y="2132856"/>
+            <a:ext cx="2016784" cy="2578824"/>
+          </a:xfrm>
+          <a:prstGeom prst="rect">
+            <a:avLst/>
+          </a:prstGeom>
+          <a:gradFill>
+            <a:gsLst>
+              <a:gs pos="0">
+                <a:schemeClr val="accent1">
+                  <a:lumMod val="5000"/>
+                  <a:lumOff val="95000"/>
+                </a:schemeClr>
+              </a:gs>
+              <a:gs pos="74000">
+                <a:schemeClr val="accent1">
+                  <a:lumMod val="45000"/>
+                  <a:lumOff val="55000"/>
+                </a:schemeClr>
+              </a:gs>
+              <a:gs pos="83000">
+                <a:schemeClr val="accent1">
+                  <a:lumMod val="45000"/>
+                  <a:lumOff val="55000"/>
+                </a:schemeClr>
+              </a:gs>
+              <a:gs pos="100000">
+                <a:schemeClr val="accent1">
+                  <a:lumMod val="30000"/>
+                  <a:lumOff val="70000"/>
+                </a:schemeClr>
+              </a:gs>
+            </a:gsLst>
+            <a:lin ang="5400000" scaled="1"/>
+          </a:gradFill>
+          <a:ln>
+            <a:solidFill>
+              <a:schemeClr val="accent1"/>
+            </a:solidFill>
+          </a:ln>
+        </p:spPr>
+        <p:style>
+          <a:lnRef idx="0">
+            <a:scrgbClr r="0" g="0" b="0"/>
+          </a:lnRef>
+          <a:fillRef idx="0">
+            <a:scrgbClr r="0" g="0" b="0"/>
+          </a:fillRef>
+          <a:effectRef idx="0">
+            <a:scrgbClr r="0" g="0" b="0"/>
+          </a:effectRef>
+          <a:fontRef idx="minor"/>
+        </p:style>
+        <p:txBody>
+          <a:bodyPr lIns="90000" tIns="45000" rIns="90000" bIns="45000"/>
+          <a:lstStyle/>
+          <a:p>
+            <a:pPr>
+              <a:lnSpc>
+                <a:spcPct val="90000"/>
+              </a:lnSpc>
+            </a:pPr>
+            <a:endParaRPr lang="pt-BR" sz="1800" b="0" strike="noStrike" spc="-1" dirty="0">
+              <a:solidFill>
+                <a:srgbClr val="000000"/>
+              </a:solidFill>
+              <a:uFill>
+                <a:solidFill>
+                  <a:srgbClr val="FFFFFF"/>
+                </a:solidFill>
+              </a:uFill>
+              <a:latin typeface="Arial"/>
+            </a:endParaRPr>
+          </a:p>
+          <a:p>
+            <a:pPr marL="2160">
+              <a:lnSpc>
+                <a:spcPct val="90000"/>
+              </a:lnSpc>
+              <a:buClr>
+                <a:srgbClr val="808080"/>
+              </a:buClr>
+            </a:pPr>
+            <a:r>
+              <a:rPr lang="pt-BR" sz="2000" spc="-1" dirty="0" smtClean="0">
+                <a:solidFill>
+                  <a:srgbClr val="808080"/>
+                </a:solidFill>
+                <a:uFill>
+                  <a:solidFill>
+                    <a:srgbClr val="FFFFFF"/>
+                  </a:solidFill>
+                </a:uFill>
+                <a:latin typeface="EDP Preon"/>
+                <a:ea typeface="DejaVu Sans"/>
+              </a:rPr>
+              <a:t>...</a:t>
+            </a:r>
+          </a:p>
+          <a:p>
+            <a:pPr marL="2160">
+              <a:lnSpc>
+                <a:spcPct val="90000"/>
+              </a:lnSpc>
+              <a:buClr>
+                <a:srgbClr val="808080"/>
+              </a:buClr>
+            </a:pPr>
+            <a:r>
+              <a:rPr lang="pt-BR" sz="2000" b="0" strike="noStrike" spc="-1" dirty="0" smtClean="0">
+                <a:solidFill>
+                  <a:srgbClr val="808080"/>
+                </a:solidFill>
+                <a:uFill>
+                  <a:solidFill>
+                    <a:srgbClr val="FFFFFF"/>
+                  </a:solidFill>
+                </a:uFill>
+                <a:latin typeface="EDP Preon"/>
+                <a:ea typeface="DejaVu Sans"/>
+              </a:rPr>
+              <a:t>Comando A</a:t>
+            </a:r>
+          </a:p>
+          <a:p>
+            <a:pPr marL="2160">
+              <a:lnSpc>
+                <a:spcPct val="90000"/>
+              </a:lnSpc>
+              <a:buClr>
+                <a:srgbClr val="808080"/>
+              </a:buClr>
+            </a:pPr>
+            <a:r>
+              <a:rPr lang="pt-BR" sz="2000" spc="-1" dirty="0" smtClean="0">
+                <a:solidFill>
+                  <a:srgbClr val="808080"/>
+                </a:solidFill>
+                <a:uFill>
+                  <a:solidFill>
+                    <a:srgbClr val="FFFFFF"/>
+                  </a:solidFill>
+                </a:uFill>
+                <a:latin typeface="EDP Preon"/>
+              </a:rPr>
+              <a:t>Comando B</a:t>
+            </a:r>
+          </a:p>
+          <a:p>
+            <a:pPr marL="2160">
+              <a:lnSpc>
+                <a:spcPct val="90000"/>
+              </a:lnSpc>
+              <a:buClr>
+                <a:srgbClr val="808080"/>
+              </a:buClr>
+            </a:pPr>
+            <a:r>
+              <a:rPr lang="pt-BR" sz="2000" b="1" spc="-1" dirty="0" smtClean="0">
+                <a:solidFill>
+                  <a:srgbClr val="00B050"/>
+                </a:solidFill>
+                <a:uFill>
+                  <a:solidFill>
+                    <a:srgbClr val="FFFFFF"/>
+                  </a:solidFill>
+                </a:uFill>
+                <a:latin typeface="EDP Preon"/>
+              </a:rPr>
+              <a:t>Comando C</a:t>
+            </a:r>
+          </a:p>
+          <a:p>
+            <a:pPr marL="2160">
+              <a:lnSpc>
+                <a:spcPct val="90000"/>
+              </a:lnSpc>
+              <a:buClr>
+                <a:srgbClr val="808080"/>
+              </a:buClr>
+            </a:pPr>
+            <a:r>
+              <a:rPr lang="pt-BR" sz="2000" spc="-1" dirty="0" smtClean="0">
+                <a:solidFill>
+                  <a:srgbClr val="808080"/>
+                </a:solidFill>
+                <a:uFill>
+                  <a:solidFill>
+                    <a:srgbClr val="FFFFFF"/>
+                  </a:solidFill>
+                </a:uFill>
+                <a:latin typeface="EDP Preon"/>
+              </a:rPr>
+              <a:t>...</a:t>
+            </a:r>
+          </a:p>
+          <a:p>
+            <a:pPr marL="2160">
+              <a:lnSpc>
+                <a:spcPct val="90000"/>
+              </a:lnSpc>
+              <a:buClr>
+                <a:srgbClr val="808080"/>
+              </a:buClr>
+            </a:pPr>
+            <a:endParaRPr lang="pt-BR" sz="2000" b="0" strike="noStrike" spc="-1" dirty="0" smtClean="0">
+              <a:solidFill>
+                <a:srgbClr val="808080"/>
+              </a:solidFill>
+              <a:uFill>
+                <a:solidFill>
+                  <a:srgbClr val="FFFFFF"/>
+                </a:solidFill>
+              </a:uFill>
+              <a:latin typeface="EDP Preon"/>
+            </a:endParaRPr>
+          </a:p>
+          <a:p>
+            <a:pPr marL="2160" algn="ctr">
+              <a:lnSpc>
+                <a:spcPct val="90000"/>
+              </a:lnSpc>
+              <a:buClr>
+                <a:srgbClr val="808080"/>
+              </a:buClr>
+            </a:pPr>
+            <a:endParaRPr lang="pt-BR" sz="2000" b="0" strike="noStrike" spc="-1" dirty="0" smtClean="0">
+              <a:solidFill>
+                <a:srgbClr val="808080"/>
+              </a:solidFill>
+              <a:uFill>
+                <a:solidFill>
+                  <a:srgbClr val="FFFFFF"/>
+                </a:solidFill>
+              </a:uFill>
+              <a:latin typeface="EDP Preon"/>
+            </a:endParaRPr>
+          </a:p>
+          <a:p>
+            <a:pPr marL="2160" algn="ctr">
+              <a:lnSpc>
+                <a:spcPct val="90000"/>
+              </a:lnSpc>
+              <a:buClr>
+                <a:srgbClr val="808080"/>
+              </a:buClr>
+            </a:pPr>
+            <a:r>
+              <a:rPr lang="pt-BR" sz="2000" b="0" strike="noStrike" spc="-1" dirty="0" smtClean="0">
+                <a:solidFill>
+                  <a:srgbClr val="808080"/>
+                </a:solidFill>
+                <a:uFill>
+                  <a:solidFill>
+                    <a:srgbClr val="FFFFFF"/>
+                  </a:solidFill>
+                </a:uFill>
+                <a:latin typeface="EDP Preon"/>
+              </a:rPr>
+              <a:t>(G)</a:t>
+            </a:r>
+            <a:endParaRPr lang="pt-BR" sz="1800" b="0" strike="noStrike" spc="-1" dirty="0">
+              <a:solidFill>
+                <a:srgbClr val="000000"/>
+              </a:solidFill>
+              <a:uFill>
+                <a:solidFill>
+                  <a:srgbClr val="FFFFFF"/>
+                </a:solidFill>
+              </a:uFill>
+              <a:latin typeface="Arial"/>
+            </a:endParaRPr>
+          </a:p>
+        </p:txBody>
+      </p:sp>
+      <p:sp>
+        <p:nvSpPr>
+          <p:cNvPr id="8" name="CustomShape 2"/>
+          <p:cNvSpPr/>
+          <p:nvPr/>
+        </p:nvSpPr>
+        <p:spPr>
+          <a:xfrm>
+            <a:off x="7320136" y="2153248"/>
+            <a:ext cx="2016784" cy="2578824"/>
+          </a:xfrm>
+          <a:prstGeom prst="rect">
+            <a:avLst/>
+          </a:prstGeom>
+          <a:gradFill>
+            <a:gsLst>
+              <a:gs pos="0">
+                <a:schemeClr val="accent1">
+                  <a:lumMod val="5000"/>
+                  <a:lumOff val="95000"/>
+                </a:schemeClr>
+              </a:gs>
+              <a:gs pos="74000">
+                <a:schemeClr val="accent1">
+                  <a:lumMod val="45000"/>
+                  <a:lumOff val="55000"/>
+                </a:schemeClr>
+              </a:gs>
+              <a:gs pos="83000">
+                <a:schemeClr val="accent1">
+                  <a:lumMod val="45000"/>
+                  <a:lumOff val="55000"/>
+                </a:schemeClr>
+              </a:gs>
+              <a:gs pos="100000">
+                <a:schemeClr val="accent1">
+                  <a:lumMod val="30000"/>
+                  <a:lumOff val="70000"/>
+                </a:schemeClr>
+              </a:gs>
+            </a:gsLst>
+            <a:lin ang="5400000" scaled="1"/>
+          </a:gradFill>
+          <a:ln>
+            <a:solidFill>
+              <a:schemeClr val="accent1"/>
+            </a:solidFill>
+          </a:ln>
+        </p:spPr>
+        <p:style>
+          <a:lnRef idx="0">
+            <a:scrgbClr r="0" g="0" b="0"/>
+          </a:lnRef>
+          <a:fillRef idx="0">
+            <a:scrgbClr r="0" g="0" b="0"/>
+          </a:fillRef>
+          <a:effectRef idx="0">
+            <a:scrgbClr r="0" g="0" b="0"/>
+          </a:effectRef>
+          <a:fontRef idx="minor"/>
+        </p:style>
+        <p:txBody>
+          <a:bodyPr lIns="90000" tIns="45000" rIns="90000" bIns="45000"/>
+          <a:lstStyle/>
+          <a:p>
+            <a:pPr>
+              <a:lnSpc>
+                <a:spcPct val="90000"/>
+              </a:lnSpc>
+            </a:pPr>
+            <a:endParaRPr lang="pt-BR" sz="1800" b="0" strike="noStrike" spc="-1" dirty="0">
+              <a:solidFill>
+                <a:srgbClr val="000000"/>
+              </a:solidFill>
+              <a:uFill>
+                <a:solidFill>
+                  <a:srgbClr val="FFFFFF"/>
+                </a:solidFill>
+              </a:uFill>
+              <a:latin typeface="Arial"/>
+            </a:endParaRPr>
+          </a:p>
+          <a:p>
+            <a:pPr marL="2160">
+              <a:lnSpc>
+                <a:spcPct val="90000"/>
+              </a:lnSpc>
+              <a:buClr>
+                <a:srgbClr val="808080"/>
+              </a:buClr>
+            </a:pPr>
+            <a:r>
+              <a:rPr lang="pt-BR" sz="2000" spc="-1" dirty="0" smtClean="0">
+                <a:solidFill>
+                  <a:srgbClr val="808080"/>
+                </a:solidFill>
+                <a:uFill>
+                  <a:solidFill>
+                    <a:srgbClr val="FFFFFF"/>
+                  </a:solidFill>
+                </a:uFill>
+                <a:latin typeface="EDP Preon"/>
+                <a:ea typeface="DejaVu Sans"/>
+              </a:rPr>
+              <a:t>...</a:t>
+            </a:r>
+          </a:p>
+          <a:p>
+            <a:pPr marL="2160">
+              <a:lnSpc>
+                <a:spcPct val="90000"/>
+              </a:lnSpc>
+              <a:buClr>
+                <a:srgbClr val="808080"/>
+              </a:buClr>
+            </a:pPr>
+            <a:r>
+              <a:rPr lang="pt-BR" sz="2000" b="0" strike="noStrike" spc="-1" dirty="0" smtClean="0">
+                <a:solidFill>
+                  <a:srgbClr val="808080"/>
+                </a:solidFill>
+                <a:uFill>
+                  <a:solidFill>
+                    <a:srgbClr val="FFFFFF"/>
+                  </a:solidFill>
+                </a:uFill>
+                <a:latin typeface="EDP Preon"/>
+                <a:ea typeface="DejaVu Sans"/>
+              </a:rPr>
+              <a:t>Comando A</a:t>
+            </a:r>
+          </a:p>
+          <a:p>
+            <a:pPr marL="2160">
+              <a:lnSpc>
+                <a:spcPct val="90000"/>
+              </a:lnSpc>
+              <a:buClr>
+                <a:srgbClr val="808080"/>
+              </a:buClr>
+            </a:pPr>
+            <a:r>
+              <a:rPr lang="pt-BR" sz="2000" b="1" spc="-1" dirty="0" smtClean="0">
+                <a:solidFill>
+                  <a:schemeClr val="accent6"/>
+                </a:solidFill>
+                <a:uFill>
+                  <a:solidFill>
+                    <a:srgbClr val="FFFFFF"/>
+                  </a:solidFill>
+                </a:uFill>
+                <a:latin typeface="EDP Preon"/>
+              </a:rPr>
+              <a:t>Comando B (?)</a:t>
+            </a:r>
+          </a:p>
+          <a:p>
+            <a:pPr marL="2160">
+              <a:lnSpc>
+                <a:spcPct val="90000"/>
+              </a:lnSpc>
+              <a:buClr>
+                <a:srgbClr val="808080"/>
+              </a:buClr>
+            </a:pPr>
+            <a:r>
+              <a:rPr lang="pt-BR" sz="2000" b="1" spc="-1" dirty="0" smtClean="0">
+                <a:solidFill>
+                  <a:srgbClr val="00B050"/>
+                </a:solidFill>
+                <a:uFill>
+                  <a:solidFill>
+                    <a:srgbClr val="FFFFFF"/>
+                  </a:solidFill>
+                </a:uFill>
+                <a:latin typeface="EDP Preon"/>
+              </a:rPr>
+              <a:t>Comando C</a:t>
+            </a:r>
+          </a:p>
+          <a:p>
+            <a:pPr marL="2160">
+              <a:lnSpc>
+                <a:spcPct val="90000"/>
+              </a:lnSpc>
+              <a:buClr>
+                <a:srgbClr val="808080"/>
+              </a:buClr>
+            </a:pPr>
+            <a:r>
+              <a:rPr lang="pt-BR" sz="2000" spc="-1" dirty="0" smtClean="0">
+                <a:solidFill>
+                  <a:srgbClr val="808080"/>
+                </a:solidFill>
+                <a:uFill>
+                  <a:solidFill>
+                    <a:srgbClr val="FFFFFF"/>
+                  </a:solidFill>
+                </a:uFill>
+                <a:latin typeface="EDP Preon"/>
+              </a:rPr>
+              <a:t>...</a:t>
+            </a:r>
+          </a:p>
+          <a:p>
+            <a:pPr marL="2160">
+              <a:lnSpc>
+                <a:spcPct val="90000"/>
+              </a:lnSpc>
+              <a:buClr>
+                <a:srgbClr val="808080"/>
+              </a:buClr>
+            </a:pPr>
+            <a:endParaRPr lang="pt-BR" sz="2000" b="0" strike="noStrike" spc="-1" dirty="0" smtClean="0">
+              <a:solidFill>
+                <a:srgbClr val="808080"/>
+              </a:solidFill>
+              <a:uFill>
+                <a:solidFill>
+                  <a:srgbClr val="FFFFFF"/>
+                </a:solidFill>
+              </a:uFill>
+              <a:latin typeface="EDP Preon"/>
+            </a:endParaRPr>
+          </a:p>
+          <a:p>
+            <a:pPr marL="2160">
+              <a:lnSpc>
+                <a:spcPct val="90000"/>
+              </a:lnSpc>
+              <a:buClr>
+                <a:srgbClr val="808080"/>
+              </a:buClr>
+            </a:pPr>
+            <a:endParaRPr lang="pt-BR" sz="2000" b="0" strike="noStrike" spc="-1" dirty="0" smtClean="0">
+              <a:solidFill>
+                <a:srgbClr val="808080"/>
+              </a:solidFill>
+              <a:uFill>
+                <a:solidFill>
+                  <a:srgbClr val="FFFFFF"/>
+                </a:solidFill>
+              </a:uFill>
+              <a:latin typeface="EDP Preon"/>
+            </a:endParaRPr>
+          </a:p>
+          <a:p>
+            <a:pPr marL="2160" algn="ctr">
+              <a:lnSpc>
+                <a:spcPct val="90000"/>
+              </a:lnSpc>
+              <a:buClr>
+                <a:srgbClr val="808080"/>
+              </a:buClr>
+            </a:pPr>
+            <a:r>
+              <a:rPr lang="pt-BR" sz="2000" b="0" strike="noStrike" spc="-1" dirty="0" smtClean="0">
+                <a:solidFill>
+                  <a:srgbClr val="808080"/>
+                </a:solidFill>
+                <a:uFill>
+                  <a:solidFill>
+                    <a:srgbClr val="FFFFFF"/>
+                  </a:solidFill>
+                </a:uFill>
+                <a:latin typeface="EDP Preon"/>
+              </a:rPr>
+              <a:t>(H)</a:t>
+            </a:r>
+            <a:endParaRPr lang="pt-BR" sz="1800" b="0" strike="noStrike" spc="-1" dirty="0">
+              <a:solidFill>
+                <a:srgbClr val="000000"/>
+              </a:solidFill>
+              <a:uFill>
+                <a:solidFill>
+                  <a:srgbClr val="FFFFFF"/>
+                </a:solidFill>
+              </a:uFill>
+              <a:latin typeface="Arial"/>
+            </a:endParaRPr>
+          </a:p>
+        </p:txBody>
+      </p:sp>
+    </p:spTree>
+    <p:extLst>
+      <p:ext uri="{BB962C8B-B14F-4D97-AF65-F5344CB8AC3E}">
+        <p14:creationId xmlns:p14="http://schemas.microsoft.com/office/powerpoint/2010/main" val="3829828891"/>
+      </p:ext>
+    </p:extLst>
+  </p:cSld>
+  <p:clrMapOvr>
+    <a:masterClrMapping/>
+  </p:clrMapOvr>
+  <p:timing>
+    <p:tnLst>
+      <p:par>
+        <p:cTn id="1" dur="indefinite" restart="never" nodeType="tmRoot">
+          <p:childTnLst>
+            <p:seq>
+              <p:cTn id="2" nodeType="mainSeq"/>
+              <p:prevCondLst>
+                <p:cond evt="onPrev" delay="0">
+                  <p:tgtEl>
+                    <p:sldTgt/>
+                  </p:tgtEl>
+                </p:cond>
+              </p:prevCondLst>
+              <p:nextCondLst>
+                <p:cond evt="onNext" delay="0">
+                  <p:tgtEl>
+                    <p:sldTgt/>
+                  </p:tgtEl>
+                </p:cond>
+              </p:nextCondLst>
+            </p:seq>
+          </p:childTnLst>
+        </p:cTn>
+      </p:par>
+    </p:tnLst>
+  </p:timing>
+</p:sld>
+</file>
+
+<file path=ppt/slides/slide17.xml><?xml version="1.0" encoding="utf-8"?>
+<p:sld xmlns:a="http://schemas.openxmlformats.org/drawingml/2006/main" xmlns:r="http://schemas.openxmlformats.org/officeDocument/2006/relationships" xmlns:p="http://schemas.openxmlformats.org/presentationml/2006/main">
+  <p:cSld>
+    <p:spTree>
+      <p:nvGrpSpPr>
+        <p:cNvPr id="1" name=""/>
+        <p:cNvGrpSpPr/>
+        <p:nvPr/>
+      </p:nvGrpSpPr>
+      <p:grpSpPr>
+        <a:xfrm>
+          <a:off x="0" y="0"/>
+          <a:ext cx="0" cy="0"/>
+          <a:chOff x="0" y="0"/>
+          <a:chExt cx="0" cy="0"/>
+        </a:xfrm>
+      </p:grpSpPr>
+      <p:sp>
+        <p:nvSpPr>
+          <p:cNvPr id="186" name="CustomShape 1"/>
+          <p:cNvSpPr/>
+          <p:nvPr/>
+        </p:nvSpPr>
+        <p:spPr>
+          <a:xfrm>
+            <a:off x="217800" y="-18720"/>
+            <a:ext cx="10513440" cy="1323360"/>
+          </a:xfrm>
+          <a:prstGeom prst="rect">
+            <a:avLst/>
+          </a:prstGeom>
+          <a:noFill/>
+          <a:ln>
+            <a:noFill/>
+          </a:ln>
+        </p:spPr>
+        <p:style>
+          <a:lnRef idx="0">
+            <a:scrgbClr r="0" g="0" b="0"/>
+          </a:lnRef>
+          <a:fillRef idx="0">
+            <a:scrgbClr r="0" g="0" b="0"/>
+          </a:fillRef>
+          <a:effectRef idx="0">
+            <a:scrgbClr r="0" g="0" b="0"/>
+          </a:effectRef>
+          <a:fontRef idx="minor"/>
+        </p:style>
+        <p:txBody>
+          <a:bodyPr lIns="90000" tIns="45000" rIns="90000" bIns="45000" anchor="ctr"/>
+          <a:lstStyle/>
+          <a:p>
+            <a:pPr>
+              <a:lnSpc>
+                <a:spcPct val="100000"/>
+              </a:lnSpc>
+            </a:pPr>
+            <a:r>
               <a:rPr lang="pt-BR" sz="3200" b="0" strike="noStrike" spc="-1" dirty="0" err="1" smtClean="0">
                 <a:solidFill>
                   <a:srgbClr val="A6A6A6"/>
@@ -6460,7 +6612,7 @@
 </p:sld>
 </file>
 
-<file path=ppt/slides/slide17.xml><?xml version="1.0" encoding="utf-8"?>
+<file path=ppt/slides/slide18.xml><?xml version="1.0" encoding="utf-8"?>
 <p:sld xmlns:a="http://schemas.openxmlformats.org/drawingml/2006/main" xmlns:r="http://schemas.openxmlformats.org/officeDocument/2006/relationships" xmlns:p="http://schemas.openxmlformats.org/presentationml/2006/main">
   <p:cSld>
     <p:spTree>
@@ -7318,7 +7470,7 @@
 </p:sld>
 </file>
 
-<file path=ppt/slides/slide18.xml><?xml version="1.0" encoding="utf-8"?>
+<file path=ppt/slides/slide19.xml><?xml version="1.0" encoding="utf-8"?>
 <p:sld xmlns:a="http://schemas.openxmlformats.org/drawingml/2006/main" xmlns:r="http://schemas.openxmlformats.org/officeDocument/2006/relationships" xmlns:p="http://schemas.openxmlformats.org/presentationml/2006/main">
   <p:cSld>
     <p:spTree>
@@ -7832,7 +7984,69 @@
 </p:sld>
 </file>
 
-<file path=ppt/slides/slide19.xml><?xml version="1.0" encoding="utf-8"?>
+<file path=ppt/slides/slide2.xml><?xml version="1.0" encoding="utf-8"?>
+<p:sld xmlns:a="http://schemas.openxmlformats.org/drawingml/2006/main" xmlns:r="http://schemas.openxmlformats.org/officeDocument/2006/relationships" xmlns:p="http://schemas.openxmlformats.org/presentationml/2006/main">
+  <p:cSld>
+    <p:spTree>
+      <p:nvGrpSpPr>
+        <p:cNvPr id="1" name=""/>
+        <p:cNvGrpSpPr/>
+        <p:nvPr/>
+      </p:nvGrpSpPr>
+      <p:grpSpPr>
+        <a:xfrm>
+          <a:off x="0" y="0"/>
+          <a:ext cx="0" cy="0"/>
+          <a:chOff x="0" y="0"/>
+          <a:chExt cx="0" cy="0"/>
+        </a:xfrm>
+      </p:grpSpPr>
+      <p:pic>
+        <p:nvPicPr>
+          <p:cNvPr id="2" name="Imagem 1"/>
+          <p:cNvPicPr preferRelativeResize="0">
+            <a:picLocks/>
+          </p:cNvPicPr>
+          <p:nvPr/>
+        </p:nvPicPr>
+        <p:blipFill>
+          <a:blip r:embed="rId3" cstate="print">
+            <a:extLst>
+              <a:ext uri="{28A0092B-C50C-407E-A947-70E740481C1C}">
+                <a14:useLocalDpi xmlns:a14="http://schemas.microsoft.com/office/drawing/2010/main" val="0"/>
+              </a:ext>
+            </a:extLst>
+          </a:blip>
+          <a:stretch>
+            <a:fillRect/>
+          </a:stretch>
+        </p:blipFill>
+        <p:spPr>
+          <a:xfrm>
+            <a:off x="0" y="0"/>
+            <a:ext cx="12192000" cy="6858000"/>
+          </a:xfrm>
+          <a:prstGeom prst="rect">
+            <a:avLst/>
+          </a:prstGeom>
+        </p:spPr>
+      </p:pic>
+    </p:spTree>
+  </p:cSld>
+  <p:clrMapOvr>
+    <a:masterClrMapping/>
+  </p:clrMapOvr>
+  <p:timing>
+    <p:tnLst>
+      <p:par>
+        <p:cTn id="1" dur="indefinite" restart="never" nodeType="tmRoot"/>
+      </p:par>
+    </p:tnLst>
+  </p:timing>
+</p:sld>
+</file>
+
+<file path=ppt/slides/slide20.xml><?xml version="1.0" encoding="utf-8"?>
 <p:sld xmlns:a="http://schemas.openxmlformats.org/drawingml/2006/main" xmlns:r="http://schemas.openxmlformats.org/officeDocument/2006/relationships" xmlns:p="http://schemas.openxmlformats.org/presentationml/2006/main">
   <p:cSld>
     <p:spTree>
@@ -7918,68 +8132,6 @@
           </a:p>
         </p:txBody>
       </p:sp>
-    </p:spTree>
-  </p:cSld>
-  <p:clrMapOvr>
-    <a:masterClrMapping/>
-  </p:clrMapOvr>
-  <p:timing>
-    <p:tnLst>
-      <p:par>
-        <p:cTn id="1" dur="indefinite" restart="never" nodeType="tmRoot"/>
-      </p:par>
-    </p:tnLst>
-  </p:timing>
-</p:sld>
-</file>
-
-<file path=ppt/slides/slide2.xml><?xml version="1.0" encoding="utf-8"?>
-<p:sld xmlns:a="http://schemas.openxmlformats.org/drawingml/2006/main" xmlns:r="http://schemas.openxmlformats.org/officeDocument/2006/relationships" xmlns:p="http://schemas.openxmlformats.org/presentationml/2006/main">
-  <p:cSld>
-    <p:spTree>
-      <p:nvGrpSpPr>
-        <p:cNvPr id="1" name=""/>
-        <p:cNvGrpSpPr/>
-        <p:nvPr/>
-      </p:nvGrpSpPr>
-      <p:grpSpPr>
-        <a:xfrm>
-          <a:off x="0" y="0"/>
-          <a:ext cx="0" cy="0"/>
-          <a:chOff x="0" y="0"/>
-          <a:chExt cx="0" cy="0"/>
-        </a:xfrm>
-      </p:grpSpPr>
-      <p:pic>
-        <p:nvPicPr>
-          <p:cNvPr id="2" name="Imagem 1"/>
-          <p:cNvPicPr preferRelativeResize="0">
-            <a:picLocks/>
-          </p:cNvPicPr>
-          <p:nvPr/>
-        </p:nvPicPr>
-        <p:blipFill>
-          <a:blip r:embed="rId3" cstate="print">
-            <a:extLst>
-              <a:ext uri="{28A0092B-C50C-407E-A947-70E740481C1C}">
-                <a14:useLocalDpi xmlns:a14="http://schemas.microsoft.com/office/drawing/2010/main" val="0"/>
-              </a:ext>
-            </a:extLst>
-          </a:blip>
-          <a:stretch>
-            <a:fillRect/>
-          </a:stretch>
-        </p:blipFill>
-        <p:spPr>
-          <a:xfrm>
-            <a:off x="0" y="0"/>
-            <a:ext cx="12192000" cy="6858000"/>
-          </a:xfrm>
-          <a:prstGeom prst="rect">
-            <a:avLst/>
-          </a:prstGeom>
-        </p:spPr>
-      </p:pic>
     </p:spTree>
   </p:cSld>
   <p:clrMapOvr>
@@ -8605,12 +8757,10 @@
             </a:endParaRPr>
           </a:p>
           <a:p>
-            <a:pPr marL="285750" indent="-285750">
+            <a:pPr>
               <a:lnSpc>
                 <a:spcPct val="90000"/>
               </a:lnSpc>
-              <a:buFont typeface="Arial" panose="020B0604020202020204" pitchFamily="34" charset="0"/>
-              <a:buChar char="•"/>
             </a:pPr>
             <a:r>
               <a:rPr lang="pt-BR" sz="1800" b="0" strike="noStrike" spc="-1" dirty="0" smtClean="0">
@@ -8621,19 +8771,17 @@
                 </a:uFill>
                 <a:latin typeface="Arial"/>
               </a:rPr>
-              <a:t>Versionamento</a:t>
-            </a:r>
-          </a:p>
-          <a:p>
-            <a:pPr marL="285750" indent="-285750">
+              <a:t>Primeira versão:</a:t>
+            </a:r>
+          </a:p>
+          <a:p>
+            <a:pPr>
               <a:lnSpc>
                 <a:spcPct val="90000"/>
               </a:lnSpc>
-              <a:buFont typeface="Arial" panose="020B0604020202020204" pitchFamily="34" charset="0"/>
-              <a:buChar char="•"/>
-            </a:pPr>
-            <a:r>
-              <a:rPr lang="pt-BR" spc="-1" dirty="0" smtClean="0">
+            </a:pPr>
+            <a:r>
+              <a:rPr lang="pt-BR" sz="1800" b="0" strike="noStrike" spc="-1" dirty="0" smtClean="0">
                 <a:uFill>
                   <a:solidFill>
                     <a:srgbClr val="FFFFFF"/>
@@ -8641,27 +8789,7 @@
                 </a:uFill>
                 <a:latin typeface="Arial"/>
               </a:rPr>
-              <a:t>Backup</a:t>
-            </a:r>
-          </a:p>
-          <a:p>
-            <a:pPr marL="285750" indent="-285750">
-              <a:lnSpc>
-                <a:spcPct val="90000"/>
-              </a:lnSpc>
-              <a:buFont typeface="Arial" panose="020B0604020202020204" pitchFamily="34" charset="0"/>
-              <a:buChar char="•"/>
-            </a:pPr>
-            <a:r>
-              <a:rPr lang="pt-BR" sz="1800" b="0" strike="noStrike" spc="-1" dirty="0" smtClean="0">
-                <a:uFill>
-                  <a:solidFill>
-                    <a:srgbClr val="FFFFFF"/>
-                  </a:solidFill>
-                </a:uFill>
-                <a:latin typeface="Arial"/>
-              </a:rPr>
-              <a:t>Segurança</a:t>
+              <a:t>21 de dezembro de 2005</a:t>
             </a:r>
             <a:endParaRPr lang="pt-BR" sz="1800" b="0" strike="noStrike" spc="-1" dirty="0">
               <a:uFill>
@@ -8676,14 +8804,14 @@
       </p:sp>
       <p:pic>
         <p:nvPicPr>
-          <p:cNvPr id="2" name="Imagem 1"/>
+          <p:cNvPr id="3" name="Imagem 2"/>
           <p:cNvPicPr>
             <a:picLocks noChangeAspect="1"/>
           </p:cNvPicPr>
           <p:nvPr/>
         </p:nvPicPr>
         <p:blipFill>
-          <a:blip r:embed="rId2" cstate="print">
+          <a:blip r:embed="rId2">
             <a:extLst>
               <a:ext uri="{28A0092B-C50C-407E-A947-70E740481C1C}">
                 <a14:useLocalDpi xmlns:a14="http://schemas.microsoft.com/office/drawing/2010/main" val="0"/>
@@ -8696,8 +8824,8 @@
         </p:blipFill>
         <p:spPr>
           <a:xfrm>
-            <a:off x="5159896" y="2131819"/>
-            <a:ext cx="6840760" cy="4564155"/>
+            <a:off x="4452664" y="2204864"/>
+            <a:ext cx="7620000" cy="4438650"/>
           </a:xfrm>
           <a:prstGeom prst="rect">
             <a:avLst/>
@@ -8725,6 +8853,167 @@
 </file>
 
 <file path=ppt/slides/slide7.xml><?xml version="1.0" encoding="utf-8"?>
+<p:sld xmlns:a="http://schemas.openxmlformats.org/drawingml/2006/main" xmlns:r="http://schemas.openxmlformats.org/officeDocument/2006/relationships" xmlns:p="http://schemas.openxmlformats.org/presentationml/2006/main">
+  <p:cSld>
+    <p:spTree>
+      <p:nvGrpSpPr>
+        <p:cNvPr id="1" name=""/>
+        <p:cNvGrpSpPr/>
+        <p:nvPr/>
+      </p:nvGrpSpPr>
+      <p:grpSpPr>
+        <a:xfrm>
+          <a:off x="0" y="0"/>
+          <a:ext cx="0" cy="0"/>
+          <a:chOff x="0" y="0"/>
+          <a:chExt cx="0" cy="0"/>
+        </a:xfrm>
+      </p:grpSpPr>
+      <p:sp>
+        <p:nvSpPr>
+          <p:cNvPr id="168" name="CustomShape 1"/>
+          <p:cNvSpPr/>
+          <p:nvPr/>
+        </p:nvSpPr>
+        <p:spPr>
+          <a:xfrm>
+            <a:off x="217800" y="-18720"/>
+            <a:ext cx="10513440" cy="1323360"/>
+          </a:xfrm>
+          <a:prstGeom prst="rect">
+            <a:avLst/>
+          </a:prstGeom>
+          <a:noFill/>
+          <a:ln>
+            <a:noFill/>
+          </a:ln>
+        </p:spPr>
+        <p:style>
+          <a:lnRef idx="0">
+            <a:scrgbClr r="0" g="0" b="0"/>
+          </a:lnRef>
+          <a:fillRef idx="0">
+            <a:scrgbClr r="0" g="0" b="0"/>
+          </a:fillRef>
+          <a:effectRef idx="0">
+            <a:scrgbClr r="0" g="0" b="0"/>
+          </a:effectRef>
+          <a:fontRef idx="minor"/>
+        </p:style>
+        <p:txBody>
+          <a:bodyPr lIns="90000" tIns="45000" rIns="90000" bIns="45000" anchor="ctr"/>
+          <a:lstStyle/>
+          <a:p>
+            <a:pPr>
+              <a:lnSpc>
+                <a:spcPct val="100000"/>
+              </a:lnSpc>
+            </a:pPr>
+            <a:r>
+              <a:rPr lang="pt-BR" sz="3200" spc="-1" dirty="0" smtClean="0">
+                <a:uFill>
+                  <a:solidFill>
+                    <a:srgbClr val="FFFFFF"/>
+                  </a:solidFill>
+                </a:uFill>
+                <a:latin typeface="Arial" panose="020B0604020202020204" pitchFamily="34" charset="0"/>
+                <a:cs typeface="Arial" panose="020B0604020202020204" pitchFamily="34" charset="0"/>
+              </a:rPr>
+              <a:t>Servidores</a:t>
+            </a:r>
+            <a:endParaRPr lang="pt-BR" sz="1800" b="0" strike="noStrike" spc="-1" dirty="0">
+              <a:uFill>
+                <a:solidFill>
+                  <a:srgbClr val="FFFFFF"/>
+                </a:solidFill>
+              </a:uFill>
+              <a:latin typeface="Arial" panose="020B0604020202020204" pitchFamily="34" charset="0"/>
+              <a:cs typeface="Arial" panose="020B0604020202020204" pitchFamily="34" charset="0"/>
+            </a:endParaRPr>
+          </a:p>
+        </p:txBody>
+      </p:sp>
+      <p:pic>
+        <p:nvPicPr>
+          <p:cNvPr id="2" name="Imagem 1"/>
+          <p:cNvPicPr>
+            <a:picLocks noChangeAspect="1"/>
+          </p:cNvPicPr>
+          <p:nvPr/>
+        </p:nvPicPr>
+        <p:blipFill>
+          <a:blip r:embed="rId2">
+            <a:extLst>
+              <a:ext uri="{28A0092B-C50C-407E-A947-70E740481C1C}">
+                <a14:useLocalDpi xmlns:a14="http://schemas.microsoft.com/office/drawing/2010/main" val="0"/>
+              </a:ext>
+            </a:extLst>
+          </a:blip>
+          <a:stretch>
+            <a:fillRect/>
+          </a:stretch>
+        </p:blipFill>
+        <p:spPr>
+          <a:xfrm>
+            <a:off x="557808" y="2643336"/>
+            <a:ext cx="3810000" cy="3810000"/>
+          </a:xfrm>
+          <a:prstGeom prst="rect">
+            <a:avLst/>
+          </a:prstGeom>
+        </p:spPr>
+      </p:pic>
+      <p:pic>
+        <p:nvPicPr>
+          <p:cNvPr id="5" name="Imagem 4"/>
+          <p:cNvPicPr>
+            <a:picLocks noChangeAspect="1"/>
+          </p:cNvPicPr>
+          <p:nvPr/>
+        </p:nvPicPr>
+        <p:blipFill>
+          <a:blip r:embed="rId3">
+            <a:extLst>
+              <a:ext uri="{28A0092B-C50C-407E-A947-70E740481C1C}">
+                <a14:useLocalDpi xmlns:a14="http://schemas.microsoft.com/office/drawing/2010/main" val="0"/>
+              </a:ext>
+            </a:extLst>
+          </a:blip>
+          <a:stretch>
+            <a:fillRect/>
+          </a:stretch>
+        </p:blipFill>
+        <p:spPr>
+          <a:xfrm>
+            <a:off x="4943872" y="2012742"/>
+            <a:ext cx="10058400" cy="5016658"/>
+          </a:xfrm>
+          <a:prstGeom prst="rect">
+            <a:avLst/>
+          </a:prstGeom>
+        </p:spPr>
+      </p:pic>
+    </p:spTree>
+    <p:extLst>
+      <p:ext uri="{BB962C8B-B14F-4D97-AF65-F5344CB8AC3E}">
+        <p14:creationId xmlns:p14="http://schemas.microsoft.com/office/powerpoint/2010/main" val="1016918157"/>
+      </p:ext>
+    </p:extLst>
+  </p:cSld>
+  <p:clrMapOvr>
+    <a:masterClrMapping/>
+  </p:clrMapOvr>
+  <p:timing>
+    <p:tnLst>
+      <p:par>
+        <p:cTn id="1" dur="indefinite" restart="never" nodeType="tmRoot"/>
+      </p:par>
+    </p:tnLst>
+  </p:timing>
+</p:sld>
+</file>
+
+<file path=ppt/slides/slide8.xml><?xml version="1.0" encoding="utf-8"?>
 <p:sld xmlns:a="http://schemas.openxmlformats.org/drawingml/2006/main" xmlns:r="http://schemas.openxmlformats.org/officeDocument/2006/relationships" xmlns:p="http://schemas.openxmlformats.org/presentationml/2006/main">
   <p:cSld>
     <p:spTree>
@@ -8794,7 +9083,7 @@
                 <a:latin typeface="EDP Preon"/>
                 <a:ea typeface="DejaVu Sans"/>
               </a:rPr>
-              <a:t>Repositórios de código</a:t>
+              <a:t>Ser</a:t>
             </a:r>
             <a:endParaRPr lang="pt-BR" sz="1800" b="0" strike="noStrike" spc="-1" dirty="0">
               <a:solidFill>
@@ -9152,7 +9441,7 @@
 </p:sld>
 </file>
 
-<file path=ppt/slides/slide8.xml><?xml version="1.0" encoding="utf-8"?>
+<file path=ppt/slides/slide9.xml><?xml version="1.0" encoding="utf-8"?>
 <p:sld xmlns:a="http://schemas.openxmlformats.org/drawingml/2006/main" xmlns:r="http://schemas.openxmlformats.org/officeDocument/2006/relationships" xmlns:p="http://schemas.openxmlformats.org/presentationml/2006/main">
   <p:cSld>
     <p:spTree>
@@ -9481,157 +9770,6 @@
           </a:p>
         </p:txBody>
       </p:sp>
-    </p:spTree>
-  </p:cSld>
-  <p:clrMapOvr>
-    <a:masterClrMapping/>
-  </p:clrMapOvr>
-  <p:timing>
-    <p:tnLst>
-      <p:par>
-        <p:cTn id="1" dur="indefinite" restart="never" nodeType="tmRoot">
-          <p:childTnLst>
-            <p:seq>
-              <p:cTn id="2" nodeType="mainSeq"/>
-              <p:prevCondLst>
-                <p:cond evt="onPrev" delay="0">
-                  <p:tgtEl>
-                    <p:sldTgt/>
-                  </p:tgtEl>
-                </p:cond>
-              </p:prevCondLst>
-              <p:nextCondLst>
-                <p:cond evt="onNext" delay="0">
-                  <p:tgtEl>
-                    <p:sldTgt/>
-                  </p:tgtEl>
-                </p:cond>
-              </p:nextCondLst>
-            </p:seq>
-          </p:childTnLst>
-        </p:cTn>
-      </p:par>
-    </p:tnLst>
-  </p:timing>
-</p:sld>
-</file>
-
-<file path=ppt/slides/slide9.xml><?xml version="1.0" encoding="utf-8"?>
-<p:sld xmlns:a="http://schemas.openxmlformats.org/drawingml/2006/main" xmlns:r="http://schemas.openxmlformats.org/officeDocument/2006/relationships" xmlns:p="http://schemas.openxmlformats.org/presentationml/2006/main">
-  <p:cSld>
-    <p:spTree>
-      <p:nvGrpSpPr>
-        <p:cNvPr id="1" name=""/>
-        <p:cNvGrpSpPr/>
-        <p:nvPr/>
-      </p:nvGrpSpPr>
-      <p:grpSpPr>
-        <a:xfrm>
-          <a:off x="0" y="0"/>
-          <a:ext cx="0" cy="0"/>
-          <a:chOff x="0" y="0"/>
-          <a:chExt cx="0" cy="0"/>
-        </a:xfrm>
-      </p:grpSpPr>
-      <p:sp>
-        <p:nvSpPr>
-          <p:cNvPr id="177" name="CustomShape 1"/>
-          <p:cNvSpPr/>
-          <p:nvPr/>
-        </p:nvSpPr>
-        <p:spPr>
-          <a:xfrm>
-            <a:off x="217800" y="-18720"/>
-            <a:ext cx="10513440" cy="1323360"/>
-          </a:xfrm>
-          <a:prstGeom prst="rect">
-            <a:avLst/>
-          </a:prstGeom>
-          <a:noFill/>
-          <a:ln>
-            <a:noFill/>
-          </a:ln>
-        </p:spPr>
-        <p:style>
-          <a:lnRef idx="0">
-            <a:scrgbClr r="0" g="0" b="0"/>
-          </a:lnRef>
-          <a:fillRef idx="0">
-            <a:scrgbClr r="0" g="0" b="0"/>
-          </a:fillRef>
-          <a:effectRef idx="0">
-            <a:scrgbClr r="0" g="0" b="0"/>
-          </a:effectRef>
-          <a:fontRef idx="minor"/>
-        </p:style>
-        <p:txBody>
-          <a:bodyPr lIns="90000" tIns="45000" rIns="90000" bIns="45000" anchor="ctr"/>
-          <a:lstStyle/>
-          <a:p>
-            <a:pPr>
-              <a:lnSpc>
-                <a:spcPct val="100000"/>
-              </a:lnSpc>
-            </a:pPr>
-            <a:r>
-              <a:rPr lang="pt-BR" sz="3200" b="0" strike="noStrike" spc="-1" dirty="0" smtClean="0">
-                <a:solidFill>
-                  <a:srgbClr val="A6A6A6"/>
-                </a:solidFill>
-                <a:uFill>
-                  <a:solidFill>
-                    <a:srgbClr val="FFFFFF"/>
-                  </a:solidFill>
-                </a:uFill>
-                <a:latin typeface="EDP Preon"/>
-                <a:ea typeface="DejaVu Sans"/>
-              </a:rPr>
-              <a:t>Arquitetura</a:t>
-            </a:r>
-            <a:endParaRPr lang="pt-BR" sz="1800" b="0" strike="noStrike" spc="-1" dirty="0">
-              <a:solidFill>
-                <a:srgbClr val="000000"/>
-              </a:solidFill>
-              <a:uFill>
-                <a:solidFill>
-                  <a:srgbClr val="FFFFFF"/>
-                </a:solidFill>
-              </a:uFill>
-              <a:latin typeface="Arial"/>
-            </a:endParaRPr>
-          </a:p>
-        </p:txBody>
-      </p:sp>
-      <p:pic>
-        <p:nvPicPr>
-          <p:cNvPr id="5" name="Imagem 4"/>
-          <p:cNvPicPr>
-            <a:picLocks noChangeAspect="1"/>
-          </p:cNvPicPr>
-          <p:nvPr/>
-        </p:nvPicPr>
-        <p:blipFill>
-          <a:blip r:embed="rId2">
-            <a:extLst>
-              <a:ext uri="{28A0092B-C50C-407E-A947-70E740481C1C}">
-                <a14:useLocalDpi xmlns:a14="http://schemas.microsoft.com/office/drawing/2010/main" val="0"/>
-              </a:ext>
-            </a:extLst>
-          </a:blip>
-          <a:stretch>
-            <a:fillRect/>
-          </a:stretch>
-        </p:blipFill>
-        <p:spPr>
-          <a:xfrm>
-            <a:off x="1271587" y="2045543"/>
-            <a:ext cx="9648825" cy="4695825"/>
-          </a:xfrm>
-          <a:prstGeom prst="rect">
-            <a:avLst/>
-          </a:prstGeom>
-        </p:spPr>
-      </p:pic>
     </p:spTree>
   </p:cSld>
   <p:clrMapOvr>

--- a/git.pptx
+++ b/git.pptx
@@ -5,29 +5,34 @@
     <p:sldMasterId id="2147483648" r:id="rId1"/>
   </p:sldMasterIdLst>
   <p:notesMasterIdLst>
-    <p:notesMasterId r:id="rId22"/>
+    <p:notesMasterId r:id="rId27"/>
   </p:notesMasterIdLst>
   <p:sldIdLst>
     <p:sldId id="256" r:id="rId2"/>
     <p:sldId id="258" r:id="rId3"/>
     <p:sldId id="259" r:id="rId4"/>
-    <p:sldId id="269" r:id="rId5"/>
-    <p:sldId id="276" r:id="rId6"/>
-    <p:sldId id="277" r:id="rId7"/>
-    <p:sldId id="278" r:id="rId8"/>
-    <p:sldId id="261" r:id="rId9"/>
-    <p:sldId id="262" r:id="rId10"/>
-    <p:sldId id="263" r:id="rId11"/>
-    <p:sldId id="264" r:id="rId12"/>
-    <p:sldId id="265" r:id="rId13"/>
-    <p:sldId id="270" r:id="rId14"/>
-    <p:sldId id="266" r:id="rId15"/>
-    <p:sldId id="271" r:id="rId16"/>
-    <p:sldId id="272" r:id="rId17"/>
-    <p:sldId id="273" r:id="rId18"/>
-    <p:sldId id="274" r:id="rId19"/>
-    <p:sldId id="275" r:id="rId20"/>
-    <p:sldId id="267" r:id="rId21"/>
+    <p:sldId id="261" r:id="rId5"/>
+    <p:sldId id="277" r:id="rId6"/>
+    <p:sldId id="269" r:id="rId7"/>
+    <p:sldId id="276" r:id="rId8"/>
+    <p:sldId id="278" r:id="rId9"/>
+    <p:sldId id="279" r:id="rId10"/>
+    <p:sldId id="281" r:id="rId11"/>
+    <p:sldId id="280" r:id="rId12"/>
+    <p:sldId id="282" r:id="rId13"/>
+    <p:sldId id="263" r:id="rId14"/>
+    <p:sldId id="283" r:id="rId15"/>
+    <p:sldId id="284" r:id="rId16"/>
+    <p:sldId id="264" r:id="rId17"/>
+    <p:sldId id="265" r:id="rId18"/>
+    <p:sldId id="270" r:id="rId19"/>
+    <p:sldId id="266" r:id="rId20"/>
+    <p:sldId id="271" r:id="rId21"/>
+    <p:sldId id="272" r:id="rId22"/>
+    <p:sldId id="273" r:id="rId23"/>
+    <p:sldId id="274" r:id="rId24"/>
+    <p:sldId id="275" r:id="rId25"/>
+    <p:sldId id="267" r:id="rId26"/>
   </p:sldIdLst>
   <p:sldSz cx="12192000" cy="6858000"/>
   <p:notesSz cx="7559675" cy="10691813"/>
@@ -227,7 +232,7 @@
           <a:p>
             <a:fld id="{89E744D0-4B69-4805-8E5B-2ED33711F7F9}" type="datetimeFigureOut">
               <a:rPr lang="pt-BR" smtClean="0"/>
-              <a:t>04/11/2019</a:t>
+              <a:t>05/11/2019</a:t>
             </a:fld>
             <a:endParaRPr lang="pt-BR"/>
           </a:p>
@@ -644,7 +649,7 @@
           <a:p>
             <a:fld id="{D986AB5F-DE36-496E-8AB9-DFE6C126C4FD}" type="slidenum">
               <a:rPr lang="pt-BR" smtClean="0"/>
-              <a:t>15</a:t>
+              <a:t>20</a:t>
             </a:fld>
             <a:endParaRPr lang="pt-BR"/>
           </a:p>
@@ -728,7 +733,7 @@
           <a:p>
             <a:fld id="{D986AB5F-DE36-496E-8AB9-DFE6C126C4FD}" type="slidenum">
               <a:rPr lang="pt-BR" smtClean="0"/>
-              <a:t>16</a:t>
+              <a:t>21</a:t>
             </a:fld>
             <a:endParaRPr lang="pt-BR"/>
           </a:p>
@@ -812,7 +817,7 @@
           <a:p>
             <a:fld id="{D986AB5F-DE36-496E-8AB9-DFE6C126C4FD}" type="slidenum">
               <a:rPr lang="pt-BR" smtClean="0"/>
-              <a:t>17</a:t>
+              <a:t>22</a:t>
             </a:fld>
             <a:endParaRPr lang="pt-BR"/>
           </a:p>
@@ -896,7 +901,7 @@
           <a:p>
             <a:fld id="{D986AB5F-DE36-496E-8AB9-DFE6C126C4FD}" type="slidenum">
               <a:rPr lang="pt-BR" smtClean="0"/>
-              <a:t>18</a:t>
+              <a:t>23</a:t>
             </a:fld>
             <a:endParaRPr lang="pt-BR"/>
           </a:p>
@@ -980,7 +985,7 @@
           <a:p>
             <a:fld id="{D986AB5F-DE36-496E-8AB9-DFE6C126C4FD}" type="slidenum">
               <a:rPr lang="pt-BR" smtClean="0"/>
-              <a:t>19</a:t>
+              <a:t>24</a:t>
             </a:fld>
             <a:endParaRPr lang="pt-BR"/>
           </a:p>
@@ -3085,6 +3090,1468 @@
       </p:grpSpPr>
       <p:sp>
         <p:nvSpPr>
+          <p:cNvPr id="168" name="CustomShape 1"/>
+          <p:cNvSpPr/>
+          <p:nvPr/>
+        </p:nvSpPr>
+        <p:spPr>
+          <a:xfrm>
+            <a:off x="217800" y="-18720"/>
+            <a:ext cx="10513440" cy="1323360"/>
+          </a:xfrm>
+          <a:prstGeom prst="rect">
+            <a:avLst/>
+          </a:prstGeom>
+          <a:noFill/>
+          <a:ln>
+            <a:noFill/>
+          </a:ln>
+        </p:spPr>
+        <p:style>
+          <a:lnRef idx="0">
+            <a:scrgbClr r="0" g="0" b="0"/>
+          </a:lnRef>
+          <a:fillRef idx="0">
+            <a:scrgbClr r="0" g="0" b="0"/>
+          </a:fillRef>
+          <a:effectRef idx="0">
+            <a:scrgbClr r="0" g="0" b="0"/>
+          </a:effectRef>
+          <a:fontRef idx="minor"/>
+        </p:style>
+        <p:txBody>
+          <a:bodyPr lIns="90000" tIns="45000" rIns="90000" bIns="45000" anchor="ctr"/>
+          <a:lstStyle/>
+          <a:p>
+            <a:pPr>
+              <a:lnSpc>
+                <a:spcPct val="100000"/>
+              </a:lnSpc>
+            </a:pPr>
+            <a:r>
+              <a:rPr lang="pt-BR" sz="3200" spc="-1" dirty="0" smtClean="0">
+                <a:uFill>
+                  <a:solidFill>
+                    <a:srgbClr val="FFFFFF"/>
+                  </a:solidFill>
+                </a:uFill>
+                <a:latin typeface="Arial" panose="020B0604020202020204" pitchFamily="34" charset="0"/>
+                <a:cs typeface="Arial" panose="020B0604020202020204" pitchFamily="34" charset="0"/>
+              </a:rPr>
+              <a:t>Tarefa: criar um projeto no </a:t>
+            </a:r>
+            <a:r>
+              <a:rPr lang="pt-BR" sz="3200" spc="-1" dirty="0" err="1" smtClean="0">
+                <a:uFill>
+                  <a:solidFill>
+                    <a:srgbClr val="FFFFFF"/>
+                  </a:solidFill>
+                </a:uFill>
+                <a:latin typeface="Arial" panose="020B0604020202020204" pitchFamily="34" charset="0"/>
+                <a:cs typeface="Arial" panose="020B0604020202020204" pitchFamily="34" charset="0"/>
+              </a:rPr>
+              <a:t>gitlab</a:t>
+            </a:r>
+            <a:endParaRPr lang="pt-BR" sz="1800" b="0" strike="noStrike" spc="-1" dirty="0">
+              <a:uFill>
+                <a:solidFill>
+                  <a:srgbClr val="FFFFFF"/>
+                </a:solidFill>
+              </a:uFill>
+              <a:latin typeface="Arial" panose="020B0604020202020204" pitchFamily="34" charset="0"/>
+              <a:cs typeface="Arial" panose="020B0604020202020204" pitchFamily="34" charset="0"/>
+            </a:endParaRPr>
+          </a:p>
+        </p:txBody>
+      </p:sp>
+      <p:sp>
+        <p:nvSpPr>
+          <p:cNvPr id="6" name="CustomShape 2"/>
+          <p:cNvSpPr/>
+          <p:nvPr/>
+        </p:nvSpPr>
+        <p:spPr>
+          <a:xfrm>
+            <a:off x="334800" y="2146320"/>
+            <a:ext cx="11543400" cy="2067840"/>
+          </a:xfrm>
+          <a:prstGeom prst="rect">
+            <a:avLst/>
+          </a:prstGeom>
+          <a:noFill/>
+          <a:ln>
+            <a:noFill/>
+          </a:ln>
+        </p:spPr>
+        <p:style>
+          <a:lnRef idx="0">
+            <a:scrgbClr r="0" g="0" b="0"/>
+          </a:lnRef>
+          <a:fillRef idx="0">
+            <a:scrgbClr r="0" g="0" b="0"/>
+          </a:fillRef>
+          <a:effectRef idx="0">
+            <a:scrgbClr r="0" g="0" b="0"/>
+          </a:effectRef>
+          <a:fontRef idx="minor"/>
+        </p:style>
+        <p:txBody>
+          <a:bodyPr lIns="90000" tIns="45000" rIns="90000" bIns="45000"/>
+          <a:lstStyle/>
+          <a:p>
+            <a:pPr marL="2160">
+              <a:lnSpc>
+                <a:spcPct val="90000"/>
+              </a:lnSpc>
+              <a:buClr>
+                <a:srgbClr val="808080"/>
+              </a:buClr>
+            </a:pPr>
+            <a:endParaRPr lang="pt-BR" sz="1800" b="0" strike="noStrike" spc="-1" dirty="0" smtClean="0">
+              <a:solidFill>
+                <a:srgbClr val="000000"/>
+              </a:solidFill>
+              <a:uFill>
+                <a:solidFill>
+                  <a:srgbClr val="FFFFFF"/>
+                </a:solidFill>
+              </a:uFill>
+              <a:latin typeface="Arial"/>
+            </a:endParaRPr>
+          </a:p>
+          <a:p>
+            <a:pPr>
+              <a:lnSpc>
+                <a:spcPct val="90000"/>
+              </a:lnSpc>
+            </a:pPr>
+            <a:r>
+              <a:rPr lang="pt-BR" sz="3200" spc="-1" dirty="0" smtClean="0">
+                <a:uFill>
+                  <a:solidFill>
+                    <a:srgbClr val="FFFFFF"/>
+                  </a:solidFill>
+                </a:uFill>
+                <a:latin typeface="Arial"/>
+              </a:rPr>
+              <a:t>Na tela de projetos (tela inicial)</a:t>
+            </a:r>
+          </a:p>
+          <a:p>
+            <a:pPr>
+              <a:lnSpc>
+                <a:spcPct val="90000"/>
+              </a:lnSpc>
+            </a:pPr>
+            <a:endParaRPr lang="pt-BR" sz="3200" spc="-1" dirty="0">
+              <a:uFill>
+                <a:solidFill>
+                  <a:srgbClr val="FFFFFF"/>
+                </a:solidFill>
+              </a:uFill>
+              <a:latin typeface="Arial"/>
+            </a:endParaRPr>
+          </a:p>
+          <a:p>
+            <a:pPr>
+              <a:lnSpc>
+                <a:spcPct val="90000"/>
+              </a:lnSpc>
+            </a:pPr>
+            <a:r>
+              <a:rPr lang="pt-BR" sz="3200" spc="-1" dirty="0" smtClean="0">
+                <a:uFill>
+                  <a:solidFill>
+                    <a:srgbClr val="FFFFFF"/>
+                  </a:solidFill>
+                </a:uFill>
+                <a:latin typeface="Arial"/>
+              </a:rPr>
+              <a:t>Clicar em “New </a:t>
+            </a:r>
+            <a:r>
+              <a:rPr lang="pt-BR" sz="3200" spc="-1" dirty="0" err="1" smtClean="0">
+                <a:uFill>
+                  <a:solidFill>
+                    <a:srgbClr val="FFFFFF"/>
+                  </a:solidFill>
+                </a:uFill>
+                <a:latin typeface="Arial"/>
+              </a:rPr>
+              <a:t>project</a:t>
+            </a:r>
+            <a:r>
+              <a:rPr lang="pt-BR" sz="3200" spc="-1" dirty="0" smtClean="0">
+                <a:uFill>
+                  <a:solidFill>
+                    <a:srgbClr val="FFFFFF"/>
+                  </a:solidFill>
+                </a:uFill>
+                <a:latin typeface="Arial"/>
+              </a:rPr>
+              <a:t>”</a:t>
+            </a:r>
+          </a:p>
+          <a:p>
+            <a:pPr>
+              <a:lnSpc>
+                <a:spcPct val="90000"/>
+              </a:lnSpc>
+            </a:pPr>
+            <a:endParaRPr lang="pt-BR" sz="3200" spc="-1" dirty="0">
+              <a:uFill>
+                <a:solidFill>
+                  <a:srgbClr val="FFFFFF"/>
+                </a:solidFill>
+              </a:uFill>
+              <a:latin typeface="Arial"/>
+            </a:endParaRPr>
+          </a:p>
+          <a:p>
+            <a:pPr>
+              <a:lnSpc>
+                <a:spcPct val="90000"/>
+              </a:lnSpc>
+            </a:pPr>
+            <a:r>
+              <a:rPr lang="pt-BR" sz="3200" spc="-1" dirty="0" smtClean="0">
+                <a:uFill>
+                  <a:solidFill>
+                    <a:srgbClr val="FFFFFF"/>
+                  </a:solidFill>
+                </a:uFill>
+                <a:latin typeface="Arial"/>
+              </a:rPr>
+              <a:t>Marcar “</a:t>
+            </a:r>
+            <a:r>
+              <a:rPr lang="pt-BR" sz="3200" spc="-1" dirty="0" err="1" smtClean="0">
+                <a:uFill>
+                  <a:solidFill>
+                    <a:srgbClr val="FFFFFF"/>
+                  </a:solidFill>
+                </a:uFill>
+                <a:latin typeface="Arial"/>
+              </a:rPr>
+              <a:t>Visibility</a:t>
+            </a:r>
+            <a:r>
+              <a:rPr lang="pt-BR" sz="3200" spc="-1" dirty="0" smtClean="0">
+                <a:uFill>
+                  <a:solidFill>
+                    <a:srgbClr val="FFFFFF"/>
+                  </a:solidFill>
+                </a:uFill>
+                <a:latin typeface="Arial"/>
+              </a:rPr>
+              <a:t> </a:t>
+            </a:r>
+            <a:r>
+              <a:rPr lang="pt-BR" sz="3200" spc="-1" dirty="0" err="1" smtClean="0">
+                <a:uFill>
+                  <a:solidFill>
+                    <a:srgbClr val="FFFFFF"/>
+                  </a:solidFill>
+                </a:uFill>
+                <a:latin typeface="Arial"/>
+              </a:rPr>
+              <a:t>level</a:t>
+            </a:r>
+            <a:r>
+              <a:rPr lang="pt-BR" sz="3200" spc="-1" dirty="0" smtClean="0">
+                <a:uFill>
+                  <a:solidFill>
+                    <a:srgbClr val="FFFFFF"/>
+                  </a:solidFill>
+                </a:uFill>
+                <a:latin typeface="Arial"/>
+              </a:rPr>
+              <a:t>” como “</a:t>
+            </a:r>
+            <a:r>
+              <a:rPr lang="pt-BR" sz="3200" spc="-1" dirty="0" err="1" smtClean="0">
+                <a:uFill>
+                  <a:solidFill>
+                    <a:srgbClr val="FFFFFF"/>
+                  </a:solidFill>
+                </a:uFill>
+                <a:latin typeface="Arial"/>
+              </a:rPr>
+              <a:t>public</a:t>
+            </a:r>
+            <a:r>
+              <a:rPr lang="pt-BR" sz="3200" spc="-1" dirty="0" smtClean="0">
+                <a:uFill>
+                  <a:solidFill>
+                    <a:srgbClr val="FFFFFF"/>
+                  </a:solidFill>
+                </a:uFill>
+                <a:latin typeface="Arial"/>
+              </a:rPr>
+              <a:t>”</a:t>
+            </a:r>
+          </a:p>
+          <a:p>
+            <a:pPr>
+              <a:lnSpc>
+                <a:spcPct val="90000"/>
+              </a:lnSpc>
+            </a:pPr>
+            <a:endParaRPr lang="pt-BR" sz="3200" spc="-1" dirty="0">
+              <a:uFill>
+                <a:solidFill>
+                  <a:srgbClr val="FFFFFF"/>
+                </a:solidFill>
+              </a:uFill>
+              <a:latin typeface="Arial"/>
+            </a:endParaRPr>
+          </a:p>
+          <a:p>
+            <a:pPr>
+              <a:lnSpc>
+                <a:spcPct val="90000"/>
+              </a:lnSpc>
+            </a:pPr>
+            <a:r>
+              <a:rPr lang="pt-BR" sz="3200" spc="-1" dirty="0" smtClean="0">
+                <a:uFill>
+                  <a:solidFill>
+                    <a:srgbClr val="FFFFFF"/>
+                  </a:solidFill>
+                </a:uFill>
+                <a:latin typeface="Arial"/>
+              </a:rPr>
+              <a:t>Marcar “</a:t>
+            </a:r>
+            <a:r>
+              <a:rPr lang="pt-BR" sz="3200" spc="-1" dirty="0" err="1" smtClean="0">
+                <a:uFill>
+                  <a:solidFill>
+                    <a:srgbClr val="FFFFFF"/>
+                  </a:solidFill>
+                </a:uFill>
+                <a:latin typeface="Arial"/>
+              </a:rPr>
+              <a:t>Initialize</a:t>
+            </a:r>
+            <a:r>
+              <a:rPr lang="pt-BR" sz="3200" spc="-1" dirty="0" smtClean="0">
+                <a:uFill>
+                  <a:solidFill>
+                    <a:srgbClr val="FFFFFF"/>
+                  </a:solidFill>
+                </a:uFill>
+                <a:latin typeface="Arial"/>
+              </a:rPr>
+              <a:t> </a:t>
+            </a:r>
+            <a:r>
+              <a:rPr lang="pt-BR" sz="3200" spc="-1" dirty="0" err="1" smtClean="0">
+                <a:uFill>
+                  <a:solidFill>
+                    <a:srgbClr val="FFFFFF"/>
+                  </a:solidFill>
+                </a:uFill>
+                <a:latin typeface="Arial"/>
+              </a:rPr>
+              <a:t>repository</a:t>
+            </a:r>
+            <a:r>
+              <a:rPr lang="pt-BR" sz="3200" spc="-1" dirty="0" smtClean="0">
+                <a:uFill>
+                  <a:solidFill>
+                    <a:srgbClr val="FFFFFF"/>
+                  </a:solidFill>
+                </a:uFill>
+                <a:latin typeface="Arial"/>
+              </a:rPr>
+              <a:t> </a:t>
+            </a:r>
+            <a:r>
+              <a:rPr lang="pt-BR" sz="3200" spc="-1" dirty="0" err="1" smtClean="0">
+                <a:uFill>
+                  <a:solidFill>
+                    <a:srgbClr val="FFFFFF"/>
+                  </a:solidFill>
+                </a:uFill>
+                <a:latin typeface="Arial"/>
+              </a:rPr>
+              <a:t>with</a:t>
+            </a:r>
+            <a:r>
+              <a:rPr lang="pt-BR" sz="3200" spc="-1" dirty="0" smtClean="0">
+                <a:uFill>
+                  <a:solidFill>
+                    <a:srgbClr val="FFFFFF"/>
+                  </a:solidFill>
+                </a:uFill>
+                <a:latin typeface="Arial"/>
+              </a:rPr>
+              <a:t> a README”</a:t>
+            </a:r>
+          </a:p>
+          <a:p>
+            <a:pPr>
+              <a:lnSpc>
+                <a:spcPct val="90000"/>
+              </a:lnSpc>
+            </a:pPr>
+            <a:endParaRPr lang="pt-BR" sz="3200" spc="-1" dirty="0">
+              <a:uFill>
+                <a:solidFill>
+                  <a:srgbClr val="FFFFFF"/>
+                </a:solidFill>
+              </a:uFill>
+              <a:latin typeface="Arial"/>
+            </a:endParaRPr>
+          </a:p>
+          <a:p>
+            <a:pPr>
+              <a:lnSpc>
+                <a:spcPct val="90000"/>
+              </a:lnSpc>
+            </a:pPr>
+            <a:r>
+              <a:rPr lang="pt-BR" sz="3200" spc="-1" dirty="0" smtClean="0">
+                <a:uFill>
+                  <a:solidFill>
+                    <a:srgbClr val="FFFFFF"/>
+                  </a:solidFill>
+                </a:uFill>
+                <a:latin typeface="Arial"/>
+              </a:rPr>
+              <a:t>Clicar em “</a:t>
+            </a:r>
+            <a:r>
+              <a:rPr lang="pt-BR" sz="3200" spc="-1" dirty="0" err="1" smtClean="0">
+                <a:uFill>
+                  <a:solidFill>
+                    <a:srgbClr val="FFFFFF"/>
+                  </a:solidFill>
+                </a:uFill>
+                <a:latin typeface="Arial"/>
+              </a:rPr>
+              <a:t>Create</a:t>
+            </a:r>
+            <a:r>
+              <a:rPr lang="pt-BR" sz="3200" spc="-1" dirty="0" smtClean="0">
+                <a:uFill>
+                  <a:solidFill>
+                    <a:srgbClr val="FFFFFF"/>
+                  </a:solidFill>
+                </a:uFill>
+                <a:latin typeface="Arial"/>
+              </a:rPr>
+              <a:t> </a:t>
+            </a:r>
+            <a:r>
+              <a:rPr lang="pt-BR" sz="3200" spc="-1" dirty="0" err="1" smtClean="0">
+                <a:uFill>
+                  <a:solidFill>
+                    <a:srgbClr val="FFFFFF"/>
+                  </a:solidFill>
+                </a:uFill>
+                <a:latin typeface="Arial"/>
+              </a:rPr>
+              <a:t>project</a:t>
+            </a:r>
+            <a:r>
+              <a:rPr lang="pt-BR" sz="3200" spc="-1" dirty="0" smtClean="0">
+                <a:uFill>
+                  <a:solidFill>
+                    <a:srgbClr val="FFFFFF"/>
+                  </a:solidFill>
+                </a:uFill>
+                <a:latin typeface="Arial"/>
+              </a:rPr>
+              <a:t>”</a:t>
+            </a:r>
+          </a:p>
+        </p:txBody>
+      </p:sp>
+    </p:spTree>
+    <p:extLst>
+      <p:ext uri="{BB962C8B-B14F-4D97-AF65-F5344CB8AC3E}">
+        <p14:creationId xmlns:p14="http://schemas.microsoft.com/office/powerpoint/2010/main" val="1321581160"/>
+      </p:ext>
+    </p:extLst>
+  </p:cSld>
+  <p:clrMapOvr>
+    <a:masterClrMapping/>
+  </p:clrMapOvr>
+  <p:timing>
+    <p:tnLst>
+      <p:par>
+        <p:cTn id="1" dur="indefinite" restart="never" nodeType="tmRoot"/>
+      </p:par>
+    </p:tnLst>
+  </p:timing>
+</p:sld>
+</file>
+
+<file path=ppt/slides/slide11.xml><?xml version="1.0" encoding="utf-8"?>
+<p:sld xmlns:a="http://schemas.openxmlformats.org/drawingml/2006/main" xmlns:r="http://schemas.openxmlformats.org/officeDocument/2006/relationships" xmlns:p="http://schemas.openxmlformats.org/presentationml/2006/main">
+  <p:cSld>
+    <p:spTree>
+      <p:nvGrpSpPr>
+        <p:cNvPr id="1" name=""/>
+        <p:cNvGrpSpPr/>
+        <p:nvPr/>
+      </p:nvGrpSpPr>
+      <p:grpSpPr>
+        <a:xfrm>
+          <a:off x="0" y="0"/>
+          <a:ext cx="0" cy="0"/>
+          <a:chOff x="0" y="0"/>
+          <a:chExt cx="0" cy="0"/>
+        </a:xfrm>
+      </p:grpSpPr>
+      <p:sp>
+        <p:nvSpPr>
+          <p:cNvPr id="168" name="CustomShape 1"/>
+          <p:cNvSpPr/>
+          <p:nvPr/>
+        </p:nvSpPr>
+        <p:spPr>
+          <a:xfrm>
+            <a:off x="217800" y="-18720"/>
+            <a:ext cx="10513440" cy="1323360"/>
+          </a:xfrm>
+          <a:prstGeom prst="rect">
+            <a:avLst/>
+          </a:prstGeom>
+          <a:noFill/>
+          <a:ln>
+            <a:noFill/>
+          </a:ln>
+        </p:spPr>
+        <p:style>
+          <a:lnRef idx="0">
+            <a:scrgbClr r="0" g="0" b="0"/>
+          </a:lnRef>
+          <a:fillRef idx="0">
+            <a:scrgbClr r="0" g="0" b="0"/>
+          </a:fillRef>
+          <a:effectRef idx="0">
+            <a:scrgbClr r="0" g="0" b="0"/>
+          </a:effectRef>
+          <a:fontRef idx="minor"/>
+        </p:style>
+        <p:txBody>
+          <a:bodyPr lIns="90000" tIns="45000" rIns="90000" bIns="45000" anchor="ctr"/>
+          <a:lstStyle/>
+          <a:p>
+            <a:pPr>
+              <a:lnSpc>
+                <a:spcPct val="100000"/>
+              </a:lnSpc>
+            </a:pPr>
+            <a:r>
+              <a:rPr lang="pt-BR" sz="3200" spc="-1" dirty="0" smtClean="0">
+                <a:uFill>
+                  <a:solidFill>
+                    <a:srgbClr val="FFFFFF"/>
+                  </a:solidFill>
+                </a:uFill>
+                <a:latin typeface="Arial" panose="020B0604020202020204" pitchFamily="34" charset="0"/>
+                <a:cs typeface="Arial" panose="020B0604020202020204" pitchFamily="34" charset="0"/>
+              </a:rPr>
+              <a:t>Tarefa: </a:t>
+            </a:r>
+            <a:r>
+              <a:rPr lang="pt-BR" sz="3200" spc="-1" dirty="0" err="1" smtClean="0">
+                <a:uFill>
+                  <a:solidFill>
+                    <a:srgbClr val="FFFFFF"/>
+                  </a:solidFill>
+                </a:uFill>
+                <a:latin typeface="Arial" panose="020B0604020202020204" pitchFamily="34" charset="0"/>
+                <a:cs typeface="Arial" panose="020B0604020202020204" pitchFamily="34" charset="0"/>
+              </a:rPr>
+              <a:t>git</a:t>
+            </a:r>
+            <a:r>
+              <a:rPr lang="pt-BR" sz="3200" spc="-1" dirty="0" smtClean="0">
+                <a:uFill>
+                  <a:solidFill>
+                    <a:srgbClr val="FFFFFF"/>
+                  </a:solidFill>
+                </a:uFill>
+                <a:latin typeface="Arial" panose="020B0604020202020204" pitchFamily="34" charset="0"/>
+                <a:cs typeface="Arial" panose="020B0604020202020204" pitchFamily="34" charset="0"/>
+              </a:rPr>
+              <a:t> </a:t>
+            </a:r>
+            <a:r>
+              <a:rPr lang="pt-BR" sz="3200" spc="-1" dirty="0" err="1" smtClean="0">
+                <a:uFill>
+                  <a:solidFill>
+                    <a:srgbClr val="FFFFFF"/>
+                  </a:solidFill>
+                </a:uFill>
+                <a:latin typeface="Arial" panose="020B0604020202020204" pitchFamily="34" charset="0"/>
+                <a:cs typeface="Arial" panose="020B0604020202020204" pitchFamily="34" charset="0"/>
+              </a:rPr>
+              <a:t>init</a:t>
+            </a:r>
+            <a:endParaRPr lang="pt-BR" sz="1800" b="0" strike="noStrike" spc="-1" dirty="0">
+              <a:uFill>
+                <a:solidFill>
+                  <a:srgbClr val="FFFFFF"/>
+                </a:solidFill>
+              </a:uFill>
+              <a:latin typeface="Arial" panose="020B0604020202020204" pitchFamily="34" charset="0"/>
+              <a:cs typeface="Arial" panose="020B0604020202020204" pitchFamily="34" charset="0"/>
+            </a:endParaRPr>
+          </a:p>
+        </p:txBody>
+      </p:sp>
+      <p:sp>
+        <p:nvSpPr>
+          <p:cNvPr id="6" name="CustomShape 2"/>
+          <p:cNvSpPr/>
+          <p:nvPr/>
+        </p:nvSpPr>
+        <p:spPr>
+          <a:xfrm>
+            <a:off x="334800" y="1649192"/>
+            <a:ext cx="11543400" cy="2067840"/>
+          </a:xfrm>
+          <a:prstGeom prst="rect">
+            <a:avLst/>
+          </a:prstGeom>
+          <a:noFill/>
+          <a:ln>
+            <a:noFill/>
+          </a:ln>
+        </p:spPr>
+        <p:style>
+          <a:lnRef idx="0">
+            <a:scrgbClr r="0" g="0" b="0"/>
+          </a:lnRef>
+          <a:fillRef idx="0">
+            <a:scrgbClr r="0" g="0" b="0"/>
+          </a:fillRef>
+          <a:effectRef idx="0">
+            <a:scrgbClr r="0" g="0" b="0"/>
+          </a:effectRef>
+          <a:fontRef idx="minor"/>
+        </p:style>
+        <p:txBody>
+          <a:bodyPr lIns="90000" tIns="45000" rIns="90000" bIns="45000"/>
+          <a:lstStyle/>
+          <a:p>
+            <a:pPr marL="2160">
+              <a:lnSpc>
+                <a:spcPct val="90000"/>
+              </a:lnSpc>
+              <a:buClr>
+                <a:srgbClr val="808080"/>
+              </a:buClr>
+            </a:pPr>
+            <a:endParaRPr lang="pt-BR" sz="1800" b="0" strike="noStrike" spc="-1" dirty="0" smtClean="0">
+              <a:solidFill>
+                <a:srgbClr val="000000"/>
+              </a:solidFill>
+              <a:uFill>
+                <a:solidFill>
+                  <a:srgbClr val="FFFFFF"/>
+                </a:solidFill>
+              </a:uFill>
+              <a:latin typeface="Arial"/>
+            </a:endParaRPr>
+          </a:p>
+          <a:p>
+            <a:pPr>
+              <a:lnSpc>
+                <a:spcPct val="90000"/>
+              </a:lnSpc>
+            </a:pPr>
+            <a:r>
+              <a:rPr lang="pt-BR" sz="3200" spc="-1" dirty="0" smtClean="0">
+                <a:uFill>
+                  <a:solidFill>
+                    <a:srgbClr val="FFFFFF"/>
+                  </a:solidFill>
+                </a:uFill>
+                <a:latin typeface="Arial"/>
+              </a:rPr>
+              <a:t>No terminal:</a:t>
+            </a:r>
+          </a:p>
+          <a:p>
+            <a:pPr>
+              <a:lnSpc>
+                <a:spcPct val="90000"/>
+              </a:lnSpc>
+            </a:pPr>
+            <a:endParaRPr lang="pt-BR" sz="3200" spc="-1" dirty="0">
+              <a:uFill>
+                <a:solidFill>
+                  <a:srgbClr val="FFFFFF"/>
+                </a:solidFill>
+              </a:uFill>
+              <a:latin typeface="Arial"/>
+            </a:endParaRPr>
+          </a:p>
+          <a:p>
+            <a:pPr>
+              <a:lnSpc>
+                <a:spcPct val="90000"/>
+              </a:lnSpc>
+            </a:pPr>
+            <a:r>
+              <a:rPr lang="pt-BR" sz="3200" spc="-1" dirty="0" err="1">
+                <a:uFill>
+                  <a:solidFill>
+                    <a:srgbClr val="FFFFFF"/>
+                  </a:solidFill>
+                </a:uFill>
+                <a:latin typeface="Arial"/>
+              </a:rPr>
+              <a:t>m</a:t>
+            </a:r>
+            <a:r>
+              <a:rPr lang="pt-BR" sz="3200" spc="-1" dirty="0" err="1" smtClean="0">
+                <a:uFill>
+                  <a:solidFill>
+                    <a:srgbClr val="FFFFFF"/>
+                  </a:solidFill>
+                </a:uFill>
+                <a:latin typeface="Arial"/>
+              </a:rPr>
+              <a:t>kdir</a:t>
+            </a:r>
+            <a:r>
+              <a:rPr lang="pt-BR" sz="3200" spc="-1" dirty="0" smtClean="0">
+                <a:uFill>
+                  <a:solidFill>
+                    <a:srgbClr val="FFFFFF"/>
+                  </a:solidFill>
+                </a:uFill>
+                <a:latin typeface="Arial"/>
+              </a:rPr>
+              <a:t> </a:t>
+            </a:r>
+            <a:r>
+              <a:rPr lang="pt-BR" sz="3200" spc="-1" dirty="0" err="1" smtClean="0">
+                <a:uFill>
+                  <a:solidFill>
+                    <a:srgbClr val="FFFFFF"/>
+                  </a:solidFill>
+                </a:uFill>
+                <a:latin typeface="Arial"/>
+              </a:rPr>
+              <a:t>curso_git</a:t>
+            </a:r>
+            <a:endParaRPr lang="pt-BR" sz="3200" spc="-1" dirty="0" smtClean="0">
+              <a:uFill>
+                <a:solidFill>
+                  <a:srgbClr val="FFFFFF"/>
+                </a:solidFill>
+              </a:uFill>
+              <a:latin typeface="Arial"/>
+            </a:endParaRPr>
+          </a:p>
+          <a:p>
+            <a:pPr>
+              <a:lnSpc>
+                <a:spcPct val="90000"/>
+              </a:lnSpc>
+            </a:pPr>
+            <a:r>
+              <a:rPr lang="pt-BR" sz="3200" spc="-1" dirty="0" err="1">
+                <a:uFill>
+                  <a:solidFill>
+                    <a:srgbClr val="FFFFFF"/>
+                  </a:solidFill>
+                </a:uFill>
+                <a:latin typeface="Arial"/>
+              </a:rPr>
+              <a:t>c</a:t>
+            </a:r>
+            <a:r>
+              <a:rPr lang="pt-BR" sz="3200" spc="-1" dirty="0" err="1" smtClean="0">
+                <a:uFill>
+                  <a:solidFill>
+                    <a:srgbClr val="FFFFFF"/>
+                  </a:solidFill>
+                </a:uFill>
+                <a:latin typeface="Arial"/>
+              </a:rPr>
+              <a:t>d</a:t>
+            </a:r>
+            <a:r>
+              <a:rPr lang="pt-BR" sz="3200" spc="-1" dirty="0" smtClean="0">
+                <a:uFill>
+                  <a:solidFill>
+                    <a:srgbClr val="FFFFFF"/>
+                  </a:solidFill>
+                </a:uFill>
+                <a:latin typeface="Arial"/>
+              </a:rPr>
+              <a:t> </a:t>
+            </a:r>
+            <a:r>
+              <a:rPr lang="pt-BR" sz="3200" spc="-1" dirty="0" err="1" smtClean="0">
+                <a:uFill>
+                  <a:solidFill>
+                    <a:srgbClr val="FFFFFF"/>
+                  </a:solidFill>
+                </a:uFill>
+                <a:latin typeface="Arial"/>
+              </a:rPr>
+              <a:t>curso_git</a:t>
+            </a:r>
+            <a:endParaRPr lang="pt-BR" sz="3200" spc="-1" dirty="0" smtClean="0">
+              <a:uFill>
+                <a:solidFill>
+                  <a:srgbClr val="FFFFFF"/>
+                </a:solidFill>
+              </a:uFill>
+              <a:latin typeface="Arial"/>
+            </a:endParaRPr>
+          </a:p>
+          <a:p>
+            <a:pPr>
+              <a:lnSpc>
+                <a:spcPct val="90000"/>
+              </a:lnSpc>
+            </a:pPr>
+            <a:r>
+              <a:rPr lang="pt-BR" sz="3200" spc="-1" dirty="0" err="1">
+                <a:uFill>
+                  <a:solidFill>
+                    <a:srgbClr val="FFFFFF"/>
+                  </a:solidFill>
+                </a:uFill>
+                <a:latin typeface="Arial"/>
+              </a:rPr>
+              <a:t>g</a:t>
+            </a:r>
+            <a:r>
+              <a:rPr lang="pt-BR" sz="3200" spc="-1" dirty="0" err="1" smtClean="0">
+                <a:uFill>
+                  <a:solidFill>
+                    <a:srgbClr val="FFFFFF"/>
+                  </a:solidFill>
+                </a:uFill>
+                <a:latin typeface="Arial"/>
+              </a:rPr>
+              <a:t>it</a:t>
+            </a:r>
+            <a:r>
+              <a:rPr lang="pt-BR" sz="3200" spc="-1" dirty="0" smtClean="0">
+                <a:uFill>
+                  <a:solidFill>
+                    <a:srgbClr val="FFFFFF"/>
+                  </a:solidFill>
+                </a:uFill>
+                <a:latin typeface="Arial"/>
+              </a:rPr>
+              <a:t> </a:t>
+            </a:r>
+            <a:r>
+              <a:rPr lang="pt-BR" sz="3200" spc="-1" dirty="0" err="1" smtClean="0">
+                <a:uFill>
+                  <a:solidFill>
+                    <a:srgbClr val="FFFFFF"/>
+                  </a:solidFill>
+                </a:uFill>
+                <a:latin typeface="Arial"/>
+              </a:rPr>
+              <a:t>init</a:t>
+            </a:r>
+            <a:endParaRPr lang="pt-BR" sz="3200" spc="-1" dirty="0" smtClean="0">
+              <a:uFill>
+                <a:solidFill>
+                  <a:srgbClr val="FFFFFF"/>
+                </a:solidFill>
+              </a:uFill>
+              <a:latin typeface="Arial"/>
+            </a:endParaRPr>
+          </a:p>
+          <a:p>
+            <a:pPr>
+              <a:lnSpc>
+                <a:spcPct val="90000"/>
+              </a:lnSpc>
+            </a:pPr>
+            <a:endParaRPr lang="pt-BR" sz="3200" spc="-1" dirty="0">
+              <a:uFill>
+                <a:solidFill>
+                  <a:srgbClr val="FFFFFF"/>
+                </a:solidFill>
+              </a:uFill>
+              <a:latin typeface="Arial"/>
+            </a:endParaRPr>
+          </a:p>
+          <a:p>
+            <a:pPr>
+              <a:lnSpc>
+                <a:spcPct val="90000"/>
+              </a:lnSpc>
+            </a:pPr>
+            <a:r>
+              <a:rPr lang="pt-BR" sz="3200" spc="-1" dirty="0" smtClean="0">
+                <a:uFill>
+                  <a:solidFill>
+                    <a:srgbClr val="FFFFFF"/>
+                  </a:solidFill>
+                </a:uFill>
+                <a:latin typeface="Arial"/>
+              </a:rPr>
+              <a:t>No Windows </a:t>
+            </a:r>
+            <a:r>
+              <a:rPr lang="pt-BR" sz="3200" spc="-1" dirty="0" err="1" smtClean="0">
+                <a:uFill>
+                  <a:solidFill>
+                    <a:srgbClr val="FFFFFF"/>
+                  </a:solidFill>
+                </a:uFill>
+                <a:latin typeface="Arial"/>
+              </a:rPr>
+              <a:t>explorer</a:t>
+            </a:r>
+            <a:r>
+              <a:rPr lang="pt-BR" sz="3200" spc="-1" dirty="0" smtClean="0">
+                <a:uFill>
+                  <a:solidFill>
+                    <a:srgbClr val="FFFFFF"/>
+                  </a:solidFill>
+                </a:uFill>
+                <a:latin typeface="Arial"/>
+              </a:rPr>
+              <a:t>:</a:t>
+            </a:r>
+          </a:p>
+          <a:p>
+            <a:pPr>
+              <a:lnSpc>
+                <a:spcPct val="90000"/>
+              </a:lnSpc>
+            </a:pPr>
+            <a:endParaRPr lang="pt-BR" sz="3200" spc="-1" dirty="0">
+              <a:uFill>
+                <a:solidFill>
+                  <a:srgbClr val="FFFFFF"/>
+                </a:solidFill>
+              </a:uFill>
+              <a:latin typeface="Arial"/>
+            </a:endParaRPr>
+          </a:p>
+          <a:p>
+            <a:pPr>
+              <a:lnSpc>
+                <a:spcPct val="90000"/>
+              </a:lnSpc>
+            </a:pPr>
+            <a:r>
+              <a:rPr lang="pt-BR" sz="3200" spc="-1" dirty="0" smtClean="0">
+                <a:uFill>
+                  <a:solidFill>
+                    <a:srgbClr val="FFFFFF"/>
+                  </a:solidFill>
+                </a:uFill>
+                <a:latin typeface="Arial"/>
+              </a:rPr>
+              <a:t>Exibir -&gt; Mostrar/Ocultar</a:t>
+            </a:r>
+          </a:p>
+          <a:p>
+            <a:pPr>
+              <a:lnSpc>
+                <a:spcPct val="90000"/>
+              </a:lnSpc>
+            </a:pPr>
+            <a:r>
+              <a:rPr lang="pt-BR" sz="3200" spc="-1" dirty="0" smtClean="0">
+                <a:uFill>
+                  <a:solidFill>
+                    <a:srgbClr val="FFFFFF"/>
+                  </a:solidFill>
+                </a:uFill>
+                <a:latin typeface="Arial"/>
+              </a:rPr>
+              <a:t>Marcar Itens ocultos</a:t>
+            </a:r>
+            <a:endParaRPr lang="pt-BR" sz="3200" spc="-1" dirty="0" smtClean="0">
+              <a:uFill>
+                <a:solidFill>
+                  <a:srgbClr val="FFFFFF"/>
+                </a:solidFill>
+              </a:uFill>
+              <a:latin typeface="Arial"/>
+            </a:endParaRPr>
+          </a:p>
+          <a:p>
+            <a:pPr>
+              <a:lnSpc>
+                <a:spcPct val="90000"/>
+              </a:lnSpc>
+            </a:pPr>
+            <a:endParaRPr lang="pt-BR" sz="3200" spc="-1" dirty="0" smtClean="0">
+              <a:uFill>
+                <a:solidFill>
+                  <a:srgbClr val="FFFFFF"/>
+                </a:solidFill>
+              </a:uFill>
+              <a:latin typeface="Arial"/>
+            </a:endParaRPr>
+          </a:p>
+        </p:txBody>
+      </p:sp>
+    </p:spTree>
+    <p:extLst>
+      <p:ext uri="{BB962C8B-B14F-4D97-AF65-F5344CB8AC3E}">
+        <p14:creationId xmlns:p14="http://schemas.microsoft.com/office/powerpoint/2010/main" val="1921685299"/>
+      </p:ext>
+    </p:extLst>
+  </p:cSld>
+  <p:clrMapOvr>
+    <a:masterClrMapping/>
+  </p:clrMapOvr>
+  <p:timing>
+    <p:tnLst>
+      <p:par>
+        <p:cTn id="1" dur="indefinite" restart="never" nodeType="tmRoot"/>
+      </p:par>
+    </p:tnLst>
+  </p:timing>
+</p:sld>
+</file>
+
+<file path=ppt/slides/slide12.xml><?xml version="1.0" encoding="utf-8"?>
+<p:sld xmlns:a="http://schemas.openxmlformats.org/drawingml/2006/main" xmlns:r="http://schemas.openxmlformats.org/officeDocument/2006/relationships" xmlns:p="http://schemas.openxmlformats.org/presentationml/2006/main">
+  <p:cSld>
+    <p:spTree>
+      <p:nvGrpSpPr>
+        <p:cNvPr id="1" name=""/>
+        <p:cNvGrpSpPr/>
+        <p:nvPr/>
+      </p:nvGrpSpPr>
+      <p:grpSpPr>
+        <a:xfrm>
+          <a:off x="0" y="0"/>
+          <a:ext cx="0" cy="0"/>
+          <a:chOff x="0" y="0"/>
+          <a:chExt cx="0" cy="0"/>
+        </a:xfrm>
+      </p:grpSpPr>
+      <p:sp>
+        <p:nvSpPr>
+          <p:cNvPr id="168" name="CustomShape 1"/>
+          <p:cNvSpPr/>
+          <p:nvPr/>
+        </p:nvSpPr>
+        <p:spPr>
+          <a:xfrm>
+            <a:off x="217800" y="-18720"/>
+            <a:ext cx="10513440" cy="1323360"/>
+          </a:xfrm>
+          <a:prstGeom prst="rect">
+            <a:avLst/>
+          </a:prstGeom>
+          <a:noFill/>
+          <a:ln>
+            <a:noFill/>
+          </a:ln>
+        </p:spPr>
+        <p:style>
+          <a:lnRef idx="0">
+            <a:scrgbClr r="0" g="0" b="0"/>
+          </a:lnRef>
+          <a:fillRef idx="0">
+            <a:scrgbClr r="0" g="0" b="0"/>
+          </a:fillRef>
+          <a:effectRef idx="0">
+            <a:scrgbClr r="0" g="0" b="0"/>
+          </a:effectRef>
+          <a:fontRef idx="minor"/>
+        </p:style>
+        <p:txBody>
+          <a:bodyPr lIns="90000" tIns="45000" rIns="90000" bIns="45000" anchor="ctr"/>
+          <a:lstStyle/>
+          <a:p>
+            <a:pPr>
+              <a:lnSpc>
+                <a:spcPct val="100000"/>
+              </a:lnSpc>
+            </a:pPr>
+            <a:r>
+              <a:rPr lang="pt-BR" sz="3200" spc="-1" dirty="0" smtClean="0">
+                <a:uFill>
+                  <a:solidFill>
+                    <a:srgbClr val="FFFFFF"/>
+                  </a:solidFill>
+                </a:uFill>
+                <a:latin typeface="Arial" panose="020B0604020202020204" pitchFamily="34" charset="0"/>
+                <a:cs typeface="Arial" panose="020B0604020202020204" pitchFamily="34" charset="0"/>
+              </a:rPr>
+              <a:t>Tarefa: </a:t>
+            </a:r>
+            <a:r>
+              <a:rPr lang="pt-BR" sz="3200" spc="-1" dirty="0" err="1" smtClean="0">
+                <a:uFill>
+                  <a:solidFill>
+                    <a:srgbClr val="FFFFFF"/>
+                  </a:solidFill>
+                </a:uFill>
+                <a:latin typeface="Arial" panose="020B0604020202020204" pitchFamily="34" charset="0"/>
+                <a:cs typeface="Arial" panose="020B0604020202020204" pitchFamily="34" charset="0"/>
+              </a:rPr>
+              <a:t>git</a:t>
+            </a:r>
+            <a:r>
+              <a:rPr lang="pt-BR" sz="3200" spc="-1" dirty="0" smtClean="0">
+                <a:uFill>
+                  <a:solidFill>
+                    <a:srgbClr val="FFFFFF"/>
+                  </a:solidFill>
+                </a:uFill>
+                <a:latin typeface="Arial" panose="020B0604020202020204" pitchFamily="34" charset="0"/>
+                <a:cs typeface="Arial" panose="020B0604020202020204" pitchFamily="34" charset="0"/>
+              </a:rPr>
+              <a:t> </a:t>
+            </a:r>
+            <a:r>
+              <a:rPr lang="pt-BR" sz="3200" spc="-1" dirty="0" err="1" smtClean="0">
+                <a:uFill>
+                  <a:solidFill>
+                    <a:srgbClr val="FFFFFF"/>
+                  </a:solidFill>
+                </a:uFill>
+                <a:latin typeface="Arial" panose="020B0604020202020204" pitchFamily="34" charset="0"/>
+                <a:cs typeface="Arial" panose="020B0604020202020204" pitchFamily="34" charset="0"/>
+              </a:rPr>
+              <a:t>remote</a:t>
+            </a:r>
+            <a:endParaRPr lang="pt-BR" sz="1800" b="0" strike="noStrike" spc="-1" dirty="0">
+              <a:uFill>
+                <a:solidFill>
+                  <a:srgbClr val="FFFFFF"/>
+                </a:solidFill>
+              </a:uFill>
+              <a:latin typeface="Arial" panose="020B0604020202020204" pitchFamily="34" charset="0"/>
+              <a:cs typeface="Arial" panose="020B0604020202020204" pitchFamily="34" charset="0"/>
+            </a:endParaRPr>
+          </a:p>
+        </p:txBody>
+      </p:sp>
+      <p:sp>
+        <p:nvSpPr>
+          <p:cNvPr id="6" name="CustomShape 2"/>
+          <p:cNvSpPr/>
+          <p:nvPr/>
+        </p:nvSpPr>
+        <p:spPr>
+          <a:xfrm>
+            <a:off x="334800" y="1649192"/>
+            <a:ext cx="11543400" cy="2067840"/>
+          </a:xfrm>
+          <a:prstGeom prst="rect">
+            <a:avLst/>
+          </a:prstGeom>
+          <a:noFill/>
+          <a:ln>
+            <a:noFill/>
+          </a:ln>
+        </p:spPr>
+        <p:style>
+          <a:lnRef idx="0">
+            <a:scrgbClr r="0" g="0" b="0"/>
+          </a:lnRef>
+          <a:fillRef idx="0">
+            <a:scrgbClr r="0" g="0" b="0"/>
+          </a:fillRef>
+          <a:effectRef idx="0">
+            <a:scrgbClr r="0" g="0" b="0"/>
+          </a:effectRef>
+          <a:fontRef idx="minor"/>
+        </p:style>
+        <p:txBody>
+          <a:bodyPr lIns="90000" tIns="45000" rIns="90000" bIns="45000"/>
+          <a:lstStyle/>
+          <a:p>
+            <a:pPr marL="2160">
+              <a:lnSpc>
+                <a:spcPct val="90000"/>
+              </a:lnSpc>
+              <a:buClr>
+                <a:srgbClr val="808080"/>
+              </a:buClr>
+            </a:pPr>
+            <a:endParaRPr lang="pt-BR" sz="1800" b="0" strike="noStrike" spc="-1" dirty="0" smtClean="0">
+              <a:solidFill>
+                <a:srgbClr val="000000"/>
+              </a:solidFill>
+              <a:uFill>
+                <a:solidFill>
+                  <a:srgbClr val="FFFFFF"/>
+                </a:solidFill>
+              </a:uFill>
+              <a:latin typeface="Arial"/>
+            </a:endParaRPr>
+          </a:p>
+          <a:p>
+            <a:pPr>
+              <a:lnSpc>
+                <a:spcPct val="90000"/>
+              </a:lnSpc>
+            </a:pPr>
+            <a:r>
+              <a:rPr lang="pt-BR" sz="3200" spc="-1" dirty="0" smtClean="0">
+                <a:uFill>
+                  <a:solidFill>
+                    <a:srgbClr val="FFFFFF"/>
+                  </a:solidFill>
+                </a:uFill>
+                <a:latin typeface="Arial"/>
+              </a:rPr>
+              <a:t>No terminal:</a:t>
+            </a:r>
+          </a:p>
+          <a:p>
+            <a:pPr>
+              <a:lnSpc>
+                <a:spcPct val="90000"/>
+              </a:lnSpc>
+            </a:pPr>
+            <a:endParaRPr lang="pt-BR" sz="3200" spc="-1" dirty="0">
+              <a:uFill>
+                <a:solidFill>
+                  <a:srgbClr val="FFFFFF"/>
+                </a:solidFill>
+              </a:uFill>
+              <a:latin typeface="Arial"/>
+            </a:endParaRPr>
+          </a:p>
+          <a:p>
+            <a:pPr>
+              <a:lnSpc>
+                <a:spcPct val="90000"/>
+              </a:lnSpc>
+            </a:pPr>
+            <a:r>
+              <a:rPr lang="pt-BR" sz="3200" spc="-1" dirty="0" err="1" smtClean="0">
+                <a:uFill>
+                  <a:solidFill>
+                    <a:srgbClr val="FFFFFF"/>
+                  </a:solidFill>
+                </a:uFill>
+                <a:latin typeface="Arial"/>
+              </a:rPr>
+              <a:t>git</a:t>
+            </a:r>
+            <a:r>
+              <a:rPr lang="pt-BR" sz="3200" spc="-1" dirty="0" smtClean="0">
+                <a:uFill>
+                  <a:solidFill>
+                    <a:srgbClr val="FFFFFF"/>
+                  </a:solidFill>
+                </a:uFill>
+                <a:latin typeface="Arial"/>
+              </a:rPr>
+              <a:t> </a:t>
+            </a:r>
+            <a:r>
+              <a:rPr lang="pt-BR" sz="3200" spc="-1" dirty="0" err="1" smtClean="0">
+                <a:uFill>
+                  <a:solidFill>
+                    <a:srgbClr val="FFFFFF"/>
+                  </a:solidFill>
+                </a:uFill>
+                <a:latin typeface="Arial"/>
+              </a:rPr>
+              <a:t>remote</a:t>
+            </a:r>
+            <a:r>
+              <a:rPr lang="pt-BR" sz="3200" spc="-1" dirty="0" smtClean="0">
+                <a:uFill>
+                  <a:solidFill>
+                    <a:srgbClr val="FFFFFF"/>
+                  </a:solidFill>
+                </a:uFill>
+                <a:latin typeface="Arial"/>
+              </a:rPr>
+              <a:t> –v</a:t>
+            </a:r>
+          </a:p>
+          <a:p>
+            <a:pPr>
+              <a:lnSpc>
+                <a:spcPct val="90000"/>
+              </a:lnSpc>
+            </a:pPr>
+            <a:endParaRPr lang="pt-BR" sz="3200" spc="-1" dirty="0">
+              <a:uFill>
+                <a:solidFill>
+                  <a:srgbClr val="FFFFFF"/>
+                </a:solidFill>
+              </a:uFill>
+              <a:latin typeface="Arial"/>
+            </a:endParaRPr>
+          </a:p>
+          <a:p>
+            <a:pPr>
+              <a:lnSpc>
+                <a:spcPct val="90000"/>
+              </a:lnSpc>
+            </a:pPr>
+            <a:r>
+              <a:rPr lang="pt-BR" sz="3200" spc="-1" dirty="0" err="1" smtClean="0">
+                <a:uFill>
+                  <a:solidFill>
+                    <a:srgbClr val="FFFFFF"/>
+                  </a:solidFill>
+                </a:uFill>
+                <a:latin typeface="Arial"/>
+              </a:rPr>
+              <a:t>git</a:t>
+            </a:r>
+            <a:r>
+              <a:rPr lang="pt-BR" sz="3200" spc="-1" dirty="0" smtClean="0">
+                <a:uFill>
+                  <a:solidFill>
+                    <a:srgbClr val="FFFFFF"/>
+                  </a:solidFill>
+                </a:uFill>
+                <a:latin typeface="Arial"/>
+              </a:rPr>
+              <a:t> </a:t>
+            </a:r>
+            <a:r>
+              <a:rPr lang="pt-BR" sz="3200" spc="-1" dirty="0" err="1" smtClean="0">
+                <a:uFill>
+                  <a:solidFill>
+                    <a:srgbClr val="FFFFFF"/>
+                  </a:solidFill>
+                </a:uFill>
+                <a:latin typeface="Arial"/>
+              </a:rPr>
+              <a:t>remote</a:t>
+            </a:r>
+            <a:r>
+              <a:rPr lang="pt-BR" sz="3200" spc="-1" dirty="0" smtClean="0">
+                <a:uFill>
+                  <a:solidFill>
+                    <a:srgbClr val="FFFFFF"/>
+                  </a:solidFill>
+                </a:uFill>
+                <a:latin typeface="Arial"/>
+              </a:rPr>
+              <a:t> </a:t>
+            </a:r>
+            <a:r>
+              <a:rPr lang="pt-BR" sz="3200" spc="-1" dirty="0" err="1" smtClean="0">
+                <a:uFill>
+                  <a:solidFill>
+                    <a:srgbClr val="FFFFFF"/>
+                  </a:solidFill>
+                </a:uFill>
+                <a:latin typeface="Arial"/>
+              </a:rPr>
+              <a:t>add</a:t>
+            </a:r>
+            <a:r>
+              <a:rPr lang="pt-BR" sz="3200" spc="-1" dirty="0" smtClean="0">
+                <a:uFill>
+                  <a:solidFill>
+                    <a:srgbClr val="FFFFFF"/>
+                  </a:solidFill>
+                </a:uFill>
+                <a:latin typeface="Arial"/>
+              </a:rPr>
+              <a:t> </a:t>
+            </a:r>
+            <a:r>
+              <a:rPr lang="pt-BR" sz="3200" spc="-1" dirty="0" err="1" smtClean="0">
+                <a:uFill>
+                  <a:solidFill>
+                    <a:srgbClr val="FFFFFF"/>
+                  </a:solidFill>
+                </a:uFill>
+                <a:latin typeface="Arial"/>
+              </a:rPr>
+              <a:t>origin</a:t>
+            </a:r>
+            <a:r>
+              <a:rPr lang="pt-BR" sz="3200" spc="-1" dirty="0" smtClean="0">
+                <a:uFill>
+                  <a:solidFill>
+                    <a:srgbClr val="FFFFFF"/>
+                  </a:solidFill>
+                </a:uFill>
+                <a:latin typeface="Arial"/>
+              </a:rPr>
+              <a:t> https://gitlab.com/&lt;usuário&gt;/&lt;repositorio&gt;.git</a:t>
+            </a:r>
+            <a:endParaRPr lang="pt-BR" sz="3200" spc="-1" dirty="0" smtClean="0">
+              <a:uFill>
+                <a:solidFill>
+                  <a:srgbClr val="FFFFFF"/>
+                </a:solidFill>
+              </a:uFill>
+              <a:latin typeface="Arial"/>
+            </a:endParaRPr>
+          </a:p>
+          <a:p>
+            <a:pPr>
+              <a:lnSpc>
+                <a:spcPct val="90000"/>
+              </a:lnSpc>
+            </a:pPr>
+            <a:endParaRPr lang="pt-BR" sz="3200" spc="-1" dirty="0" smtClean="0">
+              <a:uFill>
+                <a:solidFill>
+                  <a:srgbClr val="FFFFFF"/>
+                </a:solidFill>
+              </a:uFill>
+              <a:latin typeface="Arial"/>
+            </a:endParaRPr>
+          </a:p>
+        </p:txBody>
+      </p:sp>
+    </p:spTree>
+    <p:extLst>
+      <p:ext uri="{BB962C8B-B14F-4D97-AF65-F5344CB8AC3E}">
+        <p14:creationId xmlns:p14="http://schemas.microsoft.com/office/powerpoint/2010/main" val="1266009522"/>
+      </p:ext>
+    </p:extLst>
+  </p:cSld>
+  <p:clrMapOvr>
+    <a:masterClrMapping/>
+  </p:clrMapOvr>
+  <p:timing>
+    <p:tnLst>
+      <p:par>
+        <p:cTn id="1" dur="indefinite" restart="never" nodeType="tmRoot"/>
+      </p:par>
+    </p:tnLst>
+  </p:timing>
+</p:sld>
+</file>
+
+<file path=ppt/slides/slide13.xml><?xml version="1.0" encoding="utf-8"?>
+<p:sld xmlns:a="http://schemas.openxmlformats.org/drawingml/2006/main" xmlns:r="http://schemas.openxmlformats.org/officeDocument/2006/relationships" xmlns:p="http://schemas.openxmlformats.org/presentationml/2006/main">
+  <p:cSld>
+    <p:spTree>
+      <p:nvGrpSpPr>
+        <p:cNvPr id="1" name=""/>
+        <p:cNvGrpSpPr/>
+        <p:nvPr/>
+      </p:nvGrpSpPr>
+      <p:grpSpPr>
+        <a:xfrm>
+          <a:off x="0" y="0"/>
+          <a:ext cx="0" cy="0"/>
+          <a:chOff x="0" y="0"/>
+          <a:chExt cx="0" cy="0"/>
+        </a:xfrm>
+      </p:grpSpPr>
+      <p:sp>
+        <p:nvSpPr>
           <p:cNvPr id="177" name="CustomShape 1"/>
           <p:cNvSpPr/>
           <p:nvPr/>
@@ -3125,29 +4592,23 @@
             </a:pPr>
             <a:r>
               <a:rPr lang="pt-BR" sz="3200" b="0" strike="noStrike" spc="-1" dirty="0" smtClean="0">
-                <a:solidFill>
-                  <a:srgbClr val="A6A6A6"/>
-                </a:solidFill>
-                <a:uFill>
-                  <a:solidFill>
-                    <a:srgbClr val="FFFFFF"/>
-                  </a:solidFill>
-                </a:uFill>
-                <a:latin typeface="EDP Preon"/>
+                <a:uFill>
+                  <a:solidFill>
+                    <a:srgbClr val="FFFFFF"/>
+                  </a:solidFill>
+                </a:uFill>
+                <a:latin typeface="+mj-lt"/>
                 <a:ea typeface="DejaVu Sans"/>
               </a:rPr>
               <a:t>Arquitetura</a:t>
             </a:r>
             <a:endParaRPr lang="pt-BR" sz="1800" b="0" strike="noStrike" spc="-1" dirty="0">
-              <a:solidFill>
-                <a:srgbClr val="000000"/>
-              </a:solidFill>
-              <a:uFill>
-                <a:solidFill>
-                  <a:srgbClr val="FFFFFF"/>
-                </a:solidFill>
-              </a:uFill>
-              <a:latin typeface="Arial"/>
+              <a:uFill>
+                <a:solidFill>
+                  <a:srgbClr val="FFFFFF"/>
+                </a:solidFill>
+              </a:uFill>
+              <a:latin typeface="+mj-lt"/>
             </a:endParaRPr>
           </a:p>
         </p:txBody>
@@ -3217,7 +4678,271 @@
 </p:sld>
 </file>
 
-<file path=ppt/slides/slide11.xml><?xml version="1.0" encoding="utf-8"?>
+<file path=ppt/slides/slide14.xml><?xml version="1.0" encoding="utf-8"?>
+<p:sld xmlns:a="http://schemas.openxmlformats.org/drawingml/2006/main" xmlns:r="http://schemas.openxmlformats.org/officeDocument/2006/relationships" xmlns:p="http://schemas.openxmlformats.org/presentationml/2006/main">
+  <p:cSld>
+    <p:spTree>
+      <p:nvGrpSpPr>
+        <p:cNvPr id="1" name=""/>
+        <p:cNvGrpSpPr/>
+        <p:nvPr/>
+      </p:nvGrpSpPr>
+      <p:grpSpPr>
+        <a:xfrm>
+          <a:off x="0" y="0"/>
+          <a:ext cx="0" cy="0"/>
+          <a:chOff x="0" y="0"/>
+          <a:chExt cx="0" cy="0"/>
+        </a:xfrm>
+      </p:grpSpPr>
+      <p:sp>
+        <p:nvSpPr>
+          <p:cNvPr id="177" name="CustomShape 1"/>
+          <p:cNvSpPr/>
+          <p:nvPr/>
+        </p:nvSpPr>
+        <p:spPr>
+          <a:xfrm>
+            <a:off x="217800" y="-18720"/>
+            <a:ext cx="10513440" cy="1323360"/>
+          </a:xfrm>
+          <a:prstGeom prst="rect">
+            <a:avLst/>
+          </a:prstGeom>
+          <a:noFill/>
+          <a:ln>
+            <a:noFill/>
+          </a:ln>
+        </p:spPr>
+        <p:style>
+          <a:lnRef idx="0">
+            <a:scrgbClr r="0" g="0" b="0"/>
+          </a:lnRef>
+          <a:fillRef idx="0">
+            <a:scrgbClr r="0" g="0" b="0"/>
+          </a:fillRef>
+          <a:effectRef idx="0">
+            <a:scrgbClr r="0" g="0" b="0"/>
+          </a:effectRef>
+          <a:fontRef idx="minor"/>
+        </p:style>
+        <p:txBody>
+          <a:bodyPr lIns="90000" tIns="45000" rIns="90000" bIns="45000" anchor="ctr"/>
+          <a:lstStyle/>
+          <a:p>
+            <a:pPr>
+              <a:lnSpc>
+                <a:spcPct val="100000"/>
+              </a:lnSpc>
+            </a:pPr>
+            <a:r>
+              <a:rPr lang="pt-BR" sz="3200" b="0" strike="noStrike" spc="-1" dirty="0" err="1" smtClean="0">
+                <a:uFill>
+                  <a:solidFill>
+                    <a:srgbClr val="FFFFFF"/>
+                  </a:solidFill>
+                </a:uFill>
+                <a:latin typeface="+mj-lt"/>
+                <a:ea typeface="DejaVu Sans"/>
+              </a:rPr>
+              <a:t>Staging</a:t>
+            </a:r>
+            <a:r>
+              <a:rPr lang="pt-BR" sz="3200" b="0" strike="noStrike" spc="-1" dirty="0" smtClean="0">
+                <a:uFill>
+                  <a:solidFill>
+                    <a:srgbClr val="FFFFFF"/>
+                  </a:solidFill>
+                </a:uFill>
+                <a:latin typeface="+mj-lt"/>
+                <a:ea typeface="DejaVu Sans"/>
+              </a:rPr>
+              <a:t> </a:t>
+            </a:r>
+            <a:r>
+              <a:rPr lang="pt-BR" sz="3200" b="0" strike="noStrike" spc="-1" dirty="0" err="1" smtClean="0">
+                <a:uFill>
+                  <a:solidFill>
+                    <a:srgbClr val="FFFFFF"/>
+                  </a:solidFill>
+                </a:uFill>
+                <a:latin typeface="+mj-lt"/>
+                <a:ea typeface="DejaVu Sans"/>
+              </a:rPr>
+              <a:t>area</a:t>
+            </a:r>
+            <a:endParaRPr lang="pt-BR" sz="1800" b="0" strike="noStrike" spc="-1" dirty="0">
+              <a:uFill>
+                <a:solidFill>
+                  <a:srgbClr val="FFFFFF"/>
+                </a:solidFill>
+              </a:uFill>
+              <a:latin typeface="+mj-lt"/>
+            </a:endParaRPr>
+          </a:p>
+        </p:txBody>
+      </p:sp>
+    </p:spTree>
+    <p:extLst>
+      <p:ext uri="{BB962C8B-B14F-4D97-AF65-F5344CB8AC3E}">
+        <p14:creationId xmlns:p14="http://schemas.microsoft.com/office/powerpoint/2010/main" val="1646215842"/>
+      </p:ext>
+    </p:extLst>
+  </p:cSld>
+  <p:clrMapOvr>
+    <a:masterClrMapping/>
+  </p:clrMapOvr>
+  <p:timing>
+    <p:tnLst>
+      <p:par>
+        <p:cTn id="1" dur="indefinite" restart="never" nodeType="tmRoot">
+          <p:childTnLst>
+            <p:seq>
+              <p:cTn id="2" nodeType="mainSeq"/>
+              <p:prevCondLst>
+                <p:cond evt="onPrev" delay="0">
+                  <p:tgtEl>
+                    <p:sldTgt/>
+                  </p:tgtEl>
+                </p:cond>
+              </p:prevCondLst>
+              <p:nextCondLst>
+                <p:cond evt="onNext" delay="0">
+                  <p:tgtEl>
+                    <p:sldTgt/>
+                  </p:tgtEl>
+                </p:cond>
+              </p:nextCondLst>
+            </p:seq>
+          </p:childTnLst>
+        </p:cTn>
+      </p:par>
+    </p:tnLst>
+  </p:timing>
+</p:sld>
+</file>
+
+<file path=ppt/slides/slide15.xml><?xml version="1.0" encoding="utf-8"?>
+<p:sld xmlns:a="http://schemas.openxmlformats.org/drawingml/2006/main" xmlns:r="http://schemas.openxmlformats.org/officeDocument/2006/relationships" xmlns:p="http://schemas.openxmlformats.org/presentationml/2006/main">
+  <p:cSld>
+    <p:spTree>
+      <p:nvGrpSpPr>
+        <p:cNvPr id="1" name=""/>
+        <p:cNvGrpSpPr/>
+        <p:nvPr/>
+      </p:nvGrpSpPr>
+      <p:grpSpPr>
+        <a:xfrm>
+          <a:off x="0" y="0"/>
+          <a:ext cx="0" cy="0"/>
+          <a:chOff x="0" y="0"/>
+          <a:chExt cx="0" cy="0"/>
+        </a:xfrm>
+      </p:grpSpPr>
+      <p:sp>
+        <p:nvSpPr>
+          <p:cNvPr id="177" name="CustomShape 1"/>
+          <p:cNvSpPr/>
+          <p:nvPr/>
+        </p:nvSpPr>
+        <p:spPr>
+          <a:xfrm>
+            <a:off x="217800" y="-18720"/>
+            <a:ext cx="10513440" cy="1323360"/>
+          </a:xfrm>
+          <a:prstGeom prst="rect">
+            <a:avLst/>
+          </a:prstGeom>
+          <a:noFill/>
+          <a:ln>
+            <a:noFill/>
+          </a:ln>
+        </p:spPr>
+        <p:style>
+          <a:lnRef idx="0">
+            <a:scrgbClr r="0" g="0" b="0"/>
+          </a:lnRef>
+          <a:fillRef idx="0">
+            <a:scrgbClr r="0" g="0" b="0"/>
+          </a:fillRef>
+          <a:effectRef idx="0">
+            <a:scrgbClr r="0" g="0" b="0"/>
+          </a:effectRef>
+          <a:fontRef idx="minor"/>
+        </p:style>
+        <p:txBody>
+          <a:bodyPr lIns="90000" tIns="45000" rIns="90000" bIns="45000" anchor="ctr"/>
+          <a:lstStyle/>
+          <a:p>
+            <a:pPr>
+              <a:lnSpc>
+                <a:spcPct val="100000"/>
+              </a:lnSpc>
+            </a:pPr>
+            <a:r>
+              <a:rPr lang="pt-BR" sz="3200" b="0" strike="noStrike" spc="-1" dirty="0" err="1" smtClean="0">
+                <a:uFill>
+                  <a:solidFill>
+                    <a:srgbClr val="FFFFFF"/>
+                  </a:solidFill>
+                </a:uFill>
+                <a:latin typeface="+mj-lt"/>
+                <a:ea typeface="DejaVu Sans"/>
+              </a:rPr>
+              <a:t>Repository</a:t>
+            </a:r>
+            <a:endParaRPr lang="pt-BR" sz="1800" b="0" strike="noStrike" spc="-1" dirty="0">
+              <a:uFill>
+                <a:solidFill>
+                  <a:srgbClr val="FFFFFF"/>
+                </a:solidFill>
+              </a:uFill>
+              <a:latin typeface="+mj-lt"/>
+            </a:endParaRPr>
+          </a:p>
+        </p:txBody>
+      </p:sp>
+    </p:spTree>
+    <p:extLst>
+      <p:ext uri="{BB962C8B-B14F-4D97-AF65-F5344CB8AC3E}">
+        <p14:creationId xmlns:p14="http://schemas.microsoft.com/office/powerpoint/2010/main" val="28021659"/>
+      </p:ext>
+    </p:extLst>
+  </p:cSld>
+  <p:clrMapOvr>
+    <a:masterClrMapping/>
+  </p:clrMapOvr>
+  <p:timing>
+    <p:tnLst>
+      <p:par>
+        <p:cTn id="1" dur="indefinite" restart="never" nodeType="tmRoot">
+          <p:childTnLst>
+            <p:seq>
+              <p:cTn id="2" nodeType="mainSeq"/>
+              <p:prevCondLst>
+                <p:cond evt="onPrev" delay="0">
+                  <p:tgtEl>
+                    <p:sldTgt/>
+                  </p:tgtEl>
+                </p:cond>
+              </p:prevCondLst>
+              <p:nextCondLst>
+                <p:cond evt="onNext" delay="0">
+                  <p:tgtEl>
+                    <p:sldTgt/>
+                  </p:tgtEl>
+                </p:cond>
+              </p:nextCondLst>
+            </p:seq>
+          </p:childTnLst>
+        </p:cTn>
+      </p:par>
+    </p:tnLst>
+  </p:timing>
+</p:sld>
+</file>
+
+<file path=ppt/slides/slide16.xml><?xml version="1.0" encoding="utf-8"?>
 <p:sld xmlns:a="http://schemas.openxmlformats.org/drawingml/2006/main" xmlns:r="http://schemas.openxmlformats.org/officeDocument/2006/relationships" xmlns:p="http://schemas.openxmlformats.org/presentationml/2006/main">
   <p:cSld>
     <p:spTree>
@@ -3383,7 +5108,7 @@
 </p:sld>
 </file>
 
-<file path=ppt/slides/slide12.xml><?xml version="1.0" encoding="utf-8"?>
+<file path=ppt/slides/slide17.xml><?xml version="1.0" encoding="utf-8"?>
 <p:sld xmlns:a="http://schemas.openxmlformats.org/drawingml/2006/main" xmlns:r="http://schemas.openxmlformats.org/officeDocument/2006/relationships" xmlns:p="http://schemas.openxmlformats.org/presentationml/2006/main">
   <p:cSld>
     <p:spTree>
@@ -3534,7 +5259,7 @@
 </p:sld>
 </file>
 
-<file path=ppt/slides/slide13.xml><?xml version="1.0" encoding="utf-8"?>
+<file path=ppt/slides/slide18.xml><?xml version="1.0" encoding="utf-8"?>
 <p:sld xmlns:a="http://schemas.openxmlformats.org/drawingml/2006/main" xmlns:r="http://schemas.openxmlformats.org/officeDocument/2006/relationships" xmlns:p="http://schemas.openxmlformats.org/presentationml/2006/main">
   <p:cSld>
     <p:spTree>
@@ -3720,7 +5445,7 @@
 </p:sld>
 </file>
 
-<file path=ppt/slides/slide14.xml><?xml version="1.0" encoding="utf-8"?>
+<file path=ppt/slides/slide19.xml><?xml version="1.0" encoding="utf-8"?>
 <p:sld xmlns:a="http://schemas.openxmlformats.org/drawingml/2006/main" xmlns:r="http://schemas.openxmlformats.org/officeDocument/2006/relationships" xmlns:p="http://schemas.openxmlformats.org/presentationml/2006/main">
   <p:cSld>
     <p:spTree>
@@ -3892,7 +5617,69 @@
 </p:sld>
 </file>
 
-<file path=ppt/slides/slide15.xml><?xml version="1.0" encoding="utf-8"?>
+<file path=ppt/slides/slide2.xml><?xml version="1.0" encoding="utf-8"?>
+<p:sld xmlns:a="http://schemas.openxmlformats.org/drawingml/2006/main" xmlns:r="http://schemas.openxmlformats.org/officeDocument/2006/relationships" xmlns:p="http://schemas.openxmlformats.org/presentationml/2006/main">
+  <p:cSld>
+    <p:spTree>
+      <p:nvGrpSpPr>
+        <p:cNvPr id="1" name=""/>
+        <p:cNvGrpSpPr/>
+        <p:nvPr/>
+      </p:nvGrpSpPr>
+      <p:grpSpPr>
+        <a:xfrm>
+          <a:off x="0" y="0"/>
+          <a:ext cx="0" cy="0"/>
+          <a:chOff x="0" y="0"/>
+          <a:chExt cx="0" cy="0"/>
+        </a:xfrm>
+      </p:grpSpPr>
+      <p:pic>
+        <p:nvPicPr>
+          <p:cNvPr id="2" name="Imagem 1"/>
+          <p:cNvPicPr preferRelativeResize="0">
+            <a:picLocks/>
+          </p:cNvPicPr>
+          <p:nvPr/>
+        </p:nvPicPr>
+        <p:blipFill>
+          <a:blip r:embed="rId3" cstate="print">
+            <a:extLst>
+              <a:ext uri="{28A0092B-C50C-407E-A947-70E740481C1C}">
+                <a14:useLocalDpi xmlns:a14="http://schemas.microsoft.com/office/drawing/2010/main" val="0"/>
+              </a:ext>
+            </a:extLst>
+          </a:blip>
+          <a:stretch>
+            <a:fillRect/>
+          </a:stretch>
+        </p:blipFill>
+        <p:spPr>
+          <a:xfrm>
+            <a:off x="0" y="0"/>
+            <a:ext cx="12192000" cy="6858000"/>
+          </a:xfrm>
+          <a:prstGeom prst="rect">
+            <a:avLst/>
+          </a:prstGeom>
+        </p:spPr>
+      </p:pic>
+    </p:spTree>
+  </p:cSld>
+  <p:clrMapOvr>
+    <a:masterClrMapping/>
+  </p:clrMapOvr>
+  <p:timing>
+    <p:tnLst>
+      <p:par>
+        <p:cTn id="1" dur="indefinite" restart="never" nodeType="tmRoot"/>
+      </p:par>
+    </p:tnLst>
+  </p:timing>
+</p:sld>
+</file>
+
+<file path=ppt/slides/slide20.xml><?xml version="1.0" encoding="utf-8"?>
 <p:sld xmlns:a="http://schemas.openxmlformats.org/drawingml/2006/main" xmlns:r="http://schemas.openxmlformats.org/officeDocument/2006/relationships" xmlns:p="http://schemas.openxmlformats.org/presentationml/2006/main">
   <p:cSld>
     <p:spTree>
@@ -5190,7 +6977,7 @@
 </p:sld>
 </file>
 
-<file path=ppt/slides/slide16.xml><?xml version="1.0" encoding="utf-8"?>
+<file path=ppt/slides/slide21.xml><?xml version="1.0" encoding="utf-8"?>
 <p:sld xmlns:a="http://schemas.openxmlformats.org/drawingml/2006/main" xmlns:r="http://schemas.openxmlformats.org/officeDocument/2006/relationships" xmlns:p="http://schemas.openxmlformats.org/presentationml/2006/main">
   <p:cSld>
     <p:spTree>
@@ -6456,7 +8243,7 @@
 </p:sld>
 </file>
 
-<file path=ppt/slides/slide17.xml><?xml version="1.0" encoding="utf-8"?>
+<file path=ppt/slides/slide22.xml><?xml version="1.0" encoding="utf-8"?>
 <p:sld xmlns:a="http://schemas.openxmlformats.org/drawingml/2006/main" xmlns:r="http://schemas.openxmlformats.org/officeDocument/2006/relationships" xmlns:p="http://schemas.openxmlformats.org/presentationml/2006/main">
   <p:cSld>
     <p:spTree>
@@ -6612,7 +8399,7 @@
 </p:sld>
 </file>
 
-<file path=ppt/slides/slide18.xml><?xml version="1.0" encoding="utf-8"?>
+<file path=ppt/slides/slide23.xml><?xml version="1.0" encoding="utf-8"?>
 <p:sld xmlns:a="http://schemas.openxmlformats.org/drawingml/2006/main" xmlns:r="http://schemas.openxmlformats.org/officeDocument/2006/relationships" xmlns:p="http://schemas.openxmlformats.org/presentationml/2006/main">
   <p:cSld>
     <p:spTree>
@@ -7470,7 +9257,7 @@
 </p:sld>
 </file>
 
-<file path=ppt/slides/slide19.xml><?xml version="1.0" encoding="utf-8"?>
+<file path=ppt/slides/slide24.xml><?xml version="1.0" encoding="utf-8"?>
 <p:sld xmlns:a="http://schemas.openxmlformats.org/drawingml/2006/main" xmlns:r="http://schemas.openxmlformats.org/officeDocument/2006/relationships" xmlns:p="http://schemas.openxmlformats.org/presentationml/2006/main">
   <p:cSld>
     <p:spTree>
@@ -7984,69 +9771,7 @@
 </p:sld>
 </file>
 
-<file path=ppt/slides/slide2.xml><?xml version="1.0" encoding="utf-8"?>
-<p:sld xmlns:a="http://schemas.openxmlformats.org/drawingml/2006/main" xmlns:r="http://schemas.openxmlformats.org/officeDocument/2006/relationships" xmlns:p="http://schemas.openxmlformats.org/presentationml/2006/main">
-  <p:cSld>
-    <p:spTree>
-      <p:nvGrpSpPr>
-        <p:cNvPr id="1" name=""/>
-        <p:cNvGrpSpPr/>
-        <p:nvPr/>
-      </p:nvGrpSpPr>
-      <p:grpSpPr>
-        <a:xfrm>
-          <a:off x="0" y="0"/>
-          <a:ext cx="0" cy="0"/>
-          <a:chOff x="0" y="0"/>
-          <a:chExt cx="0" cy="0"/>
-        </a:xfrm>
-      </p:grpSpPr>
-      <p:pic>
-        <p:nvPicPr>
-          <p:cNvPr id="2" name="Imagem 1"/>
-          <p:cNvPicPr preferRelativeResize="0">
-            <a:picLocks/>
-          </p:cNvPicPr>
-          <p:nvPr/>
-        </p:nvPicPr>
-        <p:blipFill>
-          <a:blip r:embed="rId3" cstate="print">
-            <a:extLst>
-              <a:ext uri="{28A0092B-C50C-407E-A947-70E740481C1C}">
-                <a14:useLocalDpi xmlns:a14="http://schemas.microsoft.com/office/drawing/2010/main" val="0"/>
-              </a:ext>
-            </a:extLst>
-          </a:blip>
-          <a:stretch>
-            <a:fillRect/>
-          </a:stretch>
-        </p:blipFill>
-        <p:spPr>
-          <a:xfrm>
-            <a:off x="0" y="0"/>
-            <a:ext cx="12192000" cy="6858000"/>
-          </a:xfrm>
-          <a:prstGeom prst="rect">
-            <a:avLst/>
-          </a:prstGeom>
-        </p:spPr>
-      </p:pic>
-    </p:spTree>
-  </p:cSld>
-  <p:clrMapOvr>
-    <a:masterClrMapping/>
-  </p:clrMapOvr>
-  <p:timing>
-    <p:tnLst>
-      <p:par>
-        <p:cTn id="1" dur="indefinite" restart="never" nodeType="tmRoot"/>
-      </p:par>
-    </p:tnLst>
-  </p:timing>
-</p:sld>
-</file>
-
-<file path=ppt/slides/slide20.xml><?xml version="1.0" encoding="utf-8"?>
+<file path=ppt/slides/slide25.xml><?xml version="1.0" encoding="utf-8"?>
 <p:sld xmlns:a="http://schemas.openxmlformats.org/drawingml/2006/main" xmlns:r="http://schemas.openxmlformats.org/officeDocument/2006/relationships" xmlns:p="http://schemas.openxmlformats.org/presentationml/2006/main">
   <p:cSld>
     <p:spTree>
@@ -8228,810 +9953,6 @@
       </p:grpSpPr>
       <p:sp>
         <p:nvSpPr>
-          <p:cNvPr id="168" name="CustomShape 1"/>
-          <p:cNvSpPr/>
-          <p:nvPr/>
-        </p:nvSpPr>
-        <p:spPr>
-          <a:xfrm>
-            <a:off x="217800" y="-18720"/>
-            <a:ext cx="10513440" cy="1323360"/>
-          </a:xfrm>
-          <a:prstGeom prst="rect">
-            <a:avLst/>
-          </a:prstGeom>
-          <a:noFill/>
-          <a:ln>
-            <a:noFill/>
-          </a:ln>
-        </p:spPr>
-        <p:style>
-          <a:lnRef idx="0">
-            <a:scrgbClr r="0" g="0" b="0"/>
-          </a:lnRef>
-          <a:fillRef idx="0">
-            <a:scrgbClr r="0" g="0" b="0"/>
-          </a:fillRef>
-          <a:effectRef idx="0">
-            <a:scrgbClr r="0" g="0" b="0"/>
-          </a:effectRef>
-          <a:fontRef idx="minor"/>
-        </p:style>
-        <p:txBody>
-          <a:bodyPr lIns="90000" tIns="45000" rIns="90000" bIns="45000" anchor="ctr"/>
-          <a:lstStyle/>
-          <a:p>
-            <a:pPr>
-              <a:lnSpc>
-                <a:spcPct val="100000"/>
-              </a:lnSpc>
-            </a:pPr>
-            <a:r>
-              <a:rPr lang="pt-BR" sz="3200" spc="-1" dirty="0" smtClean="0">
-                <a:uFill>
-                  <a:solidFill>
-                    <a:srgbClr val="FFFFFF"/>
-                  </a:solidFill>
-                </a:uFill>
-                <a:latin typeface="Arial" panose="020B0604020202020204" pitchFamily="34" charset="0"/>
-                <a:cs typeface="Arial" panose="020B0604020202020204" pitchFamily="34" charset="0"/>
-              </a:rPr>
-              <a:t>O que é o </a:t>
-            </a:r>
-            <a:r>
-              <a:rPr lang="pt-BR" sz="3200" spc="-1" dirty="0" err="1" smtClean="0">
-                <a:uFill>
-                  <a:solidFill>
-                    <a:srgbClr val="FFFFFF"/>
-                  </a:solidFill>
-                </a:uFill>
-                <a:latin typeface="Arial" panose="020B0604020202020204" pitchFamily="34" charset="0"/>
-                <a:cs typeface="Arial" panose="020B0604020202020204" pitchFamily="34" charset="0"/>
-              </a:rPr>
-              <a:t>git</a:t>
-            </a:r>
-            <a:r>
-              <a:rPr lang="pt-BR" sz="3200" spc="-1" dirty="0" smtClean="0">
-                <a:uFill>
-                  <a:solidFill>
-                    <a:srgbClr val="FFFFFF"/>
-                  </a:solidFill>
-                </a:uFill>
-                <a:latin typeface="Arial" panose="020B0604020202020204" pitchFamily="34" charset="0"/>
-                <a:cs typeface="Arial" panose="020B0604020202020204" pitchFamily="34" charset="0"/>
-              </a:rPr>
-              <a:t>?</a:t>
-            </a:r>
-            <a:endParaRPr lang="pt-BR" sz="1800" b="0" strike="noStrike" spc="-1" dirty="0">
-              <a:uFill>
-                <a:solidFill>
-                  <a:srgbClr val="FFFFFF"/>
-                </a:solidFill>
-              </a:uFill>
-              <a:latin typeface="Arial" panose="020B0604020202020204" pitchFamily="34" charset="0"/>
-              <a:cs typeface="Arial" panose="020B0604020202020204" pitchFamily="34" charset="0"/>
-            </a:endParaRPr>
-          </a:p>
-        </p:txBody>
-      </p:sp>
-      <p:pic>
-        <p:nvPicPr>
-          <p:cNvPr id="3" name="Imagem 2"/>
-          <p:cNvPicPr>
-            <a:picLocks noChangeAspect="1"/>
-          </p:cNvPicPr>
-          <p:nvPr/>
-        </p:nvPicPr>
-        <p:blipFill>
-          <a:blip r:embed="rId2">
-            <a:extLst>
-              <a:ext uri="{28A0092B-C50C-407E-A947-70E740481C1C}">
-                <a14:useLocalDpi xmlns:a14="http://schemas.microsoft.com/office/drawing/2010/main" val="0"/>
-              </a:ext>
-            </a:extLst>
-          </a:blip>
-          <a:stretch>
-            <a:fillRect/>
-          </a:stretch>
-        </p:blipFill>
-        <p:spPr>
-          <a:xfrm>
-            <a:off x="1559496" y="1639389"/>
-            <a:ext cx="8568952" cy="5173987"/>
-          </a:xfrm>
-          <a:prstGeom prst="rect">
-            <a:avLst/>
-          </a:prstGeom>
-        </p:spPr>
-      </p:pic>
-    </p:spTree>
-    <p:extLst>
-      <p:ext uri="{BB962C8B-B14F-4D97-AF65-F5344CB8AC3E}">
-        <p14:creationId xmlns:p14="http://schemas.microsoft.com/office/powerpoint/2010/main" val="1954077925"/>
-      </p:ext>
-    </p:extLst>
-  </p:cSld>
-  <p:clrMapOvr>
-    <a:masterClrMapping/>
-  </p:clrMapOvr>
-  <p:timing>
-    <p:tnLst>
-      <p:par>
-        <p:cTn id="1" dur="indefinite" restart="never" nodeType="tmRoot"/>
-      </p:par>
-    </p:tnLst>
-  </p:timing>
-</p:sld>
-</file>
-
-<file path=ppt/slides/slide5.xml><?xml version="1.0" encoding="utf-8"?>
-<p:sld xmlns:a="http://schemas.openxmlformats.org/drawingml/2006/main" xmlns:r="http://schemas.openxmlformats.org/officeDocument/2006/relationships" xmlns:p="http://schemas.openxmlformats.org/presentationml/2006/main">
-  <p:cSld>
-    <p:spTree>
-      <p:nvGrpSpPr>
-        <p:cNvPr id="1" name=""/>
-        <p:cNvGrpSpPr/>
-        <p:nvPr/>
-      </p:nvGrpSpPr>
-      <p:grpSpPr>
-        <a:xfrm>
-          <a:off x="0" y="0"/>
-          <a:ext cx="0" cy="0"/>
-          <a:chOff x="0" y="0"/>
-          <a:chExt cx="0" cy="0"/>
-        </a:xfrm>
-      </p:grpSpPr>
-      <p:sp>
-        <p:nvSpPr>
-          <p:cNvPr id="168" name="CustomShape 1"/>
-          <p:cNvSpPr/>
-          <p:nvPr/>
-        </p:nvSpPr>
-        <p:spPr>
-          <a:xfrm>
-            <a:off x="217800" y="-18720"/>
-            <a:ext cx="10513440" cy="1323360"/>
-          </a:xfrm>
-          <a:prstGeom prst="rect">
-            <a:avLst/>
-          </a:prstGeom>
-          <a:noFill/>
-          <a:ln>
-            <a:noFill/>
-          </a:ln>
-        </p:spPr>
-        <p:style>
-          <a:lnRef idx="0">
-            <a:scrgbClr r="0" g="0" b="0"/>
-          </a:lnRef>
-          <a:fillRef idx="0">
-            <a:scrgbClr r="0" g="0" b="0"/>
-          </a:fillRef>
-          <a:effectRef idx="0">
-            <a:scrgbClr r="0" g="0" b="0"/>
-          </a:effectRef>
-          <a:fontRef idx="minor"/>
-        </p:style>
-        <p:txBody>
-          <a:bodyPr lIns="90000" tIns="45000" rIns="90000" bIns="45000" anchor="ctr"/>
-          <a:lstStyle/>
-          <a:p>
-            <a:pPr>
-              <a:lnSpc>
-                <a:spcPct val="100000"/>
-              </a:lnSpc>
-            </a:pPr>
-            <a:r>
-              <a:rPr lang="pt-BR" sz="3200" spc="-1" dirty="0" smtClean="0">
-                <a:uFill>
-                  <a:solidFill>
-                    <a:srgbClr val="FFFFFF"/>
-                  </a:solidFill>
-                </a:uFill>
-                <a:latin typeface="Arial" panose="020B0604020202020204" pitchFamily="34" charset="0"/>
-                <a:cs typeface="Arial" panose="020B0604020202020204" pitchFamily="34" charset="0"/>
-              </a:rPr>
-              <a:t>Por que usar?</a:t>
-            </a:r>
-            <a:endParaRPr lang="pt-BR" sz="1800" b="0" strike="noStrike" spc="-1" dirty="0">
-              <a:uFill>
-                <a:solidFill>
-                  <a:srgbClr val="FFFFFF"/>
-                </a:solidFill>
-              </a:uFill>
-              <a:latin typeface="Arial" panose="020B0604020202020204" pitchFamily="34" charset="0"/>
-              <a:cs typeface="Arial" panose="020B0604020202020204" pitchFamily="34" charset="0"/>
-            </a:endParaRPr>
-          </a:p>
-        </p:txBody>
-      </p:sp>
-      <p:sp>
-        <p:nvSpPr>
-          <p:cNvPr id="4" name="CustomShape 2"/>
-          <p:cNvSpPr/>
-          <p:nvPr/>
-        </p:nvSpPr>
-        <p:spPr>
-          <a:xfrm>
-            <a:off x="334800" y="2146320"/>
-            <a:ext cx="11543400" cy="2067840"/>
-          </a:xfrm>
-          <a:prstGeom prst="rect">
-            <a:avLst/>
-          </a:prstGeom>
-          <a:noFill/>
-          <a:ln>
-            <a:noFill/>
-          </a:ln>
-        </p:spPr>
-        <p:style>
-          <a:lnRef idx="0">
-            <a:scrgbClr r="0" g="0" b="0"/>
-          </a:lnRef>
-          <a:fillRef idx="0">
-            <a:scrgbClr r="0" g="0" b="0"/>
-          </a:fillRef>
-          <a:effectRef idx="0">
-            <a:scrgbClr r="0" g="0" b="0"/>
-          </a:effectRef>
-          <a:fontRef idx="minor"/>
-        </p:style>
-        <p:txBody>
-          <a:bodyPr lIns="90000" tIns="45000" rIns="90000" bIns="45000"/>
-          <a:lstStyle/>
-          <a:p>
-            <a:pPr marL="2160">
-              <a:lnSpc>
-                <a:spcPct val="90000"/>
-              </a:lnSpc>
-              <a:buClr>
-                <a:srgbClr val="808080"/>
-              </a:buClr>
-            </a:pPr>
-            <a:endParaRPr lang="pt-BR" sz="1800" b="0" strike="noStrike" spc="-1" dirty="0" smtClean="0">
-              <a:solidFill>
-                <a:srgbClr val="000000"/>
-              </a:solidFill>
-              <a:uFill>
-                <a:solidFill>
-                  <a:srgbClr val="FFFFFF"/>
-                </a:solidFill>
-              </a:uFill>
-              <a:latin typeface="Arial"/>
-            </a:endParaRPr>
-          </a:p>
-          <a:p>
-            <a:pPr marL="285750" indent="-285750">
-              <a:lnSpc>
-                <a:spcPct val="90000"/>
-              </a:lnSpc>
-              <a:buFont typeface="Arial" panose="020B0604020202020204" pitchFamily="34" charset="0"/>
-              <a:buChar char="•"/>
-            </a:pPr>
-            <a:r>
-              <a:rPr lang="pt-BR" sz="1800" b="0" strike="noStrike" spc="-1" dirty="0" smtClean="0">
-                <a:uFill>
-                  <a:solidFill>
-                    <a:srgbClr val="FFFFFF"/>
-                  </a:solidFill>
-                </a:uFill>
-                <a:latin typeface="Arial"/>
-              </a:rPr>
-              <a:t>Versionamento</a:t>
-            </a:r>
-          </a:p>
-          <a:p>
-            <a:pPr marL="285750" indent="-285750">
-              <a:lnSpc>
-                <a:spcPct val="90000"/>
-              </a:lnSpc>
-              <a:buFont typeface="Arial" panose="020B0604020202020204" pitchFamily="34" charset="0"/>
-              <a:buChar char="•"/>
-            </a:pPr>
-            <a:r>
-              <a:rPr lang="pt-BR" spc="-1" dirty="0" smtClean="0">
-                <a:uFill>
-                  <a:solidFill>
-                    <a:srgbClr val="FFFFFF"/>
-                  </a:solidFill>
-                </a:uFill>
-                <a:latin typeface="Arial"/>
-              </a:rPr>
-              <a:t>Backup</a:t>
-            </a:r>
-          </a:p>
-          <a:p>
-            <a:pPr marL="285750" indent="-285750">
-              <a:lnSpc>
-                <a:spcPct val="90000"/>
-              </a:lnSpc>
-              <a:buFont typeface="Arial" panose="020B0604020202020204" pitchFamily="34" charset="0"/>
-              <a:buChar char="•"/>
-            </a:pPr>
-            <a:r>
-              <a:rPr lang="pt-BR" sz="1800" b="0" strike="noStrike" spc="-1" dirty="0" smtClean="0">
-                <a:uFill>
-                  <a:solidFill>
-                    <a:srgbClr val="FFFFFF"/>
-                  </a:solidFill>
-                </a:uFill>
-                <a:latin typeface="Arial"/>
-              </a:rPr>
-              <a:t>Segurança</a:t>
-            </a:r>
-            <a:endParaRPr lang="pt-BR" sz="1800" b="0" strike="noStrike" spc="-1" dirty="0">
-              <a:uFill>
-                <a:solidFill>
-                  <a:srgbClr val="FFFFFF"/>
-                </a:solidFill>
-              </a:uFill>
-              <a:latin typeface="Arial"/>
-            </a:endParaRPr>
-          </a:p>
-        </p:txBody>
-      </p:sp>
-      <p:pic>
-        <p:nvPicPr>
-          <p:cNvPr id="2" name="Imagem 1"/>
-          <p:cNvPicPr>
-            <a:picLocks noChangeAspect="1"/>
-          </p:cNvPicPr>
-          <p:nvPr/>
-        </p:nvPicPr>
-        <p:blipFill>
-          <a:blip r:embed="rId2" cstate="print">
-            <a:extLst>
-              <a:ext uri="{28A0092B-C50C-407E-A947-70E740481C1C}">
-                <a14:useLocalDpi xmlns:a14="http://schemas.microsoft.com/office/drawing/2010/main" val="0"/>
-              </a:ext>
-            </a:extLst>
-          </a:blip>
-          <a:stretch>
-            <a:fillRect/>
-          </a:stretch>
-        </p:blipFill>
-        <p:spPr>
-          <a:xfrm>
-            <a:off x="5159896" y="2131819"/>
-            <a:ext cx="6840760" cy="4564155"/>
-          </a:xfrm>
-          <a:prstGeom prst="rect">
-            <a:avLst/>
-          </a:prstGeom>
-        </p:spPr>
-      </p:pic>
-    </p:spTree>
-    <p:extLst>
-      <p:ext uri="{BB962C8B-B14F-4D97-AF65-F5344CB8AC3E}">
-        <p14:creationId xmlns:p14="http://schemas.microsoft.com/office/powerpoint/2010/main" val="453704100"/>
-      </p:ext>
-    </p:extLst>
-  </p:cSld>
-  <p:clrMapOvr>
-    <a:masterClrMapping/>
-  </p:clrMapOvr>
-  <p:timing>
-    <p:tnLst>
-      <p:par>
-        <p:cTn id="1" dur="indefinite" restart="never" nodeType="tmRoot"/>
-      </p:par>
-    </p:tnLst>
-  </p:timing>
-</p:sld>
-</file>
-
-<file path=ppt/slides/slide6.xml><?xml version="1.0" encoding="utf-8"?>
-<p:sld xmlns:a="http://schemas.openxmlformats.org/drawingml/2006/main" xmlns:r="http://schemas.openxmlformats.org/officeDocument/2006/relationships" xmlns:p="http://schemas.openxmlformats.org/presentationml/2006/main">
-  <p:cSld>
-    <p:spTree>
-      <p:nvGrpSpPr>
-        <p:cNvPr id="1" name=""/>
-        <p:cNvGrpSpPr/>
-        <p:nvPr/>
-      </p:nvGrpSpPr>
-      <p:grpSpPr>
-        <a:xfrm>
-          <a:off x="0" y="0"/>
-          <a:ext cx="0" cy="0"/>
-          <a:chOff x="0" y="0"/>
-          <a:chExt cx="0" cy="0"/>
-        </a:xfrm>
-      </p:grpSpPr>
-      <p:sp>
-        <p:nvSpPr>
-          <p:cNvPr id="168" name="CustomShape 1"/>
-          <p:cNvSpPr/>
-          <p:nvPr/>
-        </p:nvSpPr>
-        <p:spPr>
-          <a:xfrm>
-            <a:off x="217800" y="-18720"/>
-            <a:ext cx="10513440" cy="1323360"/>
-          </a:xfrm>
-          <a:prstGeom prst="rect">
-            <a:avLst/>
-          </a:prstGeom>
-          <a:noFill/>
-          <a:ln>
-            <a:noFill/>
-          </a:ln>
-        </p:spPr>
-        <p:style>
-          <a:lnRef idx="0">
-            <a:scrgbClr r="0" g="0" b="0"/>
-          </a:lnRef>
-          <a:fillRef idx="0">
-            <a:scrgbClr r="0" g="0" b="0"/>
-          </a:fillRef>
-          <a:effectRef idx="0">
-            <a:scrgbClr r="0" g="0" b="0"/>
-          </a:effectRef>
-          <a:fontRef idx="minor"/>
-        </p:style>
-        <p:txBody>
-          <a:bodyPr lIns="90000" tIns="45000" rIns="90000" bIns="45000" anchor="ctr"/>
-          <a:lstStyle/>
-          <a:p>
-            <a:pPr>
-              <a:lnSpc>
-                <a:spcPct val="100000"/>
-              </a:lnSpc>
-            </a:pPr>
-            <a:r>
-              <a:rPr lang="pt-BR" sz="3200" spc="-1" dirty="0" smtClean="0">
-                <a:uFill>
-                  <a:solidFill>
-                    <a:srgbClr val="FFFFFF"/>
-                  </a:solidFill>
-                </a:uFill>
-                <a:latin typeface="Arial" panose="020B0604020202020204" pitchFamily="34" charset="0"/>
-                <a:cs typeface="Arial" panose="020B0604020202020204" pitchFamily="34" charset="0"/>
-              </a:rPr>
-              <a:t>História</a:t>
-            </a:r>
-            <a:endParaRPr lang="pt-BR" sz="1800" b="0" strike="noStrike" spc="-1" dirty="0">
-              <a:uFill>
-                <a:solidFill>
-                  <a:srgbClr val="FFFFFF"/>
-                </a:solidFill>
-              </a:uFill>
-              <a:latin typeface="Arial" panose="020B0604020202020204" pitchFamily="34" charset="0"/>
-              <a:cs typeface="Arial" panose="020B0604020202020204" pitchFamily="34" charset="0"/>
-            </a:endParaRPr>
-          </a:p>
-        </p:txBody>
-      </p:sp>
-      <p:sp>
-        <p:nvSpPr>
-          <p:cNvPr id="4" name="CustomShape 2"/>
-          <p:cNvSpPr/>
-          <p:nvPr/>
-        </p:nvSpPr>
-        <p:spPr>
-          <a:xfrm>
-            <a:off x="334800" y="2146320"/>
-            <a:ext cx="11543400" cy="2067840"/>
-          </a:xfrm>
-          <a:prstGeom prst="rect">
-            <a:avLst/>
-          </a:prstGeom>
-          <a:noFill/>
-          <a:ln>
-            <a:noFill/>
-          </a:ln>
-        </p:spPr>
-        <p:style>
-          <a:lnRef idx="0">
-            <a:scrgbClr r="0" g="0" b="0"/>
-          </a:lnRef>
-          <a:fillRef idx="0">
-            <a:scrgbClr r="0" g="0" b="0"/>
-          </a:fillRef>
-          <a:effectRef idx="0">
-            <a:scrgbClr r="0" g="0" b="0"/>
-          </a:effectRef>
-          <a:fontRef idx="minor"/>
-        </p:style>
-        <p:txBody>
-          <a:bodyPr lIns="90000" tIns="45000" rIns="90000" bIns="45000"/>
-          <a:lstStyle/>
-          <a:p>
-            <a:pPr marL="2160">
-              <a:lnSpc>
-                <a:spcPct val="90000"/>
-              </a:lnSpc>
-              <a:buClr>
-                <a:srgbClr val="808080"/>
-              </a:buClr>
-            </a:pPr>
-            <a:endParaRPr lang="pt-BR" sz="1800" b="0" strike="noStrike" spc="-1" dirty="0" smtClean="0">
-              <a:solidFill>
-                <a:srgbClr val="000000"/>
-              </a:solidFill>
-              <a:uFill>
-                <a:solidFill>
-                  <a:srgbClr val="FFFFFF"/>
-                </a:solidFill>
-              </a:uFill>
-              <a:latin typeface="Arial"/>
-            </a:endParaRPr>
-          </a:p>
-          <a:p>
-            <a:pPr>
-              <a:lnSpc>
-                <a:spcPct val="90000"/>
-              </a:lnSpc>
-            </a:pPr>
-            <a:r>
-              <a:rPr lang="pt-BR" sz="1800" b="0" strike="noStrike" spc="-1" dirty="0" smtClean="0">
-                <a:uFill>
-                  <a:solidFill>
-                    <a:srgbClr val="FFFFFF"/>
-                  </a:solidFill>
-                </a:uFill>
-                <a:latin typeface="Arial"/>
-              </a:rPr>
-              <a:t>Primeira versão:</a:t>
-            </a:r>
-          </a:p>
-          <a:p>
-            <a:pPr>
-              <a:lnSpc>
-                <a:spcPct val="90000"/>
-              </a:lnSpc>
-            </a:pPr>
-            <a:r>
-              <a:rPr lang="pt-BR" sz="1800" b="0" strike="noStrike" spc="-1" dirty="0" smtClean="0">
-                <a:uFill>
-                  <a:solidFill>
-                    <a:srgbClr val="FFFFFF"/>
-                  </a:solidFill>
-                </a:uFill>
-                <a:latin typeface="Arial"/>
-              </a:rPr>
-              <a:t>21 de dezembro de 2005</a:t>
-            </a:r>
-            <a:endParaRPr lang="pt-BR" sz="1800" b="0" strike="noStrike" spc="-1" dirty="0">
-              <a:uFill>
-                <a:solidFill>
-                  <a:srgbClr val="FFFFFF"/>
-                </a:solidFill>
-              </a:uFill>
-              <a:latin typeface="Arial"/>
-            </a:endParaRPr>
-          </a:p>
-        </p:txBody>
-      </p:sp>
-      <p:pic>
-        <p:nvPicPr>
-          <p:cNvPr id="3" name="Imagem 2"/>
-          <p:cNvPicPr>
-            <a:picLocks noChangeAspect="1"/>
-          </p:cNvPicPr>
-          <p:nvPr/>
-        </p:nvPicPr>
-        <p:blipFill>
-          <a:blip r:embed="rId2">
-            <a:extLst>
-              <a:ext uri="{28A0092B-C50C-407E-A947-70E740481C1C}">
-                <a14:useLocalDpi xmlns:a14="http://schemas.microsoft.com/office/drawing/2010/main" val="0"/>
-              </a:ext>
-            </a:extLst>
-          </a:blip>
-          <a:stretch>
-            <a:fillRect/>
-          </a:stretch>
-        </p:blipFill>
-        <p:spPr>
-          <a:xfrm>
-            <a:off x="4452664" y="2204864"/>
-            <a:ext cx="7620000" cy="4438650"/>
-          </a:xfrm>
-          <a:prstGeom prst="rect">
-            <a:avLst/>
-          </a:prstGeom>
-        </p:spPr>
-      </p:pic>
-    </p:spTree>
-    <p:extLst>
-      <p:ext uri="{BB962C8B-B14F-4D97-AF65-F5344CB8AC3E}">
-        <p14:creationId xmlns:p14="http://schemas.microsoft.com/office/powerpoint/2010/main" val="2797844456"/>
-      </p:ext>
-    </p:extLst>
-  </p:cSld>
-  <p:clrMapOvr>
-    <a:masterClrMapping/>
-  </p:clrMapOvr>
-  <p:timing>
-    <p:tnLst>
-      <p:par>
-        <p:cTn id="1" dur="indefinite" restart="never" nodeType="tmRoot"/>
-      </p:par>
-    </p:tnLst>
-  </p:timing>
-</p:sld>
-</file>
-
-<file path=ppt/slides/slide7.xml><?xml version="1.0" encoding="utf-8"?>
-<p:sld xmlns:a="http://schemas.openxmlformats.org/drawingml/2006/main" xmlns:r="http://schemas.openxmlformats.org/officeDocument/2006/relationships" xmlns:p="http://schemas.openxmlformats.org/presentationml/2006/main">
-  <p:cSld>
-    <p:spTree>
-      <p:nvGrpSpPr>
-        <p:cNvPr id="1" name=""/>
-        <p:cNvGrpSpPr/>
-        <p:nvPr/>
-      </p:nvGrpSpPr>
-      <p:grpSpPr>
-        <a:xfrm>
-          <a:off x="0" y="0"/>
-          <a:ext cx="0" cy="0"/>
-          <a:chOff x="0" y="0"/>
-          <a:chExt cx="0" cy="0"/>
-        </a:xfrm>
-      </p:grpSpPr>
-      <p:sp>
-        <p:nvSpPr>
-          <p:cNvPr id="168" name="CustomShape 1"/>
-          <p:cNvSpPr/>
-          <p:nvPr/>
-        </p:nvSpPr>
-        <p:spPr>
-          <a:xfrm>
-            <a:off x="217800" y="-18720"/>
-            <a:ext cx="10513440" cy="1323360"/>
-          </a:xfrm>
-          <a:prstGeom prst="rect">
-            <a:avLst/>
-          </a:prstGeom>
-          <a:noFill/>
-          <a:ln>
-            <a:noFill/>
-          </a:ln>
-        </p:spPr>
-        <p:style>
-          <a:lnRef idx="0">
-            <a:scrgbClr r="0" g="0" b="0"/>
-          </a:lnRef>
-          <a:fillRef idx="0">
-            <a:scrgbClr r="0" g="0" b="0"/>
-          </a:fillRef>
-          <a:effectRef idx="0">
-            <a:scrgbClr r="0" g="0" b="0"/>
-          </a:effectRef>
-          <a:fontRef idx="minor"/>
-        </p:style>
-        <p:txBody>
-          <a:bodyPr lIns="90000" tIns="45000" rIns="90000" bIns="45000" anchor="ctr"/>
-          <a:lstStyle/>
-          <a:p>
-            <a:pPr>
-              <a:lnSpc>
-                <a:spcPct val="100000"/>
-              </a:lnSpc>
-            </a:pPr>
-            <a:r>
-              <a:rPr lang="pt-BR" sz="3200" spc="-1" dirty="0" smtClean="0">
-                <a:uFill>
-                  <a:solidFill>
-                    <a:srgbClr val="FFFFFF"/>
-                  </a:solidFill>
-                </a:uFill>
-                <a:latin typeface="Arial" panose="020B0604020202020204" pitchFamily="34" charset="0"/>
-                <a:cs typeface="Arial" panose="020B0604020202020204" pitchFamily="34" charset="0"/>
-              </a:rPr>
-              <a:t>Servidores</a:t>
-            </a:r>
-            <a:endParaRPr lang="pt-BR" sz="1800" b="0" strike="noStrike" spc="-1" dirty="0">
-              <a:uFill>
-                <a:solidFill>
-                  <a:srgbClr val="FFFFFF"/>
-                </a:solidFill>
-              </a:uFill>
-              <a:latin typeface="Arial" panose="020B0604020202020204" pitchFamily="34" charset="0"/>
-              <a:cs typeface="Arial" panose="020B0604020202020204" pitchFamily="34" charset="0"/>
-            </a:endParaRPr>
-          </a:p>
-        </p:txBody>
-      </p:sp>
-      <p:pic>
-        <p:nvPicPr>
-          <p:cNvPr id="2" name="Imagem 1"/>
-          <p:cNvPicPr>
-            <a:picLocks noChangeAspect="1"/>
-          </p:cNvPicPr>
-          <p:nvPr/>
-        </p:nvPicPr>
-        <p:blipFill>
-          <a:blip r:embed="rId2">
-            <a:extLst>
-              <a:ext uri="{28A0092B-C50C-407E-A947-70E740481C1C}">
-                <a14:useLocalDpi xmlns:a14="http://schemas.microsoft.com/office/drawing/2010/main" val="0"/>
-              </a:ext>
-            </a:extLst>
-          </a:blip>
-          <a:stretch>
-            <a:fillRect/>
-          </a:stretch>
-        </p:blipFill>
-        <p:spPr>
-          <a:xfrm>
-            <a:off x="557808" y="2643336"/>
-            <a:ext cx="3810000" cy="3810000"/>
-          </a:xfrm>
-          <a:prstGeom prst="rect">
-            <a:avLst/>
-          </a:prstGeom>
-        </p:spPr>
-      </p:pic>
-      <p:pic>
-        <p:nvPicPr>
-          <p:cNvPr id="5" name="Imagem 4"/>
-          <p:cNvPicPr>
-            <a:picLocks noChangeAspect="1"/>
-          </p:cNvPicPr>
-          <p:nvPr/>
-        </p:nvPicPr>
-        <p:blipFill>
-          <a:blip r:embed="rId3">
-            <a:extLst>
-              <a:ext uri="{28A0092B-C50C-407E-A947-70E740481C1C}">
-                <a14:useLocalDpi xmlns:a14="http://schemas.microsoft.com/office/drawing/2010/main" val="0"/>
-              </a:ext>
-            </a:extLst>
-          </a:blip>
-          <a:stretch>
-            <a:fillRect/>
-          </a:stretch>
-        </p:blipFill>
-        <p:spPr>
-          <a:xfrm>
-            <a:off x="4943872" y="2012742"/>
-            <a:ext cx="10058400" cy="5016658"/>
-          </a:xfrm>
-          <a:prstGeom prst="rect">
-            <a:avLst/>
-          </a:prstGeom>
-        </p:spPr>
-      </p:pic>
-    </p:spTree>
-    <p:extLst>
-      <p:ext uri="{BB962C8B-B14F-4D97-AF65-F5344CB8AC3E}">
-        <p14:creationId xmlns:p14="http://schemas.microsoft.com/office/powerpoint/2010/main" val="1016918157"/>
-      </p:ext>
-    </p:extLst>
-  </p:cSld>
-  <p:clrMapOvr>
-    <a:masterClrMapping/>
-  </p:clrMapOvr>
-  <p:timing>
-    <p:tnLst>
-      <p:par>
-        <p:cTn id="1" dur="indefinite" restart="never" nodeType="tmRoot"/>
-      </p:par>
-    </p:tnLst>
-  </p:timing>
-</p:sld>
-</file>
-
-<file path=ppt/slides/slide8.xml><?xml version="1.0" encoding="utf-8"?>
-<p:sld xmlns:a="http://schemas.openxmlformats.org/drawingml/2006/main" xmlns:r="http://schemas.openxmlformats.org/officeDocument/2006/relationships" xmlns:p="http://schemas.openxmlformats.org/presentationml/2006/main">
-  <p:cSld>
-    <p:spTree>
-      <p:nvGrpSpPr>
-        <p:cNvPr id="1" name=""/>
-        <p:cNvGrpSpPr/>
-        <p:nvPr/>
-      </p:nvGrpSpPr>
-      <p:grpSpPr>
-        <a:xfrm>
-          <a:off x="0" y="0"/>
-          <a:ext cx="0" cy="0"/>
-          <a:chOff x="0" y="0"/>
-          <a:chExt cx="0" cy="0"/>
-        </a:xfrm>
-      </p:grpSpPr>
-      <p:sp>
-        <p:nvSpPr>
           <p:cNvPr id="170" name="CustomShape 1"/>
           <p:cNvSpPr/>
           <p:nvPr/>
@@ -9072,29 +9993,23 @@
             </a:pPr>
             <a:r>
               <a:rPr lang="pt-BR" sz="3200" b="0" strike="noStrike" spc="-1" dirty="0" smtClean="0">
-                <a:solidFill>
-                  <a:srgbClr val="A6A6A6"/>
-                </a:solidFill>
-                <a:uFill>
-                  <a:solidFill>
-                    <a:srgbClr val="FFFFFF"/>
-                  </a:solidFill>
-                </a:uFill>
-                <a:latin typeface="EDP Preon"/>
+                <a:uFill>
+                  <a:solidFill>
+                    <a:srgbClr val="FFFFFF"/>
+                  </a:solidFill>
+                </a:uFill>
+                <a:latin typeface="+mj-lt"/>
                 <a:ea typeface="DejaVu Sans"/>
               </a:rPr>
-              <a:t>Ser</a:t>
+              <a:t>Gerenciadores de versionamento</a:t>
             </a:r>
             <a:endParaRPr lang="pt-BR" sz="1800" b="0" strike="noStrike" spc="-1" dirty="0">
-              <a:solidFill>
-                <a:srgbClr val="000000"/>
-              </a:solidFill>
-              <a:uFill>
-                <a:solidFill>
-                  <a:srgbClr val="FFFFFF"/>
-                </a:solidFill>
-              </a:uFill>
-              <a:latin typeface="Arial"/>
+              <a:uFill>
+                <a:solidFill>
+                  <a:srgbClr val="FFFFFF"/>
+                </a:solidFill>
+              </a:uFill>
+              <a:latin typeface="+mj-lt"/>
             </a:endParaRPr>
           </a:p>
         </p:txBody>
@@ -9164,28 +10079,22 @@
             </a:pPr>
             <a:r>
               <a:rPr lang="pt-BR" sz="2000" spc="-1" dirty="0" smtClean="0">
-                <a:solidFill>
-                  <a:srgbClr val="808080"/>
-                </a:solidFill>
-                <a:uFill>
-                  <a:solidFill>
-                    <a:srgbClr val="FFFFFF"/>
-                  </a:solidFill>
-                </a:uFill>
-                <a:latin typeface="EDP Preon"/>
+                <a:uFill>
+                  <a:solidFill>
+                    <a:srgbClr val="FFFFFF"/>
+                  </a:solidFill>
+                </a:uFill>
+                <a:latin typeface="+mj-lt"/>
               </a:rPr>
               <a:t>Evolução dos sistemas</a:t>
             </a:r>
             <a:endParaRPr lang="pt-BR" sz="1800" b="0" strike="noStrike" spc="-1" dirty="0">
-              <a:solidFill>
-                <a:srgbClr val="000000"/>
-              </a:solidFill>
-              <a:uFill>
-                <a:solidFill>
-                  <a:srgbClr val="FFFFFF"/>
-                </a:solidFill>
-              </a:uFill>
-              <a:latin typeface="Arial"/>
+              <a:uFill>
+                <a:solidFill>
+                  <a:srgbClr val="FFFFFF"/>
+                </a:solidFill>
+              </a:uFill>
+              <a:latin typeface="+mj-lt"/>
             </a:endParaRPr>
           </a:p>
           <a:p>
@@ -9201,28 +10110,22 @@
             </a:pPr>
             <a:r>
               <a:rPr lang="pt-BR" sz="2000" spc="-1" dirty="0" smtClean="0">
-                <a:solidFill>
-                  <a:srgbClr val="808080"/>
-                </a:solidFill>
-                <a:uFill>
-                  <a:solidFill>
-                    <a:srgbClr val="FFFFFF"/>
-                  </a:solidFill>
-                </a:uFill>
-                <a:latin typeface="EDP Preon"/>
+                <a:uFill>
+                  <a:solidFill>
+                    <a:srgbClr val="FFFFFF"/>
+                  </a:solidFill>
+                </a:uFill>
+                <a:latin typeface="+mj-lt"/>
               </a:rPr>
               <a:t>Compartilhamento de código</a:t>
             </a:r>
             <a:endParaRPr lang="pt-BR" sz="1800" b="0" strike="noStrike" spc="-1" dirty="0">
-              <a:solidFill>
-                <a:srgbClr val="000000"/>
-              </a:solidFill>
-              <a:uFill>
-                <a:solidFill>
-                  <a:srgbClr val="FFFFFF"/>
-                </a:solidFill>
-              </a:uFill>
-              <a:latin typeface="Arial"/>
+              <a:uFill>
+                <a:solidFill>
+                  <a:srgbClr val="FFFFFF"/>
+                </a:solidFill>
+              </a:uFill>
+              <a:latin typeface="+mj-lt"/>
             </a:endParaRPr>
           </a:p>
           <a:p>
@@ -9238,29 +10141,23 @@
             </a:pPr>
             <a:r>
               <a:rPr lang="pt-BR" sz="2000" b="0" strike="noStrike" spc="-1" dirty="0" smtClean="0">
-                <a:solidFill>
-                  <a:srgbClr val="808080"/>
-                </a:solidFill>
-                <a:uFill>
-                  <a:solidFill>
-                    <a:srgbClr val="FFFFFF"/>
-                  </a:solidFill>
-                </a:uFill>
-                <a:latin typeface="EDP Preon"/>
+                <a:uFill>
+                  <a:solidFill>
+                    <a:srgbClr val="FFFFFF"/>
+                  </a:solidFill>
+                </a:uFill>
+                <a:latin typeface="+mj-lt"/>
                 <a:ea typeface="DejaVu Sans"/>
               </a:rPr>
               <a:t>Segurança</a:t>
             </a:r>
             <a:endParaRPr lang="pt-BR" sz="1800" b="0" strike="noStrike" spc="-1" dirty="0">
-              <a:solidFill>
-                <a:srgbClr val="000000"/>
-              </a:solidFill>
-              <a:uFill>
-                <a:solidFill>
-                  <a:srgbClr val="FFFFFF"/>
-                </a:solidFill>
-              </a:uFill>
-              <a:latin typeface="Arial"/>
+              <a:uFill>
+                <a:solidFill>
+                  <a:srgbClr val="FFFFFF"/>
+                </a:solidFill>
+              </a:uFill>
+              <a:latin typeface="+mj-lt"/>
             </a:endParaRPr>
           </a:p>
           <a:p>
@@ -9276,15 +10173,12 @@
             </a:pPr>
             <a:r>
               <a:rPr lang="pt-BR" sz="2000" spc="-1" dirty="0" smtClean="0">
-                <a:solidFill>
-                  <a:srgbClr val="808080"/>
-                </a:solidFill>
-                <a:uFill>
-                  <a:solidFill>
-                    <a:srgbClr val="FFFFFF"/>
-                  </a:solidFill>
-                </a:uFill>
-                <a:latin typeface="EDP Preon"/>
+                <a:uFill>
+                  <a:solidFill>
+                    <a:srgbClr val="FFFFFF"/>
+                  </a:solidFill>
+                </a:uFill>
+                <a:latin typeface="+mj-lt"/>
               </a:rPr>
               <a:t>Registro e controle</a:t>
             </a:r>
@@ -9302,28 +10196,22 @@
             </a:pPr>
             <a:r>
               <a:rPr lang="pt-BR" sz="2000" b="0" strike="noStrike" spc="-1" dirty="0" smtClean="0">
-                <a:solidFill>
-                  <a:srgbClr val="808080"/>
-                </a:solidFill>
-                <a:uFill>
-                  <a:solidFill>
-                    <a:srgbClr val="FFFFFF"/>
-                  </a:solidFill>
-                </a:uFill>
-                <a:latin typeface="EDP Preon"/>
+                <a:uFill>
+                  <a:solidFill>
+                    <a:srgbClr val="FFFFFF"/>
+                  </a:solidFill>
+                </a:uFill>
+                <a:latin typeface="+mj-lt"/>
               </a:rPr>
               <a:t>Múltiplas versões</a:t>
             </a:r>
             <a:endParaRPr lang="pt-BR" sz="1800" b="0" strike="noStrike" spc="-1" dirty="0">
-              <a:solidFill>
-                <a:srgbClr val="000000"/>
-              </a:solidFill>
-              <a:uFill>
-                <a:solidFill>
-                  <a:srgbClr val="FFFFFF"/>
-                </a:solidFill>
-              </a:uFill>
-              <a:latin typeface="Arial"/>
+              <a:uFill>
+                <a:solidFill>
+                  <a:srgbClr val="FFFFFF"/>
+                </a:solidFill>
+              </a:uFill>
+              <a:latin typeface="+mj-lt"/>
             </a:endParaRPr>
           </a:p>
           <a:p>
@@ -9441,7 +10329,7 @@
 </p:sld>
 </file>
 
-<file path=ppt/slides/slide9.xml><?xml version="1.0" encoding="utf-8"?>
+<file path=ppt/slides/slide5.xml><?xml version="1.0" encoding="utf-8"?>
 <p:sld xmlns:a="http://schemas.openxmlformats.org/drawingml/2006/main" xmlns:r="http://schemas.openxmlformats.org/officeDocument/2006/relationships" xmlns:p="http://schemas.openxmlformats.org/presentationml/2006/main">
   <p:cSld>
     <p:spTree>
@@ -9460,7 +10348,7 @@
       </p:grpSpPr>
       <p:sp>
         <p:nvSpPr>
-          <p:cNvPr id="173" name="CustomShape 1"/>
+          <p:cNvPr id="168" name="CustomShape 1"/>
           <p:cNvSpPr/>
           <p:nvPr/>
         </p:nvSpPr>
@@ -9499,114 +10387,207 @@
               </a:lnSpc>
             </a:pPr>
             <a:r>
-              <a:rPr lang="pt-BR" sz="3200" b="0" strike="noStrike" spc="-1" dirty="0" smtClean="0">
-                <a:solidFill>
-                  <a:srgbClr val="A6A6A6"/>
-                </a:solidFill>
-                <a:uFill>
-                  <a:solidFill>
-                    <a:srgbClr val="FFFFFF"/>
-                  </a:solidFill>
-                </a:uFill>
-                <a:latin typeface="EDP Preon"/>
-                <a:ea typeface="DejaVu Sans"/>
-              </a:rPr>
-              <a:t>Como o </a:t>
-            </a:r>
-            <a:r>
-              <a:rPr lang="pt-BR" sz="3200" b="0" strike="noStrike" spc="-1" dirty="0" err="1" smtClean="0">
-                <a:solidFill>
-                  <a:srgbClr val="A6A6A6"/>
-                </a:solidFill>
-                <a:uFill>
-                  <a:solidFill>
-                    <a:srgbClr val="FFFFFF"/>
-                  </a:solidFill>
-                </a:uFill>
-                <a:latin typeface="EDP Preon"/>
-                <a:ea typeface="DejaVu Sans"/>
-              </a:rPr>
-              <a:t>git</a:t>
-            </a:r>
-            <a:r>
-              <a:rPr lang="pt-BR" sz="3200" b="0" strike="noStrike" spc="-1" dirty="0" smtClean="0">
-                <a:solidFill>
-                  <a:srgbClr val="A6A6A6"/>
-                </a:solidFill>
-                <a:uFill>
-                  <a:solidFill>
-                    <a:srgbClr val="FFFFFF"/>
-                  </a:solidFill>
-                </a:uFill>
-                <a:latin typeface="EDP Preon"/>
-                <a:ea typeface="DejaVu Sans"/>
-              </a:rPr>
-              <a:t> foi criado? Por que?</a:t>
+              <a:rPr lang="pt-BR" sz="3200" spc="-1" dirty="0" smtClean="0">
+                <a:uFill>
+                  <a:solidFill>
+                    <a:srgbClr val="FFFFFF"/>
+                  </a:solidFill>
+                </a:uFill>
+                <a:latin typeface="Arial" panose="020B0604020202020204" pitchFamily="34" charset="0"/>
+                <a:cs typeface="Arial" panose="020B0604020202020204" pitchFamily="34" charset="0"/>
+              </a:rPr>
+              <a:t>História</a:t>
             </a:r>
             <a:endParaRPr lang="pt-BR" sz="1800" b="0" strike="noStrike" spc="-1" dirty="0">
-              <a:solidFill>
-                <a:srgbClr val="000000"/>
-              </a:solidFill>
-              <a:uFill>
-                <a:solidFill>
-                  <a:srgbClr val="FFFFFF"/>
-                </a:solidFill>
-              </a:uFill>
-              <a:latin typeface="Arial"/>
+              <a:uFill>
+                <a:solidFill>
+                  <a:srgbClr val="FFFFFF"/>
+                </a:solidFill>
+              </a:uFill>
+              <a:latin typeface="Arial" panose="020B0604020202020204" pitchFamily="34" charset="0"/>
+              <a:cs typeface="Arial" panose="020B0604020202020204" pitchFamily="34" charset="0"/>
             </a:endParaRPr>
           </a:p>
         </p:txBody>
       </p:sp>
       <p:sp>
         <p:nvSpPr>
-          <p:cNvPr id="4" name="Seta para a Direita 3"/>
+          <p:cNvPr id="4" name="CustomShape 2"/>
           <p:cNvSpPr/>
           <p:nvPr/>
         </p:nvSpPr>
         <p:spPr>
           <a:xfrm>
-            <a:off x="4727848" y="3284984"/>
-            <a:ext cx="2592288" cy="1944216"/>
+            <a:off x="334800" y="2146320"/>
+            <a:ext cx="11543400" cy="2067840"/>
           </a:xfrm>
-          <a:prstGeom prst="rightArrow">
+          <a:prstGeom prst="rect">
+            <a:avLst/>
+          </a:prstGeom>
+          <a:noFill/>
+          <a:ln>
+            <a:noFill/>
+          </a:ln>
+        </p:spPr>
+        <p:style>
+          <a:lnRef idx="0">
+            <a:scrgbClr r="0" g="0" b="0"/>
+          </a:lnRef>
+          <a:fillRef idx="0">
+            <a:scrgbClr r="0" g="0" b="0"/>
+          </a:fillRef>
+          <a:effectRef idx="0">
+            <a:scrgbClr r="0" g="0" b="0"/>
+          </a:effectRef>
+          <a:fontRef idx="minor"/>
+        </p:style>
+        <p:txBody>
+          <a:bodyPr lIns="90000" tIns="45000" rIns="90000" bIns="45000"/>
+          <a:lstStyle/>
+          <a:p>
+            <a:pPr marL="2160">
+              <a:lnSpc>
+                <a:spcPct val="90000"/>
+              </a:lnSpc>
+              <a:buClr>
+                <a:srgbClr val="808080"/>
+              </a:buClr>
+            </a:pPr>
+            <a:endParaRPr lang="pt-BR" sz="1800" b="0" strike="noStrike" spc="-1" dirty="0" smtClean="0">
+              <a:solidFill>
+                <a:srgbClr val="000000"/>
+              </a:solidFill>
+              <a:uFill>
+                <a:solidFill>
+                  <a:srgbClr val="FFFFFF"/>
+                </a:solidFill>
+              </a:uFill>
+              <a:latin typeface="Arial"/>
+            </a:endParaRPr>
+          </a:p>
+          <a:p>
+            <a:pPr>
+              <a:lnSpc>
+                <a:spcPct val="90000"/>
+              </a:lnSpc>
+            </a:pPr>
+            <a:r>
+              <a:rPr lang="pt-BR" sz="2000" b="0" strike="noStrike" spc="-1" dirty="0" smtClean="0">
+                <a:uFill>
+                  <a:solidFill>
+                    <a:srgbClr val="FFFFFF"/>
+                  </a:solidFill>
+                </a:uFill>
+                <a:latin typeface="Arial"/>
+              </a:rPr>
+              <a:t>Primeira versão:</a:t>
+            </a:r>
+          </a:p>
+          <a:p>
+            <a:pPr>
+              <a:lnSpc>
+                <a:spcPct val="90000"/>
+              </a:lnSpc>
+            </a:pPr>
+            <a:r>
+              <a:rPr lang="pt-BR" sz="2000" b="0" strike="noStrike" spc="-1" dirty="0" smtClean="0">
+                <a:uFill>
+                  <a:solidFill>
+                    <a:srgbClr val="FFFFFF"/>
+                  </a:solidFill>
+                </a:uFill>
+                <a:latin typeface="Arial"/>
+              </a:rPr>
+              <a:t>21 de dezembro de 2005</a:t>
+            </a:r>
+            <a:endParaRPr lang="pt-BR" sz="2000" b="0" strike="noStrike" spc="-1" dirty="0">
+              <a:uFill>
+                <a:solidFill>
+                  <a:srgbClr val="FFFFFF"/>
+                </a:solidFill>
+              </a:uFill>
+              <a:latin typeface="Arial"/>
+            </a:endParaRPr>
+          </a:p>
+        </p:txBody>
+      </p:sp>
+      <p:pic>
+        <p:nvPicPr>
+          <p:cNvPr id="3" name="Imagem 2"/>
+          <p:cNvPicPr>
+            <a:picLocks noChangeAspect="1"/>
+          </p:cNvPicPr>
+          <p:nvPr/>
+        </p:nvPicPr>
+        <p:blipFill>
+          <a:blip r:embed="rId2">
+            <a:extLst>
+              <a:ext uri="{28A0092B-C50C-407E-A947-70E740481C1C}">
+                <a14:useLocalDpi xmlns:a14="http://schemas.microsoft.com/office/drawing/2010/main" val="0"/>
+              </a:ext>
+            </a:extLst>
+          </a:blip>
+          <a:stretch>
+            <a:fillRect/>
+          </a:stretch>
+        </p:blipFill>
+        <p:spPr>
+          <a:xfrm>
+            <a:off x="4452664" y="2204864"/>
+            <a:ext cx="7620000" cy="4438650"/>
+          </a:xfrm>
+          <a:prstGeom prst="rect">
             <a:avLst/>
           </a:prstGeom>
         </p:spPr>
-        <p:style>
-          <a:lnRef idx="2">
-            <a:schemeClr val="accent1">
-              <a:shade val="50000"/>
-            </a:schemeClr>
-          </a:lnRef>
-          <a:fillRef idx="1">
-            <a:schemeClr val="accent1"/>
-          </a:fillRef>
-          <a:effectRef idx="0">
-            <a:schemeClr val="accent1"/>
-          </a:effectRef>
-          <a:fontRef idx="minor">
-            <a:schemeClr val="lt1"/>
-          </a:fontRef>
-        </p:style>
-        <p:txBody>
-          <a:bodyPr rtlCol="0" anchor="ctr"/>
-          <a:lstStyle/>
-          <a:p>
-            <a:pPr algn="ctr"/>
-            <a:endParaRPr lang="pt-BR"/>
-          </a:p>
-        </p:txBody>
-      </p:sp>
+      </p:pic>
+    </p:spTree>
+    <p:extLst>
+      <p:ext uri="{BB962C8B-B14F-4D97-AF65-F5344CB8AC3E}">
+        <p14:creationId xmlns:p14="http://schemas.microsoft.com/office/powerpoint/2010/main" val="2797844456"/>
+      </p:ext>
+    </p:extLst>
+  </p:cSld>
+  <p:clrMapOvr>
+    <a:masterClrMapping/>
+  </p:clrMapOvr>
+  <p:timing>
+    <p:tnLst>
+      <p:par>
+        <p:cTn id="1" dur="indefinite" restart="never" nodeType="tmRoot"/>
+      </p:par>
+    </p:tnLst>
+  </p:timing>
+</p:sld>
+</file>
+
+<file path=ppt/slides/slide6.xml><?xml version="1.0" encoding="utf-8"?>
+<p:sld xmlns:a="http://schemas.openxmlformats.org/drawingml/2006/main" xmlns:r="http://schemas.openxmlformats.org/officeDocument/2006/relationships" xmlns:p="http://schemas.openxmlformats.org/presentationml/2006/main">
+  <p:cSld>
+    <p:spTree>
+      <p:nvGrpSpPr>
+        <p:cNvPr id="1" name=""/>
+        <p:cNvGrpSpPr/>
+        <p:nvPr/>
+      </p:nvGrpSpPr>
+      <p:grpSpPr>
+        <a:xfrm>
+          <a:off x="0" y="0"/>
+          <a:ext cx="0" cy="0"/>
+          <a:chOff x="0" y="0"/>
+          <a:chExt cx="0" cy="0"/>
+        </a:xfrm>
+      </p:grpSpPr>
       <p:sp>
         <p:nvSpPr>
-          <p:cNvPr id="9" name="CustomShape 1"/>
+          <p:cNvPr id="168" name="CustomShape 1"/>
           <p:cNvSpPr/>
           <p:nvPr/>
         </p:nvSpPr>
         <p:spPr>
           <a:xfrm>
-            <a:off x="7752184" y="3554577"/>
-            <a:ext cx="3340595" cy="1386591"/>
+            <a:off x="217800" y="-18720"/>
+            <a:ext cx="10513440" cy="1323360"/>
           </a:xfrm>
           <a:prstGeom prst="rect">
             <a:avLst/>
@@ -9638,44 +10619,130 @@
               </a:lnSpc>
             </a:pPr>
             <a:r>
-              <a:rPr lang="pt-BR" sz="3200" b="0" strike="noStrike" spc="-1" dirty="0" smtClean="0">
-                <a:solidFill>
-                  <a:srgbClr val="A6A6A6"/>
-                </a:solidFill>
-                <a:uFill>
-                  <a:solidFill>
-                    <a:srgbClr val="FFFFFF"/>
-                  </a:solidFill>
-                </a:uFill>
-                <a:latin typeface="EDP Preon"/>
-                <a:ea typeface="DejaVu Sans"/>
-              </a:rPr>
-              <a:t>Desempenho</a:t>
+              <a:rPr lang="pt-BR" sz="3200" spc="-1" dirty="0" smtClean="0">
+                <a:uFill>
+                  <a:solidFill>
+                    <a:srgbClr val="FFFFFF"/>
+                  </a:solidFill>
+                </a:uFill>
+                <a:latin typeface="Arial" panose="020B0604020202020204" pitchFamily="34" charset="0"/>
+                <a:cs typeface="Arial" panose="020B0604020202020204" pitchFamily="34" charset="0"/>
+              </a:rPr>
+              <a:t>O que é o </a:t>
+            </a:r>
+            <a:r>
+              <a:rPr lang="pt-BR" sz="3200" spc="-1" dirty="0" err="1" smtClean="0">
+                <a:uFill>
+                  <a:solidFill>
+                    <a:srgbClr val="FFFFFF"/>
+                  </a:solidFill>
+                </a:uFill>
+                <a:latin typeface="Arial" panose="020B0604020202020204" pitchFamily="34" charset="0"/>
+                <a:cs typeface="Arial" panose="020B0604020202020204" pitchFamily="34" charset="0"/>
+              </a:rPr>
+              <a:t>git</a:t>
+            </a:r>
+            <a:r>
+              <a:rPr lang="pt-BR" sz="3200" spc="-1" dirty="0" smtClean="0">
+                <a:uFill>
+                  <a:solidFill>
+                    <a:srgbClr val="FFFFFF"/>
+                  </a:solidFill>
+                </a:uFill>
+                <a:latin typeface="Arial" panose="020B0604020202020204" pitchFamily="34" charset="0"/>
+                <a:cs typeface="Arial" panose="020B0604020202020204" pitchFamily="34" charset="0"/>
+              </a:rPr>
+              <a:t>?</a:t>
             </a:r>
             <a:endParaRPr lang="pt-BR" sz="1800" b="0" strike="noStrike" spc="-1" dirty="0">
-              <a:solidFill>
-                <a:srgbClr val="000000"/>
-              </a:solidFill>
-              <a:uFill>
-                <a:solidFill>
-                  <a:srgbClr val="FFFFFF"/>
-                </a:solidFill>
-              </a:uFill>
-              <a:latin typeface="Arial"/>
+              <a:uFill>
+                <a:solidFill>
+                  <a:srgbClr val="FFFFFF"/>
+                </a:solidFill>
+              </a:uFill>
+              <a:latin typeface="Arial" panose="020B0604020202020204" pitchFamily="34" charset="0"/>
+              <a:cs typeface="Arial" panose="020B0604020202020204" pitchFamily="34" charset="0"/>
             </a:endParaRPr>
           </a:p>
         </p:txBody>
       </p:sp>
+      <p:pic>
+        <p:nvPicPr>
+          <p:cNvPr id="3" name="Imagem 2"/>
+          <p:cNvPicPr>
+            <a:picLocks noChangeAspect="1"/>
+          </p:cNvPicPr>
+          <p:nvPr/>
+        </p:nvPicPr>
+        <p:blipFill>
+          <a:blip r:embed="rId2">
+            <a:extLst>
+              <a:ext uri="{28A0092B-C50C-407E-A947-70E740481C1C}">
+                <a14:useLocalDpi xmlns:a14="http://schemas.microsoft.com/office/drawing/2010/main" val="0"/>
+              </a:ext>
+            </a:extLst>
+          </a:blip>
+          <a:stretch>
+            <a:fillRect/>
+          </a:stretch>
+        </p:blipFill>
+        <p:spPr>
+          <a:xfrm>
+            <a:off x="1559496" y="1639389"/>
+            <a:ext cx="8568952" cy="5173987"/>
+          </a:xfrm>
+          <a:prstGeom prst="rect">
+            <a:avLst/>
+          </a:prstGeom>
+        </p:spPr>
+      </p:pic>
+    </p:spTree>
+    <p:extLst>
+      <p:ext uri="{BB962C8B-B14F-4D97-AF65-F5344CB8AC3E}">
+        <p14:creationId xmlns:p14="http://schemas.microsoft.com/office/powerpoint/2010/main" val="1954077925"/>
+      </p:ext>
+    </p:extLst>
+  </p:cSld>
+  <p:clrMapOvr>
+    <a:masterClrMapping/>
+  </p:clrMapOvr>
+  <p:timing>
+    <p:tnLst>
+      <p:par>
+        <p:cTn id="1" dur="indefinite" restart="never" nodeType="tmRoot"/>
+      </p:par>
+    </p:tnLst>
+  </p:timing>
+</p:sld>
+</file>
+
+<file path=ppt/slides/slide7.xml><?xml version="1.0" encoding="utf-8"?>
+<p:sld xmlns:a="http://schemas.openxmlformats.org/drawingml/2006/main" xmlns:r="http://schemas.openxmlformats.org/officeDocument/2006/relationships" xmlns:p="http://schemas.openxmlformats.org/presentationml/2006/main">
+  <p:cSld>
+    <p:spTree>
+      <p:nvGrpSpPr>
+        <p:cNvPr id="1" name=""/>
+        <p:cNvGrpSpPr/>
+        <p:nvPr/>
+      </p:nvGrpSpPr>
+      <p:grpSpPr>
+        <a:xfrm>
+          <a:off x="0" y="0"/>
+          <a:ext cx="0" cy="0"/>
+          <a:chOff x="0" y="0"/>
+          <a:chExt cx="0" cy="0"/>
+        </a:xfrm>
+      </p:grpSpPr>
       <p:sp>
         <p:nvSpPr>
-          <p:cNvPr id="10" name="CustomShape 1"/>
+          <p:cNvPr id="168" name="CustomShape 1"/>
           <p:cNvSpPr/>
           <p:nvPr/>
         </p:nvSpPr>
         <p:spPr>
           <a:xfrm>
-            <a:off x="1027213" y="3501008"/>
-            <a:ext cx="3340595" cy="1386591"/>
+            <a:off x="217800" y="-18720"/>
+            <a:ext cx="10513440" cy="1323360"/>
           </a:xfrm>
           <a:prstGeom prst="rect">
             <a:avLst/>
@@ -9707,56 +10774,73 @@
               </a:lnSpc>
             </a:pPr>
             <a:r>
-              <a:rPr lang="pt-BR" sz="3200" b="0" strike="noStrike" spc="-1" dirty="0" smtClean="0">
-                <a:solidFill>
-                  <a:srgbClr val="A6A6A6"/>
-                </a:solidFill>
-                <a:uFill>
-                  <a:solidFill>
-                    <a:srgbClr val="FFFFFF"/>
-                  </a:solidFill>
-                </a:uFill>
-                <a:latin typeface="EDP Preon"/>
-                <a:ea typeface="DejaVu Sans"/>
-              </a:rPr>
-              <a:t>Distribuído</a:t>
-            </a:r>
-          </a:p>
-          <a:p>
-            <a:pPr>
-              <a:lnSpc>
-                <a:spcPct val="100000"/>
-              </a:lnSpc>
-            </a:pPr>
-            <a:r>
-              <a:rPr lang="pt-BR" sz="3200" spc="-1" dirty="0" err="1" smtClean="0">
-                <a:solidFill>
-                  <a:srgbClr val="A6A6A6"/>
-                </a:solidFill>
-                <a:uFill>
-                  <a:solidFill>
-                    <a:srgbClr val="FFFFFF"/>
-                  </a:solidFill>
-                </a:uFill>
-                <a:latin typeface="EDP Preon"/>
-              </a:rPr>
-              <a:t>Commit</a:t>
-            </a:r>
-            <a:r>
               <a:rPr lang="pt-BR" sz="3200" spc="-1" dirty="0" smtClean="0">
-                <a:solidFill>
-                  <a:srgbClr val="A6A6A6"/>
-                </a:solidFill>
-                <a:uFill>
-                  <a:solidFill>
-                    <a:srgbClr val="FFFFFF"/>
-                  </a:solidFill>
-                </a:uFill>
-                <a:latin typeface="EDP Preon"/>
-              </a:rPr>
-              <a:t> em lote</a:t>
+                <a:uFill>
+                  <a:solidFill>
+                    <a:srgbClr val="FFFFFF"/>
+                  </a:solidFill>
+                </a:uFill>
+                <a:latin typeface="Arial" panose="020B0604020202020204" pitchFamily="34" charset="0"/>
+                <a:cs typeface="Arial" panose="020B0604020202020204" pitchFamily="34" charset="0"/>
+              </a:rPr>
+              <a:t>Por que usar?</a:t>
             </a:r>
             <a:endParaRPr lang="pt-BR" sz="1800" b="0" strike="noStrike" spc="-1" dirty="0">
+              <a:uFill>
+                <a:solidFill>
+                  <a:srgbClr val="FFFFFF"/>
+                </a:solidFill>
+              </a:uFill>
+              <a:latin typeface="Arial" panose="020B0604020202020204" pitchFamily="34" charset="0"/>
+              <a:cs typeface="Arial" panose="020B0604020202020204" pitchFamily="34" charset="0"/>
+            </a:endParaRPr>
+          </a:p>
+        </p:txBody>
+      </p:sp>
+      <p:sp>
+        <p:nvSpPr>
+          <p:cNvPr id="4" name="CustomShape 2"/>
+          <p:cNvSpPr/>
+          <p:nvPr/>
+        </p:nvSpPr>
+        <p:spPr>
+          <a:xfrm>
+            <a:off x="334800" y="2146320"/>
+            <a:ext cx="11543400" cy="2067840"/>
+          </a:xfrm>
+          <a:prstGeom prst="rect">
+            <a:avLst/>
+          </a:prstGeom>
+          <a:noFill/>
+          <a:ln>
+            <a:noFill/>
+          </a:ln>
+        </p:spPr>
+        <p:style>
+          <a:lnRef idx="0">
+            <a:scrgbClr r="0" g="0" b="0"/>
+          </a:lnRef>
+          <a:fillRef idx="0">
+            <a:scrgbClr r="0" g="0" b="0"/>
+          </a:fillRef>
+          <a:effectRef idx="0">
+            <a:scrgbClr r="0" g="0" b="0"/>
+          </a:effectRef>
+          <a:fontRef idx="minor"/>
+        </p:style>
+        <p:txBody>
+          <a:bodyPr lIns="90000" tIns="45000" rIns="90000" bIns="45000"/>
+          <a:lstStyle/>
+          <a:p>
+            <a:pPr marL="2160">
+              <a:lnSpc>
+                <a:spcPct val="90000"/>
+              </a:lnSpc>
+              <a:buClr>
+                <a:srgbClr val="808080"/>
+              </a:buClr>
+            </a:pPr>
+            <a:endParaRPr lang="pt-BR" sz="1800" b="0" strike="noStrike" spc="-1" dirty="0" smtClean="0">
               <a:solidFill>
                 <a:srgbClr val="000000"/>
               </a:solidFill>
@@ -9768,9 +10852,112 @@
               <a:latin typeface="Arial"/>
             </a:endParaRPr>
           </a:p>
+          <a:p>
+            <a:pPr marL="285750" indent="-285750">
+              <a:lnSpc>
+                <a:spcPct val="90000"/>
+              </a:lnSpc>
+              <a:buFont typeface="Arial" panose="020B0604020202020204" pitchFamily="34" charset="0"/>
+              <a:buChar char="•"/>
+            </a:pPr>
+            <a:r>
+              <a:rPr lang="pt-BR" sz="2000" b="0" strike="noStrike" spc="-1" dirty="0" smtClean="0">
+                <a:uFill>
+                  <a:solidFill>
+                    <a:srgbClr val="FFFFFF"/>
+                  </a:solidFill>
+                </a:uFill>
+                <a:latin typeface="Arial"/>
+              </a:rPr>
+              <a:t>Versionamento</a:t>
+            </a:r>
+          </a:p>
+          <a:p>
+            <a:pPr marL="285750" indent="-285750">
+              <a:lnSpc>
+                <a:spcPct val="90000"/>
+              </a:lnSpc>
+              <a:buFont typeface="Arial" panose="020B0604020202020204" pitchFamily="34" charset="0"/>
+              <a:buChar char="•"/>
+            </a:pPr>
+            <a:r>
+              <a:rPr lang="pt-BR" sz="2000" spc="-1" dirty="0" smtClean="0">
+                <a:uFill>
+                  <a:solidFill>
+                    <a:srgbClr val="FFFFFF"/>
+                  </a:solidFill>
+                </a:uFill>
+                <a:latin typeface="Arial"/>
+              </a:rPr>
+              <a:t>Backup</a:t>
+            </a:r>
+          </a:p>
+          <a:p>
+            <a:pPr marL="285750" indent="-285750">
+              <a:lnSpc>
+                <a:spcPct val="90000"/>
+              </a:lnSpc>
+              <a:buFont typeface="Arial" panose="020B0604020202020204" pitchFamily="34" charset="0"/>
+              <a:buChar char="•"/>
+            </a:pPr>
+            <a:r>
+              <a:rPr lang="pt-BR" sz="2000" b="0" strike="noStrike" spc="-1" dirty="0" smtClean="0">
+                <a:uFill>
+                  <a:solidFill>
+                    <a:srgbClr val="FFFFFF"/>
+                  </a:solidFill>
+                </a:uFill>
+                <a:latin typeface="Arial"/>
+              </a:rPr>
+              <a:t>Segurança</a:t>
+            </a:r>
+            <a:endParaRPr lang="pt-BR" sz="2000" b="0" strike="noStrike" spc="-1" dirty="0">
+              <a:uFill>
+                <a:solidFill>
+                  <a:srgbClr val="FFFFFF"/>
+                </a:solidFill>
+              </a:uFill>
+              <a:latin typeface="Arial"/>
+            </a:endParaRPr>
+          </a:p>
         </p:txBody>
       </p:sp>
+      <p:pic>
+        <p:nvPicPr>
+          <p:cNvPr id="2" name="Imagem 1"/>
+          <p:cNvPicPr>
+            <a:picLocks noChangeAspect="1"/>
+          </p:cNvPicPr>
+          <p:nvPr/>
+        </p:nvPicPr>
+        <p:blipFill>
+          <a:blip r:embed="rId2" cstate="print">
+            <a:extLst>
+              <a:ext uri="{28A0092B-C50C-407E-A947-70E740481C1C}">
+                <a14:useLocalDpi xmlns:a14="http://schemas.microsoft.com/office/drawing/2010/main" val="0"/>
+              </a:ext>
+            </a:extLst>
+          </a:blip>
+          <a:stretch>
+            <a:fillRect/>
+          </a:stretch>
+        </p:blipFill>
+        <p:spPr>
+          <a:xfrm>
+            <a:off x="5159896" y="2131819"/>
+            <a:ext cx="6840760" cy="4564155"/>
+          </a:xfrm>
+          <a:prstGeom prst="rect">
+            <a:avLst/>
+          </a:prstGeom>
+        </p:spPr>
+      </p:pic>
     </p:spTree>
+    <p:extLst>
+      <p:ext uri="{BB962C8B-B14F-4D97-AF65-F5344CB8AC3E}">
+        <p14:creationId xmlns:p14="http://schemas.microsoft.com/office/powerpoint/2010/main" val="453704100"/>
+      </p:ext>
+    </p:extLst>
   </p:cSld>
   <p:clrMapOvr>
     <a:masterClrMapping/>
@@ -9778,27 +10965,436 @@
   <p:timing>
     <p:tnLst>
       <p:par>
-        <p:cTn id="1" dur="indefinite" restart="never" nodeType="tmRoot">
-          <p:childTnLst>
-            <p:seq>
-              <p:cTn id="2" nodeType="mainSeq"/>
-              <p:prevCondLst>
-                <p:cond evt="onPrev" delay="0">
-                  <p:tgtEl>
-                    <p:sldTgt/>
-                  </p:tgtEl>
-                </p:cond>
-              </p:prevCondLst>
-              <p:nextCondLst>
-                <p:cond evt="onNext" delay="0">
-                  <p:tgtEl>
-                    <p:sldTgt/>
-                  </p:tgtEl>
-                </p:cond>
-              </p:nextCondLst>
-            </p:seq>
-          </p:childTnLst>
-        </p:cTn>
+        <p:cTn id="1" dur="indefinite" restart="never" nodeType="tmRoot"/>
+      </p:par>
+    </p:tnLst>
+  </p:timing>
+</p:sld>
+</file>
+
+<file path=ppt/slides/slide8.xml><?xml version="1.0" encoding="utf-8"?>
+<p:sld xmlns:a="http://schemas.openxmlformats.org/drawingml/2006/main" xmlns:r="http://schemas.openxmlformats.org/officeDocument/2006/relationships" xmlns:p="http://schemas.openxmlformats.org/presentationml/2006/main">
+  <p:cSld>
+    <p:spTree>
+      <p:nvGrpSpPr>
+        <p:cNvPr id="1" name=""/>
+        <p:cNvGrpSpPr/>
+        <p:nvPr/>
+      </p:nvGrpSpPr>
+      <p:grpSpPr>
+        <a:xfrm>
+          <a:off x="0" y="0"/>
+          <a:ext cx="0" cy="0"/>
+          <a:chOff x="0" y="0"/>
+          <a:chExt cx="0" cy="0"/>
+        </a:xfrm>
+      </p:grpSpPr>
+      <p:sp>
+        <p:nvSpPr>
+          <p:cNvPr id="168" name="CustomShape 1"/>
+          <p:cNvSpPr/>
+          <p:nvPr/>
+        </p:nvSpPr>
+        <p:spPr>
+          <a:xfrm>
+            <a:off x="217800" y="-18720"/>
+            <a:ext cx="10513440" cy="1323360"/>
+          </a:xfrm>
+          <a:prstGeom prst="rect">
+            <a:avLst/>
+          </a:prstGeom>
+          <a:noFill/>
+          <a:ln>
+            <a:noFill/>
+          </a:ln>
+        </p:spPr>
+        <p:style>
+          <a:lnRef idx="0">
+            <a:scrgbClr r="0" g="0" b="0"/>
+          </a:lnRef>
+          <a:fillRef idx="0">
+            <a:scrgbClr r="0" g="0" b="0"/>
+          </a:fillRef>
+          <a:effectRef idx="0">
+            <a:scrgbClr r="0" g="0" b="0"/>
+          </a:effectRef>
+          <a:fontRef idx="minor"/>
+        </p:style>
+        <p:txBody>
+          <a:bodyPr lIns="90000" tIns="45000" rIns="90000" bIns="45000" anchor="ctr"/>
+          <a:lstStyle/>
+          <a:p>
+            <a:pPr>
+              <a:lnSpc>
+                <a:spcPct val="100000"/>
+              </a:lnSpc>
+            </a:pPr>
+            <a:r>
+              <a:rPr lang="pt-BR" sz="3200" spc="-1" dirty="0" smtClean="0">
+                <a:uFill>
+                  <a:solidFill>
+                    <a:srgbClr val="FFFFFF"/>
+                  </a:solidFill>
+                </a:uFill>
+                <a:latin typeface="Arial" panose="020B0604020202020204" pitchFamily="34" charset="0"/>
+                <a:cs typeface="Arial" panose="020B0604020202020204" pitchFamily="34" charset="0"/>
+              </a:rPr>
+              <a:t>Servidores</a:t>
+            </a:r>
+            <a:endParaRPr lang="pt-BR" sz="1800" b="0" strike="noStrike" spc="-1" dirty="0">
+              <a:uFill>
+                <a:solidFill>
+                  <a:srgbClr val="FFFFFF"/>
+                </a:solidFill>
+              </a:uFill>
+              <a:latin typeface="Arial" panose="020B0604020202020204" pitchFamily="34" charset="0"/>
+              <a:cs typeface="Arial" panose="020B0604020202020204" pitchFamily="34" charset="0"/>
+            </a:endParaRPr>
+          </a:p>
+        </p:txBody>
+      </p:sp>
+      <p:pic>
+        <p:nvPicPr>
+          <p:cNvPr id="2" name="Imagem 1"/>
+          <p:cNvPicPr>
+            <a:picLocks noChangeAspect="1"/>
+          </p:cNvPicPr>
+          <p:nvPr/>
+        </p:nvPicPr>
+        <p:blipFill>
+          <a:blip r:embed="rId2">
+            <a:extLst>
+              <a:ext uri="{28A0092B-C50C-407E-A947-70E740481C1C}">
+                <a14:useLocalDpi xmlns:a14="http://schemas.microsoft.com/office/drawing/2010/main" val="0"/>
+              </a:ext>
+            </a:extLst>
+          </a:blip>
+          <a:stretch>
+            <a:fillRect/>
+          </a:stretch>
+        </p:blipFill>
+        <p:spPr>
+          <a:xfrm>
+            <a:off x="557808" y="2643336"/>
+            <a:ext cx="3810000" cy="3810000"/>
+          </a:xfrm>
+          <a:prstGeom prst="rect">
+            <a:avLst/>
+          </a:prstGeom>
+        </p:spPr>
+      </p:pic>
+      <p:pic>
+        <p:nvPicPr>
+          <p:cNvPr id="5" name="Imagem 4"/>
+          <p:cNvPicPr>
+            <a:picLocks noChangeAspect="1"/>
+          </p:cNvPicPr>
+          <p:nvPr/>
+        </p:nvPicPr>
+        <p:blipFill>
+          <a:blip r:embed="rId3">
+            <a:extLst>
+              <a:ext uri="{28A0092B-C50C-407E-A947-70E740481C1C}">
+                <a14:useLocalDpi xmlns:a14="http://schemas.microsoft.com/office/drawing/2010/main" val="0"/>
+              </a:ext>
+            </a:extLst>
+          </a:blip>
+          <a:stretch>
+            <a:fillRect/>
+          </a:stretch>
+        </p:blipFill>
+        <p:spPr>
+          <a:xfrm>
+            <a:off x="4943872" y="2012742"/>
+            <a:ext cx="10058400" cy="5016658"/>
+          </a:xfrm>
+          <a:prstGeom prst="rect">
+            <a:avLst/>
+          </a:prstGeom>
+        </p:spPr>
+      </p:pic>
+    </p:spTree>
+    <p:extLst>
+      <p:ext uri="{BB962C8B-B14F-4D97-AF65-F5344CB8AC3E}">
+        <p14:creationId xmlns:p14="http://schemas.microsoft.com/office/powerpoint/2010/main" val="1016918157"/>
+      </p:ext>
+    </p:extLst>
+  </p:cSld>
+  <p:clrMapOvr>
+    <a:masterClrMapping/>
+  </p:clrMapOvr>
+  <p:timing>
+    <p:tnLst>
+      <p:par>
+        <p:cTn id="1" dur="indefinite" restart="never" nodeType="tmRoot"/>
+      </p:par>
+    </p:tnLst>
+  </p:timing>
+</p:sld>
+</file>
+
+<file path=ppt/slides/slide9.xml><?xml version="1.0" encoding="utf-8"?>
+<p:sld xmlns:a="http://schemas.openxmlformats.org/drawingml/2006/main" xmlns:r="http://schemas.openxmlformats.org/officeDocument/2006/relationships" xmlns:p="http://schemas.openxmlformats.org/presentationml/2006/main">
+  <p:cSld>
+    <p:spTree>
+      <p:nvGrpSpPr>
+        <p:cNvPr id="1" name=""/>
+        <p:cNvGrpSpPr/>
+        <p:nvPr/>
+      </p:nvGrpSpPr>
+      <p:grpSpPr>
+        <a:xfrm>
+          <a:off x="0" y="0"/>
+          <a:ext cx="0" cy="0"/>
+          <a:chOff x="0" y="0"/>
+          <a:chExt cx="0" cy="0"/>
+        </a:xfrm>
+      </p:grpSpPr>
+      <p:sp>
+        <p:nvSpPr>
+          <p:cNvPr id="168" name="CustomShape 1"/>
+          <p:cNvSpPr/>
+          <p:nvPr/>
+        </p:nvSpPr>
+        <p:spPr>
+          <a:xfrm>
+            <a:off x="217800" y="-18720"/>
+            <a:ext cx="10513440" cy="1323360"/>
+          </a:xfrm>
+          <a:prstGeom prst="rect">
+            <a:avLst/>
+          </a:prstGeom>
+          <a:noFill/>
+          <a:ln>
+            <a:noFill/>
+          </a:ln>
+        </p:spPr>
+        <p:style>
+          <a:lnRef idx="0">
+            <a:scrgbClr r="0" g="0" b="0"/>
+          </a:lnRef>
+          <a:fillRef idx="0">
+            <a:scrgbClr r="0" g="0" b="0"/>
+          </a:fillRef>
+          <a:effectRef idx="0">
+            <a:scrgbClr r="0" g="0" b="0"/>
+          </a:effectRef>
+          <a:fontRef idx="minor"/>
+        </p:style>
+        <p:txBody>
+          <a:bodyPr lIns="90000" tIns="45000" rIns="90000" bIns="45000" anchor="ctr"/>
+          <a:lstStyle/>
+          <a:p>
+            <a:pPr>
+              <a:lnSpc>
+                <a:spcPct val="100000"/>
+              </a:lnSpc>
+            </a:pPr>
+            <a:r>
+              <a:rPr lang="pt-BR" sz="3200" spc="-1" dirty="0" smtClean="0">
+                <a:uFill>
+                  <a:solidFill>
+                    <a:srgbClr val="FFFFFF"/>
+                  </a:solidFill>
+                </a:uFill>
+                <a:latin typeface="Arial" panose="020B0604020202020204" pitchFamily="34" charset="0"/>
+                <a:cs typeface="Arial" panose="020B0604020202020204" pitchFamily="34" charset="0"/>
+              </a:rPr>
+              <a:t>Tarefa: criar uma conta no </a:t>
+            </a:r>
+            <a:r>
+              <a:rPr lang="pt-BR" sz="3200" spc="-1" dirty="0" err="1" smtClean="0">
+                <a:uFill>
+                  <a:solidFill>
+                    <a:srgbClr val="FFFFFF"/>
+                  </a:solidFill>
+                </a:uFill>
+                <a:latin typeface="Arial" panose="020B0604020202020204" pitchFamily="34" charset="0"/>
+                <a:cs typeface="Arial" panose="020B0604020202020204" pitchFamily="34" charset="0"/>
+              </a:rPr>
+              <a:t>gitlab</a:t>
+            </a:r>
+            <a:endParaRPr lang="pt-BR" sz="1800" b="0" strike="noStrike" spc="-1" dirty="0">
+              <a:uFill>
+                <a:solidFill>
+                  <a:srgbClr val="FFFFFF"/>
+                </a:solidFill>
+              </a:uFill>
+              <a:latin typeface="Arial" panose="020B0604020202020204" pitchFamily="34" charset="0"/>
+              <a:cs typeface="Arial" panose="020B0604020202020204" pitchFamily="34" charset="0"/>
+            </a:endParaRPr>
+          </a:p>
+        </p:txBody>
+      </p:sp>
+      <p:sp>
+        <p:nvSpPr>
+          <p:cNvPr id="6" name="CustomShape 2"/>
+          <p:cNvSpPr/>
+          <p:nvPr/>
+        </p:nvSpPr>
+        <p:spPr>
+          <a:xfrm>
+            <a:off x="334800" y="2146320"/>
+            <a:ext cx="11543400" cy="2067840"/>
+          </a:xfrm>
+          <a:prstGeom prst="rect">
+            <a:avLst/>
+          </a:prstGeom>
+          <a:noFill/>
+          <a:ln>
+            <a:noFill/>
+          </a:ln>
+        </p:spPr>
+        <p:style>
+          <a:lnRef idx="0">
+            <a:scrgbClr r="0" g="0" b="0"/>
+          </a:lnRef>
+          <a:fillRef idx="0">
+            <a:scrgbClr r="0" g="0" b="0"/>
+          </a:fillRef>
+          <a:effectRef idx="0">
+            <a:scrgbClr r="0" g="0" b="0"/>
+          </a:effectRef>
+          <a:fontRef idx="minor"/>
+        </p:style>
+        <p:txBody>
+          <a:bodyPr lIns="90000" tIns="45000" rIns="90000" bIns="45000"/>
+          <a:lstStyle/>
+          <a:p>
+            <a:pPr marL="2160">
+              <a:lnSpc>
+                <a:spcPct val="90000"/>
+              </a:lnSpc>
+              <a:buClr>
+                <a:srgbClr val="808080"/>
+              </a:buClr>
+            </a:pPr>
+            <a:endParaRPr lang="pt-BR" sz="1800" b="0" strike="noStrike" spc="-1" dirty="0" smtClean="0">
+              <a:solidFill>
+                <a:srgbClr val="000000"/>
+              </a:solidFill>
+              <a:uFill>
+                <a:solidFill>
+                  <a:srgbClr val="FFFFFF"/>
+                </a:solidFill>
+              </a:uFill>
+              <a:latin typeface="Arial"/>
+            </a:endParaRPr>
+          </a:p>
+          <a:p>
+            <a:pPr>
+              <a:lnSpc>
+                <a:spcPct val="90000"/>
+              </a:lnSpc>
+            </a:pPr>
+            <a:r>
+              <a:rPr lang="pt-BR" sz="3200" spc="-1" dirty="0" smtClean="0">
+                <a:uFill>
+                  <a:solidFill>
+                    <a:srgbClr val="FFFFFF"/>
+                  </a:solidFill>
+                </a:uFill>
+                <a:latin typeface="Arial"/>
+                <a:hlinkClick r:id="rId2"/>
+              </a:rPr>
+              <a:t>http://www.gitlab.com</a:t>
+            </a:r>
+            <a:endParaRPr lang="pt-BR" sz="3200" spc="-1" dirty="0" smtClean="0">
+              <a:uFill>
+                <a:solidFill>
+                  <a:srgbClr val="FFFFFF"/>
+                </a:solidFill>
+              </a:uFill>
+              <a:latin typeface="Arial"/>
+            </a:endParaRPr>
+          </a:p>
+          <a:p>
+            <a:pPr>
+              <a:lnSpc>
+                <a:spcPct val="90000"/>
+              </a:lnSpc>
+            </a:pPr>
+            <a:endParaRPr lang="pt-BR" sz="3200" b="0" strike="noStrike" spc="-1" dirty="0" smtClean="0">
+              <a:uFill>
+                <a:solidFill>
+                  <a:srgbClr val="FFFFFF"/>
+                </a:solidFill>
+              </a:uFill>
+              <a:latin typeface="Arial"/>
+            </a:endParaRPr>
+          </a:p>
+          <a:p>
+            <a:pPr>
+              <a:lnSpc>
+                <a:spcPct val="90000"/>
+              </a:lnSpc>
+            </a:pPr>
+            <a:r>
+              <a:rPr lang="pt-BR" sz="3200" spc="-1" dirty="0" err="1" smtClean="0">
+                <a:uFill>
+                  <a:solidFill>
+                    <a:srgbClr val="FFFFFF"/>
+                  </a:solidFill>
+                </a:uFill>
+                <a:latin typeface="Arial"/>
+              </a:rPr>
+              <a:t>Register</a:t>
+            </a:r>
+            <a:endParaRPr lang="pt-BR" sz="3200" spc="-1" dirty="0" smtClean="0">
+              <a:uFill>
+                <a:solidFill>
+                  <a:srgbClr val="FFFFFF"/>
+                </a:solidFill>
+              </a:uFill>
+              <a:latin typeface="Arial"/>
+            </a:endParaRPr>
+          </a:p>
+        </p:txBody>
+      </p:sp>
+      <p:pic>
+        <p:nvPicPr>
+          <p:cNvPr id="3" name="Imagem 2"/>
+          <p:cNvPicPr>
+            <a:picLocks noChangeAspect="1"/>
+          </p:cNvPicPr>
+          <p:nvPr/>
+        </p:nvPicPr>
+        <p:blipFill>
+          <a:blip r:embed="rId3">
+            <a:extLst>
+              <a:ext uri="{28A0092B-C50C-407E-A947-70E740481C1C}">
+                <a14:useLocalDpi xmlns:a14="http://schemas.microsoft.com/office/drawing/2010/main" val="0"/>
+              </a:ext>
+            </a:extLst>
+          </a:blip>
+          <a:stretch>
+            <a:fillRect/>
+          </a:stretch>
+        </p:blipFill>
+        <p:spPr>
+          <a:xfrm>
+            <a:off x="8273374" y="0"/>
+            <a:ext cx="3871298" cy="6858000"/>
+          </a:xfrm>
+          <a:prstGeom prst="rect">
+            <a:avLst/>
+          </a:prstGeom>
+        </p:spPr>
+      </p:pic>
+    </p:spTree>
+    <p:extLst>
+      <p:ext uri="{BB962C8B-B14F-4D97-AF65-F5344CB8AC3E}">
+        <p14:creationId xmlns:p14="http://schemas.microsoft.com/office/powerpoint/2010/main" val="562544073"/>
+      </p:ext>
+    </p:extLst>
+  </p:cSld>
+  <p:clrMapOvr>
+    <a:masterClrMapping/>
+  </p:clrMapOvr>
+  <p:timing>
+    <p:tnLst>
+      <p:par>
+        <p:cTn id="1" dur="indefinite" restart="never" nodeType="tmRoot"/>
       </p:par>
     </p:tnLst>
   </p:timing>

--- a/git.pptx
+++ b/git.pptx
@@ -5,51 +5,37 @@
     <p:sldMasterId id="2147483661" r:id="rId1"/>
   </p:sldMasterIdLst>
   <p:notesMasterIdLst>
-    <p:notesMasterId r:id="rId41"/>
+    <p:notesMasterId r:id="rId27"/>
   </p:notesMasterIdLst>
   <p:handoutMasterIdLst>
-    <p:handoutMasterId r:id="rId42"/>
+    <p:handoutMasterId r:id="rId28"/>
   </p:handoutMasterIdLst>
   <p:sldIdLst>
     <p:sldId id="256" r:id="rId2"/>
-    <p:sldId id="258" r:id="rId3"/>
-    <p:sldId id="259" r:id="rId4"/>
-    <p:sldId id="261" r:id="rId5"/>
-    <p:sldId id="277" r:id="rId6"/>
-    <p:sldId id="269" r:id="rId7"/>
-    <p:sldId id="276" r:id="rId8"/>
-    <p:sldId id="278" r:id="rId9"/>
-    <p:sldId id="300" r:id="rId10"/>
-    <p:sldId id="279" r:id="rId11"/>
-    <p:sldId id="281" r:id="rId12"/>
-    <p:sldId id="280" r:id="rId13"/>
-    <p:sldId id="282" r:id="rId14"/>
-    <p:sldId id="263" r:id="rId15"/>
-    <p:sldId id="283" r:id="rId16"/>
-    <p:sldId id="284" r:id="rId17"/>
-    <p:sldId id="298" r:id="rId18"/>
-    <p:sldId id="299" r:id="rId19"/>
-    <p:sldId id="294" r:id="rId20"/>
-    <p:sldId id="295" r:id="rId21"/>
-    <p:sldId id="296" r:id="rId22"/>
-    <p:sldId id="297" r:id="rId23"/>
-    <p:sldId id="285" r:id="rId24"/>
-    <p:sldId id="290" r:id="rId25"/>
-    <p:sldId id="289" r:id="rId26"/>
-    <p:sldId id="286" r:id="rId27"/>
-    <p:sldId id="287" r:id="rId28"/>
-    <p:sldId id="288" r:id="rId29"/>
-    <p:sldId id="293" r:id="rId30"/>
-    <p:sldId id="264" r:id="rId31"/>
-    <p:sldId id="265" r:id="rId32"/>
-    <p:sldId id="270" r:id="rId33"/>
-    <p:sldId id="266" r:id="rId34"/>
-    <p:sldId id="271" r:id="rId35"/>
-    <p:sldId id="272" r:id="rId36"/>
-    <p:sldId id="273" r:id="rId37"/>
-    <p:sldId id="274" r:id="rId38"/>
-    <p:sldId id="275" r:id="rId39"/>
-    <p:sldId id="267" r:id="rId40"/>
+    <p:sldId id="263" r:id="rId3"/>
+    <p:sldId id="283" r:id="rId4"/>
+    <p:sldId id="299" r:id="rId5"/>
+    <p:sldId id="294" r:id="rId6"/>
+    <p:sldId id="295" r:id="rId7"/>
+    <p:sldId id="296" r:id="rId8"/>
+    <p:sldId id="297" r:id="rId9"/>
+    <p:sldId id="285" r:id="rId10"/>
+    <p:sldId id="290" r:id="rId11"/>
+    <p:sldId id="289" r:id="rId12"/>
+    <p:sldId id="286" r:id="rId13"/>
+    <p:sldId id="287" r:id="rId14"/>
+    <p:sldId id="288" r:id="rId15"/>
+    <p:sldId id="293" r:id="rId16"/>
+    <p:sldId id="264" r:id="rId17"/>
+    <p:sldId id="265" r:id="rId18"/>
+    <p:sldId id="270" r:id="rId19"/>
+    <p:sldId id="266" r:id="rId20"/>
+    <p:sldId id="271" r:id="rId21"/>
+    <p:sldId id="272" r:id="rId22"/>
+    <p:sldId id="273" r:id="rId23"/>
+    <p:sldId id="274" r:id="rId24"/>
+    <p:sldId id="275" r:id="rId25"/>
+    <p:sldId id="267" r:id="rId26"/>
   </p:sldIdLst>
   <p:sldSz cx="12192000" cy="6858000"/>
   <p:notesSz cx="7559675" cy="10691813"/>
@@ -252,7 +238,7 @@
           <a:p>
             <a:fld id="{6C49945D-C7A5-4C24-8C40-26DF39573107}" type="datetimeFigureOut">
               <a:rPr lang="pt-BR" smtClean="0"/>
-              <a:t>08/11/2019</a:t>
+              <a:t>11/11/2019</a:t>
             </a:fld>
             <a:endParaRPr lang="pt-BR"/>
           </a:p>
@@ -417,7 +403,7 @@
           <a:p>
             <a:fld id="{89E744D0-4B69-4805-8E5B-2ED33711F7F9}" type="datetimeFigureOut">
               <a:rPr lang="pt-BR" smtClean="0"/>
-              <a:t>08/11/2019</a:t>
+              <a:t>11/11/2019</a:t>
             </a:fld>
             <a:endParaRPr lang="pt-BR"/>
           </a:p>
@@ -750,7 +736,7 @@
           <a:p>
             <a:fld id="{D986AB5F-DE36-496E-8AB9-DFE6C126C4FD}" type="slidenum">
               <a:rPr lang="pt-BR" smtClean="0"/>
-              <a:t>2</a:t>
+              <a:t>20</a:t>
             </a:fld>
             <a:endParaRPr lang="pt-BR"/>
           </a:p>
@@ -759,7 +745,7 @@
     </p:spTree>
     <p:extLst>
       <p:ext uri="{BB962C8B-B14F-4D97-AF65-F5344CB8AC3E}">
-        <p14:creationId xmlns:p14="http://schemas.microsoft.com/office/powerpoint/2010/main" val="2395198557"/>
+        <p14:creationId xmlns:p14="http://schemas.microsoft.com/office/powerpoint/2010/main" val="3573988274"/>
       </p:ext>
     </p:extLst>
   </p:cSld>
@@ -834,7 +820,7 @@
           <a:p>
             <a:fld id="{D986AB5F-DE36-496E-8AB9-DFE6C126C4FD}" type="slidenum">
               <a:rPr lang="pt-BR" smtClean="0"/>
-              <a:t>34</a:t>
+              <a:t>21</a:t>
             </a:fld>
             <a:endParaRPr lang="pt-BR"/>
           </a:p>
@@ -843,7 +829,7 @@
     </p:spTree>
     <p:extLst>
       <p:ext uri="{BB962C8B-B14F-4D97-AF65-F5344CB8AC3E}">
-        <p14:creationId xmlns:p14="http://schemas.microsoft.com/office/powerpoint/2010/main" val="3573988274"/>
+        <p14:creationId xmlns:p14="http://schemas.microsoft.com/office/powerpoint/2010/main" val="1074595165"/>
       </p:ext>
     </p:extLst>
   </p:cSld>
@@ -918,7 +904,7 @@
           <a:p>
             <a:fld id="{D986AB5F-DE36-496E-8AB9-DFE6C126C4FD}" type="slidenum">
               <a:rPr lang="pt-BR" smtClean="0"/>
-              <a:t>35</a:t>
+              <a:t>22</a:t>
             </a:fld>
             <a:endParaRPr lang="pt-BR"/>
           </a:p>
@@ -927,7 +913,7 @@
     </p:spTree>
     <p:extLst>
       <p:ext uri="{BB962C8B-B14F-4D97-AF65-F5344CB8AC3E}">
-        <p14:creationId xmlns:p14="http://schemas.microsoft.com/office/powerpoint/2010/main" val="1074595165"/>
+        <p14:creationId xmlns:p14="http://schemas.microsoft.com/office/powerpoint/2010/main" val="1977726863"/>
       </p:ext>
     </p:extLst>
   </p:cSld>
@@ -1002,7 +988,7 @@
           <a:p>
             <a:fld id="{D986AB5F-DE36-496E-8AB9-DFE6C126C4FD}" type="slidenum">
               <a:rPr lang="pt-BR" smtClean="0"/>
-              <a:t>36</a:t>
+              <a:t>23</a:t>
             </a:fld>
             <a:endParaRPr lang="pt-BR"/>
           </a:p>
@@ -1011,7 +997,7 @@
     </p:spTree>
     <p:extLst>
       <p:ext uri="{BB962C8B-B14F-4D97-AF65-F5344CB8AC3E}">
-        <p14:creationId xmlns:p14="http://schemas.microsoft.com/office/powerpoint/2010/main" val="1977726863"/>
+        <p14:creationId xmlns:p14="http://schemas.microsoft.com/office/powerpoint/2010/main" val="3871945905"/>
       </p:ext>
     </p:extLst>
   </p:cSld>
@@ -1086,91 +1072,7 @@
           <a:p>
             <a:fld id="{D986AB5F-DE36-496E-8AB9-DFE6C126C4FD}" type="slidenum">
               <a:rPr lang="pt-BR" smtClean="0"/>
-              <a:t>37</a:t>
-            </a:fld>
-            <a:endParaRPr lang="pt-BR"/>
-          </a:p>
-        </p:txBody>
-      </p:sp>
-    </p:spTree>
-    <p:extLst>
-      <p:ext uri="{BB962C8B-B14F-4D97-AF65-F5344CB8AC3E}">
-        <p14:creationId xmlns:p14="http://schemas.microsoft.com/office/powerpoint/2010/main" val="3871945905"/>
-      </p:ext>
-    </p:extLst>
-  </p:cSld>
-  <p:clrMapOvr>
-    <a:masterClrMapping/>
-  </p:clrMapOvr>
-</p:notes>
-</file>
-
-<file path=ppt/notesSlides/notesSlide6.xml><?xml version="1.0" encoding="utf-8"?>
-<p:notes xmlns:a="http://schemas.openxmlformats.org/drawingml/2006/main" xmlns:r="http://schemas.openxmlformats.org/officeDocument/2006/relationships" xmlns:p="http://schemas.openxmlformats.org/presentationml/2006/main">
-  <p:cSld>
-    <p:spTree>
-      <p:nvGrpSpPr>
-        <p:cNvPr id="1" name=""/>
-        <p:cNvGrpSpPr/>
-        <p:nvPr/>
-      </p:nvGrpSpPr>
-      <p:grpSpPr>
-        <a:xfrm>
-          <a:off x="0" y="0"/>
-          <a:ext cx="0" cy="0"/>
-          <a:chOff x="0" y="0"/>
-          <a:chExt cx="0" cy="0"/>
-        </a:xfrm>
-      </p:grpSpPr>
-      <p:sp>
-        <p:nvSpPr>
-          <p:cNvPr id="2" name="Espaço Reservado para Imagem de Slide 1"/>
-          <p:cNvSpPr>
-            <a:spLocks noGrp="1" noRot="1" noChangeAspect="1"/>
-          </p:cNvSpPr>
-          <p:nvPr>
-            <p:ph type="sldImg"/>
-          </p:nvPr>
-        </p:nvSpPr>
-        <p:spPr/>
-      </p:sp>
-      <p:sp>
-        <p:nvSpPr>
-          <p:cNvPr id="3" name="Espaço Reservado para Anotações 2"/>
-          <p:cNvSpPr>
-            <a:spLocks noGrp="1"/>
-          </p:cNvSpPr>
-          <p:nvPr>
-            <p:ph type="body" idx="1"/>
-          </p:nvPr>
-        </p:nvSpPr>
-        <p:spPr/>
-        <p:txBody>
-          <a:bodyPr/>
-          <a:lstStyle/>
-          <a:p>
-            <a:endParaRPr lang="pt-BR" dirty="0"/>
-          </a:p>
-        </p:txBody>
-      </p:sp>
-      <p:sp>
-        <p:nvSpPr>
-          <p:cNvPr id="4" name="Espaço Reservado para Número de Slide 3"/>
-          <p:cNvSpPr>
-            <a:spLocks noGrp="1"/>
-          </p:cNvSpPr>
-          <p:nvPr>
-            <p:ph type="sldNum" sz="quarter" idx="10"/>
-          </p:nvPr>
-        </p:nvSpPr>
-        <p:spPr/>
-        <p:txBody>
-          <a:bodyPr/>
-          <a:lstStyle/>
-          <a:p>
-            <a:fld id="{D986AB5F-DE36-496E-8AB9-DFE6C126C4FD}" type="slidenum">
-              <a:rPr lang="pt-BR" smtClean="0"/>
-              <a:t>38</a:t>
+              <a:t>24</a:t>
             </a:fld>
             <a:endParaRPr lang="pt-BR"/>
           </a:p>
@@ -1320,7 +1222,7 @@
           <a:p>
             <a:fld id="{AFCDBBB8-40EA-44D2-B029-6DE6549FEB5E}" type="datetimeFigureOut">
               <a:rPr lang="pt-BR" smtClean="0"/>
-              <a:t>08/11/2019</a:t>
+              <a:t>11/11/2019</a:t>
             </a:fld>
             <a:endParaRPr lang="pt-BR"/>
           </a:p>
@@ -1490,7 +1392,7 @@
           <a:p>
             <a:fld id="{AFCDBBB8-40EA-44D2-B029-6DE6549FEB5E}" type="datetimeFigureOut">
               <a:rPr lang="pt-BR" smtClean="0"/>
-              <a:t>08/11/2019</a:t>
+              <a:t>11/11/2019</a:t>
             </a:fld>
             <a:endParaRPr lang="pt-BR"/>
           </a:p>
@@ -1670,7 +1572,7 @@
           <a:p>
             <a:fld id="{AFCDBBB8-40EA-44D2-B029-6DE6549FEB5E}" type="datetimeFigureOut">
               <a:rPr lang="pt-BR" smtClean="0"/>
-              <a:t>08/11/2019</a:t>
+              <a:t>11/11/2019</a:t>
             </a:fld>
             <a:endParaRPr lang="pt-BR"/>
           </a:p>
@@ -1840,7 +1742,7 @@
           <a:p>
             <a:fld id="{AFCDBBB8-40EA-44D2-B029-6DE6549FEB5E}" type="datetimeFigureOut">
               <a:rPr lang="pt-BR" smtClean="0"/>
-              <a:t>08/11/2019</a:t>
+              <a:t>11/11/2019</a:t>
             </a:fld>
             <a:endParaRPr lang="pt-BR"/>
           </a:p>
@@ -2086,7 +1988,7 @@
           <a:p>
             <a:fld id="{AFCDBBB8-40EA-44D2-B029-6DE6549FEB5E}" type="datetimeFigureOut">
               <a:rPr lang="pt-BR" smtClean="0"/>
-              <a:t>08/11/2019</a:t>
+              <a:t>11/11/2019</a:t>
             </a:fld>
             <a:endParaRPr lang="pt-BR"/>
           </a:p>
@@ -2318,7 +2220,7 @@
           <a:p>
             <a:fld id="{AFCDBBB8-40EA-44D2-B029-6DE6549FEB5E}" type="datetimeFigureOut">
               <a:rPr lang="pt-BR" smtClean="0"/>
-              <a:t>08/11/2019</a:t>
+              <a:t>11/11/2019</a:t>
             </a:fld>
             <a:endParaRPr lang="pt-BR"/>
           </a:p>
@@ -2685,7 +2587,7 @@
           <a:p>
             <a:fld id="{AFCDBBB8-40EA-44D2-B029-6DE6549FEB5E}" type="datetimeFigureOut">
               <a:rPr lang="pt-BR" smtClean="0"/>
-              <a:t>08/11/2019</a:t>
+              <a:t>11/11/2019</a:t>
             </a:fld>
             <a:endParaRPr lang="pt-BR"/>
           </a:p>
@@ -2803,7 +2705,7 @@
           <a:p>
             <a:fld id="{AFCDBBB8-40EA-44D2-B029-6DE6549FEB5E}" type="datetimeFigureOut">
               <a:rPr lang="pt-BR" smtClean="0"/>
-              <a:t>08/11/2019</a:t>
+              <a:t>11/11/2019</a:t>
             </a:fld>
             <a:endParaRPr lang="pt-BR"/>
           </a:p>
@@ -2898,7 +2800,7 @@
           <a:p>
             <a:fld id="{AFCDBBB8-40EA-44D2-B029-6DE6549FEB5E}" type="datetimeFigureOut">
               <a:rPr lang="pt-BR" smtClean="0"/>
-              <a:t>08/11/2019</a:t>
+              <a:t>11/11/2019</a:t>
             </a:fld>
             <a:endParaRPr lang="pt-BR"/>
           </a:p>
@@ -3175,7 +3077,7 @@
           <a:p>
             <a:fld id="{AFCDBBB8-40EA-44D2-B029-6DE6549FEB5E}" type="datetimeFigureOut">
               <a:rPr lang="pt-BR" smtClean="0"/>
-              <a:t>08/11/2019</a:t>
+              <a:t>11/11/2019</a:t>
             </a:fld>
             <a:endParaRPr lang="pt-BR"/>
           </a:p>
@@ -3428,7 +3330,7 @@
           <a:p>
             <a:fld id="{AFCDBBB8-40EA-44D2-B029-6DE6549FEB5E}" type="datetimeFigureOut">
               <a:rPr lang="pt-BR" smtClean="0"/>
-              <a:t>08/11/2019</a:t>
+              <a:t>11/11/2019</a:t>
             </a:fld>
             <a:endParaRPr lang="pt-BR"/>
           </a:p>
@@ -3641,7 +3543,7 @@
           <a:p>
             <a:fld id="{AFCDBBB8-40EA-44D2-B029-6DE6549FEB5E}" type="datetimeFigureOut">
               <a:rPr lang="pt-BR" smtClean="0"/>
-              <a:t>08/11/2019</a:t>
+              <a:t>11/11/2019</a:t>
             </a:fld>
             <a:endParaRPr lang="pt-BR"/>
           </a:p>
@@ -4233,7 +4135,7 @@
               </a:lnSpc>
             </a:pPr>
             <a:r>
-              <a:rPr lang="pt-BR" sz="3200" b="1" spc="-1" dirty="0" smtClean="0">
+              <a:rPr lang="pt-BR" sz="3200" b="1" spc="-1" dirty="0" err="1" smtClean="0">
                 <a:uFill>
                   <a:solidFill>
                     <a:srgbClr val="FFFFFF"/>
@@ -4242,7 +4144,7 @@
                 <a:latin typeface="Arial" panose="020B0604020202020204" pitchFamily="34" charset="0"/>
                 <a:cs typeface="Arial" panose="020B0604020202020204" pitchFamily="34" charset="0"/>
               </a:rPr>
-              <a:t>Criar</a:t>
+              <a:t>git</a:t>
             </a:r>
             <a:r>
               <a:rPr lang="pt-BR" sz="3200" b="1" spc="-1" dirty="0" smtClean="0">
@@ -4254,31 +4156,7 @@
                 <a:latin typeface="Arial" panose="020B0604020202020204" pitchFamily="34" charset="0"/>
                 <a:cs typeface="Arial" panose="020B0604020202020204" pitchFamily="34" charset="0"/>
               </a:rPr>
-              <a:t> </a:t>
-            </a:r>
-            <a:r>
-              <a:rPr lang="pt-BR" sz="3200" b="1" spc="-1" dirty="0" smtClean="0">
-                <a:uFill>
-                  <a:solidFill>
-                    <a:srgbClr val="FFFFFF"/>
-                  </a:solidFill>
-                </a:uFill>
-                <a:latin typeface="Arial" panose="020B0604020202020204" pitchFamily="34" charset="0"/>
-                <a:cs typeface="Arial" panose="020B0604020202020204" pitchFamily="34" charset="0"/>
-              </a:rPr>
-              <a:t>conta no </a:t>
-            </a:r>
-            <a:r>
-              <a:rPr lang="pt-BR" sz="3200" b="1" spc="-1" dirty="0" err="1" smtClean="0">
-                <a:uFill>
-                  <a:solidFill>
-                    <a:srgbClr val="FFFFFF"/>
-                  </a:solidFill>
-                </a:uFill>
-                <a:latin typeface="Arial" panose="020B0604020202020204" pitchFamily="34" charset="0"/>
-                <a:cs typeface="Arial" panose="020B0604020202020204" pitchFamily="34" charset="0"/>
-              </a:rPr>
-              <a:t>gitlab</a:t>
+              <a:t> alias</a:t>
             </a:r>
             <a:endParaRPr lang="pt-BR" sz="1800" b="1" strike="noStrike" spc="-1" dirty="0">
               <a:uFill>
@@ -4300,7 +4178,7 @@
         </p:nvSpPr>
         <p:spPr>
           <a:xfrm>
-            <a:off x="334800" y="2146320"/>
+            <a:off x="334800" y="1649192"/>
             <a:ext cx="11543400" cy="2067840"/>
           </a:xfrm>
           <a:prstGeom prst="rect">
@@ -4354,6 +4232,28 @@
               </a:lnSpc>
             </a:pPr>
             <a:r>
+              <a:rPr lang="pt-BR" sz="3200" spc="-1" dirty="0" err="1">
+                <a:uFill>
+                  <a:solidFill>
+                    <a:srgbClr val="FFFFFF"/>
+                  </a:solidFill>
+                </a:uFill>
+                <a:latin typeface="Arial"/>
+              </a:rPr>
+              <a:t>g</a:t>
+            </a:r>
+            <a:r>
+              <a:rPr lang="pt-BR" sz="3200" spc="-1" dirty="0" err="1" smtClean="0">
+                <a:uFill>
+                  <a:solidFill>
+                    <a:srgbClr val="FFFFFF"/>
+                  </a:solidFill>
+                </a:uFill>
+                <a:latin typeface="Arial"/>
+              </a:rPr>
+              <a:t>it</a:t>
+            </a:r>
+            <a:r>
               <a:rPr lang="pt-BR" sz="3200" spc="-1" dirty="0" smtClean="0">
                 <a:uFill>
                   <a:solidFill>
@@ -4361,18 +4261,42 @@
                   </a:solidFill>
                 </a:uFill>
                 <a:latin typeface="Arial"/>
-                <a:hlinkClick r:id="rId2"/>
-              </a:rPr>
-              <a:t>http://www.gitlab.com</a:t>
-            </a:r>
-            <a:endParaRPr lang="pt-BR" sz="3200" spc="-1" dirty="0" smtClean="0">
-              <a:uFill>
-                <a:solidFill>
-                  <a:srgbClr val="FFFFFF"/>
-                </a:solidFill>
-              </a:uFill>
-              <a:latin typeface="Arial"/>
-            </a:endParaRPr>
+              </a:rPr>
+              <a:t> </a:t>
+            </a:r>
+            <a:r>
+              <a:rPr lang="pt-BR" sz="3200" spc="-1" dirty="0" err="1" smtClean="0">
+                <a:uFill>
+                  <a:solidFill>
+                    <a:srgbClr val="FFFFFF"/>
+                  </a:solidFill>
+                </a:uFill>
+                <a:latin typeface="Arial"/>
+              </a:rPr>
+              <a:t>config</a:t>
+            </a:r>
+            <a:r>
+              <a:rPr lang="pt-BR" sz="3200" spc="-1" dirty="0">
+                <a:uFill>
+                  <a:solidFill>
+                    <a:srgbClr val="FFFFFF"/>
+                  </a:solidFill>
+                </a:uFill>
+                <a:latin typeface="Arial"/>
+              </a:rPr>
+              <a:t> </a:t>
+            </a:r>
+            <a:r>
+              <a:rPr lang="pt-BR" sz="3200" spc="-1" dirty="0" smtClean="0">
+                <a:uFill>
+                  <a:solidFill>
+                    <a:srgbClr val="FFFFFF"/>
+                  </a:solidFill>
+                </a:uFill>
+                <a:latin typeface="Arial"/>
+              </a:rPr>
+              <a:t>--global alias.st status</a:t>
+            </a:r>
           </a:p>
           <a:p>
             <a:pPr>
@@ -4380,7 +4304,7 @@
                 <a:spcPct val="90000"/>
               </a:lnSpc>
             </a:pPr>
-            <a:endParaRPr lang="pt-BR" sz="3200" b="0" strike="noStrike" spc="-1" dirty="0" smtClean="0">
+            <a:endParaRPr lang="pt-BR" sz="3200" spc="-1" dirty="0">
               <a:uFill>
                 <a:solidFill>
                   <a:srgbClr val="FFFFFF"/>
@@ -4404,29 +4328,120 @@
                 </a:uFill>
                 <a:latin typeface="Arial"/>
               </a:rPr>
-              <a:t>Register</a:t>
-            </a:r>
-            <a:endParaRPr lang="pt-BR" sz="3200" spc="-1" dirty="0" smtClean="0">
-              <a:uFill>
-                <a:solidFill>
-                  <a:srgbClr val="FFFFFF"/>
-                </a:solidFill>
-              </a:uFill>
-              <a:latin typeface="Arial"/>
-            </a:endParaRPr>
+              <a:t>git</a:t>
+            </a:r>
+            <a:r>
+              <a:rPr lang="pt-BR" sz="3200" spc="-1" dirty="0" smtClean="0">
+                <a:uFill>
+                  <a:solidFill>
+                    <a:srgbClr val="FFFFFF"/>
+                  </a:solidFill>
+                </a:uFill>
+                <a:latin typeface="Arial"/>
+              </a:rPr>
+              <a:t> --global </a:t>
+            </a:r>
+            <a:r>
+              <a:rPr lang="pt-BR" sz="3200" spc="-1" dirty="0" err="1" smtClean="0">
+                <a:uFill>
+                  <a:solidFill>
+                    <a:srgbClr val="FFFFFF"/>
+                  </a:solidFill>
+                </a:uFill>
+                <a:latin typeface="Arial"/>
+              </a:rPr>
+              <a:t>alias.spush</a:t>
+            </a:r>
+            <a:r>
+              <a:rPr lang="pt-BR" sz="3200" spc="-1" dirty="0" smtClean="0">
+                <a:uFill>
+                  <a:solidFill>
+                    <a:srgbClr val="FFFFFF"/>
+                  </a:solidFill>
+                </a:uFill>
+                <a:latin typeface="Arial"/>
+              </a:rPr>
+              <a:t> ‘</a:t>
+            </a:r>
+            <a:r>
+              <a:rPr lang="pt-BR" sz="3200" spc="-1" dirty="0" err="1" smtClean="0">
+                <a:uFill>
+                  <a:solidFill>
+                    <a:srgbClr val="FFFFFF"/>
+                  </a:solidFill>
+                </a:uFill>
+                <a:latin typeface="Arial"/>
+              </a:rPr>
+              <a:t>push</a:t>
+            </a:r>
+            <a:r>
+              <a:rPr lang="pt-BR" sz="3200" spc="-1" dirty="0" smtClean="0">
+                <a:uFill>
+                  <a:solidFill>
+                    <a:srgbClr val="FFFFFF"/>
+                  </a:solidFill>
+                </a:uFill>
+                <a:latin typeface="Arial"/>
+              </a:rPr>
+              <a:t> </a:t>
+            </a:r>
+            <a:r>
+              <a:rPr lang="pt-BR" sz="3200" spc="-1" dirty="0" err="1" smtClean="0">
+                <a:uFill>
+                  <a:solidFill>
+                    <a:srgbClr val="FFFFFF"/>
+                  </a:solidFill>
+                </a:uFill>
+                <a:latin typeface="Arial"/>
+              </a:rPr>
+              <a:t>origin</a:t>
+            </a:r>
+            <a:r>
+              <a:rPr lang="pt-BR" sz="3200" spc="-1" dirty="0" smtClean="0">
+                <a:uFill>
+                  <a:solidFill>
+                    <a:srgbClr val="FFFFFF"/>
+                  </a:solidFill>
+                </a:uFill>
+                <a:latin typeface="Arial"/>
+              </a:rPr>
+              <a:t> </a:t>
+            </a:r>
+            <a:r>
+              <a:rPr lang="pt-BR" sz="3200" spc="-1" dirty="0" err="1" smtClean="0">
+                <a:uFill>
+                  <a:solidFill>
+                    <a:srgbClr val="FFFFFF"/>
+                  </a:solidFill>
+                </a:uFill>
+                <a:latin typeface="Arial"/>
+              </a:rPr>
+              <a:t>master</a:t>
+            </a:r>
+            <a:r>
+              <a:rPr lang="pt-BR" sz="3200" spc="-1" dirty="0" smtClean="0">
+                <a:uFill>
+                  <a:solidFill>
+                    <a:srgbClr val="FFFFFF"/>
+                  </a:solidFill>
+                </a:uFill>
+                <a:latin typeface="Arial"/>
+              </a:rPr>
+              <a:t>’   </a:t>
+            </a:r>
           </a:p>
         </p:txBody>
       </p:sp>
       <p:pic>
         <p:nvPicPr>
-          <p:cNvPr id="3" name="Imagem 2"/>
+          <p:cNvPr id="2" name="Imagem 1"/>
           <p:cNvPicPr>
             <a:picLocks noChangeAspect="1"/>
           </p:cNvPicPr>
           <p:nvPr/>
         </p:nvPicPr>
         <p:blipFill>
-          <a:blip r:embed="rId3">
+          <a:blip r:embed="rId2">
             <a:extLst>
               <a:ext uri="{28A0092B-C50C-407E-A947-70E740481C1C}">
                 <a14:useLocalDpi xmlns:a14="http://schemas.microsoft.com/office/drawing/2010/main" val="0"/>
@@ -4439,8 +4454,8 @@
         </p:blipFill>
         <p:spPr>
           <a:xfrm>
-            <a:off x="8273374" y="0"/>
-            <a:ext cx="3871298" cy="6858000"/>
+            <a:off x="6285656" y="3964765"/>
+            <a:ext cx="5570984" cy="2200539"/>
           </a:xfrm>
           <a:prstGeom prst="rect">
             <a:avLst/>
@@ -4450,7 +4465,7 @@
     </p:spTree>
     <p:extLst>
       <p:ext uri="{BB962C8B-B14F-4D97-AF65-F5344CB8AC3E}">
-        <p14:creationId xmlns:p14="http://schemas.microsoft.com/office/powerpoint/2010/main" val="562544073"/>
+        <p14:creationId xmlns:p14="http://schemas.microsoft.com/office/powerpoint/2010/main" val="2019889272"/>
       </p:ext>
     </p:extLst>
   </p:cSld>
@@ -4525,7 +4540,7 @@
               </a:lnSpc>
             </a:pPr>
             <a:r>
-              <a:rPr lang="pt-BR" sz="3200" b="1" spc="-1" dirty="0" smtClean="0">
+              <a:rPr lang="pt-BR" sz="3200" spc="-1" dirty="0" err="1" smtClean="0">
                 <a:uFill>
                   <a:solidFill>
                     <a:srgbClr val="FFFFFF"/>
@@ -4534,10 +4549,10 @@
                 <a:latin typeface="Arial" panose="020B0604020202020204" pitchFamily="34" charset="0"/>
                 <a:cs typeface="Arial" panose="020B0604020202020204" pitchFamily="34" charset="0"/>
               </a:rPr>
-              <a:t>Criar </a:t>
-            </a:r>
-            <a:r>
-              <a:rPr lang="pt-BR" sz="3200" b="1" spc="-1" dirty="0" smtClean="0">
+              <a:t>git</a:t>
+            </a:r>
+            <a:r>
+              <a:rPr lang="pt-BR" sz="3200" spc="-1" dirty="0" smtClean="0">
                 <a:uFill>
                   <a:solidFill>
                     <a:srgbClr val="FFFFFF"/>
@@ -4546,21 +4561,9 @@
                 <a:latin typeface="Arial" panose="020B0604020202020204" pitchFamily="34" charset="0"/>
                 <a:cs typeface="Arial" panose="020B0604020202020204" pitchFamily="34" charset="0"/>
               </a:rPr>
-              <a:t>projeto no </a:t>
-            </a:r>
-            <a:r>
-              <a:rPr lang="pt-BR" sz="3200" b="1" spc="-1" dirty="0" err="1" smtClean="0">
-                <a:uFill>
-                  <a:solidFill>
-                    <a:srgbClr val="FFFFFF"/>
-                  </a:solidFill>
-                </a:uFill>
-                <a:latin typeface="Arial" panose="020B0604020202020204" pitchFamily="34" charset="0"/>
-                <a:cs typeface="Arial" panose="020B0604020202020204" pitchFamily="34" charset="0"/>
-              </a:rPr>
-              <a:t>gitlab</a:t>
-            </a:r>
-            <a:endParaRPr lang="pt-BR" sz="1800" b="1" strike="noStrike" spc="-1" dirty="0">
+              <a:t> log</a:t>
+            </a:r>
+            <a:endParaRPr lang="pt-BR" sz="1800" b="0" strike="noStrike" spc="-1" dirty="0">
               <a:uFill>
                 <a:solidFill>
                   <a:srgbClr val="FFFFFF"/>
@@ -4580,7 +4583,7 @@
         </p:nvSpPr>
         <p:spPr>
           <a:xfrm>
-            <a:off x="334800" y="2146320"/>
+            <a:off x="334800" y="1649192"/>
             <a:ext cx="11543400" cy="2067840"/>
           </a:xfrm>
           <a:prstGeom prst="rect">
@@ -4634,6 +4637,28 @@
               </a:lnSpc>
             </a:pPr>
             <a:r>
+              <a:rPr lang="pt-BR" sz="3200" spc="-1" dirty="0" err="1">
+                <a:uFill>
+                  <a:solidFill>
+                    <a:srgbClr val="FFFFFF"/>
+                  </a:solidFill>
+                </a:uFill>
+                <a:latin typeface="Arial"/>
+              </a:rPr>
+              <a:t>g</a:t>
+            </a:r>
+            <a:r>
+              <a:rPr lang="pt-BR" sz="3200" spc="-1" dirty="0" err="1" smtClean="0">
+                <a:uFill>
+                  <a:solidFill>
+                    <a:srgbClr val="FFFFFF"/>
+                  </a:solidFill>
+                </a:uFill>
+                <a:latin typeface="Arial"/>
+              </a:rPr>
+              <a:t>it</a:t>
+            </a:r>
+            <a:r>
               <a:rPr lang="pt-BR" sz="3200" spc="-1" dirty="0" smtClean="0">
                 <a:uFill>
                   <a:solidFill>
@@ -4642,7 +4667,7 @@
                 </a:uFill>
                 <a:latin typeface="Arial"/>
               </a:rPr>
-              <a:t>Na tela de projetos (tela inicial)</a:t>
+              <a:t> log</a:t>
             </a:r>
           </a:p>
           <a:p>
@@ -4667,6 +4692,28 @@
               </a:lnSpc>
             </a:pPr>
             <a:r>
+              <a:rPr lang="pt-BR" sz="3200" spc="-1" dirty="0" err="1">
+                <a:uFill>
+                  <a:solidFill>
+                    <a:srgbClr val="FFFFFF"/>
+                  </a:solidFill>
+                </a:uFill>
+                <a:latin typeface="Arial"/>
+              </a:rPr>
+              <a:t>g</a:t>
+            </a:r>
+            <a:r>
+              <a:rPr lang="pt-BR" sz="3200" spc="-1" dirty="0" err="1" smtClean="0">
+                <a:uFill>
+                  <a:solidFill>
+                    <a:srgbClr val="FFFFFF"/>
+                  </a:solidFill>
+                </a:uFill>
+                <a:latin typeface="Arial"/>
+              </a:rPr>
+              <a:t>it</a:t>
+            </a:r>
+            <a:r>
               <a:rPr lang="pt-BR" sz="3200" spc="-1" dirty="0" smtClean="0">
                 <a:uFill>
                   <a:solidFill>
@@ -4675,7 +4722,7 @@
                 </a:uFill>
                 <a:latin typeface="Arial"/>
               </a:rPr>
-              <a:t>Clicar em “New </a:t>
+              <a:t> log -p -2 (só as diferenças, só os últimos 2 </a:t>
             </a:r>
             <a:r>
               <a:rPr lang="pt-BR" sz="3200" spc="-1" dirty="0" err="1" smtClean="0">
@@ -4686,7 +4733,7 @@
                 </a:uFill>
                 <a:latin typeface="Arial"/>
               </a:rPr>
-              <a:t>project</a:t>
+              <a:t>commits</a:t>
             </a:r>
             <a:r>
               <a:rPr lang="pt-BR" sz="3200" spc="-1" dirty="0" smtClean="0">
@@ -4697,7 +4744,7 @@
                 </a:uFill>
                 <a:latin typeface="Arial"/>
               </a:rPr>
-              <a:t>”</a:t>
+              <a:t>)</a:t>
             </a:r>
           </a:p>
           <a:p>
@@ -4722,6 +4769,28 @@
               </a:lnSpc>
             </a:pPr>
             <a:r>
+              <a:rPr lang="pt-BR" sz="3200" spc="-1" dirty="0" err="1">
+                <a:uFill>
+                  <a:solidFill>
+                    <a:srgbClr val="FFFFFF"/>
+                  </a:solidFill>
+                </a:uFill>
+                <a:latin typeface="Arial"/>
+              </a:rPr>
+              <a:t>g</a:t>
+            </a:r>
+            <a:r>
+              <a:rPr lang="pt-BR" sz="3200" spc="-1" dirty="0" err="1" smtClean="0">
+                <a:uFill>
+                  <a:solidFill>
+                    <a:srgbClr val="FFFFFF"/>
+                  </a:solidFill>
+                </a:uFill>
+                <a:latin typeface="Arial"/>
+              </a:rPr>
+              <a:t>it</a:t>
+            </a:r>
+            <a:r>
               <a:rPr lang="pt-BR" sz="3200" spc="-1" dirty="0" smtClean="0">
                 <a:uFill>
                   <a:solidFill>
@@ -4730,7 +4799,7 @@
                 </a:uFill>
                 <a:latin typeface="Arial"/>
               </a:rPr>
-              <a:t>Marcar “</a:t>
+              <a:t> log --</a:t>
             </a:r>
             <a:r>
               <a:rPr lang="pt-BR" sz="3200" spc="-1" dirty="0" err="1" smtClean="0">
@@ -4741,7 +4810,7 @@
                 </a:uFill>
                 <a:latin typeface="Arial"/>
               </a:rPr>
-              <a:t>Visibility</a:t>
+              <a:t>stat</a:t>
             </a:r>
             <a:r>
               <a:rPr lang="pt-BR" sz="3200" spc="-1" dirty="0" smtClean="0">
@@ -4752,7 +4821,7 @@
                 </a:uFill>
                 <a:latin typeface="Arial"/>
               </a:rPr>
-              <a:t> </a:t>
+              <a:t> (status de cada </a:t>
             </a:r>
             <a:r>
               <a:rPr lang="pt-BR" sz="3200" spc="-1" dirty="0" err="1" smtClean="0">
@@ -4763,7 +4832,7 @@
                 </a:uFill>
                 <a:latin typeface="Arial"/>
               </a:rPr>
-              <a:t>level</a:t>
+              <a:t>commit</a:t>
             </a:r>
             <a:r>
               <a:rPr lang="pt-BR" sz="3200" spc="-1" dirty="0" smtClean="0">
@@ -4774,29 +4843,7 @@
                 </a:uFill>
                 <a:latin typeface="Arial"/>
               </a:rPr>
-              <a:t>” como “</a:t>
-            </a:r>
-            <a:r>
-              <a:rPr lang="pt-BR" sz="3200" spc="-1" dirty="0" err="1" smtClean="0">
-                <a:uFill>
-                  <a:solidFill>
-                    <a:srgbClr val="FFFFFF"/>
-                  </a:solidFill>
-                </a:uFill>
-                <a:latin typeface="Arial"/>
-              </a:rPr>
-              <a:t>public</a:t>
-            </a:r>
-            <a:r>
-              <a:rPr lang="pt-BR" sz="3200" spc="-1" dirty="0" smtClean="0">
-                <a:uFill>
-                  <a:solidFill>
-                    <a:srgbClr val="FFFFFF"/>
-                  </a:solidFill>
-                </a:uFill>
-                <a:latin typeface="Arial"/>
-              </a:rPr>
-              <a:t>”</a:t>
+              <a:t>)</a:t>
             </a:r>
           </a:p>
           <a:p>
@@ -4821,6 +4868,17 @@
               </a:lnSpc>
             </a:pPr>
             <a:r>
+              <a:rPr lang="pt-BR" sz="3200" spc="-1" dirty="0" err="1" smtClean="0">
+                <a:uFill>
+                  <a:solidFill>
+                    <a:srgbClr val="FFFFFF"/>
+                  </a:solidFill>
+                </a:uFill>
+                <a:latin typeface="Arial"/>
+              </a:rPr>
+              <a:t>git</a:t>
+            </a:r>
+            <a:r>
               <a:rPr lang="pt-BR" sz="3200" spc="-1" dirty="0" smtClean="0">
                 <a:uFill>
                   <a:solidFill>
@@ -4829,7 +4887,7 @@
                 </a:uFill>
                 <a:latin typeface="Arial"/>
               </a:rPr>
-              <a:t>Marcar “</a:t>
+              <a:t> log --</a:t>
             </a:r>
             <a:r>
               <a:rPr lang="pt-BR" sz="3200" spc="-1" dirty="0" err="1" smtClean="0">
@@ -4840,7 +4898,7 @@
                 </a:uFill>
                 <a:latin typeface="Arial"/>
               </a:rPr>
-              <a:t>Initialize</a:t>
+              <a:t>pretty</a:t>
             </a:r>
             <a:r>
               <a:rPr lang="pt-BR" sz="3200" spc="-1" dirty="0" smtClean="0">
@@ -4851,7 +4909,7 @@
                 </a:uFill>
                 <a:latin typeface="Arial"/>
               </a:rPr>
-              <a:t> </a:t>
+              <a:t>=</a:t>
             </a:r>
             <a:r>
               <a:rPr lang="pt-BR" sz="3200" spc="-1" dirty="0" err="1" smtClean="0">
@@ -4862,41 +4920,16 @@
                 </a:uFill>
                 <a:latin typeface="Arial"/>
               </a:rPr>
-              <a:t>repository</a:t>
-            </a:r>
-            <a:r>
-              <a:rPr lang="pt-BR" sz="3200" spc="-1" dirty="0" smtClean="0">
-                <a:uFill>
-                  <a:solidFill>
-                    <a:srgbClr val="FFFFFF"/>
-                  </a:solidFill>
-                </a:uFill>
-                <a:latin typeface="Arial"/>
-              </a:rPr>
-              <a:t> </a:t>
-            </a:r>
-            <a:r>
-              <a:rPr lang="pt-BR" sz="3200" spc="-1" dirty="0" err="1" smtClean="0">
-                <a:uFill>
-                  <a:solidFill>
-                    <a:srgbClr val="FFFFFF"/>
-                  </a:solidFill>
-                </a:uFill>
-                <a:latin typeface="Arial"/>
-              </a:rPr>
-              <a:t>with</a:t>
-            </a:r>
-            <a:r>
-              <a:rPr lang="pt-BR" sz="3200" spc="-1" dirty="0" smtClean="0">
-                <a:uFill>
-                  <a:solidFill>
-                    <a:srgbClr val="FFFFFF"/>
-                  </a:solidFill>
-                </a:uFill>
-                <a:latin typeface="Arial"/>
-              </a:rPr>
-              <a:t> a README”</a:t>
-            </a:r>
+              <a:t>oneline</a:t>
+            </a:r>
+            <a:endParaRPr lang="pt-BR" sz="3200" spc="-1" dirty="0" smtClean="0">
+              <a:uFill>
+                <a:solidFill>
+                  <a:srgbClr val="FFFFFF"/>
+                </a:solidFill>
+              </a:uFill>
+              <a:latin typeface="Arial"/>
+            </a:endParaRPr>
           </a:p>
           <a:p>
             <a:pPr>
@@ -4904,7 +4937,7 @@
                 <a:spcPct val="90000"/>
               </a:lnSpc>
             </a:pPr>
-            <a:endParaRPr lang="pt-BR" sz="3200" spc="-1" dirty="0">
+            <a:endParaRPr lang="pt-BR" sz="3200" spc="-1" dirty="0" smtClean="0">
               <a:uFill>
                 <a:solidFill>
                   <a:srgbClr val="FFFFFF"/>
@@ -4913,74 +4946,42 @@
               <a:latin typeface="Arial"/>
             </a:endParaRPr>
           </a:p>
-          <a:p>
-            <a:pPr>
-              <a:lnSpc>
-                <a:spcPct val="90000"/>
-              </a:lnSpc>
-            </a:pPr>
-            <a:r>
-              <a:rPr lang="pt-BR" sz="3200" spc="-1" dirty="0" smtClean="0">
-                <a:uFill>
-                  <a:solidFill>
-                    <a:srgbClr val="FFFFFF"/>
-                  </a:solidFill>
-                </a:uFill>
-                <a:latin typeface="Arial"/>
-              </a:rPr>
-              <a:t>Clicar em “</a:t>
-            </a:r>
-            <a:r>
-              <a:rPr lang="pt-BR" sz="3200" spc="-1" dirty="0" err="1" smtClean="0">
-                <a:uFill>
-                  <a:solidFill>
-                    <a:srgbClr val="FFFFFF"/>
-                  </a:solidFill>
-                </a:uFill>
-                <a:latin typeface="Arial"/>
-              </a:rPr>
-              <a:t>Create</a:t>
-            </a:r>
-            <a:r>
-              <a:rPr lang="pt-BR" sz="3200" spc="-1" dirty="0" smtClean="0">
-                <a:uFill>
-                  <a:solidFill>
-                    <a:srgbClr val="FFFFFF"/>
-                  </a:solidFill>
-                </a:uFill>
-                <a:latin typeface="Arial"/>
-              </a:rPr>
-              <a:t> </a:t>
-            </a:r>
-            <a:r>
-              <a:rPr lang="pt-BR" sz="3200" spc="-1" dirty="0" err="1" smtClean="0">
-                <a:uFill>
-                  <a:solidFill>
-                    <a:srgbClr val="FFFFFF"/>
-                  </a:solidFill>
-                </a:uFill>
-                <a:latin typeface="Arial"/>
-              </a:rPr>
-              <a:t>project</a:t>
-            </a:r>
-            <a:r>
-              <a:rPr lang="pt-BR" sz="3200" spc="-1" dirty="0" smtClean="0">
-                <a:uFill>
-                  <a:solidFill>
-                    <a:srgbClr val="FFFFFF"/>
-                  </a:solidFill>
-                </a:uFill>
-                <a:latin typeface="Arial"/>
-              </a:rPr>
-              <a:t>”</a:t>
-            </a:r>
-          </a:p>
         </p:txBody>
       </p:sp>
+      <p:pic>
+        <p:nvPicPr>
+          <p:cNvPr id="2" name="Imagem 1"/>
+          <p:cNvPicPr>
+            <a:picLocks noChangeAspect="1"/>
+          </p:cNvPicPr>
+          <p:nvPr/>
+        </p:nvPicPr>
+        <p:blipFill>
+          <a:blip r:embed="rId2">
+            <a:extLst>
+              <a:ext uri="{28A0092B-C50C-407E-A947-70E740481C1C}">
+                <a14:useLocalDpi xmlns:a14="http://schemas.microsoft.com/office/drawing/2010/main" val="0"/>
+              </a:ext>
+            </a:extLst>
+          </a:blip>
+          <a:stretch>
+            <a:fillRect/>
+          </a:stretch>
+        </p:blipFill>
+        <p:spPr>
+          <a:xfrm>
+            <a:off x="7392144" y="3531475"/>
+            <a:ext cx="4690652" cy="3137885"/>
+          </a:xfrm>
+          <a:prstGeom prst="rect">
+            <a:avLst/>
+          </a:prstGeom>
+        </p:spPr>
+      </p:pic>
     </p:spTree>
     <p:extLst>
       <p:ext uri="{BB962C8B-B14F-4D97-AF65-F5344CB8AC3E}">
-        <p14:creationId xmlns:p14="http://schemas.microsoft.com/office/powerpoint/2010/main" val="1321581160"/>
+        <p14:creationId xmlns:p14="http://schemas.microsoft.com/office/powerpoint/2010/main" val="3352107375"/>
       </p:ext>
     </p:extLst>
   </p:cSld>
@@ -5055,7 +5056,7 @@
               </a:lnSpc>
             </a:pPr>
             <a:r>
-              <a:rPr lang="pt-BR" sz="3200" b="1" spc="-1" dirty="0" err="1" smtClean="0">
+              <a:rPr lang="pt-BR" sz="3200" b="1" spc="-1" dirty="0" err="1">
                 <a:uFill>
                   <a:solidFill>
                     <a:srgbClr val="FFFFFF"/>
@@ -5064,10 +5065,10 @@
                 <a:latin typeface="Arial" panose="020B0604020202020204" pitchFamily="34" charset="0"/>
                 <a:cs typeface="Arial" panose="020B0604020202020204" pitchFamily="34" charset="0"/>
               </a:rPr>
-              <a:t>git</a:t>
-            </a:r>
-            <a:r>
-              <a:rPr lang="pt-BR" sz="3200" b="1" spc="-1" dirty="0" smtClean="0">
+              <a:t>g</a:t>
+            </a:r>
+            <a:r>
+              <a:rPr lang="pt-BR" sz="3200" b="1" spc="-1" dirty="0" err="1" smtClean="0">
                 <a:uFill>
                   <a:solidFill>
                     <a:srgbClr val="FFFFFF"/>
@@ -5076,10 +5077,10 @@
                 <a:latin typeface="Arial" panose="020B0604020202020204" pitchFamily="34" charset="0"/>
                 <a:cs typeface="Arial" panose="020B0604020202020204" pitchFamily="34" charset="0"/>
               </a:rPr>
-              <a:t> </a:t>
-            </a:r>
-            <a:r>
-              <a:rPr lang="pt-BR" sz="3200" b="1" spc="-1" dirty="0" err="1" smtClean="0">
+              <a:t>it</a:t>
+            </a:r>
+            <a:r>
+              <a:rPr lang="pt-BR" sz="3200" b="1" spc="-1" dirty="0" smtClean="0">
                 <a:uFill>
                   <a:solidFill>
                     <a:srgbClr val="FFFFFF"/>
@@ -5088,7 +5089,7 @@
                 <a:latin typeface="Arial" panose="020B0604020202020204" pitchFamily="34" charset="0"/>
                 <a:cs typeface="Arial" panose="020B0604020202020204" pitchFamily="34" charset="0"/>
               </a:rPr>
-              <a:t>init</a:t>
+              <a:t> log</a:t>
             </a:r>
             <a:endParaRPr lang="pt-BR" sz="1800" b="1" strike="noStrike" spc="-1" dirty="0">
               <a:uFill>
@@ -5157,343 +5158,482 @@
               <a:latin typeface="Arial"/>
             </a:endParaRPr>
           </a:p>
-          <a:p>
-            <a:pPr>
-              <a:lnSpc>
-                <a:spcPct val="90000"/>
-              </a:lnSpc>
-            </a:pPr>
-            <a:r>
-              <a:rPr lang="pt-BR" sz="3200" spc="-1" dirty="0" smtClean="0">
-                <a:uFill>
-                  <a:solidFill>
-                    <a:srgbClr val="FFFFFF"/>
-                  </a:solidFill>
-                </a:uFill>
-                <a:latin typeface="Arial"/>
-              </a:rPr>
-              <a:t>No terminal:</a:t>
-            </a:r>
-          </a:p>
-          <a:p>
-            <a:pPr>
-              <a:lnSpc>
-                <a:spcPct val="90000"/>
-              </a:lnSpc>
-            </a:pPr>
-            <a:endParaRPr lang="pt-BR" sz="3200" spc="-1" dirty="0">
-              <a:uFill>
-                <a:solidFill>
-                  <a:srgbClr val="FFFFFF"/>
-                </a:solidFill>
-              </a:uFill>
-              <a:latin typeface="Arial"/>
-            </a:endParaRPr>
-          </a:p>
-          <a:p>
-            <a:pPr>
-              <a:lnSpc>
-                <a:spcPct val="90000"/>
-              </a:lnSpc>
-            </a:pPr>
-            <a:r>
-              <a:rPr lang="pt-BR" sz="3200" spc="-1" dirty="0" err="1">
-                <a:uFill>
-                  <a:solidFill>
-                    <a:srgbClr val="FFFFFF"/>
-                  </a:solidFill>
-                </a:uFill>
-                <a:latin typeface="Arial"/>
-              </a:rPr>
-              <a:t>m</a:t>
-            </a:r>
-            <a:r>
-              <a:rPr lang="pt-BR" sz="3200" spc="-1" dirty="0" err="1" smtClean="0">
-                <a:uFill>
-                  <a:solidFill>
-                    <a:srgbClr val="FFFFFF"/>
-                  </a:solidFill>
-                </a:uFill>
-                <a:latin typeface="Arial"/>
-              </a:rPr>
-              <a:t>kdir</a:t>
-            </a:r>
-            <a:r>
-              <a:rPr lang="pt-BR" sz="3200" spc="-1" dirty="0" smtClean="0">
-                <a:uFill>
-                  <a:solidFill>
-                    <a:srgbClr val="FFFFFF"/>
-                  </a:solidFill>
-                </a:uFill>
-                <a:latin typeface="Arial"/>
-              </a:rPr>
-              <a:t> </a:t>
-            </a:r>
-            <a:r>
-              <a:rPr lang="pt-BR" sz="3200" spc="-1" dirty="0" err="1" smtClean="0">
-                <a:uFill>
-                  <a:solidFill>
-                    <a:srgbClr val="FFFFFF"/>
-                  </a:solidFill>
-                </a:uFill>
-                <a:latin typeface="Arial"/>
-              </a:rPr>
-              <a:t>curso_git</a:t>
-            </a:r>
-            <a:endParaRPr lang="pt-BR" sz="3200" spc="-1" dirty="0" smtClean="0">
-              <a:uFill>
-                <a:solidFill>
-                  <a:srgbClr val="FFFFFF"/>
-                </a:solidFill>
-              </a:uFill>
-              <a:latin typeface="Arial"/>
-            </a:endParaRPr>
-          </a:p>
-          <a:p>
-            <a:pPr>
-              <a:lnSpc>
-                <a:spcPct val="90000"/>
-              </a:lnSpc>
-            </a:pPr>
-            <a:r>
-              <a:rPr lang="pt-BR" sz="3200" spc="-1" dirty="0" err="1">
-                <a:uFill>
-                  <a:solidFill>
-                    <a:srgbClr val="FFFFFF"/>
-                  </a:solidFill>
-                </a:uFill>
-                <a:latin typeface="Arial"/>
-              </a:rPr>
-              <a:t>c</a:t>
-            </a:r>
-            <a:r>
-              <a:rPr lang="pt-BR" sz="3200" spc="-1" dirty="0" err="1" smtClean="0">
-                <a:uFill>
-                  <a:solidFill>
-                    <a:srgbClr val="FFFFFF"/>
-                  </a:solidFill>
-                </a:uFill>
-                <a:latin typeface="Arial"/>
-              </a:rPr>
-              <a:t>d</a:t>
-            </a:r>
-            <a:r>
-              <a:rPr lang="pt-BR" sz="3200" spc="-1" dirty="0" smtClean="0">
-                <a:uFill>
-                  <a:solidFill>
-                    <a:srgbClr val="FFFFFF"/>
-                  </a:solidFill>
-                </a:uFill>
-                <a:latin typeface="Arial"/>
-              </a:rPr>
-              <a:t> </a:t>
-            </a:r>
-            <a:r>
-              <a:rPr lang="pt-BR" sz="3200" spc="-1" dirty="0" err="1" smtClean="0">
-                <a:uFill>
-                  <a:solidFill>
-                    <a:srgbClr val="FFFFFF"/>
-                  </a:solidFill>
-                </a:uFill>
-                <a:latin typeface="Arial"/>
-              </a:rPr>
-              <a:t>curso_git</a:t>
-            </a:r>
-            <a:endParaRPr lang="pt-BR" sz="3200" spc="-1" dirty="0" smtClean="0">
-              <a:uFill>
-                <a:solidFill>
-                  <a:srgbClr val="FFFFFF"/>
-                </a:solidFill>
-              </a:uFill>
-              <a:latin typeface="Arial"/>
-            </a:endParaRPr>
-          </a:p>
-          <a:p>
-            <a:pPr>
-              <a:lnSpc>
-                <a:spcPct val="90000"/>
-              </a:lnSpc>
-            </a:pPr>
-            <a:r>
-              <a:rPr lang="pt-BR" sz="3200" spc="-1" dirty="0" err="1">
-                <a:uFill>
-                  <a:solidFill>
-                    <a:srgbClr val="FFFFFF"/>
-                  </a:solidFill>
-                </a:uFill>
-                <a:latin typeface="Arial"/>
-              </a:rPr>
-              <a:t>g</a:t>
-            </a:r>
-            <a:r>
-              <a:rPr lang="pt-BR" sz="3200" spc="-1" dirty="0" err="1" smtClean="0">
-                <a:uFill>
-                  <a:solidFill>
-                    <a:srgbClr val="FFFFFF"/>
-                  </a:solidFill>
-                </a:uFill>
-                <a:latin typeface="Arial"/>
-              </a:rPr>
-              <a:t>it</a:t>
-            </a:r>
-            <a:r>
-              <a:rPr lang="pt-BR" sz="3200" spc="-1" dirty="0" smtClean="0">
-                <a:uFill>
-                  <a:solidFill>
-                    <a:srgbClr val="FFFFFF"/>
-                  </a:solidFill>
-                </a:uFill>
-                <a:latin typeface="Arial"/>
-              </a:rPr>
-              <a:t> </a:t>
-            </a:r>
-            <a:r>
-              <a:rPr lang="pt-BR" sz="3200" spc="-1" dirty="0" err="1" smtClean="0">
-                <a:uFill>
-                  <a:solidFill>
-                    <a:srgbClr val="FFFFFF"/>
-                  </a:solidFill>
-                </a:uFill>
-                <a:latin typeface="Arial"/>
-              </a:rPr>
-              <a:t>init</a:t>
-            </a:r>
-            <a:endParaRPr lang="pt-BR" sz="3200" spc="-1" dirty="0" smtClean="0">
-              <a:uFill>
-                <a:solidFill>
-                  <a:srgbClr val="FFFFFF"/>
-                </a:solidFill>
-              </a:uFill>
-              <a:latin typeface="Arial"/>
-            </a:endParaRPr>
-          </a:p>
-          <a:p>
-            <a:pPr>
-              <a:lnSpc>
-                <a:spcPct val="90000"/>
-              </a:lnSpc>
-            </a:pPr>
-            <a:endParaRPr lang="pt-BR" sz="3200" spc="-1" dirty="0">
-              <a:uFill>
-                <a:solidFill>
-                  <a:srgbClr val="FFFFFF"/>
-                </a:solidFill>
-              </a:uFill>
-              <a:latin typeface="Arial"/>
-            </a:endParaRPr>
-          </a:p>
-          <a:p>
-            <a:pPr>
-              <a:lnSpc>
-                <a:spcPct val="90000"/>
-              </a:lnSpc>
-            </a:pPr>
-            <a:r>
-              <a:rPr lang="pt-BR" sz="3200" spc="-1" dirty="0" smtClean="0">
-                <a:uFill>
-                  <a:solidFill>
-                    <a:srgbClr val="FFFFFF"/>
-                  </a:solidFill>
-                </a:uFill>
-                <a:latin typeface="Arial"/>
-              </a:rPr>
-              <a:t>No Windows </a:t>
-            </a:r>
-            <a:r>
-              <a:rPr lang="pt-BR" sz="3200" spc="-1" dirty="0" err="1" smtClean="0">
-                <a:uFill>
-                  <a:solidFill>
-                    <a:srgbClr val="FFFFFF"/>
-                  </a:solidFill>
-                </a:uFill>
-                <a:latin typeface="Arial"/>
-              </a:rPr>
-              <a:t>explorer</a:t>
-            </a:r>
-            <a:r>
-              <a:rPr lang="pt-BR" sz="3200" spc="-1" dirty="0" smtClean="0">
-                <a:uFill>
-                  <a:solidFill>
-                    <a:srgbClr val="FFFFFF"/>
-                  </a:solidFill>
-                </a:uFill>
-                <a:latin typeface="Arial"/>
-              </a:rPr>
-              <a:t>:</a:t>
-            </a:r>
-          </a:p>
-          <a:p>
-            <a:pPr>
-              <a:lnSpc>
-                <a:spcPct val="90000"/>
-              </a:lnSpc>
-            </a:pPr>
-            <a:endParaRPr lang="pt-BR" sz="3200" spc="-1" dirty="0">
-              <a:uFill>
-                <a:solidFill>
-                  <a:srgbClr val="FFFFFF"/>
-                </a:solidFill>
-              </a:uFill>
-              <a:latin typeface="Arial"/>
-            </a:endParaRPr>
-          </a:p>
-          <a:p>
-            <a:pPr>
-              <a:lnSpc>
-                <a:spcPct val="90000"/>
-              </a:lnSpc>
-            </a:pPr>
-            <a:r>
-              <a:rPr lang="pt-BR" sz="3200" spc="-1" dirty="0" smtClean="0">
-                <a:uFill>
-                  <a:solidFill>
-                    <a:srgbClr val="FFFFFF"/>
-                  </a:solidFill>
-                </a:uFill>
-                <a:latin typeface="Arial"/>
-              </a:rPr>
-              <a:t>Exibir -&gt; Mostrar/Ocultar</a:t>
-            </a:r>
-          </a:p>
-          <a:p>
-            <a:pPr>
-              <a:lnSpc>
-                <a:spcPct val="90000"/>
-              </a:lnSpc>
-            </a:pPr>
-            <a:r>
-              <a:rPr lang="pt-BR" sz="3200" spc="-1" dirty="0" smtClean="0">
-                <a:uFill>
-                  <a:solidFill>
-                    <a:srgbClr val="FFFFFF"/>
-                  </a:solidFill>
-                </a:uFill>
-                <a:latin typeface="Arial"/>
-              </a:rPr>
-              <a:t>Marcar Itens ocultos</a:t>
-            </a:r>
-          </a:p>
-          <a:p>
-            <a:pPr>
-              <a:lnSpc>
-                <a:spcPct val="90000"/>
-              </a:lnSpc>
-            </a:pPr>
-            <a:endParaRPr lang="pt-BR" sz="3200" spc="-1" dirty="0" smtClean="0">
-              <a:uFill>
-                <a:solidFill>
-                  <a:srgbClr val="FFFFFF"/>
-                </a:solidFill>
-              </a:uFill>
-              <a:latin typeface="Arial"/>
-            </a:endParaRPr>
-          </a:p>
         </p:txBody>
       </p:sp>
+      <p:graphicFrame>
+        <p:nvGraphicFramePr>
+          <p:cNvPr id="4" name="Tabela 3"/>
+          <p:cNvGraphicFramePr>
+            <a:graphicFrameLocks noGrp="1"/>
+          </p:cNvGraphicFramePr>
+          <p:nvPr>
+            <p:extLst>
+              <p:ext uri="{D42A27DB-BD31-4B8C-83A1-F6EECF244321}">
+                <p14:modId xmlns:p14="http://schemas.microsoft.com/office/powerpoint/2010/main" val="1042473475"/>
+              </p:ext>
+            </p:extLst>
+          </p:nvPr>
+        </p:nvGraphicFramePr>
+        <p:xfrm>
+          <a:off x="2032000" y="2134448"/>
+          <a:ext cx="8128000" cy="3977640"/>
+        </p:xfrm>
+        <a:graphic>
+          <a:graphicData uri="http://schemas.openxmlformats.org/drawingml/2006/table">
+            <a:tbl>
+              <a:tblPr firstRow="1" bandRow="1">
+                <a:tableStyleId>{5C22544A-7EE6-4342-B048-85BDC9FD1C3A}</a:tableStyleId>
+              </a:tblPr>
+              <a:tblGrid>
+                <a:gridCol w="2047776">
+                  <a:extLst>
+                    <a:ext uri="{9D8B030D-6E8A-4147-A177-3AD203B41FA5}">
+                      <a16:colId xmlns:a16="http://schemas.microsoft.com/office/drawing/2014/main" val="3789317085"/>
+                    </a:ext>
+                  </a:extLst>
+                </a:gridCol>
+                <a:gridCol w="6080224">
+                  <a:extLst>
+                    <a:ext uri="{9D8B030D-6E8A-4147-A177-3AD203B41FA5}">
+                      <a16:colId xmlns:a16="http://schemas.microsoft.com/office/drawing/2014/main" val="78992449"/>
+                    </a:ext>
+                  </a:extLst>
+                </a:gridCol>
+              </a:tblGrid>
+              <a:tr h="370840">
+                <a:tc>
+                  <a:txBody>
+                    <a:bodyPr/>
+                    <a:lstStyle/>
+                    <a:p>
+                      <a:r>
+                        <a:rPr lang="pt-BR" dirty="0" smtClean="0"/>
+                        <a:t>Opção</a:t>
+                      </a:r>
+                      <a:endParaRPr lang="pt-BR" dirty="0"/>
+                    </a:p>
+                  </a:txBody>
+                  <a:tcPr/>
+                </a:tc>
+                <a:tc>
+                  <a:txBody>
+                    <a:bodyPr/>
+                    <a:lstStyle/>
+                    <a:p>
+                      <a:r>
+                        <a:rPr lang="pt-BR" dirty="0" smtClean="0"/>
+                        <a:t>Descrição</a:t>
+                      </a:r>
+                      <a:endParaRPr lang="pt-BR" dirty="0"/>
+                    </a:p>
+                  </a:txBody>
+                  <a:tcPr/>
+                </a:tc>
+                <a:extLst>
+                  <a:ext uri="{0D108BD9-81ED-4DB2-BD59-A6C34878D82A}">
+                    <a16:rowId xmlns:a16="http://schemas.microsoft.com/office/drawing/2014/main" val="948514480"/>
+                  </a:ext>
+                </a:extLst>
+              </a:tr>
+              <a:tr h="370840">
+                <a:tc>
+                  <a:txBody>
+                    <a:bodyPr/>
+                    <a:lstStyle/>
+                    <a:p>
+                      <a:r>
+                        <a:rPr lang="pt-BR" dirty="0" smtClean="0"/>
+                        <a:t>-p</a:t>
+                      </a:r>
+                      <a:endParaRPr lang="pt-BR" dirty="0"/>
+                    </a:p>
+                  </a:txBody>
+                  <a:tcPr/>
+                </a:tc>
+                <a:tc>
+                  <a:txBody>
+                    <a:bodyPr/>
+                    <a:lstStyle/>
+                    <a:p>
+                      <a:r>
+                        <a:rPr lang="pt-BR" dirty="0" smtClean="0"/>
+                        <a:t>Mostra relatório</a:t>
+                      </a:r>
+                      <a:r>
+                        <a:rPr lang="pt-BR" baseline="0" dirty="0" smtClean="0"/>
+                        <a:t> completo de mudanças</a:t>
+                      </a:r>
+                      <a:endParaRPr lang="pt-BR" dirty="0"/>
+                    </a:p>
+                  </a:txBody>
+                  <a:tcPr/>
+                </a:tc>
+                <a:extLst>
+                  <a:ext uri="{0D108BD9-81ED-4DB2-BD59-A6C34878D82A}">
+                    <a16:rowId xmlns:a16="http://schemas.microsoft.com/office/drawing/2014/main" val="2514935863"/>
+                  </a:ext>
+                </a:extLst>
+              </a:tr>
+              <a:tr h="370840">
+                <a:tc>
+                  <a:txBody>
+                    <a:bodyPr/>
+                    <a:lstStyle/>
+                    <a:p>
+                      <a:r>
+                        <a:rPr lang="pt-BR" dirty="0" smtClean="0"/>
+                        <a:t>--</a:t>
+                      </a:r>
+                      <a:r>
+                        <a:rPr lang="pt-BR" dirty="0" err="1" smtClean="0"/>
+                        <a:t>stat</a:t>
+                      </a:r>
+                      <a:endParaRPr lang="pt-BR" dirty="0"/>
+                    </a:p>
+                  </a:txBody>
+                  <a:tcPr/>
+                </a:tc>
+                <a:tc>
+                  <a:txBody>
+                    <a:bodyPr/>
+                    <a:lstStyle/>
+                    <a:p>
+                      <a:r>
+                        <a:rPr lang="pt-BR" dirty="0" smtClean="0"/>
+                        <a:t>Mostra estatísticas de mudança, como tamanho do arquivo</a:t>
+                      </a:r>
+                      <a:endParaRPr lang="pt-BR" dirty="0"/>
+                    </a:p>
+                  </a:txBody>
+                  <a:tcPr/>
+                </a:tc>
+                <a:extLst>
+                  <a:ext uri="{0D108BD9-81ED-4DB2-BD59-A6C34878D82A}">
+                    <a16:rowId xmlns:a16="http://schemas.microsoft.com/office/drawing/2014/main" val="2641471860"/>
+                  </a:ext>
+                </a:extLst>
+              </a:tr>
+              <a:tr h="370840">
+                <a:tc>
+                  <a:txBody>
+                    <a:bodyPr/>
+                    <a:lstStyle/>
+                    <a:p>
+                      <a:r>
+                        <a:rPr lang="pt-BR" dirty="0" smtClean="0"/>
+                        <a:t>--</a:t>
+                      </a:r>
+                      <a:r>
+                        <a:rPr lang="pt-BR" dirty="0" err="1" smtClean="0"/>
+                        <a:t>shortstat</a:t>
+                      </a:r>
+                      <a:endParaRPr lang="pt-BR" dirty="0"/>
+                    </a:p>
+                  </a:txBody>
+                  <a:tcPr/>
+                </a:tc>
+                <a:tc>
+                  <a:txBody>
+                    <a:bodyPr/>
+                    <a:lstStyle/>
+                    <a:p>
+                      <a:r>
+                        <a:rPr lang="pt-BR" dirty="0" smtClean="0"/>
+                        <a:t>Mostra</a:t>
+                      </a:r>
+                      <a:r>
+                        <a:rPr lang="pt-BR" baseline="0" dirty="0" smtClean="0"/>
+                        <a:t> versão resumida das estatísticas de mudança</a:t>
+                      </a:r>
+                      <a:endParaRPr lang="pt-BR" dirty="0"/>
+                    </a:p>
+                  </a:txBody>
+                  <a:tcPr/>
+                </a:tc>
+                <a:extLst>
+                  <a:ext uri="{0D108BD9-81ED-4DB2-BD59-A6C34878D82A}">
+                    <a16:rowId xmlns:a16="http://schemas.microsoft.com/office/drawing/2014/main" val="3962171482"/>
+                  </a:ext>
+                </a:extLst>
+              </a:tr>
+              <a:tr h="370840">
+                <a:tc>
+                  <a:txBody>
+                    <a:bodyPr/>
+                    <a:lstStyle/>
+                    <a:p>
+                      <a:r>
+                        <a:rPr lang="pt-BR" dirty="0" smtClean="0"/>
+                        <a:t>--</a:t>
+                      </a:r>
+                      <a:r>
+                        <a:rPr lang="pt-BR" dirty="0" err="1" smtClean="0"/>
+                        <a:t>name-only</a:t>
+                      </a:r>
+                      <a:endParaRPr lang="pt-BR" dirty="0"/>
+                    </a:p>
+                  </a:txBody>
+                  <a:tcPr/>
+                </a:tc>
+                <a:tc>
+                  <a:txBody>
+                    <a:bodyPr/>
+                    <a:lstStyle/>
+                    <a:p>
+                      <a:r>
+                        <a:rPr lang="pt-BR" dirty="0" smtClean="0"/>
+                        <a:t>Mostra só o nome dos arquivos modificados</a:t>
+                      </a:r>
+                      <a:endParaRPr lang="pt-BR" dirty="0"/>
+                    </a:p>
+                  </a:txBody>
+                  <a:tcPr/>
+                </a:tc>
+                <a:extLst>
+                  <a:ext uri="{0D108BD9-81ED-4DB2-BD59-A6C34878D82A}">
+                    <a16:rowId xmlns:a16="http://schemas.microsoft.com/office/drawing/2014/main" val="1865537126"/>
+                  </a:ext>
+                </a:extLst>
+              </a:tr>
+              <a:tr h="370840">
+                <a:tc>
+                  <a:txBody>
+                    <a:bodyPr/>
+                    <a:lstStyle/>
+                    <a:p>
+                      <a:r>
+                        <a:rPr lang="pt-BR" dirty="0" smtClean="0"/>
+                        <a:t>--</a:t>
+                      </a:r>
+                      <a:r>
+                        <a:rPr lang="pt-BR" dirty="0" err="1" smtClean="0"/>
+                        <a:t>name</a:t>
+                      </a:r>
+                      <a:r>
+                        <a:rPr lang="pt-BR" dirty="0" smtClean="0"/>
+                        <a:t>-status</a:t>
+                      </a:r>
+                      <a:endParaRPr lang="pt-BR" dirty="0"/>
+                    </a:p>
+                  </a:txBody>
+                  <a:tcPr/>
+                </a:tc>
+                <a:tc>
+                  <a:txBody>
+                    <a:bodyPr/>
+                    <a:lstStyle/>
+                    <a:p>
+                      <a:r>
+                        <a:rPr lang="pt-BR" dirty="0" smtClean="0"/>
+                        <a:t>Mostra o</a:t>
+                      </a:r>
+                      <a:r>
+                        <a:rPr lang="pt-BR" baseline="0" dirty="0" smtClean="0"/>
+                        <a:t> nome dos arquivos modificados e status (alterado/modificado/excluído)</a:t>
+                      </a:r>
+                      <a:endParaRPr lang="pt-BR" dirty="0"/>
+                    </a:p>
+                  </a:txBody>
+                  <a:tcPr/>
+                </a:tc>
+                <a:extLst>
+                  <a:ext uri="{0D108BD9-81ED-4DB2-BD59-A6C34878D82A}">
+                    <a16:rowId xmlns:a16="http://schemas.microsoft.com/office/drawing/2014/main" val="4228484978"/>
+                  </a:ext>
+                </a:extLst>
+              </a:tr>
+              <a:tr h="370840">
+                <a:tc>
+                  <a:txBody>
+                    <a:bodyPr/>
+                    <a:lstStyle/>
+                    <a:p>
+                      <a:r>
+                        <a:rPr lang="pt-BR" dirty="0" smtClean="0"/>
+                        <a:t>--</a:t>
+                      </a:r>
+                      <a:r>
+                        <a:rPr lang="pt-BR" dirty="0" err="1" smtClean="0"/>
+                        <a:t>abbrev-commit</a:t>
+                      </a:r>
+                      <a:endParaRPr lang="pt-BR" dirty="0"/>
+                    </a:p>
+                  </a:txBody>
+                  <a:tcPr/>
+                </a:tc>
+                <a:tc>
+                  <a:txBody>
+                    <a:bodyPr/>
+                    <a:lstStyle/>
+                    <a:p>
+                      <a:r>
+                        <a:rPr lang="pt-BR" dirty="0" smtClean="0"/>
+                        <a:t>Mostra versão abreviada</a:t>
+                      </a:r>
+                      <a:r>
+                        <a:rPr lang="pt-BR" baseline="0" dirty="0" smtClean="0"/>
+                        <a:t> do SHA-1 do </a:t>
+                      </a:r>
+                      <a:r>
+                        <a:rPr lang="pt-BR" baseline="0" dirty="0" err="1" smtClean="0"/>
+                        <a:t>commit</a:t>
+                      </a:r>
+                      <a:endParaRPr lang="pt-BR" dirty="0"/>
+                    </a:p>
+                  </a:txBody>
+                  <a:tcPr/>
+                </a:tc>
+                <a:extLst>
+                  <a:ext uri="{0D108BD9-81ED-4DB2-BD59-A6C34878D82A}">
+                    <a16:rowId xmlns:a16="http://schemas.microsoft.com/office/drawing/2014/main" val="1493370057"/>
+                  </a:ext>
+                </a:extLst>
+              </a:tr>
+              <a:tr h="370840">
+                <a:tc>
+                  <a:txBody>
+                    <a:bodyPr/>
+                    <a:lstStyle/>
+                    <a:p>
+                      <a:r>
+                        <a:rPr lang="pt-BR" dirty="0" smtClean="0"/>
+                        <a:t>--</a:t>
+                      </a:r>
+                      <a:r>
+                        <a:rPr lang="pt-BR" dirty="0" err="1" smtClean="0"/>
+                        <a:t>relative</a:t>
+                      </a:r>
+                      <a:r>
+                        <a:rPr lang="pt-BR" dirty="0" smtClean="0"/>
+                        <a:t>-date</a:t>
+                      </a:r>
+                      <a:endParaRPr lang="pt-BR" dirty="0"/>
+                    </a:p>
+                  </a:txBody>
+                  <a:tcPr/>
+                </a:tc>
+                <a:tc>
+                  <a:txBody>
+                    <a:bodyPr/>
+                    <a:lstStyle/>
+                    <a:p>
+                      <a:r>
+                        <a:rPr lang="pt-BR" dirty="0" smtClean="0"/>
+                        <a:t>Mostra data no formato relativo</a:t>
+                      </a:r>
+                      <a:endParaRPr lang="pt-BR" dirty="0"/>
+                    </a:p>
+                  </a:txBody>
+                  <a:tcPr/>
+                </a:tc>
+                <a:extLst>
+                  <a:ext uri="{0D108BD9-81ED-4DB2-BD59-A6C34878D82A}">
+                    <a16:rowId xmlns:a16="http://schemas.microsoft.com/office/drawing/2014/main" val="3228977251"/>
+                  </a:ext>
+                </a:extLst>
+              </a:tr>
+              <a:tr h="370840">
+                <a:tc>
+                  <a:txBody>
+                    <a:bodyPr/>
+                    <a:lstStyle/>
+                    <a:p>
+                      <a:r>
+                        <a:rPr lang="pt-BR" dirty="0" smtClean="0"/>
+                        <a:t>--</a:t>
+                      </a:r>
+                      <a:r>
+                        <a:rPr lang="pt-BR" dirty="0" err="1" smtClean="0"/>
+                        <a:t>graph</a:t>
+                      </a:r>
+                      <a:endParaRPr lang="pt-BR" dirty="0"/>
+                    </a:p>
+                  </a:txBody>
+                  <a:tcPr/>
+                </a:tc>
+                <a:tc>
+                  <a:txBody>
+                    <a:bodyPr/>
+                    <a:lstStyle/>
+                    <a:p>
+                      <a:r>
+                        <a:rPr lang="pt-BR" dirty="0" smtClean="0"/>
+                        <a:t>Formato</a:t>
+                      </a:r>
+                      <a:r>
+                        <a:rPr lang="pt-BR" baseline="0" dirty="0" smtClean="0"/>
+                        <a:t> gráfico</a:t>
+                      </a:r>
+                      <a:endParaRPr lang="pt-BR" dirty="0"/>
+                    </a:p>
+                  </a:txBody>
+                  <a:tcPr/>
+                </a:tc>
+                <a:extLst>
+                  <a:ext uri="{0D108BD9-81ED-4DB2-BD59-A6C34878D82A}">
+                    <a16:rowId xmlns:a16="http://schemas.microsoft.com/office/drawing/2014/main" val="2778975573"/>
+                  </a:ext>
+                </a:extLst>
+              </a:tr>
+              <a:tr h="370840">
+                <a:tc>
+                  <a:txBody>
+                    <a:bodyPr/>
+                    <a:lstStyle/>
+                    <a:p>
+                      <a:r>
+                        <a:rPr lang="pt-BR" dirty="0" smtClean="0"/>
+                        <a:t>--</a:t>
+                      </a:r>
+                      <a:r>
+                        <a:rPr lang="pt-BR" dirty="0" err="1" smtClean="0"/>
+                        <a:t>pretty</a:t>
+                      </a:r>
+                      <a:endParaRPr lang="pt-BR" dirty="0"/>
+                    </a:p>
+                  </a:txBody>
+                  <a:tcPr/>
+                </a:tc>
+                <a:tc>
+                  <a:txBody>
+                    <a:bodyPr/>
+                    <a:lstStyle/>
+                    <a:p>
+                      <a:r>
+                        <a:rPr lang="pt-BR" dirty="0" err="1" smtClean="0"/>
+                        <a:t>Customizável</a:t>
+                      </a:r>
+                      <a:r>
+                        <a:rPr lang="pt-BR" dirty="0" smtClean="0"/>
+                        <a:t> (mais</a:t>
+                      </a:r>
+                      <a:r>
+                        <a:rPr lang="pt-BR" baseline="0" dirty="0" smtClean="0"/>
+                        <a:t> detalhes a seguir</a:t>
+                      </a:r>
+                      <a:r>
+                        <a:rPr lang="pt-BR" dirty="0" smtClean="0"/>
+                        <a:t>)</a:t>
+                      </a:r>
+                      <a:endParaRPr lang="pt-BR" dirty="0"/>
+                    </a:p>
+                  </a:txBody>
+                  <a:tcPr/>
+                </a:tc>
+                <a:extLst>
+                  <a:ext uri="{0D108BD9-81ED-4DB2-BD59-A6C34878D82A}">
+                    <a16:rowId xmlns:a16="http://schemas.microsoft.com/office/drawing/2014/main" val="303703690"/>
+                  </a:ext>
+                </a:extLst>
+              </a:tr>
+            </a:tbl>
+          </a:graphicData>
+        </a:graphic>
+      </p:graphicFrame>
     </p:spTree>
     <p:extLst>
       <p:ext uri="{BB962C8B-B14F-4D97-AF65-F5344CB8AC3E}">
-        <p14:creationId xmlns:p14="http://schemas.microsoft.com/office/powerpoint/2010/main" val="1921685299"/>
+        <p14:creationId xmlns:p14="http://schemas.microsoft.com/office/powerpoint/2010/main" val="2371257627"/>
       </p:ext>
     </p:extLst>
   </p:cSld>
@@ -5568,4846 +5708,6 @@
               </a:lnSpc>
             </a:pPr>
             <a:r>
-              <a:rPr lang="pt-BR" sz="3200" b="1" spc="-1" dirty="0" err="1" smtClean="0">
-                <a:uFill>
-                  <a:solidFill>
-                    <a:srgbClr val="FFFFFF"/>
-                  </a:solidFill>
-                </a:uFill>
-                <a:latin typeface="Arial" panose="020B0604020202020204" pitchFamily="34" charset="0"/>
-                <a:cs typeface="Arial" panose="020B0604020202020204" pitchFamily="34" charset="0"/>
-              </a:rPr>
-              <a:t>git</a:t>
-            </a:r>
-            <a:r>
-              <a:rPr lang="pt-BR" sz="3200" b="1" spc="-1" dirty="0" smtClean="0">
-                <a:uFill>
-                  <a:solidFill>
-                    <a:srgbClr val="FFFFFF"/>
-                  </a:solidFill>
-                </a:uFill>
-                <a:latin typeface="Arial" panose="020B0604020202020204" pitchFamily="34" charset="0"/>
-                <a:cs typeface="Arial" panose="020B0604020202020204" pitchFamily="34" charset="0"/>
-              </a:rPr>
-              <a:t> </a:t>
-            </a:r>
-            <a:r>
-              <a:rPr lang="pt-BR" sz="3200" b="1" spc="-1" dirty="0" err="1" smtClean="0">
-                <a:uFill>
-                  <a:solidFill>
-                    <a:srgbClr val="FFFFFF"/>
-                  </a:solidFill>
-                </a:uFill>
-                <a:latin typeface="Arial" panose="020B0604020202020204" pitchFamily="34" charset="0"/>
-                <a:cs typeface="Arial" panose="020B0604020202020204" pitchFamily="34" charset="0"/>
-              </a:rPr>
-              <a:t>remote</a:t>
-            </a:r>
-            <a:endParaRPr lang="pt-BR" sz="1800" b="1" strike="noStrike" spc="-1" dirty="0">
-              <a:uFill>
-                <a:solidFill>
-                  <a:srgbClr val="FFFFFF"/>
-                </a:solidFill>
-              </a:uFill>
-              <a:latin typeface="Arial" panose="020B0604020202020204" pitchFamily="34" charset="0"/>
-              <a:cs typeface="Arial" panose="020B0604020202020204" pitchFamily="34" charset="0"/>
-            </a:endParaRPr>
-          </a:p>
-        </p:txBody>
-      </p:sp>
-      <p:sp>
-        <p:nvSpPr>
-          <p:cNvPr id="6" name="CustomShape 2"/>
-          <p:cNvSpPr/>
-          <p:nvPr/>
-        </p:nvSpPr>
-        <p:spPr>
-          <a:xfrm>
-            <a:off x="334800" y="1649192"/>
-            <a:ext cx="11543400" cy="2067840"/>
-          </a:xfrm>
-          <a:prstGeom prst="rect">
-            <a:avLst/>
-          </a:prstGeom>
-          <a:noFill/>
-          <a:ln>
-            <a:noFill/>
-          </a:ln>
-        </p:spPr>
-        <p:style>
-          <a:lnRef idx="0">
-            <a:scrgbClr r="0" g="0" b="0"/>
-          </a:lnRef>
-          <a:fillRef idx="0">
-            <a:scrgbClr r="0" g="0" b="0"/>
-          </a:fillRef>
-          <a:effectRef idx="0">
-            <a:scrgbClr r="0" g="0" b="0"/>
-          </a:effectRef>
-          <a:fontRef idx="minor"/>
-        </p:style>
-        <p:txBody>
-          <a:bodyPr lIns="90000" tIns="45000" rIns="90000" bIns="45000"/>
-          <a:lstStyle/>
-          <a:p>
-            <a:pPr marL="2160">
-              <a:lnSpc>
-                <a:spcPct val="90000"/>
-              </a:lnSpc>
-              <a:buClr>
-                <a:srgbClr val="808080"/>
-              </a:buClr>
-            </a:pPr>
-            <a:endParaRPr lang="pt-BR" sz="1800" b="0" strike="noStrike" spc="-1" dirty="0" smtClean="0">
-              <a:solidFill>
-                <a:srgbClr val="000000"/>
-              </a:solidFill>
-              <a:uFill>
-                <a:solidFill>
-                  <a:srgbClr val="FFFFFF"/>
-                </a:solidFill>
-              </a:uFill>
-              <a:latin typeface="Arial"/>
-            </a:endParaRPr>
-          </a:p>
-          <a:p>
-            <a:pPr>
-              <a:lnSpc>
-                <a:spcPct val="90000"/>
-              </a:lnSpc>
-            </a:pPr>
-            <a:r>
-              <a:rPr lang="pt-BR" sz="3200" spc="-1" dirty="0" err="1" smtClean="0">
-                <a:uFill>
-                  <a:solidFill>
-                    <a:srgbClr val="FFFFFF"/>
-                  </a:solidFill>
-                </a:uFill>
-                <a:latin typeface="Arial"/>
-              </a:rPr>
-              <a:t>git</a:t>
-            </a:r>
-            <a:r>
-              <a:rPr lang="pt-BR" sz="3200" spc="-1" dirty="0" smtClean="0">
-                <a:uFill>
-                  <a:solidFill>
-                    <a:srgbClr val="FFFFFF"/>
-                  </a:solidFill>
-                </a:uFill>
-                <a:latin typeface="Arial"/>
-              </a:rPr>
-              <a:t> </a:t>
-            </a:r>
-            <a:r>
-              <a:rPr lang="pt-BR" sz="3200" spc="-1" dirty="0" err="1" smtClean="0">
-                <a:uFill>
-                  <a:solidFill>
-                    <a:srgbClr val="FFFFFF"/>
-                  </a:solidFill>
-                </a:uFill>
-                <a:latin typeface="Arial"/>
-              </a:rPr>
-              <a:t>remote</a:t>
-            </a:r>
-            <a:r>
-              <a:rPr lang="pt-BR" sz="3200" spc="-1" dirty="0" smtClean="0">
-                <a:uFill>
-                  <a:solidFill>
-                    <a:srgbClr val="FFFFFF"/>
-                  </a:solidFill>
-                </a:uFill>
-                <a:latin typeface="Arial"/>
-              </a:rPr>
-              <a:t> –v</a:t>
-            </a:r>
-          </a:p>
-          <a:p>
-            <a:pPr>
-              <a:lnSpc>
-                <a:spcPct val="90000"/>
-              </a:lnSpc>
-            </a:pPr>
-            <a:endParaRPr lang="pt-BR" sz="3200" spc="-1" dirty="0">
-              <a:uFill>
-                <a:solidFill>
-                  <a:srgbClr val="FFFFFF"/>
-                </a:solidFill>
-              </a:uFill>
-              <a:latin typeface="Arial"/>
-            </a:endParaRPr>
-          </a:p>
-          <a:p>
-            <a:pPr>
-              <a:lnSpc>
-                <a:spcPct val="90000"/>
-              </a:lnSpc>
-            </a:pPr>
-            <a:r>
-              <a:rPr lang="pt-BR" sz="3200" spc="-1" dirty="0" err="1" smtClean="0">
-                <a:uFill>
-                  <a:solidFill>
-                    <a:srgbClr val="FFFFFF"/>
-                  </a:solidFill>
-                </a:uFill>
-                <a:latin typeface="Arial"/>
-              </a:rPr>
-              <a:t>git</a:t>
-            </a:r>
-            <a:r>
-              <a:rPr lang="pt-BR" sz="3200" spc="-1" dirty="0" smtClean="0">
-                <a:uFill>
-                  <a:solidFill>
-                    <a:srgbClr val="FFFFFF"/>
-                  </a:solidFill>
-                </a:uFill>
-                <a:latin typeface="Arial"/>
-              </a:rPr>
-              <a:t> </a:t>
-            </a:r>
-            <a:r>
-              <a:rPr lang="pt-BR" sz="3200" spc="-1" dirty="0" err="1" smtClean="0">
-                <a:uFill>
-                  <a:solidFill>
-                    <a:srgbClr val="FFFFFF"/>
-                  </a:solidFill>
-                </a:uFill>
-                <a:latin typeface="Arial"/>
-              </a:rPr>
-              <a:t>remote</a:t>
-            </a:r>
-            <a:r>
-              <a:rPr lang="pt-BR" sz="3200" spc="-1" dirty="0" smtClean="0">
-                <a:uFill>
-                  <a:solidFill>
-                    <a:srgbClr val="FFFFFF"/>
-                  </a:solidFill>
-                </a:uFill>
-                <a:latin typeface="Arial"/>
-              </a:rPr>
-              <a:t> </a:t>
-            </a:r>
-            <a:r>
-              <a:rPr lang="pt-BR" sz="3200" spc="-1" dirty="0" err="1" smtClean="0">
-                <a:uFill>
-                  <a:solidFill>
-                    <a:srgbClr val="FFFFFF"/>
-                  </a:solidFill>
-                </a:uFill>
-                <a:latin typeface="Arial"/>
-              </a:rPr>
-              <a:t>add</a:t>
-            </a:r>
-            <a:r>
-              <a:rPr lang="pt-BR" sz="3200" spc="-1" dirty="0" smtClean="0">
-                <a:uFill>
-                  <a:solidFill>
-                    <a:srgbClr val="FFFFFF"/>
-                  </a:solidFill>
-                </a:uFill>
-                <a:latin typeface="Arial"/>
-              </a:rPr>
-              <a:t> </a:t>
-            </a:r>
-            <a:r>
-              <a:rPr lang="pt-BR" sz="3200" spc="-1" dirty="0" err="1" smtClean="0">
-                <a:uFill>
-                  <a:solidFill>
-                    <a:srgbClr val="FFFFFF"/>
-                  </a:solidFill>
-                </a:uFill>
-                <a:latin typeface="Arial"/>
-              </a:rPr>
-              <a:t>origin</a:t>
-            </a:r>
-            <a:r>
-              <a:rPr lang="pt-BR" sz="3200" spc="-1" dirty="0" smtClean="0">
-                <a:uFill>
-                  <a:solidFill>
-                    <a:srgbClr val="FFFFFF"/>
-                  </a:solidFill>
-                </a:uFill>
-                <a:latin typeface="Arial"/>
-              </a:rPr>
-              <a:t> https://gitlab.com/&lt;usuário&gt;/&lt;repositorio&gt;.git</a:t>
-            </a:r>
-          </a:p>
-          <a:p>
-            <a:pPr>
-              <a:lnSpc>
-                <a:spcPct val="90000"/>
-              </a:lnSpc>
-            </a:pPr>
-            <a:endParaRPr lang="pt-BR" sz="3200" spc="-1" dirty="0" smtClean="0">
-              <a:uFill>
-                <a:solidFill>
-                  <a:srgbClr val="FFFFFF"/>
-                </a:solidFill>
-              </a:uFill>
-              <a:latin typeface="Arial"/>
-            </a:endParaRPr>
-          </a:p>
-        </p:txBody>
-      </p:sp>
-    </p:spTree>
-    <p:extLst>
-      <p:ext uri="{BB962C8B-B14F-4D97-AF65-F5344CB8AC3E}">
-        <p14:creationId xmlns:p14="http://schemas.microsoft.com/office/powerpoint/2010/main" val="1266009522"/>
-      </p:ext>
-    </p:extLst>
-  </p:cSld>
-  <p:clrMapOvr>
-    <a:masterClrMapping/>
-  </p:clrMapOvr>
-  <p:timing>
-    <p:tnLst>
-      <p:par>
-        <p:cTn id="1" dur="indefinite" restart="never" nodeType="tmRoot"/>
-      </p:par>
-    </p:tnLst>
-  </p:timing>
-</p:sld>
-</file>
-
-<file path=ppt/slides/slide14.xml><?xml version="1.0" encoding="utf-8"?>
-<p:sld xmlns:a="http://schemas.openxmlformats.org/drawingml/2006/main" xmlns:r="http://schemas.openxmlformats.org/officeDocument/2006/relationships" xmlns:p="http://schemas.openxmlformats.org/presentationml/2006/main">
-  <p:cSld>
-    <p:spTree>
-      <p:nvGrpSpPr>
-        <p:cNvPr id="1" name=""/>
-        <p:cNvGrpSpPr/>
-        <p:nvPr/>
-      </p:nvGrpSpPr>
-      <p:grpSpPr>
-        <a:xfrm>
-          <a:off x="0" y="0"/>
-          <a:ext cx="0" cy="0"/>
-          <a:chOff x="0" y="0"/>
-          <a:chExt cx="0" cy="0"/>
-        </a:xfrm>
-      </p:grpSpPr>
-      <p:sp>
-        <p:nvSpPr>
-          <p:cNvPr id="177" name="CustomShape 1"/>
-          <p:cNvSpPr/>
-          <p:nvPr/>
-        </p:nvSpPr>
-        <p:spPr>
-          <a:xfrm>
-            <a:off x="217800" y="-18720"/>
-            <a:ext cx="10513440" cy="1323360"/>
-          </a:xfrm>
-          <a:prstGeom prst="rect">
-            <a:avLst/>
-          </a:prstGeom>
-          <a:noFill/>
-          <a:ln>
-            <a:noFill/>
-          </a:ln>
-        </p:spPr>
-        <p:style>
-          <a:lnRef idx="0">
-            <a:scrgbClr r="0" g="0" b="0"/>
-          </a:lnRef>
-          <a:fillRef idx="0">
-            <a:scrgbClr r="0" g="0" b="0"/>
-          </a:fillRef>
-          <a:effectRef idx="0">
-            <a:scrgbClr r="0" g="0" b="0"/>
-          </a:effectRef>
-          <a:fontRef idx="minor"/>
-        </p:style>
-        <p:txBody>
-          <a:bodyPr lIns="90000" tIns="45000" rIns="90000" bIns="45000" anchor="ctr"/>
-          <a:lstStyle/>
-          <a:p>
-            <a:pPr>
-              <a:lnSpc>
-                <a:spcPct val="100000"/>
-              </a:lnSpc>
-            </a:pPr>
-            <a:r>
-              <a:rPr lang="pt-BR" sz="3200" b="1" strike="noStrike" spc="-1" dirty="0" smtClean="0">
-                <a:uFill>
-                  <a:solidFill>
-                    <a:srgbClr val="FFFFFF"/>
-                  </a:solidFill>
-                </a:uFill>
-                <a:latin typeface="Arial" panose="020B0604020202020204" pitchFamily="34" charset="0"/>
-                <a:ea typeface="DejaVu Sans"/>
-                <a:cs typeface="Arial" panose="020B0604020202020204" pitchFamily="34" charset="0"/>
-              </a:rPr>
-              <a:t>Arquitetura</a:t>
-            </a:r>
-            <a:endParaRPr lang="pt-BR" sz="1800" b="1" strike="noStrike" spc="-1" dirty="0">
-              <a:uFill>
-                <a:solidFill>
-                  <a:srgbClr val="FFFFFF"/>
-                </a:solidFill>
-              </a:uFill>
-              <a:latin typeface="Arial" panose="020B0604020202020204" pitchFamily="34" charset="0"/>
-              <a:cs typeface="Arial" panose="020B0604020202020204" pitchFamily="34" charset="0"/>
-            </a:endParaRPr>
-          </a:p>
-        </p:txBody>
-      </p:sp>
-      <p:pic>
-        <p:nvPicPr>
-          <p:cNvPr id="5" name="Imagem 4"/>
-          <p:cNvPicPr>
-            <a:picLocks noChangeAspect="1"/>
-          </p:cNvPicPr>
-          <p:nvPr/>
-        </p:nvPicPr>
-        <p:blipFill>
-          <a:blip r:embed="rId2">
-            <a:extLst>
-              <a:ext uri="{28A0092B-C50C-407E-A947-70E740481C1C}">
-                <a14:useLocalDpi xmlns:a14="http://schemas.microsoft.com/office/drawing/2010/main" val="0"/>
-              </a:ext>
-            </a:extLst>
-          </a:blip>
-          <a:stretch>
-            <a:fillRect/>
-          </a:stretch>
-        </p:blipFill>
-        <p:spPr>
-          <a:xfrm>
-            <a:off x="1271587" y="2045543"/>
-            <a:ext cx="9648825" cy="4695825"/>
-          </a:xfrm>
-          <a:prstGeom prst="rect">
-            <a:avLst/>
-          </a:prstGeom>
-        </p:spPr>
-      </p:pic>
-    </p:spTree>
-  </p:cSld>
-  <p:clrMapOvr>
-    <a:masterClrMapping/>
-  </p:clrMapOvr>
-  <p:timing>
-    <p:tnLst>
-      <p:par>
-        <p:cTn id="1" dur="indefinite" restart="never" nodeType="tmRoot">
-          <p:childTnLst>
-            <p:seq>
-              <p:cTn id="2" nodeType="mainSeq"/>
-              <p:prevCondLst>
-                <p:cond evt="onPrev" delay="0">
-                  <p:tgtEl>
-                    <p:sldTgt/>
-                  </p:tgtEl>
-                </p:cond>
-              </p:prevCondLst>
-              <p:nextCondLst>
-                <p:cond evt="onNext" delay="0">
-                  <p:tgtEl>
-                    <p:sldTgt/>
-                  </p:tgtEl>
-                </p:cond>
-              </p:nextCondLst>
-            </p:seq>
-          </p:childTnLst>
-        </p:cTn>
-      </p:par>
-    </p:tnLst>
-  </p:timing>
-</p:sld>
-</file>
-
-<file path=ppt/slides/slide15.xml><?xml version="1.0" encoding="utf-8"?>
-<p:sld xmlns:a="http://schemas.openxmlformats.org/drawingml/2006/main" xmlns:r="http://schemas.openxmlformats.org/officeDocument/2006/relationships" xmlns:p="http://schemas.openxmlformats.org/presentationml/2006/main">
-  <p:cSld>
-    <p:spTree>
-      <p:nvGrpSpPr>
-        <p:cNvPr id="1" name=""/>
-        <p:cNvGrpSpPr/>
-        <p:nvPr/>
-      </p:nvGrpSpPr>
-      <p:grpSpPr>
-        <a:xfrm>
-          <a:off x="0" y="0"/>
-          <a:ext cx="0" cy="0"/>
-          <a:chOff x="0" y="0"/>
-          <a:chExt cx="0" cy="0"/>
-        </a:xfrm>
-      </p:grpSpPr>
-      <p:sp>
-        <p:nvSpPr>
-          <p:cNvPr id="177" name="CustomShape 1"/>
-          <p:cNvSpPr/>
-          <p:nvPr/>
-        </p:nvSpPr>
-        <p:spPr>
-          <a:xfrm>
-            <a:off x="217800" y="-18720"/>
-            <a:ext cx="10513440" cy="1323360"/>
-          </a:xfrm>
-          <a:prstGeom prst="rect">
-            <a:avLst/>
-          </a:prstGeom>
-          <a:noFill/>
-          <a:ln>
-            <a:noFill/>
-          </a:ln>
-        </p:spPr>
-        <p:style>
-          <a:lnRef idx="0">
-            <a:scrgbClr r="0" g="0" b="0"/>
-          </a:lnRef>
-          <a:fillRef idx="0">
-            <a:scrgbClr r="0" g="0" b="0"/>
-          </a:fillRef>
-          <a:effectRef idx="0">
-            <a:scrgbClr r="0" g="0" b="0"/>
-          </a:effectRef>
-          <a:fontRef idx="minor"/>
-        </p:style>
-        <p:txBody>
-          <a:bodyPr lIns="90000" tIns="45000" rIns="90000" bIns="45000" anchor="ctr"/>
-          <a:lstStyle/>
-          <a:p>
-            <a:pPr>
-              <a:lnSpc>
-                <a:spcPct val="100000"/>
-              </a:lnSpc>
-            </a:pPr>
-            <a:r>
-              <a:rPr lang="pt-BR" sz="3200" b="1" strike="noStrike" spc="-1" dirty="0" err="1" smtClean="0">
-                <a:uFill>
-                  <a:solidFill>
-                    <a:srgbClr val="FFFFFF"/>
-                  </a:solidFill>
-                </a:uFill>
-                <a:latin typeface="Arial" panose="020B0604020202020204" pitchFamily="34" charset="0"/>
-                <a:ea typeface="DejaVu Sans"/>
-                <a:cs typeface="Arial" panose="020B0604020202020204" pitchFamily="34" charset="0"/>
-              </a:rPr>
-              <a:t>Staging</a:t>
-            </a:r>
-            <a:r>
-              <a:rPr lang="pt-BR" sz="3200" b="1" strike="noStrike" spc="-1" dirty="0" smtClean="0">
-                <a:uFill>
-                  <a:solidFill>
-                    <a:srgbClr val="FFFFFF"/>
-                  </a:solidFill>
-                </a:uFill>
-                <a:latin typeface="Arial" panose="020B0604020202020204" pitchFamily="34" charset="0"/>
-                <a:ea typeface="DejaVu Sans"/>
-                <a:cs typeface="Arial" panose="020B0604020202020204" pitchFamily="34" charset="0"/>
-              </a:rPr>
-              <a:t> </a:t>
-            </a:r>
-            <a:r>
-              <a:rPr lang="pt-BR" sz="3200" b="1" strike="noStrike" spc="-1" dirty="0" err="1" smtClean="0">
-                <a:uFill>
-                  <a:solidFill>
-                    <a:srgbClr val="FFFFFF"/>
-                  </a:solidFill>
-                </a:uFill>
-                <a:latin typeface="Arial" panose="020B0604020202020204" pitchFamily="34" charset="0"/>
-                <a:ea typeface="DejaVu Sans"/>
-                <a:cs typeface="Arial" panose="020B0604020202020204" pitchFamily="34" charset="0"/>
-              </a:rPr>
-              <a:t>area</a:t>
-            </a:r>
-            <a:endParaRPr lang="pt-BR" sz="1800" b="1" strike="noStrike" spc="-1" dirty="0">
-              <a:uFill>
-                <a:solidFill>
-                  <a:srgbClr val="FFFFFF"/>
-                </a:solidFill>
-              </a:uFill>
-              <a:latin typeface="Arial" panose="020B0604020202020204" pitchFamily="34" charset="0"/>
-              <a:cs typeface="Arial" panose="020B0604020202020204" pitchFamily="34" charset="0"/>
-            </a:endParaRPr>
-          </a:p>
-        </p:txBody>
-      </p:sp>
-      <p:sp>
-        <p:nvSpPr>
-          <p:cNvPr id="3" name="CustomShape 2"/>
-          <p:cNvSpPr/>
-          <p:nvPr/>
-        </p:nvSpPr>
-        <p:spPr>
-          <a:xfrm>
-            <a:off x="334800" y="1649192"/>
-            <a:ext cx="11543400" cy="2067840"/>
-          </a:xfrm>
-          <a:prstGeom prst="rect">
-            <a:avLst/>
-          </a:prstGeom>
-          <a:noFill/>
-          <a:ln>
-            <a:noFill/>
-          </a:ln>
-        </p:spPr>
-        <p:style>
-          <a:lnRef idx="0">
-            <a:scrgbClr r="0" g="0" b="0"/>
-          </a:lnRef>
-          <a:fillRef idx="0">
-            <a:scrgbClr r="0" g="0" b="0"/>
-          </a:fillRef>
-          <a:effectRef idx="0">
-            <a:scrgbClr r="0" g="0" b="0"/>
-          </a:effectRef>
-          <a:fontRef idx="minor"/>
-        </p:style>
-        <p:txBody>
-          <a:bodyPr lIns="90000" tIns="45000" rIns="90000" bIns="45000"/>
-          <a:lstStyle/>
-          <a:p>
-            <a:pPr marL="2160">
-              <a:lnSpc>
-                <a:spcPct val="90000"/>
-              </a:lnSpc>
-              <a:buClr>
-                <a:srgbClr val="808080"/>
-              </a:buClr>
-            </a:pPr>
-            <a:endParaRPr lang="pt-BR" sz="1800" b="0" strike="noStrike" spc="-1" dirty="0" smtClean="0">
-              <a:solidFill>
-                <a:srgbClr val="000000"/>
-              </a:solidFill>
-              <a:uFill>
-                <a:solidFill>
-                  <a:srgbClr val="FFFFFF"/>
-                </a:solidFill>
-              </a:uFill>
-              <a:latin typeface="Arial"/>
-            </a:endParaRPr>
-          </a:p>
-          <a:p>
-            <a:pPr>
-              <a:lnSpc>
-                <a:spcPct val="90000"/>
-              </a:lnSpc>
-            </a:pPr>
-            <a:r>
-              <a:rPr lang="pt-BR" sz="3200" spc="-1" dirty="0" err="1" smtClean="0">
-                <a:uFill>
-                  <a:solidFill>
-                    <a:srgbClr val="FFFFFF"/>
-                  </a:solidFill>
-                </a:uFill>
-                <a:latin typeface="Arial"/>
-              </a:rPr>
-              <a:t>git</a:t>
-            </a:r>
-            <a:r>
-              <a:rPr lang="pt-BR" sz="3200" spc="-1" dirty="0" smtClean="0">
-                <a:uFill>
-                  <a:solidFill>
-                    <a:srgbClr val="FFFFFF"/>
-                  </a:solidFill>
-                </a:uFill>
-                <a:latin typeface="Arial"/>
-              </a:rPr>
-              <a:t> </a:t>
-            </a:r>
-            <a:r>
-              <a:rPr lang="pt-BR" sz="3200" spc="-1" dirty="0" err="1" smtClean="0">
-                <a:uFill>
-                  <a:solidFill>
-                    <a:srgbClr val="FFFFFF"/>
-                  </a:solidFill>
-                </a:uFill>
-                <a:latin typeface="Arial"/>
-              </a:rPr>
-              <a:t>add</a:t>
-            </a:r>
-            <a:endParaRPr lang="pt-BR" sz="3200" spc="-1" dirty="0" smtClean="0">
-              <a:uFill>
-                <a:solidFill>
-                  <a:srgbClr val="FFFFFF"/>
-                </a:solidFill>
-              </a:uFill>
-              <a:latin typeface="Arial"/>
-            </a:endParaRPr>
-          </a:p>
-          <a:p>
-            <a:pPr>
-              <a:lnSpc>
-                <a:spcPct val="90000"/>
-              </a:lnSpc>
-            </a:pPr>
-            <a:endParaRPr lang="pt-BR" sz="3200" spc="-1" dirty="0">
-              <a:uFill>
-                <a:solidFill>
-                  <a:srgbClr val="FFFFFF"/>
-                </a:solidFill>
-              </a:uFill>
-              <a:latin typeface="Arial"/>
-            </a:endParaRPr>
-          </a:p>
-          <a:p>
-            <a:pPr>
-              <a:lnSpc>
-                <a:spcPct val="90000"/>
-              </a:lnSpc>
-            </a:pPr>
-            <a:r>
-              <a:rPr lang="pt-BR" sz="3200" spc="-1" dirty="0" err="1" smtClean="0">
-                <a:uFill>
-                  <a:solidFill>
-                    <a:srgbClr val="FFFFFF"/>
-                  </a:solidFill>
-                </a:uFill>
-                <a:latin typeface="Arial"/>
-              </a:rPr>
-              <a:t>git</a:t>
-            </a:r>
-            <a:r>
-              <a:rPr lang="pt-BR" sz="3200" spc="-1" dirty="0" smtClean="0">
-                <a:uFill>
-                  <a:solidFill>
-                    <a:srgbClr val="FFFFFF"/>
-                  </a:solidFill>
-                </a:uFill>
-                <a:latin typeface="Arial"/>
-              </a:rPr>
-              <a:t> </a:t>
-            </a:r>
-            <a:r>
-              <a:rPr lang="pt-BR" sz="3200" spc="-1" dirty="0" err="1" smtClean="0">
-                <a:uFill>
-                  <a:solidFill>
-                    <a:srgbClr val="FFFFFF"/>
-                  </a:solidFill>
-                </a:uFill>
-                <a:latin typeface="Arial"/>
-              </a:rPr>
-              <a:t>rm</a:t>
-            </a:r>
-            <a:endParaRPr lang="pt-BR" sz="3200" spc="-1" dirty="0" smtClean="0">
-              <a:uFill>
-                <a:solidFill>
-                  <a:srgbClr val="FFFFFF"/>
-                </a:solidFill>
-              </a:uFill>
-              <a:latin typeface="Arial"/>
-            </a:endParaRPr>
-          </a:p>
-          <a:p>
-            <a:pPr>
-              <a:lnSpc>
-                <a:spcPct val="90000"/>
-              </a:lnSpc>
-            </a:pPr>
-            <a:endParaRPr lang="pt-BR" sz="3200" spc="-1" dirty="0">
-              <a:uFill>
-                <a:solidFill>
-                  <a:srgbClr val="FFFFFF"/>
-                </a:solidFill>
-              </a:uFill>
-              <a:latin typeface="Arial"/>
-            </a:endParaRPr>
-          </a:p>
-          <a:p>
-            <a:pPr>
-              <a:lnSpc>
-                <a:spcPct val="90000"/>
-              </a:lnSpc>
-            </a:pPr>
-            <a:r>
-              <a:rPr lang="pt-BR" sz="3200" spc="-1" dirty="0" err="1" smtClean="0">
-                <a:uFill>
-                  <a:solidFill>
-                    <a:srgbClr val="FFFFFF"/>
-                  </a:solidFill>
-                </a:uFill>
-                <a:latin typeface="Arial"/>
-              </a:rPr>
-              <a:t>git</a:t>
-            </a:r>
-            <a:r>
-              <a:rPr lang="pt-BR" sz="3200" spc="-1" dirty="0" smtClean="0">
-                <a:uFill>
-                  <a:solidFill>
-                    <a:srgbClr val="FFFFFF"/>
-                  </a:solidFill>
-                </a:uFill>
-                <a:latin typeface="Arial"/>
-              </a:rPr>
-              <a:t> </a:t>
-            </a:r>
-            <a:r>
-              <a:rPr lang="pt-BR" sz="3200" spc="-1" dirty="0" err="1" smtClean="0">
-                <a:uFill>
-                  <a:solidFill>
-                    <a:srgbClr val="FFFFFF"/>
-                  </a:solidFill>
-                </a:uFill>
-                <a:latin typeface="Arial"/>
-              </a:rPr>
-              <a:t>mv</a:t>
-            </a:r>
-            <a:endParaRPr lang="pt-BR" sz="3200" spc="-1" dirty="0" smtClean="0">
-              <a:uFill>
-                <a:solidFill>
-                  <a:srgbClr val="FFFFFF"/>
-                </a:solidFill>
-              </a:uFill>
-              <a:latin typeface="Arial"/>
-            </a:endParaRPr>
-          </a:p>
-          <a:p>
-            <a:pPr>
-              <a:lnSpc>
-                <a:spcPct val="90000"/>
-              </a:lnSpc>
-            </a:pPr>
-            <a:endParaRPr lang="pt-BR" sz="3200" spc="-1" dirty="0" smtClean="0">
-              <a:uFill>
-                <a:solidFill>
-                  <a:srgbClr val="FFFFFF"/>
-                </a:solidFill>
-              </a:uFill>
-              <a:latin typeface="Arial"/>
-            </a:endParaRPr>
-          </a:p>
-        </p:txBody>
-      </p:sp>
-    </p:spTree>
-    <p:extLst>
-      <p:ext uri="{BB962C8B-B14F-4D97-AF65-F5344CB8AC3E}">
-        <p14:creationId xmlns:p14="http://schemas.microsoft.com/office/powerpoint/2010/main" val="1646215842"/>
-      </p:ext>
-    </p:extLst>
-  </p:cSld>
-  <p:clrMapOvr>
-    <a:masterClrMapping/>
-  </p:clrMapOvr>
-  <p:timing>
-    <p:tnLst>
-      <p:par>
-        <p:cTn id="1" dur="indefinite" restart="never" nodeType="tmRoot">
-          <p:childTnLst>
-            <p:seq>
-              <p:cTn id="2" nodeType="mainSeq"/>
-              <p:prevCondLst>
-                <p:cond evt="onPrev" delay="0">
-                  <p:tgtEl>
-                    <p:sldTgt/>
-                  </p:tgtEl>
-                </p:cond>
-              </p:prevCondLst>
-              <p:nextCondLst>
-                <p:cond evt="onNext" delay="0">
-                  <p:tgtEl>
-                    <p:sldTgt/>
-                  </p:tgtEl>
-                </p:cond>
-              </p:nextCondLst>
-            </p:seq>
-          </p:childTnLst>
-        </p:cTn>
-      </p:par>
-    </p:tnLst>
-  </p:timing>
-</p:sld>
-</file>
-
-<file path=ppt/slides/slide16.xml><?xml version="1.0" encoding="utf-8"?>
-<p:sld xmlns:a="http://schemas.openxmlformats.org/drawingml/2006/main" xmlns:r="http://schemas.openxmlformats.org/officeDocument/2006/relationships" xmlns:p="http://schemas.openxmlformats.org/presentationml/2006/main">
-  <p:cSld>
-    <p:spTree>
-      <p:nvGrpSpPr>
-        <p:cNvPr id="1" name=""/>
-        <p:cNvGrpSpPr/>
-        <p:nvPr/>
-      </p:nvGrpSpPr>
-      <p:grpSpPr>
-        <a:xfrm>
-          <a:off x="0" y="0"/>
-          <a:ext cx="0" cy="0"/>
-          <a:chOff x="0" y="0"/>
-          <a:chExt cx="0" cy="0"/>
-        </a:xfrm>
-      </p:grpSpPr>
-      <p:sp>
-        <p:nvSpPr>
-          <p:cNvPr id="177" name="CustomShape 1"/>
-          <p:cNvSpPr/>
-          <p:nvPr/>
-        </p:nvSpPr>
-        <p:spPr>
-          <a:xfrm>
-            <a:off x="217800" y="-18720"/>
-            <a:ext cx="10513440" cy="1323360"/>
-          </a:xfrm>
-          <a:prstGeom prst="rect">
-            <a:avLst/>
-          </a:prstGeom>
-          <a:noFill/>
-          <a:ln>
-            <a:noFill/>
-          </a:ln>
-        </p:spPr>
-        <p:style>
-          <a:lnRef idx="0">
-            <a:scrgbClr r="0" g="0" b="0"/>
-          </a:lnRef>
-          <a:fillRef idx="0">
-            <a:scrgbClr r="0" g="0" b="0"/>
-          </a:fillRef>
-          <a:effectRef idx="0">
-            <a:scrgbClr r="0" g="0" b="0"/>
-          </a:effectRef>
-          <a:fontRef idx="minor"/>
-        </p:style>
-        <p:txBody>
-          <a:bodyPr lIns="90000" tIns="45000" rIns="90000" bIns="45000" anchor="ctr"/>
-          <a:lstStyle/>
-          <a:p>
-            <a:pPr>
-              <a:lnSpc>
-                <a:spcPct val="100000"/>
-              </a:lnSpc>
-            </a:pPr>
-            <a:r>
-              <a:rPr lang="pt-BR" sz="3200" b="1" strike="noStrike" spc="-1" dirty="0" err="1" smtClean="0">
-                <a:uFill>
-                  <a:solidFill>
-                    <a:srgbClr val="FFFFFF"/>
-                  </a:solidFill>
-                </a:uFill>
-                <a:latin typeface="Arial" panose="020B0604020202020204" pitchFamily="34" charset="0"/>
-                <a:ea typeface="DejaVu Sans"/>
-                <a:cs typeface="Arial" panose="020B0604020202020204" pitchFamily="34" charset="0"/>
-              </a:rPr>
-              <a:t>Repository</a:t>
-            </a:r>
-            <a:endParaRPr lang="pt-BR" sz="1800" b="1" strike="noStrike" spc="-1" dirty="0">
-              <a:uFill>
-                <a:solidFill>
-                  <a:srgbClr val="FFFFFF"/>
-                </a:solidFill>
-              </a:uFill>
-              <a:latin typeface="Arial" panose="020B0604020202020204" pitchFamily="34" charset="0"/>
-              <a:cs typeface="Arial" panose="020B0604020202020204" pitchFamily="34" charset="0"/>
-            </a:endParaRPr>
-          </a:p>
-        </p:txBody>
-      </p:sp>
-      <p:sp>
-        <p:nvSpPr>
-          <p:cNvPr id="3" name="CustomShape 2"/>
-          <p:cNvSpPr/>
-          <p:nvPr/>
-        </p:nvSpPr>
-        <p:spPr>
-          <a:xfrm>
-            <a:off x="334800" y="1649192"/>
-            <a:ext cx="11543400" cy="2067840"/>
-          </a:xfrm>
-          <a:prstGeom prst="rect">
-            <a:avLst/>
-          </a:prstGeom>
-          <a:noFill/>
-          <a:ln>
-            <a:noFill/>
-          </a:ln>
-        </p:spPr>
-        <p:style>
-          <a:lnRef idx="0">
-            <a:scrgbClr r="0" g="0" b="0"/>
-          </a:lnRef>
-          <a:fillRef idx="0">
-            <a:scrgbClr r="0" g="0" b="0"/>
-          </a:fillRef>
-          <a:effectRef idx="0">
-            <a:scrgbClr r="0" g="0" b="0"/>
-          </a:effectRef>
-          <a:fontRef idx="minor"/>
-        </p:style>
-        <p:txBody>
-          <a:bodyPr lIns="90000" tIns="45000" rIns="90000" bIns="45000"/>
-          <a:lstStyle/>
-          <a:p>
-            <a:pPr marL="2160">
-              <a:lnSpc>
-                <a:spcPct val="90000"/>
-              </a:lnSpc>
-              <a:buClr>
-                <a:srgbClr val="808080"/>
-              </a:buClr>
-            </a:pPr>
-            <a:endParaRPr lang="pt-BR" sz="1800" b="0" strike="noStrike" spc="-1" dirty="0" smtClean="0">
-              <a:solidFill>
-                <a:srgbClr val="000000"/>
-              </a:solidFill>
-              <a:uFill>
-                <a:solidFill>
-                  <a:srgbClr val="FFFFFF"/>
-                </a:solidFill>
-              </a:uFill>
-              <a:latin typeface="Arial"/>
-            </a:endParaRPr>
-          </a:p>
-          <a:p>
-            <a:pPr>
-              <a:lnSpc>
-                <a:spcPct val="90000"/>
-              </a:lnSpc>
-            </a:pPr>
-            <a:r>
-              <a:rPr lang="pt-BR" sz="3200" spc="-1" dirty="0" err="1" smtClean="0">
-                <a:uFill>
-                  <a:solidFill>
-                    <a:srgbClr val="FFFFFF"/>
-                  </a:solidFill>
-                </a:uFill>
-                <a:latin typeface="Arial"/>
-              </a:rPr>
-              <a:t>git</a:t>
-            </a:r>
-            <a:r>
-              <a:rPr lang="pt-BR" sz="3200" spc="-1" dirty="0" smtClean="0">
-                <a:uFill>
-                  <a:solidFill>
-                    <a:srgbClr val="FFFFFF"/>
-                  </a:solidFill>
-                </a:uFill>
-                <a:latin typeface="Arial"/>
-              </a:rPr>
-              <a:t> </a:t>
-            </a:r>
-            <a:r>
-              <a:rPr lang="pt-BR" sz="3200" spc="-1" dirty="0" err="1" smtClean="0">
-                <a:uFill>
-                  <a:solidFill>
-                    <a:srgbClr val="FFFFFF"/>
-                  </a:solidFill>
-                </a:uFill>
-                <a:latin typeface="Arial"/>
-              </a:rPr>
-              <a:t>commit</a:t>
-            </a:r>
-            <a:r>
-              <a:rPr lang="pt-BR" sz="3200" spc="-1" dirty="0" smtClean="0">
-                <a:uFill>
-                  <a:solidFill>
-                    <a:srgbClr val="FFFFFF"/>
-                  </a:solidFill>
-                </a:uFill>
-                <a:latin typeface="Arial"/>
-              </a:rPr>
-              <a:t> –m “mensagem”</a:t>
-            </a:r>
-          </a:p>
-          <a:p>
-            <a:pPr>
-              <a:lnSpc>
-                <a:spcPct val="90000"/>
-              </a:lnSpc>
-            </a:pPr>
-            <a:endParaRPr lang="pt-BR" sz="3200" spc="-1" dirty="0">
-              <a:uFill>
-                <a:solidFill>
-                  <a:srgbClr val="FFFFFF"/>
-                </a:solidFill>
-              </a:uFill>
-              <a:latin typeface="Arial"/>
-            </a:endParaRPr>
-          </a:p>
-          <a:p>
-            <a:pPr>
-              <a:lnSpc>
-                <a:spcPct val="90000"/>
-              </a:lnSpc>
-            </a:pPr>
-            <a:r>
-              <a:rPr lang="pt-BR" sz="3200" spc="-1" dirty="0" err="1" smtClean="0">
-                <a:uFill>
-                  <a:solidFill>
-                    <a:srgbClr val="FFFFFF"/>
-                  </a:solidFill>
-                </a:uFill>
-                <a:latin typeface="Arial"/>
-              </a:rPr>
-              <a:t>git</a:t>
-            </a:r>
-            <a:r>
-              <a:rPr lang="pt-BR" sz="3200" spc="-1" dirty="0" smtClean="0">
-                <a:uFill>
-                  <a:solidFill>
-                    <a:srgbClr val="FFFFFF"/>
-                  </a:solidFill>
-                </a:uFill>
-                <a:latin typeface="Arial"/>
-              </a:rPr>
-              <a:t> </a:t>
-            </a:r>
-            <a:r>
-              <a:rPr lang="pt-BR" sz="3200" spc="-1" dirty="0" err="1" smtClean="0">
-                <a:uFill>
-                  <a:solidFill>
-                    <a:srgbClr val="FFFFFF"/>
-                  </a:solidFill>
-                </a:uFill>
-                <a:latin typeface="Arial"/>
-              </a:rPr>
-              <a:t>commit</a:t>
-            </a:r>
-            <a:r>
-              <a:rPr lang="pt-BR" sz="3200" spc="-1" dirty="0" smtClean="0">
-                <a:uFill>
-                  <a:solidFill>
-                    <a:srgbClr val="FFFFFF"/>
-                  </a:solidFill>
-                </a:uFill>
-                <a:latin typeface="Arial"/>
-              </a:rPr>
-              <a:t> --</a:t>
-            </a:r>
-            <a:r>
-              <a:rPr lang="pt-BR" sz="3200" spc="-1" dirty="0" err="1" smtClean="0">
-                <a:uFill>
-                  <a:solidFill>
-                    <a:srgbClr val="FFFFFF"/>
-                  </a:solidFill>
-                </a:uFill>
-                <a:latin typeface="Arial"/>
-              </a:rPr>
-              <a:t>amend</a:t>
-            </a:r>
-            <a:endParaRPr lang="pt-BR" sz="3200" spc="-1" dirty="0" smtClean="0">
-              <a:uFill>
-                <a:solidFill>
-                  <a:srgbClr val="FFFFFF"/>
-                </a:solidFill>
-              </a:uFill>
-              <a:latin typeface="Arial"/>
-            </a:endParaRPr>
-          </a:p>
-          <a:p>
-            <a:pPr>
-              <a:lnSpc>
-                <a:spcPct val="90000"/>
-              </a:lnSpc>
-            </a:pPr>
-            <a:endParaRPr lang="pt-BR" sz="3200" spc="-1" dirty="0" smtClean="0">
-              <a:uFill>
-                <a:solidFill>
-                  <a:srgbClr val="FFFFFF"/>
-                </a:solidFill>
-              </a:uFill>
-              <a:latin typeface="Arial"/>
-            </a:endParaRPr>
-          </a:p>
-          <a:p>
-            <a:pPr>
-              <a:lnSpc>
-                <a:spcPct val="90000"/>
-              </a:lnSpc>
-            </a:pPr>
-            <a:r>
-              <a:rPr lang="pt-BR" sz="3200" spc="-1" dirty="0" err="1" smtClean="0">
-                <a:uFill>
-                  <a:solidFill>
-                    <a:srgbClr val="FFFFFF"/>
-                  </a:solidFill>
-                </a:uFill>
-                <a:latin typeface="Arial"/>
-              </a:rPr>
-              <a:t>git</a:t>
-            </a:r>
-            <a:r>
-              <a:rPr lang="pt-BR" sz="3200" spc="-1" dirty="0" smtClean="0">
-                <a:uFill>
-                  <a:solidFill>
-                    <a:srgbClr val="FFFFFF"/>
-                  </a:solidFill>
-                </a:uFill>
-                <a:latin typeface="Arial"/>
-              </a:rPr>
-              <a:t> </a:t>
-            </a:r>
-            <a:r>
-              <a:rPr lang="pt-BR" sz="3200" spc="-1" dirty="0" err="1" smtClean="0">
-                <a:uFill>
-                  <a:solidFill>
-                    <a:srgbClr val="FFFFFF"/>
-                  </a:solidFill>
-                </a:uFill>
-                <a:latin typeface="Arial"/>
-              </a:rPr>
-              <a:t>replace</a:t>
-            </a:r>
-            <a:r>
-              <a:rPr lang="pt-BR" sz="3200" spc="-1" dirty="0" smtClean="0">
-                <a:uFill>
-                  <a:solidFill>
-                    <a:srgbClr val="FFFFFF"/>
-                  </a:solidFill>
-                </a:uFill>
-                <a:latin typeface="Arial"/>
-              </a:rPr>
-              <a:t> &lt;</a:t>
-            </a:r>
-            <a:r>
-              <a:rPr lang="pt-BR" sz="3200" spc="-1" dirty="0">
-                <a:uFill>
-                  <a:solidFill>
-                    <a:srgbClr val="FFFFFF"/>
-                  </a:solidFill>
-                </a:uFill>
-                <a:latin typeface="Arial"/>
-              </a:rPr>
-              <a:t>commitSHA-1Para</a:t>
-            </a:r>
-            <a:r>
-              <a:rPr lang="pt-BR" sz="3200" spc="-1" dirty="0" smtClean="0">
-                <a:uFill>
-                  <a:solidFill>
-                    <a:srgbClr val="FFFFFF"/>
-                  </a:solidFill>
-                </a:uFill>
-                <a:latin typeface="Arial"/>
-              </a:rPr>
-              <a:t>&gt; &lt;</a:t>
-            </a:r>
-            <a:r>
-              <a:rPr lang="pt-BR" sz="3200" spc="-1" dirty="0">
-                <a:uFill>
-                  <a:solidFill>
-                    <a:srgbClr val="FFFFFF"/>
-                  </a:solidFill>
-                </a:uFill>
-                <a:latin typeface="Arial"/>
-              </a:rPr>
-              <a:t>commitSHA-1De</a:t>
-            </a:r>
-            <a:r>
-              <a:rPr lang="pt-BR" sz="3200" spc="-1" dirty="0" smtClean="0">
-                <a:uFill>
-                  <a:solidFill>
-                    <a:srgbClr val="FFFFFF"/>
-                  </a:solidFill>
-                </a:uFill>
-                <a:latin typeface="Arial"/>
-              </a:rPr>
-              <a:t>&gt;</a:t>
-            </a:r>
-          </a:p>
-          <a:p>
-            <a:pPr>
-              <a:lnSpc>
-                <a:spcPct val="90000"/>
-              </a:lnSpc>
-            </a:pPr>
-            <a:endParaRPr lang="pt-BR" sz="3200" spc="-1" dirty="0">
-              <a:uFill>
-                <a:solidFill>
-                  <a:srgbClr val="FFFFFF"/>
-                </a:solidFill>
-              </a:uFill>
-              <a:latin typeface="Arial"/>
-            </a:endParaRPr>
-          </a:p>
-          <a:p>
-            <a:pPr>
-              <a:lnSpc>
-                <a:spcPct val="90000"/>
-              </a:lnSpc>
-            </a:pPr>
-            <a:r>
-              <a:rPr lang="pt-BR" sz="3200" spc="-1" dirty="0" err="1" smtClean="0">
-                <a:uFill>
-                  <a:solidFill>
-                    <a:srgbClr val="FFFFFF"/>
-                  </a:solidFill>
-                </a:uFill>
-                <a:latin typeface="Arial"/>
-              </a:rPr>
-              <a:t>git</a:t>
-            </a:r>
-            <a:r>
-              <a:rPr lang="pt-BR" sz="3200" spc="-1" dirty="0" smtClean="0">
-                <a:uFill>
-                  <a:solidFill>
-                    <a:srgbClr val="FFFFFF"/>
-                  </a:solidFill>
-                </a:uFill>
-                <a:latin typeface="Arial"/>
-              </a:rPr>
-              <a:t> </a:t>
-            </a:r>
-            <a:r>
-              <a:rPr lang="pt-BR" sz="3200" spc="-1" dirty="0" err="1" smtClean="0">
-                <a:uFill>
-                  <a:solidFill>
-                    <a:srgbClr val="FFFFFF"/>
-                  </a:solidFill>
-                </a:uFill>
-                <a:latin typeface="Arial"/>
-              </a:rPr>
-              <a:t>revert</a:t>
-            </a:r>
-            <a:r>
-              <a:rPr lang="pt-BR" sz="3200" spc="-1" dirty="0" smtClean="0">
-                <a:uFill>
-                  <a:solidFill>
-                    <a:srgbClr val="FFFFFF"/>
-                  </a:solidFill>
-                </a:uFill>
-                <a:latin typeface="Arial"/>
-              </a:rPr>
-              <a:t> &lt;commitSHA-1&gt; </a:t>
-            </a:r>
-            <a:endParaRPr lang="pt-BR" sz="3200" spc="-1" dirty="0" smtClean="0">
-              <a:uFill>
-                <a:solidFill>
-                  <a:srgbClr val="FFFFFF"/>
-                </a:solidFill>
-              </a:uFill>
-              <a:latin typeface="Arial"/>
-            </a:endParaRPr>
-          </a:p>
-          <a:p>
-            <a:pPr>
-              <a:lnSpc>
-                <a:spcPct val="90000"/>
-              </a:lnSpc>
-            </a:pPr>
-            <a:endParaRPr lang="pt-BR" sz="3200" spc="-1" dirty="0" smtClean="0">
-              <a:uFill>
-                <a:solidFill>
-                  <a:srgbClr val="FFFFFF"/>
-                </a:solidFill>
-              </a:uFill>
-              <a:latin typeface="Arial"/>
-            </a:endParaRPr>
-          </a:p>
-        </p:txBody>
-      </p:sp>
-    </p:spTree>
-    <p:extLst>
-      <p:ext uri="{BB962C8B-B14F-4D97-AF65-F5344CB8AC3E}">
-        <p14:creationId xmlns:p14="http://schemas.microsoft.com/office/powerpoint/2010/main" val="28021659"/>
-      </p:ext>
-    </p:extLst>
-  </p:cSld>
-  <p:clrMapOvr>
-    <a:masterClrMapping/>
-  </p:clrMapOvr>
-  <p:timing>
-    <p:tnLst>
-      <p:par>
-        <p:cTn id="1" dur="indefinite" restart="never" nodeType="tmRoot">
-          <p:childTnLst>
-            <p:seq>
-              <p:cTn id="2" nodeType="mainSeq"/>
-              <p:prevCondLst>
-                <p:cond evt="onPrev" delay="0">
-                  <p:tgtEl>
-                    <p:sldTgt/>
-                  </p:tgtEl>
-                </p:cond>
-              </p:prevCondLst>
-              <p:nextCondLst>
-                <p:cond evt="onNext" delay="0">
-                  <p:tgtEl>
-                    <p:sldTgt/>
-                  </p:tgtEl>
-                </p:cond>
-              </p:nextCondLst>
-            </p:seq>
-          </p:childTnLst>
-        </p:cTn>
-      </p:par>
-    </p:tnLst>
-  </p:timing>
-</p:sld>
-</file>
-
-<file path=ppt/slides/slide17.xml><?xml version="1.0" encoding="utf-8"?>
-<p:sld xmlns:a="http://schemas.openxmlformats.org/drawingml/2006/main" xmlns:r="http://schemas.openxmlformats.org/officeDocument/2006/relationships" xmlns:p="http://schemas.openxmlformats.org/presentationml/2006/main">
-  <p:cSld>
-    <p:spTree>
-      <p:nvGrpSpPr>
-        <p:cNvPr id="1" name=""/>
-        <p:cNvGrpSpPr/>
-        <p:nvPr/>
-      </p:nvGrpSpPr>
-      <p:grpSpPr>
-        <a:xfrm>
-          <a:off x="0" y="0"/>
-          <a:ext cx="0" cy="0"/>
-          <a:chOff x="0" y="0"/>
-          <a:chExt cx="0" cy="0"/>
-        </a:xfrm>
-      </p:grpSpPr>
-      <p:sp>
-        <p:nvSpPr>
-          <p:cNvPr id="177" name="CustomShape 1"/>
-          <p:cNvSpPr/>
-          <p:nvPr/>
-        </p:nvSpPr>
-        <p:spPr>
-          <a:xfrm>
-            <a:off x="217800" y="-18720"/>
-            <a:ext cx="10513440" cy="1323360"/>
-          </a:xfrm>
-          <a:prstGeom prst="rect">
-            <a:avLst/>
-          </a:prstGeom>
-          <a:noFill/>
-          <a:ln>
-            <a:noFill/>
-          </a:ln>
-        </p:spPr>
-        <p:style>
-          <a:lnRef idx="0">
-            <a:scrgbClr r="0" g="0" b="0"/>
-          </a:lnRef>
-          <a:fillRef idx="0">
-            <a:scrgbClr r="0" g="0" b="0"/>
-          </a:fillRef>
-          <a:effectRef idx="0">
-            <a:scrgbClr r="0" g="0" b="0"/>
-          </a:effectRef>
-          <a:fontRef idx="minor"/>
-        </p:style>
-        <p:txBody>
-          <a:bodyPr lIns="90000" tIns="45000" rIns="90000" bIns="45000" anchor="ctr"/>
-          <a:lstStyle/>
-          <a:p>
-            <a:pPr>
-              <a:lnSpc>
-                <a:spcPct val="100000"/>
-              </a:lnSpc>
-            </a:pPr>
-            <a:r>
-              <a:rPr lang="pt-BR" sz="3200" b="1" spc="-1" dirty="0" err="1">
-                <a:uFill>
-                  <a:solidFill>
-                    <a:srgbClr val="FFFFFF"/>
-                  </a:solidFill>
-                </a:uFill>
-                <a:latin typeface="Arial" panose="020B0604020202020204" pitchFamily="34" charset="0"/>
-                <a:ea typeface="DejaVu Sans"/>
-                <a:cs typeface="Arial" panose="020B0604020202020204" pitchFamily="34" charset="0"/>
-              </a:rPr>
-              <a:t>g</a:t>
-            </a:r>
-            <a:r>
-              <a:rPr lang="pt-BR" sz="3200" b="1" strike="noStrike" spc="-1" dirty="0" err="1" smtClean="0">
-                <a:uFill>
-                  <a:solidFill>
-                    <a:srgbClr val="FFFFFF"/>
-                  </a:solidFill>
-                </a:uFill>
-                <a:latin typeface="Arial" panose="020B0604020202020204" pitchFamily="34" charset="0"/>
-                <a:ea typeface="DejaVu Sans"/>
-                <a:cs typeface="Arial" panose="020B0604020202020204" pitchFamily="34" charset="0"/>
-              </a:rPr>
-              <a:t>it</a:t>
-            </a:r>
-            <a:r>
-              <a:rPr lang="pt-BR" sz="3200" b="1" strike="noStrike" spc="-1" dirty="0" smtClean="0">
-                <a:uFill>
-                  <a:solidFill>
-                    <a:srgbClr val="FFFFFF"/>
-                  </a:solidFill>
-                </a:uFill>
-                <a:latin typeface="Arial" panose="020B0604020202020204" pitchFamily="34" charset="0"/>
-                <a:ea typeface="DejaVu Sans"/>
-                <a:cs typeface="Arial" panose="020B0604020202020204" pitchFamily="34" charset="0"/>
-              </a:rPr>
-              <a:t> </a:t>
-            </a:r>
-            <a:r>
-              <a:rPr lang="pt-BR" sz="3200" b="1" strike="noStrike" spc="-1" dirty="0" err="1" smtClean="0">
-                <a:uFill>
-                  <a:solidFill>
-                    <a:srgbClr val="FFFFFF"/>
-                  </a:solidFill>
-                </a:uFill>
-                <a:latin typeface="Arial" panose="020B0604020202020204" pitchFamily="34" charset="0"/>
-                <a:ea typeface="DejaVu Sans"/>
-                <a:cs typeface="Arial" panose="020B0604020202020204" pitchFamily="34" charset="0"/>
-              </a:rPr>
-              <a:t>push</a:t>
-            </a:r>
-            <a:endParaRPr lang="pt-BR" sz="1800" b="1" strike="noStrike" spc="-1" dirty="0">
-              <a:uFill>
-                <a:solidFill>
-                  <a:srgbClr val="FFFFFF"/>
-                </a:solidFill>
-              </a:uFill>
-              <a:latin typeface="Arial" panose="020B0604020202020204" pitchFamily="34" charset="0"/>
-              <a:cs typeface="Arial" panose="020B0604020202020204" pitchFamily="34" charset="0"/>
-            </a:endParaRPr>
-          </a:p>
-        </p:txBody>
-      </p:sp>
-      <p:sp>
-        <p:nvSpPr>
-          <p:cNvPr id="3" name="CustomShape 2"/>
-          <p:cNvSpPr/>
-          <p:nvPr/>
-        </p:nvSpPr>
-        <p:spPr>
-          <a:xfrm>
-            <a:off x="334800" y="1649192"/>
-            <a:ext cx="11543400" cy="2067840"/>
-          </a:xfrm>
-          <a:prstGeom prst="rect">
-            <a:avLst/>
-          </a:prstGeom>
-          <a:noFill/>
-          <a:ln>
-            <a:noFill/>
-          </a:ln>
-        </p:spPr>
-        <p:style>
-          <a:lnRef idx="0">
-            <a:scrgbClr r="0" g="0" b="0"/>
-          </a:lnRef>
-          <a:fillRef idx="0">
-            <a:scrgbClr r="0" g="0" b="0"/>
-          </a:fillRef>
-          <a:effectRef idx="0">
-            <a:scrgbClr r="0" g="0" b="0"/>
-          </a:effectRef>
-          <a:fontRef idx="minor"/>
-        </p:style>
-        <p:txBody>
-          <a:bodyPr lIns="90000" tIns="45000" rIns="90000" bIns="45000"/>
-          <a:lstStyle/>
-          <a:p>
-            <a:pPr marL="2160">
-              <a:lnSpc>
-                <a:spcPct val="90000"/>
-              </a:lnSpc>
-              <a:buClr>
-                <a:srgbClr val="808080"/>
-              </a:buClr>
-            </a:pPr>
-            <a:endParaRPr lang="pt-BR" sz="1800" b="0" strike="noStrike" spc="-1" dirty="0" smtClean="0">
-              <a:solidFill>
-                <a:srgbClr val="000000"/>
-              </a:solidFill>
-              <a:uFill>
-                <a:solidFill>
-                  <a:srgbClr val="FFFFFF"/>
-                </a:solidFill>
-              </a:uFill>
-              <a:latin typeface="Arial"/>
-            </a:endParaRPr>
-          </a:p>
-          <a:p>
-            <a:pPr>
-              <a:lnSpc>
-                <a:spcPct val="90000"/>
-              </a:lnSpc>
-            </a:pPr>
-            <a:r>
-              <a:rPr lang="pt-BR" sz="3200" spc="-1" dirty="0" err="1">
-                <a:uFill>
-                  <a:solidFill>
-                    <a:srgbClr val="FFFFFF"/>
-                  </a:solidFill>
-                </a:uFill>
-                <a:latin typeface="Arial"/>
-              </a:rPr>
-              <a:t>g</a:t>
-            </a:r>
-            <a:r>
-              <a:rPr lang="pt-BR" sz="3200" spc="-1" dirty="0" err="1" smtClean="0">
-                <a:uFill>
-                  <a:solidFill>
-                    <a:srgbClr val="FFFFFF"/>
-                  </a:solidFill>
-                </a:uFill>
-                <a:latin typeface="Arial"/>
-              </a:rPr>
-              <a:t>it</a:t>
-            </a:r>
-            <a:r>
-              <a:rPr lang="pt-BR" sz="3200" spc="-1" dirty="0" smtClean="0">
-                <a:uFill>
-                  <a:solidFill>
-                    <a:srgbClr val="FFFFFF"/>
-                  </a:solidFill>
-                </a:uFill>
-                <a:latin typeface="Arial"/>
-              </a:rPr>
-              <a:t> </a:t>
-            </a:r>
-            <a:r>
-              <a:rPr lang="pt-BR" sz="3200" spc="-1" dirty="0" err="1" smtClean="0">
-                <a:uFill>
-                  <a:solidFill>
-                    <a:srgbClr val="FFFFFF"/>
-                  </a:solidFill>
-                </a:uFill>
-                <a:latin typeface="Arial"/>
-              </a:rPr>
-              <a:t>push</a:t>
-            </a:r>
-            <a:r>
-              <a:rPr lang="pt-BR" sz="3200" spc="-1" dirty="0" smtClean="0">
-                <a:uFill>
-                  <a:solidFill>
-                    <a:srgbClr val="FFFFFF"/>
-                  </a:solidFill>
-                </a:uFill>
-                <a:latin typeface="Arial"/>
-              </a:rPr>
-              <a:t> </a:t>
-            </a:r>
-            <a:r>
-              <a:rPr lang="pt-BR" sz="3200" spc="-1" dirty="0" err="1" smtClean="0">
-                <a:uFill>
-                  <a:solidFill>
-                    <a:srgbClr val="FFFFFF"/>
-                  </a:solidFill>
-                </a:uFill>
-                <a:latin typeface="Arial"/>
-              </a:rPr>
-              <a:t>origin</a:t>
-            </a:r>
-            <a:r>
-              <a:rPr lang="pt-BR" sz="3200" spc="-1" dirty="0" smtClean="0">
-                <a:uFill>
-                  <a:solidFill>
-                    <a:srgbClr val="FFFFFF"/>
-                  </a:solidFill>
-                </a:uFill>
-                <a:latin typeface="Arial"/>
-              </a:rPr>
-              <a:t> </a:t>
-            </a:r>
-            <a:r>
-              <a:rPr lang="pt-BR" sz="3200" spc="-1" dirty="0" err="1" smtClean="0">
-                <a:uFill>
-                  <a:solidFill>
-                    <a:srgbClr val="FFFFFF"/>
-                  </a:solidFill>
-                </a:uFill>
-                <a:latin typeface="Arial"/>
-              </a:rPr>
-              <a:t>master</a:t>
-            </a:r>
-            <a:r>
-              <a:rPr lang="pt-BR" sz="3200" spc="-1" dirty="0" smtClean="0">
-                <a:uFill>
-                  <a:solidFill>
-                    <a:srgbClr val="FFFFFF"/>
-                  </a:solidFill>
-                </a:uFill>
-                <a:latin typeface="Arial"/>
-              </a:rPr>
-              <a:t> </a:t>
-            </a:r>
-          </a:p>
-          <a:p>
-            <a:pPr>
-              <a:lnSpc>
-                <a:spcPct val="90000"/>
-              </a:lnSpc>
-            </a:pPr>
-            <a:endParaRPr lang="pt-BR" sz="3200" spc="-1" dirty="0" smtClean="0">
-              <a:uFill>
-                <a:solidFill>
-                  <a:srgbClr val="FFFFFF"/>
-                </a:solidFill>
-              </a:uFill>
-              <a:latin typeface="Arial"/>
-            </a:endParaRPr>
-          </a:p>
-        </p:txBody>
-      </p:sp>
-    </p:spTree>
-    <p:extLst>
-      <p:ext uri="{BB962C8B-B14F-4D97-AF65-F5344CB8AC3E}">
-        <p14:creationId xmlns:p14="http://schemas.microsoft.com/office/powerpoint/2010/main" val="1176323902"/>
-      </p:ext>
-    </p:extLst>
-  </p:cSld>
-  <p:clrMapOvr>
-    <a:masterClrMapping/>
-  </p:clrMapOvr>
-  <p:timing>
-    <p:tnLst>
-      <p:par>
-        <p:cTn id="1" dur="indefinite" restart="never" nodeType="tmRoot">
-          <p:childTnLst>
-            <p:seq>
-              <p:cTn id="2" nodeType="mainSeq"/>
-              <p:prevCondLst>
-                <p:cond evt="onPrev" delay="0">
-                  <p:tgtEl>
-                    <p:sldTgt/>
-                  </p:tgtEl>
-                </p:cond>
-              </p:prevCondLst>
-              <p:nextCondLst>
-                <p:cond evt="onNext" delay="0">
-                  <p:tgtEl>
-                    <p:sldTgt/>
-                  </p:tgtEl>
-                </p:cond>
-              </p:nextCondLst>
-            </p:seq>
-          </p:childTnLst>
-        </p:cTn>
-      </p:par>
-    </p:tnLst>
-  </p:timing>
-</p:sld>
-</file>
-
-<file path=ppt/slides/slide18.xml><?xml version="1.0" encoding="utf-8"?>
-<p:sld xmlns:a="http://schemas.openxmlformats.org/drawingml/2006/main" xmlns:r="http://schemas.openxmlformats.org/officeDocument/2006/relationships" xmlns:p="http://schemas.openxmlformats.org/presentationml/2006/main">
-  <p:cSld>
-    <p:spTree>
-      <p:nvGrpSpPr>
-        <p:cNvPr id="1" name=""/>
-        <p:cNvGrpSpPr/>
-        <p:nvPr/>
-      </p:nvGrpSpPr>
-      <p:grpSpPr>
-        <a:xfrm>
-          <a:off x="0" y="0"/>
-          <a:ext cx="0" cy="0"/>
-          <a:chOff x="0" y="0"/>
-          <a:chExt cx="0" cy="0"/>
-        </a:xfrm>
-      </p:grpSpPr>
-      <p:sp>
-        <p:nvSpPr>
-          <p:cNvPr id="177" name="CustomShape 1"/>
-          <p:cNvSpPr/>
-          <p:nvPr/>
-        </p:nvSpPr>
-        <p:spPr>
-          <a:xfrm>
-            <a:off x="217800" y="-18720"/>
-            <a:ext cx="10513440" cy="1323360"/>
-          </a:xfrm>
-          <a:prstGeom prst="rect">
-            <a:avLst/>
-          </a:prstGeom>
-          <a:noFill/>
-          <a:ln>
-            <a:noFill/>
-          </a:ln>
-        </p:spPr>
-        <p:style>
-          <a:lnRef idx="0">
-            <a:scrgbClr r="0" g="0" b="0"/>
-          </a:lnRef>
-          <a:fillRef idx="0">
-            <a:scrgbClr r="0" g="0" b="0"/>
-          </a:fillRef>
-          <a:effectRef idx="0">
-            <a:scrgbClr r="0" g="0" b="0"/>
-          </a:effectRef>
-          <a:fontRef idx="minor"/>
-        </p:style>
-        <p:txBody>
-          <a:bodyPr lIns="90000" tIns="45000" rIns="90000" bIns="45000" anchor="ctr"/>
-          <a:lstStyle/>
-          <a:p>
-            <a:pPr>
-              <a:lnSpc>
-                <a:spcPct val="100000"/>
-              </a:lnSpc>
-            </a:pPr>
-            <a:r>
-              <a:rPr lang="pt-BR" sz="3200" b="1" spc="-1" dirty="0" err="1" smtClean="0">
-                <a:uFill>
-                  <a:solidFill>
-                    <a:srgbClr val="FFFFFF"/>
-                  </a:solidFill>
-                </a:uFill>
-                <a:latin typeface="Arial" panose="020B0604020202020204" pitchFamily="34" charset="0"/>
-                <a:ea typeface="DejaVu Sans"/>
-                <a:cs typeface="Arial" panose="020B0604020202020204" pitchFamily="34" charset="0"/>
-              </a:rPr>
-              <a:t>Credentials</a:t>
-            </a:r>
-            <a:endParaRPr lang="pt-BR" sz="1800" b="1" strike="noStrike" spc="-1" dirty="0">
-              <a:uFill>
-                <a:solidFill>
-                  <a:srgbClr val="FFFFFF"/>
-                </a:solidFill>
-              </a:uFill>
-              <a:latin typeface="Arial" panose="020B0604020202020204" pitchFamily="34" charset="0"/>
-              <a:cs typeface="Arial" panose="020B0604020202020204" pitchFamily="34" charset="0"/>
-            </a:endParaRPr>
-          </a:p>
-        </p:txBody>
-      </p:sp>
-      <p:sp>
-        <p:nvSpPr>
-          <p:cNvPr id="3" name="CustomShape 2"/>
-          <p:cNvSpPr/>
-          <p:nvPr/>
-        </p:nvSpPr>
-        <p:spPr>
-          <a:xfrm>
-            <a:off x="334800" y="1649192"/>
-            <a:ext cx="11543400" cy="2067840"/>
-          </a:xfrm>
-          <a:prstGeom prst="rect">
-            <a:avLst/>
-          </a:prstGeom>
-          <a:noFill/>
-          <a:ln>
-            <a:noFill/>
-          </a:ln>
-        </p:spPr>
-        <p:style>
-          <a:lnRef idx="0">
-            <a:scrgbClr r="0" g="0" b="0"/>
-          </a:lnRef>
-          <a:fillRef idx="0">
-            <a:scrgbClr r="0" g="0" b="0"/>
-          </a:fillRef>
-          <a:effectRef idx="0">
-            <a:scrgbClr r="0" g="0" b="0"/>
-          </a:effectRef>
-          <a:fontRef idx="minor"/>
-        </p:style>
-        <p:txBody>
-          <a:bodyPr lIns="90000" tIns="45000" rIns="90000" bIns="45000"/>
-          <a:lstStyle/>
-          <a:p>
-            <a:pPr marL="2160">
-              <a:lnSpc>
-                <a:spcPct val="90000"/>
-              </a:lnSpc>
-              <a:buClr>
-                <a:srgbClr val="808080"/>
-              </a:buClr>
-            </a:pPr>
-            <a:endParaRPr lang="pt-BR" sz="1800" b="0" strike="noStrike" spc="-1" dirty="0" smtClean="0">
-              <a:solidFill>
-                <a:srgbClr val="000000"/>
-              </a:solidFill>
-              <a:uFill>
-                <a:solidFill>
-                  <a:srgbClr val="FFFFFF"/>
-                </a:solidFill>
-              </a:uFill>
-              <a:latin typeface="Arial"/>
-            </a:endParaRPr>
-          </a:p>
-          <a:p>
-            <a:pPr>
-              <a:lnSpc>
-                <a:spcPct val="90000"/>
-              </a:lnSpc>
-            </a:pPr>
-            <a:r>
-              <a:rPr lang="pt-BR" sz="3200" spc="-1" dirty="0" err="1">
-                <a:uFill>
-                  <a:solidFill>
-                    <a:srgbClr val="FFFFFF"/>
-                  </a:solidFill>
-                </a:uFill>
-                <a:latin typeface="Arial"/>
-              </a:rPr>
-              <a:t>git</a:t>
-            </a:r>
-            <a:r>
-              <a:rPr lang="pt-BR" sz="3200" spc="-1" dirty="0">
-                <a:uFill>
-                  <a:solidFill>
-                    <a:srgbClr val="FFFFFF"/>
-                  </a:solidFill>
-                </a:uFill>
-                <a:latin typeface="Arial"/>
-              </a:rPr>
-              <a:t> </a:t>
-            </a:r>
-            <a:r>
-              <a:rPr lang="pt-BR" sz="3200" spc="-1" dirty="0" err="1">
-                <a:uFill>
-                  <a:solidFill>
-                    <a:srgbClr val="FFFFFF"/>
-                  </a:solidFill>
-                </a:uFill>
-                <a:latin typeface="Arial"/>
-              </a:rPr>
-              <a:t>config</a:t>
-            </a:r>
-            <a:r>
-              <a:rPr lang="pt-BR" sz="3200" spc="-1" dirty="0">
-                <a:uFill>
-                  <a:solidFill>
-                    <a:srgbClr val="FFFFFF"/>
-                  </a:solidFill>
-                </a:uFill>
-                <a:latin typeface="Arial"/>
-              </a:rPr>
-              <a:t> </a:t>
-            </a:r>
-            <a:r>
-              <a:rPr lang="pt-BR" sz="3200" spc="-1" dirty="0" err="1">
-                <a:uFill>
-                  <a:solidFill>
-                    <a:srgbClr val="FFFFFF"/>
-                  </a:solidFill>
-                </a:uFill>
-                <a:latin typeface="Arial"/>
-              </a:rPr>
-              <a:t>credential.helper</a:t>
-            </a:r>
-            <a:r>
-              <a:rPr lang="pt-BR" sz="3200" spc="-1" dirty="0">
-                <a:uFill>
-                  <a:solidFill>
-                    <a:srgbClr val="FFFFFF"/>
-                  </a:solidFill>
-                </a:uFill>
-                <a:latin typeface="Arial"/>
-              </a:rPr>
-              <a:t> </a:t>
-            </a:r>
-            <a:r>
-              <a:rPr lang="pt-BR" sz="3200" spc="-1" dirty="0" err="1">
-                <a:uFill>
-                  <a:solidFill>
-                    <a:srgbClr val="FFFFFF"/>
-                  </a:solidFill>
-                </a:uFill>
-                <a:latin typeface="Arial"/>
-              </a:rPr>
-              <a:t>store</a:t>
-            </a:r>
-            <a:endParaRPr lang="pt-BR" sz="3200" spc="-1" dirty="0" smtClean="0">
-              <a:uFill>
-                <a:solidFill>
-                  <a:srgbClr val="FFFFFF"/>
-                </a:solidFill>
-              </a:uFill>
-              <a:latin typeface="Arial"/>
-            </a:endParaRPr>
-          </a:p>
-        </p:txBody>
-      </p:sp>
-    </p:spTree>
-    <p:extLst>
-      <p:ext uri="{BB962C8B-B14F-4D97-AF65-F5344CB8AC3E}">
-        <p14:creationId xmlns:p14="http://schemas.microsoft.com/office/powerpoint/2010/main" val="4244716049"/>
-      </p:ext>
-    </p:extLst>
-  </p:cSld>
-  <p:clrMapOvr>
-    <a:masterClrMapping/>
-  </p:clrMapOvr>
-  <p:timing>
-    <p:tnLst>
-      <p:par>
-        <p:cTn id="1" dur="indefinite" restart="never" nodeType="tmRoot">
-          <p:childTnLst>
-            <p:seq>
-              <p:cTn id="2" nodeType="mainSeq"/>
-              <p:prevCondLst>
-                <p:cond evt="onPrev" delay="0">
-                  <p:tgtEl>
-                    <p:sldTgt/>
-                  </p:tgtEl>
-                </p:cond>
-              </p:prevCondLst>
-              <p:nextCondLst>
-                <p:cond evt="onNext" delay="0">
-                  <p:tgtEl>
-                    <p:sldTgt/>
-                  </p:tgtEl>
-                </p:cond>
-              </p:nextCondLst>
-            </p:seq>
-          </p:childTnLst>
-        </p:cTn>
-      </p:par>
-    </p:tnLst>
-  </p:timing>
-</p:sld>
-</file>
-
-<file path=ppt/slides/slide19.xml><?xml version="1.0" encoding="utf-8"?>
-<p:sld xmlns:a="http://schemas.openxmlformats.org/drawingml/2006/main" xmlns:r="http://schemas.openxmlformats.org/officeDocument/2006/relationships" xmlns:p="http://schemas.openxmlformats.org/presentationml/2006/main">
-  <p:cSld>
-    <p:spTree>
-      <p:nvGrpSpPr>
-        <p:cNvPr id="1" name=""/>
-        <p:cNvGrpSpPr/>
-        <p:nvPr/>
-      </p:nvGrpSpPr>
-      <p:grpSpPr>
-        <a:xfrm>
-          <a:off x="0" y="0"/>
-          <a:ext cx="0" cy="0"/>
-          <a:chOff x="0" y="0"/>
-          <a:chExt cx="0" cy="0"/>
-        </a:xfrm>
-      </p:grpSpPr>
-      <p:sp>
-        <p:nvSpPr>
-          <p:cNvPr id="177" name="CustomShape 1"/>
-          <p:cNvSpPr/>
-          <p:nvPr/>
-        </p:nvSpPr>
-        <p:spPr>
-          <a:xfrm>
-            <a:off x="217800" y="-18720"/>
-            <a:ext cx="10513440" cy="1323360"/>
-          </a:xfrm>
-          <a:prstGeom prst="rect">
-            <a:avLst/>
-          </a:prstGeom>
-          <a:noFill/>
-          <a:ln>
-            <a:noFill/>
-          </a:ln>
-        </p:spPr>
-        <p:style>
-          <a:lnRef idx="0">
-            <a:scrgbClr r="0" g="0" b="0"/>
-          </a:lnRef>
-          <a:fillRef idx="0">
-            <a:scrgbClr r="0" g="0" b="0"/>
-          </a:fillRef>
-          <a:effectRef idx="0">
-            <a:scrgbClr r="0" g="0" b="0"/>
-          </a:effectRef>
-          <a:fontRef idx="minor"/>
-        </p:style>
-        <p:txBody>
-          <a:bodyPr lIns="90000" tIns="45000" rIns="90000" bIns="45000" anchor="ctr"/>
-          <a:lstStyle/>
-          <a:p>
-            <a:pPr>
-              <a:lnSpc>
-                <a:spcPct val="100000"/>
-              </a:lnSpc>
-            </a:pPr>
-            <a:r>
-              <a:rPr lang="pt-BR" sz="3200" b="1" spc="-1" dirty="0" err="1">
-                <a:uFill>
-                  <a:solidFill>
-                    <a:srgbClr val="FFFFFF"/>
-                  </a:solidFill>
-                </a:uFill>
-                <a:latin typeface="Arial" panose="020B0604020202020204" pitchFamily="34" charset="0"/>
-                <a:ea typeface="DejaVu Sans"/>
-                <a:cs typeface="Arial" panose="020B0604020202020204" pitchFamily="34" charset="0"/>
-              </a:rPr>
-              <a:t>g</a:t>
-            </a:r>
-            <a:r>
-              <a:rPr lang="pt-BR" sz="3200" b="1" strike="noStrike" spc="-1" dirty="0" err="1" smtClean="0">
-                <a:uFill>
-                  <a:solidFill>
-                    <a:srgbClr val="FFFFFF"/>
-                  </a:solidFill>
-                </a:uFill>
-                <a:latin typeface="Arial" panose="020B0604020202020204" pitchFamily="34" charset="0"/>
-                <a:ea typeface="DejaVu Sans"/>
-                <a:cs typeface="Arial" panose="020B0604020202020204" pitchFamily="34" charset="0"/>
-              </a:rPr>
-              <a:t>it</a:t>
-            </a:r>
-            <a:r>
-              <a:rPr lang="pt-BR" sz="3200" b="1" strike="noStrike" spc="-1" dirty="0" smtClean="0">
-                <a:uFill>
-                  <a:solidFill>
-                    <a:srgbClr val="FFFFFF"/>
-                  </a:solidFill>
-                </a:uFill>
-                <a:latin typeface="Arial" panose="020B0604020202020204" pitchFamily="34" charset="0"/>
-                <a:ea typeface="DejaVu Sans"/>
-                <a:cs typeface="Arial" panose="020B0604020202020204" pitchFamily="34" charset="0"/>
-              </a:rPr>
-              <a:t> reset</a:t>
-            </a:r>
-            <a:endParaRPr lang="pt-BR" sz="1800" b="1" strike="noStrike" spc="-1" dirty="0">
-              <a:uFill>
-                <a:solidFill>
-                  <a:srgbClr val="FFFFFF"/>
-                </a:solidFill>
-              </a:uFill>
-              <a:latin typeface="Arial" panose="020B0604020202020204" pitchFamily="34" charset="0"/>
-              <a:cs typeface="Arial" panose="020B0604020202020204" pitchFamily="34" charset="0"/>
-            </a:endParaRPr>
-          </a:p>
-        </p:txBody>
-      </p:sp>
-      <p:pic>
-        <p:nvPicPr>
-          <p:cNvPr id="2" name="Imagem 1"/>
-          <p:cNvPicPr>
-            <a:picLocks noChangeAspect="1"/>
-          </p:cNvPicPr>
-          <p:nvPr/>
-        </p:nvPicPr>
-        <p:blipFill>
-          <a:blip r:embed="rId2">
-            <a:extLst>
-              <a:ext uri="{28A0092B-C50C-407E-A947-70E740481C1C}">
-                <a14:useLocalDpi xmlns:a14="http://schemas.microsoft.com/office/drawing/2010/main" val="0"/>
-              </a:ext>
-            </a:extLst>
-          </a:blip>
-          <a:stretch>
-            <a:fillRect/>
-          </a:stretch>
-        </p:blipFill>
-        <p:spPr>
-          <a:xfrm>
-            <a:off x="2286000" y="473918"/>
-            <a:ext cx="7620000" cy="6267450"/>
-          </a:xfrm>
-          <a:prstGeom prst="rect">
-            <a:avLst/>
-          </a:prstGeom>
-        </p:spPr>
-      </p:pic>
-    </p:spTree>
-    <p:extLst>
-      <p:ext uri="{BB962C8B-B14F-4D97-AF65-F5344CB8AC3E}">
-        <p14:creationId xmlns:p14="http://schemas.microsoft.com/office/powerpoint/2010/main" val="595801954"/>
-      </p:ext>
-    </p:extLst>
-  </p:cSld>
-  <p:clrMapOvr>
-    <a:masterClrMapping/>
-  </p:clrMapOvr>
-  <p:timing>
-    <p:tnLst>
-      <p:par>
-        <p:cTn id="1" dur="indefinite" restart="never" nodeType="tmRoot">
-          <p:childTnLst>
-            <p:seq>
-              <p:cTn id="2" nodeType="mainSeq"/>
-              <p:prevCondLst>
-                <p:cond evt="onPrev" delay="0">
-                  <p:tgtEl>
-                    <p:sldTgt/>
-                  </p:tgtEl>
-                </p:cond>
-              </p:prevCondLst>
-              <p:nextCondLst>
-                <p:cond evt="onNext" delay="0">
-                  <p:tgtEl>
-                    <p:sldTgt/>
-                  </p:tgtEl>
-                </p:cond>
-              </p:nextCondLst>
-            </p:seq>
-          </p:childTnLst>
-        </p:cTn>
-      </p:par>
-    </p:tnLst>
-  </p:timing>
-</p:sld>
-</file>
-
-<file path=ppt/slides/slide2.xml><?xml version="1.0" encoding="utf-8"?>
-<p:sld xmlns:a="http://schemas.openxmlformats.org/drawingml/2006/main" xmlns:r="http://schemas.openxmlformats.org/officeDocument/2006/relationships" xmlns:p="http://schemas.openxmlformats.org/presentationml/2006/main">
-  <p:cSld>
-    <p:spTree>
-      <p:nvGrpSpPr>
-        <p:cNvPr id="1" name=""/>
-        <p:cNvGrpSpPr/>
-        <p:nvPr/>
-      </p:nvGrpSpPr>
-      <p:grpSpPr>
-        <a:xfrm>
-          <a:off x="0" y="0"/>
-          <a:ext cx="0" cy="0"/>
-          <a:chOff x="0" y="0"/>
-          <a:chExt cx="0" cy="0"/>
-        </a:xfrm>
-      </p:grpSpPr>
-      <p:pic>
-        <p:nvPicPr>
-          <p:cNvPr id="2" name="Imagem 1"/>
-          <p:cNvPicPr preferRelativeResize="0">
-            <a:picLocks/>
-          </p:cNvPicPr>
-          <p:nvPr/>
-        </p:nvPicPr>
-        <p:blipFill>
-          <a:blip r:embed="rId3" cstate="print">
-            <a:extLst>
-              <a:ext uri="{28A0092B-C50C-407E-A947-70E740481C1C}">
-                <a14:useLocalDpi xmlns:a14="http://schemas.microsoft.com/office/drawing/2010/main" val="0"/>
-              </a:ext>
-            </a:extLst>
-          </a:blip>
-          <a:stretch>
-            <a:fillRect/>
-          </a:stretch>
-        </p:blipFill>
-        <p:spPr>
-          <a:xfrm>
-            <a:off x="0" y="0"/>
-            <a:ext cx="12192000" cy="6858000"/>
-          </a:xfrm>
-          <a:prstGeom prst="rect">
-            <a:avLst/>
-          </a:prstGeom>
-        </p:spPr>
-      </p:pic>
-    </p:spTree>
-  </p:cSld>
-  <p:clrMapOvr>
-    <a:masterClrMapping/>
-  </p:clrMapOvr>
-  <p:timing>
-    <p:tnLst>
-      <p:par>
-        <p:cTn id="1" dur="indefinite" restart="never" nodeType="tmRoot"/>
-      </p:par>
-    </p:tnLst>
-  </p:timing>
-</p:sld>
-</file>
-
-<file path=ppt/slides/slide20.xml><?xml version="1.0" encoding="utf-8"?>
-<p:sld xmlns:a="http://schemas.openxmlformats.org/drawingml/2006/main" xmlns:r="http://schemas.openxmlformats.org/officeDocument/2006/relationships" xmlns:p="http://schemas.openxmlformats.org/presentationml/2006/main">
-  <p:cSld>
-    <p:spTree>
-      <p:nvGrpSpPr>
-        <p:cNvPr id="1" name=""/>
-        <p:cNvGrpSpPr/>
-        <p:nvPr/>
-      </p:nvGrpSpPr>
-      <p:grpSpPr>
-        <a:xfrm>
-          <a:off x="0" y="0"/>
-          <a:ext cx="0" cy="0"/>
-          <a:chOff x="0" y="0"/>
-          <a:chExt cx="0" cy="0"/>
-        </a:xfrm>
-      </p:grpSpPr>
-      <p:sp>
-        <p:nvSpPr>
-          <p:cNvPr id="177" name="CustomShape 1"/>
-          <p:cNvSpPr/>
-          <p:nvPr/>
-        </p:nvSpPr>
-        <p:spPr>
-          <a:xfrm>
-            <a:off x="217800" y="-18720"/>
-            <a:ext cx="10513440" cy="1323360"/>
-          </a:xfrm>
-          <a:prstGeom prst="rect">
-            <a:avLst/>
-          </a:prstGeom>
-          <a:noFill/>
-          <a:ln>
-            <a:noFill/>
-          </a:ln>
-        </p:spPr>
-        <p:style>
-          <a:lnRef idx="0">
-            <a:scrgbClr r="0" g="0" b="0"/>
-          </a:lnRef>
-          <a:fillRef idx="0">
-            <a:scrgbClr r="0" g="0" b="0"/>
-          </a:fillRef>
-          <a:effectRef idx="0">
-            <a:scrgbClr r="0" g="0" b="0"/>
-          </a:effectRef>
-          <a:fontRef idx="minor"/>
-        </p:style>
-        <p:txBody>
-          <a:bodyPr lIns="90000" tIns="45000" rIns="90000" bIns="45000" anchor="ctr"/>
-          <a:lstStyle/>
-          <a:p>
-            <a:pPr>
-              <a:lnSpc>
-                <a:spcPct val="100000"/>
-              </a:lnSpc>
-            </a:pPr>
-            <a:r>
-              <a:rPr lang="pt-BR" sz="3200" b="1" spc="-1" dirty="0" err="1">
-                <a:uFill>
-                  <a:solidFill>
-                    <a:srgbClr val="FFFFFF"/>
-                  </a:solidFill>
-                </a:uFill>
-                <a:latin typeface="Arial" panose="020B0604020202020204" pitchFamily="34" charset="0"/>
-                <a:ea typeface="DejaVu Sans"/>
-                <a:cs typeface="Arial" panose="020B0604020202020204" pitchFamily="34" charset="0"/>
-              </a:rPr>
-              <a:t>g</a:t>
-            </a:r>
-            <a:r>
-              <a:rPr lang="pt-BR" sz="3200" b="1" strike="noStrike" spc="-1" dirty="0" err="1" smtClean="0">
-                <a:uFill>
-                  <a:solidFill>
-                    <a:srgbClr val="FFFFFF"/>
-                  </a:solidFill>
-                </a:uFill>
-                <a:latin typeface="Arial" panose="020B0604020202020204" pitchFamily="34" charset="0"/>
-                <a:ea typeface="DejaVu Sans"/>
-                <a:cs typeface="Arial" panose="020B0604020202020204" pitchFamily="34" charset="0"/>
-              </a:rPr>
-              <a:t>it</a:t>
-            </a:r>
-            <a:r>
-              <a:rPr lang="pt-BR" sz="3200" b="1" strike="noStrike" spc="-1" dirty="0" smtClean="0">
-                <a:uFill>
-                  <a:solidFill>
-                    <a:srgbClr val="FFFFFF"/>
-                  </a:solidFill>
-                </a:uFill>
-                <a:latin typeface="Arial" panose="020B0604020202020204" pitchFamily="34" charset="0"/>
-                <a:ea typeface="DejaVu Sans"/>
-                <a:cs typeface="Arial" panose="020B0604020202020204" pitchFamily="34" charset="0"/>
-              </a:rPr>
-              <a:t> reset</a:t>
-            </a:r>
-            <a:endParaRPr lang="pt-BR" sz="1800" b="1" strike="noStrike" spc="-1" dirty="0">
-              <a:uFill>
-                <a:solidFill>
-                  <a:srgbClr val="FFFFFF"/>
-                </a:solidFill>
-              </a:uFill>
-              <a:latin typeface="Arial" panose="020B0604020202020204" pitchFamily="34" charset="0"/>
-              <a:cs typeface="Arial" panose="020B0604020202020204" pitchFamily="34" charset="0"/>
-            </a:endParaRPr>
-          </a:p>
-        </p:txBody>
-      </p:sp>
-      <p:pic>
-        <p:nvPicPr>
-          <p:cNvPr id="3" name="Imagem 2"/>
-          <p:cNvPicPr>
-            <a:picLocks noChangeAspect="1"/>
-          </p:cNvPicPr>
-          <p:nvPr/>
-        </p:nvPicPr>
-        <p:blipFill>
-          <a:blip r:embed="rId2">
-            <a:extLst>
-              <a:ext uri="{28A0092B-C50C-407E-A947-70E740481C1C}">
-                <a14:useLocalDpi xmlns:a14="http://schemas.microsoft.com/office/drawing/2010/main" val="0"/>
-              </a:ext>
-            </a:extLst>
-          </a:blip>
-          <a:stretch>
-            <a:fillRect/>
-          </a:stretch>
-        </p:blipFill>
-        <p:spPr>
-          <a:xfrm>
-            <a:off x="2286000" y="85725"/>
-            <a:ext cx="7620000" cy="6686550"/>
-          </a:xfrm>
-          <a:prstGeom prst="rect">
-            <a:avLst/>
-          </a:prstGeom>
-        </p:spPr>
-      </p:pic>
-    </p:spTree>
-    <p:extLst>
-      <p:ext uri="{BB962C8B-B14F-4D97-AF65-F5344CB8AC3E}">
-        <p14:creationId xmlns:p14="http://schemas.microsoft.com/office/powerpoint/2010/main" val="2305546082"/>
-      </p:ext>
-    </p:extLst>
-  </p:cSld>
-  <p:clrMapOvr>
-    <a:masterClrMapping/>
-  </p:clrMapOvr>
-  <p:timing>
-    <p:tnLst>
-      <p:par>
-        <p:cTn id="1" dur="indefinite" restart="never" nodeType="tmRoot">
-          <p:childTnLst>
-            <p:seq>
-              <p:cTn id="2" nodeType="mainSeq"/>
-              <p:prevCondLst>
-                <p:cond evt="onPrev" delay="0">
-                  <p:tgtEl>
-                    <p:sldTgt/>
-                  </p:tgtEl>
-                </p:cond>
-              </p:prevCondLst>
-              <p:nextCondLst>
-                <p:cond evt="onNext" delay="0">
-                  <p:tgtEl>
-                    <p:sldTgt/>
-                  </p:tgtEl>
-                </p:cond>
-              </p:nextCondLst>
-            </p:seq>
-          </p:childTnLst>
-        </p:cTn>
-      </p:par>
-    </p:tnLst>
-  </p:timing>
-</p:sld>
-</file>
-
-<file path=ppt/slides/slide21.xml><?xml version="1.0" encoding="utf-8"?>
-<p:sld xmlns:a="http://schemas.openxmlformats.org/drawingml/2006/main" xmlns:r="http://schemas.openxmlformats.org/officeDocument/2006/relationships" xmlns:p="http://schemas.openxmlformats.org/presentationml/2006/main">
-  <p:cSld>
-    <p:spTree>
-      <p:nvGrpSpPr>
-        <p:cNvPr id="1" name=""/>
-        <p:cNvGrpSpPr/>
-        <p:nvPr/>
-      </p:nvGrpSpPr>
-      <p:grpSpPr>
-        <a:xfrm>
-          <a:off x="0" y="0"/>
-          <a:ext cx="0" cy="0"/>
-          <a:chOff x="0" y="0"/>
-          <a:chExt cx="0" cy="0"/>
-        </a:xfrm>
-      </p:grpSpPr>
-      <p:sp>
-        <p:nvSpPr>
-          <p:cNvPr id="177" name="CustomShape 1"/>
-          <p:cNvSpPr/>
-          <p:nvPr/>
-        </p:nvSpPr>
-        <p:spPr>
-          <a:xfrm>
-            <a:off x="217800" y="-18720"/>
-            <a:ext cx="10513440" cy="1323360"/>
-          </a:xfrm>
-          <a:prstGeom prst="rect">
-            <a:avLst/>
-          </a:prstGeom>
-          <a:noFill/>
-          <a:ln>
-            <a:noFill/>
-          </a:ln>
-        </p:spPr>
-        <p:style>
-          <a:lnRef idx="0">
-            <a:scrgbClr r="0" g="0" b="0"/>
-          </a:lnRef>
-          <a:fillRef idx="0">
-            <a:scrgbClr r="0" g="0" b="0"/>
-          </a:fillRef>
-          <a:effectRef idx="0">
-            <a:scrgbClr r="0" g="0" b="0"/>
-          </a:effectRef>
-          <a:fontRef idx="minor"/>
-        </p:style>
-        <p:txBody>
-          <a:bodyPr lIns="90000" tIns="45000" rIns="90000" bIns="45000" anchor="ctr"/>
-          <a:lstStyle/>
-          <a:p>
-            <a:pPr>
-              <a:lnSpc>
-                <a:spcPct val="100000"/>
-              </a:lnSpc>
-            </a:pPr>
-            <a:r>
-              <a:rPr lang="pt-BR" sz="3200" b="1" spc="-1" dirty="0" err="1">
-                <a:uFill>
-                  <a:solidFill>
-                    <a:srgbClr val="FFFFFF"/>
-                  </a:solidFill>
-                </a:uFill>
-                <a:latin typeface="Arial" panose="020B0604020202020204" pitchFamily="34" charset="0"/>
-                <a:ea typeface="DejaVu Sans"/>
-                <a:cs typeface="Arial" panose="020B0604020202020204" pitchFamily="34" charset="0"/>
-              </a:rPr>
-              <a:t>g</a:t>
-            </a:r>
-            <a:r>
-              <a:rPr lang="pt-BR" sz="3200" b="1" strike="noStrike" spc="-1" dirty="0" err="1" smtClean="0">
-                <a:uFill>
-                  <a:solidFill>
-                    <a:srgbClr val="FFFFFF"/>
-                  </a:solidFill>
-                </a:uFill>
-                <a:latin typeface="Arial" panose="020B0604020202020204" pitchFamily="34" charset="0"/>
-                <a:ea typeface="DejaVu Sans"/>
-                <a:cs typeface="Arial" panose="020B0604020202020204" pitchFamily="34" charset="0"/>
-              </a:rPr>
-              <a:t>it</a:t>
-            </a:r>
-            <a:r>
-              <a:rPr lang="pt-BR" sz="3200" b="1" strike="noStrike" spc="-1" dirty="0" smtClean="0">
-                <a:uFill>
-                  <a:solidFill>
-                    <a:srgbClr val="FFFFFF"/>
-                  </a:solidFill>
-                </a:uFill>
-                <a:latin typeface="Arial" panose="020B0604020202020204" pitchFamily="34" charset="0"/>
-                <a:ea typeface="DejaVu Sans"/>
-                <a:cs typeface="Arial" panose="020B0604020202020204" pitchFamily="34" charset="0"/>
-              </a:rPr>
-              <a:t> reset</a:t>
-            </a:r>
-            <a:endParaRPr lang="pt-BR" sz="1800" b="1" strike="noStrike" spc="-1" dirty="0">
-              <a:uFill>
-                <a:solidFill>
-                  <a:srgbClr val="FFFFFF"/>
-                </a:solidFill>
-              </a:uFill>
-              <a:latin typeface="Arial" panose="020B0604020202020204" pitchFamily="34" charset="0"/>
-              <a:cs typeface="Arial" panose="020B0604020202020204" pitchFamily="34" charset="0"/>
-            </a:endParaRPr>
-          </a:p>
-        </p:txBody>
-      </p:sp>
-      <p:pic>
-        <p:nvPicPr>
-          <p:cNvPr id="2" name="Imagem 1"/>
-          <p:cNvPicPr>
-            <a:picLocks noChangeAspect="1"/>
-          </p:cNvPicPr>
-          <p:nvPr/>
-        </p:nvPicPr>
-        <p:blipFill>
-          <a:blip r:embed="rId2">
-            <a:extLst>
-              <a:ext uri="{28A0092B-C50C-407E-A947-70E740481C1C}">
-                <a14:useLocalDpi xmlns:a14="http://schemas.microsoft.com/office/drawing/2010/main" val="0"/>
-              </a:ext>
-            </a:extLst>
-          </a:blip>
-          <a:stretch>
-            <a:fillRect/>
-          </a:stretch>
-        </p:blipFill>
-        <p:spPr>
-          <a:xfrm>
-            <a:off x="2286000" y="85725"/>
-            <a:ext cx="7620000" cy="6686550"/>
-          </a:xfrm>
-          <a:prstGeom prst="rect">
-            <a:avLst/>
-          </a:prstGeom>
-        </p:spPr>
-      </p:pic>
-    </p:spTree>
-    <p:extLst>
-      <p:ext uri="{BB962C8B-B14F-4D97-AF65-F5344CB8AC3E}">
-        <p14:creationId xmlns:p14="http://schemas.microsoft.com/office/powerpoint/2010/main" val="1511078031"/>
-      </p:ext>
-    </p:extLst>
-  </p:cSld>
-  <p:clrMapOvr>
-    <a:masterClrMapping/>
-  </p:clrMapOvr>
-  <p:timing>
-    <p:tnLst>
-      <p:par>
-        <p:cTn id="1" dur="indefinite" restart="never" nodeType="tmRoot">
-          <p:childTnLst>
-            <p:seq>
-              <p:cTn id="2" nodeType="mainSeq"/>
-              <p:prevCondLst>
-                <p:cond evt="onPrev" delay="0">
-                  <p:tgtEl>
-                    <p:sldTgt/>
-                  </p:tgtEl>
-                </p:cond>
-              </p:prevCondLst>
-              <p:nextCondLst>
-                <p:cond evt="onNext" delay="0">
-                  <p:tgtEl>
-                    <p:sldTgt/>
-                  </p:tgtEl>
-                </p:cond>
-              </p:nextCondLst>
-            </p:seq>
-          </p:childTnLst>
-        </p:cTn>
-      </p:par>
-    </p:tnLst>
-  </p:timing>
-</p:sld>
-</file>
-
-<file path=ppt/slides/slide22.xml><?xml version="1.0" encoding="utf-8"?>
-<p:sld xmlns:a="http://schemas.openxmlformats.org/drawingml/2006/main" xmlns:r="http://schemas.openxmlformats.org/officeDocument/2006/relationships" xmlns:p="http://schemas.openxmlformats.org/presentationml/2006/main">
-  <p:cSld>
-    <p:spTree>
-      <p:nvGrpSpPr>
-        <p:cNvPr id="1" name=""/>
-        <p:cNvGrpSpPr/>
-        <p:nvPr/>
-      </p:nvGrpSpPr>
-      <p:grpSpPr>
-        <a:xfrm>
-          <a:off x="0" y="0"/>
-          <a:ext cx="0" cy="0"/>
-          <a:chOff x="0" y="0"/>
-          <a:chExt cx="0" cy="0"/>
-        </a:xfrm>
-      </p:grpSpPr>
-      <p:sp>
-        <p:nvSpPr>
-          <p:cNvPr id="177" name="CustomShape 1"/>
-          <p:cNvSpPr/>
-          <p:nvPr/>
-        </p:nvSpPr>
-        <p:spPr>
-          <a:xfrm>
-            <a:off x="217800" y="-18720"/>
-            <a:ext cx="10513440" cy="1323360"/>
-          </a:xfrm>
-          <a:prstGeom prst="rect">
-            <a:avLst/>
-          </a:prstGeom>
-          <a:noFill/>
-          <a:ln>
-            <a:noFill/>
-          </a:ln>
-        </p:spPr>
-        <p:style>
-          <a:lnRef idx="0">
-            <a:scrgbClr r="0" g="0" b="0"/>
-          </a:lnRef>
-          <a:fillRef idx="0">
-            <a:scrgbClr r="0" g="0" b="0"/>
-          </a:fillRef>
-          <a:effectRef idx="0">
-            <a:scrgbClr r="0" g="0" b="0"/>
-          </a:effectRef>
-          <a:fontRef idx="minor"/>
-        </p:style>
-        <p:txBody>
-          <a:bodyPr lIns="90000" tIns="45000" rIns="90000" bIns="45000" anchor="ctr"/>
-          <a:lstStyle/>
-          <a:p>
-            <a:pPr>
-              <a:lnSpc>
-                <a:spcPct val="100000"/>
-              </a:lnSpc>
-            </a:pPr>
-            <a:r>
-              <a:rPr lang="pt-BR" sz="3200" b="1" spc="-1" dirty="0" err="1">
-                <a:uFill>
-                  <a:solidFill>
-                    <a:srgbClr val="FFFFFF"/>
-                  </a:solidFill>
-                </a:uFill>
-                <a:latin typeface="Arial" panose="020B0604020202020204" pitchFamily="34" charset="0"/>
-                <a:ea typeface="DejaVu Sans"/>
-                <a:cs typeface="Arial" panose="020B0604020202020204" pitchFamily="34" charset="0"/>
-              </a:rPr>
-              <a:t>g</a:t>
-            </a:r>
-            <a:r>
-              <a:rPr lang="pt-BR" sz="3200" b="1" strike="noStrike" spc="-1" dirty="0" err="1" smtClean="0">
-                <a:uFill>
-                  <a:solidFill>
-                    <a:srgbClr val="FFFFFF"/>
-                  </a:solidFill>
-                </a:uFill>
-                <a:latin typeface="Arial" panose="020B0604020202020204" pitchFamily="34" charset="0"/>
-                <a:ea typeface="DejaVu Sans"/>
-                <a:cs typeface="Arial" panose="020B0604020202020204" pitchFamily="34" charset="0"/>
-              </a:rPr>
-              <a:t>it</a:t>
-            </a:r>
-            <a:r>
-              <a:rPr lang="pt-BR" sz="3200" b="1" strike="noStrike" spc="-1" dirty="0" smtClean="0">
-                <a:uFill>
-                  <a:solidFill>
-                    <a:srgbClr val="FFFFFF"/>
-                  </a:solidFill>
-                </a:uFill>
-                <a:latin typeface="Arial" panose="020B0604020202020204" pitchFamily="34" charset="0"/>
-                <a:ea typeface="DejaVu Sans"/>
-                <a:cs typeface="Arial" panose="020B0604020202020204" pitchFamily="34" charset="0"/>
-              </a:rPr>
-              <a:t> reset</a:t>
-            </a:r>
-            <a:endParaRPr lang="pt-BR" sz="1800" b="1" strike="noStrike" spc="-1" dirty="0">
-              <a:uFill>
-                <a:solidFill>
-                  <a:srgbClr val="FFFFFF"/>
-                </a:solidFill>
-              </a:uFill>
-              <a:latin typeface="Arial" panose="020B0604020202020204" pitchFamily="34" charset="0"/>
-              <a:cs typeface="Arial" panose="020B0604020202020204" pitchFamily="34" charset="0"/>
-            </a:endParaRPr>
-          </a:p>
-        </p:txBody>
-      </p:sp>
-      <p:pic>
-        <p:nvPicPr>
-          <p:cNvPr id="3" name="Imagem 2"/>
-          <p:cNvPicPr>
-            <a:picLocks noChangeAspect="1"/>
-          </p:cNvPicPr>
-          <p:nvPr/>
-        </p:nvPicPr>
-        <p:blipFill>
-          <a:blip r:embed="rId2">
-            <a:extLst>
-              <a:ext uri="{28A0092B-C50C-407E-A947-70E740481C1C}">
-                <a14:useLocalDpi xmlns:a14="http://schemas.microsoft.com/office/drawing/2010/main" val="0"/>
-              </a:ext>
-            </a:extLst>
-          </a:blip>
-          <a:stretch>
-            <a:fillRect/>
-          </a:stretch>
-        </p:blipFill>
-        <p:spPr>
-          <a:xfrm>
-            <a:off x="2286000" y="85725"/>
-            <a:ext cx="7620000" cy="6686550"/>
-          </a:xfrm>
-          <a:prstGeom prst="rect">
-            <a:avLst/>
-          </a:prstGeom>
-        </p:spPr>
-      </p:pic>
-    </p:spTree>
-    <p:extLst>
-      <p:ext uri="{BB962C8B-B14F-4D97-AF65-F5344CB8AC3E}">
-        <p14:creationId xmlns:p14="http://schemas.microsoft.com/office/powerpoint/2010/main" val="3790818450"/>
-      </p:ext>
-    </p:extLst>
-  </p:cSld>
-  <p:clrMapOvr>
-    <a:masterClrMapping/>
-  </p:clrMapOvr>
-  <p:timing>
-    <p:tnLst>
-      <p:par>
-        <p:cTn id="1" dur="indefinite" restart="never" nodeType="tmRoot">
-          <p:childTnLst>
-            <p:seq>
-              <p:cTn id="2" nodeType="mainSeq"/>
-              <p:prevCondLst>
-                <p:cond evt="onPrev" delay="0">
-                  <p:tgtEl>
-                    <p:sldTgt/>
-                  </p:tgtEl>
-                </p:cond>
-              </p:prevCondLst>
-              <p:nextCondLst>
-                <p:cond evt="onNext" delay="0">
-                  <p:tgtEl>
-                    <p:sldTgt/>
-                  </p:tgtEl>
-                </p:cond>
-              </p:nextCondLst>
-            </p:seq>
-          </p:childTnLst>
-        </p:cTn>
-      </p:par>
-    </p:tnLst>
-  </p:timing>
-</p:sld>
-</file>
-
-<file path=ppt/slides/slide23.xml><?xml version="1.0" encoding="utf-8"?>
-<p:sld xmlns:a="http://schemas.openxmlformats.org/drawingml/2006/main" xmlns:r="http://schemas.openxmlformats.org/officeDocument/2006/relationships" xmlns:p="http://schemas.openxmlformats.org/presentationml/2006/main">
-  <p:cSld>
-    <p:spTree>
-      <p:nvGrpSpPr>
-        <p:cNvPr id="1" name=""/>
-        <p:cNvGrpSpPr/>
-        <p:nvPr/>
-      </p:nvGrpSpPr>
-      <p:grpSpPr>
-        <a:xfrm>
-          <a:off x="0" y="0"/>
-          <a:ext cx="0" cy="0"/>
-          <a:chOff x="0" y="0"/>
-          <a:chExt cx="0" cy="0"/>
-        </a:xfrm>
-      </p:grpSpPr>
-      <p:sp>
-        <p:nvSpPr>
-          <p:cNvPr id="168" name="CustomShape 1"/>
-          <p:cNvSpPr/>
-          <p:nvPr/>
-        </p:nvSpPr>
-        <p:spPr>
-          <a:xfrm>
-            <a:off x="217800" y="-18720"/>
-            <a:ext cx="10513440" cy="1323360"/>
-          </a:xfrm>
-          <a:prstGeom prst="rect">
-            <a:avLst/>
-          </a:prstGeom>
-          <a:noFill/>
-          <a:ln>
-            <a:noFill/>
-          </a:ln>
-        </p:spPr>
-        <p:style>
-          <a:lnRef idx="0">
-            <a:scrgbClr r="0" g="0" b="0"/>
-          </a:lnRef>
-          <a:fillRef idx="0">
-            <a:scrgbClr r="0" g="0" b="0"/>
-          </a:fillRef>
-          <a:effectRef idx="0">
-            <a:scrgbClr r="0" g="0" b="0"/>
-          </a:effectRef>
-          <a:fontRef idx="minor"/>
-        </p:style>
-        <p:txBody>
-          <a:bodyPr lIns="90000" tIns="45000" rIns="90000" bIns="45000" anchor="ctr"/>
-          <a:lstStyle/>
-          <a:p>
-            <a:pPr>
-              <a:lnSpc>
-                <a:spcPct val="100000"/>
-              </a:lnSpc>
-            </a:pPr>
-            <a:r>
-              <a:rPr lang="pt-BR" sz="3200" b="1" spc="-1" dirty="0" err="1" smtClean="0">
-                <a:uFill>
-                  <a:solidFill>
-                    <a:srgbClr val="FFFFFF"/>
-                  </a:solidFill>
-                </a:uFill>
-                <a:latin typeface="Arial" panose="020B0604020202020204" pitchFamily="34" charset="0"/>
-                <a:cs typeface="Arial" panose="020B0604020202020204" pitchFamily="34" charset="0"/>
-              </a:rPr>
-              <a:t>git</a:t>
-            </a:r>
-            <a:r>
-              <a:rPr lang="pt-BR" sz="3200" b="1" spc="-1" dirty="0" smtClean="0">
-                <a:uFill>
-                  <a:solidFill>
-                    <a:srgbClr val="FFFFFF"/>
-                  </a:solidFill>
-                </a:uFill>
-                <a:latin typeface="Arial" panose="020B0604020202020204" pitchFamily="34" charset="0"/>
-                <a:cs typeface="Arial" panose="020B0604020202020204" pitchFamily="34" charset="0"/>
-              </a:rPr>
-              <a:t> </a:t>
-            </a:r>
-            <a:r>
-              <a:rPr lang="pt-BR" sz="3200" b="1" spc="-1" dirty="0" err="1" smtClean="0">
-                <a:uFill>
-                  <a:solidFill>
-                    <a:srgbClr val="FFFFFF"/>
-                  </a:solidFill>
-                </a:uFill>
-                <a:latin typeface="Arial" panose="020B0604020202020204" pitchFamily="34" charset="0"/>
-                <a:cs typeface="Arial" panose="020B0604020202020204" pitchFamily="34" charset="0"/>
-              </a:rPr>
-              <a:t>tag</a:t>
-            </a:r>
-            <a:endParaRPr lang="pt-BR" sz="1800" b="1" strike="noStrike" spc="-1" dirty="0">
-              <a:uFill>
-                <a:solidFill>
-                  <a:srgbClr val="FFFFFF"/>
-                </a:solidFill>
-              </a:uFill>
-              <a:latin typeface="Arial" panose="020B0604020202020204" pitchFamily="34" charset="0"/>
-              <a:cs typeface="Arial" panose="020B0604020202020204" pitchFamily="34" charset="0"/>
-            </a:endParaRPr>
-          </a:p>
-        </p:txBody>
-      </p:sp>
-      <p:sp>
-        <p:nvSpPr>
-          <p:cNvPr id="6" name="CustomShape 2"/>
-          <p:cNvSpPr/>
-          <p:nvPr/>
-        </p:nvSpPr>
-        <p:spPr>
-          <a:xfrm>
-            <a:off x="334800" y="1649192"/>
-            <a:ext cx="11543400" cy="2067840"/>
-          </a:xfrm>
-          <a:prstGeom prst="rect">
-            <a:avLst/>
-          </a:prstGeom>
-          <a:noFill/>
-          <a:ln>
-            <a:noFill/>
-          </a:ln>
-        </p:spPr>
-        <p:style>
-          <a:lnRef idx="0">
-            <a:scrgbClr r="0" g="0" b="0"/>
-          </a:lnRef>
-          <a:fillRef idx="0">
-            <a:scrgbClr r="0" g="0" b="0"/>
-          </a:fillRef>
-          <a:effectRef idx="0">
-            <a:scrgbClr r="0" g="0" b="0"/>
-          </a:effectRef>
-          <a:fontRef idx="minor"/>
-        </p:style>
-        <p:txBody>
-          <a:bodyPr lIns="90000" tIns="45000" rIns="90000" bIns="45000"/>
-          <a:lstStyle/>
-          <a:p>
-            <a:pPr marL="2160">
-              <a:lnSpc>
-                <a:spcPct val="90000"/>
-              </a:lnSpc>
-              <a:buClr>
-                <a:srgbClr val="808080"/>
-              </a:buClr>
-            </a:pPr>
-            <a:endParaRPr lang="pt-BR" sz="1800" b="0" strike="noStrike" spc="-1" dirty="0" smtClean="0">
-              <a:solidFill>
-                <a:srgbClr val="000000"/>
-              </a:solidFill>
-              <a:uFill>
-                <a:solidFill>
-                  <a:srgbClr val="FFFFFF"/>
-                </a:solidFill>
-              </a:uFill>
-              <a:latin typeface="Arial"/>
-            </a:endParaRPr>
-          </a:p>
-          <a:p>
-            <a:pPr>
-              <a:lnSpc>
-                <a:spcPct val="90000"/>
-              </a:lnSpc>
-            </a:pPr>
-            <a:r>
-              <a:rPr lang="pt-BR" sz="3200" spc="-1" dirty="0" err="1">
-                <a:uFill>
-                  <a:solidFill>
-                    <a:srgbClr val="FFFFFF"/>
-                  </a:solidFill>
-                </a:uFill>
-                <a:latin typeface="Arial"/>
-              </a:rPr>
-              <a:t>g</a:t>
-            </a:r>
-            <a:r>
-              <a:rPr lang="pt-BR" sz="3200" spc="-1" dirty="0" err="1" smtClean="0">
-                <a:uFill>
-                  <a:solidFill>
-                    <a:srgbClr val="FFFFFF"/>
-                  </a:solidFill>
-                </a:uFill>
-                <a:latin typeface="Arial"/>
-              </a:rPr>
-              <a:t>it</a:t>
-            </a:r>
-            <a:r>
-              <a:rPr lang="pt-BR" sz="3200" spc="-1" dirty="0" smtClean="0">
-                <a:uFill>
-                  <a:solidFill>
-                    <a:srgbClr val="FFFFFF"/>
-                  </a:solidFill>
-                </a:uFill>
-                <a:latin typeface="Arial"/>
-              </a:rPr>
-              <a:t> </a:t>
-            </a:r>
-            <a:r>
-              <a:rPr lang="pt-BR" sz="3200" spc="-1" dirty="0" err="1" smtClean="0">
-                <a:uFill>
-                  <a:solidFill>
-                    <a:srgbClr val="FFFFFF"/>
-                  </a:solidFill>
-                </a:uFill>
-                <a:latin typeface="Arial"/>
-              </a:rPr>
-              <a:t>tag</a:t>
-            </a:r>
-            <a:endParaRPr lang="pt-BR" sz="3200" spc="-1" dirty="0" smtClean="0">
-              <a:uFill>
-                <a:solidFill>
-                  <a:srgbClr val="FFFFFF"/>
-                </a:solidFill>
-              </a:uFill>
-              <a:latin typeface="Arial"/>
-            </a:endParaRPr>
-          </a:p>
-          <a:p>
-            <a:pPr>
-              <a:lnSpc>
-                <a:spcPct val="90000"/>
-              </a:lnSpc>
-            </a:pPr>
-            <a:endParaRPr lang="pt-BR" sz="3200" spc="-1" dirty="0">
-              <a:uFill>
-                <a:solidFill>
-                  <a:srgbClr val="FFFFFF"/>
-                </a:solidFill>
-              </a:uFill>
-              <a:latin typeface="Arial"/>
-            </a:endParaRPr>
-          </a:p>
-          <a:p>
-            <a:pPr>
-              <a:lnSpc>
-                <a:spcPct val="90000"/>
-              </a:lnSpc>
-            </a:pPr>
-            <a:r>
-              <a:rPr lang="pt-BR" sz="3200" spc="-1" dirty="0" err="1" smtClean="0">
-                <a:uFill>
-                  <a:solidFill>
-                    <a:srgbClr val="FFFFFF"/>
-                  </a:solidFill>
-                </a:uFill>
-                <a:latin typeface="Arial"/>
-              </a:rPr>
-              <a:t>git</a:t>
-            </a:r>
-            <a:r>
-              <a:rPr lang="pt-BR" sz="3200" spc="-1" dirty="0">
-                <a:uFill>
-                  <a:solidFill>
-                    <a:srgbClr val="FFFFFF"/>
-                  </a:solidFill>
-                </a:uFill>
-                <a:latin typeface="Arial"/>
-              </a:rPr>
-              <a:t> </a:t>
-            </a:r>
-            <a:r>
-              <a:rPr lang="pt-BR" sz="3200" spc="-1" dirty="0" err="1" smtClean="0">
-                <a:uFill>
-                  <a:solidFill>
-                    <a:srgbClr val="FFFFFF"/>
-                  </a:solidFill>
-                </a:uFill>
-                <a:latin typeface="Arial"/>
-              </a:rPr>
-              <a:t>tag</a:t>
-            </a:r>
-            <a:r>
-              <a:rPr lang="pt-BR" sz="3200" spc="-1" dirty="0" smtClean="0">
-                <a:uFill>
-                  <a:solidFill>
-                    <a:srgbClr val="FFFFFF"/>
-                  </a:solidFill>
-                </a:uFill>
-                <a:latin typeface="Arial"/>
-              </a:rPr>
-              <a:t> -a v1.0 </a:t>
-            </a:r>
-          </a:p>
-          <a:p>
-            <a:pPr>
-              <a:lnSpc>
-                <a:spcPct val="90000"/>
-              </a:lnSpc>
-            </a:pPr>
-            <a:endParaRPr lang="pt-BR" sz="3200" spc="-1" dirty="0">
-              <a:uFill>
-                <a:solidFill>
-                  <a:srgbClr val="FFFFFF"/>
-                </a:solidFill>
-              </a:uFill>
-              <a:latin typeface="Arial"/>
-            </a:endParaRPr>
-          </a:p>
-          <a:p>
-            <a:pPr>
-              <a:lnSpc>
-                <a:spcPct val="90000"/>
-              </a:lnSpc>
-            </a:pPr>
-            <a:r>
-              <a:rPr lang="pt-BR" sz="3200" spc="-1" dirty="0" err="1">
-                <a:uFill>
-                  <a:solidFill>
-                    <a:srgbClr val="FFFFFF"/>
-                  </a:solidFill>
-                </a:uFill>
-                <a:latin typeface="Arial"/>
-              </a:rPr>
-              <a:t>g</a:t>
-            </a:r>
-            <a:r>
-              <a:rPr lang="pt-BR" sz="3200" spc="-1" dirty="0" err="1" smtClean="0">
-                <a:uFill>
-                  <a:solidFill>
-                    <a:srgbClr val="FFFFFF"/>
-                  </a:solidFill>
-                </a:uFill>
-                <a:latin typeface="Arial"/>
-              </a:rPr>
-              <a:t>it</a:t>
-            </a:r>
-            <a:r>
-              <a:rPr lang="pt-BR" sz="3200" spc="-1" dirty="0" smtClean="0">
-                <a:uFill>
-                  <a:solidFill>
-                    <a:srgbClr val="FFFFFF"/>
-                  </a:solidFill>
-                </a:uFill>
-                <a:latin typeface="Arial"/>
-              </a:rPr>
-              <a:t> </a:t>
-            </a:r>
-            <a:r>
-              <a:rPr lang="pt-BR" sz="3200" spc="-1" dirty="0" err="1" smtClean="0">
-                <a:uFill>
-                  <a:solidFill>
-                    <a:srgbClr val="FFFFFF"/>
-                  </a:solidFill>
-                </a:uFill>
-                <a:latin typeface="Arial"/>
-              </a:rPr>
-              <a:t>tag</a:t>
-            </a:r>
-            <a:r>
-              <a:rPr lang="pt-BR" sz="3200" spc="-1" dirty="0" smtClean="0">
-                <a:uFill>
-                  <a:solidFill>
-                    <a:srgbClr val="FFFFFF"/>
-                  </a:solidFill>
-                </a:uFill>
-                <a:latin typeface="Arial"/>
-              </a:rPr>
-              <a:t> -a v0.1 </a:t>
-            </a:r>
-            <a:r>
-              <a:rPr lang="pt-BR" sz="3200" spc="-1" dirty="0" smtClean="0">
-                <a:uFill>
-                  <a:solidFill>
-                    <a:srgbClr val="FFFFFF"/>
-                  </a:solidFill>
-                </a:uFill>
-                <a:latin typeface="Arial"/>
-              </a:rPr>
-              <a:t>&lt;commitSHA-1&gt;</a:t>
-            </a:r>
-          </a:p>
-          <a:p>
-            <a:pPr>
-              <a:lnSpc>
-                <a:spcPct val="90000"/>
-              </a:lnSpc>
-            </a:pPr>
-            <a:endParaRPr lang="pt-BR" sz="3200" spc="-1" dirty="0">
-              <a:uFill>
-                <a:solidFill>
-                  <a:srgbClr val="FFFFFF"/>
-                </a:solidFill>
-              </a:uFill>
-              <a:latin typeface="Arial"/>
-            </a:endParaRPr>
-          </a:p>
-          <a:p>
-            <a:pPr>
-              <a:lnSpc>
-                <a:spcPct val="90000"/>
-              </a:lnSpc>
-            </a:pPr>
-            <a:endParaRPr lang="pt-BR" sz="3200" spc="-1" dirty="0" smtClean="0">
-              <a:uFill>
-                <a:solidFill>
-                  <a:srgbClr val="FFFFFF"/>
-                </a:solidFill>
-              </a:uFill>
-              <a:latin typeface="Arial"/>
-            </a:endParaRPr>
-          </a:p>
-          <a:p>
-            <a:pPr>
-              <a:lnSpc>
-                <a:spcPct val="90000"/>
-              </a:lnSpc>
-            </a:pPr>
-            <a:endParaRPr lang="pt-BR" sz="3200" spc="-1" dirty="0" smtClean="0">
-              <a:uFill>
-                <a:solidFill>
-                  <a:srgbClr val="FFFFFF"/>
-                </a:solidFill>
-              </a:uFill>
-              <a:latin typeface="Arial"/>
-            </a:endParaRPr>
-          </a:p>
-        </p:txBody>
-      </p:sp>
-      <p:pic>
-        <p:nvPicPr>
-          <p:cNvPr id="2" name="Imagem 1"/>
-          <p:cNvPicPr>
-            <a:picLocks noChangeAspect="1"/>
-          </p:cNvPicPr>
-          <p:nvPr/>
-        </p:nvPicPr>
-        <p:blipFill>
-          <a:blip r:embed="rId2">
-            <a:extLst>
-              <a:ext uri="{28A0092B-C50C-407E-A947-70E740481C1C}">
-                <a14:useLocalDpi xmlns:a14="http://schemas.microsoft.com/office/drawing/2010/main" val="0"/>
-              </a:ext>
-            </a:extLst>
-          </a:blip>
-          <a:stretch>
-            <a:fillRect/>
-          </a:stretch>
-        </p:blipFill>
-        <p:spPr>
-          <a:xfrm>
-            <a:off x="6023992" y="2239094"/>
-            <a:ext cx="6162675" cy="4286250"/>
-          </a:xfrm>
-          <a:prstGeom prst="rect">
-            <a:avLst/>
-          </a:prstGeom>
-        </p:spPr>
-      </p:pic>
-    </p:spTree>
-    <p:extLst>
-      <p:ext uri="{BB962C8B-B14F-4D97-AF65-F5344CB8AC3E}">
-        <p14:creationId xmlns:p14="http://schemas.microsoft.com/office/powerpoint/2010/main" val="125082428"/>
-      </p:ext>
-    </p:extLst>
-  </p:cSld>
-  <p:clrMapOvr>
-    <a:masterClrMapping/>
-  </p:clrMapOvr>
-  <p:timing>
-    <p:tnLst>
-      <p:par>
-        <p:cTn id="1" dur="indefinite" restart="never" nodeType="tmRoot"/>
-      </p:par>
-    </p:tnLst>
-  </p:timing>
-</p:sld>
-</file>
-
-<file path=ppt/slides/slide24.xml><?xml version="1.0" encoding="utf-8"?>
-<p:sld xmlns:a="http://schemas.openxmlformats.org/drawingml/2006/main" xmlns:r="http://schemas.openxmlformats.org/officeDocument/2006/relationships" xmlns:p="http://schemas.openxmlformats.org/presentationml/2006/main">
-  <p:cSld>
-    <p:spTree>
-      <p:nvGrpSpPr>
-        <p:cNvPr id="1" name=""/>
-        <p:cNvGrpSpPr/>
-        <p:nvPr/>
-      </p:nvGrpSpPr>
-      <p:grpSpPr>
-        <a:xfrm>
-          <a:off x="0" y="0"/>
-          <a:ext cx="0" cy="0"/>
-          <a:chOff x="0" y="0"/>
-          <a:chExt cx="0" cy="0"/>
-        </a:xfrm>
-      </p:grpSpPr>
-      <p:sp>
-        <p:nvSpPr>
-          <p:cNvPr id="168" name="CustomShape 1"/>
-          <p:cNvSpPr/>
-          <p:nvPr/>
-        </p:nvSpPr>
-        <p:spPr>
-          <a:xfrm>
-            <a:off x="217800" y="-18720"/>
-            <a:ext cx="10513440" cy="1323360"/>
-          </a:xfrm>
-          <a:prstGeom prst="rect">
-            <a:avLst/>
-          </a:prstGeom>
-          <a:noFill/>
-          <a:ln>
-            <a:noFill/>
-          </a:ln>
-        </p:spPr>
-        <p:style>
-          <a:lnRef idx="0">
-            <a:scrgbClr r="0" g="0" b="0"/>
-          </a:lnRef>
-          <a:fillRef idx="0">
-            <a:scrgbClr r="0" g="0" b="0"/>
-          </a:fillRef>
-          <a:effectRef idx="0">
-            <a:scrgbClr r="0" g="0" b="0"/>
-          </a:effectRef>
-          <a:fontRef idx="minor"/>
-        </p:style>
-        <p:txBody>
-          <a:bodyPr lIns="90000" tIns="45000" rIns="90000" bIns="45000" anchor="ctr"/>
-          <a:lstStyle/>
-          <a:p>
-            <a:pPr>
-              <a:lnSpc>
-                <a:spcPct val="100000"/>
-              </a:lnSpc>
-            </a:pPr>
-            <a:r>
-              <a:rPr lang="pt-BR" sz="3200" b="1" spc="-1" dirty="0" err="1" smtClean="0">
-                <a:uFill>
-                  <a:solidFill>
-                    <a:srgbClr val="FFFFFF"/>
-                  </a:solidFill>
-                </a:uFill>
-                <a:latin typeface="Arial" panose="020B0604020202020204" pitchFamily="34" charset="0"/>
-                <a:cs typeface="Arial" panose="020B0604020202020204" pitchFamily="34" charset="0"/>
-              </a:rPr>
-              <a:t>git</a:t>
-            </a:r>
-            <a:r>
-              <a:rPr lang="pt-BR" sz="3200" b="1" spc="-1" dirty="0" smtClean="0">
-                <a:uFill>
-                  <a:solidFill>
-                    <a:srgbClr val="FFFFFF"/>
-                  </a:solidFill>
-                </a:uFill>
-                <a:latin typeface="Arial" panose="020B0604020202020204" pitchFamily="34" charset="0"/>
-                <a:cs typeface="Arial" panose="020B0604020202020204" pitchFamily="34" charset="0"/>
-              </a:rPr>
-              <a:t> alias</a:t>
-            </a:r>
-            <a:endParaRPr lang="pt-BR" sz="1800" b="1" strike="noStrike" spc="-1" dirty="0">
-              <a:uFill>
-                <a:solidFill>
-                  <a:srgbClr val="FFFFFF"/>
-                </a:solidFill>
-              </a:uFill>
-              <a:latin typeface="Arial" panose="020B0604020202020204" pitchFamily="34" charset="0"/>
-              <a:cs typeface="Arial" panose="020B0604020202020204" pitchFamily="34" charset="0"/>
-            </a:endParaRPr>
-          </a:p>
-        </p:txBody>
-      </p:sp>
-      <p:sp>
-        <p:nvSpPr>
-          <p:cNvPr id="6" name="CustomShape 2"/>
-          <p:cNvSpPr/>
-          <p:nvPr/>
-        </p:nvSpPr>
-        <p:spPr>
-          <a:xfrm>
-            <a:off x="334800" y="1649192"/>
-            <a:ext cx="11543400" cy="2067840"/>
-          </a:xfrm>
-          <a:prstGeom prst="rect">
-            <a:avLst/>
-          </a:prstGeom>
-          <a:noFill/>
-          <a:ln>
-            <a:noFill/>
-          </a:ln>
-        </p:spPr>
-        <p:style>
-          <a:lnRef idx="0">
-            <a:scrgbClr r="0" g="0" b="0"/>
-          </a:lnRef>
-          <a:fillRef idx="0">
-            <a:scrgbClr r="0" g="0" b="0"/>
-          </a:fillRef>
-          <a:effectRef idx="0">
-            <a:scrgbClr r="0" g="0" b="0"/>
-          </a:effectRef>
-          <a:fontRef idx="minor"/>
-        </p:style>
-        <p:txBody>
-          <a:bodyPr lIns="90000" tIns="45000" rIns="90000" bIns="45000"/>
-          <a:lstStyle/>
-          <a:p>
-            <a:pPr marL="2160">
-              <a:lnSpc>
-                <a:spcPct val="90000"/>
-              </a:lnSpc>
-              <a:buClr>
-                <a:srgbClr val="808080"/>
-              </a:buClr>
-            </a:pPr>
-            <a:endParaRPr lang="pt-BR" sz="1800" b="0" strike="noStrike" spc="-1" dirty="0" smtClean="0">
-              <a:solidFill>
-                <a:srgbClr val="000000"/>
-              </a:solidFill>
-              <a:uFill>
-                <a:solidFill>
-                  <a:srgbClr val="FFFFFF"/>
-                </a:solidFill>
-              </a:uFill>
-              <a:latin typeface="Arial"/>
-            </a:endParaRPr>
-          </a:p>
-          <a:p>
-            <a:pPr>
-              <a:lnSpc>
-                <a:spcPct val="90000"/>
-              </a:lnSpc>
-            </a:pPr>
-            <a:r>
-              <a:rPr lang="pt-BR" sz="3200" spc="-1" dirty="0" err="1">
-                <a:uFill>
-                  <a:solidFill>
-                    <a:srgbClr val="FFFFFF"/>
-                  </a:solidFill>
-                </a:uFill>
-                <a:latin typeface="Arial"/>
-              </a:rPr>
-              <a:t>g</a:t>
-            </a:r>
-            <a:r>
-              <a:rPr lang="pt-BR" sz="3200" spc="-1" dirty="0" err="1" smtClean="0">
-                <a:uFill>
-                  <a:solidFill>
-                    <a:srgbClr val="FFFFFF"/>
-                  </a:solidFill>
-                </a:uFill>
-                <a:latin typeface="Arial"/>
-              </a:rPr>
-              <a:t>it</a:t>
-            </a:r>
-            <a:r>
-              <a:rPr lang="pt-BR" sz="3200" spc="-1" dirty="0" smtClean="0">
-                <a:uFill>
-                  <a:solidFill>
-                    <a:srgbClr val="FFFFFF"/>
-                  </a:solidFill>
-                </a:uFill>
-                <a:latin typeface="Arial"/>
-              </a:rPr>
-              <a:t> </a:t>
-            </a:r>
-            <a:r>
-              <a:rPr lang="pt-BR" sz="3200" spc="-1" dirty="0" err="1" smtClean="0">
-                <a:uFill>
-                  <a:solidFill>
-                    <a:srgbClr val="FFFFFF"/>
-                  </a:solidFill>
-                </a:uFill>
-                <a:latin typeface="Arial"/>
-              </a:rPr>
-              <a:t>config</a:t>
-            </a:r>
-            <a:r>
-              <a:rPr lang="pt-BR" sz="3200" spc="-1" dirty="0">
-                <a:uFill>
-                  <a:solidFill>
-                    <a:srgbClr val="FFFFFF"/>
-                  </a:solidFill>
-                </a:uFill>
-                <a:latin typeface="Arial"/>
-              </a:rPr>
-              <a:t> </a:t>
-            </a:r>
-            <a:r>
-              <a:rPr lang="pt-BR" sz="3200" spc="-1" dirty="0" smtClean="0">
-                <a:uFill>
-                  <a:solidFill>
-                    <a:srgbClr val="FFFFFF"/>
-                  </a:solidFill>
-                </a:uFill>
-                <a:latin typeface="Arial"/>
-              </a:rPr>
-              <a:t>--global alias.st status</a:t>
-            </a:r>
-          </a:p>
-          <a:p>
-            <a:pPr>
-              <a:lnSpc>
-                <a:spcPct val="90000"/>
-              </a:lnSpc>
-            </a:pPr>
-            <a:endParaRPr lang="pt-BR" sz="3200" spc="-1" dirty="0">
-              <a:uFill>
-                <a:solidFill>
-                  <a:srgbClr val="FFFFFF"/>
-                </a:solidFill>
-              </a:uFill>
-              <a:latin typeface="Arial"/>
-            </a:endParaRPr>
-          </a:p>
-          <a:p>
-            <a:pPr>
-              <a:lnSpc>
-                <a:spcPct val="90000"/>
-              </a:lnSpc>
-            </a:pPr>
-            <a:r>
-              <a:rPr lang="pt-BR" sz="3200" spc="-1" dirty="0" err="1" smtClean="0">
-                <a:uFill>
-                  <a:solidFill>
-                    <a:srgbClr val="FFFFFF"/>
-                  </a:solidFill>
-                </a:uFill>
-                <a:latin typeface="Arial"/>
-              </a:rPr>
-              <a:t>git</a:t>
-            </a:r>
-            <a:r>
-              <a:rPr lang="pt-BR" sz="3200" spc="-1" dirty="0" smtClean="0">
-                <a:uFill>
-                  <a:solidFill>
-                    <a:srgbClr val="FFFFFF"/>
-                  </a:solidFill>
-                </a:uFill>
-                <a:latin typeface="Arial"/>
-              </a:rPr>
-              <a:t> --global </a:t>
-            </a:r>
-            <a:r>
-              <a:rPr lang="pt-BR" sz="3200" spc="-1" dirty="0" err="1" smtClean="0">
-                <a:uFill>
-                  <a:solidFill>
-                    <a:srgbClr val="FFFFFF"/>
-                  </a:solidFill>
-                </a:uFill>
-                <a:latin typeface="Arial"/>
-              </a:rPr>
-              <a:t>alias.spush</a:t>
-            </a:r>
-            <a:r>
-              <a:rPr lang="pt-BR" sz="3200" spc="-1" dirty="0" smtClean="0">
-                <a:uFill>
-                  <a:solidFill>
-                    <a:srgbClr val="FFFFFF"/>
-                  </a:solidFill>
-                </a:uFill>
-                <a:latin typeface="Arial"/>
-              </a:rPr>
-              <a:t> ‘</a:t>
-            </a:r>
-            <a:r>
-              <a:rPr lang="pt-BR" sz="3200" spc="-1" dirty="0" err="1" smtClean="0">
-                <a:uFill>
-                  <a:solidFill>
-                    <a:srgbClr val="FFFFFF"/>
-                  </a:solidFill>
-                </a:uFill>
-                <a:latin typeface="Arial"/>
-              </a:rPr>
-              <a:t>push</a:t>
-            </a:r>
-            <a:r>
-              <a:rPr lang="pt-BR" sz="3200" spc="-1" dirty="0" smtClean="0">
-                <a:uFill>
-                  <a:solidFill>
-                    <a:srgbClr val="FFFFFF"/>
-                  </a:solidFill>
-                </a:uFill>
-                <a:latin typeface="Arial"/>
-              </a:rPr>
-              <a:t> </a:t>
-            </a:r>
-            <a:r>
-              <a:rPr lang="pt-BR" sz="3200" spc="-1" dirty="0" err="1" smtClean="0">
-                <a:uFill>
-                  <a:solidFill>
-                    <a:srgbClr val="FFFFFF"/>
-                  </a:solidFill>
-                </a:uFill>
-                <a:latin typeface="Arial"/>
-              </a:rPr>
-              <a:t>origin</a:t>
-            </a:r>
-            <a:r>
-              <a:rPr lang="pt-BR" sz="3200" spc="-1" dirty="0" smtClean="0">
-                <a:uFill>
-                  <a:solidFill>
-                    <a:srgbClr val="FFFFFF"/>
-                  </a:solidFill>
-                </a:uFill>
-                <a:latin typeface="Arial"/>
-              </a:rPr>
-              <a:t> </a:t>
-            </a:r>
-            <a:r>
-              <a:rPr lang="pt-BR" sz="3200" spc="-1" dirty="0" err="1" smtClean="0">
-                <a:uFill>
-                  <a:solidFill>
-                    <a:srgbClr val="FFFFFF"/>
-                  </a:solidFill>
-                </a:uFill>
-                <a:latin typeface="Arial"/>
-              </a:rPr>
-              <a:t>master</a:t>
-            </a:r>
-            <a:r>
-              <a:rPr lang="pt-BR" sz="3200" spc="-1" dirty="0" smtClean="0">
-                <a:uFill>
-                  <a:solidFill>
-                    <a:srgbClr val="FFFFFF"/>
-                  </a:solidFill>
-                </a:uFill>
-                <a:latin typeface="Arial"/>
-              </a:rPr>
-              <a:t>’   </a:t>
-            </a:r>
-          </a:p>
-        </p:txBody>
-      </p:sp>
-      <p:pic>
-        <p:nvPicPr>
-          <p:cNvPr id="2" name="Imagem 1"/>
-          <p:cNvPicPr>
-            <a:picLocks noChangeAspect="1"/>
-          </p:cNvPicPr>
-          <p:nvPr/>
-        </p:nvPicPr>
-        <p:blipFill>
-          <a:blip r:embed="rId2">
-            <a:extLst>
-              <a:ext uri="{28A0092B-C50C-407E-A947-70E740481C1C}">
-                <a14:useLocalDpi xmlns:a14="http://schemas.microsoft.com/office/drawing/2010/main" val="0"/>
-              </a:ext>
-            </a:extLst>
-          </a:blip>
-          <a:stretch>
-            <a:fillRect/>
-          </a:stretch>
-        </p:blipFill>
-        <p:spPr>
-          <a:xfrm>
-            <a:off x="6285656" y="3964765"/>
-            <a:ext cx="5570984" cy="2200539"/>
-          </a:xfrm>
-          <a:prstGeom prst="rect">
-            <a:avLst/>
-          </a:prstGeom>
-        </p:spPr>
-      </p:pic>
-    </p:spTree>
-    <p:extLst>
-      <p:ext uri="{BB962C8B-B14F-4D97-AF65-F5344CB8AC3E}">
-        <p14:creationId xmlns:p14="http://schemas.microsoft.com/office/powerpoint/2010/main" val="2019889272"/>
-      </p:ext>
-    </p:extLst>
-  </p:cSld>
-  <p:clrMapOvr>
-    <a:masterClrMapping/>
-  </p:clrMapOvr>
-  <p:timing>
-    <p:tnLst>
-      <p:par>
-        <p:cTn id="1" dur="indefinite" restart="never" nodeType="tmRoot"/>
-      </p:par>
-    </p:tnLst>
-  </p:timing>
-</p:sld>
-</file>
-
-<file path=ppt/slides/slide25.xml><?xml version="1.0" encoding="utf-8"?>
-<p:sld xmlns:a="http://schemas.openxmlformats.org/drawingml/2006/main" xmlns:r="http://schemas.openxmlformats.org/officeDocument/2006/relationships" xmlns:p="http://schemas.openxmlformats.org/presentationml/2006/main">
-  <p:cSld>
-    <p:spTree>
-      <p:nvGrpSpPr>
-        <p:cNvPr id="1" name=""/>
-        <p:cNvGrpSpPr/>
-        <p:nvPr/>
-      </p:nvGrpSpPr>
-      <p:grpSpPr>
-        <a:xfrm>
-          <a:off x="0" y="0"/>
-          <a:ext cx="0" cy="0"/>
-          <a:chOff x="0" y="0"/>
-          <a:chExt cx="0" cy="0"/>
-        </a:xfrm>
-      </p:grpSpPr>
-      <p:sp>
-        <p:nvSpPr>
-          <p:cNvPr id="168" name="CustomShape 1"/>
-          <p:cNvSpPr/>
-          <p:nvPr/>
-        </p:nvSpPr>
-        <p:spPr>
-          <a:xfrm>
-            <a:off x="217800" y="-18720"/>
-            <a:ext cx="10513440" cy="1323360"/>
-          </a:xfrm>
-          <a:prstGeom prst="rect">
-            <a:avLst/>
-          </a:prstGeom>
-          <a:noFill/>
-          <a:ln>
-            <a:noFill/>
-          </a:ln>
-        </p:spPr>
-        <p:style>
-          <a:lnRef idx="0">
-            <a:scrgbClr r="0" g="0" b="0"/>
-          </a:lnRef>
-          <a:fillRef idx="0">
-            <a:scrgbClr r="0" g="0" b="0"/>
-          </a:fillRef>
-          <a:effectRef idx="0">
-            <a:scrgbClr r="0" g="0" b="0"/>
-          </a:effectRef>
-          <a:fontRef idx="minor"/>
-        </p:style>
-        <p:txBody>
-          <a:bodyPr lIns="90000" tIns="45000" rIns="90000" bIns="45000" anchor="ctr"/>
-          <a:lstStyle/>
-          <a:p>
-            <a:pPr>
-              <a:lnSpc>
-                <a:spcPct val="100000"/>
-              </a:lnSpc>
-            </a:pPr>
-            <a:r>
-              <a:rPr lang="pt-BR" sz="3200" spc="-1" dirty="0" err="1" smtClean="0">
-                <a:uFill>
-                  <a:solidFill>
-                    <a:srgbClr val="FFFFFF"/>
-                  </a:solidFill>
-                </a:uFill>
-                <a:latin typeface="Arial" panose="020B0604020202020204" pitchFamily="34" charset="0"/>
-                <a:cs typeface="Arial" panose="020B0604020202020204" pitchFamily="34" charset="0"/>
-              </a:rPr>
-              <a:t>git</a:t>
-            </a:r>
-            <a:r>
-              <a:rPr lang="pt-BR" sz="3200" spc="-1" dirty="0" smtClean="0">
-                <a:uFill>
-                  <a:solidFill>
-                    <a:srgbClr val="FFFFFF"/>
-                  </a:solidFill>
-                </a:uFill>
-                <a:latin typeface="Arial" panose="020B0604020202020204" pitchFamily="34" charset="0"/>
-                <a:cs typeface="Arial" panose="020B0604020202020204" pitchFamily="34" charset="0"/>
-              </a:rPr>
-              <a:t> log</a:t>
-            </a:r>
-            <a:endParaRPr lang="pt-BR" sz="1800" b="0" strike="noStrike" spc="-1" dirty="0">
-              <a:uFill>
-                <a:solidFill>
-                  <a:srgbClr val="FFFFFF"/>
-                </a:solidFill>
-              </a:uFill>
-              <a:latin typeface="Arial" panose="020B0604020202020204" pitchFamily="34" charset="0"/>
-              <a:cs typeface="Arial" panose="020B0604020202020204" pitchFamily="34" charset="0"/>
-            </a:endParaRPr>
-          </a:p>
-        </p:txBody>
-      </p:sp>
-      <p:sp>
-        <p:nvSpPr>
-          <p:cNvPr id="6" name="CustomShape 2"/>
-          <p:cNvSpPr/>
-          <p:nvPr/>
-        </p:nvSpPr>
-        <p:spPr>
-          <a:xfrm>
-            <a:off x="334800" y="1649192"/>
-            <a:ext cx="11543400" cy="2067840"/>
-          </a:xfrm>
-          <a:prstGeom prst="rect">
-            <a:avLst/>
-          </a:prstGeom>
-          <a:noFill/>
-          <a:ln>
-            <a:noFill/>
-          </a:ln>
-        </p:spPr>
-        <p:style>
-          <a:lnRef idx="0">
-            <a:scrgbClr r="0" g="0" b="0"/>
-          </a:lnRef>
-          <a:fillRef idx="0">
-            <a:scrgbClr r="0" g="0" b="0"/>
-          </a:fillRef>
-          <a:effectRef idx="0">
-            <a:scrgbClr r="0" g="0" b="0"/>
-          </a:effectRef>
-          <a:fontRef idx="minor"/>
-        </p:style>
-        <p:txBody>
-          <a:bodyPr lIns="90000" tIns="45000" rIns="90000" bIns="45000"/>
-          <a:lstStyle/>
-          <a:p>
-            <a:pPr marL="2160">
-              <a:lnSpc>
-                <a:spcPct val="90000"/>
-              </a:lnSpc>
-              <a:buClr>
-                <a:srgbClr val="808080"/>
-              </a:buClr>
-            </a:pPr>
-            <a:endParaRPr lang="pt-BR" sz="1800" b="0" strike="noStrike" spc="-1" dirty="0" smtClean="0">
-              <a:solidFill>
-                <a:srgbClr val="000000"/>
-              </a:solidFill>
-              <a:uFill>
-                <a:solidFill>
-                  <a:srgbClr val="FFFFFF"/>
-                </a:solidFill>
-              </a:uFill>
-              <a:latin typeface="Arial"/>
-            </a:endParaRPr>
-          </a:p>
-          <a:p>
-            <a:pPr>
-              <a:lnSpc>
-                <a:spcPct val="90000"/>
-              </a:lnSpc>
-            </a:pPr>
-            <a:r>
-              <a:rPr lang="pt-BR" sz="3200" spc="-1" dirty="0" err="1">
-                <a:uFill>
-                  <a:solidFill>
-                    <a:srgbClr val="FFFFFF"/>
-                  </a:solidFill>
-                </a:uFill>
-                <a:latin typeface="Arial"/>
-              </a:rPr>
-              <a:t>g</a:t>
-            </a:r>
-            <a:r>
-              <a:rPr lang="pt-BR" sz="3200" spc="-1" dirty="0" err="1" smtClean="0">
-                <a:uFill>
-                  <a:solidFill>
-                    <a:srgbClr val="FFFFFF"/>
-                  </a:solidFill>
-                </a:uFill>
-                <a:latin typeface="Arial"/>
-              </a:rPr>
-              <a:t>it</a:t>
-            </a:r>
-            <a:r>
-              <a:rPr lang="pt-BR" sz="3200" spc="-1" dirty="0" smtClean="0">
-                <a:uFill>
-                  <a:solidFill>
-                    <a:srgbClr val="FFFFFF"/>
-                  </a:solidFill>
-                </a:uFill>
-                <a:latin typeface="Arial"/>
-              </a:rPr>
-              <a:t> log</a:t>
-            </a:r>
-          </a:p>
-          <a:p>
-            <a:pPr>
-              <a:lnSpc>
-                <a:spcPct val="90000"/>
-              </a:lnSpc>
-            </a:pPr>
-            <a:endParaRPr lang="pt-BR" sz="3200" spc="-1" dirty="0">
-              <a:uFill>
-                <a:solidFill>
-                  <a:srgbClr val="FFFFFF"/>
-                </a:solidFill>
-              </a:uFill>
-              <a:latin typeface="Arial"/>
-            </a:endParaRPr>
-          </a:p>
-          <a:p>
-            <a:pPr>
-              <a:lnSpc>
-                <a:spcPct val="90000"/>
-              </a:lnSpc>
-            </a:pPr>
-            <a:r>
-              <a:rPr lang="pt-BR" sz="3200" spc="-1" dirty="0" err="1">
-                <a:uFill>
-                  <a:solidFill>
-                    <a:srgbClr val="FFFFFF"/>
-                  </a:solidFill>
-                </a:uFill>
-                <a:latin typeface="Arial"/>
-              </a:rPr>
-              <a:t>g</a:t>
-            </a:r>
-            <a:r>
-              <a:rPr lang="pt-BR" sz="3200" spc="-1" dirty="0" err="1" smtClean="0">
-                <a:uFill>
-                  <a:solidFill>
-                    <a:srgbClr val="FFFFFF"/>
-                  </a:solidFill>
-                </a:uFill>
-                <a:latin typeface="Arial"/>
-              </a:rPr>
-              <a:t>it</a:t>
-            </a:r>
-            <a:r>
-              <a:rPr lang="pt-BR" sz="3200" spc="-1" dirty="0" smtClean="0">
-                <a:uFill>
-                  <a:solidFill>
-                    <a:srgbClr val="FFFFFF"/>
-                  </a:solidFill>
-                </a:uFill>
-                <a:latin typeface="Arial"/>
-              </a:rPr>
-              <a:t> log -p -2 (só as diferenças, só os últimos 2 </a:t>
-            </a:r>
-            <a:r>
-              <a:rPr lang="pt-BR" sz="3200" spc="-1" dirty="0" err="1" smtClean="0">
-                <a:uFill>
-                  <a:solidFill>
-                    <a:srgbClr val="FFFFFF"/>
-                  </a:solidFill>
-                </a:uFill>
-                <a:latin typeface="Arial"/>
-              </a:rPr>
-              <a:t>commits</a:t>
-            </a:r>
-            <a:r>
-              <a:rPr lang="pt-BR" sz="3200" spc="-1" dirty="0" smtClean="0">
-                <a:uFill>
-                  <a:solidFill>
-                    <a:srgbClr val="FFFFFF"/>
-                  </a:solidFill>
-                </a:uFill>
-                <a:latin typeface="Arial"/>
-              </a:rPr>
-              <a:t>)</a:t>
-            </a:r>
-          </a:p>
-          <a:p>
-            <a:pPr>
-              <a:lnSpc>
-                <a:spcPct val="90000"/>
-              </a:lnSpc>
-            </a:pPr>
-            <a:endParaRPr lang="pt-BR" sz="3200" spc="-1" dirty="0">
-              <a:uFill>
-                <a:solidFill>
-                  <a:srgbClr val="FFFFFF"/>
-                </a:solidFill>
-              </a:uFill>
-              <a:latin typeface="Arial"/>
-            </a:endParaRPr>
-          </a:p>
-          <a:p>
-            <a:pPr>
-              <a:lnSpc>
-                <a:spcPct val="90000"/>
-              </a:lnSpc>
-            </a:pPr>
-            <a:r>
-              <a:rPr lang="pt-BR" sz="3200" spc="-1" dirty="0" err="1">
-                <a:uFill>
-                  <a:solidFill>
-                    <a:srgbClr val="FFFFFF"/>
-                  </a:solidFill>
-                </a:uFill>
-                <a:latin typeface="Arial"/>
-              </a:rPr>
-              <a:t>g</a:t>
-            </a:r>
-            <a:r>
-              <a:rPr lang="pt-BR" sz="3200" spc="-1" dirty="0" err="1" smtClean="0">
-                <a:uFill>
-                  <a:solidFill>
-                    <a:srgbClr val="FFFFFF"/>
-                  </a:solidFill>
-                </a:uFill>
-                <a:latin typeface="Arial"/>
-              </a:rPr>
-              <a:t>it</a:t>
-            </a:r>
-            <a:r>
-              <a:rPr lang="pt-BR" sz="3200" spc="-1" dirty="0" smtClean="0">
-                <a:uFill>
-                  <a:solidFill>
-                    <a:srgbClr val="FFFFFF"/>
-                  </a:solidFill>
-                </a:uFill>
-                <a:latin typeface="Arial"/>
-              </a:rPr>
-              <a:t> log --</a:t>
-            </a:r>
-            <a:r>
-              <a:rPr lang="pt-BR" sz="3200" spc="-1" dirty="0" err="1" smtClean="0">
-                <a:uFill>
-                  <a:solidFill>
-                    <a:srgbClr val="FFFFFF"/>
-                  </a:solidFill>
-                </a:uFill>
-                <a:latin typeface="Arial"/>
-              </a:rPr>
-              <a:t>stat</a:t>
-            </a:r>
-            <a:r>
-              <a:rPr lang="pt-BR" sz="3200" spc="-1" dirty="0" smtClean="0">
-                <a:uFill>
-                  <a:solidFill>
-                    <a:srgbClr val="FFFFFF"/>
-                  </a:solidFill>
-                </a:uFill>
-                <a:latin typeface="Arial"/>
-              </a:rPr>
-              <a:t> (status de cada </a:t>
-            </a:r>
-            <a:r>
-              <a:rPr lang="pt-BR" sz="3200" spc="-1" dirty="0" err="1" smtClean="0">
-                <a:uFill>
-                  <a:solidFill>
-                    <a:srgbClr val="FFFFFF"/>
-                  </a:solidFill>
-                </a:uFill>
-                <a:latin typeface="Arial"/>
-              </a:rPr>
-              <a:t>commit</a:t>
-            </a:r>
-            <a:r>
-              <a:rPr lang="pt-BR" sz="3200" spc="-1" dirty="0" smtClean="0">
-                <a:uFill>
-                  <a:solidFill>
-                    <a:srgbClr val="FFFFFF"/>
-                  </a:solidFill>
-                </a:uFill>
-                <a:latin typeface="Arial"/>
-              </a:rPr>
-              <a:t>)</a:t>
-            </a:r>
-          </a:p>
-          <a:p>
-            <a:pPr>
-              <a:lnSpc>
-                <a:spcPct val="90000"/>
-              </a:lnSpc>
-            </a:pPr>
-            <a:endParaRPr lang="pt-BR" sz="3200" spc="-1" dirty="0">
-              <a:uFill>
-                <a:solidFill>
-                  <a:srgbClr val="FFFFFF"/>
-                </a:solidFill>
-              </a:uFill>
-              <a:latin typeface="Arial"/>
-            </a:endParaRPr>
-          </a:p>
-          <a:p>
-            <a:pPr>
-              <a:lnSpc>
-                <a:spcPct val="90000"/>
-              </a:lnSpc>
-            </a:pPr>
-            <a:r>
-              <a:rPr lang="pt-BR" sz="3200" spc="-1" dirty="0" err="1" smtClean="0">
-                <a:uFill>
-                  <a:solidFill>
-                    <a:srgbClr val="FFFFFF"/>
-                  </a:solidFill>
-                </a:uFill>
-                <a:latin typeface="Arial"/>
-              </a:rPr>
-              <a:t>git</a:t>
-            </a:r>
-            <a:r>
-              <a:rPr lang="pt-BR" sz="3200" spc="-1" dirty="0" smtClean="0">
-                <a:uFill>
-                  <a:solidFill>
-                    <a:srgbClr val="FFFFFF"/>
-                  </a:solidFill>
-                </a:uFill>
-                <a:latin typeface="Arial"/>
-              </a:rPr>
-              <a:t> log --</a:t>
-            </a:r>
-            <a:r>
-              <a:rPr lang="pt-BR" sz="3200" spc="-1" dirty="0" err="1" smtClean="0">
-                <a:uFill>
-                  <a:solidFill>
-                    <a:srgbClr val="FFFFFF"/>
-                  </a:solidFill>
-                </a:uFill>
-                <a:latin typeface="Arial"/>
-              </a:rPr>
-              <a:t>pretty</a:t>
-            </a:r>
-            <a:r>
-              <a:rPr lang="pt-BR" sz="3200" spc="-1" dirty="0" smtClean="0">
-                <a:uFill>
-                  <a:solidFill>
-                    <a:srgbClr val="FFFFFF"/>
-                  </a:solidFill>
-                </a:uFill>
-                <a:latin typeface="Arial"/>
-              </a:rPr>
-              <a:t>=</a:t>
-            </a:r>
-            <a:r>
-              <a:rPr lang="pt-BR" sz="3200" spc="-1" dirty="0" err="1" smtClean="0">
-                <a:uFill>
-                  <a:solidFill>
-                    <a:srgbClr val="FFFFFF"/>
-                  </a:solidFill>
-                </a:uFill>
-                <a:latin typeface="Arial"/>
-              </a:rPr>
-              <a:t>oneline</a:t>
-            </a:r>
-            <a:endParaRPr lang="pt-BR" sz="3200" spc="-1" dirty="0" smtClean="0">
-              <a:uFill>
-                <a:solidFill>
-                  <a:srgbClr val="FFFFFF"/>
-                </a:solidFill>
-              </a:uFill>
-              <a:latin typeface="Arial"/>
-            </a:endParaRPr>
-          </a:p>
-          <a:p>
-            <a:pPr>
-              <a:lnSpc>
-                <a:spcPct val="90000"/>
-              </a:lnSpc>
-            </a:pPr>
-            <a:endParaRPr lang="pt-BR" sz="3200" spc="-1" dirty="0" smtClean="0">
-              <a:uFill>
-                <a:solidFill>
-                  <a:srgbClr val="FFFFFF"/>
-                </a:solidFill>
-              </a:uFill>
-              <a:latin typeface="Arial"/>
-            </a:endParaRPr>
-          </a:p>
-        </p:txBody>
-      </p:sp>
-      <p:pic>
-        <p:nvPicPr>
-          <p:cNvPr id="2" name="Imagem 1"/>
-          <p:cNvPicPr>
-            <a:picLocks noChangeAspect="1"/>
-          </p:cNvPicPr>
-          <p:nvPr/>
-        </p:nvPicPr>
-        <p:blipFill>
-          <a:blip r:embed="rId2">
-            <a:extLst>
-              <a:ext uri="{28A0092B-C50C-407E-A947-70E740481C1C}">
-                <a14:useLocalDpi xmlns:a14="http://schemas.microsoft.com/office/drawing/2010/main" val="0"/>
-              </a:ext>
-            </a:extLst>
-          </a:blip>
-          <a:stretch>
-            <a:fillRect/>
-          </a:stretch>
-        </p:blipFill>
-        <p:spPr>
-          <a:xfrm>
-            <a:off x="7392144" y="3531475"/>
-            <a:ext cx="4690652" cy="3137885"/>
-          </a:xfrm>
-          <a:prstGeom prst="rect">
-            <a:avLst/>
-          </a:prstGeom>
-        </p:spPr>
-      </p:pic>
-    </p:spTree>
-    <p:extLst>
-      <p:ext uri="{BB962C8B-B14F-4D97-AF65-F5344CB8AC3E}">
-        <p14:creationId xmlns:p14="http://schemas.microsoft.com/office/powerpoint/2010/main" val="3352107375"/>
-      </p:ext>
-    </p:extLst>
-  </p:cSld>
-  <p:clrMapOvr>
-    <a:masterClrMapping/>
-  </p:clrMapOvr>
-  <p:timing>
-    <p:tnLst>
-      <p:par>
-        <p:cTn id="1" dur="indefinite" restart="never" nodeType="tmRoot"/>
-      </p:par>
-    </p:tnLst>
-  </p:timing>
-</p:sld>
-</file>
-
-<file path=ppt/slides/slide26.xml><?xml version="1.0" encoding="utf-8"?>
-<p:sld xmlns:a="http://schemas.openxmlformats.org/drawingml/2006/main" xmlns:r="http://schemas.openxmlformats.org/officeDocument/2006/relationships" xmlns:p="http://schemas.openxmlformats.org/presentationml/2006/main">
-  <p:cSld>
-    <p:spTree>
-      <p:nvGrpSpPr>
-        <p:cNvPr id="1" name=""/>
-        <p:cNvGrpSpPr/>
-        <p:nvPr/>
-      </p:nvGrpSpPr>
-      <p:grpSpPr>
-        <a:xfrm>
-          <a:off x="0" y="0"/>
-          <a:ext cx="0" cy="0"/>
-          <a:chOff x="0" y="0"/>
-          <a:chExt cx="0" cy="0"/>
-        </a:xfrm>
-      </p:grpSpPr>
-      <p:sp>
-        <p:nvSpPr>
-          <p:cNvPr id="168" name="CustomShape 1"/>
-          <p:cNvSpPr/>
-          <p:nvPr/>
-        </p:nvSpPr>
-        <p:spPr>
-          <a:xfrm>
-            <a:off x="217800" y="-18720"/>
-            <a:ext cx="10513440" cy="1323360"/>
-          </a:xfrm>
-          <a:prstGeom prst="rect">
-            <a:avLst/>
-          </a:prstGeom>
-          <a:noFill/>
-          <a:ln>
-            <a:noFill/>
-          </a:ln>
-        </p:spPr>
-        <p:style>
-          <a:lnRef idx="0">
-            <a:scrgbClr r="0" g="0" b="0"/>
-          </a:lnRef>
-          <a:fillRef idx="0">
-            <a:scrgbClr r="0" g="0" b="0"/>
-          </a:fillRef>
-          <a:effectRef idx="0">
-            <a:scrgbClr r="0" g="0" b="0"/>
-          </a:effectRef>
-          <a:fontRef idx="minor"/>
-        </p:style>
-        <p:txBody>
-          <a:bodyPr lIns="90000" tIns="45000" rIns="90000" bIns="45000" anchor="ctr"/>
-          <a:lstStyle/>
-          <a:p>
-            <a:pPr>
-              <a:lnSpc>
-                <a:spcPct val="100000"/>
-              </a:lnSpc>
-            </a:pPr>
-            <a:r>
-              <a:rPr lang="pt-BR" sz="3200" b="1" spc="-1" dirty="0" err="1">
-                <a:uFill>
-                  <a:solidFill>
-                    <a:srgbClr val="FFFFFF"/>
-                  </a:solidFill>
-                </a:uFill>
-                <a:latin typeface="Arial" panose="020B0604020202020204" pitchFamily="34" charset="0"/>
-                <a:cs typeface="Arial" panose="020B0604020202020204" pitchFamily="34" charset="0"/>
-              </a:rPr>
-              <a:t>g</a:t>
-            </a:r>
-            <a:r>
-              <a:rPr lang="pt-BR" sz="3200" b="1" spc="-1" dirty="0" err="1" smtClean="0">
-                <a:uFill>
-                  <a:solidFill>
-                    <a:srgbClr val="FFFFFF"/>
-                  </a:solidFill>
-                </a:uFill>
-                <a:latin typeface="Arial" panose="020B0604020202020204" pitchFamily="34" charset="0"/>
-                <a:cs typeface="Arial" panose="020B0604020202020204" pitchFamily="34" charset="0"/>
-              </a:rPr>
-              <a:t>it</a:t>
-            </a:r>
-            <a:r>
-              <a:rPr lang="pt-BR" sz="3200" b="1" spc="-1" dirty="0" smtClean="0">
-                <a:uFill>
-                  <a:solidFill>
-                    <a:srgbClr val="FFFFFF"/>
-                  </a:solidFill>
-                </a:uFill>
-                <a:latin typeface="Arial" panose="020B0604020202020204" pitchFamily="34" charset="0"/>
-                <a:cs typeface="Arial" panose="020B0604020202020204" pitchFamily="34" charset="0"/>
-              </a:rPr>
-              <a:t> log</a:t>
-            </a:r>
-            <a:endParaRPr lang="pt-BR" sz="1800" b="1" strike="noStrike" spc="-1" dirty="0">
-              <a:uFill>
-                <a:solidFill>
-                  <a:srgbClr val="FFFFFF"/>
-                </a:solidFill>
-              </a:uFill>
-              <a:latin typeface="Arial" panose="020B0604020202020204" pitchFamily="34" charset="0"/>
-              <a:cs typeface="Arial" panose="020B0604020202020204" pitchFamily="34" charset="0"/>
-            </a:endParaRPr>
-          </a:p>
-        </p:txBody>
-      </p:sp>
-      <p:sp>
-        <p:nvSpPr>
-          <p:cNvPr id="6" name="CustomShape 2"/>
-          <p:cNvSpPr/>
-          <p:nvPr/>
-        </p:nvSpPr>
-        <p:spPr>
-          <a:xfrm>
-            <a:off x="334800" y="1649192"/>
-            <a:ext cx="11543400" cy="2067840"/>
-          </a:xfrm>
-          <a:prstGeom prst="rect">
-            <a:avLst/>
-          </a:prstGeom>
-          <a:noFill/>
-          <a:ln>
-            <a:noFill/>
-          </a:ln>
-        </p:spPr>
-        <p:style>
-          <a:lnRef idx="0">
-            <a:scrgbClr r="0" g="0" b="0"/>
-          </a:lnRef>
-          <a:fillRef idx="0">
-            <a:scrgbClr r="0" g="0" b="0"/>
-          </a:fillRef>
-          <a:effectRef idx="0">
-            <a:scrgbClr r="0" g="0" b="0"/>
-          </a:effectRef>
-          <a:fontRef idx="minor"/>
-        </p:style>
-        <p:txBody>
-          <a:bodyPr lIns="90000" tIns="45000" rIns="90000" bIns="45000"/>
-          <a:lstStyle/>
-          <a:p>
-            <a:pPr marL="2160">
-              <a:lnSpc>
-                <a:spcPct val="90000"/>
-              </a:lnSpc>
-              <a:buClr>
-                <a:srgbClr val="808080"/>
-              </a:buClr>
-            </a:pPr>
-            <a:endParaRPr lang="pt-BR" sz="1800" b="0" strike="noStrike" spc="-1" dirty="0" smtClean="0">
-              <a:solidFill>
-                <a:srgbClr val="000000"/>
-              </a:solidFill>
-              <a:uFill>
-                <a:solidFill>
-                  <a:srgbClr val="FFFFFF"/>
-                </a:solidFill>
-              </a:uFill>
-              <a:latin typeface="Arial"/>
-            </a:endParaRPr>
-          </a:p>
-        </p:txBody>
-      </p:sp>
-      <p:graphicFrame>
-        <p:nvGraphicFramePr>
-          <p:cNvPr id="4" name="Tabela 3"/>
-          <p:cNvGraphicFramePr>
-            <a:graphicFrameLocks noGrp="1"/>
-          </p:cNvGraphicFramePr>
-          <p:nvPr>
-            <p:extLst>
-              <p:ext uri="{D42A27DB-BD31-4B8C-83A1-F6EECF244321}">
-                <p14:modId xmlns:p14="http://schemas.microsoft.com/office/powerpoint/2010/main" val="1042473475"/>
-              </p:ext>
-            </p:extLst>
-          </p:nvPr>
-        </p:nvGraphicFramePr>
-        <p:xfrm>
-          <a:off x="2032000" y="2134448"/>
-          <a:ext cx="8128000" cy="3977640"/>
-        </p:xfrm>
-        <a:graphic>
-          <a:graphicData uri="http://schemas.openxmlformats.org/drawingml/2006/table">
-            <a:tbl>
-              <a:tblPr firstRow="1" bandRow="1">
-                <a:tableStyleId>{5C22544A-7EE6-4342-B048-85BDC9FD1C3A}</a:tableStyleId>
-              </a:tblPr>
-              <a:tblGrid>
-                <a:gridCol w="2047776">
-                  <a:extLst>
-                    <a:ext uri="{9D8B030D-6E8A-4147-A177-3AD203B41FA5}">
-                      <a16:colId xmlns:a16="http://schemas.microsoft.com/office/drawing/2014/main" val="3789317085"/>
-                    </a:ext>
-                  </a:extLst>
-                </a:gridCol>
-                <a:gridCol w="6080224">
-                  <a:extLst>
-                    <a:ext uri="{9D8B030D-6E8A-4147-A177-3AD203B41FA5}">
-                      <a16:colId xmlns:a16="http://schemas.microsoft.com/office/drawing/2014/main" val="78992449"/>
-                    </a:ext>
-                  </a:extLst>
-                </a:gridCol>
-              </a:tblGrid>
-              <a:tr h="370840">
-                <a:tc>
-                  <a:txBody>
-                    <a:bodyPr/>
-                    <a:lstStyle/>
-                    <a:p>
-                      <a:r>
-                        <a:rPr lang="pt-BR" dirty="0" smtClean="0"/>
-                        <a:t>Opção</a:t>
-                      </a:r>
-                      <a:endParaRPr lang="pt-BR" dirty="0"/>
-                    </a:p>
-                  </a:txBody>
-                  <a:tcPr/>
-                </a:tc>
-                <a:tc>
-                  <a:txBody>
-                    <a:bodyPr/>
-                    <a:lstStyle/>
-                    <a:p>
-                      <a:r>
-                        <a:rPr lang="pt-BR" dirty="0" smtClean="0"/>
-                        <a:t>Descrição</a:t>
-                      </a:r>
-                      <a:endParaRPr lang="pt-BR" dirty="0"/>
-                    </a:p>
-                  </a:txBody>
-                  <a:tcPr/>
-                </a:tc>
-                <a:extLst>
-                  <a:ext uri="{0D108BD9-81ED-4DB2-BD59-A6C34878D82A}">
-                    <a16:rowId xmlns:a16="http://schemas.microsoft.com/office/drawing/2014/main" val="948514480"/>
-                  </a:ext>
-                </a:extLst>
-              </a:tr>
-              <a:tr h="370840">
-                <a:tc>
-                  <a:txBody>
-                    <a:bodyPr/>
-                    <a:lstStyle/>
-                    <a:p>
-                      <a:r>
-                        <a:rPr lang="pt-BR" dirty="0" smtClean="0"/>
-                        <a:t>-p</a:t>
-                      </a:r>
-                      <a:endParaRPr lang="pt-BR" dirty="0"/>
-                    </a:p>
-                  </a:txBody>
-                  <a:tcPr/>
-                </a:tc>
-                <a:tc>
-                  <a:txBody>
-                    <a:bodyPr/>
-                    <a:lstStyle/>
-                    <a:p>
-                      <a:r>
-                        <a:rPr lang="pt-BR" dirty="0" smtClean="0"/>
-                        <a:t>Mostra relatório</a:t>
-                      </a:r>
-                      <a:r>
-                        <a:rPr lang="pt-BR" baseline="0" dirty="0" smtClean="0"/>
-                        <a:t> completo de mudanças</a:t>
-                      </a:r>
-                      <a:endParaRPr lang="pt-BR" dirty="0"/>
-                    </a:p>
-                  </a:txBody>
-                  <a:tcPr/>
-                </a:tc>
-                <a:extLst>
-                  <a:ext uri="{0D108BD9-81ED-4DB2-BD59-A6C34878D82A}">
-                    <a16:rowId xmlns:a16="http://schemas.microsoft.com/office/drawing/2014/main" val="2514935863"/>
-                  </a:ext>
-                </a:extLst>
-              </a:tr>
-              <a:tr h="370840">
-                <a:tc>
-                  <a:txBody>
-                    <a:bodyPr/>
-                    <a:lstStyle/>
-                    <a:p>
-                      <a:r>
-                        <a:rPr lang="pt-BR" dirty="0" smtClean="0"/>
-                        <a:t>--</a:t>
-                      </a:r>
-                      <a:r>
-                        <a:rPr lang="pt-BR" dirty="0" err="1" smtClean="0"/>
-                        <a:t>stat</a:t>
-                      </a:r>
-                      <a:endParaRPr lang="pt-BR" dirty="0"/>
-                    </a:p>
-                  </a:txBody>
-                  <a:tcPr/>
-                </a:tc>
-                <a:tc>
-                  <a:txBody>
-                    <a:bodyPr/>
-                    <a:lstStyle/>
-                    <a:p>
-                      <a:r>
-                        <a:rPr lang="pt-BR" dirty="0" smtClean="0"/>
-                        <a:t>Mostra estatísticas de mudança, como tamanho do arquivo</a:t>
-                      </a:r>
-                      <a:endParaRPr lang="pt-BR" dirty="0"/>
-                    </a:p>
-                  </a:txBody>
-                  <a:tcPr/>
-                </a:tc>
-                <a:extLst>
-                  <a:ext uri="{0D108BD9-81ED-4DB2-BD59-A6C34878D82A}">
-                    <a16:rowId xmlns:a16="http://schemas.microsoft.com/office/drawing/2014/main" val="2641471860"/>
-                  </a:ext>
-                </a:extLst>
-              </a:tr>
-              <a:tr h="370840">
-                <a:tc>
-                  <a:txBody>
-                    <a:bodyPr/>
-                    <a:lstStyle/>
-                    <a:p>
-                      <a:r>
-                        <a:rPr lang="pt-BR" dirty="0" smtClean="0"/>
-                        <a:t>--</a:t>
-                      </a:r>
-                      <a:r>
-                        <a:rPr lang="pt-BR" dirty="0" err="1" smtClean="0"/>
-                        <a:t>shortstat</a:t>
-                      </a:r>
-                      <a:endParaRPr lang="pt-BR" dirty="0"/>
-                    </a:p>
-                  </a:txBody>
-                  <a:tcPr/>
-                </a:tc>
-                <a:tc>
-                  <a:txBody>
-                    <a:bodyPr/>
-                    <a:lstStyle/>
-                    <a:p>
-                      <a:r>
-                        <a:rPr lang="pt-BR" dirty="0" smtClean="0"/>
-                        <a:t>Mostra</a:t>
-                      </a:r>
-                      <a:r>
-                        <a:rPr lang="pt-BR" baseline="0" dirty="0" smtClean="0"/>
-                        <a:t> versão resumida das estatísticas de mudança</a:t>
-                      </a:r>
-                      <a:endParaRPr lang="pt-BR" dirty="0"/>
-                    </a:p>
-                  </a:txBody>
-                  <a:tcPr/>
-                </a:tc>
-                <a:extLst>
-                  <a:ext uri="{0D108BD9-81ED-4DB2-BD59-A6C34878D82A}">
-                    <a16:rowId xmlns:a16="http://schemas.microsoft.com/office/drawing/2014/main" val="3962171482"/>
-                  </a:ext>
-                </a:extLst>
-              </a:tr>
-              <a:tr h="370840">
-                <a:tc>
-                  <a:txBody>
-                    <a:bodyPr/>
-                    <a:lstStyle/>
-                    <a:p>
-                      <a:r>
-                        <a:rPr lang="pt-BR" dirty="0" smtClean="0"/>
-                        <a:t>--</a:t>
-                      </a:r>
-                      <a:r>
-                        <a:rPr lang="pt-BR" dirty="0" err="1" smtClean="0"/>
-                        <a:t>name-only</a:t>
-                      </a:r>
-                      <a:endParaRPr lang="pt-BR" dirty="0"/>
-                    </a:p>
-                  </a:txBody>
-                  <a:tcPr/>
-                </a:tc>
-                <a:tc>
-                  <a:txBody>
-                    <a:bodyPr/>
-                    <a:lstStyle/>
-                    <a:p>
-                      <a:r>
-                        <a:rPr lang="pt-BR" dirty="0" smtClean="0"/>
-                        <a:t>Mostra só o nome dos arquivos modificados</a:t>
-                      </a:r>
-                      <a:endParaRPr lang="pt-BR" dirty="0"/>
-                    </a:p>
-                  </a:txBody>
-                  <a:tcPr/>
-                </a:tc>
-                <a:extLst>
-                  <a:ext uri="{0D108BD9-81ED-4DB2-BD59-A6C34878D82A}">
-                    <a16:rowId xmlns:a16="http://schemas.microsoft.com/office/drawing/2014/main" val="1865537126"/>
-                  </a:ext>
-                </a:extLst>
-              </a:tr>
-              <a:tr h="370840">
-                <a:tc>
-                  <a:txBody>
-                    <a:bodyPr/>
-                    <a:lstStyle/>
-                    <a:p>
-                      <a:r>
-                        <a:rPr lang="pt-BR" dirty="0" smtClean="0"/>
-                        <a:t>--</a:t>
-                      </a:r>
-                      <a:r>
-                        <a:rPr lang="pt-BR" dirty="0" err="1" smtClean="0"/>
-                        <a:t>name</a:t>
-                      </a:r>
-                      <a:r>
-                        <a:rPr lang="pt-BR" dirty="0" smtClean="0"/>
-                        <a:t>-status</a:t>
-                      </a:r>
-                      <a:endParaRPr lang="pt-BR" dirty="0"/>
-                    </a:p>
-                  </a:txBody>
-                  <a:tcPr/>
-                </a:tc>
-                <a:tc>
-                  <a:txBody>
-                    <a:bodyPr/>
-                    <a:lstStyle/>
-                    <a:p>
-                      <a:r>
-                        <a:rPr lang="pt-BR" dirty="0" smtClean="0"/>
-                        <a:t>Mostra o</a:t>
-                      </a:r>
-                      <a:r>
-                        <a:rPr lang="pt-BR" baseline="0" dirty="0" smtClean="0"/>
-                        <a:t> nome dos arquivos modificados e status (alterado/modificado/excluído)</a:t>
-                      </a:r>
-                      <a:endParaRPr lang="pt-BR" dirty="0"/>
-                    </a:p>
-                  </a:txBody>
-                  <a:tcPr/>
-                </a:tc>
-                <a:extLst>
-                  <a:ext uri="{0D108BD9-81ED-4DB2-BD59-A6C34878D82A}">
-                    <a16:rowId xmlns:a16="http://schemas.microsoft.com/office/drawing/2014/main" val="4228484978"/>
-                  </a:ext>
-                </a:extLst>
-              </a:tr>
-              <a:tr h="370840">
-                <a:tc>
-                  <a:txBody>
-                    <a:bodyPr/>
-                    <a:lstStyle/>
-                    <a:p>
-                      <a:r>
-                        <a:rPr lang="pt-BR" dirty="0" smtClean="0"/>
-                        <a:t>--</a:t>
-                      </a:r>
-                      <a:r>
-                        <a:rPr lang="pt-BR" dirty="0" err="1" smtClean="0"/>
-                        <a:t>abbrev-commit</a:t>
-                      </a:r>
-                      <a:endParaRPr lang="pt-BR" dirty="0"/>
-                    </a:p>
-                  </a:txBody>
-                  <a:tcPr/>
-                </a:tc>
-                <a:tc>
-                  <a:txBody>
-                    <a:bodyPr/>
-                    <a:lstStyle/>
-                    <a:p>
-                      <a:r>
-                        <a:rPr lang="pt-BR" dirty="0" smtClean="0"/>
-                        <a:t>Mostra versão abreviada</a:t>
-                      </a:r>
-                      <a:r>
-                        <a:rPr lang="pt-BR" baseline="0" dirty="0" smtClean="0"/>
-                        <a:t> do SHA-1 do </a:t>
-                      </a:r>
-                      <a:r>
-                        <a:rPr lang="pt-BR" baseline="0" dirty="0" err="1" smtClean="0"/>
-                        <a:t>commit</a:t>
-                      </a:r>
-                      <a:endParaRPr lang="pt-BR" dirty="0"/>
-                    </a:p>
-                  </a:txBody>
-                  <a:tcPr/>
-                </a:tc>
-                <a:extLst>
-                  <a:ext uri="{0D108BD9-81ED-4DB2-BD59-A6C34878D82A}">
-                    <a16:rowId xmlns:a16="http://schemas.microsoft.com/office/drawing/2014/main" val="1493370057"/>
-                  </a:ext>
-                </a:extLst>
-              </a:tr>
-              <a:tr h="370840">
-                <a:tc>
-                  <a:txBody>
-                    <a:bodyPr/>
-                    <a:lstStyle/>
-                    <a:p>
-                      <a:r>
-                        <a:rPr lang="pt-BR" dirty="0" smtClean="0"/>
-                        <a:t>--</a:t>
-                      </a:r>
-                      <a:r>
-                        <a:rPr lang="pt-BR" dirty="0" err="1" smtClean="0"/>
-                        <a:t>relative</a:t>
-                      </a:r>
-                      <a:r>
-                        <a:rPr lang="pt-BR" dirty="0" smtClean="0"/>
-                        <a:t>-date</a:t>
-                      </a:r>
-                      <a:endParaRPr lang="pt-BR" dirty="0"/>
-                    </a:p>
-                  </a:txBody>
-                  <a:tcPr/>
-                </a:tc>
-                <a:tc>
-                  <a:txBody>
-                    <a:bodyPr/>
-                    <a:lstStyle/>
-                    <a:p>
-                      <a:r>
-                        <a:rPr lang="pt-BR" dirty="0" smtClean="0"/>
-                        <a:t>Mostra data no formato relativo</a:t>
-                      </a:r>
-                      <a:endParaRPr lang="pt-BR" dirty="0"/>
-                    </a:p>
-                  </a:txBody>
-                  <a:tcPr/>
-                </a:tc>
-                <a:extLst>
-                  <a:ext uri="{0D108BD9-81ED-4DB2-BD59-A6C34878D82A}">
-                    <a16:rowId xmlns:a16="http://schemas.microsoft.com/office/drawing/2014/main" val="3228977251"/>
-                  </a:ext>
-                </a:extLst>
-              </a:tr>
-              <a:tr h="370840">
-                <a:tc>
-                  <a:txBody>
-                    <a:bodyPr/>
-                    <a:lstStyle/>
-                    <a:p>
-                      <a:r>
-                        <a:rPr lang="pt-BR" dirty="0" smtClean="0"/>
-                        <a:t>--</a:t>
-                      </a:r>
-                      <a:r>
-                        <a:rPr lang="pt-BR" dirty="0" err="1" smtClean="0"/>
-                        <a:t>graph</a:t>
-                      </a:r>
-                      <a:endParaRPr lang="pt-BR" dirty="0"/>
-                    </a:p>
-                  </a:txBody>
-                  <a:tcPr/>
-                </a:tc>
-                <a:tc>
-                  <a:txBody>
-                    <a:bodyPr/>
-                    <a:lstStyle/>
-                    <a:p>
-                      <a:r>
-                        <a:rPr lang="pt-BR" dirty="0" smtClean="0"/>
-                        <a:t>Formato</a:t>
-                      </a:r>
-                      <a:r>
-                        <a:rPr lang="pt-BR" baseline="0" dirty="0" smtClean="0"/>
-                        <a:t> gráfico</a:t>
-                      </a:r>
-                      <a:endParaRPr lang="pt-BR" dirty="0"/>
-                    </a:p>
-                  </a:txBody>
-                  <a:tcPr/>
-                </a:tc>
-                <a:extLst>
-                  <a:ext uri="{0D108BD9-81ED-4DB2-BD59-A6C34878D82A}">
-                    <a16:rowId xmlns:a16="http://schemas.microsoft.com/office/drawing/2014/main" val="2778975573"/>
-                  </a:ext>
-                </a:extLst>
-              </a:tr>
-              <a:tr h="370840">
-                <a:tc>
-                  <a:txBody>
-                    <a:bodyPr/>
-                    <a:lstStyle/>
-                    <a:p>
-                      <a:r>
-                        <a:rPr lang="pt-BR" dirty="0" smtClean="0"/>
-                        <a:t>--</a:t>
-                      </a:r>
-                      <a:r>
-                        <a:rPr lang="pt-BR" dirty="0" err="1" smtClean="0"/>
-                        <a:t>pretty</a:t>
-                      </a:r>
-                      <a:endParaRPr lang="pt-BR" dirty="0"/>
-                    </a:p>
-                  </a:txBody>
-                  <a:tcPr/>
-                </a:tc>
-                <a:tc>
-                  <a:txBody>
-                    <a:bodyPr/>
-                    <a:lstStyle/>
-                    <a:p>
-                      <a:r>
-                        <a:rPr lang="pt-BR" dirty="0" err="1" smtClean="0"/>
-                        <a:t>Customizável</a:t>
-                      </a:r>
-                      <a:r>
-                        <a:rPr lang="pt-BR" dirty="0" smtClean="0"/>
-                        <a:t> (mais</a:t>
-                      </a:r>
-                      <a:r>
-                        <a:rPr lang="pt-BR" baseline="0" dirty="0" smtClean="0"/>
-                        <a:t> detalhes a seguir</a:t>
-                      </a:r>
-                      <a:r>
-                        <a:rPr lang="pt-BR" dirty="0" smtClean="0"/>
-                        <a:t>)</a:t>
-                      </a:r>
-                      <a:endParaRPr lang="pt-BR" dirty="0"/>
-                    </a:p>
-                  </a:txBody>
-                  <a:tcPr/>
-                </a:tc>
-                <a:extLst>
-                  <a:ext uri="{0D108BD9-81ED-4DB2-BD59-A6C34878D82A}">
-                    <a16:rowId xmlns:a16="http://schemas.microsoft.com/office/drawing/2014/main" val="303703690"/>
-                  </a:ext>
-                </a:extLst>
-              </a:tr>
-            </a:tbl>
-          </a:graphicData>
-        </a:graphic>
-      </p:graphicFrame>
-    </p:spTree>
-    <p:extLst>
-      <p:ext uri="{BB962C8B-B14F-4D97-AF65-F5344CB8AC3E}">
-        <p14:creationId xmlns:p14="http://schemas.microsoft.com/office/powerpoint/2010/main" val="2371257627"/>
-      </p:ext>
-    </p:extLst>
-  </p:cSld>
-  <p:clrMapOvr>
-    <a:masterClrMapping/>
-  </p:clrMapOvr>
-  <p:timing>
-    <p:tnLst>
-      <p:par>
-        <p:cTn id="1" dur="indefinite" restart="never" nodeType="tmRoot"/>
-      </p:par>
-    </p:tnLst>
-  </p:timing>
-</p:sld>
-</file>
-
-<file path=ppt/slides/slide27.xml><?xml version="1.0" encoding="utf-8"?>
-<p:sld xmlns:a="http://schemas.openxmlformats.org/drawingml/2006/main" xmlns:r="http://schemas.openxmlformats.org/officeDocument/2006/relationships" xmlns:p="http://schemas.openxmlformats.org/presentationml/2006/main">
-  <p:cSld>
-    <p:spTree>
-      <p:nvGrpSpPr>
-        <p:cNvPr id="1" name=""/>
-        <p:cNvGrpSpPr/>
-        <p:nvPr/>
-      </p:nvGrpSpPr>
-      <p:grpSpPr>
-        <a:xfrm>
-          <a:off x="0" y="0"/>
-          <a:ext cx="0" cy="0"/>
-          <a:chOff x="0" y="0"/>
-          <a:chExt cx="0" cy="0"/>
-        </a:xfrm>
-      </p:grpSpPr>
-      <p:sp>
-        <p:nvSpPr>
-          <p:cNvPr id="168" name="CustomShape 1"/>
-          <p:cNvSpPr/>
-          <p:nvPr/>
-        </p:nvSpPr>
-        <p:spPr>
-          <a:xfrm>
-            <a:off x="217800" y="-18720"/>
-            <a:ext cx="10513440" cy="1323360"/>
-          </a:xfrm>
-          <a:prstGeom prst="rect">
-            <a:avLst/>
-          </a:prstGeom>
-          <a:noFill/>
-          <a:ln>
-            <a:noFill/>
-          </a:ln>
-        </p:spPr>
-        <p:style>
-          <a:lnRef idx="0">
-            <a:scrgbClr r="0" g="0" b="0"/>
-          </a:lnRef>
-          <a:fillRef idx="0">
-            <a:scrgbClr r="0" g="0" b="0"/>
-          </a:fillRef>
-          <a:effectRef idx="0">
-            <a:scrgbClr r="0" g="0" b="0"/>
-          </a:effectRef>
-          <a:fontRef idx="minor"/>
-        </p:style>
-        <p:txBody>
-          <a:bodyPr lIns="90000" tIns="45000" rIns="90000" bIns="45000" anchor="ctr"/>
-          <a:lstStyle/>
-          <a:p>
-            <a:pPr>
-              <a:lnSpc>
-                <a:spcPct val="100000"/>
-              </a:lnSpc>
-            </a:pPr>
-            <a:r>
               <a:rPr lang="pt-BR" sz="3200" b="1" spc="-1" dirty="0" err="1">
                 <a:uFill>
                   <a:solidFill>
@@ -11398,7 +6698,7 @@
 </p:sld>
 </file>
 
-<file path=ppt/slides/slide28.xml><?xml version="1.0" encoding="utf-8"?>
+<file path=ppt/slides/slide14.xml><?xml version="1.0" encoding="utf-8"?>
 <p:sld xmlns:a="http://schemas.openxmlformats.org/drawingml/2006/main" xmlns:r="http://schemas.openxmlformats.org/officeDocument/2006/relationships" xmlns:p="http://schemas.openxmlformats.org/presentationml/2006/main">
   <p:cSld>
     <p:spTree>
@@ -12052,7 +7352,7 @@
 </p:sld>
 </file>
 
-<file path=ppt/slides/slide29.xml><?xml version="1.0" encoding="utf-8"?>
+<file path=ppt/slides/slide15.xml><?xml version="1.0" encoding="utf-8"?>
 <p:sld xmlns:a="http://schemas.openxmlformats.org/drawingml/2006/main" xmlns:r="http://schemas.openxmlformats.org/officeDocument/2006/relationships" xmlns:p="http://schemas.openxmlformats.org/presentationml/2006/main">
   <p:cSld>
     <p:spTree>
@@ -12902,69 +8202,7 @@
 </p:sld>
 </file>
 
-<file path=ppt/slides/slide3.xml><?xml version="1.0" encoding="utf-8"?>
-<p:sld xmlns:a="http://schemas.openxmlformats.org/drawingml/2006/main" xmlns:r="http://schemas.openxmlformats.org/officeDocument/2006/relationships" xmlns:p="http://schemas.openxmlformats.org/presentationml/2006/main">
-  <p:cSld>
-    <p:spTree>
-      <p:nvGrpSpPr>
-        <p:cNvPr id="1" name=""/>
-        <p:cNvGrpSpPr/>
-        <p:nvPr/>
-      </p:nvGrpSpPr>
-      <p:grpSpPr>
-        <a:xfrm>
-          <a:off x="0" y="0"/>
-          <a:ext cx="0" cy="0"/>
-          <a:chOff x="0" y="0"/>
-          <a:chExt cx="0" cy="0"/>
-        </a:xfrm>
-      </p:grpSpPr>
-      <p:pic>
-        <p:nvPicPr>
-          <p:cNvPr id="3" name="Imagem 2"/>
-          <p:cNvPicPr>
-            <a:picLocks noChangeAspect="1"/>
-          </p:cNvPicPr>
-          <p:nvPr/>
-        </p:nvPicPr>
-        <p:blipFill>
-          <a:blip r:embed="rId2">
-            <a:extLst>
-              <a:ext uri="{28A0092B-C50C-407E-A947-70E740481C1C}">
-                <a14:useLocalDpi xmlns:a14="http://schemas.microsoft.com/office/drawing/2010/main" val="0"/>
-              </a:ext>
-            </a:extLst>
-          </a:blip>
-          <a:stretch>
-            <a:fillRect/>
-          </a:stretch>
-        </p:blipFill>
-        <p:spPr>
-          <a:xfrm>
-            <a:off x="-24680" y="-27384"/>
-            <a:ext cx="12216680" cy="6885384"/>
-          </a:xfrm>
-          <a:prstGeom prst="rect">
-            <a:avLst/>
-          </a:prstGeom>
-        </p:spPr>
-      </p:pic>
-    </p:spTree>
-  </p:cSld>
-  <p:clrMapOvr>
-    <a:masterClrMapping/>
-  </p:clrMapOvr>
-  <p:timing>
-    <p:tnLst>
-      <p:par>
-        <p:cTn id="1" dur="indefinite" restart="never" nodeType="tmRoot"/>
-      </p:par>
-    </p:tnLst>
-  </p:timing>
-</p:sld>
-</file>
-
-<file path=ppt/slides/slide30.xml><?xml version="1.0" encoding="utf-8"?>
+<file path=ppt/slides/slide16.xml><?xml version="1.0" encoding="utf-8"?>
 <p:sld xmlns:a="http://schemas.openxmlformats.org/drawingml/2006/main" xmlns:r="http://schemas.openxmlformats.org/officeDocument/2006/relationships" xmlns:p="http://schemas.openxmlformats.org/presentationml/2006/main">
   <p:cSld>
     <p:spTree>
@@ -13124,7 +8362,7 @@
 </p:sld>
 </file>
 
-<file path=ppt/slides/slide31.xml><?xml version="1.0" encoding="utf-8"?>
+<file path=ppt/slides/slide17.xml><?xml version="1.0" encoding="utf-8"?>
 <p:sld xmlns:a="http://schemas.openxmlformats.org/drawingml/2006/main" xmlns:r="http://schemas.openxmlformats.org/officeDocument/2006/relationships" xmlns:p="http://schemas.openxmlformats.org/presentationml/2006/main">
   <p:cSld>
     <p:spTree>
@@ -13271,7 +8509,7 @@
 </p:sld>
 </file>
 
-<file path=ppt/slides/slide32.xml><?xml version="1.0" encoding="utf-8"?>
+<file path=ppt/slides/slide18.xml><?xml version="1.0" encoding="utf-8"?>
 <p:sld xmlns:a="http://schemas.openxmlformats.org/drawingml/2006/main" xmlns:r="http://schemas.openxmlformats.org/officeDocument/2006/relationships" xmlns:p="http://schemas.openxmlformats.org/presentationml/2006/main">
   <p:cSld>
     <p:spTree>
@@ -13449,7 +8687,7 @@
 </p:sld>
 </file>
 
-<file path=ppt/slides/slide33.xml><?xml version="1.0" encoding="utf-8"?>
+<file path=ppt/slides/slide19.xml><?xml version="1.0" encoding="utf-8"?>
 <p:sld xmlns:a="http://schemas.openxmlformats.org/drawingml/2006/main" xmlns:r="http://schemas.openxmlformats.org/officeDocument/2006/relationships" xmlns:p="http://schemas.openxmlformats.org/presentationml/2006/main">
   <p:cSld>
     <p:spTree>
@@ -13615,7 +8853,154 @@
 </p:sld>
 </file>
 
-<file path=ppt/slides/slide34.xml><?xml version="1.0" encoding="utf-8"?>
+<file path=ppt/slides/slide2.xml><?xml version="1.0" encoding="utf-8"?>
+<p:sld xmlns:a="http://schemas.openxmlformats.org/drawingml/2006/main" xmlns:r="http://schemas.openxmlformats.org/officeDocument/2006/relationships" xmlns:p="http://schemas.openxmlformats.org/presentationml/2006/main">
+  <p:cSld>
+    <p:spTree>
+      <p:nvGrpSpPr>
+        <p:cNvPr id="1" name=""/>
+        <p:cNvGrpSpPr/>
+        <p:nvPr/>
+      </p:nvGrpSpPr>
+      <p:grpSpPr>
+        <a:xfrm>
+          <a:off x="0" y="0"/>
+          <a:ext cx="0" cy="0"/>
+          <a:chOff x="0" y="0"/>
+          <a:chExt cx="0" cy="0"/>
+        </a:xfrm>
+      </p:grpSpPr>
+      <p:sp>
+        <p:nvSpPr>
+          <p:cNvPr id="177" name="CustomShape 1"/>
+          <p:cNvSpPr/>
+          <p:nvPr/>
+        </p:nvSpPr>
+        <p:spPr>
+          <a:xfrm>
+            <a:off x="217800" y="-18720"/>
+            <a:ext cx="10513440" cy="1323360"/>
+          </a:xfrm>
+          <a:prstGeom prst="rect">
+            <a:avLst/>
+          </a:prstGeom>
+          <a:noFill/>
+          <a:ln>
+            <a:noFill/>
+          </a:ln>
+        </p:spPr>
+        <p:style>
+          <a:lnRef idx="0">
+            <a:scrgbClr r="0" g="0" b="0"/>
+          </a:lnRef>
+          <a:fillRef idx="0">
+            <a:scrgbClr r="0" g="0" b="0"/>
+          </a:fillRef>
+          <a:effectRef idx="0">
+            <a:scrgbClr r="0" g="0" b="0"/>
+          </a:effectRef>
+          <a:fontRef idx="minor"/>
+        </p:style>
+        <p:txBody>
+          <a:bodyPr lIns="90000" tIns="45000" rIns="90000" bIns="45000" anchor="ctr"/>
+          <a:lstStyle/>
+          <a:p>
+            <a:pPr>
+              <a:lnSpc>
+                <a:spcPct val="100000"/>
+              </a:lnSpc>
+            </a:pPr>
+            <a:r>
+              <a:rPr lang="pt-BR" sz="3200" b="1" strike="noStrike" spc="-1" dirty="0" smtClean="0">
+                <a:uFill>
+                  <a:solidFill>
+                    <a:srgbClr val="FFFFFF"/>
+                  </a:solidFill>
+                </a:uFill>
+                <a:latin typeface="Arial" panose="020B0604020202020204" pitchFamily="34" charset="0"/>
+                <a:ea typeface="DejaVu Sans"/>
+                <a:cs typeface="Arial" panose="020B0604020202020204" pitchFamily="34" charset="0"/>
+              </a:rPr>
+              <a:t>Arquitetura</a:t>
+            </a:r>
+            <a:endParaRPr lang="pt-BR" sz="1800" b="1" strike="noStrike" spc="-1" dirty="0">
+              <a:uFill>
+                <a:solidFill>
+                  <a:srgbClr val="FFFFFF"/>
+                </a:solidFill>
+              </a:uFill>
+              <a:latin typeface="Arial" panose="020B0604020202020204" pitchFamily="34" charset="0"/>
+              <a:cs typeface="Arial" panose="020B0604020202020204" pitchFamily="34" charset="0"/>
+            </a:endParaRPr>
+          </a:p>
+        </p:txBody>
+      </p:sp>
+      <p:pic>
+        <p:nvPicPr>
+          <p:cNvPr id="5" name="Imagem 4"/>
+          <p:cNvPicPr>
+            <a:picLocks noChangeAspect="1"/>
+          </p:cNvPicPr>
+          <p:nvPr/>
+        </p:nvPicPr>
+        <p:blipFill>
+          <a:blip r:embed="rId2">
+            <a:extLst>
+              <a:ext uri="{28A0092B-C50C-407E-A947-70E740481C1C}">
+                <a14:useLocalDpi xmlns:a14="http://schemas.microsoft.com/office/drawing/2010/main" val="0"/>
+              </a:ext>
+            </a:extLst>
+          </a:blip>
+          <a:stretch>
+            <a:fillRect/>
+          </a:stretch>
+        </p:blipFill>
+        <p:spPr>
+          <a:xfrm>
+            <a:off x="1271587" y="2045543"/>
+            <a:ext cx="9648825" cy="4695825"/>
+          </a:xfrm>
+          <a:prstGeom prst="rect">
+            <a:avLst/>
+          </a:prstGeom>
+        </p:spPr>
+      </p:pic>
+    </p:spTree>
+  </p:cSld>
+  <p:clrMapOvr>
+    <a:masterClrMapping/>
+  </p:clrMapOvr>
+  <p:timing>
+    <p:tnLst>
+      <p:par>
+        <p:cTn id="1" dur="indefinite" restart="never" nodeType="tmRoot">
+          <p:childTnLst>
+            <p:seq>
+              <p:cTn id="2" nodeType="mainSeq"/>
+              <p:prevCondLst>
+                <p:cond evt="onPrev" delay="0">
+                  <p:tgtEl>
+                    <p:sldTgt/>
+                  </p:tgtEl>
+                </p:cond>
+              </p:prevCondLst>
+              <p:nextCondLst>
+                <p:cond evt="onNext" delay="0">
+                  <p:tgtEl>
+                    <p:sldTgt/>
+                  </p:tgtEl>
+                </p:cond>
+              </p:nextCondLst>
+            </p:seq>
+          </p:childTnLst>
+        </p:cTn>
+      </p:par>
+    </p:tnLst>
+  </p:timing>
+</p:sld>
+</file>
+
+<file path=ppt/slides/slide20.xml><?xml version="1.0" encoding="utf-8"?>
 <p:sld xmlns:a="http://schemas.openxmlformats.org/drawingml/2006/main" xmlns:r="http://schemas.openxmlformats.org/officeDocument/2006/relationships" xmlns:p="http://schemas.openxmlformats.org/presentationml/2006/main">
   <p:cSld>
     <p:spTree>
@@ -14907,7 +10292,7 @@
 </p:sld>
 </file>
 
-<file path=ppt/slides/slide35.xml><?xml version="1.0" encoding="utf-8"?>
+<file path=ppt/slides/slide21.xml><?xml version="1.0" encoding="utf-8"?>
 <p:sld xmlns:a="http://schemas.openxmlformats.org/drawingml/2006/main" xmlns:r="http://schemas.openxmlformats.org/officeDocument/2006/relationships" xmlns:p="http://schemas.openxmlformats.org/presentationml/2006/main">
   <p:cSld>
     <p:spTree>
@@ -16167,7 +11552,7 @@
 </p:sld>
 </file>
 
-<file path=ppt/slides/slide36.xml><?xml version="1.0" encoding="utf-8"?>
+<file path=ppt/slides/slide22.xml><?xml version="1.0" encoding="utf-8"?>
 <p:sld xmlns:a="http://schemas.openxmlformats.org/drawingml/2006/main" xmlns:r="http://schemas.openxmlformats.org/officeDocument/2006/relationships" xmlns:p="http://schemas.openxmlformats.org/presentationml/2006/main">
   <p:cSld>
     <p:spTree>
@@ -16319,7 +11704,7 @@
 </p:sld>
 </file>
 
-<file path=ppt/slides/slide37.xml><?xml version="1.0" encoding="utf-8"?>
+<file path=ppt/slides/slide23.xml><?xml version="1.0" encoding="utf-8"?>
 <p:sld xmlns:a="http://schemas.openxmlformats.org/drawingml/2006/main" xmlns:r="http://schemas.openxmlformats.org/officeDocument/2006/relationships" xmlns:p="http://schemas.openxmlformats.org/presentationml/2006/main">
   <p:cSld>
     <p:spTree>
@@ -17173,7 +12558,7 @@
 </p:sld>
 </file>
 
-<file path=ppt/slides/slide38.xml><?xml version="1.0" encoding="utf-8"?>
+<file path=ppt/slides/slide24.xml><?xml version="1.0" encoding="utf-8"?>
 <p:sld xmlns:a="http://schemas.openxmlformats.org/drawingml/2006/main" xmlns:r="http://schemas.openxmlformats.org/officeDocument/2006/relationships" xmlns:p="http://schemas.openxmlformats.org/presentationml/2006/main">
   <p:cSld>
     <p:spTree>
@@ -17683,7 +13068,7 @@
 </p:sld>
 </file>
 
-<file path=ppt/slides/slide39.xml><?xml version="1.0" encoding="utf-8"?>
+<file path=ppt/slides/slide25.xml><?xml version="1.0" encoding="utf-8"?>
 <p:sld xmlns:a="http://schemas.openxmlformats.org/drawingml/2006/main" xmlns:r="http://schemas.openxmlformats.org/officeDocument/2006/relationships" xmlns:p="http://schemas.openxmlformats.org/presentationml/2006/main">
   <p:cSld>
     <p:spTree>
@@ -17780,7 +13165,7 @@
 </p:sld>
 </file>
 
-<file path=ppt/slides/slide4.xml><?xml version="1.0" encoding="utf-8"?>
+<file path=ppt/slides/slide3.xml><?xml version="1.0" encoding="utf-8"?>
 <p:sld xmlns:a="http://schemas.openxmlformats.org/drawingml/2006/main" xmlns:r="http://schemas.openxmlformats.org/officeDocument/2006/relationships" xmlns:p="http://schemas.openxmlformats.org/presentationml/2006/main">
   <p:cSld>
     <p:spTree>
@@ -17799,7 +13184,7 @@
       </p:grpSpPr>
       <p:sp>
         <p:nvSpPr>
-          <p:cNvPr id="170" name="CustomShape 1"/>
+          <p:cNvPr id="177" name="CustomShape 1"/>
           <p:cNvSpPr/>
           <p:nvPr/>
         </p:nvSpPr>
@@ -17848,7 +13233,7 @@
                 <a:ea typeface="DejaVu Sans"/>
                 <a:cs typeface="Arial" panose="020B0604020202020204" pitchFamily="34" charset="0"/>
               </a:rPr>
-              <a:t>Gerenciadores de versionamento</a:t>
+              <a:t>Revisão</a:t>
             </a:r>
             <a:endParaRPr lang="pt-BR" sz="1800" b="1" strike="noStrike" spc="-1" dirty="0">
               <a:uFill>
@@ -17864,13 +13249,13 @@
       </p:sp>
       <p:sp>
         <p:nvSpPr>
-          <p:cNvPr id="171" name="CustomShape 2"/>
+          <p:cNvPr id="3" name="CustomShape 2"/>
           <p:cNvSpPr/>
           <p:nvPr/>
         </p:nvSpPr>
         <p:spPr>
           <a:xfrm>
-            <a:off x="334800" y="2146320"/>
+            <a:off x="334800" y="1649192"/>
             <a:ext cx="11543400" cy="2067840"/>
           </a:xfrm>
           <a:prstGeom prst="rect">
@@ -17897,47 +13282,573 @@
           <a:bodyPr lIns="90000" tIns="45000" rIns="90000" bIns="45000"/>
           <a:lstStyle/>
           <a:p>
-            <a:pPr>
-              <a:lnSpc>
-                <a:spcPct val="90000"/>
-              </a:lnSpc>
-            </a:pPr>
-            <a:endParaRPr lang="pt-BR" sz="1800" b="0" strike="noStrike" spc="-1" dirty="0">
-              <a:solidFill>
-                <a:srgbClr val="000000"/>
-              </a:solidFill>
-              <a:uFill>
-                <a:solidFill>
-                  <a:srgbClr val="FFFFFF"/>
-                </a:solidFill>
-              </a:uFill>
-              <a:latin typeface="Arial"/>
-            </a:endParaRPr>
-          </a:p>
-          <a:p>
-            <a:pPr marL="343080" indent="-340920">
+            <a:pPr marL="2160">
               <a:lnSpc>
                 <a:spcPct val="90000"/>
               </a:lnSpc>
               <a:buClr>
                 <a:srgbClr val="808080"/>
               </a:buClr>
-              <a:buFont typeface="Arial"/>
-              <a:buChar char="•"/>
             </a:pPr>
-            <a:r>
-              <a:rPr lang="pt-BR" sz="2000" spc="-1" dirty="0" smtClean="0">
+            <a:endParaRPr lang="pt-BR" sz="1800" b="0" strike="noStrike" spc="-1" dirty="0" smtClean="0">
+              <a:solidFill>
+                <a:srgbClr val="000000"/>
+              </a:solidFill>
+              <a:uFill>
+                <a:solidFill>
+                  <a:srgbClr val="FFFFFF"/>
+                </a:solidFill>
+              </a:uFill>
+              <a:latin typeface="Arial"/>
+            </a:endParaRPr>
+          </a:p>
+          <a:p>
+            <a:pPr>
+              <a:lnSpc>
+                <a:spcPct val="90000"/>
+              </a:lnSpc>
+            </a:pPr>
+            <a:r>
+              <a:rPr lang="pt-BR" sz="3200" spc="-1" dirty="0" err="1" smtClean="0">
+                <a:uFill>
+                  <a:solidFill>
+                    <a:srgbClr val="FFFFFF"/>
+                  </a:solidFill>
+                </a:uFill>
+                <a:latin typeface="Arial"/>
+              </a:rPr>
+              <a:t>git</a:t>
+            </a:r>
+            <a:r>
+              <a:rPr lang="pt-BR" sz="3200" spc="-1" dirty="0" smtClean="0">
+                <a:uFill>
+                  <a:solidFill>
+                    <a:srgbClr val="FFFFFF"/>
+                  </a:solidFill>
+                </a:uFill>
+                <a:latin typeface="Arial"/>
+              </a:rPr>
+              <a:t> </a:t>
+            </a:r>
+            <a:r>
+              <a:rPr lang="pt-BR" sz="3200" spc="-1" dirty="0" err="1" smtClean="0">
+                <a:uFill>
+                  <a:solidFill>
+                    <a:srgbClr val="FFFFFF"/>
+                  </a:solidFill>
+                </a:uFill>
+                <a:latin typeface="Arial"/>
+              </a:rPr>
+              <a:t>init</a:t>
+            </a:r>
+            <a:endParaRPr lang="pt-BR" sz="3200" spc="-1" dirty="0" smtClean="0">
+              <a:uFill>
+                <a:solidFill>
+                  <a:srgbClr val="FFFFFF"/>
+                </a:solidFill>
+              </a:uFill>
+              <a:latin typeface="Arial"/>
+            </a:endParaRPr>
+          </a:p>
+          <a:p>
+            <a:pPr>
+              <a:lnSpc>
+                <a:spcPct val="90000"/>
+              </a:lnSpc>
+            </a:pPr>
+            <a:endParaRPr lang="pt-BR" sz="3200" spc="-1" dirty="0">
+              <a:uFill>
+                <a:solidFill>
+                  <a:srgbClr val="FFFFFF"/>
+                </a:solidFill>
+              </a:uFill>
+              <a:latin typeface="Arial"/>
+            </a:endParaRPr>
+          </a:p>
+          <a:p>
+            <a:pPr>
+              <a:lnSpc>
+                <a:spcPct val="90000"/>
+              </a:lnSpc>
+            </a:pPr>
+            <a:r>
+              <a:rPr lang="pt-BR" sz="3200" spc="-1" dirty="0" err="1">
+                <a:uFill>
+                  <a:solidFill>
+                    <a:srgbClr val="FFFFFF"/>
+                  </a:solidFill>
+                </a:uFill>
+                <a:latin typeface="Arial"/>
+              </a:rPr>
+              <a:t>git</a:t>
+            </a:r>
+            <a:r>
+              <a:rPr lang="pt-BR" sz="3200" spc="-1" dirty="0">
+                <a:uFill>
+                  <a:solidFill>
+                    <a:srgbClr val="FFFFFF"/>
+                  </a:solidFill>
+                </a:uFill>
+                <a:latin typeface="Arial"/>
+              </a:rPr>
+              <a:t> </a:t>
+            </a:r>
+            <a:r>
+              <a:rPr lang="pt-BR" sz="3200" spc="-1" dirty="0" err="1">
+                <a:uFill>
+                  <a:solidFill>
+                    <a:srgbClr val="FFFFFF"/>
+                  </a:solidFill>
+                </a:uFill>
+                <a:latin typeface="Arial"/>
+              </a:rPr>
+              <a:t>remote</a:t>
+            </a:r>
+            <a:r>
+              <a:rPr lang="pt-BR" sz="3200" spc="-1" dirty="0">
+                <a:uFill>
+                  <a:solidFill>
+                    <a:srgbClr val="FFFFFF"/>
+                  </a:solidFill>
+                </a:uFill>
+                <a:latin typeface="Arial"/>
+              </a:rPr>
+              <a:t> </a:t>
+            </a:r>
+            <a:r>
+              <a:rPr lang="pt-BR" sz="3200" spc="-1" dirty="0" err="1">
+                <a:uFill>
+                  <a:solidFill>
+                    <a:srgbClr val="FFFFFF"/>
+                  </a:solidFill>
+                </a:uFill>
+                <a:latin typeface="Arial"/>
+              </a:rPr>
+              <a:t>add</a:t>
+            </a:r>
+            <a:r>
+              <a:rPr lang="pt-BR" sz="3200" spc="-1" dirty="0">
+                <a:uFill>
+                  <a:solidFill>
+                    <a:srgbClr val="FFFFFF"/>
+                  </a:solidFill>
+                </a:uFill>
+                <a:latin typeface="Arial"/>
+              </a:rPr>
+              <a:t> </a:t>
+            </a:r>
+            <a:r>
+              <a:rPr lang="pt-BR" sz="3200" spc="-1" dirty="0" err="1">
+                <a:uFill>
+                  <a:solidFill>
+                    <a:srgbClr val="FFFFFF"/>
+                  </a:solidFill>
+                </a:uFill>
+                <a:latin typeface="Arial"/>
+              </a:rPr>
+              <a:t>origin</a:t>
+            </a:r>
+            <a:r>
+              <a:rPr lang="pt-BR" sz="3200" spc="-1" dirty="0">
+                <a:uFill>
+                  <a:solidFill>
+                    <a:srgbClr val="FFFFFF"/>
+                  </a:solidFill>
+                </a:uFill>
+                <a:latin typeface="Arial"/>
+              </a:rPr>
+              <a:t> https://gitlab.com/&lt;usuário&gt;/&lt;repositorio&gt;.git</a:t>
+            </a:r>
+          </a:p>
+          <a:p>
+            <a:pPr>
+              <a:lnSpc>
+                <a:spcPct val="90000"/>
+              </a:lnSpc>
+            </a:pPr>
+            <a:endParaRPr lang="pt-BR" sz="3200" spc="-1" dirty="0" smtClean="0">
+              <a:uFill>
+                <a:solidFill>
+                  <a:srgbClr val="FFFFFF"/>
+                </a:solidFill>
+              </a:uFill>
+              <a:latin typeface="Arial"/>
+            </a:endParaRPr>
+          </a:p>
+          <a:p>
+            <a:pPr>
+              <a:lnSpc>
+                <a:spcPct val="90000"/>
+              </a:lnSpc>
+            </a:pPr>
+            <a:r>
+              <a:rPr lang="pt-BR" sz="3200" spc="-1" dirty="0" err="1" smtClean="0">
+                <a:uFill>
+                  <a:solidFill>
+                    <a:srgbClr val="FFFFFF"/>
+                  </a:solidFill>
+                </a:uFill>
+                <a:latin typeface="Arial"/>
+              </a:rPr>
+              <a:t>git</a:t>
+            </a:r>
+            <a:r>
+              <a:rPr lang="pt-BR" sz="3200" spc="-1" dirty="0" smtClean="0">
+                <a:uFill>
+                  <a:solidFill>
+                    <a:srgbClr val="FFFFFF"/>
+                  </a:solidFill>
+                </a:uFill>
+                <a:latin typeface="Arial"/>
+              </a:rPr>
+              <a:t> </a:t>
+            </a:r>
+            <a:r>
+              <a:rPr lang="pt-BR" sz="3200" spc="-1" dirty="0" err="1" smtClean="0">
+                <a:uFill>
+                  <a:solidFill>
+                    <a:srgbClr val="FFFFFF"/>
+                  </a:solidFill>
+                </a:uFill>
+                <a:latin typeface="Arial"/>
+              </a:rPr>
+              <a:t>add</a:t>
+            </a:r>
+            <a:r>
+              <a:rPr lang="pt-BR" sz="3200" spc="-1" dirty="0" smtClean="0">
+                <a:uFill>
+                  <a:solidFill>
+                    <a:srgbClr val="FFFFFF"/>
+                  </a:solidFill>
+                </a:uFill>
+                <a:latin typeface="Arial"/>
+              </a:rPr>
+              <a:t> .</a:t>
+            </a:r>
+          </a:p>
+          <a:p>
+            <a:pPr>
+              <a:lnSpc>
+                <a:spcPct val="90000"/>
+              </a:lnSpc>
+            </a:pPr>
+            <a:endParaRPr lang="pt-BR" sz="3200" spc="-1" dirty="0">
+              <a:uFill>
+                <a:solidFill>
+                  <a:srgbClr val="FFFFFF"/>
+                </a:solidFill>
+              </a:uFill>
+              <a:latin typeface="Arial"/>
+            </a:endParaRPr>
+          </a:p>
+          <a:p>
+            <a:pPr>
+              <a:lnSpc>
+                <a:spcPct val="90000"/>
+              </a:lnSpc>
+            </a:pPr>
+            <a:r>
+              <a:rPr lang="pt-BR" sz="3200" spc="-1" dirty="0" err="1" smtClean="0">
+                <a:uFill>
+                  <a:solidFill>
+                    <a:srgbClr val="FFFFFF"/>
+                  </a:solidFill>
+                </a:uFill>
+                <a:latin typeface="Arial"/>
+              </a:rPr>
+              <a:t>git</a:t>
+            </a:r>
+            <a:r>
+              <a:rPr lang="pt-BR" sz="3200" spc="-1" dirty="0" smtClean="0">
+                <a:uFill>
+                  <a:solidFill>
+                    <a:srgbClr val="FFFFFF"/>
+                  </a:solidFill>
+                </a:uFill>
+                <a:latin typeface="Arial"/>
+              </a:rPr>
+              <a:t> </a:t>
+            </a:r>
+            <a:r>
+              <a:rPr lang="pt-BR" sz="3200" spc="-1" dirty="0" err="1" smtClean="0">
+                <a:uFill>
+                  <a:solidFill>
+                    <a:srgbClr val="FFFFFF"/>
+                  </a:solidFill>
+                </a:uFill>
+                <a:latin typeface="Arial"/>
+              </a:rPr>
+              <a:t>commit</a:t>
+            </a:r>
+            <a:r>
+              <a:rPr lang="pt-BR" sz="3200" spc="-1" dirty="0" smtClean="0">
+                <a:uFill>
+                  <a:solidFill>
+                    <a:srgbClr val="FFFFFF"/>
+                  </a:solidFill>
+                </a:uFill>
+                <a:latin typeface="Arial"/>
+              </a:rPr>
+              <a:t> –m “Primeiro </a:t>
+            </a:r>
+            <a:r>
+              <a:rPr lang="pt-BR" sz="3200" spc="-1" dirty="0" err="1" smtClean="0">
+                <a:uFill>
+                  <a:solidFill>
+                    <a:srgbClr val="FFFFFF"/>
+                  </a:solidFill>
+                </a:uFill>
+                <a:latin typeface="Arial"/>
+              </a:rPr>
+              <a:t>commit</a:t>
+            </a:r>
+            <a:r>
+              <a:rPr lang="pt-BR" sz="3200" spc="-1" dirty="0" smtClean="0">
+                <a:uFill>
+                  <a:solidFill>
+                    <a:srgbClr val="FFFFFF"/>
+                  </a:solidFill>
+                </a:uFill>
+                <a:latin typeface="Arial"/>
+              </a:rPr>
+              <a:t>”</a:t>
+            </a:r>
+          </a:p>
+          <a:p>
+            <a:pPr>
+              <a:lnSpc>
+                <a:spcPct val="90000"/>
+              </a:lnSpc>
+            </a:pPr>
+            <a:endParaRPr lang="pt-BR" sz="3200" spc="-1" dirty="0">
+              <a:uFill>
+                <a:solidFill>
+                  <a:srgbClr val="FFFFFF"/>
+                </a:solidFill>
+              </a:uFill>
+              <a:latin typeface="Arial"/>
+            </a:endParaRPr>
+          </a:p>
+          <a:p>
+            <a:pPr>
+              <a:lnSpc>
+                <a:spcPct val="90000"/>
+              </a:lnSpc>
+            </a:pPr>
+            <a:r>
+              <a:rPr lang="pt-BR" sz="3200" spc="-1" dirty="0" err="1" smtClean="0">
+                <a:uFill>
+                  <a:solidFill>
+                    <a:srgbClr val="FFFFFF"/>
+                  </a:solidFill>
+                </a:uFill>
+                <a:latin typeface="Arial"/>
+              </a:rPr>
+              <a:t>git</a:t>
+            </a:r>
+            <a:r>
+              <a:rPr lang="pt-BR" sz="3200" spc="-1" dirty="0" smtClean="0">
+                <a:uFill>
+                  <a:solidFill>
+                    <a:srgbClr val="FFFFFF"/>
+                  </a:solidFill>
+                </a:uFill>
+                <a:latin typeface="Arial"/>
+              </a:rPr>
+              <a:t> </a:t>
+            </a:r>
+            <a:r>
+              <a:rPr lang="pt-BR" sz="3200" spc="-1" dirty="0" err="1" smtClean="0">
+                <a:uFill>
+                  <a:solidFill>
+                    <a:srgbClr val="FFFFFF"/>
+                  </a:solidFill>
+                </a:uFill>
+                <a:latin typeface="Arial"/>
+              </a:rPr>
+              <a:t>push</a:t>
+            </a:r>
+            <a:r>
+              <a:rPr lang="pt-BR" sz="3200" spc="-1" dirty="0" smtClean="0">
+                <a:uFill>
+                  <a:solidFill>
+                    <a:srgbClr val="FFFFFF"/>
+                  </a:solidFill>
+                </a:uFill>
+                <a:latin typeface="Arial"/>
+              </a:rPr>
+              <a:t> </a:t>
+            </a:r>
+            <a:r>
+              <a:rPr lang="pt-BR" sz="3200" spc="-1" dirty="0" err="1" smtClean="0">
+                <a:uFill>
+                  <a:solidFill>
+                    <a:srgbClr val="FFFFFF"/>
+                  </a:solidFill>
+                </a:uFill>
+                <a:latin typeface="Arial"/>
+              </a:rPr>
+              <a:t>origin</a:t>
+            </a:r>
+            <a:r>
+              <a:rPr lang="pt-BR" sz="3200" spc="-1" dirty="0" smtClean="0">
+                <a:uFill>
+                  <a:solidFill>
+                    <a:srgbClr val="FFFFFF"/>
+                  </a:solidFill>
+                </a:uFill>
+                <a:latin typeface="Arial"/>
+              </a:rPr>
+              <a:t> </a:t>
+            </a:r>
+            <a:r>
+              <a:rPr lang="pt-BR" sz="3200" spc="-1" dirty="0" err="1" smtClean="0">
+                <a:uFill>
+                  <a:solidFill>
+                    <a:srgbClr val="FFFFFF"/>
+                  </a:solidFill>
+                </a:uFill>
+                <a:latin typeface="Arial"/>
+              </a:rPr>
+              <a:t>master</a:t>
+            </a:r>
+            <a:endParaRPr lang="pt-BR" sz="3200" spc="-1" dirty="0" smtClean="0">
+              <a:uFill>
+                <a:solidFill>
+                  <a:srgbClr val="FFFFFF"/>
+                </a:solidFill>
+              </a:uFill>
+              <a:latin typeface="Arial"/>
+            </a:endParaRPr>
+          </a:p>
+          <a:p>
+            <a:pPr>
+              <a:lnSpc>
+                <a:spcPct val="90000"/>
+              </a:lnSpc>
+            </a:pPr>
+            <a:endParaRPr lang="pt-BR" sz="3200" spc="-1" dirty="0" smtClean="0">
+              <a:uFill>
+                <a:solidFill>
+                  <a:srgbClr val="FFFFFF"/>
+                </a:solidFill>
+              </a:uFill>
+              <a:latin typeface="Arial"/>
+            </a:endParaRPr>
+          </a:p>
+        </p:txBody>
+      </p:sp>
+    </p:spTree>
+    <p:extLst>
+      <p:ext uri="{BB962C8B-B14F-4D97-AF65-F5344CB8AC3E}">
+        <p14:creationId xmlns:p14="http://schemas.microsoft.com/office/powerpoint/2010/main" val="1646215842"/>
+      </p:ext>
+    </p:extLst>
+  </p:cSld>
+  <p:clrMapOvr>
+    <a:masterClrMapping/>
+  </p:clrMapOvr>
+  <p:timing>
+    <p:tnLst>
+      <p:par>
+        <p:cTn id="1" dur="indefinite" restart="never" nodeType="tmRoot">
+          <p:childTnLst>
+            <p:seq>
+              <p:cTn id="2" nodeType="mainSeq"/>
+              <p:prevCondLst>
+                <p:cond evt="onPrev" delay="0">
+                  <p:tgtEl>
+                    <p:sldTgt/>
+                  </p:tgtEl>
+                </p:cond>
+              </p:prevCondLst>
+              <p:nextCondLst>
+                <p:cond evt="onNext" delay="0">
+                  <p:tgtEl>
+                    <p:sldTgt/>
+                  </p:tgtEl>
+                </p:cond>
+              </p:nextCondLst>
+            </p:seq>
+          </p:childTnLst>
+        </p:cTn>
+      </p:par>
+    </p:tnLst>
+  </p:timing>
+</p:sld>
+</file>
+
+<file path=ppt/slides/slide4.xml><?xml version="1.0" encoding="utf-8"?>
+<p:sld xmlns:a="http://schemas.openxmlformats.org/drawingml/2006/main" xmlns:r="http://schemas.openxmlformats.org/officeDocument/2006/relationships" xmlns:p="http://schemas.openxmlformats.org/presentationml/2006/main">
+  <p:cSld>
+    <p:spTree>
+      <p:nvGrpSpPr>
+        <p:cNvPr id="1" name=""/>
+        <p:cNvGrpSpPr/>
+        <p:nvPr/>
+      </p:nvGrpSpPr>
+      <p:grpSpPr>
+        <a:xfrm>
+          <a:off x="0" y="0"/>
+          <a:ext cx="0" cy="0"/>
+          <a:chOff x="0" y="0"/>
+          <a:chExt cx="0" cy="0"/>
+        </a:xfrm>
+      </p:grpSpPr>
+      <p:sp>
+        <p:nvSpPr>
+          <p:cNvPr id="177" name="CustomShape 1"/>
+          <p:cNvSpPr/>
+          <p:nvPr/>
+        </p:nvSpPr>
+        <p:spPr>
+          <a:xfrm>
+            <a:off x="217800" y="-18720"/>
+            <a:ext cx="10513440" cy="1323360"/>
+          </a:xfrm>
+          <a:prstGeom prst="rect">
+            <a:avLst/>
+          </a:prstGeom>
+          <a:noFill/>
+          <a:ln>
+            <a:noFill/>
+          </a:ln>
+        </p:spPr>
+        <p:style>
+          <a:lnRef idx="0">
+            <a:scrgbClr r="0" g="0" b="0"/>
+          </a:lnRef>
+          <a:fillRef idx="0">
+            <a:scrgbClr r="0" g="0" b="0"/>
+          </a:fillRef>
+          <a:effectRef idx="0">
+            <a:scrgbClr r="0" g="0" b="0"/>
+          </a:effectRef>
+          <a:fontRef idx="minor"/>
+        </p:style>
+        <p:txBody>
+          <a:bodyPr lIns="90000" tIns="45000" rIns="90000" bIns="45000" anchor="ctr"/>
+          <a:lstStyle/>
+          <a:p>
+            <a:pPr>
+              <a:lnSpc>
+                <a:spcPct val="100000"/>
+              </a:lnSpc>
+            </a:pPr>
+            <a:r>
+              <a:rPr lang="pt-BR" sz="3200" b="1" spc="-1" dirty="0" err="1" smtClean="0">
                 <a:uFill>
                   <a:solidFill>
                     <a:srgbClr val="FFFFFF"/>
                   </a:solidFill>
                 </a:uFill>
                 <a:latin typeface="Arial" panose="020B0604020202020204" pitchFamily="34" charset="0"/>
+                <a:ea typeface="DejaVu Sans"/>
                 <a:cs typeface="Arial" panose="020B0604020202020204" pitchFamily="34" charset="0"/>
               </a:rPr>
-              <a:t>Evolução dos sistemas</a:t>
-            </a:r>
-            <a:endParaRPr lang="pt-BR" sz="2000" b="0" strike="noStrike" spc="-1" dirty="0">
+              <a:t>Credentials</a:t>
+            </a:r>
+            <a:endParaRPr lang="pt-BR" sz="1800" b="1" strike="noStrike" spc="-1" dirty="0">
               <a:uFill>
                 <a:solidFill>
                   <a:srgbClr val="FFFFFF"/>
@@ -17947,128 +13858,61 @@
               <a:cs typeface="Arial" panose="020B0604020202020204" pitchFamily="34" charset="0"/>
             </a:endParaRPr>
           </a:p>
-          <a:p>
-            <a:pPr marL="343080" indent="-340920">
+        </p:txBody>
+      </p:sp>
+      <p:sp>
+        <p:nvSpPr>
+          <p:cNvPr id="3" name="CustomShape 2"/>
+          <p:cNvSpPr/>
+          <p:nvPr/>
+        </p:nvSpPr>
+        <p:spPr>
+          <a:xfrm>
+            <a:off x="334800" y="1649192"/>
+            <a:ext cx="11543400" cy="2067840"/>
+          </a:xfrm>
+          <a:prstGeom prst="rect">
+            <a:avLst/>
+          </a:prstGeom>
+          <a:noFill/>
+          <a:ln>
+            <a:noFill/>
+          </a:ln>
+        </p:spPr>
+        <p:style>
+          <a:lnRef idx="0">
+            <a:scrgbClr r="0" g="0" b="0"/>
+          </a:lnRef>
+          <a:fillRef idx="0">
+            <a:scrgbClr r="0" g="0" b="0"/>
+          </a:fillRef>
+          <a:effectRef idx="0">
+            <a:scrgbClr r="0" g="0" b="0"/>
+          </a:effectRef>
+          <a:fontRef idx="minor"/>
+        </p:style>
+        <p:txBody>
+          <a:bodyPr lIns="90000" tIns="45000" rIns="90000" bIns="45000"/>
+          <a:lstStyle/>
+          <a:p>
+            <a:pPr marL="2160">
               <a:lnSpc>
                 <a:spcPct val="90000"/>
               </a:lnSpc>
               <a:buClr>
                 <a:srgbClr val="808080"/>
               </a:buClr>
-              <a:buFont typeface="Arial"/>
-              <a:buChar char="•"/>
             </a:pPr>
-            <a:r>
-              <a:rPr lang="pt-BR" sz="2000" spc="-1" dirty="0" smtClean="0">
-                <a:uFill>
-                  <a:solidFill>
-                    <a:srgbClr val="FFFFFF"/>
-                  </a:solidFill>
-                </a:uFill>
-                <a:latin typeface="Arial" panose="020B0604020202020204" pitchFamily="34" charset="0"/>
-                <a:cs typeface="Arial" panose="020B0604020202020204" pitchFamily="34" charset="0"/>
-              </a:rPr>
-              <a:t>Compartilhamento de código</a:t>
-            </a:r>
-            <a:endParaRPr lang="pt-BR" sz="2000" b="0" strike="noStrike" spc="-1" dirty="0">
+            <a:endParaRPr lang="pt-BR" sz="1800" b="0" strike="noStrike" spc="-1" dirty="0" smtClean="0">
+              <a:solidFill>
+                <a:srgbClr val="000000"/>
+              </a:solidFill>
               <a:uFill>
                 <a:solidFill>
                   <a:srgbClr val="FFFFFF"/>
                 </a:solidFill>
               </a:uFill>
-              <a:latin typeface="Arial" panose="020B0604020202020204" pitchFamily="34" charset="0"/>
-              <a:cs typeface="Arial" panose="020B0604020202020204" pitchFamily="34" charset="0"/>
-            </a:endParaRPr>
-          </a:p>
-          <a:p>
-            <a:pPr marL="343080" indent="-340920">
-              <a:lnSpc>
-                <a:spcPct val="90000"/>
-              </a:lnSpc>
-              <a:buClr>
-                <a:srgbClr val="808080"/>
-              </a:buClr>
-              <a:buFont typeface="Arial"/>
-              <a:buChar char="•"/>
-            </a:pPr>
-            <a:r>
-              <a:rPr lang="pt-BR" sz="2000" b="0" strike="noStrike" spc="-1" dirty="0" smtClean="0">
-                <a:uFill>
-                  <a:solidFill>
-                    <a:srgbClr val="FFFFFF"/>
-                  </a:solidFill>
-                </a:uFill>
-                <a:latin typeface="Arial" panose="020B0604020202020204" pitchFamily="34" charset="0"/>
-                <a:ea typeface="DejaVu Sans"/>
-                <a:cs typeface="Arial" panose="020B0604020202020204" pitchFamily="34" charset="0"/>
-              </a:rPr>
-              <a:t>Segurança</a:t>
-            </a:r>
-            <a:endParaRPr lang="pt-BR" sz="2000" b="0" strike="noStrike" spc="-1" dirty="0">
-              <a:uFill>
-                <a:solidFill>
-                  <a:srgbClr val="FFFFFF"/>
-                </a:solidFill>
-              </a:uFill>
-              <a:latin typeface="Arial" panose="020B0604020202020204" pitchFamily="34" charset="0"/>
-              <a:cs typeface="Arial" panose="020B0604020202020204" pitchFamily="34" charset="0"/>
-            </a:endParaRPr>
-          </a:p>
-          <a:p>
-            <a:pPr marL="343080" indent="-340920">
-              <a:lnSpc>
-                <a:spcPct val="90000"/>
-              </a:lnSpc>
-              <a:buClr>
-                <a:srgbClr val="808080"/>
-              </a:buClr>
-              <a:buFont typeface="Arial"/>
-              <a:buChar char="•"/>
-            </a:pPr>
-            <a:r>
-              <a:rPr lang="pt-BR" sz="2000" spc="-1" dirty="0" smtClean="0">
-                <a:uFill>
-                  <a:solidFill>
-                    <a:srgbClr val="FFFFFF"/>
-                  </a:solidFill>
-                </a:uFill>
-                <a:latin typeface="Arial" panose="020B0604020202020204" pitchFamily="34" charset="0"/>
-                <a:cs typeface="Arial" panose="020B0604020202020204" pitchFamily="34" charset="0"/>
-              </a:rPr>
-              <a:t>Registro e controle</a:t>
-            </a:r>
-          </a:p>
-          <a:p>
-            <a:pPr marL="343080" indent="-340920">
-              <a:lnSpc>
-                <a:spcPct val="90000"/>
-              </a:lnSpc>
-              <a:buClr>
-                <a:srgbClr val="808080"/>
-              </a:buClr>
-              <a:buFont typeface="Arial"/>
-              <a:buChar char="•"/>
-            </a:pPr>
-            <a:r>
-              <a:rPr lang="pt-BR" sz="2000" b="0" strike="noStrike" spc="-1" dirty="0" smtClean="0">
-                <a:uFill>
-                  <a:solidFill>
-                    <a:srgbClr val="FFFFFF"/>
-                  </a:solidFill>
-                </a:uFill>
-                <a:latin typeface="Arial" panose="020B0604020202020204" pitchFamily="34" charset="0"/>
-                <a:cs typeface="Arial" panose="020B0604020202020204" pitchFamily="34" charset="0"/>
-              </a:rPr>
-              <a:t>Múltiplas versões</a:t>
-            </a:r>
-            <a:endParaRPr lang="pt-BR" sz="2000" b="0" strike="noStrike" spc="-1" dirty="0">
-              <a:uFill>
-                <a:solidFill>
-                  <a:srgbClr val="FFFFFF"/>
-                </a:solidFill>
-              </a:uFill>
-              <a:latin typeface="Arial" panose="020B0604020202020204" pitchFamily="34" charset="0"/>
-              <a:cs typeface="Arial" panose="020B0604020202020204" pitchFamily="34" charset="0"/>
+              <a:latin typeface="Arial"/>
             </a:endParaRPr>
           </a:p>
           <a:p>
@@ -18077,10 +13921,84 @@
                 <a:spcPct val="90000"/>
               </a:lnSpc>
             </a:pPr>
-            <a:endParaRPr lang="pt-BR" sz="1800" b="0" strike="noStrike" spc="-1" dirty="0">
-              <a:solidFill>
-                <a:srgbClr val="000000"/>
-              </a:solidFill>
+            <a:r>
+              <a:rPr lang="pt-BR" sz="3200" spc="-1" dirty="0" err="1">
+                <a:uFill>
+                  <a:solidFill>
+                    <a:srgbClr val="FFFFFF"/>
+                  </a:solidFill>
+                </a:uFill>
+                <a:latin typeface="Arial"/>
+              </a:rPr>
+              <a:t>git</a:t>
+            </a:r>
+            <a:r>
+              <a:rPr lang="pt-BR" sz="3200" spc="-1" dirty="0">
+                <a:uFill>
+                  <a:solidFill>
+                    <a:srgbClr val="FFFFFF"/>
+                  </a:solidFill>
+                </a:uFill>
+                <a:latin typeface="Arial"/>
+              </a:rPr>
+              <a:t> </a:t>
+            </a:r>
+            <a:r>
+              <a:rPr lang="pt-BR" sz="3200" spc="-1" dirty="0" err="1">
+                <a:uFill>
+                  <a:solidFill>
+                    <a:srgbClr val="FFFFFF"/>
+                  </a:solidFill>
+                </a:uFill>
+                <a:latin typeface="Arial"/>
+              </a:rPr>
+              <a:t>config</a:t>
+            </a:r>
+            <a:r>
+              <a:rPr lang="pt-BR" sz="3200" spc="-1" dirty="0">
+                <a:uFill>
+                  <a:solidFill>
+                    <a:srgbClr val="FFFFFF"/>
+                  </a:solidFill>
+                </a:uFill>
+                <a:latin typeface="Arial"/>
+              </a:rPr>
+              <a:t> </a:t>
+            </a:r>
+            <a:r>
+              <a:rPr lang="pt-BR" sz="3200" spc="-1" dirty="0" err="1">
+                <a:uFill>
+                  <a:solidFill>
+                    <a:srgbClr val="FFFFFF"/>
+                  </a:solidFill>
+                </a:uFill>
+                <a:latin typeface="Arial"/>
+              </a:rPr>
+              <a:t>credential.helper</a:t>
+            </a:r>
+            <a:r>
+              <a:rPr lang="pt-BR" sz="3200" spc="-1" dirty="0">
+                <a:uFill>
+                  <a:solidFill>
+                    <a:srgbClr val="FFFFFF"/>
+                  </a:solidFill>
+                </a:uFill>
+                <a:latin typeface="Arial"/>
+              </a:rPr>
+              <a:t> </a:t>
+            </a:r>
+            <a:r>
+              <a:rPr lang="pt-BR" sz="3200" spc="-1" dirty="0" err="1" smtClean="0">
+                <a:uFill>
+                  <a:solidFill>
+                    <a:srgbClr val="FFFFFF"/>
+                  </a:solidFill>
+                </a:uFill>
+                <a:latin typeface="Arial"/>
+              </a:rPr>
+              <a:t>store</a:t>
+            </a:r>
+            <a:endParaRPr lang="pt-BR" sz="3200" spc="-1" dirty="0" smtClean="0">
               <a:uFill>
                 <a:solidFill>
                   <a:srgbClr val="FFFFFF"/>
@@ -18089,69 +14007,143 @@
               <a:latin typeface="Arial"/>
             </a:endParaRPr>
           </a:p>
+          <a:p>
+            <a:pPr>
+              <a:lnSpc>
+                <a:spcPct val="90000"/>
+              </a:lnSpc>
+            </a:pPr>
+            <a:endParaRPr lang="pt-BR" sz="3200" spc="-1" dirty="0">
+              <a:uFill>
+                <a:solidFill>
+                  <a:srgbClr val="FFFFFF"/>
+                </a:solidFill>
+              </a:uFill>
+              <a:latin typeface="Arial"/>
+            </a:endParaRPr>
+          </a:p>
+          <a:p>
+            <a:pPr>
+              <a:lnSpc>
+                <a:spcPct val="90000"/>
+              </a:lnSpc>
+            </a:pPr>
+            <a:r>
+              <a:rPr lang="pt-BR" sz="3200" spc="-1" dirty="0" err="1">
+                <a:uFill>
+                  <a:solidFill>
+                    <a:srgbClr val="FFFFFF"/>
+                  </a:solidFill>
+                </a:uFill>
+                <a:latin typeface="Arial"/>
+              </a:rPr>
+              <a:t>g</a:t>
+            </a:r>
+            <a:r>
+              <a:rPr lang="pt-BR" sz="3200" spc="-1" dirty="0" err="1" smtClean="0">
+                <a:uFill>
+                  <a:solidFill>
+                    <a:srgbClr val="FFFFFF"/>
+                  </a:solidFill>
+                </a:uFill>
+                <a:latin typeface="Arial"/>
+              </a:rPr>
+              <a:t>it</a:t>
+            </a:r>
+            <a:r>
+              <a:rPr lang="pt-BR" sz="3200" spc="-1" dirty="0" smtClean="0">
+                <a:uFill>
+                  <a:solidFill>
+                    <a:srgbClr val="FFFFFF"/>
+                  </a:solidFill>
+                </a:uFill>
+                <a:latin typeface="Arial"/>
+              </a:rPr>
+              <a:t> </a:t>
+            </a:r>
+            <a:r>
+              <a:rPr lang="pt-BR" sz="3200" spc="-1" dirty="0" err="1" smtClean="0">
+                <a:uFill>
+                  <a:solidFill>
+                    <a:srgbClr val="FFFFFF"/>
+                  </a:solidFill>
+                </a:uFill>
+                <a:latin typeface="Arial"/>
+              </a:rPr>
+              <a:t>config</a:t>
+            </a:r>
+            <a:r>
+              <a:rPr lang="pt-BR" sz="3200" spc="-1" dirty="0">
+                <a:uFill>
+                  <a:solidFill>
+                    <a:srgbClr val="FFFFFF"/>
+                  </a:solidFill>
+                </a:uFill>
+                <a:latin typeface="Arial"/>
+              </a:rPr>
+              <a:t> </a:t>
+            </a:r>
+            <a:r>
+              <a:rPr lang="pt-BR" sz="3200" spc="-1" dirty="0" smtClean="0">
+                <a:uFill>
+                  <a:solidFill>
+                    <a:srgbClr val="FFFFFF"/>
+                  </a:solidFill>
+                </a:uFill>
+                <a:latin typeface="Arial"/>
+              </a:rPr>
+              <a:t>--system --</a:t>
+            </a:r>
+            <a:r>
+              <a:rPr lang="pt-BR" sz="3200" spc="-1" dirty="0" err="1" smtClean="0">
+                <a:uFill>
+                  <a:solidFill>
+                    <a:srgbClr val="FFFFFF"/>
+                  </a:solidFill>
+                </a:uFill>
+                <a:latin typeface="Arial"/>
+              </a:rPr>
+              <a:t>unset</a:t>
+            </a:r>
+            <a:r>
+              <a:rPr lang="pt-BR" sz="3200" spc="-1" dirty="0" smtClean="0">
+                <a:uFill>
+                  <a:solidFill>
+                    <a:srgbClr val="FFFFFF"/>
+                  </a:solidFill>
+                </a:uFill>
+                <a:latin typeface="Arial"/>
+              </a:rPr>
+              <a:t> </a:t>
+            </a:r>
+            <a:r>
+              <a:rPr lang="pt-BR" sz="3200" spc="-1" dirty="0" err="1" smtClean="0">
+                <a:uFill>
+                  <a:solidFill>
+                    <a:srgbClr val="FFFFFF"/>
+                  </a:solidFill>
+                </a:uFill>
+                <a:latin typeface="Arial"/>
+              </a:rPr>
+              <a:t>credential.helper</a:t>
+            </a:r>
+            <a:endParaRPr lang="pt-BR" sz="3200" spc="-1" dirty="0" smtClean="0">
+              <a:uFill>
+                <a:solidFill>
+                  <a:srgbClr val="FFFFFF"/>
+                </a:solidFill>
+              </a:uFill>
+              <a:latin typeface="Arial"/>
+            </a:endParaRPr>
+          </a:p>
         </p:txBody>
       </p:sp>
-      <p:pic>
-        <p:nvPicPr>
-          <p:cNvPr id="2" name="Imagem 1"/>
-          <p:cNvPicPr>
-            <a:picLocks noChangeAspect="1"/>
-          </p:cNvPicPr>
-          <p:nvPr/>
-        </p:nvPicPr>
-        <p:blipFill>
-          <a:blip r:embed="rId2" cstate="print">
-            <a:extLst>
-              <a:ext uri="{28A0092B-C50C-407E-A947-70E740481C1C}">
-                <a14:useLocalDpi xmlns:a14="http://schemas.microsoft.com/office/drawing/2010/main" val="0"/>
-              </a:ext>
-            </a:extLst>
-          </a:blip>
-          <a:stretch>
-            <a:fillRect/>
-          </a:stretch>
-        </p:blipFill>
-        <p:spPr>
-          <a:xfrm>
-            <a:off x="8517904" y="3491232"/>
-            <a:ext cx="3626768" cy="2170016"/>
-          </a:xfrm>
-          <a:prstGeom prst="rect">
-            <a:avLst/>
-          </a:prstGeom>
-        </p:spPr>
-      </p:pic>
-      <p:pic>
-        <p:nvPicPr>
-          <p:cNvPr id="3" name="Imagem 2"/>
-          <p:cNvPicPr>
-            <a:picLocks noChangeAspect="1"/>
-          </p:cNvPicPr>
-          <p:nvPr/>
-        </p:nvPicPr>
-        <p:blipFill>
-          <a:blip r:embed="rId3">
-            <a:extLst>
-              <a:ext uri="{28A0092B-C50C-407E-A947-70E740481C1C}">
-                <a14:useLocalDpi xmlns:a14="http://schemas.microsoft.com/office/drawing/2010/main" val="0"/>
-              </a:ext>
-            </a:extLst>
-          </a:blip>
-          <a:stretch>
-            <a:fillRect/>
-          </a:stretch>
-        </p:blipFill>
-        <p:spPr>
-          <a:xfrm>
-            <a:off x="6960096" y="2265040"/>
-            <a:ext cx="1123950" cy="1524000"/>
-          </a:xfrm>
-          <a:prstGeom prst="rect">
-            <a:avLst/>
-          </a:prstGeom>
-        </p:spPr>
-      </p:pic>
     </p:spTree>
+    <p:extLst>
+      <p:ext uri="{BB962C8B-B14F-4D97-AF65-F5344CB8AC3E}">
+        <p14:creationId xmlns:p14="http://schemas.microsoft.com/office/powerpoint/2010/main" val="4244716049"/>
+      </p:ext>
+    </p:extLst>
   </p:cSld>
   <p:clrMapOvr>
     <a:masterClrMapping/>
@@ -18205,7 +14197,7 @@
       </p:grpSpPr>
       <p:sp>
         <p:nvSpPr>
-          <p:cNvPr id="168" name="CustomShape 1"/>
+          <p:cNvPr id="177" name="CustomShape 1"/>
           <p:cNvSpPr/>
           <p:nvPr/>
         </p:nvSpPr>
@@ -18244,16 +14236,43 @@
               </a:lnSpc>
             </a:pPr>
             <a:r>
-              <a:rPr lang="pt-BR" sz="3200" b="1" spc="-1" dirty="0" smtClean="0">
+              <a:rPr lang="pt-BR" sz="3200" b="1" spc="-1" dirty="0" err="1">
                 <a:uFill>
                   <a:solidFill>
                     <a:srgbClr val="FFFFFF"/>
                   </a:solidFill>
                 </a:uFill>
                 <a:latin typeface="Arial" panose="020B0604020202020204" pitchFamily="34" charset="0"/>
+                <a:ea typeface="DejaVu Sans"/>
                 <a:cs typeface="Arial" panose="020B0604020202020204" pitchFamily="34" charset="0"/>
               </a:rPr>
-              <a:t>Como surgiu</a:t>
+              <a:t>g</a:t>
+            </a:r>
+            <a:r>
+              <a:rPr lang="pt-BR" sz="3200" b="1" strike="noStrike" spc="-1" dirty="0" err="1" smtClean="0">
+                <a:uFill>
+                  <a:solidFill>
+                    <a:srgbClr val="FFFFFF"/>
+                  </a:solidFill>
+                </a:uFill>
+                <a:latin typeface="Arial" panose="020B0604020202020204" pitchFamily="34" charset="0"/>
+                <a:ea typeface="DejaVu Sans"/>
+                <a:cs typeface="Arial" panose="020B0604020202020204" pitchFamily="34" charset="0"/>
+              </a:rPr>
+              <a:t>it</a:t>
+            </a:r>
+            <a:r>
+              <a:rPr lang="pt-BR" sz="3200" b="1" strike="noStrike" spc="-1" dirty="0" smtClean="0">
+                <a:uFill>
+                  <a:solidFill>
+                    <a:srgbClr val="FFFFFF"/>
+                  </a:solidFill>
+                </a:uFill>
+                <a:latin typeface="Arial" panose="020B0604020202020204" pitchFamily="34" charset="0"/>
+                <a:ea typeface="DejaVu Sans"/>
+                <a:cs typeface="Arial" panose="020B0604020202020204" pitchFamily="34" charset="0"/>
+              </a:rPr>
+              <a:t> reset</a:t>
             </a:r>
             <a:endParaRPr lang="pt-BR" sz="1800" b="1" strike="noStrike" spc="-1" dirty="0">
               <a:uFill>
@@ -18267,110 +14286,9 @@
           </a:p>
         </p:txBody>
       </p:sp>
-      <p:sp>
-        <p:nvSpPr>
-          <p:cNvPr id="4" name="CustomShape 2"/>
-          <p:cNvSpPr/>
-          <p:nvPr/>
-        </p:nvSpPr>
-        <p:spPr>
-          <a:xfrm>
-            <a:off x="334800" y="2146320"/>
-            <a:ext cx="11543400" cy="2067840"/>
-          </a:xfrm>
-          <a:prstGeom prst="rect">
-            <a:avLst/>
-          </a:prstGeom>
-          <a:noFill/>
-          <a:ln>
-            <a:noFill/>
-          </a:ln>
-        </p:spPr>
-        <p:style>
-          <a:lnRef idx="0">
-            <a:scrgbClr r="0" g="0" b="0"/>
-          </a:lnRef>
-          <a:fillRef idx="0">
-            <a:scrgbClr r="0" g="0" b="0"/>
-          </a:fillRef>
-          <a:effectRef idx="0">
-            <a:scrgbClr r="0" g="0" b="0"/>
-          </a:effectRef>
-          <a:fontRef idx="minor"/>
-        </p:style>
-        <p:txBody>
-          <a:bodyPr lIns="90000" tIns="45000" rIns="90000" bIns="45000"/>
-          <a:lstStyle/>
-          <a:p>
-            <a:pPr marL="2160">
-              <a:lnSpc>
-                <a:spcPct val="90000"/>
-              </a:lnSpc>
-              <a:buClr>
-                <a:srgbClr val="808080"/>
-              </a:buClr>
-            </a:pPr>
-            <a:endParaRPr lang="pt-BR" sz="1800" b="0" strike="noStrike" spc="-1" dirty="0" smtClean="0">
-              <a:solidFill>
-                <a:srgbClr val="000000"/>
-              </a:solidFill>
-              <a:uFill>
-                <a:solidFill>
-                  <a:srgbClr val="FFFFFF"/>
-                </a:solidFill>
-              </a:uFill>
-              <a:latin typeface="Arial"/>
-            </a:endParaRPr>
-          </a:p>
-          <a:p>
-            <a:pPr>
-              <a:lnSpc>
-                <a:spcPct val="90000"/>
-              </a:lnSpc>
-            </a:pPr>
-            <a:r>
-              <a:rPr lang="pt-BR" sz="2000" b="0" strike="noStrike" spc="-1" dirty="0" smtClean="0">
-                <a:uFill>
-                  <a:solidFill>
-                    <a:srgbClr val="FFFFFF"/>
-                  </a:solidFill>
-                </a:uFill>
-                <a:latin typeface="Arial"/>
-              </a:rPr>
-              <a:t>Primeira versão:</a:t>
-            </a:r>
-          </a:p>
-          <a:p>
-            <a:pPr>
-              <a:lnSpc>
-                <a:spcPct val="90000"/>
-              </a:lnSpc>
-            </a:pPr>
-            <a:r>
-              <a:rPr lang="pt-BR" sz="2000" b="0" strike="noStrike" spc="-1" dirty="0" smtClean="0">
-                <a:uFill>
-                  <a:solidFill>
-                    <a:srgbClr val="FFFFFF"/>
-                  </a:solidFill>
-                </a:uFill>
-                <a:latin typeface="Arial"/>
-              </a:rPr>
-              <a:t>21 de dezembro de 2005</a:t>
-            </a:r>
-            <a:endParaRPr lang="pt-BR" sz="2000" b="0" strike="noStrike" spc="-1" dirty="0">
-              <a:uFill>
-                <a:solidFill>
-                  <a:srgbClr val="FFFFFF"/>
-                </a:solidFill>
-              </a:uFill>
-              <a:latin typeface="Arial"/>
-            </a:endParaRPr>
-          </a:p>
-        </p:txBody>
-      </p:sp>
       <p:pic>
         <p:nvPicPr>
-          <p:cNvPr id="3" name="Imagem 2"/>
+          <p:cNvPr id="2" name="Imagem 1"/>
           <p:cNvPicPr>
             <a:picLocks noChangeAspect="1"/>
           </p:cNvPicPr>
@@ -18390,8 +14308,8 @@
         </p:blipFill>
         <p:spPr>
           <a:xfrm>
-            <a:off x="4452664" y="2204864"/>
-            <a:ext cx="7620000" cy="4438650"/>
+            <a:off x="2286000" y="473918"/>
+            <a:ext cx="7620000" cy="6267450"/>
           </a:xfrm>
           <a:prstGeom prst="rect">
             <a:avLst/>
@@ -18401,7 +14319,7 @@
     </p:spTree>
     <p:extLst>
       <p:ext uri="{BB962C8B-B14F-4D97-AF65-F5344CB8AC3E}">
-        <p14:creationId xmlns:p14="http://schemas.microsoft.com/office/powerpoint/2010/main" val="2797844456"/>
+        <p14:creationId xmlns:p14="http://schemas.microsoft.com/office/powerpoint/2010/main" val="595801954"/>
       </p:ext>
     </p:extLst>
   </p:cSld>
@@ -18411,7 +14329,27 @@
   <p:timing>
     <p:tnLst>
       <p:par>
-        <p:cTn id="1" dur="indefinite" restart="never" nodeType="tmRoot"/>
+        <p:cTn id="1" dur="indefinite" restart="never" nodeType="tmRoot">
+          <p:childTnLst>
+            <p:seq>
+              <p:cTn id="2" nodeType="mainSeq"/>
+              <p:prevCondLst>
+                <p:cond evt="onPrev" delay="0">
+                  <p:tgtEl>
+                    <p:sldTgt/>
+                  </p:tgtEl>
+                </p:cond>
+              </p:prevCondLst>
+              <p:nextCondLst>
+                <p:cond evt="onNext" delay="0">
+                  <p:tgtEl>
+                    <p:sldTgt/>
+                  </p:tgtEl>
+                </p:cond>
+              </p:nextCondLst>
+            </p:seq>
+          </p:childTnLst>
+        </p:cTn>
       </p:par>
     </p:tnLst>
   </p:timing>
@@ -18437,7 +14375,7 @@
       </p:grpSpPr>
       <p:sp>
         <p:nvSpPr>
-          <p:cNvPr id="168" name="CustomShape 1"/>
+          <p:cNvPr id="177" name="CustomShape 1"/>
           <p:cNvSpPr/>
           <p:nvPr/>
         </p:nvSpPr>
@@ -18476,40 +14414,43 @@
               </a:lnSpc>
             </a:pPr>
             <a:r>
-              <a:rPr lang="pt-BR" sz="3200" b="1" spc="-1" dirty="0" smtClean="0">
+              <a:rPr lang="pt-BR" sz="3200" b="1" spc="-1" dirty="0" err="1">
                 <a:uFill>
                   <a:solidFill>
                     <a:srgbClr val="FFFFFF"/>
                   </a:solidFill>
                 </a:uFill>
                 <a:latin typeface="Arial" panose="020B0604020202020204" pitchFamily="34" charset="0"/>
+                <a:ea typeface="DejaVu Sans"/>
                 <a:cs typeface="Arial" panose="020B0604020202020204" pitchFamily="34" charset="0"/>
               </a:rPr>
-              <a:t>O que é o </a:t>
-            </a:r>
-            <a:r>
-              <a:rPr lang="pt-BR" sz="3200" b="1" spc="-1" dirty="0" err="1" smtClean="0">
+              <a:t>g</a:t>
+            </a:r>
+            <a:r>
+              <a:rPr lang="pt-BR" sz="3200" b="1" strike="noStrike" spc="-1" dirty="0" err="1" smtClean="0">
                 <a:uFill>
                   <a:solidFill>
                     <a:srgbClr val="FFFFFF"/>
                   </a:solidFill>
                 </a:uFill>
                 <a:latin typeface="Arial" panose="020B0604020202020204" pitchFamily="34" charset="0"/>
+                <a:ea typeface="DejaVu Sans"/>
                 <a:cs typeface="Arial" panose="020B0604020202020204" pitchFamily="34" charset="0"/>
               </a:rPr>
-              <a:t>git</a:t>
-            </a:r>
-            <a:r>
-              <a:rPr lang="pt-BR" sz="3200" b="1" spc="-1" dirty="0" smtClean="0">
+              <a:t>it</a:t>
+            </a:r>
+            <a:r>
+              <a:rPr lang="pt-BR" sz="3200" b="1" strike="noStrike" spc="-1" dirty="0" smtClean="0">
                 <a:uFill>
                   <a:solidFill>
                     <a:srgbClr val="FFFFFF"/>
                   </a:solidFill>
                 </a:uFill>
                 <a:latin typeface="Arial" panose="020B0604020202020204" pitchFamily="34" charset="0"/>
+                <a:ea typeface="DejaVu Sans"/>
                 <a:cs typeface="Arial" panose="020B0604020202020204" pitchFamily="34" charset="0"/>
               </a:rPr>
-              <a:t>?</a:t>
+              <a:t> reset</a:t>
             </a:r>
             <a:endParaRPr lang="pt-BR" sz="1800" b="1" strike="noStrike" spc="-1" dirty="0">
               <a:uFill>
@@ -18545,8 +14486,8 @@
         </p:blipFill>
         <p:spPr>
           <a:xfrm>
-            <a:off x="1559496" y="1639389"/>
-            <a:ext cx="8568952" cy="5173987"/>
+            <a:off x="2286000" y="85725"/>
+            <a:ext cx="7620000" cy="6686550"/>
           </a:xfrm>
           <a:prstGeom prst="rect">
             <a:avLst/>
@@ -18556,7 +14497,7 @@
     </p:spTree>
     <p:extLst>
       <p:ext uri="{BB962C8B-B14F-4D97-AF65-F5344CB8AC3E}">
-        <p14:creationId xmlns:p14="http://schemas.microsoft.com/office/powerpoint/2010/main" val="1954077925"/>
+        <p14:creationId xmlns:p14="http://schemas.microsoft.com/office/powerpoint/2010/main" val="2305546082"/>
       </p:ext>
     </p:extLst>
   </p:cSld>
@@ -18566,7 +14507,27 @@
   <p:timing>
     <p:tnLst>
       <p:par>
-        <p:cTn id="1" dur="indefinite" restart="never" nodeType="tmRoot"/>
+        <p:cTn id="1" dur="indefinite" restart="never" nodeType="tmRoot">
+          <p:childTnLst>
+            <p:seq>
+              <p:cTn id="2" nodeType="mainSeq"/>
+              <p:prevCondLst>
+                <p:cond evt="onPrev" delay="0">
+                  <p:tgtEl>
+                    <p:sldTgt/>
+                  </p:tgtEl>
+                </p:cond>
+              </p:prevCondLst>
+              <p:nextCondLst>
+                <p:cond evt="onNext" delay="0">
+                  <p:tgtEl>
+                    <p:sldTgt/>
+                  </p:tgtEl>
+                </p:cond>
+              </p:nextCondLst>
+            </p:seq>
+          </p:childTnLst>
+        </p:cTn>
       </p:par>
     </p:tnLst>
   </p:timing>
@@ -18592,7 +14553,7 @@
       </p:grpSpPr>
       <p:sp>
         <p:nvSpPr>
-          <p:cNvPr id="168" name="CustomShape 1"/>
+          <p:cNvPr id="177" name="CustomShape 1"/>
           <p:cNvSpPr/>
           <p:nvPr/>
         </p:nvSpPr>
@@ -18631,16 +14592,43 @@
               </a:lnSpc>
             </a:pPr>
             <a:r>
-              <a:rPr lang="pt-BR" sz="3200" b="1" spc="-1" dirty="0" smtClean="0">
+              <a:rPr lang="pt-BR" sz="3200" b="1" spc="-1" dirty="0" err="1">
                 <a:uFill>
                   <a:solidFill>
                     <a:srgbClr val="FFFFFF"/>
                   </a:solidFill>
                 </a:uFill>
                 <a:latin typeface="Arial" panose="020B0604020202020204" pitchFamily="34" charset="0"/>
+                <a:ea typeface="DejaVu Sans"/>
                 <a:cs typeface="Arial" panose="020B0604020202020204" pitchFamily="34" charset="0"/>
               </a:rPr>
-              <a:t>Por que usar?</a:t>
+              <a:t>g</a:t>
+            </a:r>
+            <a:r>
+              <a:rPr lang="pt-BR" sz="3200" b="1" strike="noStrike" spc="-1" dirty="0" err="1" smtClean="0">
+                <a:uFill>
+                  <a:solidFill>
+                    <a:srgbClr val="FFFFFF"/>
+                  </a:solidFill>
+                </a:uFill>
+                <a:latin typeface="Arial" panose="020B0604020202020204" pitchFamily="34" charset="0"/>
+                <a:ea typeface="DejaVu Sans"/>
+                <a:cs typeface="Arial" panose="020B0604020202020204" pitchFamily="34" charset="0"/>
+              </a:rPr>
+              <a:t>it</a:t>
+            </a:r>
+            <a:r>
+              <a:rPr lang="pt-BR" sz="3200" b="1" strike="noStrike" spc="-1" dirty="0" smtClean="0">
+                <a:uFill>
+                  <a:solidFill>
+                    <a:srgbClr val="FFFFFF"/>
+                  </a:solidFill>
+                </a:uFill>
+                <a:latin typeface="Arial" panose="020B0604020202020204" pitchFamily="34" charset="0"/>
+                <a:ea typeface="DejaVu Sans"/>
+                <a:cs typeface="Arial" panose="020B0604020202020204" pitchFamily="34" charset="0"/>
+              </a:rPr>
+              <a:t> reset</a:t>
             </a:r>
             <a:endParaRPr lang="pt-BR" sz="1800" b="1" strike="noStrike" spc="-1" dirty="0">
               <a:uFill>
@@ -18650,131 +14638,6 @@
               </a:uFill>
               <a:latin typeface="Arial" panose="020B0604020202020204" pitchFamily="34" charset="0"/>
               <a:cs typeface="Arial" panose="020B0604020202020204" pitchFamily="34" charset="0"/>
-            </a:endParaRPr>
-          </a:p>
-        </p:txBody>
-      </p:sp>
-      <p:sp>
-        <p:nvSpPr>
-          <p:cNvPr id="4" name="CustomShape 2"/>
-          <p:cNvSpPr/>
-          <p:nvPr/>
-        </p:nvSpPr>
-        <p:spPr>
-          <a:xfrm>
-            <a:off x="334800" y="2146320"/>
-            <a:ext cx="11543400" cy="2067840"/>
-          </a:xfrm>
-          <a:prstGeom prst="rect">
-            <a:avLst/>
-          </a:prstGeom>
-          <a:noFill/>
-          <a:ln>
-            <a:noFill/>
-          </a:ln>
-        </p:spPr>
-        <p:style>
-          <a:lnRef idx="0">
-            <a:scrgbClr r="0" g="0" b="0"/>
-          </a:lnRef>
-          <a:fillRef idx="0">
-            <a:scrgbClr r="0" g="0" b="0"/>
-          </a:fillRef>
-          <a:effectRef idx="0">
-            <a:scrgbClr r="0" g="0" b="0"/>
-          </a:effectRef>
-          <a:fontRef idx="minor"/>
-        </p:style>
-        <p:txBody>
-          <a:bodyPr lIns="90000" tIns="45000" rIns="90000" bIns="45000"/>
-          <a:lstStyle/>
-          <a:p>
-            <a:pPr marL="2160">
-              <a:lnSpc>
-                <a:spcPct val="90000"/>
-              </a:lnSpc>
-              <a:buClr>
-                <a:srgbClr val="808080"/>
-              </a:buClr>
-            </a:pPr>
-            <a:endParaRPr lang="pt-BR" sz="1800" b="0" strike="noStrike" spc="-1" dirty="0" smtClean="0">
-              <a:solidFill>
-                <a:srgbClr val="000000"/>
-              </a:solidFill>
-              <a:uFill>
-                <a:solidFill>
-                  <a:srgbClr val="FFFFFF"/>
-                </a:solidFill>
-              </a:uFill>
-              <a:latin typeface="Arial"/>
-            </a:endParaRPr>
-          </a:p>
-          <a:p>
-            <a:pPr marL="285750" indent="-285750">
-              <a:lnSpc>
-                <a:spcPct val="90000"/>
-              </a:lnSpc>
-              <a:buFont typeface="Arial" panose="020B0604020202020204" pitchFamily="34" charset="0"/>
-              <a:buChar char="•"/>
-            </a:pPr>
-            <a:r>
-              <a:rPr lang="pt-BR" sz="2000" b="0" strike="noStrike" spc="-1" dirty="0" smtClean="0">
-                <a:uFill>
-                  <a:solidFill>
-                    <a:srgbClr val="FFFFFF"/>
-                  </a:solidFill>
-                </a:uFill>
-                <a:latin typeface="Arial"/>
-              </a:rPr>
-              <a:t>Versionamento</a:t>
-            </a:r>
-          </a:p>
-          <a:p>
-            <a:pPr marL="285750" indent="-285750">
-              <a:lnSpc>
-                <a:spcPct val="90000"/>
-              </a:lnSpc>
-              <a:buFont typeface="Arial" panose="020B0604020202020204" pitchFamily="34" charset="0"/>
-              <a:buChar char="•"/>
-            </a:pPr>
-            <a:r>
-              <a:rPr lang="pt-BR" sz="2000" spc="-1" dirty="0" smtClean="0">
-                <a:uFill>
-                  <a:solidFill>
-                    <a:srgbClr val="FFFFFF"/>
-                  </a:solidFill>
-                </a:uFill>
-                <a:latin typeface="Arial"/>
-              </a:rPr>
-              <a:t>Backup</a:t>
-            </a:r>
-          </a:p>
-          <a:p>
-            <a:pPr marL="285750" indent="-285750">
-              <a:lnSpc>
-                <a:spcPct val="90000"/>
-              </a:lnSpc>
-              <a:buFont typeface="Arial" panose="020B0604020202020204" pitchFamily="34" charset="0"/>
-              <a:buChar char="•"/>
-            </a:pPr>
-            <a:r>
-              <a:rPr lang="pt-BR" sz="2000" b="0" strike="noStrike" spc="-1" dirty="0" smtClean="0">
-                <a:uFill>
-                  <a:solidFill>
-                    <a:srgbClr val="FFFFFF"/>
-                  </a:solidFill>
-                </a:uFill>
-                <a:latin typeface="Arial"/>
-              </a:rPr>
-              <a:t>Segurança</a:t>
-            </a:r>
-            <a:endParaRPr lang="pt-BR" sz="2000" b="0" strike="noStrike" spc="-1" dirty="0">
-              <a:uFill>
-                <a:solidFill>
-                  <a:srgbClr val="FFFFFF"/>
-                </a:solidFill>
-              </a:uFill>
-              <a:latin typeface="Arial"/>
             </a:endParaRPr>
           </a:p>
         </p:txBody>
@@ -18788,7 +14651,7 @@
           <p:nvPr/>
         </p:nvPicPr>
         <p:blipFill>
-          <a:blip r:embed="rId2" cstate="print">
+          <a:blip r:embed="rId2">
             <a:extLst>
               <a:ext uri="{28A0092B-C50C-407E-A947-70E740481C1C}">
                 <a14:useLocalDpi xmlns:a14="http://schemas.microsoft.com/office/drawing/2010/main" val="0"/>
@@ -18801,8 +14664,8 @@
         </p:blipFill>
         <p:spPr>
           <a:xfrm>
-            <a:off x="5159896" y="2131819"/>
-            <a:ext cx="6840760" cy="4564155"/>
+            <a:off x="2286000" y="85725"/>
+            <a:ext cx="7620000" cy="6686550"/>
           </a:xfrm>
           <a:prstGeom prst="rect">
             <a:avLst/>
@@ -18812,7 +14675,7 @@
     </p:spTree>
     <p:extLst>
       <p:ext uri="{BB962C8B-B14F-4D97-AF65-F5344CB8AC3E}">
-        <p14:creationId xmlns:p14="http://schemas.microsoft.com/office/powerpoint/2010/main" val="453704100"/>
+        <p14:creationId xmlns:p14="http://schemas.microsoft.com/office/powerpoint/2010/main" val="1511078031"/>
       </p:ext>
     </p:extLst>
   </p:cSld>
@@ -18822,7 +14685,27 @@
   <p:timing>
     <p:tnLst>
       <p:par>
-        <p:cTn id="1" dur="indefinite" restart="never" nodeType="tmRoot"/>
+        <p:cTn id="1" dur="indefinite" restart="never" nodeType="tmRoot">
+          <p:childTnLst>
+            <p:seq>
+              <p:cTn id="2" nodeType="mainSeq"/>
+              <p:prevCondLst>
+                <p:cond evt="onPrev" delay="0">
+                  <p:tgtEl>
+                    <p:sldTgt/>
+                  </p:tgtEl>
+                </p:cond>
+              </p:prevCondLst>
+              <p:nextCondLst>
+                <p:cond evt="onNext" delay="0">
+                  <p:tgtEl>
+                    <p:sldTgt/>
+                  </p:tgtEl>
+                </p:cond>
+              </p:nextCondLst>
+            </p:seq>
+          </p:childTnLst>
+        </p:cTn>
       </p:par>
     </p:tnLst>
   </p:timing>
@@ -18848,7 +14731,7 @@
       </p:grpSpPr>
       <p:sp>
         <p:nvSpPr>
-          <p:cNvPr id="168" name="CustomShape 1"/>
+          <p:cNvPr id="177" name="CustomShape 1"/>
           <p:cNvSpPr/>
           <p:nvPr/>
         </p:nvSpPr>
@@ -18887,16 +14770,43 @@
               </a:lnSpc>
             </a:pPr>
             <a:r>
-              <a:rPr lang="pt-BR" sz="3200" b="1" spc="-1" dirty="0" smtClean="0">
+              <a:rPr lang="pt-BR" sz="3200" b="1" spc="-1" dirty="0" err="1">
                 <a:uFill>
                   <a:solidFill>
                     <a:srgbClr val="FFFFFF"/>
                   </a:solidFill>
                 </a:uFill>
                 <a:latin typeface="Arial" panose="020B0604020202020204" pitchFamily="34" charset="0"/>
+                <a:ea typeface="DejaVu Sans"/>
                 <a:cs typeface="Arial" panose="020B0604020202020204" pitchFamily="34" charset="0"/>
               </a:rPr>
-              <a:t>Servidores</a:t>
+              <a:t>g</a:t>
+            </a:r>
+            <a:r>
+              <a:rPr lang="pt-BR" sz="3200" b="1" strike="noStrike" spc="-1" dirty="0" err="1" smtClean="0">
+                <a:uFill>
+                  <a:solidFill>
+                    <a:srgbClr val="FFFFFF"/>
+                  </a:solidFill>
+                </a:uFill>
+                <a:latin typeface="Arial" panose="020B0604020202020204" pitchFamily="34" charset="0"/>
+                <a:ea typeface="DejaVu Sans"/>
+                <a:cs typeface="Arial" panose="020B0604020202020204" pitchFamily="34" charset="0"/>
+              </a:rPr>
+              <a:t>it</a:t>
+            </a:r>
+            <a:r>
+              <a:rPr lang="pt-BR" sz="3200" b="1" strike="noStrike" spc="-1" dirty="0" smtClean="0">
+                <a:uFill>
+                  <a:solidFill>
+                    <a:srgbClr val="FFFFFF"/>
+                  </a:solidFill>
+                </a:uFill>
+                <a:latin typeface="Arial" panose="020B0604020202020204" pitchFamily="34" charset="0"/>
+                <a:ea typeface="DejaVu Sans"/>
+                <a:cs typeface="Arial" panose="020B0604020202020204" pitchFamily="34" charset="0"/>
+              </a:rPr>
+              <a:t> reset</a:t>
             </a:r>
             <a:endParaRPr lang="pt-BR" sz="1800" b="1" strike="noStrike" spc="-1" dirty="0">
               <a:uFill>
@@ -18912,7 +14822,7 @@
       </p:sp>
       <p:pic>
         <p:nvPicPr>
-          <p:cNvPr id="2" name="Imagem 1"/>
+          <p:cNvPr id="3" name="Imagem 2"/>
           <p:cNvPicPr>
             <a:picLocks noChangeAspect="1"/>
           </p:cNvPicPr>
@@ -18932,38 +14842,8 @@
         </p:blipFill>
         <p:spPr>
           <a:xfrm>
-            <a:off x="557808" y="2643336"/>
-            <a:ext cx="3810000" cy="3810000"/>
-          </a:xfrm>
-          <a:prstGeom prst="rect">
-            <a:avLst/>
-          </a:prstGeom>
-        </p:spPr>
-      </p:pic>
-      <p:pic>
-        <p:nvPicPr>
-          <p:cNvPr id="5" name="Imagem 4"/>
-          <p:cNvPicPr>
-            <a:picLocks noChangeAspect="1"/>
-          </p:cNvPicPr>
-          <p:nvPr/>
-        </p:nvPicPr>
-        <p:blipFill>
-          <a:blip r:embed="rId3">
-            <a:extLst>
-              <a:ext uri="{28A0092B-C50C-407E-A947-70E740481C1C}">
-                <a14:useLocalDpi xmlns:a14="http://schemas.microsoft.com/office/drawing/2010/main" val="0"/>
-              </a:ext>
-            </a:extLst>
-          </a:blip>
-          <a:stretch>
-            <a:fillRect/>
-          </a:stretch>
-        </p:blipFill>
-        <p:spPr>
-          <a:xfrm>
-            <a:off x="4943872" y="2012742"/>
-            <a:ext cx="10058400" cy="5016658"/>
+            <a:off x="2286000" y="85725"/>
+            <a:ext cx="7620000" cy="6686550"/>
           </a:xfrm>
           <a:prstGeom prst="rect">
             <a:avLst/>
@@ -18973,7 +14853,7 @@
     </p:spTree>
     <p:extLst>
       <p:ext uri="{BB962C8B-B14F-4D97-AF65-F5344CB8AC3E}">
-        <p14:creationId xmlns:p14="http://schemas.microsoft.com/office/powerpoint/2010/main" val="1016918157"/>
+        <p14:creationId xmlns:p14="http://schemas.microsoft.com/office/powerpoint/2010/main" val="3790818450"/>
       </p:ext>
     </p:extLst>
   </p:cSld>
@@ -18983,7 +14863,27 @@
   <p:timing>
     <p:tnLst>
       <p:par>
-        <p:cTn id="1" dur="indefinite" restart="never" nodeType="tmRoot"/>
+        <p:cTn id="1" dur="indefinite" restart="never" nodeType="tmRoot">
+          <p:childTnLst>
+            <p:seq>
+              <p:cTn id="2" nodeType="mainSeq"/>
+              <p:prevCondLst>
+                <p:cond evt="onPrev" delay="0">
+                  <p:tgtEl>
+                    <p:sldTgt/>
+                  </p:tgtEl>
+                </p:cond>
+              </p:prevCondLst>
+              <p:nextCondLst>
+                <p:cond evt="onNext" delay="0">
+                  <p:tgtEl>
+                    <p:sldTgt/>
+                  </p:tgtEl>
+                </p:cond>
+              </p:nextCondLst>
+            </p:seq>
+          </p:childTnLst>
+        </p:cTn>
       </p:par>
     </p:tnLst>
   </p:timing>
@@ -19048,7 +14948,7 @@
               </a:lnSpc>
             </a:pPr>
             <a:r>
-              <a:rPr lang="pt-BR" sz="3200" b="1" spc="-1" dirty="0" smtClean="0">
+              <a:rPr lang="pt-BR" sz="3200" b="1" spc="-1" dirty="0" err="1" smtClean="0">
                 <a:uFill>
                   <a:solidFill>
                     <a:srgbClr val="FFFFFF"/>
@@ -19057,7 +14957,31 @@
                 <a:latin typeface="Arial" panose="020B0604020202020204" pitchFamily="34" charset="0"/>
                 <a:cs typeface="Arial" panose="020B0604020202020204" pitchFamily="34" charset="0"/>
               </a:rPr>
-              <a:t>Configurar proxy</a:t>
+              <a:t>git</a:t>
+            </a:r>
+            <a:r>
+              <a:rPr lang="pt-BR" sz="3200" b="1" spc="-1" dirty="0" smtClean="0">
+                <a:uFill>
+                  <a:solidFill>
+                    <a:srgbClr val="FFFFFF"/>
+                  </a:solidFill>
+                </a:uFill>
+                <a:latin typeface="Arial" panose="020B0604020202020204" pitchFamily="34" charset="0"/>
+                <a:cs typeface="Arial" panose="020B0604020202020204" pitchFamily="34" charset="0"/>
+              </a:rPr>
+              <a:t> </a:t>
+            </a:r>
+            <a:r>
+              <a:rPr lang="pt-BR" sz="3200" b="1" spc="-1" dirty="0" err="1" smtClean="0">
+                <a:uFill>
+                  <a:solidFill>
+                    <a:srgbClr val="FFFFFF"/>
+                  </a:solidFill>
+                </a:uFill>
+                <a:latin typeface="Arial" panose="020B0604020202020204" pitchFamily="34" charset="0"/>
+                <a:cs typeface="Arial" panose="020B0604020202020204" pitchFamily="34" charset="0"/>
+              </a:rPr>
+              <a:t>tag</a:t>
             </a:r>
             <a:endParaRPr lang="pt-BR" sz="1800" b="1" strike="noStrike" spc="-1" dirty="0">
               <a:uFill>
@@ -19079,7 +15003,7 @@
         </p:nvSpPr>
         <p:spPr>
           <a:xfrm>
-            <a:off x="334800" y="2146320"/>
+            <a:off x="334800" y="1649192"/>
             <a:ext cx="11543400" cy="2067840"/>
           </a:xfrm>
           <a:prstGeom prst="rect">
@@ -19114,51 +15038,7 @@
                 <a:srgbClr val="808080"/>
               </a:buClr>
             </a:pPr>
-            <a:r>
-              <a:rPr lang="fr-FR" sz="2000" u="sng" spc="-1" dirty="0">
-                <a:solidFill>
-                  <a:srgbClr val="000000"/>
-                </a:solidFill>
-                <a:uFill>
-                  <a:solidFill>
-                    <a:srgbClr val="FFFFFF"/>
-                  </a:solidFill>
-                </a:uFill>
-                <a:latin typeface="Arial"/>
-              </a:rPr>
-              <a:t>git config --global http.proxy </a:t>
-            </a:r>
-            <a:r>
-              <a:rPr lang="fr-FR" sz="2000" u="sng" spc="-1" dirty="0">
-                <a:solidFill>
-                  <a:srgbClr val="000000"/>
-                </a:solidFill>
-                <a:uFill>
-                  <a:solidFill>
-                    <a:srgbClr val="FFFFFF"/>
-                  </a:solidFill>
-                </a:uFill>
-                <a:latin typeface="Arial"/>
-                <a:hlinkClick r:id="rId2"/>
-              </a:rPr>
-              <a:t>http://</a:t>
-            </a:r>
-            <a:r>
-              <a:rPr lang="fr-FR" sz="2000" u="sng" spc="-1" dirty="0" smtClean="0">
-                <a:solidFill>
-                  <a:srgbClr val="000000"/>
-                </a:solidFill>
-                <a:uFill>
-                  <a:solidFill>
-                    <a:srgbClr val="FFFFFF"/>
-                  </a:solidFill>
-                </a:uFill>
-                <a:latin typeface="Arial"/>
-                <a:hlinkClick r:id="rId2"/>
-              </a:rPr>
-              <a:t>userName:password@10.70.6.200:8080</a:t>
-            </a:r>
-            <a:endParaRPr lang="fr-FR" sz="2000" u="sng" spc="-1" dirty="0" smtClean="0">
+            <a:endParaRPr lang="pt-BR" sz="1800" b="0" strike="noStrike" spc="-1" dirty="0" smtClean="0">
               <a:solidFill>
                 <a:srgbClr val="000000"/>
               </a:solidFill>
@@ -19171,19 +15051,13 @@
             </a:endParaRPr>
           </a:p>
           <a:p>
-            <a:pPr marL="2160">
+            <a:pPr>
               <a:lnSpc>
                 <a:spcPct val="90000"/>
               </a:lnSpc>
-              <a:buClr>
-                <a:srgbClr val="808080"/>
-              </a:buClr>
             </a:pPr>
             <a:r>
-              <a:rPr lang="fr-FR" sz="2000" u="sng" spc="-1" dirty="0">
-                <a:solidFill>
-                  <a:srgbClr val="000000"/>
-                </a:solidFill>
+              <a:rPr lang="pt-BR" sz="3200" spc="-1" dirty="0" err="1">
                 <a:uFill>
                   <a:solidFill>
                     <a:srgbClr val="FFFFFF"/>
@@ -19191,22 +15065,57 @@
                 </a:uFill>
                 <a:latin typeface="Arial"/>
               </a:rPr>
-              <a:t>git config --global http.sslVerify false</a:t>
-            </a:r>
-          </a:p>
-          <a:p>
-            <a:pPr marL="2160">
+              <a:t>g</a:t>
+            </a:r>
+            <a:r>
+              <a:rPr lang="pt-BR" sz="3200" spc="-1" dirty="0" err="1" smtClean="0">
+                <a:uFill>
+                  <a:solidFill>
+                    <a:srgbClr val="FFFFFF"/>
+                  </a:solidFill>
+                </a:uFill>
+                <a:latin typeface="Arial"/>
+              </a:rPr>
+              <a:t>it</a:t>
+            </a:r>
+            <a:r>
+              <a:rPr lang="pt-BR" sz="3200" spc="-1" dirty="0" smtClean="0">
+                <a:uFill>
+                  <a:solidFill>
+                    <a:srgbClr val="FFFFFF"/>
+                  </a:solidFill>
+                </a:uFill>
+                <a:latin typeface="Arial"/>
+              </a:rPr>
+              <a:t> </a:t>
+            </a:r>
+            <a:r>
+              <a:rPr lang="pt-BR" sz="3200" spc="-1" dirty="0" err="1" smtClean="0">
+                <a:uFill>
+                  <a:solidFill>
+                    <a:srgbClr val="FFFFFF"/>
+                  </a:solidFill>
+                </a:uFill>
+                <a:latin typeface="Arial"/>
+              </a:rPr>
+              <a:t>tag</a:t>
+            </a:r>
+            <a:endParaRPr lang="pt-BR" sz="3200" spc="-1" dirty="0" smtClean="0">
+              <a:uFill>
+                <a:solidFill>
+                  <a:srgbClr val="FFFFFF"/>
+                </a:solidFill>
+              </a:uFill>
+              <a:latin typeface="Arial"/>
+            </a:endParaRPr>
+          </a:p>
+          <a:p>
+            <a:pPr>
               <a:lnSpc>
                 <a:spcPct val="90000"/>
               </a:lnSpc>
-              <a:buClr>
-                <a:srgbClr val="808080"/>
-              </a:buClr>
             </a:pPr>
-            <a:endParaRPr lang="fr-FR" sz="2000" u="sng" spc="-1" dirty="0">
-              <a:solidFill>
-                <a:srgbClr val="000000"/>
-              </a:solidFill>
+            <a:endParaRPr lang="pt-BR" sz="3200" spc="-1" dirty="0">
               <a:uFill>
                 <a:solidFill>
                   <a:srgbClr val="FFFFFF"/>
@@ -19216,18 +15125,67 @@
             </a:endParaRPr>
           </a:p>
           <a:p>
-            <a:pPr marL="2160">
+            <a:pPr>
               <a:lnSpc>
                 <a:spcPct val="90000"/>
               </a:lnSpc>
-              <a:buClr>
-                <a:srgbClr val="808080"/>
-              </a:buClr>
             </a:pPr>
-            <a:endParaRPr lang="pt-BR" sz="1800" b="0" u="sng" strike="noStrike" spc="-1" dirty="0" smtClean="0">
-              <a:solidFill>
-                <a:srgbClr val="000000"/>
-              </a:solidFill>
+            <a:r>
+              <a:rPr lang="pt-BR" sz="3200" spc="-1" dirty="0" err="1" smtClean="0">
+                <a:uFill>
+                  <a:solidFill>
+                    <a:srgbClr val="FFFFFF"/>
+                  </a:solidFill>
+                </a:uFill>
+                <a:latin typeface="Arial"/>
+              </a:rPr>
+              <a:t>git</a:t>
+            </a:r>
+            <a:r>
+              <a:rPr lang="pt-BR" sz="3200" spc="-1" dirty="0">
+                <a:uFill>
+                  <a:solidFill>
+                    <a:srgbClr val="FFFFFF"/>
+                  </a:solidFill>
+                </a:uFill>
+                <a:latin typeface="Arial"/>
+              </a:rPr>
+              <a:t> </a:t>
+            </a:r>
+            <a:r>
+              <a:rPr lang="pt-BR" sz="3200" spc="-1" dirty="0" err="1" smtClean="0">
+                <a:uFill>
+                  <a:solidFill>
+                    <a:srgbClr val="FFFFFF"/>
+                  </a:solidFill>
+                </a:uFill>
+                <a:latin typeface="Arial"/>
+              </a:rPr>
+              <a:t>tag</a:t>
+            </a:r>
+            <a:r>
+              <a:rPr lang="pt-BR" sz="3200" spc="-1" dirty="0" smtClean="0">
+                <a:uFill>
+                  <a:solidFill>
+                    <a:srgbClr val="FFFFFF"/>
+                  </a:solidFill>
+                </a:uFill>
+                <a:latin typeface="Arial"/>
+              </a:rPr>
+              <a:t> -a v1.0 </a:t>
+            </a:r>
+            <a:r>
+              <a:rPr lang="pt-BR" sz="3200" spc="-1" dirty="0" smtClean="0">
+                <a:uFill>
+                  <a:solidFill>
+                    <a:srgbClr val="FFFFFF"/>
+                  </a:solidFill>
+                </a:uFill>
+                <a:latin typeface="Arial"/>
+              </a:rPr>
+              <a:t>-m ‘versão 1.0’</a:t>
+            </a:r>
+            <a:endParaRPr lang="pt-BR" sz="3200" spc="-1" dirty="0" smtClean="0">
               <a:uFill>
                 <a:solidFill>
                   <a:srgbClr val="FFFFFF"/>
@@ -19236,12 +15194,164 @@
               <a:latin typeface="Arial"/>
             </a:endParaRPr>
           </a:p>
+          <a:p>
+            <a:pPr>
+              <a:lnSpc>
+                <a:spcPct val="90000"/>
+              </a:lnSpc>
+            </a:pPr>
+            <a:endParaRPr lang="pt-BR" sz="3200" spc="-1" dirty="0">
+              <a:uFill>
+                <a:solidFill>
+                  <a:srgbClr val="FFFFFF"/>
+                </a:solidFill>
+              </a:uFill>
+              <a:latin typeface="Arial"/>
+            </a:endParaRPr>
+          </a:p>
+          <a:p>
+            <a:pPr>
+              <a:lnSpc>
+                <a:spcPct val="90000"/>
+              </a:lnSpc>
+            </a:pPr>
+            <a:r>
+              <a:rPr lang="pt-BR" sz="3200" spc="-1" dirty="0" err="1">
+                <a:uFill>
+                  <a:solidFill>
+                    <a:srgbClr val="FFFFFF"/>
+                  </a:solidFill>
+                </a:uFill>
+                <a:latin typeface="Arial"/>
+              </a:rPr>
+              <a:t>g</a:t>
+            </a:r>
+            <a:r>
+              <a:rPr lang="pt-BR" sz="3200" spc="-1" dirty="0" err="1" smtClean="0">
+                <a:uFill>
+                  <a:solidFill>
+                    <a:srgbClr val="FFFFFF"/>
+                  </a:solidFill>
+                </a:uFill>
+                <a:latin typeface="Arial"/>
+              </a:rPr>
+              <a:t>it</a:t>
+            </a:r>
+            <a:r>
+              <a:rPr lang="pt-BR" sz="3200" spc="-1" dirty="0" smtClean="0">
+                <a:uFill>
+                  <a:solidFill>
+                    <a:srgbClr val="FFFFFF"/>
+                  </a:solidFill>
+                </a:uFill>
+                <a:latin typeface="Arial"/>
+              </a:rPr>
+              <a:t> </a:t>
+            </a:r>
+            <a:r>
+              <a:rPr lang="pt-BR" sz="3200" spc="-1" dirty="0" err="1" smtClean="0">
+                <a:uFill>
+                  <a:solidFill>
+                    <a:srgbClr val="FFFFFF"/>
+                  </a:solidFill>
+                </a:uFill>
+                <a:latin typeface="Arial"/>
+              </a:rPr>
+              <a:t>tag</a:t>
+            </a:r>
+            <a:r>
+              <a:rPr lang="pt-BR" sz="3200" spc="-1" dirty="0" smtClean="0">
+                <a:uFill>
+                  <a:solidFill>
+                    <a:srgbClr val="FFFFFF"/>
+                  </a:solidFill>
+                </a:uFill>
+                <a:latin typeface="Arial"/>
+              </a:rPr>
+              <a:t> -a v0.1 &lt;commitSHA-1&gt;</a:t>
+            </a:r>
+          </a:p>
+          <a:p>
+            <a:pPr>
+              <a:lnSpc>
+                <a:spcPct val="90000"/>
+              </a:lnSpc>
+            </a:pPr>
+            <a:endParaRPr lang="pt-BR" sz="3200" spc="-1" dirty="0">
+              <a:uFill>
+                <a:solidFill>
+                  <a:srgbClr val="FFFFFF"/>
+                </a:solidFill>
+              </a:uFill>
+              <a:latin typeface="Arial"/>
+            </a:endParaRPr>
+          </a:p>
+          <a:p>
+            <a:pPr>
+              <a:lnSpc>
+                <a:spcPct val="90000"/>
+              </a:lnSpc>
+            </a:pPr>
+            <a:endParaRPr lang="pt-BR" sz="3200" spc="-1" dirty="0" smtClean="0">
+              <a:uFill>
+                <a:solidFill>
+                  <a:srgbClr val="FFFFFF"/>
+                </a:solidFill>
+              </a:uFill>
+              <a:latin typeface="Arial"/>
+            </a:endParaRPr>
+          </a:p>
+          <a:p>
+            <a:pPr>
+              <a:lnSpc>
+                <a:spcPct val="90000"/>
+              </a:lnSpc>
+            </a:pPr>
+            <a:endParaRPr lang="pt-BR" sz="3200" spc="-1" dirty="0" smtClean="0">
+              <a:uFill>
+                <a:solidFill>
+                  <a:srgbClr val="FFFFFF"/>
+                </a:solidFill>
+              </a:uFill>
+              <a:latin typeface="Arial"/>
+            </a:endParaRPr>
+          </a:p>
         </p:txBody>
       </p:sp>
+      <p:pic>
+        <p:nvPicPr>
+          <p:cNvPr id="2" name="Imagem 1"/>
+          <p:cNvPicPr>
+            <a:picLocks noChangeAspect="1"/>
+          </p:cNvPicPr>
+          <p:nvPr/>
+        </p:nvPicPr>
+        <p:blipFill>
+          <a:blip r:embed="rId2">
+            <a:extLst>
+              <a:ext uri="{28A0092B-C50C-407E-A947-70E740481C1C}">
+                <a14:useLocalDpi xmlns:a14="http://schemas.microsoft.com/office/drawing/2010/main" val="0"/>
+              </a:ext>
+            </a:extLst>
+          </a:blip>
+          <a:stretch>
+            <a:fillRect/>
+          </a:stretch>
+        </p:blipFill>
+        <p:spPr>
+          <a:xfrm>
+            <a:off x="6023992" y="2239094"/>
+            <a:ext cx="6162675" cy="4286250"/>
+          </a:xfrm>
+          <a:prstGeom prst="rect">
+            <a:avLst/>
+          </a:prstGeom>
+        </p:spPr>
+      </p:pic>
     </p:spTree>
     <p:extLst>
       <p:ext uri="{BB962C8B-B14F-4D97-AF65-F5344CB8AC3E}">
-        <p14:creationId xmlns:p14="http://schemas.microsoft.com/office/powerpoint/2010/main" val="2239290672"/>
+        <p14:creationId xmlns:p14="http://schemas.microsoft.com/office/powerpoint/2010/main" val="125082428"/>
       </p:ext>
     </p:extLst>
   </p:cSld>
